--- a/Crime_Victoria_PowerPoint_Presentation_temporary_Anh.pptx
+++ b/Crime_Victoria_PowerPoint_Presentation_temporary_Anh.pptx
@@ -115,7 +115,7 @@
   </p:defaultTextStyle>
   <p:extLst>
     <p:ext uri="{EFAFB233-063F-42B5-8137-9DF3F51BA10A}">
-      <p15:sldGuideLst xmlns:p15="http://schemas.microsoft.com/office/powerpoint/2012/main" xmlns=""/>
+      <p15:sldGuideLst xmlns="" xmlns:p15="http://schemas.microsoft.com/office/powerpoint/2012/main"/>
     </p:ext>
   </p:extLst>
 </p:presentation>
@@ -373,7 +373,7 @@
     </p:spTree>
     <p:extLst>
       <p:ext uri="{BB962C8B-B14F-4D97-AF65-F5344CB8AC3E}">
-        <p14:creationId xmlns:p14="http://schemas.microsoft.com/office/powerpoint/2010/main" xmlns="" val="1356543397"/>
+        <p14:creationId xmlns="" xmlns:p14="http://schemas.microsoft.com/office/powerpoint/2010/main" val="1356543397"/>
       </p:ext>
     </p:extLst>
   </p:cSld>
@@ -495,7 +495,7 @@
           <p:cNvPr id="2" name="Title 1">
             <a:extLst>
               <a:ext uri="{FF2B5EF4-FFF2-40B4-BE49-F238E27FC236}">
-                <a16:creationId xmlns:a16="http://schemas.microsoft.com/office/drawing/2014/main" xmlns="" id="{0D395C89-2E28-4777-95B0-BA7EECAE3BA4}"/>
+                <a16:creationId xmlns="" xmlns:a16="http://schemas.microsoft.com/office/drawing/2014/main" id="{0D395C89-2E28-4777-95B0-BA7EECAE3BA4}"/>
               </a:ext>
             </a:extLst>
           </p:cNvPr>
@@ -534,7 +534,7 @@
           <p:cNvPr id="3" name="Subtitle 2">
             <a:extLst>
               <a:ext uri="{FF2B5EF4-FFF2-40B4-BE49-F238E27FC236}">
-                <a16:creationId xmlns:a16="http://schemas.microsoft.com/office/drawing/2014/main" xmlns="" id="{59052321-4D71-4DA8-BD2C-DC22FC1525CB}"/>
+                <a16:creationId xmlns="" xmlns:a16="http://schemas.microsoft.com/office/drawing/2014/main" id="{59052321-4D71-4DA8-BD2C-DC22FC1525CB}"/>
               </a:ext>
             </a:extLst>
           </p:cNvPr>
@@ -606,7 +606,7 @@
           <p:cNvPr id="4" name="Date Placeholder 3">
             <a:extLst>
               <a:ext uri="{FF2B5EF4-FFF2-40B4-BE49-F238E27FC236}">
-                <a16:creationId xmlns:a16="http://schemas.microsoft.com/office/drawing/2014/main" xmlns="" id="{B1D37183-71EA-4A92-8609-41ECB53F447E}"/>
+                <a16:creationId xmlns="" xmlns:a16="http://schemas.microsoft.com/office/drawing/2014/main" id="{B1D37183-71EA-4A92-8609-41ECB53F447E}"/>
               </a:ext>
             </a:extLst>
           </p:cNvPr>
@@ -636,7 +636,7 @@
           <p:cNvPr id="5" name="Footer Placeholder 4">
             <a:extLst>
               <a:ext uri="{FF2B5EF4-FFF2-40B4-BE49-F238E27FC236}">
-                <a16:creationId xmlns:a16="http://schemas.microsoft.com/office/drawing/2014/main" xmlns="" id="{CA09F2E6-1ECC-4081-8EBF-C80C6C94A105}"/>
+                <a16:creationId xmlns="" xmlns:a16="http://schemas.microsoft.com/office/drawing/2014/main" id="{CA09F2E6-1ECC-4081-8EBF-C80C6C94A105}"/>
               </a:ext>
             </a:extLst>
           </p:cNvPr>
@@ -661,7 +661,7 @@
           <p:cNvPr id="6" name="Slide Number Placeholder 5">
             <a:extLst>
               <a:ext uri="{FF2B5EF4-FFF2-40B4-BE49-F238E27FC236}">
-                <a16:creationId xmlns:a16="http://schemas.microsoft.com/office/drawing/2014/main" xmlns="" id="{31C3FA67-CD72-4503-BA25-FEC880107BC4}"/>
+                <a16:creationId xmlns="" xmlns:a16="http://schemas.microsoft.com/office/drawing/2014/main" id="{31C3FA67-CD72-4503-BA25-FEC880107BC4}"/>
               </a:ext>
             </a:extLst>
           </p:cNvPr>
@@ -689,7 +689,7 @@
     </p:spTree>
     <p:extLst>
       <p:ext uri="{BB962C8B-B14F-4D97-AF65-F5344CB8AC3E}">
-        <p14:creationId xmlns:p14="http://schemas.microsoft.com/office/powerpoint/2010/main" xmlns="" val="3194522138"/>
+        <p14:creationId xmlns="" xmlns:p14="http://schemas.microsoft.com/office/powerpoint/2010/main" val="3194522138"/>
       </p:ext>
     </p:extLst>
   </p:cSld>
@@ -721,7 +721,7 @@
           <p:cNvPr id="2" name="Title 1">
             <a:extLst>
               <a:ext uri="{FF2B5EF4-FFF2-40B4-BE49-F238E27FC236}">
-                <a16:creationId xmlns:a16="http://schemas.microsoft.com/office/drawing/2014/main" xmlns="" id="{0C683CBE-1EA9-4E8B-A281-C50B792E55F5}"/>
+                <a16:creationId xmlns="" xmlns:a16="http://schemas.microsoft.com/office/drawing/2014/main" id="{0C683CBE-1EA9-4E8B-A281-C50B792E55F5}"/>
               </a:ext>
             </a:extLst>
           </p:cNvPr>
@@ -749,7 +749,7 @@
           <p:cNvPr id="3" name="Vertical Text Placeholder 2">
             <a:extLst>
               <a:ext uri="{FF2B5EF4-FFF2-40B4-BE49-F238E27FC236}">
-                <a16:creationId xmlns:a16="http://schemas.microsoft.com/office/drawing/2014/main" xmlns="" id="{8B2EB1A0-A59D-4CB9-BABB-C6BF1D2E9928}"/>
+                <a16:creationId xmlns="" xmlns:a16="http://schemas.microsoft.com/office/drawing/2014/main" id="{8B2EB1A0-A59D-4CB9-BABB-C6BF1D2E9928}"/>
               </a:ext>
             </a:extLst>
           </p:cNvPr>
@@ -806,7 +806,7 @@
           <p:cNvPr id="4" name="Date Placeholder 3">
             <a:extLst>
               <a:ext uri="{FF2B5EF4-FFF2-40B4-BE49-F238E27FC236}">
-                <a16:creationId xmlns:a16="http://schemas.microsoft.com/office/drawing/2014/main" xmlns="" id="{B2E6265B-940D-433C-AD76-2D6A42449307}"/>
+                <a16:creationId xmlns="" xmlns:a16="http://schemas.microsoft.com/office/drawing/2014/main" id="{B2E6265B-940D-433C-AD76-2D6A42449307}"/>
               </a:ext>
             </a:extLst>
           </p:cNvPr>
@@ -836,7 +836,7 @@
           <p:cNvPr id="5" name="Footer Placeholder 4">
             <a:extLst>
               <a:ext uri="{FF2B5EF4-FFF2-40B4-BE49-F238E27FC236}">
-                <a16:creationId xmlns:a16="http://schemas.microsoft.com/office/drawing/2014/main" xmlns="" id="{EDCAB98E-314F-45C4-9A64-AD3FAE0516DC}"/>
+                <a16:creationId xmlns="" xmlns:a16="http://schemas.microsoft.com/office/drawing/2014/main" id="{EDCAB98E-314F-45C4-9A64-AD3FAE0516DC}"/>
               </a:ext>
             </a:extLst>
           </p:cNvPr>
@@ -861,7 +861,7 @@
           <p:cNvPr id="6" name="Slide Number Placeholder 5">
             <a:extLst>
               <a:ext uri="{FF2B5EF4-FFF2-40B4-BE49-F238E27FC236}">
-                <a16:creationId xmlns:a16="http://schemas.microsoft.com/office/drawing/2014/main" xmlns="" id="{58E49F32-B214-4A0C-8669-7FE4BA445965}"/>
+                <a16:creationId xmlns="" xmlns:a16="http://schemas.microsoft.com/office/drawing/2014/main" id="{58E49F32-B214-4A0C-8669-7FE4BA445965}"/>
               </a:ext>
             </a:extLst>
           </p:cNvPr>
@@ -889,7 +889,7 @@
     </p:spTree>
     <p:extLst>
       <p:ext uri="{BB962C8B-B14F-4D97-AF65-F5344CB8AC3E}">
-        <p14:creationId xmlns:p14="http://schemas.microsoft.com/office/powerpoint/2010/main" xmlns="" val="4203691493"/>
+        <p14:creationId xmlns="" xmlns:p14="http://schemas.microsoft.com/office/powerpoint/2010/main" val="4203691493"/>
       </p:ext>
     </p:extLst>
   </p:cSld>
@@ -921,7 +921,7 @@
           <p:cNvPr id="2" name="Vertical Title 1">
             <a:extLst>
               <a:ext uri="{FF2B5EF4-FFF2-40B4-BE49-F238E27FC236}">
-                <a16:creationId xmlns:a16="http://schemas.microsoft.com/office/drawing/2014/main" xmlns="" id="{18DE4A6D-DAA1-4551-A093-3C36C1C8CF36}"/>
+                <a16:creationId xmlns="" xmlns:a16="http://schemas.microsoft.com/office/drawing/2014/main" id="{18DE4A6D-DAA1-4551-A093-3C36C1C8CF36}"/>
               </a:ext>
             </a:extLst>
           </p:cNvPr>
@@ -954,7 +954,7 @@
           <p:cNvPr id="3" name="Vertical Text Placeholder 2">
             <a:extLst>
               <a:ext uri="{FF2B5EF4-FFF2-40B4-BE49-F238E27FC236}">
-                <a16:creationId xmlns:a16="http://schemas.microsoft.com/office/drawing/2014/main" xmlns="" id="{3125FDA9-71CD-4B86-B291-BEBA43D8ED7F}"/>
+                <a16:creationId xmlns="" xmlns:a16="http://schemas.microsoft.com/office/drawing/2014/main" id="{3125FDA9-71CD-4B86-B291-BEBA43D8ED7F}"/>
               </a:ext>
             </a:extLst>
           </p:cNvPr>
@@ -1016,7 +1016,7 @@
           <p:cNvPr id="4" name="Date Placeholder 3">
             <a:extLst>
               <a:ext uri="{FF2B5EF4-FFF2-40B4-BE49-F238E27FC236}">
-                <a16:creationId xmlns:a16="http://schemas.microsoft.com/office/drawing/2014/main" xmlns="" id="{86D9F5B1-B635-4479-A426-B1D4066502DB}"/>
+                <a16:creationId xmlns="" xmlns:a16="http://schemas.microsoft.com/office/drawing/2014/main" id="{86D9F5B1-B635-4479-A426-B1D4066502DB}"/>
               </a:ext>
             </a:extLst>
           </p:cNvPr>
@@ -1046,7 +1046,7 @@
           <p:cNvPr id="5" name="Footer Placeholder 4">
             <a:extLst>
               <a:ext uri="{FF2B5EF4-FFF2-40B4-BE49-F238E27FC236}">
-                <a16:creationId xmlns:a16="http://schemas.microsoft.com/office/drawing/2014/main" xmlns="" id="{6B833098-8769-47C3-80B2-C2942F984D68}"/>
+                <a16:creationId xmlns="" xmlns:a16="http://schemas.microsoft.com/office/drawing/2014/main" id="{6B833098-8769-47C3-80B2-C2942F984D68}"/>
               </a:ext>
             </a:extLst>
           </p:cNvPr>
@@ -1071,7 +1071,7 @@
           <p:cNvPr id="6" name="Slide Number Placeholder 5">
             <a:extLst>
               <a:ext uri="{FF2B5EF4-FFF2-40B4-BE49-F238E27FC236}">
-                <a16:creationId xmlns:a16="http://schemas.microsoft.com/office/drawing/2014/main" xmlns="" id="{E5EA9297-65D4-45BE-BE6C-5531FC6A5E1E}"/>
+                <a16:creationId xmlns="" xmlns:a16="http://schemas.microsoft.com/office/drawing/2014/main" id="{E5EA9297-65D4-45BE-BE6C-5531FC6A5E1E}"/>
               </a:ext>
             </a:extLst>
           </p:cNvPr>
@@ -1099,7 +1099,7 @@
     </p:spTree>
     <p:extLst>
       <p:ext uri="{BB962C8B-B14F-4D97-AF65-F5344CB8AC3E}">
-        <p14:creationId xmlns:p14="http://schemas.microsoft.com/office/powerpoint/2010/main" xmlns="" val="3777652632"/>
+        <p14:creationId xmlns="" xmlns:p14="http://schemas.microsoft.com/office/powerpoint/2010/main" val="3777652632"/>
       </p:ext>
     </p:extLst>
   </p:cSld>
@@ -1131,7 +1131,7 @@
           <p:cNvPr id="2" name="Title 1">
             <a:extLst>
               <a:ext uri="{FF2B5EF4-FFF2-40B4-BE49-F238E27FC236}">
-                <a16:creationId xmlns:a16="http://schemas.microsoft.com/office/drawing/2014/main" xmlns="" id="{DC9BA523-EF01-4656-9D54-347E984FD329}"/>
+                <a16:creationId xmlns="" xmlns:a16="http://schemas.microsoft.com/office/drawing/2014/main" id="{DC9BA523-EF01-4656-9D54-347E984FD329}"/>
               </a:ext>
             </a:extLst>
           </p:cNvPr>
@@ -1159,7 +1159,7 @@
           <p:cNvPr id="3" name="Content Placeholder 2">
             <a:extLst>
               <a:ext uri="{FF2B5EF4-FFF2-40B4-BE49-F238E27FC236}">
-                <a16:creationId xmlns:a16="http://schemas.microsoft.com/office/drawing/2014/main" xmlns="" id="{2AD52871-79D5-420E-8207-BEF7BE44A9B6}"/>
+                <a16:creationId xmlns="" xmlns:a16="http://schemas.microsoft.com/office/drawing/2014/main" id="{2AD52871-79D5-420E-8207-BEF7BE44A9B6}"/>
               </a:ext>
             </a:extLst>
           </p:cNvPr>
@@ -1216,7 +1216,7 @@
           <p:cNvPr id="4" name="Date Placeholder 3">
             <a:extLst>
               <a:ext uri="{FF2B5EF4-FFF2-40B4-BE49-F238E27FC236}">
-                <a16:creationId xmlns:a16="http://schemas.microsoft.com/office/drawing/2014/main" xmlns="" id="{896D32D3-8223-4851-BB8E-CB489B975FD6}"/>
+                <a16:creationId xmlns="" xmlns:a16="http://schemas.microsoft.com/office/drawing/2014/main" id="{896D32D3-8223-4851-BB8E-CB489B975FD6}"/>
               </a:ext>
             </a:extLst>
           </p:cNvPr>
@@ -1246,7 +1246,7 @@
           <p:cNvPr id="5" name="Footer Placeholder 4">
             <a:extLst>
               <a:ext uri="{FF2B5EF4-FFF2-40B4-BE49-F238E27FC236}">
-                <a16:creationId xmlns:a16="http://schemas.microsoft.com/office/drawing/2014/main" xmlns="" id="{9E94444B-9FC3-414D-8EA0-15AB806D5E32}"/>
+                <a16:creationId xmlns="" xmlns:a16="http://schemas.microsoft.com/office/drawing/2014/main" id="{9E94444B-9FC3-414D-8EA0-15AB806D5E32}"/>
               </a:ext>
             </a:extLst>
           </p:cNvPr>
@@ -1271,7 +1271,7 @@
           <p:cNvPr id="6" name="Slide Number Placeholder 5">
             <a:extLst>
               <a:ext uri="{FF2B5EF4-FFF2-40B4-BE49-F238E27FC236}">
-                <a16:creationId xmlns:a16="http://schemas.microsoft.com/office/drawing/2014/main" xmlns="" id="{DBBC448B-FCF6-40C5-8BB6-15B70E8897CB}"/>
+                <a16:creationId xmlns="" xmlns:a16="http://schemas.microsoft.com/office/drawing/2014/main" id="{DBBC448B-FCF6-40C5-8BB6-15B70E8897CB}"/>
               </a:ext>
             </a:extLst>
           </p:cNvPr>
@@ -1299,7 +1299,7 @@
     </p:spTree>
     <p:extLst>
       <p:ext uri="{BB962C8B-B14F-4D97-AF65-F5344CB8AC3E}">
-        <p14:creationId xmlns:p14="http://schemas.microsoft.com/office/powerpoint/2010/main" xmlns="" val="1938834610"/>
+        <p14:creationId xmlns="" xmlns:p14="http://schemas.microsoft.com/office/powerpoint/2010/main" val="1938834610"/>
       </p:ext>
     </p:extLst>
   </p:cSld>
@@ -1331,7 +1331,7 @@
           <p:cNvPr id="2" name="Title 1">
             <a:extLst>
               <a:ext uri="{FF2B5EF4-FFF2-40B4-BE49-F238E27FC236}">
-                <a16:creationId xmlns:a16="http://schemas.microsoft.com/office/drawing/2014/main" xmlns="" id="{D14F79BA-620F-4443-807B-BE44F36F98F1}"/>
+                <a16:creationId xmlns="" xmlns:a16="http://schemas.microsoft.com/office/drawing/2014/main" id="{D14F79BA-620F-4443-807B-BE44F36F98F1}"/>
               </a:ext>
             </a:extLst>
           </p:cNvPr>
@@ -1370,7 +1370,7 @@
           <p:cNvPr id="3" name="Text Placeholder 2">
             <a:extLst>
               <a:ext uri="{FF2B5EF4-FFF2-40B4-BE49-F238E27FC236}">
-                <a16:creationId xmlns:a16="http://schemas.microsoft.com/office/drawing/2014/main" xmlns="" id="{30C9A625-6442-4047-B545-433C4451210A}"/>
+                <a16:creationId xmlns="" xmlns:a16="http://schemas.microsoft.com/office/drawing/2014/main" id="{30C9A625-6442-4047-B545-433C4451210A}"/>
               </a:ext>
             </a:extLst>
           </p:cNvPr>
@@ -1495,7 +1495,7 @@
           <p:cNvPr id="4" name="Date Placeholder 3">
             <a:extLst>
               <a:ext uri="{FF2B5EF4-FFF2-40B4-BE49-F238E27FC236}">
-                <a16:creationId xmlns:a16="http://schemas.microsoft.com/office/drawing/2014/main" xmlns="" id="{5F8EAA30-3B1A-4BEA-9835-33D2072451F9}"/>
+                <a16:creationId xmlns="" xmlns:a16="http://schemas.microsoft.com/office/drawing/2014/main" id="{5F8EAA30-3B1A-4BEA-9835-33D2072451F9}"/>
               </a:ext>
             </a:extLst>
           </p:cNvPr>
@@ -1525,7 +1525,7 @@
           <p:cNvPr id="5" name="Footer Placeholder 4">
             <a:extLst>
               <a:ext uri="{FF2B5EF4-FFF2-40B4-BE49-F238E27FC236}">
-                <a16:creationId xmlns:a16="http://schemas.microsoft.com/office/drawing/2014/main" xmlns="" id="{BB256440-3149-446F-8105-485333B183A0}"/>
+                <a16:creationId xmlns="" xmlns:a16="http://schemas.microsoft.com/office/drawing/2014/main" id="{BB256440-3149-446F-8105-485333B183A0}"/>
               </a:ext>
             </a:extLst>
           </p:cNvPr>
@@ -1550,7 +1550,7 @@
           <p:cNvPr id="6" name="Slide Number Placeholder 5">
             <a:extLst>
               <a:ext uri="{FF2B5EF4-FFF2-40B4-BE49-F238E27FC236}">
-                <a16:creationId xmlns:a16="http://schemas.microsoft.com/office/drawing/2014/main" xmlns="" id="{4E0FEDB1-D604-4E10-B334-5DB303498B12}"/>
+                <a16:creationId xmlns="" xmlns:a16="http://schemas.microsoft.com/office/drawing/2014/main" id="{4E0FEDB1-D604-4E10-B334-5DB303498B12}"/>
               </a:ext>
             </a:extLst>
           </p:cNvPr>
@@ -1578,7 +1578,7 @@
     </p:spTree>
     <p:extLst>
       <p:ext uri="{BB962C8B-B14F-4D97-AF65-F5344CB8AC3E}">
-        <p14:creationId xmlns:p14="http://schemas.microsoft.com/office/powerpoint/2010/main" xmlns="" val="1320324372"/>
+        <p14:creationId xmlns="" xmlns:p14="http://schemas.microsoft.com/office/powerpoint/2010/main" val="1320324372"/>
       </p:ext>
     </p:extLst>
   </p:cSld>
@@ -1610,7 +1610,7 @@
           <p:cNvPr id="2" name="Title 1">
             <a:extLst>
               <a:ext uri="{FF2B5EF4-FFF2-40B4-BE49-F238E27FC236}">
-                <a16:creationId xmlns:a16="http://schemas.microsoft.com/office/drawing/2014/main" xmlns="" id="{56F6E563-D552-439E-8DF5-45062D87549B}"/>
+                <a16:creationId xmlns="" xmlns:a16="http://schemas.microsoft.com/office/drawing/2014/main" id="{56F6E563-D552-439E-8DF5-45062D87549B}"/>
               </a:ext>
             </a:extLst>
           </p:cNvPr>
@@ -1638,7 +1638,7 @@
           <p:cNvPr id="3" name="Content Placeholder 2">
             <a:extLst>
               <a:ext uri="{FF2B5EF4-FFF2-40B4-BE49-F238E27FC236}">
-                <a16:creationId xmlns:a16="http://schemas.microsoft.com/office/drawing/2014/main" xmlns="" id="{C0136873-2DD5-456E-A3A9-FE408419E30D}"/>
+                <a16:creationId xmlns="" xmlns:a16="http://schemas.microsoft.com/office/drawing/2014/main" id="{C0136873-2DD5-456E-A3A9-FE408419E30D}"/>
               </a:ext>
             </a:extLst>
           </p:cNvPr>
@@ -1700,7 +1700,7 @@
           <p:cNvPr id="4" name="Content Placeholder 3">
             <a:extLst>
               <a:ext uri="{FF2B5EF4-FFF2-40B4-BE49-F238E27FC236}">
-                <a16:creationId xmlns:a16="http://schemas.microsoft.com/office/drawing/2014/main" xmlns="" id="{00C6B04C-FB9E-4A9E-8892-4B5B702898B4}"/>
+                <a16:creationId xmlns="" xmlns:a16="http://schemas.microsoft.com/office/drawing/2014/main" id="{00C6B04C-FB9E-4A9E-8892-4B5B702898B4}"/>
               </a:ext>
             </a:extLst>
           </p:cNvPr>
@@ -1762,7 +1762,7 @@
           <p:cNvPr id="5" name="Date Placeholder 4">
             <a:extLst>
               <a:ext uri="{FF2B5EF4-FFF2-40B4-BE49-F238E27FC236}">
-                <a16:creationId xmlns:a16="http://schemas.microsoft.com/office/drawing/2014/main" xmlns="" id="{42E2F0B4-0E86-473E-BC42-78D856A00C2E}"/>
+                <a16:creationId xmlns="" xmlns:a16="http://schemas.microsoft.com/office/drawing/2014/main" id="{42E2F0B4-0E86-473E-BC42-78D856A00C2E}"/>
               </a:ext>
             </a:extLst>
           </p:cNvPr>
@@ -1792,7 +1792,7 @@
           <p:cNvPr id="6" name="Footer Placeholder 5">
             <a:extLst>
               <a:ext uri="{FF2B5EF4-FFF2-40B4-BE49-F238E27FC236}">
-                <a16:creationId xmlns:a16="http://schemas.microsoft.com/office/drawing/2014/main" xmlns="" id="{782B9537-F43C-4042-B165-A00358F9E24F}"/>
+                <a16:creationId xmlns="" xmlns:a16="http://schemas.microsoft.com/office/drawing/2014/main" id="{782B9537-F43C-4042-B165-A00358F9E24F}"/>
               </a:ext>
             </a:extLst>
           </p:cNvPr>
@@ -1817,7 +1817,7 @@
           <p:cNvPr id="7" name="Slide Number Placeholder 6">
             <a:extLst>
               <a:ext uri="{FF2B5EF4-FFF2-40B4-BE49-F238E27FC236}">
-                <a16:creationId xmlns:a16="http://schemas.microsoft.com/office/drawing/2014/main" xmlns="" id="{FEF9F52F-61F2-4FEE-8989-2FB400190C4C}"/>
+                <a16:creationId xmlns="" xmlns:a16="http://schemas.microsoft.com/office/drawing/2014/main" id="{FEF9F52F-61F2-4FEE-8989-2FB400190C4C}"/>
               </a:ext>
             </a:extLst>
           </p:cNvPr>
@@ -1845,7 +1845,7 @@
     </p:spTree>
     <p:extLst>
       <p:ext uri="{BB962C8B-B14F-4D97-AF65-F5344CB8AC3E}">
-        <p14:creationId xmlns:p14="http://schemas.microsoft.com/office/powerpoint/2010/main" xmlns="" val="3361999117"/>
+        <p14:creationId xmlns="" xmlns:p14="http://schemas.microsoft.com/office/powerpoint/2010/main" val="3361999117"/>
       </p:ext>
     </p:extLst>
   </p:cSld>
@@ -1877,7 +1877,7 @@
           <p:cNvPr id="2" name="Title 1">
             <a:extLst>
               <a:ext uri="{FF2B5EF4-FFF2-40B4-BE49-F238E27FC236}">
-                <a16:creationId xmlns:a16="http://schemas.microsoft.com/office/drawing/2014/main" xmlns="" id="{66832E5C-0B2D-4DB5-95F6-3C2C825DFE54}"/>
+                <a16:creationId xmlns="" xmlns:a16="http://schemas.microsoft.com/office/drawing/2014/main" id="{66832E5C-0B2D-4DB5-95F6-3C2C825DFE54}"/>
               </a:ext>
             </a:extLst>
           </p:cNvPr>
@@ -1910,7 +1910,7 @@
           <p:cNvPr id="3" name="Text Placeholder 2">
             <a:extLst>
               <a:ext uri="{FF2B5EF4-FFF2-40B4-BE49-F238E27FC236}">
-                <a16:creationId xmlns:a16="http://schemas.microsoft.com/office/drawing/2014/main" xmlns="" id="{818F1C53-3F27-42E6-BE80-1DF57985741C}"/>
+                <a16:creationId xmlns="" xmlns:a16="http://schemas.microsoft.com/office/drawing/2014/main" id="{818F1C53-3F27-42E6-BE80-1DF57985741C}"/>
               </a:ext>
             </a:extLst>
           </p:cNvPr>
@@ -1983,7 +1983,7 @@
           <p:cNvPr id="4" name="Content Placeholder 3">
             <a:extLst>
               <a:ext uri="{FF2B5EF4-FFF2-40B4-BE49-F238E27FC236}">
-                <a16:creationId xmlns:a16="http://schemas.microsoft.com/office/drawing/2014/main" xmlns="" id="{938CC6CB-F028-4322-B54F-571203106F23}"/>
+                <a16:creationId xmlns="" xmlns:a16="http://schemas.microsoft.com/office/drawing/2014/main" id="{938CC6CB-F028-4322-B54F-571203106F23}"/>
               </a:ext>
             </a:extLst>
           </p:cNvPr>
@@ -2052,7 +2052,7 @@
           <p:cNvPr id="5" name="Text Placeholder 4">
             <a:extLst>
               <a:ext uri="{FF2B5EF4-FFF2-40B4-BE49-F238E27FC236}">
-                <a16:creationId xmlns:a16="http://schemas.microsoft.com/office/drawing/2014/main" xmlns="" id="{82AD2CD7-554E-4EAA-BAF6-86ABB7E81D25}"/>
+                <a16:creationId xmlns="" xmlns:a16="http://schemas.microsoft.com/office/drawing/2014/main" id="{82AD2CD7-554E-4EAA-BAF6-86ABB7E81D25}"/>
               </a:ext>
             </a:extLst>
           </p:cNvPr>
@@ -2125,7 +2125,7 @@
           <p:cNvPr id="6" name="Content Placeholder 5">
             <a:extLst>
               <a:ext uri="{FF2B5EF4-FFF2-40B4-BE49-F238E27FC236}">
-                <a16:creationId xmlns:a16="http://schemas.microsoft.com/office/drawing/2014/main" xmlns="" id="{1982A2D6-379C-4D26-90AC-9F2F46DCE7F3}"/>
+                <a16:creationId xmlns="" xmlns:a16="http://schemas.microsoft.com/office/drawing/2014/main" id="{1982A2D6-379C-4D26-90AC-9F2F46DCE7F3}"/>
               </a:ext>
             </a:extLst>
           </p:cNvPr>
@@ -2194,7 +2194,7 @@
           <p:cNvPr id="7" name="Date Placeholder 6">
             <a:extLst>
               <a:ext uri="{FF2B5EF4-FFF2-40B4-BE49-F238E27FC236}">
-                <a16:creationId xmlns:a16="http://schemas.microsoft.com/office/drawing/2014/main" xmlns="" id="{DEA0E4F3-8A65-4788-AE96-1FB2060F48D2}"/>
+                <a16:creationId xmlns="" xmlns:a16="http://schemas.microsoft.com/office/drawing/2014/main" id="{DEA0E4F3-8A65-4788-AE96-1FB2060F48D2}"/>
               </a:ext>
             </a:extLst>
           </p:cNvPr>
@@ -2224,7 +2224,7 @@
           <p:cNvPr id="8" name="Footer Placeholder 7">
             <a:extLst>
               <a:ext uri="{FF2B5EF4-FFF2-40B4-BE49-F238E27FC236}">
-                <a16:creationId xmlns:a16="http://schemas.microsoft.com/office/drawing/2014/main" xmlns="" id="{97522DA4-5EE1-440C-ADDE-D7B4F77B4E18}"/>
+                <a16:creationId xmlns="" xmlns:a16="http://schemas.microsoft.com/office/drawing/2014/main" id="{97522DA4-5EE1-440C-ADDE-D7B4F77B4E18}"/>
               </a:ext>
             </a:extLst>
           </p:cNvPr>
@@ -2249,7 +2249,7 @@
           <p:cNvPr id="9" name="Slide Number Placeholder 8">
             <a:extLst>
               <a:ext uri="{FF2B5EF4-FFF2-40B4-BE49-F238E27FC236}">
-                <a16:creationId xmlns:a16="http://schemas.microsoft.com/office/drawing/2014/main" xmlns="" id="{D6BC291E-B8EF-4ED7-A04A-23426C220CF0}"/>
+                <a16:creationId xmlns="" xmlns:a16="http://schemas.microsoft.com/office/drawing/2014/main" id="{D6BC291E-B8EF-4ED7-A04A-23426C220CF0}"/>
               </a:ext>
             </a:extLst>
           </p:cNvPr>
@@ -2277,7 +2277,7 @@
     </p:spTree>
     <p:extLst>
       <p:ext uri="{BB962C8B-B14F-4D97-AF65-F5344CB8AC3E}">
-        <p14:creationId xmlns:p14="http://schemas.microsoft.com/office/powerpoint/2010/main" xmlns="" val="266521033"/>
+        <p14:creationId xmlns="" xmlns:p14="http://schemas.microsoft.com/office/powerpoint/2010/main" val="266521033"/>
       </p:ext>
     </p:extLst>
   </p:cSld>
@@ -2309,7 +2309,7 @@
           <p:cNvPr id="2" name="Title 1">
             <a:extLst>
               <a:ext uri="{FF2B5EF4-FFF2-40B4-BE49-F238E27FC236}">
-                <a16:creationId xmlns:a16="http://schemas.microsoft.com/office/drawing/2014/main" xmlns="" id="{A01CB818-E8D0-497B-9A7E-4F281D0DBCCD}"/>
+                <a16:creationId xmlns="" xmlns:a16="http://schemas.microsoft.com/office/drawing/2014/main" id="{A01CB818-E8D0-497B-9A7E-4F281D0DBCCD}"/>
               </a:ext>
             </a:extLst>
           </p:cNvPr>
@@ -2337,7 +2337,7 @@
           <p:cNvPr id="3" name="Date Placeholder 2">
             <a:extLst>
               <a:ext uri="{FF2B5EF4-FFF2-40B4-BE49-F238E27FC236}">
-                <a16:creationId xmlns:a16="http://schemas.microsoft.com/office/drawing/2014/main" xmlns="" id="{CFE82B9D-CD58-4C05-8A78-CB6E0E9D49DC}"/>
+                <a16:creationId xmlns="" xmlns:a16="http://schemas.microsoft.com/office/drawing/2014/main" id="{CFE82B9D-CD58-4C05-8A78-CB6E0E9D49DC}"/>
               </a:ext>
             </a:extLst>
           </p:cNvPr>
@@ -2367,7 +2367,7 @@
           <p:cNvPr id="4" name="Footer Placeholder 3">
             <a:extLst>
               <a:ext uri="{FF2B5EF4-FFF2-40B4-BE49-F238E27FC236}">
-                <a16:creationId xmlns:a16="http://schemas.microsoft.com/office/drawing/2014/main" xmlns="" id="{BADE60CD-D6F3-40A7-BB8B-FEC8E3156AFB}"/>
+                <a16:creationId xmlns="" xmlns:a16="http://schemas.microsoft.com/office/drawing/2014/main" id="{BADE60CD-D6F3-40A7-BB8B-FEC8E3156AFB}"/>
               </a:ext>
             </a:extLst>
           </p:cNvPr>
@@ -2392,7 +2392,7 @@
           <p:cNvPr id="5" name="Slide Number Placeholder 4">
             <a:extLst>
               <a:ext uri="{FF2B5EF4-FFF2-40B4-BE49-F238E27FC236}">
-                <a16:creationId xmlns:a16="http://schemas.microsoft.com/office/drawing/2014/main" xmlns="" id="{7C02B832-C4FE-4F88-85EA-DDC16A82B9A9}"/>
+                <a16:creationId xmlns="" xmlns:a16="http://schemas.microsoft.com/office/drawing/2014/main" id="{7C02B832-C4FE-4F88-85EA-DDC16A82B9A9}"/>
               </a:ext>
             </a:extLst>
           </p:cNvPr>
@@ -2420,7 +2420,7 @@
     </p:spTree>
     <p:extLst>
       <p:ext uri="{BB962C8B-B14F-4D97-AF65-F5344CB8AC3E}">
-        <p14:creationId xmlns:p14="http://schemas.microsoft.com/office/powerpoint/2010/main" xmlns="" val="2655213164"/>
+        <p14:creationId xmlns="" xmlns:p14="http://schemas.microsoft.com/office/powerpoint/2010/main" val="2655213164"/>
       </p:ext>
     </p:extLst>
   </p:cSld>
@@ -2452,7 +2452,7 @@
           <p:cNvPr id="2" name="Date Placeholder 1">
             <a:extLst>
               <a:ext uri="{FF2B5EF4-FFF2-40B4-BE49-F238E27FC236}">
-                <a16:creationId xmlns:a16="http://schemas.microsoft.com/office/drawing/2014/main" xmlns="" id="{3C75B2FC-801A-44A4-96BF-26A9E8B2A1C6}"/>
+                <a16:creationId xmlns="" xmlns:a16="http://schemas.microsoft.com/office/drawing/2014/main" id="{3C75B2FC-801A-44A4-96BF-26A9E8B2A1C6}"/>
               </a:ext>
             </a:extLst>
           </p:cNvPr>
@@ -2482,7 +2482,7 @@
           <p:cNvPr id="3" name="Footer Placeholder 2">
             <a:extLst>
               <a:ext uri="{FF2B5EF4-FFF2-40B4-BE49-F238E27FC236}">
-                <a16:creationId xmlns:a16="http://schemas.microsoft.com/office/drawing/2014/main" xmlns="" id="{A8127F04-7E7E-485C-8B30-6B89E5A69F0A}"/>
+                <a16:creationId xmlns="" xmlns:a16="http://schemas.microsoft.com/office/drawing/2014/main" id="{A8127F04-7E7E-485C-8B30-6B89E5A69F0A}"/>
               </a:ext>
             </a:extLst>
           </p:cNvPr>
@@ -2507,7 +2507,7 @@
           <p:cNvPr id="4" name="Slide Number Placeholder 3">
             <a:extLst>
               <a:ext uri="{FF2B5EF4-FFF2-40B4-BE49-F238E27FC236}">
-                <a16:creationId xmlns:a16="http://schemas.microsoft.com/office/drawing/2014/main" xmlns="" id="{90933C81-AA74-4BCE-AA9E-56E5791D078C}"/>
+                <a16:creationId xmlns="" xmlns:a16="http://schemas.microsoft.com/office/drawing/2014/main" id="{90933C81-AA74-4BCE-AA9E-56E5791D078C}"/>
               </a:ext>
             </a:extLst>
           </p:cNvPr>
@@ -2535,7 +2535,7 @@
     </p:spTree>
     <p:extLst>
       <p:ext uri="{BB962C8B-B14F-4D97-AF65-F5344CB8AC3E}">
-        <p14:creationId xmlns:p14="http://schemas.microsoft.com/office/powerpoint/2010/main" xmlns="" val="576407341"/>
+        <p14:creationId xmlns="" xmlns:p14="http://schemas.microsoft.com/office/powerpoint/2010/main" val="576407341"/>
       </p:ext>
     </p:extLst>
   </p:cSld>
@@ -2567,7 +2567,7 @@
           <p:cNvPr id="2" name="Title 1">
             <a:extLst>
               <a:ext uri="{FF2B5EF4-FFF2-40B4-BE49-F238E27FC236}">
-                <a16:creationId xmlns:a16="http://schemas.microsoft.com/office/drawing/2014/main" xmlns="" id="{98DFD3CB-0541-46AD-B35E-0E0A1375E8A2}"/>
+                <a16:creationId xmlns="" xmlns:a16="http://schemas.microsoft.com/office/drawing/2014/main" id="{98DFD3CB-0541-46AD-B35E-0E0A1375E8A2}"/>
               </a:ext>
             </a:extLst>
           </p:cNvPr>
@@ -2604,7 +2604,7 @@
           <p:cNvPr id="3" name="Content Placeholder 2">
             <a:extLst>
               <a:ext uri="{FF2B5EF4-FFF2-40B4-BE49-F238E27FC236}">
-                <a16:creationId xmlns:a16="http://schemas.microsoft.com/office/drawing/2014/main" xmlns="" id="{EBF8EFDE-1D7D-46B8-AB55-A3C02EDD1888}"/>
+                <a16:creationId xmlns="" xmlns:a16="http://schemas.microsoft.com/office/drawing/2014/main" id="{EBF8EFDE-1D7D-46B8-AB55-A3C02EDD1888}"/>
               </a:ext>
             </a:extLst>
           </p:cNvPr>
@@ -2694,7 +2694,7 @@
           <p:cNvPr id="4" name="Text Placeholder 3">
             <a:extLst>
               <a:ext uri="{FF2B5EF4-FFF2-40B4-BE49-F238E27FC236}">
-                <a16:creationId xmlns:a16="http://schemas.microsoft.com/office/drawing/2014/main" xmlns="" id="{6411D2F5-DB36-4943-8A14-96AFC4883065}"/>
+                <a16:creationId xmlns="" xmlns:a16="http://schemas.microsoft.com/office/drawing/2014/main" id="{6411D2F5-DB36-4943-8A14-96AFC4883065}"/>
               </a:ext>
             </a:extLst>
           </p:cNvPr>
@@ -2765,7 +2765,7 @@
           <p:cNvPr id="5" name="Date Placeholder 4">
             <a:extLst>
               <a:ext uri="{FF2B5EF4-FFF2-40B4-BE49-F238E27FC236}">
-                <a16:creationId xmlns:a16="http://schemas.microsoft.com/office/drawing/2014/main" xmlns="" id="{106C07D4-6597-444C-9EFD-62021AE7618C}"/>
+                <a16:creationId xmlns="" xmlns:a16="http://schemas.microsoft.com/office/drawing/2014/main" id="{106C07D4-6597-444C-9EFD-62021AE7618C}"/>
               </a:ext>
             </a:extLst>
           </p:cNvPr>
@@ -2795,7 +2795,7 @@
           <p:cNvPr id="6" name="Footer Placeholder 5">
             <a:extLst>
               <a:ext uri="{FF2B5EF4-FFF2-40B4-BE49-F238E27FC236}">
-                <a16:creationId xmlns:a16="http://schemas.microsoft.com/office/drawing/2014/main" xmlns="" id="{712D0D2C-70E8-4A24-9727-BEAF10B17D6C}"/>
+                <a16:creationId xmlns="" xmlns:a16="http://schemas.microsoft.com/office/drawing/2014/main" id="{712D0D2C-70E8-4A24-9727-BEAF10B17D6C}"/>
               </a:ext>
             </a:extLst>
           </p:cNvPr>
@@ -2820,7 +2820,7 @@
           <p:cNvPr id="7" name="Slide Number Placeholder 6">
             <a:extLst>
               <a:ext uri="{FF2B5EF4-FFF2-40B4-BE49-F238E27FC236}">
-                <a16:creationId xmlns:a16="http://schemas.microsoft.com/office/drawing/2014/main" xmlns="" id="{F0D9E0F6-7216-48A1-8BCA-770C6DE3875B}"/>
+                <a16:creationId xmlns="" xmlns:a16="http://schemas.microsoft.com/office/drawing/2014/main" id="{F0D9E0F6-7216-48A1-8BCA-770C6DE3875B}"/>
               </a:ext>
             </a:extLst>
           </p:cNvPr>
@@ -2848,7 +2848,7 @@
     </p:spTree>
     <p:extLst>
       <p:ext uri="{BB962C8B-B14F-4D97-AF65-F5344CB8AC3E}">
-        <p14:creationId xmlns:p14="http://schemas.microsoft.com/office/powerpoint/2010/main" xmlns="" val="780026818"/>
+        <p14:creationId xmlns="" xmlns:p14="http://schemas.microsoft.com/office/powerpoint/2010/main" val="780026818"/>
       </p:ext>
     </p:extLst>
   </p:cSld>
@@ -2880,7 +2880,7 @@
           <p:cNvPr id="2" name="Title 1">
             <a:extLst>
               <a:ext uri="{FF2B5EF4-FFF2-40B4-BE49-F238E27FC236}">
-                <a16:creationId xmlns:a16="http://schemas.microsoft.com/office/drawing/2014/main" xmlns="" id="{1E4CBEBD-5F1A-4111-A7F2-1CE82C9A69D8}"/>
+                <a16:creationId xmlns="" xmlns:a16="http://schemas.microsoft.com/office/drawing/2014/main" id="{1E4CBEBD-5F1A-4111-A7F2-1CE82C9A69D8}"/>
               </a:ext>
             </a:extLst>
           </p:cNvPr>
@@ -2917,7 +2917,7 @@
           <p:cNvPr id="3" name="Picture Placeholder 2">
             <a:extLst>
               <a:ext uri="{FF2B5EF4-FFF2-40B4-BE49-F238E27FC236}">
-                <a16:creationId xmlns:a16="http://schemas.microsoft.com/office/drawing/2014/main" xmlns="" id="{C00517FB-4008-4F68-B193-482971BA720D}"/>
+                <a16:creationId xmlns="" xmlns:a16="http://schemas.microsoft.com/office/drawing/2014/main" id="{C00517FB-4008-4F68-B193-482971BA720D}"/>
               </a:ext>
             </a:extLst>
           </p:cNvPr>
@@ -2984,7 +2984,7 @@
           <p:cNvPr id="4" name="Text Placeholder 3">
             <a:extLst>
               <a:ext uri="{FF2B5EF4-FFF2-40B4-BE49-F238E27FC236}">
-                <a16:creationId xmlns:a16="http://schemas.microsoft.com/office/drawing/2014/main" xmlns="" id="{92606C5F-0885-458F-9B21-47E60171BF0E}"/>
+                <a16:creationId xmlns="" xmlns:a16="http://schemas.microsoft.com/office/drawing/2014/main" id="{92606C5F-0885-458F-9B21-47E60171BF0E}"/>
               </a:ext>
             </a:extLst>
           </p:cNvPr>
@@ -3055,7 +3055,7 @@
           <p:cNvPr id="5" name="Date Placeholder 4">
             <a:extLst>
               <a:ext uri="{FF2B5EF4-FFF2-40B4-BE49-F238E27FC236}">
-                <a16:creationId xmlns:a16="http://schemas.microsoft.com/office/drawing/2014/main" xmlns="" id="{04886F2E-B752-4D78-8DC4-C96A1A00E670}"/>
+                <a16:creationId xmlns="" xmlns:a16="http://schemas.microsoft.com/office/drawing/2014/main" id="{04886F2E-B752-4D78-8DC4-C96A1A00E670}"/>
               </a:ext>
             </a:extLst>
           </p:cNvPr>
@@ -3085,7 +3085,7 @@
           <p:cNvPr id="6" name="Footer Placeholder 5">
             <a:extLst>
               <a:ext uri="{FF2B5EF4-FFF2-40B4-BE49-F238E27FC236}">
-                <a16:creationId xmlns:a16="http://schemas.microsoft.com/office/drawing/2014/main" xmlns="" id="{4FC37751-8BB8-4224-870A-A2953E76073F}"/>
+                <a16:creationId xmlns="" xmlns:a16="http://schemas.microsoft.com/office/drawing/2014/main" id="{4FC37751-8BB8-4224-870A-A2953E76073F}"/>
               </a:ext>
             </a:extLst>
           </p:cNvPr>
@@ -3110,7 +3110,7 @@
           <p:cNvPr id="7" name="Slide Number Placeholder 6">
             <a:extLst>
               <a:ext uri="{FF2B5EF4-FFF2-40B4-BE49-F238E27FC236}">
-                <a16:creationId xmlns:a16="http://schemas.microsoft.com/office/drawing/2014/main" xmlns="" id="{6242CE94-BD7E-44B3-9B5E-67D4BD317E99}"/>
+                <a16:creationId xmlns="" xmlns:a16="http://schemas.microsoft.com/office/drawing/2014/main" id="{6242CE94-BD7E-44B3-9B5E-67D4BD317E99}"/>
               </a:ext>
             </a:extLst>
           </p:cNvPr>
@@ -3138,7 +3138,7 @@
     </p:spTree>
     <p:extLst>
       <p:ext uri="{BB962C8B-B14F-4D97-AF65-F5344CB8AC3E}">
-        <p14:creationId xmlns:p14="http://schemas.microsoft.com/office/powerpoint/2010/main" xmlns="" val="1894485911"/>
+        <p14:creationId xmlns="" xmlns:p14="http://schemas.microsoft.com/office/powerpoint/2010/main" val="1894485911"/>
       </p:ext>
     </p:extLst>
   </p:cSld>
@@ -3175,7 +3175,7 @@
           <p:cNvPr id="7" name="Group 6">
             <a:extLst>
               <a:ext uri="{FF2B5EF4-FFF2-40B4-BE49-F238E27FC236}">
-                <a16:creationId xmlns:a16="http://schemas.microsoft.com/office/drawing/2014/main" xmlns="" id="{71AFD227-869A-489C-A9B5-3F0498DF3C0C}"/>
+                <a16:creationId xmlns="" xmlns:a16="http://schemas.microsoft.com/office/drawing/2014/main" id="{71AFD227-869A-489C-A9B5-3F0498DF3C0C}"/>
               </a:ext>
             </a:extLst>
           </p:cNvPr>
@@ -3200,7 +3200,7 @@
             <p:cNvPr id="8" name="Freeform 8">
               <a:extLst>
                 <a:ext uri="{FF2B5EF4-FFF2-40B4-BE49-F238E27FC236}">
-                  <a16:creationId xmlns:a16="http://schemas.microsoft.com/office/drawing/2014/main" xmlns="" id="{62704B34-199B-4964-9C78-3AB9735915AA}"/>
+                  <a16:creationId xmlns="" xmlns:a16="http://schemas.microsoft.com/office/drawing/2014/main" id="{62704B34-199B-4964-9C78-3AB9735915AA}"/>
                 </a:ext>
               </a:extLst>
             </p:cNvPr>
@@ -3282,7 +3282,7 @@
             <p:cNvPr id="9" name="Freeform 10">
               <a:extLst>
                 <a:ext uri="{FF2B5EF4-FFF2-40B4-BE49-F238E27FC236}">
-                  <a16:creationId xmlns:a16="http://schemas.microsoft.com/office/drawing/2014/main" xmlns="" id="{8B1E8DB8-017D-454E-849F-EE5742849FD4}"/>
+                  <a16:creationId xmlns="" xmlns:a16="http://schemas.microsoft.com/office/drawing/2014/main" id="{8B1E8DB8-017D-454E-849F-EE5742849FD4}"/>
                 </a:ext>
               </a:extLst>
             </p:cNvPr>
@@ -3364,7 +3364,7 @@
             <p:cNvPr id="10" name="Freeform 15">
               <a:extLst>
                 <a:ext uri="{FF2B5EF4-FFF2-40B4-BE49-F238E27FC236}">
-                  <a16:creationId xmlns:a16="http://schemas.microsoft.com/office/drawing/2014/main" xmlns="" id="{16D80E5D-5099-41C4-A80A-1B1538C382FC}"/>
+                  <a16:creationId xmlns="" xmlns:a16="http://schemas.microsoft.com/office/drawing/2014/main" id="{16D80E5D-5099-41C4-A80A-1B1538C382FC}"/>
                 </a:ext>
               </a:extLst>
             </p:cNvPr>
@@ -3446,7 +3446,7 @@
             <p:cNvPr id="11" name="Freeform 18">
               <a:extLst>
                 <a:ext uri="{FF2B5EF4-FFF2-40B4-BE49-F238E27FC236}">
-                  <a16:creationId xmlns:a16="http://schemas.microsoft.com/office/drawing/2014/main" xmlns="" id="{947751E1-E2F4-467E-B547-3BD4BAB7F560}"/>
+                  <a16:creationId xmlns="" xmlns:a16="http://schemas.microsoft.com/office/drawing/2014/main" id="{947751E1-E2F4-467E-B547-3BD4BAB7F560}"/>
                 </a:ext>
               </a:extLst>
             </p:cNvPr>
@@ -3528,7 +3528,7 @@
             <p:cNvPr id="12" name="Freeform 19">
               <a:extLst>
                 <a:ext uri="{FF2B5EF4-FFF2-40B4-BE49-F238E27FC236}">
-                  <a16:creationId xmlns:a16="http://schemas.microsoft.com/office/drawing/2014/main" xmlns="" id="{55D8869B-B701-4268-9856-876345C8AE3F}"/>
+                  <a16:creationId xmlns="" xmlns:a16="http://schemas.microsoft.com/office/drawing/2014/main" id="{55D8869B-B701-4268-9856-876345C8AE3F}"/>
                 </a:ext>
               </a:extLst>
             </p:cNvPr>
@@ -3610,7 +3610,7 @@
             <p:cNvPr id="13" name="Freeform 20">
               <a:extLst>
                 <a:ext uri="{FF2B5EF4-FFF2-40B4-BE49-F238E27FC236}">
-                  <a16:creationId xmlns:a16="http://schemas.microsoft.com/office/drawing/2014/main" xmlns="" id="{A25CA59C-849F-4CE4-A9B0-293F98DE2C7C}"/>
+                  <a16:creationId xmlns="" xmlns:a16="http://schemas.microsoft.com/office/drawing/2014/main" id="{A25CA59C-849F-4CE4-A9B0-293F98DE2C7C}"/>
                 </a:ext>
               </a:extLst>
             </p:cNvPr>
@@ -3692,7 +3692,7 @@
             <p:cNvPr id="14" name="Freeform 22">
               <a:extLst>
                 <a:ext uri="{FF2B5EF4-FFF2-40B4-BE49-F238E27FC236}">
-                  <a16:creationId xmlns:a16="http://schemas.microsoft.com/office/drawing/2014/main" xmlns="" id="{FE000DB1-AAA1-4BFF-8F14-53624C2F9E0B}"/>
+                  <a16:creationId xmlns="" xmlns:a16="http://schemas.microsoft.com/office/drawing/2014/main" id="{FE000DB1-AAA1-4BFF-8F14-53624C2F9E0B}"/>
                 </a:ext>
               </a:extLst>
             </p:cNvPr>
@@ -3774,7 +3774,7 @@
             <p:cNvPr id="15" name="Freeform 23">
               <a:extLst>
                 <a:ext uri="{FF2B5EF4-FFF2-40B4-BE49-F238E27FC236}">
-                  <a16:creationId xmlns:a16="http://schemas.microsoft.com/office/drawing/2014/main" xmlns="" id="{5EEFBC14-7E5B-47B2-B5E3-E90991F89191}"/>
+                  <a16:creationId xmlns="" xmlns:a16="http://schemas.microsoft.com/office/drawing/2014/main" id="{5EEFBC14-7E5B-47B2-B5E3-E90991F89191}"/>
                 </a:ext>
               </a:extLst>
             </p:cNvPr>
@@ -3856,7 +3856,7 @@
             <p:cNvPr id="16" name="Freeform 26">
               <a:extLst>
                 <a:ext uri="{FF2B5EF4-FFF2-40B4-BE49-F238E27FC236}">
-                  <a16:creationId xmlns:a16="http://schemas.microsoft.com/office/drawing/2014/main" xmlns="" id="{00AFF6E4-A34A-4FD3-8C57-BB96114822D1}"/>
+                  <a16:creationId xmlns="" xmlns:a16="http://schemas.microsoft.com/office/drawing/2014/main" id="{00AFF6E4-A34A-4FD3-8C57-BB96114822D1}"/>
                 </a:ext>
               </a:extLst>
             </p:cNvPr>
@@ -3938,7 +3938,7 @@
             <p:cNvPr id="17" name="Freeform 27">
               <a:extLst>
                 <a:ext uri="{FF2B5EF4-FFF2-40B4-BE49-F238E27FC236}">
-                  <a16:creationId xmlns:a16="http://schemas.microsoft.com/office/drawing/2014/main" xmlns="" id="{C63A8474-C075-4441-A0B3-52286EA50093}"/>
+                  <a16:creationId xmlns="" xmlns:a16="http://schemas.microsoft.com/office/drawing/2014/main" id="{C63A8474-C075-4441-A0B3-52286EA50093}"/>
                 </a:ext>
               </a:extLst>
             </p:cNvPr>
@@ -4020,7 +4020,7 @@
             <p:cNvPr id="18" name="Freeform 28">
               <a:extLst>
                 <a:ext uri="{FF2B5EF4-FFF2-40B4-BE49-F238E27FC236}">
-                  <a16:creationId xmlns:a16="http://schemas.microsoft.com/office/drawing/2014/main" xmlns="" id="{35DA4698-A2ED-4512-8887-F12D3F14372A}"/>
+                  <a16:creationId xmlns="" xmlns:a16="http://schemas.microsoft.com/office/drawing/2014/main" id="{35DA4698-A2ED-4512-8887-F12D3F14372A}"/>
                 </a:ext>
               </a:extLst>
             </p:cNvPr>
@@ -4102,7 +4102,7 @@
             <p:cNvPr id="19" name="Freeform 30">
               <a:extLst>
                 <a:ext uri="{FF2B5EF4-FFF2-40B4-BE49-F238E27FC236}">
-                  <a16:creationId xmlns:a16="http://schemas.microsoft.com/office/drawing/2014/main" xmlns="" id="{3358E118-D590-4E50-B21C-6CDAA1CCAFCB}"/>
+                  <a16:creationId xmlns="" xmlns:a16="http://schemas.microsoft.com/office/drawing/2014/main" id="{3358E118-D590-4E50-B21C-6CDAA1CCAFCB}"/>
                 </a:ext>
               </a:extLst>
             </p:cNvPr>
@@ -4184,7 +4184,7 @@
             <p:cNvPr id="20" name="Freeform 43">
               <a:extLst>
                 <a:ext uri="{FF2B5EF4-FFF2-40B4-BE49-F238E27FC236}">
-                  <a16:creationId xmlns:a16="http://schemas.microsoft.com/office/drawing/2014/main" xmlns="" id="{F1EE889E-60FF-423F-ADCB-6CBEE853A040}"/>
+                  <a16:creationId xmlns="" xmlns:a16="http://schemas.microsoft.com/office/drawing/2014/main" id="{F1EE889E-60FF-423F-ADCB-6CBEE853A040}"/>
                 </a:ext>
               </a:extLst>
             </p:cNvPr>
@@ -4266,7 +4266,7 @@
             <p:cNvPr id="21" name="Freeform 51">
               <a:extLst>
                 <a:ext uri="{FF2B5EF4-FFF2-40B4-BE49-F238E27FC236}">
-                  <a16:creationId xmlns:a16="http://schemas.microsoft.com/office/drawing/2014/main" xmlns="" id="{A4AA0634-0A7C-4A35-8EB7-775200F129FD}"/>
+                  <a16:creationId xmlns="" xmlns:a16="http://schemas.microsoft.com/office/drawing/2014/main" id="{A4AA0634-0A7C-4A35-8EB7-775200F129FD}"/>
                 </a:ext>
               </a:extLst>
             </p:cNvPr>
@@ -4358,7 +4358,7 @@
             <p:cNvPr id="22" name="Freeform 52">
               <a:extLst>
                 <a:ext uri="{FF2B5EF4-FFF2-40B4-BE49-F238E27FC236}">
-                  <a16:creationId xmlns:a16="http://schemas.microsoft.com/office/drawing/2014/main" xmlns="" id="{EBA21558-CAC3-445C-8882-5D4A0C6D2A0E}"/>
+                  <a16:creationId xmlns="" xmlns:a16="http://schemas.microsoft.com/office/drawing/2014/main" id="{EBA21558-CAC3-445C-8882-5D4A0C6D2A0E}"/>
                 </a:ext>
               </a:extLst>
             </p:cNvPr>
@@ -4440,7 +4440,7 @@
             <p:cNvPr id="23" name="Freeform 53">
               <a:extLst>
                 <a:ext uri="{FF2B5EF4-FFF2-40B4-BE49-F238E27FC236}">
-                  <a16:creationId xmlns:a16="http://schemas.microsoft.com/office/drawing/2014/main" xmlns="" id="{2E9415F1-5D31-4C25-9E26-203EEF500877}"/>
+                  <a16:creationId xmlns="" xmlns:a16="http://schemas.microsoft.com/office/drawing/2014/main" id="{2E9415F1-5D31-4C25-9E26-203EEF500877}"/>
                 </a:ext>
               </a:extLst>
             </p:cNvPr>
@@ -4522,7 +4522,7 @@
             <p:cNvPr id="24" name="Freeform 54">
               <a:extLst>
                 <a:ext uri="{FF2B5EF4-FFF2-40B4-BE49-F238E27FC236}">
-                  <a16:creationId xmlns:a16="http://schemas.microsoft.com/office/drawing/2014/main" xmlns="" id="{622FC1F6-879A-45BA-8752-08020C39CE29}"/>
+                  <a16:creationId xmlns="" xmlns:a16="http://schemas.microsoft.com/office/drawing/2014/main" id="{622FC1F6-879A-45BA-8752-08020C39CE29}"/>
                 </a:ext>
               </a:extLst>
             </p:cNvPr>
@@ -4604,7 +4604,7 @@
             <p:cNvPr id="25" name="Freeform 55">
               <a:extLst>
                 <a:ext uri="{FF2B5EF4-FFF2-40B4-BE49-F238E27FC236}">
-                  <a16:creationId xmlns:a16="http://schemas.microsoft.com/office/drawing/2014/main" xmlns="" id="{BA09826C-58E2-48C5-9666-333326C2CA44}"/>
+                  <a16:creationId xmlns="" xmlns:a16="http://schemas.microsoft.com/office/drawing/2014/main" id="{BA09826C-58E2-48C5-9666-333326C2CA44}"/>
                 </a:ext>
               </a:extLst>
             </p:cNvPr>
@@ -4686,7 +4686,7 @@
             <p:cNvPr id="26" name="Freeform 56">
               <a:extLst>
                 <a:ext uri="{FF2B5EF4-FFF2-40B4-BE49-F238E27FC236}">
-                  <a16:creationId xmlns:a16="http://schemas.microsoft.com/office/drawing/2014/main" xmlns="" id="{A6D3555F-4EA1-4EA7-9D08-2D75CE51927B}"/>
+                  <a16:creationId xmlns="" xmlns:a16="http://schemas.microsoft.com/office/drawing/2014/main" id="{A6D3555F-4EA1-4EA7-9D08-2D75CE51927B}"/>
                 </a:ext>
               </a:extLst>
             </p:cNvPr>
@@ -4768,7 +4768,7 @@
             <p:cNvPr id="27" name="Freeform 57">
               <a:extLst>
                 <a:ext uri="{FF2B5EF4-FFF2-40B4-BE49-F238E27FC236}">
-                  <a16:creationId xmlns:a16="http://schemas.microsoft.com/office/drawing/2014/main" xmlns="" id="{60FA20E8-EDAA-4310-B870-97807901AC18}"/>
+                  <a16:creationId xmlns="" xmlns:a16="http://schemas.microsoft.com/office/drawing/2014/main" id="{60FA20E8-EDAA-4310-B870-97807901AC18}"/>
                 </a:ext>
               </a:extLst>
             </p:cNvPr>
@@ -4850,7 +4850,7 @@
             <p:cNvPr id="28" name="Freeform 59">
               <a:extLst>
                 <a:ext uri="{FF2B5EF4-FFF2-40B4-BE49-F238E27FC236}">
-                  <a16:creationId xmlns:a16="http://schemas.microsoft.com/office/drawing/2014/main" xmlns="" id="{F5552AA2-C2AB-4D59-B6EF-E8E5EE110E52}"/>
+                  <a16:creationId xmlns="" xmlns:a16="http://schemas.microsoft.com/office/drawing/2014/main" id="{F5552AA2-C2AB-4D59-B6EF-E8E5EE110E52}"/>
                 </a:ext>
               </a:extLst>
             </p:cNvPr>
@@ -4932,7 +4932,7 @@
             <p:cNvPr id="29" name="Freeform 60">
               <a:extLst>
                 <a:ext uri="{FF2B5EF4-FFF2-40B4-BE49-F238E27FC236}">
-                  <a16:creationId xmlns:a16="http://schemas.microsoft.com/office/drawing/2014/main" xmlns="" id="{0BA267D0-8F6B-4803-B948-70E29B4587EB}"/>
+                  <a16:creationId xmlns="" xmlns:a16="http://schemas.microsoft.com/office/drawing/2014/main" id="{0BA267D0-8F6B-4803-B948-70E29B4587EB}"/>
                 </a:ext>
               </a:extLst>
             </p:cNvPr>
@@ -5014,7 +5014,7 @@
             <p:cNvPr id="30" name="Freeform 61">
               <a:extLst>
                 <a:ext uri="{FF2B5EF4-FFF2-40B4-BE49-F238E27FC236}">
-                  <a16:creationId xmlns:a16="http://schemas.microsoft.com/office/drawing/2014/main" xmlns="" id="{86E372A3-B9F4-4FEE-8B96-D9AD879E214E}"/>
+                  <a16:creationId xmlns="" xmlns:a16="http://schemas.microsoft.com/office/drawing/2014/main" id="{86E372A3-B9F4-4FEE-8B96-D9AD879E214E}"/>
                 </a:ext>
               </a:extLst>
             </p:cNvPr>
@@ -5096,7 +5096,7 @@
             <p:cNvPr id="31" name="Freeform 5">
               <a:extLst>
                 <a:ext uri="{FF2B5EF4-FFF2-40B4-BE49-F238E27FC236}">
-                  <a16:creationId xmlns:a16="http://schemas.microsoft.com/office/drawing/2014/main" xmlns="" id="{FF0C4564-5DA6-4224-A8B7-85CE1323DE8F}"/>
+                  <a16:creationId xmlns="" xmlns:a16="http://schemas.microsoft.com/office/drawing/2014/main" id="{FF0C4564-5DA6-4224-A8B7-85CE1323DE8F}"/>
                 </a:ext>
               </a:extLst>
             </p:cNvPr>
@@ -5178,7 +5178,7 @@
             <p:cNvPr id="32" name="Freeform 6">
               <a:extLst>
                 <a:ext uri="{FF2B5EF4-FFF2-40B4-BE49-F238E27FC236}">
-                  <a16:creationId xmlns:a16="http://schemas.microsoft.com/office/drawing/2014/main" xmlns="" id="{19F31D0D-C43D-4BB0-A13C-9524B84117D4}"/>
+                  <a16:creationId xmlns="" xmlns:a16="http://schemas.microsoft.com/office/drawing/2014/main" id="{19F31D0D-C43D-4BB0-A13C-9524B84117D4}"/>
                 </a:ext>
               </a:extLst>
             </p:cNvPr>
@@ -5260,7 +5260,7 @@
             <p:cNvPr id="33" name="Freeform 7">
               <a:extLst>
                 <a:ext uri="{FF2B5EF4-FFF2-40B4-BE49-F238E27FC236}">
-                  <a16:creationId xmlns:a16="http://schemas.microsoft.com/office/drawing/2014/main" xmlns="" id="{6B32FB03-B0FE-4731-BE41-C59AFB49FBF5}"/>
+                  <a16:creationId xmlns="" xmlns:a16="http://schemas.microsoft.com/office/drawing/2014/main" id="{6B32FB03-B0FE-4731-BE41-C59AFB49FBF5}"/>
                 </a:ext>
               </a:extLst>
             </p:cNvPr>
@@ -5342,7 +5342,7 @@
             <p:cNvPr id="34" name="Freeform 8">
               <a:extLst>
                 <a:ext uri="{FF2B5EF4-FFF2-40B4-BE49-F238E27FC236}">
-                  <a16:creationId xmlns:a16="http://schemas.microsoft.com/office/drawing/2014/main" xmlns="" id="{BDD5B6F0-1E17-4DCD-AE5F-ED8C48892FEF}"/>
+                  <a16:creationId xmlns="" xmlns:a16="http://schemas.microsoft.com/office/drawing/2014/main" id="{BDD5B6F0-1E17-4DCD-AE5F-ED8C48892FEF}"/>
                 </a:ext>
               </a:extLst>
             </p:cNvPr>
@@ -5424,7 +5424,7 @@
             <p:cNvPr id="35" name="Freeform 9">
               <a:extLst>
                 <a:ext uri="{FF2B5EF4-FFF2-40B4-BE49-F238E27FC236}">
-                  <a16:creationId xmlns:a16="http://schemas.microsoft.com/office/drawing/2014/main" xmlns="" id="{0290BE17-E89B-4AF9-B3F6-AF4884D52467}"/>
+                  <a16:creationId xmlns="" xmlns:a16="http://schemas.microsoft.com/office/drawing/2014/main" id="{0290BE17-E89B-4AF9-B3F6-AF4884D52467}"/>
                 </a:ext>
               </a:extLst>
             </p:cNvPr>
@@ -5506,7 +5506,7 @@
             <p:cNvPr id="36" name="Freeform 11">
               <a:extLst>
                 <a:ext uri="{FF2B5EF4-FFF2-40B4-BE49-F238E27FC236}">
-                  <a16:creationId xmlns:a16="http://schemas.microsoft.com/office/drawing/2014/main" xmlns="" id="{85F63089-F77F-4F02-8417-AAC1847FBCA7}"/>
+                  <a16:creationId xmlns="" xmlns:a16="http://schemas.microsoft.com/office/drawing/2014/main" id="{85F63089-F77F-4F02-8417-AAC1847FBCA7}"/>
                 </a:ext>
               </a:extLst>
             </p:cNvPr>
@@ -5588,7 +5588,7 @@
             <p:cNvPr id="37" name="Freeform 12">
               <a:extLst>
                 <a:ext uri="{FF2B5EF4-FFF2-40B4-BE49-F238E27FC236}">
-                  <a16:creationId xmlns:a16="http://schemas.microsoft.com/office/drawing/2014/main" xmlns="" id="{7B01CD5E-570F-4CBF-9904-94F30D928C54}"/>
+                  <a16:creationId xmlns="" xmlns:a16="http://schemas.microsoft.com/office/drawing/2014/main" id="{7B01CD5E-570F-4CBF-9904-94F30D928C54}"/>
                 </a:ext>
               </a:extLst>
             </p:cNvPr>
@@ -5670,7 +5670,7 @@
             <p:cNvPr id="38" name="Freeform 13">
               <a:extLst>
                 <a:ext uri="{FF2B5EF4-FFF2-40B4-BE49-F238E27FC236}">
-                  <a16:creationId xmlns:a16="http://schemas.microsoft.com/office/drawing/2014/main" xmlns="" id="{7EE6A672-2915-4B03-99A9-9364D5F1521E}"/>
+                  <a16:creationId xmlns="" xmlns:a16="http://schemas.microsoft.com/office/drawing/2014/main" id="{7EE6A672-2915-4B03-99A9-9364D5F1521E}"/>
                 </a:ext>
               </a:extLst>
             </p:cNvPr>
@@ -5752,7 +5752,7 @@
             <p:cNvPr id="39" name="Freeform 14">
               <a:extLst>
                 <a:ext uri="{FF2B5EF4-FFF2-40B4-BE49-F238E27FC236}">
-                  <a16:creationId xmlns:a16="http://schemas.microsoft.com/office/drawing/2014/main" xmlns="" id="{2136B643-14E1-443A-BC1C-06ADAE65C30F}"/>
+                  <a16:creationId xmlns="" xmlns:a16="http://schemas.microsoft.com/office/drawing/2014/main" id="{2136B643-14E1-443A-BC1C-06ADAE65C30F}"/>
                 </a:ext>
               </a:extLst>
             </p:cNvPr>
@@ -5834,7 +5834,7 @@
             <p:cNvPr id="40" name="Freeform 16">
               <a:extLst>
                 <a:ext uri="{FF2B5EF4-FFF2-40B4-BE49-F238E27FC236}">
-                  <a16:creationId xmlns:a16="http://schemas.microsoft.com/office/drawing/2014/main" xmlns="" id="{867FA393-4F37-4E1A-870B-F96775FAB7E8}"/>
+                  <a16:creationId xmlns="" xmlns:a16="http://schemas.microsoft.com/office/drawing/2014/main" id="{867FA393-4F37-4E1A-870B-F96775FAB7E8}"/>
                 </a:ext>
               </a:extLst>
             </p:cNvPr>
@@ -5916,7 +5916,7 @@
             <p:cNvPr id="41" name="Freeform 17">
               <a:extLst>
                 <a:ext uri="{FF2B5EF4-FFF2-40B4-BE49-F238E27FC236}">
-                  <a16:creationId xmlns:a16="http://schemas.microsoft.com/office/drawing/2014/main" xmlns="" id="{E225A1BE-FAD2-4764-A7E4-A6DA07D0573B}"/>
+                  <a16:creationId xmlns="" xmlns:a16="http://schemas.microsoft.com/office/drawing/2014/main" id="{E225A1BE-FAD2-4764-A7E4-A6DA07D0573B}"/>
                 </a:ext>
               </a:extLst>
             </p:cNvPr>
@@ -5998,7 +5998,7 @@
             <p:cNvPr id="42" name="Freeform 21">
               <a:extLst>
                 <a:ext uri="{FF2B5EF4-FFF2-40B4-BE49-F238E27FC236}">
-                  <a16:creationId xmlns:a16="http://schemas.microsoft.com/office/drawing/2014/main" xmlns="" id="{25D65388-C7E0-4C07-822A-03C5009C6D1E}"/>
+                  <a16:creationId xmlns="" xmlns:a16="http://schemas.microsoft.com/office/drawing/2014/main" id="{25D65388-C7E0-4C07-822A-03C5009C6D1E}"/>
                 </a:ext>
               </a:extLst>
             </p:cNvPr>
@@ -6080,7 +6080,7 @@
             <p:cNvPr id="43" name="Freeform 25">
               <a:extLst>
                 <a:ext uri="{FF2B5EF4-FFF2-40B4-BE49-F238E27FC236}">
-                  <a16:creationId xmlns:a16="http://schemas.microsoft.com/office/drawing/2014/main" xmlns="" id="{E1D79822-C494-449C-B439-F437DAD4F218}"/>
+                  <a16:creationId xmlns="" xmlns:a16="http://schemas.microsoft.com/office/drawing/2014/main" id="{E1D79822-C494-449C-B439-F437DAD4F218}"/>
                 </a:ext>
               </a:extLst>
             </p:cNvPr>
@@ -6162,7 +6162,7 @@
             <p:cNvPr id="44" name="Freeform 29">
               <a:extLst>
                 <a:ext uri="{FF2B5EF4-FFF2-40B4-BE49-F238E27FC236}">
-                  <a16:creationId xmlns:a16="http://schemas.microsoft.com/office/drawing/2014/main" xmlns="" id="{CDB324E5-E8D9-40E3-BAB4-1F87E67E4F46}"/>
+                  <a16:creationId xmlns="" xmlns:a16="http://schemas.microsoft.com/office/drawing/2014/main" id="{CDB324E5-E8D9-40E3-BAB4-1F87E67E4F46}"/>
                 </a:ext>
               </a:extLst>
             </p:cNvPr>
@@ -6244,7 +6244,7 @@
             <p:cNvPr id="45" name="Freeform 31">
               <a:extLst>
                 <a:ext uri="{FF2B5EF4-FFF2-40B4-BE49-F238E27FC236}">
-                  <a16:creationId xmlns:a16="http://schemas.microsoft.com/office/drawing/2014/main" xmlns="" id="{15404AB3-12EB-462E-85A2-AF4A7E91D729}"/>
+                  <a16:creationId xmlns="" xmlns:a16="http://schemas.microsoft.com/office/drawing/2014/main" id="{15404AB3-12EB-462E-85A2-AF4A7E91D729}"/>
                 </a:ext>
               </a:extLst>
             </p:cNvPr>
@@ -6326,7 +6326,7 @@
             <p:cNvPr id="46" name="Freeform 32">
               <a:extLst>
                 <a:ext uri="{FF2B5EF4-FFF2-40B4-BE49-F238E27FC236}">
-                  <a16:creationId xmlns:a16="http://schemas.microsoft.com/office/drawing/2014/main" xmlns="" id="{228021CB-53B3-4BCC-A14C-0B6951FC971F}"/>
+                  <a16:creationId xmlns="" xmlns:a16="http://schemas.microsoft.com/office/drawing/2014/main" id="{228021CB-53B3-4BCC-A14C-0B6951FC971F}"/>
                 </a:ext>
               </a:extLst>
             </p:cNvPr>
@@ -6408,7 +6408,7 @@
             <p:cNvPr id="47" name="Freeform 33">
               <a:extLst>
                 <a:ext uri="{FF2B5EF4-FFF2-40B4-BE49-F238E27FC236}">
-                  <a16:creationId xmlns:a16="http://schemas.microsoft.com/office/drawing/2014/main" xmlns="" id="{B353D0BC-00A6-4EA4-9311-9FCB88CC2021}"/>
+                  <a16:creationId xmlns="" xmlns:a16="http://schemas.microsoft.com/office/drawing/2014/main" id="{B353D0BC-00A6-4EA4-9311-9FCB88CC2021}"/>
                 </a:ext>
               </a:extLst>
             </p:cNvPr>
@@ -6490,7 +6490,7 @@
             <p:cNvPr id="48" name="Freeform 34">
               <a:extLst>
                 <a:ext uri="{FF2B5EF4-FFF2-40B4-BE49-F238E27FC236}">
-                  <a16:creationId xmlns:a16="http://schemas.microsoft.com/office/drawing/2014/main" xmlns="" id="{0E001FD3-6EDD-47A3-9916-826E1595DAB3}"/>
+                  <a16:creationId xmlns="" xmlns:a16="http://schemas.microsoft.com/office/drawing/2014/main" id="{0E001FD3-6EDD-47A3-9916-826E1595DAB3}"/>
                 </a:ext>
               </a:extLst>
             </p:cNvPr>
@@ -6572,7 +6572,7 @@
             <p:cNvPr id="49" name="Freeform 35">
               <a:extLst>
                 <a:ext uri="{FF2B5EF4-FFF2-40B4-BE49-F238E27FC236}">
-                  <a16:creationId xmlns:a16="http://schemas.microsoft.com/office/drawing/2014/main" xmlns="" id="{FE214D5B-D151-4E09-A01E-BEAAF9C679ED}"/>
+                  <a16:creationId xmlns="" xmlns:a16="http://schemas.microsoft.com/office/drawing/2014/main" id="{FE214D5B-D151-4E09-A01E-BEAAF9C679ED}"/>
                 </a:ext>
               </a:extLst>
             </p:cNvPr>
@@ -6654,7 +6654,7 @@
             <p:cNvPr id="50" name="Freeform 36">
               <a:extLst>
                 <a:ext uri="{FF2B5EF4-FFF2-40B4-BE49-F238E27FC236}">
-                  <a16:creationId xmlns:a16="http://schemas.microsoft.com/office/drawing/2014/main" xmlns="" id="{3024EF13-0A45-49DD-B0F4-FA3A5169EFFE}"/>
+                  <a16:creationId xmlns="" xmlns:a16="http://schemas.microsoft.com/office/drawing/2014/main" id="{3024EF13-0A45-49DD-B0F4-FA3A5169EFFE}"/>
                 </a:ext>
               </a:extLst>
             </p:cNvPr>
@@ -6736,7 +6736,7 @@
             <p:cNvPr id="51" name="Freeform 37">
               <a:extLst>
                 <a:ext uri="{FF2B5EF4-FFF2-40B4-BE49-F238E27FC236}">
-                  <a16:creationId xmlns:a16="http://schemas.microsoft.com/office/drawing/2014/main" xmlns="" id="{95E0BDAE-48A7-4752-A150-74DA4BAE5E4B}"/>
+                  <a16:creationId xmlns="" xmlns:a16="http://schemas.microsoft.com/office/drawing/2014/main" id="{95E0BDAE-48A7-4752-A150-74DA4BAE5E4B}"/>
                 </a:ext>
               </a:extLst>
             </p:cNvPr>
@@ -6818,7 +6818,7 @@
             <p:cNvPr id="52" name="Freeform 38">
               <a:extLst>
                 <a:ext uri="{FF2B5EF4-FFF2-40B4-BE49-F238E27FC236}">
-                  <a16:creationId xmlns:a16="http://schemas.microsoft.com/office/drawing/2014/main" xmlns="" id="{DE128EDB-3179-4F47-8B37-BEDE3B82FFC7}"/>
+                  <a16:creationId xmlns="" xmlns:a16="http://schemas.microsoft.com/office/drawing/2014/main" id="{DE128EDB-3179-4F47-8B37-BEDE3B82FFC7}"/>
                 </a:ext>
               </a:extLst>
             </p:cNvPr>
@@ -6900,7 +6900,7 @@
             <p:cNvPr id="53" name="Freeform 39">
               <a:extLst>
                 <a:ext uri="{FF2B5EF4-FFF2-40B4-BE49-F238E27FC236}">
-                  <a16:creationId xmlns:a16="http://schemas.microsoft.com/office/drawing/2014/main" xmlns="" id="{E09CDD49-7B7B-42C0-A09E-6CFB3CDFF6A1}"/>
+                  <a16:creationId xmlns="" xmlns:a16="http://schemas.microsoft.com/office/drawing/2014/main" id="{E09CDD49-7B7B-42C0-A09E-6CFB3CDFF6A1}"/>
                 </a:ext>
               </a:extLst>
             </p:cNvPr>
@@ -6982,7 +6982,7 @@
             <p:cNvPr id="54" name="Freeform 40">
               <a:extLst>
                 <a:ext uri="{FF2B5EF4-FFF2-40B4-BE49-F238E27FC236}">
-                  <a16:creationId xmlns:a16="http://schemas.microsoft.com/office/drawing/2014/main" xmlns="" id="{93C5D839-4CD5-4165-9091-7D9B92CDC1D2}"/>
+                  <a16:creationId xmlns="" xmlns:a16="http://schemas.microsoft.com/office/drawing/2014/main" id="{93C5D839-4CD5-4165-9091-7D9B92CDC1D2}"/>
                 </a:ext>
               </a:extLst>
             </p:cNvPr>
@@ -7064,7 +7064,7 @@
             <p:cNvPr id="55" name="Freeform 41">
               <a:extLst>
                 <a:ext uri="{FF2B5EF4-FFF2-40B4-BE49-F238E27FC236}">
-                  <a16:creationId xmlns:a16="http://schemas.microsoft.com/office/drawing/2014/main" xmlns="" id="{3C7F638A-BB6D-4B24-A7F9-03BF8087459B}"/>
+                  <a16:creationId xmlns="" xmlns:a16="http://schemas.microsoft.com/office/drawing/2014/main" id="{3C7F638A-BB6D-4B24-A7F9-03BF8087459B}"/>
                 </a:ext>
               </a:extLst>
             </p:cNvPr>
@@ -7146,7 +7146,7 @@
             <p:cNvPr id="56" name="Freeform 42">
               <a:extLst>
                 <a:ext uri="{FF2B5EF4-FFF2-40B4-BE49-F238E27FC236}">
-                  <a16:creationId xmlns:a16="http://schemas.microsoft.com/office/drawing/2014/main" xmlns="" id="{5B59DB64-329B-45EA-8A67-4213A886B5B2}"/>
+                  <a16:creationId xmlns="" xmlns:a16="http://schemas.microsoft.com/office/drawing/2014/main" id="{5B59DB64-329B-45EA-8A67-4213A886B5B2}"/>
                 </a:ext>
               </a:extLst>
             </p:cNvPr>
@@ -7228,7 +7228,7 @@
             <p:cNvPr id="57" name="Freeform 44">
               <a:extLst>
                 <a:ext uri="{FF2B5EF4-FFF2-40B4-BE49-F238E27FC236}">
-                  <a16:creationId xmlns:a16="http://schemas.microsoft.com/office/drawing/2014/main" xmlns="" id="{D8DAB003-6484-4D1D-85AE-93FA09BC5EF5}"/>
+                  <a16:creationId xmlns="" xmlns:a16="http://schemas.microsoft.com/office/drawing/2014/main" id="{D8DAB003-6484-4D1D-85AE-93FA09BC5EF5}"/>
                 </a:ext>
               </a:extLst>
             </p:cNvPr>
@@ -7310,7 +7310,7 @@
             <p:cNvPr id="58" name="Freeform 45">
               <a:extLst>
                 <a:ext uri="{FF2B5EF4-FFF2-40B4-BE49-F238E27FC236}">
-                  <a16:creationId xmlns:a16="http://schemas.microsoft.com/office/drawing/2014/main" xmlns="" id="{D49280A1-ACA8-4CD6-9012-AF12660F07E4}"/>
+                  <a16:creationId xmlns="" xmlns:a16="http://schemas.microsoft.com/office/drawing/2014/main" id="{D49280A1-ACA8-4CD6-9012-AF12660F07E4}"/>
                 </a:ext>
               </a:extLst>
             </p:cNvPr>
@@ -7392,7 +7392,7 @@
             <p:cNvPr id="59" name="Freeform 46">
               <a:extLst>
                 <a:ext uri="{FF2B5EF4-FFF2-40B4-BE49-F238E27FC236}">
-                  <a16:creationId xmlns:a16="http://schemas.microsoft.com/office/drawing/2014/main" xmlns="" id="{C03EAE8C-6089-40E5-9361-2E266A1EEBA3}"/>
+                  <a16:creationId xmlns="" xmlns:a16="http://schemas.microsoft.com/office/drawing/2014/main" id="{C03EAE8C-6089-40E5-9361-2E266A1EEBA3}"/>
                 </a:ext>
               </a:extLst>
             </p:cNvPr>
@@ -7474,7 +7474,7 @@
             <p:cNvPr id="60" name="Freeform 47">
               <a:extLst>
                 <a:ext uri="{FF2B5EF4-FFF2-40B4-BE49-F238E27FC236}">
-                  <a16:creationId xmlns:a16="http://schemas.microsoft.com/office/drawing/2014/main" xmlns="" id="{02E3A077-F087-4E14-A13E-4E9D4369B1F6}"/>
+                  <a16:creationId xmlns="" xmlns:a16="http://schemas.microsoft.com/office/drawing/2014/main" id="{02E3A077-F087-4E14-A13E-4E9D4369B1F6}"/>
                 </a:ext>
               </a:extLst>
             </p:cNvPr>
@@ -7556,7 +7556,7 @@
             <p:cNvPr id="61" name="Freeform 48">
               <a:extLst>
                 <a:ext uri="{FF2B5EF4-FFF2-40B4-BE49-F238E27FC236}">
-                  <a16:creationId xmlns:a16="http://schemas.microsoft.com/office/drawing/2014/main" xmlns="" id="{7CE4FAAA-45E7-4C86-B59A-F284B79EFD23}"/>
+                  <a16:creationId xmlns="" xmlns:a16="http://schemas.microsoft.com/office/drawing/2014/main" id="{7CE4FAAA-45E7-4C86-B59A-F284B79EFD23}"/>
                 </a:ext>
               </a:extLst>
             </p:cNvPr>
@@ -7638,7 +7638,7 @@
             <p:cNvPr id="62" name="Freeform 49">
               <a:extLst>
                 <a:ext uri="{FF2B5EF4-FFF2-40B4-BE49-F238E27FC236}">
-                  <a16:creationId xmlns:a16="http://schemas.microsoft.com/office/drawing/2014/main" xmlns="" id="{E2689B62-CCA1-4EE5-B622-FBA516868916}"/>
+                  <a16:creationId xmlns="" xmlns:a16="http://schemas.microsoft.com/office/drawing/2014/main" id="{E2689B62-CCA1-4EE5-B622-FBA516868916}"/>
                 </a:ext>
               </a:extLst>
             </p:cNvPr>
@@ -7720,7 +7720,7 @@
             <p:cNvPr id="63" name="Freeform 8">
               <a:extLst>
                 <a:ext uri="{FF2B5EF4-FFF2-40B4-BE49-F238E27FC236}">
-                  <a16:creationId xmlns:a16="http://schemas.microsoft.com/office/drawing/2014/main" xmlns="" id="{113638EE-3BCF-4315-A329-3C6766A3890B}"/>
+                  <a16:creationId xmlns="" xmlns:a16="http://schemas.microsoft.com/office/drawing/2014/main" id="{113638EE-3BCF-4315-A329-3C6766A3890B}"/>
                 </a:ext>
               </a:extLst>
             </p:cNvPr>
@@ -7802,7 +7802,7 @@
             <p:cNvPr id="64" name="Freeform 106">
               <a:extLst>
                 <a:ext uri="{FF2B5EF4-FFF2-40B4-BE49-F238E27FC236}">
-                  <a16:creationId xmlns:a16="http://schemas.microsoft.com/office/drawing/2014/main" xmlns="" id="{4FB36B8F-335B-40F2-83BB-C2B2689DC2E9}"/>
+                  <a16:creationId xmlns="" xmlns:a16="http://schemas.microsoft.com/office/drawing/2014/main" id="{4FB36B8F-335B-40F2-83BB-C2B2689DC2E9}"/>
                 </a:ext>
               </a:extLst>
             </p:cNvPr>
@@ -7885,7 +7885,7 @@
           <p:cNvPr id="2" name="Title Placeholder 1">
             <a:extLst>
               <a:ext uri="{FF2B5EF4-FFF2-40B4-BE49-F238E27FC236}">
-                <a16:creationId xmlns:a16="http://schemas.microsoft.com/office/drawing/2014/main" xmlns="" id="{7A05E913-A9D9-4639-B104-1F07A4AF6A56}"/>
+                <a16:creationId xmlns="" xmlns:a16="http://schemas.microsoft.com/office/drawing/2014/main" id="{7A05E913-A9D9-4639-B104-1F07A4AF6A56}"/>
               </a:ext>
             </a:extLst>
           </p:cNvPr>
@@ -7923,7 +7923,7 @@
           <p:cNvPr id="3" name="Text Placeholder 2">
             <a:extLst>
               <a:ext uri="{FF2B5EF4-FFF2-40B4-BE49-F238E27FC236}">
-                <a16:creationId xmlns:a16="http://schemas.microsoft.com/office/drawing/2014/main" xmlns="" id="{09940CEB-B6D7-46E6-9843-51534214017A}"/>
+                <a16:creationId xmlns="" xmlns:a16="http://schemas.microsoft.com/office/drawing/2014/main" id="{09940CEB-B6D7-46E6-9843-51534214017A}"/>
               </a:ext>
             </a:extLst>
           </p:cNvPr>
@@ -7990,7 +7990,7 @@
           <p:cNvPr id="4" name="Date Placeholder 3">
             <a:extLst>
               <a:ext uri="{FF2B5EF4-FFF2-40B4-BE49-F238E27FC236}">
-                <a16:creationId xmlns:a16="http://schemas.microsoft.com/office/drawing/2014/main" xmlns="" id="{B5BAC8B5-8DFB-4920-8580-54824C831A94}"/>
+                <a16:creationId xmlns="" xmlns:a16="http://schemas.microsoft.com/office/drawing/2014/main" id="{B5BAC8B5-8DFB-4920-8580-54824C831A94}"/>
               </a:ext>
             </a:extLst>
           </p:cNvPr>
@@ -8036,7 +8036,7 @@
           <p:cNvPr id="5" name="Footer Placeholder 4">
             <a:extLst>
               <a:ext uri="{FF2B5EF4-FFF2-40B4-BE49-F238E27FC236}">
-                <a16:creationId xmlns:a16="http://schemas.microsoft.com/office/drawing/2014/main" xmlns="" id="{3A9E2D5D-B616-4048-9CB8-4D316BBDB1FB}"/>
+                <a16:creationId xmlns="" xmlns:a16="http://schemas.microsoft.com/office/drawing/2014/main" id="{3A9E2D5D-B616-4048-9CB8-4D316BBDB1FB}"/>
               </a:ext>
             </a:extLst>
           </p:cNvPr>
@@ -8077,7 +8077,7 @@
           <p:cNvPr id="6" name="Slide Number Placeholder 5">
             <a:extLst>
               <a:ext uri="{FF2B5EF4-FFF2-40B4-BE49-F238E27FC236}">
-                <a16:creationId xmlns:a16="http://schemas.microsoft.com/office/drawing/2014/main" xmlns="" id="{63F322F0-8F3D-4AC5-9873-24666D0E0D34}"/>
+                <a16:creationId xmlns="" xmlns:a16="http://schemas.microsoft.com/office/drawing/2014/main" id="{63F322F0-8F3D-4AC5-9873-24666D0E0D34}"/>
               </a:ext>
             </a:extLst>
           </p:cNvPr>
@@ -8121,7 +8121,7 @@
     </p:spTree>
     <p:extLst>
       <p:ext uri="{BB962C8B-B14F-4D97-AF65-F5344CB8AC3E}">
-        <p14:creationId xmlns:p14="http://schemas.microsoft.com/office/powerpoint/2010/main" xmlns="" val="3169733250"/>
+        <p14:creationId xmlns="" xmlns:p14="http://schemas.microsoft.com/office/powerpoint/2010/main" val="3169733250"/>
       </p:ext>
     </p:extLst>
   </p:cSld>
@@ -8469,7 +8469,7 @@
           <p:cNvPr id="2" name="Title 1">
             <a:extLst>
               <a:ext uri="{FF2B5EF4-FFF2-40B4-BE49-F238E27FC236}">
-                <a16:creationId xmlns:a16="http://schemas.microsoft.com/office/drawing/2014/main" xmlns="" id="{51E935BB-DDE4-429A-8AA8-6CA219F8E6F2}"/>
+                <a16:creationId xmlns="" xmlns:a16="http://schemas.microsoft.com/office/drawing/2014/main" id="{51E935BB-DDE4-429A-8AA8-6CA219F8E6F2}"/>
               </a:ext>
             </a:extLst>
           </p:cNvPr>
@@ -8496,7 +8496,6 @@
               <a:rPr lang="en-AU" sz="4400" b="1" dirty="0" smtClean="0"/>
               <a:t>Overview Victoria Crimes &amp; Family Incidents</a:t>
             </a:r>
-            <a:endParaRPr lang="en-AU" sz="4400" b="1" dirty="0" smtClean="0"/>
           </a:p>
         </p:txBody>
       </p:sp>
@@ -8505,7 +8504,7 @@
           <p:cNvPr id="3" name="Subtitle 2">
             <a:extLst>
               <a:ext uri="{FF2B5EF4-FFF2-40B4-BE49-F238E27FC236}">
-                <a16:creationId xmlns:a16="http://schemas.microsoft.com/office/drawing/2014/main" xmlns="" id="{2FB96A9D-2972-44C3-A420-67F66A13B236}"/>
+                <a16:creationId xmlns="" xmlns:a16="http://schemas.microsoft.com/office/drawing/2014/main" id="{2FB96A9D-2972-44C3-A420-67F66A13B236}"/>
               </a:ext>
             </a:extLst>
           </p:cNvPr>
@@ -8544,7 +8543,7 @@
           <p:cNvPr id="7" name="Picture 2" descr="Image result for nightimepic of victoria australia">
             <a:extLst>
               <a:ext uri="{FF2B5EF4-FFF2-40B4-BE49-F238E27FC236}">
-                <a16:creationId xmlns:a16="http://schemas.microsoft.com/office/drawing/2014/main" xmlns="" id="{07E1A4A3-CD91-44FC-87E7-5565C6373211}"/>
+                <a16:creationId xmlns="" xmlns:a16="http://schemas.microsoft.com/office/drawing/2014/main" id="{07E1A4A3-CD91-44FC-87E7-5565C6373211}"/>
               </a:ext>
             </a:extLst>
           </p:cNvPr>
@@ -8557,7 +8556,7 @@
           <a:blip r:embed="rId2" cstate="print">
             <a:extLst>
               <a:ext uri="{28A0092B-C50C-407E-A947-70E740481C1C}">
-                <a14:useLocalDpi xmlns:a14="http://schemas.microsoft.com/office/drawing/2010/main" xmlns="" val="0"/>
+                <a14:useLocalDpi xmlns="" xmlns:a14="http://schemas.microsoft.com/office/drawing/2010/main" val="0"/>
               </a:ext>
             </a:extLst>
           </a:blip>
@@ -8575,7 +8574,7 @@
           <a:noFill/>
           <a:extLst>
             <a:ext uri="{909E8E84-426E-40DD-AFC4-6F175D3DCCD1}">
-              <a14:hiddenFill xmlns:a14="http://schemas.microsoft.com/office/drawing/2010/main" xmlns="">
+              <a14:hiddenFill xmlns="" xmlns:a14="http://schemas.microsoft.com/office/drawing/2010/main">
                 <a:solidFill>
                   <a:srgbClr val="FFFFFF"/>
                 </a:solidFill>
@@ -8589,7 +8588,7 @@
           <p:cNvPr id="6" name="Picture 4" descr="See the source image">
             <a:extLst>
               <a:ext uri="{FF2B5EF4-FFF2-40B4-BE49-F238E27FC236}">
-                <a16:creationId xmlns:a16="http://schemas.microsoft.com/office/drawing/2014/main" xmlns="" id="{8978232E-0577-4FB1-9D9A-7A417CBDD9B3}"/>
+                <a16:creationId xmlns="" xmlns:a16="http://schemas.microsoft.com/office/drawing/2014/main" id="{8978232E-0577-4FB1-9D9A-7A417CBDD9B3}"/>
               </a:ext>
             </a:extLst>
           </p:cNvPr>
@@ -8602,7 +8601,7 @@
           <a:blip r:embed="rId3" cstate="print">
             <a:extLst>
               <a:ext uri="{28A0092B-C50C-407E-A947-70E740481C1C}">
-                <a14:useLocalDpi xmlns:a14="http://schemas.microsoft.com/office/drawing/2010/main" xmlns="" val="0"/>
+                <a14:useLocalDpi xmlns="" xmlns:a14="http://schemas.microsoft.com/office/drawing/2010/main" val="0"/>
               </a:ext>
             </a:extLst>
           </a:blip>
@@ -8620,7 +8619,7 @@
           <a:noFill/>
           <a:extLst>
             <a:ext uri="{909E8E84-426E-40DD-AFC4-6F175D3DCCD1}">
-              <a14:hiddenFill xmlns:a14="http://schemas.microsoft.com/office/drawing/2010/main" xmlns="">
+              <a14:hiddenFill xmlns="" xmlns:a14="http://schemas.microsoft.com/office/drawing/2010/main">
                 <a:solidFill>
                   <a:srgbClr val="FFFFFF"/>
                 </a:solidFill>
@@ -8632,7 +8631,7 @@
     </p:spTree>
     <p:extLst>
       <p:ext uri="{BB962C8B-B14F-4D97-AF65-F5344CB8AC3E}">
-        <p14:creationId xmlns:p14="http://schemas.microsoft.com/office/powerpoint/2010/main" xmlns="" val="3272309628"/>
+        <p14:creationId xmlns="" xmlns:p14="http://schemas.microsoft.com/office/powerpoint/2010/main" val="3272309628"/>
       </p:ext>
     </p:extLst>
   </p:cSld>
@@ -8817,7 +8816,7 @@
           <p:cNvPr id="2" name="Title 1">
             <a:extLst>
               <a:ext uri="{FF2B5EF4-FFF2-40B4-BE49-F238E27FC236}">
-                <a16:creationId xmlns:a16="http://schemas.microsoft.com/office/drawing/2014/main" xmlns="" id="{A4F9A5E3-95C5-4F3E-80A5-1BD7B12920D3}"/>
+                <a16:creationId xmlns="" xmlns:a16="http://schemas.microsoft.com/office/drawing/2014/main" id="{A4F9A5E3-95C5-4F3E-80A5-1BD7B12920D3}"/>
               </a:ext>
             </a:extLst>
           </p:cNvPr>
@@ -8915,11 +8914,7 @@
           <a:p>
             <a:r>
               <a:rPr lang="en-US" b="1" dirty="0" smtClean="0"/>
-              <a:t>Criminal </a:t>
-            </a:r>
-            <a:r>
-              <a:rPr lang="en-US" b="1" dirty="0" smtClean="0"/>
-              <a:t>incident</a:t>
+              <a:t>Criminal incident</a:t>
             </a:r>
           </a:p>
           <a:p>
@@ -8928,15 +8923,7 @@
           <a:p>
             <a:r>
               <a:rPr lang="en-US" sz="1600" dirty="0" smtClean="0"/>
-              <a:t>A criminal event that may include multiple offences, alleged offenders and/or victims, is recorded </a:t>
-            </a:r>
-            <a:r>
-              <a:rPr lang="en-US" sz="1600" dirty="0" smtClean="0"/>
-              <a:t>on </a:t>
-            </a:r>
-            <a:r>
-              <a:rPr lang="en-US" sz="1600" dirty="0" smtClean="0"/>
-              <a:t>a single date and as occurring at one location.</a:t>
+              <a:t>A criminal event that may include multiple offences, alleged offenders and/or victims, is recorded on a single date and as occurring at one location.</a:t>
             </a:r>
             <a:endParaRPr lang="en-US" sz="1600" dirty="0"/>
           </a:p>
@@ -8965,11 +8952,7 @@
           <a:p>
             <a:r>
               <a:rPr lang="en-US" b="1" dirty="0" smtClean="0"/>
-              <a:t>Family </a:t>
-            </a:r>
-            <a:r>
-              <a:rPr lang="en-US" b="1" dirty="0" smtClean="0"/>
-              <a:t>incident</a:t>
+              <a:t>Family incident</a:t>
             </a:r>
           </a:p>
           <a:p>
@@ -8978,15 +8961,7 @@
           <a:p>
             <a:r>
               <a:rPr lang="en-US" sz="1600" dirty="0" smtClean="0"/>
-              <a:t>An incident attended by Victoria Police where a Risk Assessment and Risk Management Report (also known as an L17 form) was completed. The report is completed when family violence incidents, interfamilial-related sexual offences, and child abuse are reported to </a:t>
-            </a:r>
-            <a:r>
-              <a:rPr lang="en-US" sz="1600" dirty="0" smtClean="0"/>
-              <a:t>police</a:t>
-            </a:r>
-            <a:r>
-              <a:rPr lang="en-US" sz="1600" dirty="0" smtClean="0"/>
-              <a:t>.</a:t>
+              <a:t>An incident attended by Victoria Police where a Risk Assessment and Risk Management Report (also known as an L17 form) was completed. The report is completed when family violence incidents, interfamilial-related sexual offences, and child abuse are reported to police.</a:t>
             </a:r>
           </a:p>
         </p:txBody>
@@ -9014,11 +8989,7 @@
           <a:p>
             <a:r>
               <a:rPr lang="en-US" b="1" dirty="0" smtClean="0"/>
-              <a:t>Victim </a:t>
-            </a:r>
-            <a:r>
-              <a:rPr lang="en-US" b="1" dirty="0" smtClean="0"/>
-              <a:t>report</a:t>
+              <a:t>Victim report</a:t>
             </a:r>
           </a:p>
           <a:p>
@@ -9044,7 +9015,7 @@
     </p:spTree>
     <p:extLst>
       <p:ext uri="{BB962C8B-B14F-4D97-AF65-F5344CB8AC3E}">
-        <p14:creationId xmlns:p14="http://schemas.microsoft.com/office/powerpoint/2010/main" xmlns="" val="4047589959"/>
+        <p14:creationId xmlns="" xmlns:p14="http://schemas.microsoft.com/office/powerpoint/2010/main" val="4047589959"/>
       </p:ext>
     </p:extLst>
   </p:cSld>
@@ -9076,7 +9047,7 @@
           <p:cNvPr id="2" name="Title 1">
             <a:extLst>
               <a:ext uri="{FF2B5EF4-FFF2-40B4-BE49-F238E27FC236}">
-                <a16:creationId xmlns:a16="http://schemas.microsoft.com/office/drawing/2014/main" xmlns="" id="{A4F9A5E3-95C5-4F3E-80A5-1BD7B12920D3}"/>
+                <a16:creationId xmlns="" xmlns:a16="http://schemas.microsoft.com/office/drawing/2014/main" id="{A4F9A5E3-95C5-4F3E-80A5-1BD7B12920D3}"/>
               </a:ext>
             </a:extLst>
           </p:cNvPr>
@@ -9261,7 +9232,7 @@
     </p:spTree>
     <p:extLst>
       <p:ext uri="{BB962C8B-B14F-4D97-AF65-F5344CB8AC3E}">
-        <p14:creationId xmlns:p14="http://schemas.microsoft.com/office/powerpoint/2010/main" xmlns="" val="4047589959"/>
+        <p14:creationId xmlns="" xmlns:p14="http://schemas.microsoft.com/office/powerpoint/2010/main" val="4047589959"/>
       </p:ext>
     </p:extLst>
   </p:cSld>
@@ -9293,7 +9264,7 @@
           <p:cNvPr id="2" name="Title 1">
             <a:extLst>
               <a:ext uri="{FF2B5EF4-FFF2-40B4-BE49-F238E27FC236}">
-                <a16:creationId xmlns:a16="http://schemas.microsoft.com/office/drawing/2014/main" xmlns="" id="{A4F9A5E3-95C5-4F3E-80A5-1BD7B12920D3}"/>
+                <a16:creationId xmlns="" xmlns:a16="http://schemas.microsoft.com/office/drawing/2014/main" id="{A4F9A5E3-95C5-4F3E-80A5-1BD7B12920D3}"/>
               </a:ext>
             </a:extLst>
           </p:cNvPr>
@@ -9475,11 +9446,7 @@
           <a:p>
             <a:r>
               <a:rPr lang="en-AU" sz="1600" dirty="0" smtClean="0"/>
-              <a:t>Percentage </a:t>
-            </a:r>
-            <a:r>
-              <a:rPr lang="en-AU" sz="1600" dirty="0" smtClean="0"/>
-              <a:t>Changes of Number of Incidents and Offences</a:t>
+              <a:t>Percentage Changes of Number of Incidents and Offences</a:t>
             </a:r>
             <a:endParaRPr lang="en-US" sz="1600" dirty="0"/>
           </a:p>
@@ -9520,7 +9487,7 @@
     </p:spTree>
     <p:extLst>
       <p:ext uri="{BB962C8B-B14F-4D97-AF65-F5344CB8AC3E}">
-        <p14:creationId xmlns:p14="http://schemas.microsoft.com/office/powerpoint/2010/main" xmlns="" val="4047589959"/>
+        <p14:creationId xmlns="" xmlns:p14="http://schemas.microsoft.com/office/powerpoint/2010/main" val="4047589959"/>
       </p:ext>
     </p:extLst>
   </p:cSld>
@@ -9584,7 +9551,7 @@
           <p:cNvPr id="2" name="Title 1">
             <a:extLst>
               <a:ext uri="{FF2B5EF4-FFF2-40B4-BE49-F238E27FC236}">
-                <a16:creationId xmlns:a16="http://schemas.microsoft.com/office/drawing/2014/main" xmlns="" id="{A4F9A5E3-95C5-4F3E-80A5-1BD7B12920D3}"/>
+                <a16:creationId xmlns="" xmlns:a16="http://schemas.microsoft.com/office/drawing/2014/main" id="{A4F9A5E3-95C5-4F3E-80A5-1BD7B12920D3}"/>
               </a:ext>
             </a:extLst>
           </p:cNvPr>
@@ -9747,7 +9714,7 @@
     </p:spTree>
     <p:extLst>
       <p:ext uri="{BB962C8B-B14F-4D97-AF65-F5344CB8AC3E}">
-        <p14:creationId xmlns:p14="http://schemas.microsoft.com/office/powerpoint/2010/main" xmlns="" val="4047589959"/>
+        <p14:creationId xmlns="" xmlns:p14="http://schemas.microsoft.com/office/powerpoint/2010/main" val="4047589959"/>
       </p:ext>
     </p:extLst>
   </p:cSld>
@@ -9786,7 +9753,7 @@
           <p:cNvPr id="2" name="Title 1">
             <a:extLst>
               <a:ext uri="{FF2B5EF4-FFF2-40B4-BE49-F238E27FC236}">
-                <a16:creationId xmlns:a16="http://schemas.microsoft.com/office/drawing/2014/main" xmlns="" id="{A4F9A5E3-95C5-4F3E-80A5-1BD7B12920D3}"/>
+                <a16:creationId xmlns="" xmlns:a16="http://schemas.microsoft.com/office/drawing/2014/main" id="{A4F9A5E3-95C5-4F3E-80A5-1BD7B12920D3}"/>
               </a:ext>
             </a:extLst>
           </p:cNvPr>
@@ -9827,7 +9794,7 @@
         </p:nvGraphicFramePr>
         <p:xfrm>
           <a:off x="294107" y="1361350"/>
-          <a:ext cx="10871198" cy="3459480"/>
+          <a:ext cx="10871198" cy="3489960"/>
         </p:xfrm>
         <a:graphic>
           <a:graphicData uri="http://schemas.openxmlformats.org/drawingml/2006/table">
@@ -9837,9 +9804,9 @@
               </a:tblPr>
               <a:tblGrid>
                 <a:gridCol w="2714996"/>
-                <a:gridCol w="2339157"/>
-                <a:gridCol w="2911326"/>
-                <a:gridCol w="2905719"/>
+                <a:gridCol w="2263402"/>
+                <a:gridCol w="2550695"/>
+                <a:gridCol w="3342105"/>
               </a:tblGrid>
               <a:tr h="370840">
                 <a:tc>
@@ -9899,7 +9866,15 @@
                       <a:pPr algn="ctr"/>
                       <a:r>
                         <a:rPr lang="en-AU" sz="2000" dirty="0" smtClean="0"/>
-                        <a:t>Highest Percentage Change </a:t>
+                        <a:t>Highest </a:t>
+                      </a:r>
+                      <a:r>
+                        <a:rPr lang="en-AU" sz="2000" dirty="0" smtClean="0"/>
+                        <a:t>Yearly Percentage </a:t>
+                      </a:r>
+                      <a:r>
+                        <a:rPr lang="en-AU" sz="2000" dirty="0" smtClean="0"/>
+                        <a:t>Change </a:t>
                       </a:r>
                       <a:endParaRPr lang="en-US" sz="2000" dirty="0"/>
                     </a:p>
@@ -9963,7 +9938,19 @@
                       <a:pPr algn="ctr"/>
                       <a:r>
                         <a:rPr lang="en-AU" sz="1600" dirty="0" smtClean="0"/>
-                        <a:t>2014, 2017, 2019</a:t>
+                        <a:t>2014, </a:t>
+                      </a:r>
+                      <a:r>
+                        <a:rPr lang="en-AU" sz="1600" dirty="0" smtClean="0">
+                          <a:solidFill>
+                            <a:srgbClr val="00B050"/>
+                          </a:solidFill>
+                        </a:rPr>
+                        <a:t>2017</a:t>
+                      </a:r>
+                      <a:r>
+                        <a:rPr lang="en-AU" sz="1600" dirty="0" smtClean="0"/>
+                        <a:t>, 2019</a:t>
                       </a:r>
                       <a:endParaRPr lang="en-US" sz="1600" dirty="0"/>
                     </a:p>
@@ -9975,17 +9962,135 @@
                     <a:bodyPr/>
                     <a:lstStyle/>
                     <a:p>
-                      <a:pPr algn="ctr"/>
+                      <a:pPr marL="0" marR="0" indent="0" algn="ctr" defTabSz="914400" rtl="0" eaLnBrk="1" fontAlgn="auto" latinLnBrk="0" hangingPunct="1">
+                        <a:lnSpc>
+                          <a:spcPct val="100000"/>
+                        </a:lnSpc>
+                        <a:spcBef>
+                          <a:spcPts val="0"/>
+                        </a:spcBef>
+                        <a:spcAft>
+                          <a:spcPts val="0"/>
+                        </a:spcAft>
+                        <a:buClrTx/>
+                        <a:buSzTx/>
+                        <a:buFontTx/>
+                        <a:buNone/>
+                        <a:tabLst/>
+                        <a:defRPr/>
+                      </a:pPr>
+                      <a:r>
+                        <a:rPr lang="en-US" sz="1800" kern="1200" dirty="0" smtClean="0">
+                          <a:solidFill>
+                            <a:srgbClr val="FF0000"/>
+                          </a:solidFill>
+                          <a:latin typeface="Wingdings 3" pitchFamily="18" charset="2"/>
+                          <a:ea typeface="+mn-ea"/>
+                          <a:cs typeface="+mn-cs"/>
+                        </a:rPr>
+                        <a:t>Ÿ</a:t>
+                      </a:r>
                       <a:r>
                         <a:rPr lang="en-AU" sz="1600" dirty="0" smtClean="0"/>
-                        <a:t>0.05, 0.07, 0.06</a:t>
+                        <a:t>0.05, </a:t>
+                      </a:r>
+                      <a:r>
+                        <a:rPr lang="en-US" sz="1600" kern="1200" dirty="0" smtClean="0">
+                          <a:solidFill>
+                            <a:srgbClr val="FF0000"/>
+                          </a:solidFill>
+                          <a:latin typeface="Wingdings 3" pitchFamily="18" charset="2"/>
+                          <a:ea typeface="+mn-ea"/>
+                          <a:cs typeface="+mn-cs"/>
+                        </a:rPr>
+                        <a:t>Ÿ</a:t>
+                      </a:r>
+                      <a:r>
+                        <a:rPr lang="en-AU" sz="1600" dirty="0" smtClean="0"/>
+                        <a:t>0.07, </a:t>
+                      </a:r>
+                      <a:r>
+                        <a:rPr lang="en-US" sz="1600" kern="1200" dirty="0" smtClean="0">
+                          <a:solidFill>
+                            <a:srgbClr val="FF0000"/>
+                          </a:solidFill>
+                          <a:latin typeface="Wingdings 3" pitchFamily="18" charset="2"/>
+                          <a:ea typeface="+mn-ea"/>
+                          <a:cs typeface="+mn-cs"/>
+                        </a:rPr>
+                        <a:t>Ÿ</a:t>
+                      </a:r>
+                      <a:r>
+                        <a:rPr lang="en-AU" sz="1600" dirty="0" smtClean="0"/>
+                        <a:t>0.06</a:t>
                       </a:r>
                     </a:p>
                     <a:p>
                       <a:pPr algn="ctr"/>
                       <a:r>
+                        <a:rPr lang="en-US" sz="1600" kern="1200" dirty="0" smtClean="0">
+                          <a:solidFill>
+                            <a:srgbClr val="FF0000"/>
+                          </a:solidFill>
+                          <a:latin typeface="Wingdings 3" pitchFamily="18" charset="2"/>
+                          <a:ea typeface="+mn-ea"/>
+                          <a:cs typeface="+mn-cs"/>
+                        </a:rPr>
+                        <a:t>Ÿ</a:t>
+                      </a:r>
+                      <a:r>
                         <a:rPr lang="en-AU" sz="1600" dirty="0" smtClean="0"/>
-                        <a:t>0.05, -0.01, 0.08</a:t>
+                        <a:t>0.05</a:t>
+                      </a:r>
+                      <a:r>
+                        <a:rPr lang="en-AU" sz="1600" dirty="0" smtClean="0"/>
+                        <a:t>, </a:t>
+                      </a:r>
+                      <a:r>
+                        <a:rPr lang="en-US" sz="1600" kern="1200" dirty="0" smtClean="0">
+                          <a:solidFill>
+                            <a:srgbClr val="00B050"/>
+                          </a:solidFill>
+                          <a:latin typeface="Wingdings 3" pitchFamily="18" charset="2"/>
+                          <a:ea typeface="+mn-ea"/>
+                          <a:cs typeface="+mn-cs"/>
+                        </a:rPr>
+                        <a:t>”</a:t>
+                      </a:r>
+                      <a:r>
+                        <a:rPr lang="en-AU" sz="1600" dirty="0" smtClean="0">
+                          <a:solidFill>
+                            <a:schemeClr val="tx1"/>
+                          </a:solidFill>
+                        </a:rPr>
+                        <a:t>-</a:t>
+                      </a:r>
+                      <a:r>
+                        <a:rPr lang="en-AU" sz="1600" dirty="0" smtClean="0">
+                          <a:solidFill>
+                            <a:schemeClr val="tx1"/>
+                          </a:solidFill>
+                        </a:rPr>
+                        <a:t>0.01</a:t>
+                      </a:r>
+                      <a:r>
+                        <a:rPr lang="en-AU" sz="1600" dirty="0" smtClean="0"/>
+                        <a:t>, </a:t>
+                      </a:r>
+                      <a:r>
+                        <a:rPr lang="en-US" sz="1600" kern="1200" dirty="0" smtClean="0">
+                          <a:solidFill>
+                            <a:srgbClr val="FF0000"/>
+                          </a:solidFill>
+                          <a:latin typeface="Wingdings 3" pitchFamily="18" charset="2"/>
+                          <a:ea typeface="+mn-ea"/>
+                          <a:cs typeface="+mn-cs"/>
+                        </a:rPr>
+                        <a:t>Ÿ</a:t>
+                      </a:r>
+                      <a:r>
+                        <a:rPr lang="en-AU" sz="1600" dirty="0" smtClean="0"/>
+                        <a:t>0.08</a:t>
                       </a:r>
                       <a:endParaRPr lang="en-US" sz="1600" dirty="0"/>
                     </a:p>
@@ -10031,9 +10136,21 @@
                       <a:pPr algn="ctr"/>
                       <a:r>
                         <a:rPr lang="en-AU" sz="1600" dirty="0" smtClean="0"/>
-                        <a:t>2013, 2016, 2017, 2021</a:t>
+                        <a:t>2013, 2016, </a:t>
                       </a:r>
-                      <a:endParaRPr lang="en-US" sz="1600" dirty="0"/>
+                      <a:r>
+                        <a:rPr lang="en-AU" sz="1600" dirty="0" smtClean="0">
+                          <a:solidFill>
+                            <a:srgbClr val="00B050"/>
+                          </a:solidFill>
+                        </a:rPr>
+                        <a:t>2017, 2021</a:t>
+                      </a:r>
+                      <a:endParaRPr lang="en-US" sz="1600" dirty="0">
+                        <a:solidFill>
+                          <a:srgbClr val="00B050"/>
+                        </a:solidFill>
+                      </a:endParaRPr>
                     </a:p>
                   </a:txBody>
                   <a:tcPr/>
@@ -10043,16 +10160,116 @@
                     <a:bodyPr/>
                     <a:lstStyle/>
                     <a:p>
-                      <a:pPr algn="ctr"/>
+                      <a:pPr marL="0" marR="0" indent="0" algn="ctr" defTabSz="914400" rtl="0" eaLnBrk="1" fontAlgn="auto" latinLnBrk="0" hangingPunct="1">
+                        <a:lnSpc>
+                          <a:spcPct val="100000"/>
+                        </a:lnSpc>
+                        <a:spcBef>
+                          <a:spcPts val="0"/>
+                        </a:spcBef>
+                        <a:spcAft>
+                          <a:spcPts val="0"/>
+                        </a:spcAft>
+                        <a:buClrTx/>
+                        <a:buSzTx/>
+                        <a:buFontTx/>
+                        <a:buNone/>
+                        <a:tabLst/>
+                        <a:defRPr/>
+                      </a:pPr>
+                      <a:r>
+                        <a:rPr lang="en-US" sz="1600" kern="1200" dirty="0" smtClean="0">
+                          <a:solidFill>
+                            <a:srgbClr val="FF0000"/>
+                          </a:solidFill>
+                          <a:latin typeface="Wingdings 3" pitchFamily="18" charset="2"/>
+                          <a:ea typeface="+mn-ea"/>
+                          <a:cs typeface="+mn-cs"/>
+                        </a:rPr>
+                        <a:t>Ÿ</a:t>
+                      </a:r>
                       <a:r>
                         <a:rPr lang="en-AU" sz="1600" dirty="0" smtClean="0"/>
-                        <a:t>0.09, 0.13,</a:t>
+                        <a:t>0.09</a:t>
+                      </a:r>
+                      <a:r>
+                        <a:rPr lang="en-AU" sz="1600" dirty="0" smtClean="0"/>
+                        <a:t>, </a:t>
+                      </a:r>
+                      <a:r>
+                        <a:rPr lang="en-US" sz="1600" kern="1200" dirty="0" smtClean="0">
+                          <a:solidFill>
+                            <a:srgbClr val="FF0000"/>
+                          </a:solidFill>
+                          <a:latin typeface="Wingdings 3" pitchFamily="18" charset="2"/>
+                          <a:ea typeface="+mn-ea"/>
+                          <a:cs typeface="+mn-cs"/>
+                        </a:rPr>
+                        <a:t>Ÿ</a:t>
+                      </a:r>
+                      <a:r>
+                        <a:rPr lang="en-AU" sz="1600" dirty="0" smtClean="0"/>
+                        <a:t>0.13</a:t>
+                      </a:r>
+                      <a:r>
+                        <a:rPr lang="en-AU" sz="1600" dirty="0" smtClean="0"/>
+                        <a:t>,</a:t>
                       </a:r>
                       <a:r>
                         <a:rPr lang="en-AU" sz="1600" baseline="0" dirty="0" smtClean="0"/>
-                        <a:t> -0.02, -0.06</a:t>
+                        <a:t> </a:t>
                       </a:r>
-                      <a:endParaRPr lang="en-US" sz="1600" dirty="0"/>
+                      <a:r>
+                        <a:rPr lang="en-US" sz="1800" kern="1200" dirty="0" smtClean="0">
+                          <a:solidFill>
+                            <a:srgbClr val="00B050"/>
+                          </a:solidFill>
+                          <a:latin typeface="Wingdings 3" pitchFamily="18" charset="2"/>
+                          <a:ea typeface="+mn-ea"/>
+                          <a:cs typeface="+mn-cs"/>
+                        </a:rPr>
+                        <a:t>”</a:t>
+                      </a:r>
+                      <a:r>
+                        <a:rPr lang="en-AU" sz="1600" baseline="0" dirty="0" smtClean="0"/>
+                        <a:t>-</a:t>
+                      </a:r>
+                      <a:r>
+                        <a:rPr lang="en-AU" sz="1600" baseline="0" dirty="0" smtClean="0"/>
+                        <a:t>0.02, </a:t>
+                      </a:r>
+                      <a:r>
+                        <a:rPr lang="en-US" sz="1600" kern="1200" dirty="0" smtClean="0">
+                          <a:solidFill>
+                            <a:srgbClr val="00B050"/>
+                          </a:solidFill>
+                          <a:latin typeface="Wingdings 3" pitchFamily="18" charset="2"/>
+                          <a:ea typeface="+mn-ea"/>
+                          <a:cs typeface="+mn-cs"/>
+                        </a:rPr>
+                        <a:t>”</a:t>
+                      </a:r>
+                      <a:r>
+                        <a:rPr lang="en-AU" sz="1600" baseline="0" dirty="0" smtClean="0">
+                          <a:solidFill>
+                            <a:schemeClr val="tx1"/>
+                          </a:solidFill>
+                        </a:rPr>
+                        <a:t>-</a:t>
+                      </a:r>
+                      <a:r>
+                        <a:rPr lang="en-AU" sz="1600" baseline="0" dirty="0" smtClean="0">
+                          <a:solidFill>
+                            <a:schemeClr val="tx1"/>
+                          </a:solidFill>
+                        </a:rPr>
+                        <a:t>0.06</a:t>
+                      </a:r>
+                      <a:endParaRPr lang="en-US" sz="1600" dirty="0">
+                        <a:solidFill>
+                          <a:schemeClr val="tx1"/>
+                        </a:solidFill>
+                      </a:endParaRPr>
                     </a:p>
                   </a:txBody>
                   <a:tcPr/>
@@ -10087,7 +10304,6 @@
                         <a:rPr lang="en-AU" sz="1600" dirty="0" smtClean="0"/>
                         <a:t>Southern Metro</a:t>
                       </a:r>
-                      <a:endParaRPr lang="en-AU" sz="1600" dirty="0" smtClean="0"/>
                     </a:p>
                   </a:txBody>
                   <a:tcPr/>
@@ -10114,8 +10330,57 @@
                     <a:p>
                       <a:pPr algn="ctr"/>
                       <a:r>
+                        <a:rPr lang="en-US" sz="1600" kern="1200" dirty="0" smtClean="0">
+                          <a:solidFill>
+                            <a:srgbClr val="FF0000"/>
+                          </a:solidFill>
+                          <a:latin typeface="Wingdings 3" pitchFamily="18" charset="2"/>
+                          <a:ea typeface="+mn-ea"/>
+                          <a:cs typeface="+mn-cs"/>
+                        </a:rPr>
+                        <a:t>Ÿ</a:t>
+                      </a:r>
+                      <a:r>
                         <a:rPr lang="en-AU" sz="1600" dirty="0" smtClean="0"/>
-                        <a:t>0.13, 0.42, 0.26</a:t>
+                        <a:t>0.13</a:t>
+                      </a:r>
+                      <a:r>
+                        <a:rPr lang="en-AU" sz="1600" dirty="0" smtClean="0"/>
+                        <a:t>, </a:t>
+                      </a:r>
+                      <a:r>
+                        <a:rPr lang="en-US" sz="1600" kern="1200" dirty="0" smtClean="0">
+                          <a:solidFill>
+                            <a:srgbClr val="FF0000"/>
+                          </a:solidFill>
+                          <a:latin typeface="Wingdings 3" pitchFamily="18" charset="2"/>
+                          <a:ea typeface="+mn-ea"/>
+                          <a:cs typeface="+mn-cs"/>
+                        </a:rPr>
+                        <a:t>Ÿ</a:t>
+                      </a:r>
+                      <a:r>
+                        <a:rPr lang="en-AU" sz="1600" dirty="0" smtClean="0"/>
+                        <a:t>0.42</a:t>
+                      </a:r>
+                      <a:r>
+                        <a:rPr lang="en-AU" sz="1600" dirty="0" smtClean="0"/>
+                        <a:t>, </a:t>
+                      </a:r>
+                      <a:r>
+                        <a:rPr lang="en-US" sz="1600" kern="1200" dirty="0" smtClean="0">
+                          <a:solidFill>
+                            <a:srgbClr val="FF0000"/>
+                          </a:solidFill>
+                          <a:latin typeface="Wingdings 3" pitchFamily="18" charset="2"/>
+                          <a:ea typeface="+mn-ea"/>
+                          <a:cs typeface="+mn-cs"/>
+                        </a:rPr>
+                        <a:t>Ÿ</a:t>
+                      </a:r>
+                      <a:r>
+                        <a:rPr lang="en-AU" sz="1600" dirty="0" smtClean="0"/>
+                        <a:t>0.26</a:t>
                       </a:r>
                       <a:endParaRPr lang="en-US" sz="1600" dirty="0"/>
                     </a:p>
@@ -10165,7 +10430,19 @@
                       <a:pPr algn="ctr"/>
                       <a:r>
                         <a:rPr lang="en-AU" sz="1600" dirty="0" smtClean="0"/>
-                        <a:t>2013, 2014, 2017, 2019</a:t>
+                        <a:t>2013, 2014, </a:t>
+                      </a:r>
+                      <a:r>
+                        <a:rPr lang="en-AU" sz="1600" dirty="0" smtClean="0">
+                          <a:solidFill>
+                            <a:srgbClr val="00B050"/>
+                          </a:solidFill>
+                        </a:rPr>
+                        <a:t>2017</a:t>
+                      </a:r>
+                      <a:r>
+                        <a:rPr lang="en-AU" sz="1600" dirty="0" smtClean="0"/>
+                        <a:t>, 2019</a:t>
                       </a:r>
                       <a:endParaRPr lang="en-US" sz="1600" dirty="0"/>
                     </a:p>
@@ -10179,8 +10456,76 @@
                     <a:p>
                       <a:pPr algn="ctr"/>
                       <a:r>
+                        <a:rPr lang="en-US" sz="1600" kern="1200" dirty="0" smtClean="0">
+                          <a:solidFill>
+                            <a:srgbClr val="FF0000"/>
+                          </a:solidFill>
+                          <a:latin typeface="Wingdings 3" pitchFamily="18" charset="2"/>
+                          <a:ea typeface="+mn-ea"/>
+                          <a:cs typeface="+mn-cs"/>
+                        </a:rPr>
+                        <a:t>Ÿ</a:t>
+                      </a:r>
+                      <a:r>
                         <a:rPr lang="en-AU" sz="1600" dirty="0" smtClean="0"/>
-                        <a:t>0.02, 0.05, -0.04, 0.08</a:t>
+                        <a:t>0.02</a:t>
+                      </a:r>
+                      <a:r>
+                        <a:rPr lang="en-AU" sz="1600" dirty="0" smtClean="0"/>
+                        <a:t>, </a:t>
+                      </a:r>
+                      <a:r>
+                        <a:rPr lang="en-US" sz="1600" kern="1200" dirty="0" smtClean="0">
+                          <a:solidFill>
+                            <a:srgbClr val="FF0000"/>
+                          </a:solidFill>
+                          <a:latin typeface="Wingdings 3" pitchFamily="18" charset="2"/>
+                          <a:ea typeface="+mn-ea"/>
+                          <a:cs typeface="+mn-cs"/>
+                        </a:rPr>
+                        <a:t>Ÿ</a:t>
+                      </a:r>
+                      <a:r>
+                        <a:rPr lang="en-AU" sz="1600" dirty="0" smtClean="0"/>
+                        <a:t>0.05</a:t>
+                      </a:r>
+                      <a:r>
+                        <a:rPr lang="en-AU" sz="1600" dirty="0" smtClean="0"/>
+                        <a:t>, </a:t>
+                      </a:r>
+                      <a:r>
+                        <a:rPr lang="en-US" sz="1600" kern="1200" dirty="0" smtClean="0">
+                          <a:solidFill>
+                            <a:srgbClr val="00B050"/>
+                          </a:solidFill>
+                          <a:latin typeface="Wingdings 3" pitchFamily="18" charset="2"/>
+                          <a:ea typeface="+mn-ea"/>
+                          <a:cs typeface="+mn-cs"/>
+                        </a:rPr>
+                        <a:t>”</a:t>
+                      </a:r>
+                      <a:r>
+                        <a:rPr lang="en-AU" sz="1600" dirty="0" smtClean="0"/>
+                        <a:t>-</a:t>
+                      </a:r>
+                      <a:r>
+                        <a:rPr lang="en-AU" sz="1600" dirty="0" smtClean="0"/>
+                        <a:t>0.04, </a:t>
+                      </a:r>
+                      <a:r>
+                        <a:rPr lang="en-US" sz="1600" kern="1200" dirty="0" smtClean="0">
+                          <a:solidFill>
+                            <a:srgbClr val="FF0000"/>
+                          </a:solidFill>
+                          <a:latin typeface="Wingdings 3" pitchFamily="18" charset="2"/>
+                          <a:ea typeface="+mn-ea"/>
+                          <a:cs typeface="+mn-cs"/>
+                        </a:rPr>
+                        <a:t>Ÿ</a:t>
+                      </a:r>
+                      <a:r>
+                        <a:rPr lang="en-AU" sz="1600" dirty="0" smtClean="0"/>
+                        <a:t>0.08</a:t>
                       </a:r>
                       <a:endParaRPr lang="en-US" sz="1600" dirty="0"/>
                     </a:p>
@@ -10286,26 +10631,73 @@
                     <a:p>
                       <a:pPr algn="ctr"/>
                       <a:r>
+                        <a:rPr lang="en-US" sz="1600" kern="1200" dirty="0" smtClean="0">
+                          <a:solidFill>
+                            <a:srgbClr val="FF0000"/>
+                          </a:solidFill>
+                          <a:latin typeface="Wingdings 3" pitchFamily="18" charset="2"/>
+                          <a:ea typeface="+mn-ea"/>
+                          <a:cs typeface="+mn-cs"/>
+                        </a:rPr>
+                        <a:t>Ÿ</a:t>
+                      </a:r>
+                      <a:r>
                         <a:rPr lang="en-AU" sz="1600" dirty="0" smtClean="0"/>
                         <a:t>0.08</a:t>
                       </a:r>
+                      <a:endParaRPr lang="en-AU" sz="1600" dirty="0" smtClean="0"/>
                     </a:p>
                     <a:p>
                       <a:pPr algn="ctr"/>
                       <a:r>
+                        <a:rPr lang="en-US" sz="1600" kern="1200" dirty="0" smtClean="0">
+                          <a:solidFill>
+                            <a:srgbClr val="FF0000"/>
+                          </a:solidFill>
+                          <a:latin typeface="Wingdings 3" pitchFamily="18" charset="2"/>
+                          <a:ea typeface="+mn-ea"/>
+                          <a:cs typeface="+mn-cs"/>
+                        </a:rPr>
+                        <a:t>Ÿ</a:t>
+                      </a:r>
+                      <a:r>
                         <a:rPr lang="en-AU" sz="1600" dirty="0" smtClean="0"/>
                         <a:t>0.09</a:t>
                       </a:r>
+                      <a:endParaRPr lang="en-AU" sz="1600" dirty="0" smtClean="0"/>
                     </a:p>
                     <a:p>
                       <a:pPr algn="ctr"/>
                       <a:r>
+                        <a:rPr lang="en-US" sz="1600" kern="1200" dirty="0" smtClean="0">
+                          <a:solidFill>
+                            <a:srgbClr val="FF0000"/>
+                          </a:solidFill>
+                          <a:latin typeface="Wingdings 3" pitchFamily="18" charset="2"/>
+                          <a:ea typeface="+mn-ea"/>
+                          <a:cs typeface="+mn-cs"/>
+                        </a:rPr>
+                        <a:t>Ÿ</a:t>
+                      </a:r>
+                      <a:r>
                         <a:rPr lang="en-AU" sz="1600" dirty="0" smtClean="0"/>
                         <a:t>0.13</a:t>
                       </a:r>
+                      <a:endParaRPr lang="en-AU" sz="1600" dirty="0" smtClean="0"/>
                     </a:p>
                     <a:p>
                       <a:pPr algn="ctr"/>
+                      <a:r>
+                        <a:rPr lang="en-US" sz="1600" kern="1200" dirty="0" smtClean="0">
+                          <a:solidFill>
+                            <a:srgbClr val="FF0000"/>
+                          </a:solidFill>
+                          <a:latin typeface="Wingdings 3" pitchFamily="18" charset="2"/>
+                          <a:ea typeface="+mn-ea"/>
+                          <a:cs typeface="+mn-cs"/>
+                        </a:rPr>
+                        <a:t>Ÿ</a:t>
+                      </a:r>
                       <a:r>
                         <a:rPr lang="en-AU" sz="1600" dirty="0" smtClean="0"/>
                         <a:t>0.07</a:t>
@@ -10323,7 +10715,7 @@
     </p:spTree>
     <p:extLst>
       <p:ext uri="{BB962C8B-B14F-4D97-AF65-F5344CB8AC3E}">
-        <p14:creationId xmlns:p14="http://schemas.microsoft.com/office/powerpoint/2010/main" xmlns="" val="4047589959"/>
+        <p14:creationId xmlns="" xmlns:p14="http://schemas.microsoft.com/office/powerpoint/2010/main" val="4047589959"/>
       </p:ext>
     </p:extLst>
   </p:cSld>
@@ -10535,7 +10927,7 @@
   <a:extraClrSchemeLst/>
   <a:extLst>
     <a:ext uri="{05A4C25C-085E-4340-85A3-A5531E510DB2}">
-      <thm15:themeFamily xmlns:thm15="http://schemas.microsoft.com/office/thememl/2012/main" xmlns="" name="BohemianVTI" id="{B5E50611-F7C7-47BC-81A6-BE9493DF8677}" vid="{7A26D0DD-A1A5-444B-B0FB-E7DB9E2D047F}"/>
+      <thm15:themeFamily xmlns="" xmlns:thm15="http://schemas.microsoft.com/office/thememl/2012/main" name="BohemianVTI" id="{B5E50611-F7C7-47BC-81A6-BE9493DF8677}" vid="{7A26D0DD-A1A5-444B-B0FB-E7DB9E2D047F}"/>
     </a:ext>
   </a:extLst>
 </a:theme>
@@ -10830,7 +11222,7 @@
   <a:extraClrSchemeLst/>
   <a:extLst>
     <a:ext uri="{05A4C25C-085E-4340-85A3-A5531E510DB2}">
-      <thm15:themeFamily xmlns:thm15="http://schemas.microsoft.com/office/thememl/2012/main" xmlns="" name="Office Theme" id="{62F939B6-93AF-4DB8-9C6B-D6C7DFDC589F}" vid="{4A3C46E8-61CC-4603-A589-7422A47A8E4A}"/>
+      <thm15:themeFamily xmlns="" xmlns:thm15="http://schemas.microsoft.com/office/thememl/2012/main" name="Office Theme" id="{62F939B6-93AF-4DB8-9C6B-D6C7DFDC589F}" vid="{4A3C46E8-61CC-4603-A589-7422A47A8E4A}"/>
     </a:ext>
   </a:extLst>
 </a:theme>

--- a/Crime_Victoria_PowerPoint_Presentation_temporary_Anh.pptx
+++ b/Crime_Victoria_PowerPoint_Presentation_temporary_Anh.pptx
@@ -115,7 +115,7 @@
   </p:defaultTextStyle>
   <p:extLst>
     <p:ext uri="{EFAFB233-063F-42B5-8137-9DF3F51BA10A}">
-      <p15:sldGuideLst xmlns="" xmlns:p15="http://schemas.microsoft.com/office/powerpoint/2012/main"/>
+      <p15:sldGuideLst xmlns:p15="http://schemas.microsoft.com/office/powerpoint/2012/main" xmlns=""/>
     </p:ext>
   </p:extLst>
 </p:presentation>
@@ -373,7 +373,7 @@
     </p:spTree>
     <p:extLst>
       <p:ext uri="{BB962C8B-B14F-4D97-AF65-F5344CB8AC3E}">
-        <p14:creationId xmlns="" xmlns:p14="http://schemas.microsoft.com/office/powerpoint/2010/main" val="1356543397"/>
+        <p14:creationId xmlns:p14="http://schemas.microsoft.com/office/powerpoint/2010/main" xmlns="" val="1356543397"/>
       </p:ext>
     </p:extLst>
   </p:cSld>
@@ -495,7 +495,7 @@
           <p:cNvPr id="2" name="Title 1">
             <a:extLst>
               <a:ext uri="{FF2B5EF4-FFF2-40B4-BE49-F238E27FC236}">
-                <a16:creationId xmlns="" xmlns:a16="http://schemas.microsoft.com/office/drawing/2014/main" id="{0D395C89-2E28-4777-95B0-BA7EECAE3BA4}"/>
+                <a16:creationId xmlns:a16="http://schemas.microsoft.com/office/drawing/2014/main" xmlns="" id="{0D395C89-2E28-4777-95B0-BA7EECAE3BA4}"/>
               </a:ext>
             </a:extLst>
           </p:cNvPr>
@@ -534,7 +534,7 @@
           <p:cNvPr id="3" name="Subtitle 2">
             <a:extLst>
               <a:ext uri="{FF2B5EF4-FFF2-40B4-BE49-F238E27FC236}">
-                <a16:creationId xmlns="" xmlns:a16="http://schemas.microsoft.com/office/drawing/2014/main" id="{59052321-4D71-4DA8-BD2C-DC22FC1525CB}"/>
+                <a16:creationId xmlns:a16="http://schemas.microsoft.com/office/drawing/2014/main" xmlns="" id="{59052321-4D71-4DA8-BD2C-DC22FC1525CB}"/>
               </a:ext>
             </a:extLst>
           </p:cNvPr>
@@ -606,7 +606,7 @@
           <p:cNvPr id="4" name="Date Placeholder 3">
             <a:extLst>
               <a:ext uri="{FF2B5EF4-FFF2-40B4-BE49-F238E27FC236}">
-                <a16:creationId xmlns="" xmlns:a16="http://schemas.microsoft.com/office/drawing/2014/main" id="{B1D37183-71EA-4A92-8609-41ECB53F447E}"/>
+                <a16:creationId xmlns:a16="http://schemas.microsoft.com/office/drawing/2014/main" xmlns="" id="{B1D37183-71EA-4A92-8609-41ECB53F447E}"/>
               </a:ext>
             </a:extLst>
           </p:cNvPr>
@@ -636,7 +636,7 @@
           <p:cNvPr id="5" name="Footer Placeholder 4">
             <a:extLst>
               <a:ext uri="{FF2B5EF4-FFF2-40B4-BE49-F238E27FC236}">
-                <a16:creationId xmlns="" xmlns:a16="http://schemas.microsoft.com/office/drawing/2014/main" id="{CA09F2E6-1ECC-4081-8EBF-C80C6C94A105}"/>
+                <a16:creationId xmlns:a16="http://schemas.microsoft.com/office/drawing/2014/main" xmlns="" id="{CA09F2E6-1ECC-4081-8EBF-C80C6C94A105}"/>
               </a:ext>
             </a:extLst>
           </p:cNvPr>
@@ -661,7 +661,7 @@
           <p:cNvPr id="6" name="Slide Number Placeholder 5">
             <a:extLst>
               <a:ext uri="{FF2B5EF4-FFF2-40B4-BE49-F238E27FC236}">
-                <a16:creationId xmlns="" xmlns:a16="http://schemas.microsoft.com/office/drawing/2014/main" id="{31C3FA67-CD72-4503-BA25-FEC880107BC4}"/>
+                <a16:creationId xmlns:a16="http://schemas.microsoft.com/office/drawing/2014/main" xmlns="" id="{31C3FA67-CD72-4503-BA25-FEC880107BC4}"/>
               </a:ext>
             </a:extLst>
           </p:cNvPr>
@@ -689,7 +689,7 @@
     </p:spTree>
     <p:extLst>
       <p:ext uri="{BB962C8B-B14F-4D97-AF65-F5344CB8AC3E}">
-        <p14:creationId xmlns="" xmlns:p14="http://schemas.microsoft.com/office/powerpoint/2010/main" val="3194522138"/>
+        <p14:creationId xmlns:p14="http://schemas.microsoft.com/office/powerpoint/2010/main" xmlns="" val="3194522138"/>
       </p:ext>
     </p:extLst>
   </p:cSld>
@@ -721,7 +721,7 @@
           <p:cNvPr id="2" name="Title 1">
             <a:extLst>
               <a:ext uri="{FF2B5EF4-FFF2-40B4-BE49-F238E27FC236}">
-                <a16:creationId xmlns="" xmlns:a16="http://schemas.microsoft.com/office/drawing/2014/main" id="{0C683CBE-1EA9-4E8B-A281-C50B792E55F5}"/>
+                <a16:creationId xmlns:a16="http://schemas.microsoft.com/office/drawing/2014/main" xmlns="" id="{0C683CBE-1EA9-4E8B-A281-C50B792E55F5}"/>
               </a:ext>
             </a:extLst>
           </p:cNvPr>
@@ -749,7 +749,7 @@
           <p:cNvPr id="3" name="Vertical Text Placeholder 2">
             <a:extLst>
               <a:ext uri="{FF2B5EF4-FFF2-40B4-BE49-F238E27FC236}">
-                <a16:creationId xmlns="" xmlns:a16="http://schemas.microsoft.com/office/drawing/2014/main" id="{8B2EB1A0-A59D-4CB9-BABB-C6BF1D2E9928}"/>
+                <a16:creationId xmlns:a16="http://schemas.microsoft.com/office/drawing/2014/main" xmlns="" id="{8B2EB1A0-A59D-4CB9-BABB-C6BF1D2E9928}"/>
               </a:ext>
             </a:extLst>
           </p:cNvPr>
@@ -806,7 +806,7 @@
           <p:cNvPr id="4" name="Date Placeholder 3">
             <a:extLst>
               <a:ext uri="{FF2B5EF4-FFF2-40B4-BE49-F238E27FC236}">
-                <a16:creationId xmlns="" xmlns:a16="http://schemas.microsoft.com/office/drawing/2014/main" id="{B2E6265B-940D-433C-AD76-2D6A42449307}"/>
+                <a16:creationId xmlns:a16="http://schemas.microsoft.com/office/drawing/2014/main" xmlns="" id="{B2E6265B-940D-433C-AD76-2D6A42449307}"/>
               </a:ext>
             </a:extLst>
           </p:cNvPr>
@@ -836,7 +836,7 @@
           <p:cNvPr id="5" name="Footer Placeholder 4">
             <a:extLst>
               <a:ext uri="{FF2B5EF4-FFF2-40B4-BE49-F238E27FC236}">
-                <a16:creationId xmlns="" xmlns:a16="http://schemas.microsoft.com/office/drawing/2014/main" id="{EDCAB98E-314F-45C4-9A64-AD3FAE0516DC}"/>
+                <a16:creationId xmlns:a16="http://schemas.microsoft.com/office/drawing/2014/main" xmlns="" id="{EDCAB98E-314F-45C4-9A64-AD3FAE0516DC}"/>
               </a:ext>
             </a:extLst>
           </p:cNvPr>
@@ -861,7 +861,7 @@
           <p:cNvPr id="6" name="Slide Number Placeholder 5">
             <a:extLst>
               <a:ext uri="{FF2B5EF4-FFF2-40B4-BE49-F238E27FC236}">
-                <a16:creationId xmlns="" xmlns:a16="http://schemas.microsoft.com/office/drawing/2014/main" id="{58E49F32-B214-4A0C-8669-7FE4BA445965}"/>
+                <a16:creationId xmlns:a16="http://schemas.microsoft.com/office/drawing/2014/main" xmlns="" id="{58E49F32-B214-4A0C-8669-7FE4BA445965}"/>
               </a:ext>
             </a:extLst>
           </p:cNvPr>
@@ -889,7 +889,7 @@
     </p:spTree>
     <p:extLst>
       <p:ext uri="{BB962C8B-B14F-4D97-AF65-F5344CB8AC3E}">
-        <p14:creationId xmlns="" xmlns:p14="http://schemas.microsoft.com/office/powerpoint/2010/main" val="4203691493"/>
+        <p14:creationId xmlns:p14="http://schemas.microsoft.com/office/powerpoint/2010/main" xmlns="" val="4203691493"/>
       </p:ext>
     </p:extLst>
   </p:cSld>
@@ -921,7 +921,7 @@
           <p:cNvPr id="2" name="Vertical Title 1">
             <a:extLst>
               <a:ext uri="{FF2B5EF4-FFF2-40B4-BE49-F238E27FC236}">
-                <a16:creationId xmlns="" xmlns:a16="http://schemas.microsoft.com/office/drawing/2014/main" id="{18DE4A6D-DAA1-4551-A093-3C36C1C8CF36}"/>
+                <a16:creationId xmlns:a16="http://schemas.microsoft.com/office/drawing/2014/main" xmlns="" id="{18DE4A6D-DAA1-4551-A093-3C36C1C8CF36}"/>
               </a:ext>
             </a:extLst>
           </p:cNvPr>
@@ -954,7 +954,7 @@
           <p:cNvPr id="3" name="Vertical Text Placeholder 2">
             <a:extLst>
               <a:ext uri="{FF2B5EF4-FFF2-40B4-BE49-F238E27FC236}">
-                <a16:creationId xmlns="" xmlns:a16="http://schemas.microsoft.com/office/drawing/2014/main" id="{3125FDA9-71CD-4B86-B291-BEBA43D8ED7F}"/>
+                <a16:creationId xmlns:a16="http://schemas.microsoft.com/office/drawing/2014/main" xmlns="" id="{3125FDA9-71CD-4B86-B291-BEBA43D8ED7F}"/>
               </a:ext>
             </a:extLst>
           </p:cNvPr>
@@ -1016,7 +1016,7 @@
           <p:cNvPr id="4" name="Date Placeholder 3">
             <a:extLst>
               <a:ext uri="{FF2B5EF4-FFF2-40B4-BE49-F238E27FC236}">
-                <a16:creationId xmlns="" xmlns:a16="http://schemas.microsoft.com/office/drawing/2014/main" id="{86D9F5B1-B635-4479-A426-B1D4066502DB}"/>
+                <a16:creationId xmlns:a16="http://schemas.microsoft.com/office/drawing/2014/main" xmlns="" id="{86D9F5B1-B635-4479-A426-B1D4066502DB}"/>
               </a:ext>
             </a:extLst>
           </p:cNvPr>
@@ -1046,7 +1046,7 @@
           <p:cNvPr id="5" name="Footer Placeholder 4">
             <a:extLst>
               <a:ext uri="{FF2B5EF4-FFF2-40B4-BE49-F238E27FC236}">
-                <a16:creationId xmlns="" xmlns:a16="http://schemas.microsoft.com/office/drawing/2014/main" id="{6B833098-8769-47C3-80B2-C2942F984D68}"/>
+                <a16:creationId xmlns:a16="http://schemas.microsoft.com/office/drawing/2014/main" xmlns="" id="{6B833098-8769-47C3-80B2-C2942F984D68}"/>
               </a:ext>
             </a:extLst>
           </p:cNvPr>
@@ -1071,7 +1071,7 @@
           <p:cNvPr id="6" name="Slide Number Placeholder 5">
             <a:extLst>
               <a:ext uri="{FF2B5EF4-FFF2-40B4-BE49-F238E27FC236}">
-                <a16:creationId xmlns="" xmlns:a16="http://schemas.microsoft.com/office/drawing/2014/main" id="{E5EA9297-65D4-45BE-BE6C-5531FC6A5E1E}"/>
+                <a16:creationId xmlns:a16="http://schemas.microsoft.com/office/drawing/2014/main" xmlns="" id="{E5EA9297-65D4-45BE-BE6C-5531FC6A5E1E}"/>
               </a:ext>
             </a:extLst>
           </p:cNvPr>
@@ -1099,7 +1099,7 @@
     </p:spTree>
     <p:extLst>
       <p:ext uri="{BB962C8B-B14F-4D97-AF65-F5344CB8AC3E}">
-        <p14:creationId xmlns="" xmlns:p14="http://schemas.microsoft.com/office/powerpoint/2010/main" val="3777652632"/>
+        <p14:creationId xmlns:p14="http://schemas.microsoft.com/office/powerpoint/2010/main" xmlns="" val="3777652632"/>
       </p:ext>
     </p:extLst>
   </p:cSld>
@@ -1131,7 +1131,7 @@
           <p:cNvPr id="2" name="Title 1">
             <a:extLst>
               <a:ext uri="{FF2B5EF4-FFF2-40B4-BE49-F238E27FC236}">
-                <a16:creationId xmlns="" xmlns:a16="http://schemas.microsoft.com/office/drawing/2014/main" id="{DC9BA523-EF01-4656-9D54-347E984FD329}"/>
+                <a16:creationId xmlns:a16="http://schemas.microsoft.com/office/drawing/2014/main" xmlns="" id="{DC9BA523-EF01-4656-9D54-347E984FD329}"/>
               </a:ext>
             </a:extLst>
           </p:cNvPr>
@@ -1159,7 +1159,7 @@
           <p:cNvPr id="3" name="Content Placeholder 2">
             <a:extLst>
               <a:ext uri="{FF2B5EF4-FFF2-40B4-BE49-F238E27FC236}">
-                <a16:creationId xmlns="" xmlns:a16="http://schemas.microsoft.com/office/drawing/2014/main" id="{2AD52871-79D5-420E-8207-BEF7BE44A9B6}"/>
+                <a16:creationId xmlns:a16="http://schemas.microsoft.com/office/drawing/2014/main" xmlns="" id="{2AD52871-79D5-420E-8207-BEF7BE44A9B6}"/>
               </a:ext>
             </a:extLst>
           </p:cNvPr>
@@ -1216,7 +1216,7 @@
           <p:cNvPr id="4" name="Date Placeholder 3">
             <a:extLst>
               <a:ext uri="{FF2B5EF4-FFF2-40B4-BE49-F238E27FC236}">
-                <a16:creationId xmlns="" xmlns:a16="http://schemas.microsoft.com/office/drawing/2014/main" id="{896D32D3-8223-4851-BB8E-CB489B975FD6}"/>
+                <a16:creationId xmlns:a16="http://schemas.microsoft.com/office/drawing/2014/main" xmlns="" id="{896D32D3-8223-4851-BB8E-CB489B975FD6}"/>
               </a:ext>
             </a:extLst>
           </p:cNvPr>
@@ -1246,7 +1246,7 @@
           <p:cNvPr id="5" name="Footer Placeholder 4">
             <a:extLst>
               <a:ext uri="{FF2B5EF4-FFF2-40B4-BE49-F238E27FC236}">
-                <a16:creationId xmlns="" xmlns:a16="http://schemas.microsoft.com/office/drawing/2014/main" id="{9E94444B-9FC3-414D-8EA0-15AB806D5E32}"/>
+                <a16:creationId xmlns:a16="http://schemas.microsoft.com/office/drawing/2014/main" xmlns="" id="{9E94444B-9FC3-414D-8EA0-15AB806D5E32}"/>
               </a:ext>
             </a:extLst>
           </p:cNvPr>
@@ -1271,7 +1271,7 @@
           <p:cNvPr id="6" name="Slide Number Placeholder 5">
             <a:extLst>
               <a:ext uri="{FF2B5EF4-FFF2-40B4-BE49-F238E27FC236}">
-                <a16:creationId xmlns="" xmlns:a16="http://schemas.microsoft.com/office/drawing/2014/main" id="{DBBC448B-FCF6-40C5-8BB6-15B70E8897CB}"/>
+                <a16:creationId xmlns:a16="http://schemas.microsoft.com/office/drawing/2014/main" xmlns="" id="{DBBC448B-FCF6-40C5-8BB6-15B70E8897CB}"/>
               </a:ext>
             </a:extLst>
           </p:cNvPr>
@@ -1299,7 +1299,7 @@
     </p:spTree>
     <p:extLst>
       <p:ext uri="{BB962C8B-B14F-4D97-AF65-F5344CB8AC3E}">
-        <p14:creationId xmlns="" xmlns:p14="http://schemas.microsoft.com/office/powerpoint/2010/main" val="1938834610"/>
+        <p14:creationId xmlns:p14="http://schemas.microsoft.com/office/powerpoint/2010/main" xmlns="" val="1938834610"/>
       </p:ext>
     </p:extLst>
   </p:cSld>
@@ -1331,7 +1331,7 @@
           <p:cNvPr id="2" name="Title 1">
             <a:extLst>
               <a:ext uri="{FF2B5EF4-FFF2-40B4-BE49-F238E27FC236}">
-                <a16:creationId xmlns="" xmlns:a16="http://schemas.microsoft.com/office/drawing/2014/main" id="{D14F79BA-620F-4443-807B-BE44F36F98F1}"/>
+                <a16:creationId xmlns:a16="http://schemas.microsoft.com/office/drawing/2014/main" xmlns="" id="{D14F79BA-620F-4443-807B-BE44F36F98F1}"/>
               </a:ext>
             </a:extLst>
           </p:cNvPr>
@@ -1370,7 +1370,7 @@
           <p:cNvPr id="3" name="Text Placeholder 2">
             <a:extLst>
               <a:ext uri="{FF2B5EF4-FFF2-40B4-BE49-F238E27FC236}">
-                <a16:creationId xmlns="" xmlns:a16="http://schemas.microsoft.com/office/drawing/2014/main" id="{30C9A625-6442-4047-B545-433C4451210A}"/>
+                <a16:creationId xmlns:a16="http://schemas.microsoft.com/office/drawing/2014/main" xmlns="" id="{30C9A625-6442-4047-B545-433C4451210A}"/>
               </a:ext>
             </a:extLst>
           </p:cNvPr>
@@ -1495,7 +1495,7 @@
           <p:cNvPr id="4" name="Date Placeholder 3">
             <a:extLst>
               <a:ext uri="{FF2B5EF4-FFF2-40B4-BE49-F238E27FC236}">
-                <a16:creationId xmlns="" xmlns:a16="http://schemas.microsoft.com/office/drawing/2014/main" id="{5F8EAA30-3B1A-4BEA-9835-33D2072451F9}"/>
+                <a16:creationId xmlns:a16="http://schemas.microsoft.com/office/drawing/2014/main" xmlns="" id="{5F8EAA30-3B1A-4BEA-9835-33D2072451F9}"/>
               </a:ext>
             </a:extLst>
           </p:cNvPr>
@@ -1525,7 +1525,7 @@
           <p:cNvPr id="5" name="Footer Placeholder 4">
             <a:extLst>
               <a:ext uri="{FF2B5EF4-FFF2-40B4-BE49-F238E27FC236}">
-                <a16:creationId xmlns="" xmlns:a16="http://schemas.microsoft.com/office/drawing/2014/main" id="{BB256440-3149-446F-8105-485333B183A0}"/>
+                <a16:creationId xmlns:a16="http://schemas.microsoft.com/office/drawing/2014/main" xmlns="" id="{BB256440-3149-446F-8105-485333B183A0}"/>
               </a:ext>
             </a:extLst>
           </p:cNvPr>
@@ -1550,7 +1550,7 @@
           <p:cNvPr id="6" name="Slide Number Placeholder 5">
             <a:extLst>
               <a:ext uri="{FF2B5EF4-FFF2-40B4-BE49-F238E27FC236}">
-                <a16:creationId xmlns="" xmlns:a16="http://schemas.microsoft.com/office/drawing/2014/main" id="{4E0FEDB1-D604-4E10-B334-5DB303498B12}"/>
+                <a16:creationId xmlns:a16="http://schemas.microsoft.com/office/drawing/2014/main" xmlns="" id="{4E0FEDB1-D604-4E10-B334-5DB303498B12}"/>
               </a:ext>
             </a:extLst>
           </p:cNvPr>
@@ -1578,7 +1578,7 @@
     </p:spTree>
     <p:extLst>
       <p:ext uri="{BB962C8B-B14F-4D97-AF65-F5344CB8AC3E}">
-        <p14:creationId xmlns="" xmlns:p14="http://schemas.microsoft.com/office/powerpoint/2010/main" val="1320324372"/>
+        <p14:creationId xmlns:p14="http://schemas.microsoft.com/office/powerpoint/2010/main" xmlns="" val="1320324372"/>
       </p:ext>
     </p:extLst>
   </p:cSld>
@@ -1610,7 +1610,7 @@
           <p:cNvPr id="2" name="Title 1">
             <a:extLst>
               <a:ext uri="{FF2B5EF4-FFF2-40B4-BE49-F238E27FC236}">
-                <a16:creationId xmlns="" xmlns:a16="http://schemas.microsoft.com/office/drawing/2014/main" id="{56F6E563-D552-439E-8DF5-45062D87549B}"/>
+                <a16:creationId xmlns:a16="http://schemas.microsoft.com/office/drawing/2014/main" xmlns="" id="{56F6E563-D552-439E-8DF5-45062D87549B}"/>
               </a:ext>
             </a:extLst>
           </p:cNvPr>
@@ -1638,7 +1638,7 @@
           <p:cNvPr id="3" name="Content Placeholder 2">
             <a:extLst>
               <a:ext uri="{FF2B5EF4-FFF2-40B4-BE49-F238E27FC236}">
-                <a16:creationId xmlns="" xmlns:a16="http://schemas.microsoft.com/office/drawing/2014/main" id="{C0136873-2DD5-456E-A3A9-FE408419E30D}"/>
+                <a16:creationId xmlns:a16="http://schemas.microsoft.com/office/drawing/2014/main" xmlns="" id="{C0136873-2DD5-456E-A3A9-FE408419E30D}"/>
               </a:ext>
             </a:extLst>
           </p:cNvPr>
@@ -1700,7 +1700,7 @@
           <p:cNvPr id="4" name="Content Placeholder 3">
             <a:extLst>
               <a:ext uri="{FF2B5EF4-FFF2-40B4-BE49-F238E27FC236}">
-                <a16:creationId xmlns="" xmlns:a16="http://schemas.microsoft.com/office/drawing/2014/main" id="{00C6B04C-FB9E-4A9E-8892-4B5B702898B4}"/>
+                <a16:creationId xmlns:a16="http://schemas.microsoft.com/office/drawing/2014/main" xmlns="" id="{00C6B04C-FB9E-4A9E-8892-4B5B702898B4}"/>
               </a:ext>
             </a:extLst>
           </p:cNvPr>
@@ -1762,7 +1762,7 @@
           <p:cNvPr id="5" name="Date Placeholder 4">
             <a:extLst>
               <a:ext uri="{FF2B5EF4-FFF2-40B4-BE49-F238E27FC236}">
-                <a16:creationId xmlns="" xmlns:a16="http://schemas.microsoft.com/office/drawing/2014/main" id="{42E2F0B4-0E86-473E-BC42-78D856A00C2E}"/>
+                <a16:creationId xmlns:a16="http://schemas.microsoft.com/office/drawing/2014/main" xmlns="" id="{42E2F0B4-0E86-473E-BC42-78D856A00C2E}"/>
               </a:ext>
             </a:extLst>
           </p:cNvPr>
@@ -1792,7 +1792,7 @@
           <p:cNvPr id="6" name="Footer Placeholder 5">
             <a:extLst>
               <a:ext uri="{FF2B5EF4-FFF2-40B4-BE49-F238E27FC236}">
-                <a16:creationId xmlns="" xmlns:a16="http://schemas.microsoft.com/office/drawing/2014/main" id="{782B9537-F43C-4042-B165-A00358F9E24F}"/>
+                <a16:creationId xmlns:a16="http://schemas.microsoft.com/office/drawing/2014/main" xmlns="" id="{782B9537-F43C-4042-B165-A00358F9E24F}"/>
               </a:ext>
             </a:extLst>
           </p:cNvPr>
@@ -1817,7 +1817,7 @@
           <p:cNvPr id="7" name="Slide Number Placeholder 6">
             <a:extLst>
               <a:ext uri="{FF2B5EF4-FFF2-40B4-BE49-F238E27FC236}">
-                <a16:creationId xmlns="" xmlns:a16="http://schemas.microsoft.com/office/drawing/2014/main" id="{FEF9F52F-61F2-4FEE-8989-2FB400190C4C}"/>
+                <a16:creationId xmlns:a16="http://schemas.microsoft.com/office/drawing/2014/main" xmlns="" id="{FEF9F52F-61F2-4FEE-8989-2FB400190C4C}"/>
               </a:ext>
             </a:extLst>
           </p:cNvPr>
@@ -1845,7 +1845,7 @@
     </p:spTree>
     <p:extLst>
       <p:ext uri="{BB962C8B-B14F-4D97-AF65-F5344CB8AC3E}">
-        <p14:creationId xmlns="" xmlns:p14="http://schemas.microsoft.com/office/powerpoint/2010/main" val="3361999117"/>
+        <p14:creationId xmlns:p14="http://schemas.microsoft.com/office/powerpoint/2010/main" xmlns="" val="3361999117"/>
       </p:ext>
     </p:extLst>
   </p:cSld>
@@ -1877,7 +1877,7 @@
           <p:cNvPr id="2" name="Title 1">
             <a:extLst>
               <a:ext uri="{FF2B5EF4-FFF2-40B4-BE49-F238E27FC236}">
-                <a16:creationId xmlns="" xmlns:a16="http://schemas.microsoft.com/office/drawing/2014/main" id="{66832E5C-0B2D-4DB5-95F6-3C2C825DFE54}"/>
+                <a16:creationId xmlns:a16="http://schemas.microsoft.com/office/drawing/2014/main" xmlns="" id="{66832E5C-0B2D-4DB5-95F6-3C2C825DFE54}"/>
               </a:ext>
             </a:extLst>
           </p:cNvPr>
@@ -1910,7 +1910,7 @@
           <p:cNvPr id="3" name="Text Placeholder 2">
             <a:extLst>
               <a:ext uri="{FF2B5EF4-FFF2-40B4-BE49-F238E27FC236}">
-                <a16:creationId xmlns="" xmlns:a16="http://schemas.microsoft.com/office/drawing/2014/main" id="{818F1C53-3F27-42E6-BE80-1DF57985741C}"/>
+                <a16:creationId xmlns:a16="http://schemas.microsoft.com/office/drawing/2014/main" xmlns="" id="{818F1C53-3F27-42E6-BE80-1DF57985741C}"/>
               </a:ext>
             </a:extLst>
           </p:cNvPr>
@@ -1983,7 +1983,7 @@
           <p:cNvPr id="4" name="Content Placeholder 3">
             <a:extLst>
               <a:ext uri="{FF2B5EF4-FFF2-40B4-BE49-F238E27FC236}">
-                <a16:creationId xmlns="" xmlns:a16="http://schemas.microsoft.com/office/drawing/2014/main" id="{938CC6CB-F028-4322-B54F-571203106F23}"/>
+                <a16:creationId xmlns:a16="http://schemas.microsoft.com/office/drawing/2014/main" xmlns="" id="{938CC6CB-F028-4322-B54F-571203106F23}"/>
               </a:ext>
             </a:extLst>
           </p:cNvPr>
@@ -2052,7 +2052,7 @@
           <p:cNvPr id="5" name="Text Placeholder 4">
             <a:extLst>
               <a:ext uri="{FF2B5EF4-FFF2-40B4-BE49-F238E27FC236}">
-                <a16:creationId xmlns="" xmlns:a16="http://schemas.microsoft.com/office/drawing/2014/main" id="{82AD2CD7-554E-4EAA-BAF6-86ABB7E81D25}"/>
+                <a16:creationId xmlns:a16="http://schemas.microsoft.com/office/drawing/2014/main" xmlns="" id="{82AD2CD7-554E-4EAA-BAF6-86ABB7E81D25}"/>
               </a:ext>
             </a:extLst>
           </p:cNvPr>
@@ -2125,7 +2125,7 @@
           <p:cNvPr id="6" name="Content Placeholder 5">
             <a:extLst>
               <a:ext uri="{FF2B5EF4-FFF2-40B4-BE49-F238E27FC236}">
-                <a16:creationId xmlns="" xmlns:a16="http://schemas.microsoft.com/office/drawing/2014/main" id="{1982A2D6-379C-4D26-90AC-9F2F46DCE7F3}"/>
+                <a16:creationId xmlns:a16="http://schemas.microsoft.com/office/drawing/2014/main" xmlns="" id="{1982A2D6-379C-4D26-90AC-9F2F46DCE7F3}"/>
               </a:ext>
             </a:extLst>
           </p:cNvPr>
@@ -2194,7 +2194,7 @@
           <p:cNvPr id="7" name="Date Placeholder 6">
             <a:extLst>
               <a:ext uri="{FF2B5EF4-FFF2-40B4-BE49-F238E27FC236}">
-                <a16:creationId xmlns="" xmlns:a16="http://schemas.microsoft.com/office/drawing/2014/main" id="{DEA0E4F3-8A65-4788-AE96-1FB2060F48D2}"/>
+                <a16:creationId xmlns:a16="http://schemas.microsoft.com/office/drawing/2014/main" xmlns="" id="{DEA0E4F3-8A65-4788-AE96-1FB2060F48D2}"/>
               </a:ext>
             </a:extLst>
           </p:cNvPr>
@@ -2224,7 +2224,7 @@
           <p:cNvPr id="8" name="Footer Placeholder 7">
             <a:extLst>
               <a:ext uri="{FF2B5EF4-FFF2-40B4-BE49-F238E27FC236}">
-                <a16:creationId xmlns="" xmlns:a16="http://schemas.microsoft.com/office/drawing/2014/main" id="{97522DA4-5EE1-440C-ADDE-D7B4F77B4E18}"/>
+                <a16:creationId xmlns:a16="http://schemas.microsoft.com/office/drawing/2014/main" xmlns="" id="{97522DA4-5EE1-440C-ADDE-D7B4F77B4E18}"/>
               </a:ext>
             </a:extLst>
           </p:cNvPr>
@@ -2249,7 +2249,7 @@
           <p:cNvPr id="9" name="Slide Number Placeholder 8">
             <a:extLst>
               <a:ext uri="{FF2B5EF4-FFF2-40B4-BE49-F238E27FC236}">
-                <a16:creationId xmlns="" xmlns:a16="http://schemas.microsoft.com/office/drawing/2014/main" id="{D6BC291E-B8EF-4ED7-A04A-23426C220CF0}"/>
+                <a16:creationId xmlns:a16="http://schemas.microsoft.com/office/drawing/2014/main" xmlns="" id="{D6BC291E-B8EF-4ED7-A04A-23426C220CF0}"/>
               </a:ext>
             </a:extLst>
           </p:cNvPr>
@@ -2277,7 +2277,7 @@
     </p:spTree>
     <p:extLst>
       <p:ext uri="{BB962C8B-B14F-4D97-AF65-F5344CB8AC3E}">
-        <p14:creationId xmlns="" xmlns:p14="http://schemas.microsoft.com/office/powerpoint/2010/main" val="266521033"/>
+        <p14:creationId xmlns:p14="http://schemas.microsoft.com/office/powerpoint/2010/main" xmlns="" val="266521033"/>
       </p:ext>
     </p:extLst>
   </p:cSld>
@@ -2309,7 +2309,7 @@
           <p:cNvPr id="2" name="Title 1">
             <a:extLst>
               <a:ext uri="{FF2B5EF4-FFF2-40B4-BE49-F238E27FC236}">
-                <a16:creationId xmlns="" xmlns:a16="http://schemas.microsoft.com/office/drawing/2014/main" id="{A01CB818-E8D0-497B-9A7E-4F281D0DBCCD}"/>
+                <a16:creationId xmlns:a16="http://schemas.microsoft.com/office/drawing/2014/main" xmlns="" id="{A01CB818-E8D0-497B-9A7E-4F281D0DBCCD}"/>
               </a:ext>
             </a:extLst>
           </p:cNvPr>
@@ -2337,7 +2337,7 @@
           <p:cNvPr id="3" name="Date Placeholder 2">
             <a:extLst>
               <a:ext uri="{FF2B5EF4-FFF2-40B4-BE49-F238E27FC236}">
-                <a16:creationId xmlns="" xmlns:a16="http://schemas.microsoft.com/office/drawing/2014/main" id="{CFE82B9D-CD58-4C05-8A78-CB6E0E9D49DC}"/>
+                <a16:creationId xmlns:a16="http://schemas.microsoft.com/office/drawing/2014/main" xmlns="" id="{CFE82B9D-CD58-4C05-8A78-CB6E0E9D49DC}"/>
               </a:ext>
             </a:extLst>
           </p:cNvPr>
@@ -2367,7 +2367,7 @@
           <p:cNvPr id="4" name="Footer Placeholder 3">
             <a:extLst>
               <a:ext uri="{FF2B5EF4-FFF2-40B4-BE49-F238E27FC236}">
-                <a16:creationId xmlns="" xmlns:a16="http://schemas.microsoft.com/office/drawing/2014/main" id="{BADE60CD-D6F3-40A7-BB8B-FEC8E3156AFB}"/>
+                <a16:creationId xmlns:a16="http://schemas.microsoft.com/office/drawing/2014/main" xmlns="" id="{BADE60CD-D6F3-40A7-BB8B-FEC8E3156AFB}"/>
               </a:ext>
             </a:extLst>
           </p:cNvPr>
@@ -2392,7 +2392,7 @@
           <p:cNvPr id="5" name="Slide Number Placeholder 4">
             <a:extLst>
               <a:ext uri="{FF2B5EF4-FFF2-40B4-BE49-F238E27FC236}">
-                <a16:creationId xmlns="" xmlns:a16="http://schemas.microsoft.com/office/drawing/2014/main" id="{7C02B832-C4FE-4F88-85EA-DDC16A82B9A9}"/>
+                <a16:creationId xmlns:a16="http://schemas.microsoft.com/office/drawing/2014/main" xmlns="" id="{7C02B832-C4FE-4F88-85EA-DDC16A82B9A9}"/>
               </a:ext>
             </a:extLst>
           </p:cNvPr>
@@ -2420,7 +2420,7 @@
     </p:spTree>
     <p:extLst>
       <p:ext uri="{BB962C8B-B14F-4D97-AF65-F5344CB8AC3E}">
-        <p14:creationId xmlns="" xmlns:p14="http://schemas.microsoft.com/office/powerpoint/2010/main" val="2655213164"/>
+        <p14:creationId xmlns:p14="http://schemas.microsoft.com/office/powerpoint/2010/main" xmlns="" val="2655213164"/>
       </p:ext>
     </p:extLst>
   </p:cSld>
@@ -2452,7 +2452,7 @@
           <p:cNvPr id="2" name="Date Placeholder 1">
             <a:extLst>
               <a:ext uri="{FF2B5EF4-FFF2-40B4-BE49-F238E27FC236}">
-                <a16:creationId xmlns="" xmlns:a16="http://schemas.microsoft.com/office/drawing/2014/main" id="{3C75B2FC-801A-44A4-96BF-26A9E8B2A1C6}"/>
+                <a16:creationId xmlns:a16="http://schemas.microsoft.com/office/drawing/2014/main" xmlns="" id="{3C75B2FC-801A-44A4-96BF-26A9E8B2A1C6}"/>
               </a:ext>
             </a:extLst>
           </p:cNvPr>
@@ -2482,7 +2482,7 @@
           <p:cNvPr id="3" name="Footer Placeholder 2">
             <a:extLst>
               <a:ext uri="{FF2B5EF4-FFF2-40B4-BE49-F238E27FC236}">
-                <a16:creationId xmlns="" xmlns:a16="http://schemas.microsoft.com/office/drawing/2014/main" id="{A8127F04-7E7E-485C-8B30-6B89E5A69F0A}"/>
+                <a16:creationId xmlns:a16="http://schemas.microsoft.com/office/drawing/2014/main" xmlns="" id="{A8127F04-7E7E-485C-8B30-6B89E5A69F0A}"/>
               </a:ext>
             </a:extLst>
           </p:cNvPr>
@@ -2507,7 +2507,7 @@
           <p:cNvPr id="4" name="Slide Number Placeholder 3">
             <a:extLst>
               <a:ext uri="{FF2B5EF4-FFF2-40B4-BE49-F238E27FC236}">
-                <a16:creationId xmlns="" xmlns:a16="http://schemas.microsoft.com/office/drawing/2014/main" id="{90933C81-AA74-4BCE-AA9E-56E5791D078C}"/>
+                <a16:creationId xmlns:a16="http://schemas.microsoft.com/office/drawing/2014/main" xmlns="" id="{90933C81-AA74-4BCE-AA9E-56E5791D078C}"/>
               </a:ext>
             </a:extLst>
           </p:cNvPr>
@@ -2535,7 +2535,7 @@
     </p:spTree>
     <p:extLst>
       <p:ext uri="{BB962C8B-B14F-4D97-AF65-F5344CB8AC3E}">
-        <p14:creationId xmlns="" xmlns:p14="http://schemas.microsoft.com/office/powerpoint/2010/main" val="576407341"/>
+        <p14:creationId xmlns:p14="http://schemas.microsoft.com/office/powerpoint/2010/main" xmlns="" val="576407341"/>
       </p:ext>
     </p:extLst>
   </p:cSld>
@@ -2567,7 +2567,7 @@
           <p:cNvPr id="2" name="Title 1">
             <a:extLst>
               <a:ext uri="{FF2B5EF4-FFF2-40B4-BE49-F238E27FC236}">
-                <a16:creationId xmlns="" xmlns:a16="http://schemas.microsoft.com/office/drawing/2014/main" id="{98DFD3CB-0541-46AD-B35E-0E0A1375E8A2}"/>
+                <a16:creationId xmlns:a16="http://schemas.microsoft.com/office/drawing/2014/main" xmlns="" id="{98DFD3CB-0541-46AD-B35E-0E0A1375E8A2}"/>
               </a:ext>
             </a:extLst>
           </p:cNvPr>
@@ -2604,7 +2604,7 @@
           <p:cNvPr id="3" name="Content Placeholder 2">
             <a:extLst>
               <a:ext uri="{FF2B5EF4-FFF2-40B4-BE49-F238E27FC236}">
-                <a16:creationId xmlns="" xmlns:a16="http://schemas.microsoft.com/office/drawing/2014/main" id="{EBF8EFDE-1D7D-46B8-AB55-A3C02EDD1888}"/>
+                <a16:creationId xmlns:a16="http://schemas.microsoft.com/office/drawing/2014/main" xmlns="" id="{EBF8EFDE-1D7D-46B8-AB55-A3C02EDD1888}"/>
               </a:ext>
             </a:extLst>
           </p:cNvPr>
@@ -2694,7 +2694,7 @@
           <p:cNvPr id="4" name="Text Placeholder 3">
             <a:extLst>
               <a:ext uri="{FF2B5EF4-FFF2-40B4-BE49-F238E27FC236}">
-                <a16:creationId xmlns="" xmlns:a16="http://schemas.microsoft.com/office/drawing/2014/main" id="{6411D2F5-DB36-4943-8A14-96AFC4883065}"/>
+                <a16:creationId xmlns:a16="http://schemas.microsoft.com/office/drawing/2014/main" xmlns="" id="{6411D2F5-DB36-4943-8A14-96AFC4883065}"/>
               </a:ext>
             </a:extLst>
           </p:cNvPr>
@@ -2765,7 +2765,7 @@
           <p:cNvPr id="5" name="Date Placeholder 4">
             <a:extLst>
               <a:ext uri="{FF2B5EF4-FFF2-40B4-BE49-F238E27FC236}">
-                <a16:creationId xmlns="" xmlns:a16="http://schemas.microsoft.com/office/drawing/2014/main" id="{106C07D4-6597-444C-9EFD-62021AE7618C}"/>
+                <a16:creationId xmlns:a16="http://schemas.microsoft.com/office/drawing/2014/main" xmlns="" id="{106C07D4-6597-444C-9EFD-62021AE7618C}"/>
               </a:ext>
             </a:extLst>
           </p:cNvPr>
@@ -2795,7 +2795,7 @@
           <p:cNvPr id="6" name="Footer Placeholder 5">
             <a:extLst>
               <a:ext uri="{FF2B5EF4-FFF2-40B4-BE49-F238E27FC236}">
-                <a16:creationId xmlns="" xmlns:a16="http://schemas.microsoft.com/office/drawing/2014/main" id="{712D0D2C-70E8-4A24-9727-BEAF10B17D6C}"/>
+                <a16:creationId xmlns:a16="http://schemas.microsoft.com/office/drawing/2014/main" xmlns="" id="{712D0D2C-70E8-4A24-9727-BEAF10B17D6C}"/>
               </a:ext>
             </a:extLst>
           </p:cNvPr>
@@ -2820,7 +2820,7 @@
           <p:cNvPr id="7" name="Slide Number Placeholder 6">
             <a:extLst>
               <a:ext uri="{FF2B5EF4-FFF2-40B4-BE49-F238E27FC236}">
-                <a16:creationId xmlns="" xmlns:a16="http://schemas.microsoft.com/office/drawing/2014/main" id="{F0D9E0F6-7216-48A1-8BCA-770C6DE3875B}"/>
+                <a16:creationId xmlns:a16="http://schemas.microsoft.com/office/drawing/2014/main" xmlns="" id="{F0D9E0F6-7216-48A1-8BCA-770C6DE3875B}"/>
               </a:ext>
             </a:extLst>
           </p:cNvPr>
@@ -2848,7 +2848,7 @@
     </p:spTree>
     <p:extLst>
       <p:ext uri="{BB962C8B-B14F-4D97-AF65-F5344CB8AC3E}">
-        <p14:creationId xmlns="" xmlns:p14="http://schemas.microsoft.com/office/powerpoint/2010/main" val="780026818"/>
+        <p14:creationId xmlns:p14="http://schemas.microsoft.com/office/powerpoint/2010/main" xmlns="" val="780026818"/>
       </p:ext>
     </p:extLst>
   </p:cSld>
@@ -2880,7 +2880,7 @@
           <p:cNvPr id="2" name="Title 1">
             <a:extLst>
               <a:ext uri="{FF2B5EF4-FFF2-40B4-BE49-F238E27FC236}">
-                <a16:creationId xmlns="" xmlns:a16="http://schemas.microsoft.com/office/drawing/2014/main" id="{1E4CBEBD-5F1A-4111-A7F2-1CE82C9A69D8}"/>
+                <a16:creationId xmlns:a16="http://schemas.microsoft.com/office/drawing/2014/main" xmlns="" id="{1E4CBEBD-5F1A-4111-A7F2-1CE82C9A69D8}"/>
               </a:ext>
             </a:extLst>
           </p:cNvPr>
@@ -2917,7 +2917,7 @@
           <p:cNvPr id="3" name="Picture Placeholder 2">
             <a:extLst>
               <a:ext uri="{FF2B5EF4-FFF2-40B4-BE49-F238E27FC236}">
-                <a16:creationId xmlns="" xmlns:a16="http://schemas.microsoft.com/office/drawing/2014/main" id="{C00517FB-4008-4F68-B193-482971BA720D}"/>
+                <a16:creationId xmlns:a16="http://schemas.microsoft.com/office/drawing/2014/main" xmlns="" id="{C00517FB-4008-4F68-B193-482971BA720D}"/>
               </a:ext>
             </a:extLst>
           </p:cNvPr>
@@ -2984,7 +2984,7 @@
           <p:cNvPr id="4" name="Text Placeholder 3">
             <a:extLst>
               <a:ext uri="{FF2B5EF4-FFF2-40B4-BE49-F238E27FC236}">
-                <a16:creationId xmlns="" xmlns:a16="http://schemas.microsoft.com/office/drawing/2014/main" id="{92606C5F-0885-458F-9B21-47E60171BF0E}"/>
+                <a16:creationId xmlns:a16="http://schemas.microsoft.com/office/drawing/2014/main" xmlns="" id="{92606C5F-0885-458F-9B21-47E60171BF0E}"/>
               </a:ext>
             </a:extLst>
           </p:cNvPr>
@@ -3055,7 +3055,7 @@
           <p:cNvPr id="5" name="Date Placeholder 4">
             <a:extLst>
               <a:ext uri="{FF2B5EF4-FFF2-40B4-BE49-F238E27FC236}">
-                <a16:creationId xmlns="" xmlns:a16="http://schemas.microsoft.com/office/drawing/2014/main" id="{04886F2E-B752-4D78-8DC4-C96A1A00E670}"/>
+                <a16:creationId xmlns:a16="http://schemas.microsoft.com/office/drawing/2014/main" xmlns="" id="{04886F2E-B752-4D78-8DC4-C96A1A00E670}"/>
               </a:ext>
             </a:extLst>
           </p:cNvPr>
@@ -3085,7 +3085,7 @@
           <p:cNvPr id="6" name="Footer Placeholder 5">
             <a:extLst>
               <a:ext uri="{FF2B5EF4-FFF2-40B4-BE49-F238E27FC236}">
-                <a16:creationId xmlns="" xmlns:a16="http://schemas.microsoft.com/office/drawing/2014/main" id="{4FC37751-8BB8-4224-870A-A2953E76073F}"/>
+                <a16:creationId xmlns:a16="http://schemas.microsoft.com/office/drawing/2014/main" xmlns="" id="{4FC37751-8BB8-4224-870A-A2953E76073F}"/>
               </a:ext>
             </a:extLst>
           </p:cNvPr>
@@ -3110,7 +3110,7 @@
           <p:cNvPr id="7" name="Slide Number Placeholder 6">
             <a:extLst>
               <a:ext uri="{FF2B5EF4-FFF2-40B4-BE49-F238E27FC236}">
-                <a16:creationId xmlns="" xmlns:a16="http://schemas.microsoft.com/office/drawing/2014/main" id="{6242CE94-BD7E-44B3-9B5E-67D4BD317E99}"/>
+                <a16:creationId xmlns:a16="http://schemas.microsoft.com/office/drawing/2014/main" xmlns="" id="{6242CE94-BD7E-44B3-9B5E-67D4BD317E99}"/>
               </a:ext>
             </a:extLst>
           </p:cNvPr>
@@ -3138,7 +3138,7 @@
     </p:spTree>
     <p:extLst>
       <p:ext uri="{BB962C8B-B14F-4D97-AF65-F5344CB8AC3E}">
-        <p14:creationId xmlns="" xmlns:p14="http://schemas.microsoft.com/office/powerpoint/2010/main" val="1894485911"/>
+        <p14:creationId xmlns:p14="http://schemas.microsoft.com/office/powerpoint/2010/main" xmlns="" val="1894485911"/>
       </p:ext>
     </p:extLst>
   </p:cSld>
@@ -3175,7 +3175,7 @@
           <p:cNvPr id="7" name="Group 6">
             <a:extLst>
               <a:ext uri="{FF2B5EF4-FFF2-40B4-BE49-F238E27FC236}">
-                <a16:creationId xmlns="" xmlns:a16="http://schemas.microsoft.com/office/drawing/2014/main" id="{71AFD227-869A-489C-A9B5-3F0498DF3C0C}"/>
+                <a16:creationId xmlns:a16="http://schemas.microsoft.com/office/drawing/2014/main" xmlns="" id="{71AFD227-869A-489C-A9B5-3F0498DF3C0C}"/>
               </a:ext>
             </a:extLst>
           </p:cNvPr>
@@ -3200,7 +3200,7 @@
             <p:cNvPr id="8" name="Freeform 8">
               <a:extLst>
                 <a:ext uri="{FF2B5EF4-FFF2-40B4-BE49-F238E27FC236}">
-                  <a16:creationId xmlns="" xmlns:a16="http://schemas.microsoft.com/office/drawing/2014/main" id="{62704B34-199B-4964-9C78-3AB9735915AA}"/>
+                  <a16:creationId xmlns:a16="http://schemas.microsoft.com/office/drawing/2014/main" xmlns="" id="{62704B34-199B-4964-9C78-3AB9735915AA}"/>
                 </a:ext>
               </a:extLst>
             </p:cNvPr>
@@ -3282,7 +3282,7 @@
             <p:cNvPr id="9" name="Freeform 10">
               <a:extLst>
                 <a:ext uri="{FF2B5EF4-FFF2-40B4-BE49-F238E27FC236}">
-                  <a16:creationId xmlns="" xmlns:a16="http://schemas.microsoft.com/office/drawing/2014/main" id="{8B1E8DB8-017D-454E-849F-EE5742849FD4}"/>
+                  <a16:creationId xmlns:a16="http://schemas.microsoft.com/office/drawing/2014/main" xmlns="" id="{8B1E8DB8-017D-454E-849F-EE5742849FD4}"/>
                 </a:ext>
               </a:extLst>
             </p:cNvPr>
@@ -3364,7 +3364,7 @@
             <p:cNvPr id="10" name="Freeform 15">
               <a:extLst>
                 <a:ext uri="{FF2B5EF4-FFF2-40B4-BE49-F238E27FC236}">
-                  <a16:creationId xmlns="" xmlns:a16="http://schemas.microsoft.com/office/drawing/2014/main" id="{16D80E5D-5099-41C4-A80A-1B1538C382FC}"/>
+                  <a16:creationId xmlns:a16="http://schemas.microsoft.com/office/drawing/2014/main" xmlns="" id="{16D80E5D-5099-41C4-A80A-1B1538C382FC}"/>
                 </a:ext>
               </a:extLst>
             </p:cNvPr>
@@ -3446,7 +3446,7 @@
             <p:cNvPr id="11" name="Freeform 18">
               <a:extLst>
                 <a:ext uri="{FF2B5EF4-FFF2-40B4-BE49-F238E27FC236}">
-                  <a16:creationId xmlns="" xmlns:a16="http://schemas.microsoft.com/office/drawing/2014/main" id="{947751E1-E2F4-467E-B547-3BD4BAB7F560}"/>
+                  <a16:creationId xmlns:a16="http://schemas.microsoft.com/office/drawing/2014/main" xmlns="" id="{947751E1-E2F4-467E-B547-3BD4BAB7F560}"/>
                 </a:ext>
               </a:extLst>
             </p:cNvPr>
@@ -3528,7 +3528,7 @@
             <p:cNvPr id="12" name="Freeform 19">
               <a:extLst>
                 <a:ext uri="{FF2B5EF4-FFF2-40B4-BE49-F238E27FC236}">
-                  <a16:creationId xmlns="" xmlns:a16="http://schemas.microsoft.com/office/drawing/2014/main" id="{55D8869B-B701-4268-9856-876345C8AE3F}"/>
+                  <a16:creationId xmlns:a16="http://schemas.microsoft.com/office/drawing/2014/main" xmlns="" id="{55D8869B-B701-4268-9856-876345C8AE3F}"/>
                 </a:ext>
               </a:extLst>
             </p:cNvPr>
@@ -3610,7 +3610,7 @@
             <p:cNvPr id="13" name="Freeform 20">
               <a:extLst>
                 <a:ext uri="{FF2B5EF4-FFF2-40B4-BE49-F238E27FC236}">
-                  <a16:creationId xmlns="" xmlns:a16="http://schemas.microsoft.com/office/drawing/2014/main" id="{A25CA59C-849F-4CE4-A9B0-293F98DE2C7C}"/>
+                  <a16:creationId xmlns:a16="http://schemas.microsoft.com/office/drawing/2014/main" xmlns="" id="{A25CA59C-849F-4CE4-A9B0-293F98DE2C7C}"/>
                 </a:ext>
               </a:extLst>
             </p:cNvPr>
@@ -3692,7 +3692,7 @@
             <p:cNvPr id="14" name="Freeform 22">
               <a:extLst>
                 <a:ext uri="{FF2B5EF4-FFF2-40B4-BE49-F238E27FC236}">
-                  <a16:creationId xmlns="" xmlns:a16="http://schemas.microsoft.com/office/drawing/2014/main" id="{FE000DB1-AAA1-4BFF-8F14-53624C2F9E0B}"/>
+                  <a16:creationId xmlns:a16="http://schemas.microsoft.com/office/drawing/2014/main" xmlns="" id="{FE000DB1-AAA1-4BFF-8F14-53624C2F9E0B}"/>
                 </a:ext>
               </a:extLst>
             </p:cNvPr>
@@ -3774,7 +3774,7 @@
             <p:cNvPr id="15" name="Freeform 23">
               <a:extLst>
                 <a:ext uri="{FF2B5EF4-FFF2-40B4-BE49-F238E27FC236}">
-                  <a16:creationId xmlns="" xmlns:a16="http://schemas.microsoft.com/office/drawing/2014/main" id="{5EEFBC14-7E5B-47B2-B5E3-E90991F89191}"/>
+                  <a16:creationId xmlns:a16="http://schemas.microsoft.com/office/drawing/2014/main" xmlns="" id="{5EEFBC14-7E5B-47B2-B5E3-E90991F89191}"/>
                 </a:ext>
               </a:extLst>
             </p:cNvPr>
@@ -3856,7 +3856,7 @@
             <p:cNvPr id="16" name="Freeform 26">
               <a:extLst>
                 <a:ext uri="{FF2B5EF4-FFF2-40B4-BE49-F238E27FC236}">
-                  <a16:creationId xmlns="" xmlns:a16="http://schemas.microsoft.com/office/drawing/2014/main" id="{00AFF6E4-A34A-4FD3-8C57-BB96114822D1}"/>
+                  <a16:creationId xmlns:a16="http://schemas.microsoft.com/office/drawing/2014/main" xmlns="" id="{00AFF6E4-A34A-4FD3-8C57-BB96114822D1}"/>
                 </a:ext>
               </a:extLst>
             </p:cNvPr>
@@ -3938,7 +3938,7 @@
             <p:cNvPr id="17" name="Freeform 27">
               <a:extLst>
                 <a:ext uri="{FF2B5EF4-FFF2-40B4-BE49-F238E27FC236}">
-                  <a16:creationId xmlns="" xmlns:a16="http://schemas.microsoft.com/office/drawing/2014/main" id="{C63A8474-C075-4441-A0B3-52286EA50093}"/>
+                  <a16:creationId xmlns:a16="http://schemas.microsoft.com/office/drawing/2014/main" xmlns="" id="{C63A8474-C075-4441-A0B3-52286EA50093}"/>
                 </a:ext>
               </a:extLst>
             </p:cNvPr>
@@ -4020,7 +4020,7 @@
             <p:cNvPr id="18" name="Freeform 28">
               <a:extLst>
                 <a:ext uri="{FF2B5EF4-FFF2-40B4-BE49-F238E27FC236}">
-                  <a16:creationId xmlns="" xmlns:a16="http://schemas.microsoft.com/office/drawing/2014/main" id="{35DA4698-A2ED-4512-8887-F12D3F14372A}"/>
+                  <a16:creationId xmlns:a16="http://schemas.microsoft.com/office/drawing/2014/main" xmlns="" id="{35DA4698-A2ED-4512-8887-F12D3F14372A}"/>
                 </a:ext>
               </a:extLst>
             </p:cNvPr>
@@ -4102,7 +4102,7 @@
             <p:cNvPr id="19" name="Freeform 30">
               <a:extLst>
                 <a:ext uri="{FF2B5EF4-FFF2-40B4-BE49-F238E27FC236}">
-                  <a16:creationId xmlns="" xmlns:a16="http://schemas.microsoft.com/office/drawing/2014/main" id="{3358E118-D590-4E50-B21C-6CDAA1CCAFCB}"/>
+                  <a16:creationId xmlns:a16="http://schemas.microsoft.com/office/drawing/2014/main" xmlns="" id="{3358E118-D590-4E50-B21C-6CDAA1CCAFCB}"/>
                 </a:ext>
               </a:extLst>
             </p:cNvPr>
@@ -4184,7 +4184,7 @@
             <p:cNvPr id="20" name="Freeform 43">
               <a:extLst>
                 <a:ext uri="{FF2B5EF4-FFF2-40B4-BE49-F238E27FC236}">
-                  <a16:creationId xmlns="" xmlns:a16="http://schemas.microsoft.com/office/drawing/2014/main" id="{F1EE889E-60FF-423F-ADCB-6CBEE853A040}"/>
+                  <a16:creationId xmlns:a16="http://schemas.microsoft.com/office/drawing/2014/main" xmlns="" id="{F1EE889E-60FF-423F-ADCB-6CBEE853A040}"/>
                 </a:ext>
               </a:extLst>
             </p:cNvPr>
@@ -4266,7 +4266,7 @@
             <p:cNvPr id="21" name="Freeform 51">
               <a:extLst>
                 <a:ext uri="{FF2B5EF4-FFF2-40B4-BE49-F238E27FC236}">
-                  <a16:creationId xmlns="" xmlns:a16="http://schemas.microsoft.com/office/drawing/2014/main" id="{A4AA0634-0A7C-4A35-8EB7-775200F129FD}"/>
+                  <a16:creationId xmlns:a16="http://schemas.microsoft.com/office/drawing/2014/main" xmlns="" id="{A4AA0634-0A7C-4A35-8EB7-775200F129FD}"/>
                 </a:ext>
               </a:extLst>
             </p:cNvPr>
@@ -4358,7 +4358,7 @@
             <p:cNvPr id="22" name="Freeform 52">
               <a:extLst>
                 <a:ext uri="{FF2B5EF4-FFF2-40B4-BE49-F238E27FC236}">
-                  <a16:creationId xmlns="" xmlns:a16="http://schemas.microsoft.com/office/drawing/2014/main" id="{EBA21558-CAC3-445C-8882-5D4A0C6D2A0E}"/>
+                  <a16:creationId xmlns:a16="http://schemas.microsoft.com/office/drawing/2014/main" xmlns="" id="{EBA21558-CAC3-445C-8882-5D4A0C6D2A0E}"/>
                 </a:ext>
               </a:extLst>
             </p:cNvPr>
@@ -4440,7 +4440,7 @@
             <p:cNvPr id="23" name="Freeform 53">
               <a:extLst>
                 <a:ext uri="{FF2B5EF4-FFF2-40B4-BE49-F238E27FC236}">
-                  <a16:creationId xmlns="" xmlns:a16="http://schemas.microsoft.com/office/drawing/2014/main" id="{2E9415F1-5D31-4C25-9E26-203EEF500877}"/>
+                  <a16:creationId xmlns:a16="http://schemas.microsoft.com/office/drawing/2014/main" xmlns="" id="{2E9415F1-5D31-4C25-9E26-203EEF500877}"/>
                 </a:ext>
               </a:extLst>
             </p:cNvPr>
@@ -4522,7 +4522,7 @@
             <p:cNvPr id="24" name="Freeform 54">
               <a:extLst>
                 <a:ext uri="{FF2B5EF4-FFF2-40B4-BE49-F238E27FC236}">
-                  <a16:creationId xmlns="" xmlns:a16="http://schemas.microsoft.com/office/drawing/2014/main" id="{622FC1F6-879A-45BA-8752-08020C39CE29}"/>
+                  <a16:creationId xmlns:a16="http://schemas.microsoft.com/office/drawing/2014/main" xmlns="" id="{622FC1F6-879A-45BA-8752-08020C39CE29}"/>
                 </a:ext>
               </a:extLst>
             </p:cNvPr>
@@ -4604,7 +4604,7 @@
             <p:cNvPr id="25" name="Freeform 55">
               <a:extLst>
                 <a:ext uri="{FF2B5EF4-FFF2-40B4-BE49-F238E27FC236}">
-                  <a16:creationId xmlns="" xmlns:a16="http://schemas.microsoft.com/office/drawing/2014/main" id="{BA09826C-58E2-48C5-9666-333326C2CA44}"/>
+                  <a16:creationId xmlns:a16="http://schemas.microsoft.com/office/drawing/2014/main" xmlns="" id="{BA09826C-58E2-48C5-9666-333326C2CA44}"/>
                 </a:ext>
               </a:extLst>
             </p:cNvPr>
@@ -4686,7 +4686,7 @@
             <p:cNvPr id="26" name="Freeform 56">
               <a:extLst>
                 <a:ext uri="{FF2B5EF4-FFF2-40B4-BE49-F238E27FC236}">
-                  <a16:creationId xmlns="" xmlns:a16="http://schemas.microsoft.com/office/drawing/2014/main" id="{A6D3555F-4EA1-4EA7-9D08-2D75CE51927B}"/>
+                  <a16:creationId xmlns:a16="http://schemas.microsoft.com/office/drawing/2014/main" xmlns="" id="{A6D3555F-4EA1-4EA7-9D08-2D75CE51927B}"/>
                 </a:ext>
               </a:extLst>
             </p:cNvPr>
@@ -4768,7 +4768,7 @@
             <p:cNvPr id="27" name="Freeform 57">
               <a:extLst>
                 <a:ext uri="{FF2B5EF4-FFF2-40B4-BE49-F238E27FC236}">
-                  <a16:creationId xmlns="" xmlns:a16="http://schemas.microsoft.com/office/drawing/2014/main" id="{60FA20E8-EDAA-4310-B870-97807901AC18}"/>
+                  <a16:creationId xmlns:a16="http://schemas.microsoft.com/office/drawing/2014/main" xmlns="" id="{60FA20E8-EDAA-4310-B870-97807901AC18}"/>
                 </a:ext>
               </a:extLst>
             </p:cNvPr>
@@ -4850,7 +4850,7 @@
             <p:cNvPr id="28" name="Freeform 59">
               <a:extLst>
                 <a:ext uri="{FF2B5EF4-FFF2-40B4-BE49-F238E27FC236}">
-                  <a16:creationId xmlns="" xmlns:a16="http://schemas.microsoft.com/office/drawing/2014/main" id="{F5552AA2-C2AB-4D59-B6EF-E8E5EE110E52}"/>
+                  <a16:creationId xmlns:a16="http://schemas.microsoft.com/office/drawing/2014/main" xmlns="" id="{F5552AA2-C2AB-4D59-B6EF-E8E5EE110E52}"/>
                 </a:ext>
               </a:extLst>
             </p:cNvPr>
@@ -4932,7 +4932,7 @@
             <p:cNvPr id="29" name="Freeform 60">
               <a:extLst>
                 <a:ext uri="{FF2B5EF4-FFF2-40B4-BE49-F238E27FC236}">
-                  <a16:creationId xmlns="" xmlns:a16="http://schemas.microsoft.com/office/drawing/2014/main" id="{0BA267D0-8F6B-4803-B948-70E29B4587EB}"/>
+                  <a16:creationId xmlns:a16="http://schemas.microsoft.com/office/drawing/2014/main" xmlns="" id="{0BA267D0-8F6B-4803-B948-70E29B4587EB}"/>
                 </a:ext>
               </a:extLst>
             </p:cNvPr>
@@ -5014,7 +5014,7 @@
             <p:cNvPr id="30" name="Freeform 61">
               <a:extLst>
                 <a:ext uri="{FF2B5EF4-FFF2-40B4-BE49-F238E27FC236}">
-                  <a16:creationId xmlns="" xmlns:a16="http://schemas.microsoft.com/office/drawing/2014/main" id="{86E372A3-B9F4-4FEE-8B96-D9AD879E214E}"/>
+                  <a16:creationId xmlns:a16="http://schemas.microsoft.com/office/drawing/2014/main" xmlns="" id="{86E372A3-B9F4-4FEE-8B96-D9AD879E214E}"/>
                 </a:ext>
               </a:extLst>
             </p:cNvPr>
@@ -5096,7 +5096,7 @@
             <p:cNvPr id="31" name="Freeform 5">
               <a:extLst>
                 <a:ext uri="{FF2B5EF4-FFF2-40B4-BE49-F238E27FC236}">
-                  <a16:creationId xmlns="" xmlns:a16="http://schemas.microsoft.com/office/drawing/2014/main" id="{FF0C4564-5DA6-4224-A8B7-85CE1323DE8F}"/>
+                  <a16:creationId xmlns:a16="http://schemas.microsoft.com/office/drawing/2014/main" xmlns="" id="{FF0C4564-5DA6-4224-A8B7-85CE1323DE8F}"/>
                 </a:ext>
               </a:extLst>
             </p:cNvPr>
@@ -5178,7 +5178,7 @@
             <p:cNvPr id="32" name="Freeform 6">
               <a:extLst>
                 <a:ext uri="{FF2B5EF4-FFF2-40B4-BE49-F238E27FC236}">
-                  <a16:creationId xmlns="" xmlns:a16="http://schemas.microsoft.com/office/drawing/2014/main" id="{19F31D0D-C43D-4BB0-A13C-9524B84117D4}"/>
+                  <a16:creationId xmlns:a16="http://schemas.microsoft.com/office/drawing/2014/main" xmlns="" id="{19F31D0D-C43D-4BB0-A13C-9524B84117D4}"/>
                 </a:ext>
               </a:extLst>
             </p:cNvPr>
@@ -5260,7 +5260,7 @@
             <p:cNvPr id="33" name="Freeform 7">
               <a:extLst>
                 <a:ext uri="{FF2B5EF4-FFF2-40B4-BE49-F238E27FC236}">
-                  <a16:creationId xmlns="" xmlns:a16="http://schemas.microsoft.com/office/drawing/2014/main" id="{6B32FB03-B0FE-4731-BE41-C59AFB49FBF5}"/>
+                  <a16:creationId xmlns:a16="http://schemas.microsoft.com/office/drawing/2014/main" xmlns="" id="{6B32FB03-B0FE-4731-BE41-C59AFB49FBF5}"/>
                 </a:ext>
               </a:extLst>
             </p:cNvPr>
@@ -5342,7 +5342,7 @@
             <p:cNvPr id="34" name="Freeform 8">
               <a:extLst>
                 <a:ext uri="{FF2B5EF4-FFF2-40B4-BE49-F238E27FC236}">
-                  <a16:creationId xmlns="" xmlns:a16="http://schemas.microsoft.com/office/drawing/2014/main" id="{BDD5B6F0-1E17-4DCD-AE5F-ED8C48892FEF}"/>
+                  <a16:creationId xmlns:a16="http://schemas.microsoft.com/office/drawing/2014/main" xmlns="" id="{BDD5B6F0-1E17-4DCD-AE5F-ED8C48892FEF}"/>
                 </a:ext>
               </a:extLst>
             </p:cNvPr>
@@ -5424,7 +5424,7 @@
             <p:cNvPr id="35" name="Freeform 9">
               <a:extLst>
                 <a:ext uri="{FF2B5EF4-FFF2-40B4-BE49-F238E27FC236}">
-                  <a16:creationId xmlns="" xmlns:a16="http://schemas.microsoft.com/office/drawing/2014/main" id="{0290BE17-E89B-4AF9-B3F6-AF4884D52467}"/>
+                  <a16:creationId xmlns:a16="http://schemas.microsoft.com/office/drawing/2014/main" xmlns="" id="{0290BE17-E89B-4AF9-B3F6-AF4884D52467}"/>
                 </a:ext>
               </a:extLst>
             </p:cNvPr>
@@ -5506,7 +5506,7 @@
             <p:cNvPr id="36" name="Freeform 11">
               <a:extLst>
                 <a:ext uri="{FF2B5EF4-FFF2-40B4-BE49-F238E27FC236}">
-                  <a16:creationId xmlns="" xmlns:a16="http://schemas.microsoft.com/office/drawing/2014/main" id="{85F63089-F77F-4F02-8417-AAC1847FBCA7}"/>
+                  <a16:creationId xmlns:a16="http://schemas.microsoft.com/office/drawing/2014/main" xmlns="" id="{85F63089-F77F-4F02-8417-AAC1847FBCA7}"/>
                 </a:ext>
               </a:extLst>
             </p:cNvPr>
@@ -5588,7 +5588,7 @@
             <p:cNvPr id="37" name="Freeform 12">
               <a:extLst>
                 <a:ext uri="{FF2B5EF4-FFF2-40B4-BE49-F238E27FC236}">
-                  <a16:creationId xmlns="" xmlns:a16="http://schemas.microsoft.com/office/drawing/2014/main" id="{7B01CD5E-570F-4CBF-9904-94F30D928C54}"/>
+                  <a16:creationId xmlns:a16="http://schemas.microsoft.com/office/drawing/2014/main" xmlns="" id="{7B01CD5E-570F-4CBF-9904-94F30D928C54}"/>
                 </a:ext>
               </a:extLst>
             </p:cNvPr>
@@ -5670,7 +5670,7 @@
             <p:cNvPr id="38" name="Freeform 13">
               <a:extLst>
                 <a:ext uri="{FF2B5EF4-FFF2-40B4-BE49-F238E27FC236}">
-                  <a16:creationId xmlns="" xmlns:a16="http://schemas.microsoft.com/office/drawing/2014/main" id="{7EE6A672-2915-4B03-99A9-9364D5F1521E}"/>
+                  <a16:creationId xmlns:a16="http://schemas.microsoft.com/office/drawing/2014/main" xmlns="" id="{7EE6A672-2915-4B03-99A9-9364D5F1521E}"/>
                 </a:ext>
               </a:extLst>
             </p:cNvPr>
@@ -5752,7 +5752,7 @@
             <p:cNvPr id="39" name="Freeform 14">
               <a:extLst>
                 <a:ext uri="{FF2B5EF4-FFF2-40B4-BE49-F238E27FC236}">
-                  <a16:creationId xmlns="" xmlns:a16="http://schemas.microsoft.com/office/drawing/2014/main" id="{2136B643-14E1-443A-BC1C-06ADAE65C30F}"/>
+                  <a16:creationId xmlns:a16="http://schemas.microsoft.com/office/drawing/2014/main" xmlns="" id="{2136B643-14E1-443A-BC1C-06ADAE65C30F}"/>
                 </a:ext>
               </a:extLst>
             </p:cNvPr>
@@ -5834,7 +5834,7 @@
             <p:cNvPr id="40" name="Freeform 16">
               <a:extLst>
                 <a:ext uri="{FF2B5EF4-FFF2-40B4-BE49-F238E27FC236}">
-                  <a16:creationId xmlns="" xmlns:a16="http://schemas.microsoft.com/office/drawing/2014/main" id="{867FA393-4F37-4E1A-870B-F96775FAB7E8}"/>
+                  <a16:creationId xmlns:a16="http://schemas.microsoft.com/office/drawing/2014/main" xmlns="" id="{867FA393-4F37-4E1A-870B-F96775FAB7E8}"/>
                 </a:ext>
               </a:extLst>
             </p:cNvPr>
@@ -5916,7 +5916,7 @@
             <p:cNvPr id="41" name="Freeform 17">
               <a:extLst>
                 <a:ext uri="{FF2B5EF4-FFF2-40B4-BE49-F238E27FC236}">
-                  <a16:creationId xmlns="" xmlns:a16="http://schemas.microsoft.com/office/drawing/2014/main" id="{E225A1BE-FAD2-4764-A7E4-A6DA07D0573B}"/>
+                  <a16:creationId xmlns:a16="http://schemas.microsoft.com/office/drawing/2014/main" xmlns="" id="{E225A1BE-FAD2-4764-A7E4-A6DA07D0573B}"/>
                 </a:ext>
               </a:extLst>
             </p:cNvPr>
@@ -5998,7 +5998,7 @@
             <p:cNvPr id="42" name="Freeform 21">
               <a:extLst>
                 <a:ext uri="{FF2B5EF4-FFF2-40B4-BE49-F238E27FC236}">
-                  <a16:creationId xmlns="" xmlns:a16="http://schemas.microsoft.com/office/drawing/2014/main" id="{25D65388-C7E0-4C07-822A-03C5009C6D1E}"/>
+                  <a16:creationId xmlns:a16="http://schemas.microsoft.com/office/drawing/2014/main" xmlns="" id="{25D65388-C7E0-4C07-822A-03C5009C6D1E}"/>
                 </a:ext>
               </a:extLst>
             </p:cNvPr>
@@ -6080,7 +6080,7 @@
             <p:cNvPr id="43" name="Freeform 25">
               <a:extLst>
                 <a:ext uri="{FF2B5EF4-FFF2-40B4-BE49-F238E27FC236}">
-                  <a16:creationId xmlns="" xmlns:a16="http://schemas.microsoft.com/office/drawing/2014/main" id="{E1D79822-C494-449C-B439-F437DAD4F218}"/>
+                  <a16:creationId xmlns:a16="http://schemas.microsoft.com/office/drawing/2014/main" xmlns="" id="{E1D79822-C494-449C-B439-F437DAD4F218}"/>
                 </a:ext>
               </a:extLst>
             </p:cNvPr>
@@ -6162,7 +6162,7 @@
             <p:cNvPr id="44" name="Freeform 29">
               <a:extLst>
                 <a:ext uri="{FF2B5EF4-FFF2-40B4-BE49-F238E27FC236}">
-                  <a16:creationId xmlns="" xmlns:a16="http://schemas.microsoft.com/office/drawing/2014/main" id="{CDB324E5-E8D9-40E3-BAB4-1F87E67E4F46}"/>
+                  <a16:creationId xmlns:a16="http://schemas.microsoft.com/office/drawing/2014/main" xmlns="" id="{CDB324E5-E8D9-40E3-BAB4-1F87E67E4F46}"/>
                 </a:ext>
               </a:extLst>
             </p:cNvPr>
@@ -6244,7 +6244,7 @@
             <p:cNvPr id="45" name="Freeform 31">
               <a:extLst>
                 <a:ext uri="{FF2B5EF4-FFF2-40B4-BE49-F238E27FC236}">
-                  <a16:creationId xmlns="" xmlns:a16="http://schemas.microsoft.com/office/drawing/2014/main" id="{15404AB3-12EB-462E-85A2-AF4A7E91D729}"/>
+                  <a16:creationId xmlns:a16="http://schemas.microsoft.com/office/drawing/2014/main" xmlns="" id="{15404AB3-12EB-462E-85A2-AF4A7E91D729}"/>
                 </a:ext>
               </a:extLst>
             </p:cNvPr>
@@ -6326,7 +6326,7 @@
             <p:cNvPr id="46" name="Freeform 32">
               <a:extLst>
                 <a:ext uri="{FF2B5EF4-FFF2-40B4-BE49-F238E27FC236}">
-                  <a16:creationId xmlns="" xmlns:a16="http://schemas.microsoft.com/office/drawing/2014/main" id="{228021CB-53B3-4BCC-A14C-0B6951FC971F}"/>
+                  <a16:creationId xmlns:a16="http://schemas.microsoft.com/office/drawing/2014/main" xmlns="" id="{228021CB-53B3-4BCC-A14C-0B6951FC971F}"/>
                 </a:ext>
               </a:extLst>
             </p:cNvPr>
@@ -6408,7 +6408,7 @@
             <p:cNvPr id="47" name="Freeform 33">
               <a:extLst>
                 <a:ext uri="{FF2B5EF4-FFF2-40B4-BE49-F238E27FC236}">
-                  <a16:creationId xmlns="" xmlns:a16="http://schemas.microsoft.com/office/drawing/2014/main" id="{B353D0BC-00A6-4EA4-9311-9FCB88CC2021}"/>
+                  <a16:creationId xmlns:a16="http://schemas.microsoft.com/office/drawing/2014/main" xmlns="" id="{B353D0BC-00A6-4EA4-9311-9FCB88CC2021}"/>
                 </a:ext>
               </a:extLst>
             </p:cNvPr>
@@ -6490,7 +6490,7 @@
             <p:cNvPr id="48" name="Freeform 34">
               <a:extLst>
                 <a:ext uri="{FF2B5EF4-FFF2-40B4-BE49-F238E27FC236}">
-                  <a16:creationId xmlns="" xmlns:a16="http://schemas.microsoft.com/office/drawing/2014/main" id="{0E001FD3-6EDD-47A3-9916-826E1595DAB3}"/>
+                  <a16:creationId xmlns:a16="http://schemas.microsoft.com/office/drawing/2014/main" xmlns="" id="{0E001FD3-6EDD-47A3-9916-826E1595DAB3}"/>
                 </a:ext>
               </a:extLst>
             </p:cNvPr>
@@ -6572,7 +6572,7 @@
             <p:cNvPr id="49" name="Freeform 35">
               <a:extLst>
                 <a:ext uri="{FF2B5EF4-FFF2-40B4-BE49-F238E27FC236}">
-                  <a16:creationId xmlns="" xmlns:a16="http://schemas.microsoft.com/office/drawing/2014/main" id="{FE214D5B-D151-4E09-A01E-BEAAF9C679ED}"/>
+                  <a16:creationId xmlns:a16="http://schemas.microsoft.com/office/drawing/2014/main" xmlns="" id="{FE214D5B-D151-4E09-A01E-BEAAF9C679ED}"/>
                 </a:ext>
               </a:extLst>
             </p:cNvPr>
@@ -6654,7 +6654,7 @@
             <p:cNvPr id="50" name="Freeform 36">
               <a:extLst>
                 <a:ext uri="{FF2B5EF4-FFF2-40B4-BE49-F238E27FC236}">
-                  <a16:creationId xmlns="" xmlns:a16="http://schemas.microsoft.com/office/drawing/2014/main" id="{3024EF13-0A45-49DD-B0F4-FA3A5169EFFE}"/>
+                  <a16:creationId xmlns:a16="http://schemas.microsoft.com/office/drawing/2014/main" xmlns="" id="{3024EF13-0A45-49DD-B0F4-FA3A5169EFFE}"/>
                 </a:ext>
               </a:extLst>
             </p:cNvPr>
@@ -6736,7 +6736,7 @@
             <p:cNvPr id="51" name="Freeform 37">
               <a:extLst>
                 <a:ext uri="{FF2B5EF4-FFF2-40B4-BE49-F238E27FC236}">
-                  <a16:creationId xmlns="" xmlns:a16="http://schemas.microsoft.com/office/drawing/2014/main" id="{95E0BDAE-48A7-4752-A150-74DA4BAE5E4B}"/>
+                  <a16:creationId xmlns:a16="http://schemas.microsoft.com/office/drawing/2014/main" xmlns="" id="{95E0BDAE-48A7-4752-A150-74DA4BAE5E4B}"/>
                 </a:ext>
               </a:extLst>
             </p:cNvPr>
@@ -6818,7 +6818,7 @@
             <p:cNvPr id="52" name="Freeform 38">
               <a:extLst>
                 <a:ext uri="{FF2B5EF4-FFF2-40B4-BE49-F238E27FC236}">
-                  <a16:creationId xmlns="" xmlns:a16="http://schemas.microsoft.com/office/drawing/2014/main" id="{DE128EDB-3179-4F47-8B37-BEDE3B82FFC7}"/>
+                  <a16:creationId xmlns:a16="http://schemas.microsoft.com/office/drawing/2014/main" xmlns="" id="{DE128EDB-3179-4F47-8B37-BEDE3B82FFC7}"/>
                 </a:ext>
               </a:extLst>
             </p:cNvPr>
@@ -6900,7 +6900,7 @@
             <p:cNvPr id="53" name="Freeform 39">
               <a:extLst>
                 <a:ext uri="{FF2B5EF4-FFF2-40B4-BE49-F238E27FC236}">
-                  <a16:creationId xmlns="" xmlns:a16="http://schemas.microsoft.com/office/drawing/2014/main" id="{E09CDD49-7B7B-42C0-A09E-6CFB3CDFF6A1}"/>
+                  <a16:creationId xmlns:a16="http://schemas.microsoft.com/office/drawing/2014/main" xmlns="" id="{E09CDD49-7B7B-42C0-A09E-6CFB3CDFF6A1}"/>
                 </a:ext>
               </a:extLst>
             </p:cNvPr>
@@ -6982,7 +6982,7 @@
             <p:cNvPr id="54" name="Freeform 40">
               <a:extLst>
                 <a:ext uri="{FF2B5EF4-FFF2-40B4-BE49-F238E27FC236}">
-                  <a16:creationId xmlns="" xmlns:a16="http://schemas.microsoft.com/office/drawing/2014/main" id="{93C5D839-4CD5-4165-9091-7D9B92CDC1D2}"/>
+                  <a16:creationId xmlns:a16="http://schemas.microsoft.com/office/drawing/2014/main" xmlns="" id="{93C5D839-4CD5-4165-9091-7D9B92CDC1D2}"/>
                 </a:ext>
               </a:extLst>
             </p:cNvPr>
@@ -7064,7 +7064,7 @@
             <p:cNvPr id="55" name="Freeform 41">
               <a:extLst>
                 <a:ext uri="{FF2B5EF4-FFF2-40B4-BE49-F238E27FC236}">
-                  <a16:creationId xmlns="" xmlns:a16="http://schemas.microsoft.com/office/drawing/2014/main" id="{3C7F638A-BB6D-4B24-A7F9-03BF8087459B}"/>
+                  <a16:creationId xmlns:a16="http://schemas.microsoft.com/office/drawing/2014/main" xmlns="" id="{3C7F638A-BB6D-4B24-A7F9-03BF8087459B}"/>
                 </a:ext>
               </a:extLst>
             </p:cNvPr>
@@ -7146,7 +7146,7 @@
             <p:cNvPr id="56" name="Freeform 42">
               <a:extLst>
                 <a:ext uri="{FF2B5EF4-FFF2-40B4-BE49-F238E27FC236}">
-                  <a16:creationId xmlns="" xmlns:a16="http://schemas.microsoft.com/office/drawing/2014/main" id="{5B59DB64-329B-45EA-8A67-4213A886B5B2}"/>
+                  <a16:creationId xmlns:a16="http://schemas.microsoft.com/office/drawing/2014/main" xmlns="" id="{5B59DB64-329B-45EA-8A67-4213A886B5B2}"/>
                 </a:ext>
               </a:extLst>
             </p:cNvPr>
@@ -7228,7 +7228,7 @@
             <p:cNvPr id="57" name="Freeform 44">
               <a:extLst>
                 <a:ext uri="{FF2B5EF4-FFF2-40B4-BE49-F238E27FC236}">
-                  <a16:creationId xmlns="" xmlns:a16="http://schemas.microsoft.com/office/drawing/2014/main" id="{D8DAB003-6484-4D1D-85AE-93FA09BC5EF5}"/>
+                  <a16:creationId xmlns:a16="http://schemas.microsoft.com/office/drawing/2014/main" xmlns="" id="{D8DAB003-6484-4D1D-85AE-93FA09BC5EF5}"/>
                 </a:ext>
               </a:extLst>
             </p:cNvPr>
@@ -7310,7 +7310,7 @@
             <p:cNvPr id="58" name="Freeform 45">
               <a:extLst>
                 <a:ext uri="{FF2B5EF4-FFF2-40B4-BE49-F238E27FC236}">
-                  <a16:creationId xmlns="" xmlns:a16="http://schemas.microsoft.com/office/drawing/2014/main" id="{D49280A1-ACA8-4CD6-9012-AF12660F07E4}"/>
+                  <a16:creationId xmlns:a16="http://schemas.microsoft.com/office/drawing/2014/main" xmlns="" id="{D49280A1-ACA8-4CD6-9012-AF12660F07E4}"/>
                 </a:ext>
               </a:extLst>
             </p:cNvPr>
@@ -7392,7 +7392,7 @@
             <p:cNvPr id="59" name="Freeform 46">
               <a:extLst>
                 <a:ext uri="{FF2B5EF4-FFF2-40B4-BE49-F238E27FC236}">
-                  <a16:creationId xmlns="" xmlns:a16="http://schemas.microsoft.com/office/drawing/2014/main" id="{C03EAE8C-6089-40E5-9361-2E266A1EEBA3}"/>
+                  <a16:creationId xmlns:a16="http://schemas.microsoft.com/office/drawing/2014/main" xmlns="" id="{C03EAE8C-6089-40E5-9361-2E266A1EEBA3}"/>
                 </a:ext>
               </a:extLst>
             </p:cNvPr>
@@ -7474,7 +7474,7 @@
             <p:cNvPr id="60" name="Freeform 47">
               <a:extLst>
                 <a:ext uri="{FF2B5EF4-FFF2-40B4-BE49-F238E27FC236}">
-                  <a16:creationId xmlns="" xmlns:a16="http://schemas.microsoft.com/office/drawing/2014/main" id="{02E3A077-F087-4E14-A13E-4E9D4369B1F6}"/>
+                  <a16:creationId xmlns:a16="http://schemas.microsoft.com/office/drawing/2014/main" xmlns="" id="{02E3A077-F087-4E14-A13E-4E9D4369B1F6}"/>
                 </a:ext>
               </a:extLst>
             </p:cNvPr>
@@ -7556,7 +7556,7 @@
             <p:cNvPr id="61" name="Freeform 48">
               <a:extLst>
                 <a:ext uri="{FF2B5EF4-FFF2-40B4-BE49-F238E27FC236}">
-                  <a16:creationId xmlns="" xmlns:a16="http://schemas.microsoft.com/office/drawing/2014/main" id="{7CE4FAAA-45E7-4C86-B59A-F284B79EFD23}"/>
+                  <a16:creationId xmlns:a16="http://schemas.microsoft.com/office/drawing/2014/main" xmlns="" id="{7CE4FAAA-45E7-4C86-B59A-F284B79EFD23}"/>
                 </a:ext>
               </a:extLst>
             </p:cNvPr>
@@ -7638,7 +7638,7 @@
             <p:cNvPr id="62" name="Freeform 49">
               <a:extLst>
                 <a:ext uri="{FF2B5EF4-FFF2-40B4-BE49-F238E27FC236}">
-                  <a16:creationId xmlns="" xmlns:a16="http://schemas.microsoft.com/office/drawing/2014/main" id="{E2689B62-CCA1-4EE5-B622-FBA516868916}"/>
+                  <a16:creationId xmlns:a16="http://schemas.microsoft.com/office/drawing/2014/main" xmlns="" id="{E2689B62-CCA1-4EE5-B622-FBA516868916}"/>
                 </a:ext>
               </a:extLst>
             </p:cNvPr>
@@ -7720,7 +7720,7 @@
             <p:cNvPr id="63" name="Freeform 8">
               <a:extLst>
                 <a:ext uri="{FF2B5EF4-FFF2-40B4-BE49-F238E27FC236}">
-                  <a16:creationId xmlns="" xmlns:a16="http://schemas.microsoft.com/office/drawing/2014/main" id="{113638EE-3BCF-4315-A329-3C6766A3890B}"/>
+                  <a16:creationId xmlns:a16="http://schemas.microsoft.com/office/drawing/2014/main" xmlns="" id="{113638EE-3BCF-4315-A329-3C6766A3890B}"/>
                 </a:ext>
               </a:extLst>
             </p:cNvPr>
@@ -7802,7 +7802,7 @@
             <p:cNvPr id="64" name="Freeform 106">
               <a:extLst>
                 <a:ext uri="{FF2B5EF4-FFF2-40B4-BE49-F238E27FC236}">
-                  <a16:creationId xmlns="" xmlns:a16="http://schemas.microsoft.com/office/drawing/2014/main" id="{4FB36B8F-335B-40F2-83BB-C2B2689DC2E9}"/>
+                  <a16:creationId xmlns:a16="http://schemas.microsoft.com/office/drawing/2014/main" xmlns="" id="{4FB36B8F-335B-40F2-83BB-C2B2689DC2E9}"/>
                 </a:ext>
               </a:extLst>
             </p:cNvPr>
@@ -7885,7 +7885,7 @@
           <p:cNvPr id="2" name="Title Placeholder 1">
             <a:extLst>
               <a:ext uri="{FF2B5EF4-FFF2-40B4-BE49-F238E27FC236}">
-                <a16:creationId xmlns="" xmlns:a16="http://schemas.microsoft.com/office/drawing/2014/main" id="{7A05E913-A9D9-4639-B104-1F07A4AF6A56}"/>
+                <a16:creationId xmlns:a16="http://schemas.microsoft.com/office/drawing/2014/main" xmlns="" id="{7A05E913-A9D9-4639-B104-1F07A4AF6A56}"/>
               </a:ext>
             </a:extLst>
           </p:cNvPr>
@@ -7923,7 +7923,7 @@
           <p:cNvPr id="3" name="Text Placeholder 2">
             <a:extLst>
               <a:ext uri="{FF2B5EF4-FFF2-40B4-BE49-F238E27FC236}">
-                <a16:creationId xmlns="" xmlns:a16="http://schemas.microsoft.com/office/drawing/2014/main" id="{09940CEB-B6D7-46E6-9843-51534214017A}"/>
+                <a16:creationId xmlns:a16="http://schemas.microsoft.com/office/drawing/2014/main" xmlns="" id="{09940CEB-B6D7-46E6-9843-51534214017A}"/>
               </a:ext>
             </a:extLst>
           </p:cNvPr>
@@ -7990,7 +7990,7 @@
           <p:cNvPr id="4" name="Date Placeholder 3">
             <a:extLst>
               <a:ext uri="{FF2B5EF4-FFF2-40B4-BE49-F238E27FC236}">
-                <a16:creationId xmlns="" xmlns:a16="http://schemas.microsoft.com/office/drawing/2014/main" id="{B5BAC8B5-8DFB-4920-8580-54824C831A94}"/>
+                <a16:creationId xmlns:a16="http://schemas.microsoft.com/office/drawing/2014/main" xmlns="" id="{B5BAC8B5-8DFB-4920-8580-54824C831A94}"/>
               </a:ext>
             </a:extLst>
           </p:cNvPr>
@@ -8036,7 +8036,7 @@
           <p:cNvPr id="5" name="Footer Placeholder 4">
             <a:extLst>
               <a:ext uri="{FF2B5EF4-FFF2-40B4-BE49-F238E27FC236}">
-                <a16:creationId xmlns="" xmlns:a16="http://schemas.microsoft.com/office/drawing/2014/main" id="{3A9E2D5D-B616-4048-9CB8-4D316BBDB1FB}"/>
+                <a16:creationId xmlns:a16="http://schemas.microsoft.com/office/drawing/2014/main" xmlns="" id="{3A9E2D5D-B616-4048-9CB8-4D316BBDB1FB}"/>
               </a:ext>
             </a:extLst>
           </p:cNvPr>
@@ -8077,7 +8077,7 @@
           <p:cNvPr id="6" name="Slide Number Placeholder 5">
             <a:extLst>
               <a:ext uri="{FF2B5EF4-FFF2-40B4-BE49-F238E27FC236}">
-                <a16:creationId xmlns="" xmlns:a16="http://schemas.microsoft.com/office/drawing/2014/main" id="{63F322F0-8F3D-4AC5-9873-24666D0E0D34}"/>
+                <a16:creationId xmlns:a16="http://schemas.microsoft.com/office/drawing/2014/main" xmlns="" id="{63F322F0-8F3D-4AC5-9873-24666D0E0D34}"/>
               </a:ext>
             </a:extLst>
           </p:cNvPr>
@@ -8121,7 +8121,7 @@
     </p:spTree>
     <p:extLst>
       <p:ext uri="{BB962C8B-B14F-4D97-AF65-F5344CB8AC3E}">
-        <p14:creationId xmlns="" xmlns:p14="http://schemas.microsoft.com/office/powerpoint/2010/main" val="3169733250"/>
+        <p14:creationId xmlns:p14="http://schemas.microsoft.com/office/powerpoint/2010/main" xmlns="" val="3169733250"/>
       </p:ext>
     </p:extLst>
   </p:cSld>
@@ -8469,7 +8469,7 @@
           <p:cNvPr id="2" name="Title 1">
             <a:extLst>
               <a:ext uri="{FF2B5EF4-FFF2-40B4-BE49-F238E27FC236}">
-                <a16:creationId xmlns="" xmlns:a16="http://schemas.microsoft.com/office/drawing/2014/main" id="{51E935BB-DDE4-429A-8AA8-6CA219F8E6F2}"/>
+                <a16:creationId xmlns:a16="http://schemas.microsoft.com/office/drawing/2014/main" xmlns="" id="{51E935BB-DDE4-429A-8AA8-6CA219F8E6F2}"/>
               </a:ext>
             </a:extLst>
           </p:cNvPr>
@@ -8504,7 +8504,7 @@
           <p:cNvPr id="3" name="Subtitle 2">
             <a:extLst>
               <a:ext uri="{FF2B5EF4-FFF2-40B4-BE49-F238E27FC236}">
-                <a16:creationId xmlns="" xmlns:a16="http://schemas.microsoft.com/office/drawing/2014/main" id="{2FB96A9D-2972-44C3-A420-67F66A13B236}"/>
+                <a16:creationId xmlns:a16="http://schemas.microsoft.com/office/drawing/2014/main" xmlns="" id="{2FB96A9D-2972-44C3-A420-67F66A13B236}"/>
               </a:ext>
             </a:extLst>
           </p:cNvPr>
@@ -8543,7 +8543,7 @@
           <p:cNvPr id="7" name="Picture 2" descr="Image result for nightimepic of victoria australia">
             <a:extLst>
               <a:ext uri="{FF2B5EF4-FFF2-40B4-BE49-F238E27FC236}">
-                <a16:creationId xmlns="" xmlns:a16="http://schemas.microsoft.com/office/drawing/2014/main" id="{07E1A4A3-CD91-44FC-87E7-5565C6373211}"/>
+                <a16:creationId xmlns:a16="http://schemas.microsoft.com/office/drawing/2014/main" xmlns="" id="{07E1A4A3-CD91-44FC-87E7-5565C6373211}"/>
               </a:ext>
             </a:extLst>
           </p:cNvPr>
@@ -8556,7 +8556,7 @@
           <a:blip r:embed="rId2" cstate="print">
             <a:extLst>
               <a:ext uri="{28A0092B-C50C-407E-A947-70E740481C1C}">
-                <a14:useLocalDpi xmlns="" xmlns:a14="http://schemas.microsoft.com/office/drawing/2010/main" val="0"/>
+                <a14:useLocalDpi xmlns:a14="http://schemas.microsoft.com/office/drawing/2010/main" xmlns="" val="0"/>
               </a:ext>
             </a:extLst>
           </a:blip>
@@ -8574,7 +8574,7 @@
           <a:noFill/>
           <a:extLst>
             <a:ext uri="{909E8E84-426E-40DD-AFC4-6F175D3DCCD1}">
-              <a14:hiddenFill xmlns="" xmlns:a14="http://schemas.microsoft.com/office/drawing/2010/main">
+              <a14:hiddenFill xmlns:a14="http://schemas.microsoft.com/office/drawing/2010/main" xmlns="">
                 <a:solidFill>
                   <a:srgbClr val="FFFFFF"/>
                 </a:solidFill>
@@ -8588,7 +8588,7 @@
           <p:cNvPr id="6" name="Picture 4" descr="See the source image">
             <a:extLst>
               <a:ext uri="{FF2B5EF4-FFF2-40B4-BE49-F238E27FC236}">
-                <a16:creationId xmlns="" xmlns:a16="http://schemas.microsoft.com/office/drawing/2014/main" id="{8978232E-0577-4FB1-9D9A-7A417CBDD9B3}"/>
+                <a16:creationId xmlns:a16="http://schemas.microsoft.com/office/drawing/2014/main" xmlns="" id="{8978232E-0577-4FB1-9D9A-7A417CBDD9B3}"/>
               </a:ext>
             </a:extLst>
           </p:cNvPr>
@@ -8601,7 +8601,7 @@
           <a:blip r:embed="rId3" cstate="print">
             <a:extLst>
               <a:ext uri="{28A0092B-C50C-407E-A947-70E740481C1C}">
-                <a14:useLocalDpi xmlns="" xmlns:a14="http://schemas.microsoft.com/office/drawing/2010/main" val="0"/>
+                <a14:useLocalDpi xmlns:a14="http://schemas.microsoft.com/office/drawing/2010/main" xmlns="" val="0"/>
               </a:ext>
             </a:extLst>
           </a:blip>
@@ -8619,7 +8619,7 @@
           <a:noFill/>
           <a:extLst>
             <a:ext uri="{909E8E84-426E-40DD-AFC4-6F175D3DCCD1}">
-              <a14:hiddenFill xmlns="" xmlns:a14="http://schemas.microsoft.com/office/drawing/2010/main">
+              <a14:hiddenFill xmlns:a14="http://schemas.microsoft.com/office/drawing/2010/main" xmlns="">
                 <a:solidFill>
                   <a:srgbClr val="FFFFFF"/>
                 </a:solidFill>
@@ -8631,7 +8631,7 @@
     </p:spTree>
     <p:extLst>
       <p:ext uri="{BB962C8B-B14F-4D97-AF65-F5344CB8AC3E}">
-        <p14:creationId xmlns="" xmlns:p14="http://schemas.microsoft.com/office/powerpoint/2010/main" val="3272309628"/>
+        <p14:creationId xmlns:p14="http://schemas.microsoft.com/office/powerpoint/2010/main" xmlns="" val="3272309628"/>
       </p:ext>
     </p:extLst>
   </p:cSld>
@@ -8816,7 +8816,7 @@
           <p:cNvPr id="2" name="Title 1">
             <a:extLst>
               <a:ext uri="{FF2B5EF4-FFF2-40B4-BE49-F238E27FC236}">
-                <a16:creationId xmlns="" xmlns:a16="http://schemas.microsoft.com/office/drawing/2014/main" id="{A4F9A5E3-95C5-4F3E-80A5-1BD7B12920D3}"/>
+                <a16:creationId xmlns:a16="http://schemas.microsoft.com/office/drawing/2014/main" xmlns="" id="{A4F9A5E3-95C5-4F3E-80A5-1BD7B12920D3}"/>
               </a:ext>
             </a:extLst>
           </p:cNvPr>
@@ -9015,7 +9015,7 @@
     </p:spTree>
     <p:extLst>
       <p:ext uri="{BB962C8B-B14F-4D97-AF65-F5344CB8AC3E}">
-        <p14:creationId xmlns="" xmlns:p14="http://schemas.microsoft.com/office/powerpoint/2010/main" val="4047589959"/>
+        <p14:creationId xmlns:p14="http://schemas.microsoft.com/office/powerpoint/2010/main" xmlns="" val="4047589959"/>
       </p:ext>
     </p:extLst>
   </p:cSld>
@@ -9047,7 +9047,7 @@
           <p:cNvPr id="2" name="Title 1">
             <a:extLst>
               <a:ext uri="{FF2B5EF4-FFF2-40B4-BE49-F238E27FC236}">
-                <a16:creationId xmlns="" xmlns:a16="http://schemas.microsoft.com/office/drawing/2014/main" id="{A4F9A5E3-95C5-4F3E-80A5-1BD7B12920D3}"/>
+                <a16:creationId xmlns:a16="http://schemas.microsoft.com/office/drawing/2014/main" xmlns="" id="{A4F9A5E3-95C5-4F3E-80A5-1BD7B12920D3}"/>
               </a:ext>
             </a:extLst>
           </p:cNvPr>
@@ -9232,7 +9232,7 @@
     </p:spTree>
     <p:extLst>
       <p:ext uri="{BB962C8B-B14F-4D97-AF65-F5344CB8AC3E}">
-        <p14:creationId xmlns="" xmlns:p14="http://schemas.microsoft.com/office/powerpoint/2010/main" val="4047589959"/>
+        <p14:creationId xmlns:p14="http://schemas.microsoft.com/office/powerpoint/2010/main" xmlns="" val="4047589959"/>
       </p:ext>
     </p:extLst>
   </p:cSld>
@@ -9264,7 +9264,7 @@
           <p:cNvPr id="2" name="Title 1">
             <a:extLst>
               <a:ext uri="{FF2B5EF4-FFF2-40B4-BE49-F238E27FC236}">
-                <a16:creationId xmlns="" xmlns:a16="http://schemas.microsoft.com/office/drawing/2014/main" id="{A4F9A5E3-95C5-4F3E-80A5-1BD7B12920D3}"/>
+                <a16:creationId xmlns:a16="http://schemas.microsoft.com/office/drawing/2014/main" xmlns="" id="{A4F9A5E3-95C5-4F3E-80A5-1BD7B12920D3}"/>
               </a:ext>
             </a:extLst>
           </p:cNvPr>
@@ -9487,7 +9487,7 @@
     </p:spTree>
     <p:extLst>
       <p:ext uri="{BB962C8B-B14F-4D97-AF65-F5344CB8AC3E}">
-        <p14:creationId xmlns="" xmlns:p14="http://schemas.microsoft.com/office/powerpoint/2010/main" val="4047589959"/>
+        <p14:creationId xmlns:p14="http://schemas.microsoft.com/office/powerpoint/2010/main" xmlns="" val="4047589959"/>
       </p:ext>
     </p:extLst>
   </p:cSld>
@@ -9551,7 +9551,7 @@
           <p:cNvPr id="2" name="Title 1">
             <a:extLst>
               <a:ext uri="{FF2B5EF4-FFF2-40B4-BE49-F238E27FC236}">
-                <a16:creationId xmlns="" xmlns:a16="http://schemas.microsoft.com/office/drawing/2014/main" id="{A4F9A5E3-95C5-4F3E-80A5-1BD7B12920D3}"/>
+                <a16:creationId xmlns:a16="http://schemas.microsoft.com/office/drawing/2014/main" xmlns="" id="{A4F9A5E3-95C5-4F3E-80A5-1BD7B12920D3}"/>
               </a:ext>
             </a:extLst>
           </p:cNvPr>
@@ -9714,7 +9714,7 @@
     </p:spTree>
     <p:extLst>
       <p:ext uri="{BB962C8B-B14F-4D97-AF65-F5344CB8AC3E}">
-        <p14:creationId xmlns="" xmlns:p14="http://schemas.microsoft.com/office/powerpoint/2010/main" val="4047589959"/>
+        <p14:creationId xmlns:p14="http://schemas.microsoft.com/office/powerpoint/2010/main" xmlns="" val="4047589959"/>
       </p:ext>
     </p:extLst>
   </p:cSld>
@@ -9753,7 +9753,7 @@
           <p:cNvPr id="2" name="Title 1">
             <a:extLst>
               <a:ext uri="{FF2B5EF4-FFF2-40B4-BE49-F238E27FC236}">
-                <a16:creationId xmlns="" xmlns:a16="http://schemas.microsoft.com/office/drawing/2014/main" id="{A4F9A5E3-95C5-4F3E-80A5-1BD7B12920D3}"/>
+                <a16:creationId xmlns:a16="http://schemas.microsoft.com/office/drawing/2014/main" xmlns="" id="{A4F9A5E3-95C5-4F3E-80A5-1BD7B12920D3}"/>
               </a:ext>
             </a:extLst>
           </p:cNvPr>
@@ -9776,11 +9776,27 @@
           </a:bodyPr>
           <a:lstStyle/>
           <a:p>
+            <a:pPr algn="ctr"/>
             <a:r>
               <a:rPr lang="en-AU" dirty="0" smtClean="0"/>
-              <a:t>Crime Trends by Police Service Regions</a:t>
+              <a:t>Crime Trends by Police Service </a:t>
             </a:r>
-            <a:endParaRPr lang="en-AU" dirty="0"/>
+            <a:r>
+              <a:rPr lang="en-AU" dirty="0" smtClean="0"/>
+              <a:t>Regions</a:t>
+            </a:r>
+            <a:br>
+              <a:rPr lang="en-AU" dirty="0" smtClean="0"/>
+            </a:br>
+            <a:r>
+              <a:rPr lang="en-AU" sz="2200" dirty="0" smtClean="0"/>
+              <a:t>(</a:t>
+            </a:r>
+            <a:r>
+              <a:rPr lang="en-AU" sz="2200" dirty="0" smtClean="0"/>
+              <a:t>Year by Year Comparison)</a:t>
+            </a:r>
+            <a:endParaRPr lang="en-AU" sz="2200" dirty="0"/>
           </a:p>
         </p:txBody>
       </p:sp>
@@ -9851,9 +9867,12 @@
                       <a:pPr algn="ctr"/>
                       <a:r>
                         <a:rPr lang="en-AU" sz="2000" dirty="0" smtClean="0"/>
-                        <a:t>Highest In Year</a:t>
+                        <a:t>Highest In </a:t>
                       </a:r>
-                      <a:endParaRPr lang="en-US" sz="2000" dirty="0"/>
+                      <a:r>
+                        <a:rPr lang="en-AU" sz="2000" dirty="0" smtClean="0"/>
+                        <a:t>Year</a:t>
+                      </a:r>
                     </a:p>
                   </a:txBody>
                   <a:tcPr/>
@@ -9866,15 +9885,7 @@
                       <a:pPr algn="ctr"/>
                       <a:r>
                         <a:rPr lang="en-AU" sz="2000" dirty="0" smtClean="0"/>
-                        <a:t>Highest </a:t>
-                      </a:r>
-                      <a:r>
-                        <a:rPr lang="en-AU" sz="2000" dirty="0" smtClean="0"/>
-                        <a:t>Yearly Percentage </a:t>
-                      </a:r>
-                      <a:r>
-                        <a:rPr lang="en-AU" sz="2000" dirty="0" smtClean="0"/>
-                        <a:t>Change </a:t>
+                        <a:t>Highest Yearly Percentage Change </a:t>
                       </a:r>
                       <a:endParaRPr lang="en-US" sz="2000" dirty="0"/>
                     </a:p>
@@ -10040,11 +10051,7 @@
                       </a:r>
                       <a:r>
                         <a:rPr lang="en-AU" sz="1600" dirty="0" smtClean="0"/>
-                        <a:t>0.05</a:t>
-                      </a:r>
-                      <a:r>
-                        <a:rPr lang="en-AU" sz="1600" dirty="0" smtClean="0"/>
-                        <a:t>, </a:t>
+                        <a:t>0.05, </a:t>
                       </a:r>
                       <a:r>
                         <a:rPr lang="en-US" sz="1600" kern="1200" dirty="0" smtClean="0">
@@ -10063,15 +10070,7 @@
                             <a:schemeClr val="tx1"/>
                           </a:solidFill>
                         </a:rPr>
-                        <a:t>-</a:t>
-                      </a:r>
-                      <a:r>
-                        <a:rPr lang="en-AU" sz="1600" dirty="0" smtClean="0">
-                          <a:solidFill>
-                            <a:schemeClr val="tx1"/>
-                          </a:solidFill>
-                        </a:rPr>
-                        <a:t>0.01</a:t>
+                        <a:t>-0.01</a:t>
                       </a:r>
                       <a:r>
                         <a:rPr lang="en-AU" sz="1600" dirty="0" smtClean="0"/>
@@ -10190,11 +10189,7 @@
                       </a:r>
                       <a:r>
                         <a:rPr lang="en-AU" sz="1600" dirty="0" smtClean="0"/>
-                        <a:t>0.09</a:t>
-                      </a:r>
-                      <a:r>
-                        <a:rPr lang="en-AU" sz="1600" dirty="0" smtClean="0"/>
-                        <a:t>, </a:t>
+                        <a:t>0.09, </a:t>
                       </a:r>
                       <a:r>
                         <a:rPr lang="en-US" sz="1600" kern="1200" dirty="0" smtClean="0">
@@ -10209,11 +10204,7 @@
                       </a:r>
                       <a:r>
                         <a:rPr lang="en-AU" sz="1600" dirty="0" smtClean="0"/>
-                        <a:t>0.13</a:t>
-                      </a:r>
-                      <a:r>
-                        <a:rPr lang="en-AU" sz="1600" dirty="0" smtClean="0"/>
-                        <a:t>,</a:t>
+                        <a:t>0.13,</a:t>
                       </a:r>
                       <a:r>
                         <a:rPr lang="en-AU" sz="1600" baseline="0" dirty="0" smtClean="0"/>
@@ -10232,11 +10223,7 @@
                       </a:r>
                       <a:r>
                         <a:rPr lang="en-AU" sz="1600" baseline="0" dirty="0" smtClean="0"/>
-                        <a:t>-</a:t>
-                      </a:r>
-                      <a:r>
-                        <a:rPr lang="en-AU" sz="1600" baseline="0" dirty="0" smtClean="0"/>
-                        <a:t>0.02, </a:t>
+                        <a:t>-0.02, </a:t>
                       </a:r>
                       <a:r>
                         <a:rPr lang="en-US" sz="1600" kern="1200" dirty="0" smtClean="0">
@@ -10255,15 +10242,7 @@
                             <a:schemeClr val="tx1"/>
                           </a:solidFill>
                         </a:rPr>
-                        <a:t>-</a:t>
-                      </a:r>
-                      <a:r>
-                        <a:rPr lang="en-AU" sz="1600" baseline="0" dirty="0" smtClean="0">
-                          <a:solidFill>
-                            <a:schemeClr val="tx1"/>
-                          </a:solidFill>
-                        </a:rPr>
-                        <a:t>0.06</a:t>
+                        <a:t>-0.06</a:t>
                       </a:r>
                       <a:endParaRPr lang="en-US" sz="1600" dirty="0">
                         <a:solidFill>
@@ -10342,11 +10321,7 @@
                       </a:r>
                       <a:r>
                         <a:rPr lang="en-AU" sz="1600" dirty="0" smtClean="0"/>
-                        <a:t>0.13</a:t>
-                      </a:r>
-                      <a:r>
-                        <a:rPr lang="en-AU" sz="1600" dirty="0" smtClean="0"/>
-                        <a:t>, </a:t>
+                        <a:t>0.13, </a:t>
                       </a:r>
                       <a:r>
                         <a:rPr lang="en-US" sz="1600" kern="1200" dirty="0" smtClean="0">
@@ -10361,11 +10336,7 @@
                       </a:r>
                       <a:r>
                         <a:rPr lang="en-AU" sz="1600" dirty="0" smtClean="0"/>
-                        <a:t>0.42</a:t>
-                      </a:r>
-                      <a:r>
-                        <a:rPr lang="en-AU" sz="1600" dirty="0" smtClean="0"/>
-                        <a:t>, </a:t>
+                        <a:t>0.42, </a:t>
                       </a:r>
                       <a:r>
                         <a:rPr lang="en-US" sz="1600" kern="1200" dirty="0" smtClean="0">
@@ -10468,11 +10439,7 @@
                       </a:r>
                       <a:r>
                         <a:rPr lang="en-AU" sz="1600" dirty="0" smtClean="0"/>
-                        <a:t>0.02</a:t>
-                      </a:r>
-                      <a:r>
-                        <a:rPr lang="en-AU" sz="1600" dirty="0" smtClean="0"/>
-                        <a:t>, </a:t>
+                        <a:t>0.02, </a:t>
                       </a:r>
                       <a:r>
                         <a:rPr lang="en-US" sz="1600" kern="1200" dirty="0" smtClean="0">
@@ -10487,11 +10454,7 @@
                       </a:r>
                       <a:r>
                         <a:rPr lang="en-AU" sz="1600" dirty="0" smtClean="0"/>
-                        <a:t>0.05</a:t>
-                      </a:r>
-                      <a:r>
-                        <a:rPr lang="en-AU" sz="1600" dirty="0" smtClean="0"/>
-                        <a:t>, </a:t>
+                        <a:t>0.05, </a:t>
                       </a:r>
                       <a:r>
                         <a:rPr lang="en-US" sz="1600" kern="1200" dirty="0" smtClean="0">
@@ -10506,11 +10469,7 @@
                       </a:r>
                       <a:r>
                         <a:rPr lang="en-AU" sz="1600" dirty="0" smtClean="0"/>
-                        <a:t>-</a:t>
-                      </a:r>
-                      <a:r>
-                        <a:rPr lang="en-AU" sz="1600" dirty="0" smtClean="0"/>
-                        <a:t>0.04, </a:t>
+                        <a:t>-0.04, </a:t>
                       </a:r>
                       <a:r>
                         <a:rPr lang="en-US" sz="1600" kern="1200" dirty="0" smtClean="0">
@@ -10645,7 +10604,6 @@
                         <a:rPr lang="en-AU" sz="1600" dirty="0" smtClean="0"/>
                         <a:t>0.08</a:t>
                       </a:r>
-                      <a:endParaRPr lang="en-AU" sz="1600" dirty="0" smtClean="0"/>
                     </a:p>
                     <a:p>
                       <a:pPr algn="ctr"/>
@@ -10664,7 +10622,6 @@
                         <a:rPr lang="en-AU" sz="1600" dirty="0" smtClean="0"/>
                         <a:t>0.09</a:t>
                       </a:r>
-                      <a:endParaRPr lang="en-AU" sz="1600" dirty="0" smtClean="0"/>
                     </a:p>
                     <a:p>
                       <a:pPr algn="ctr"/>
@@ -10683,7 +10640,6 @@
                         <a:rPr lang="en-AU" sz="1600" dirty="0" smtClean="0"/>
                         <a:t>0.13</a:t>
                       </a:r>
-                      <a:endParaRPr lang="en-AU" sz="1600" dirty="0" smtClean="0"/>
                     </a:p>
                     <a:p>
                       <a:pPr algn="ctr"/>
@@ -10712,10 +10668,92 @@
           </a:graphicData>
         </a:graphic>
       </p:graphicFrame>
+      <p:sp>
+        <p:nvSpPr>
+          <p:cNvPr id="4" name="Rectangle 3"/>
+          <p:cNvSpPr/>
+          <p:nvPr/>
+        </p:nvSpPr>
+        <p:spPr>
+          <a:xfrm>
+            <a:off x="326121" y="4994252"/>
+            <a:ext cx="10791058" cy="1508105"/>
+          </a:xfrm>
+          <a:prstGeom prst="rect">
+            <a:avLst/>
+          </a:prstGeom>
+        </p:spPr>
+        <p:txBody>
+          <a:bodyPr wrap="square">
+            <a:spAutoFit/>
+          </a:bodyPr>
+          <a:lstStyle/>
+          <a:p>
+            <a:r>
+              <a:rPr lang="en-US" b="1" dirty="0" smtClean="0"/>
+              <a:t>Observation:</a:t>
+            </a:r>
+            <a:endParaRPr lang="en-US" b="1" dirty="0" smtClean="0"/>
+          </a:p>
+          <a:p>
+            <a:endParaRPr lang="en-US" sz="1000" b="1" dirty="0" smtClean="0"/>
+          </a:p>
+          <a:p>
+            <a:pPr>
+              <a:buFont typeface="Wingdings" pitchFamily="2" charset="2"/>
+              <a:buChar char="v"/>
+            </a:pPr>
+            <a:r>
+              <a:rPr lang="en-AU" sz="1600" dirty="0" smtClean="0"/>
+              <a:t> In year 2019 East region is taking the lead in increasing in </a:t>
+            </a:r>
+            <a:r>
+              <a:rPr lang="en-US" sz="1600" dirty="0" smtClean="0"/>
+              <a:t>Crime </a:t>
+            </a:r>
+            <a:r>
+              <a:rPr lang="en-US" sz="1600" dirty="0" smtClean="0"/>
+              <a:t>Incidents, Victim Reports and </a:t>
+            </a:r>
+            <a:r>
+              <a:rPr lang="en-US" sz="1600" dirty="0" smtClean="0"/>
+              <a:t>Family Incidents </a:t>
+            </a:r>
+            <a:r>
+              <a:rPr lang="en-US" sz="1600" dirty="0" smtClean="0"/>
+              <a:t>compares </a:t>
+            </a:r>
+            <a:r>
+              <a:rPr lang="en-US" sz="1600" dirty="0" smtClean="0"/>
+              <a:t>to other Police Service regions.</a:t>
+            </a:r>
+            <a:endParaRPr lang="en-US" sz="1600" dirty="0" smtClean="0"/>
+          </a:p>
+          <a:p>
+            <a:pPr>
+              <a:buFont typeface="Wingdings" pitchFamily="2" charset="2"/>
+              <a:buChar char="v"/>
+            </a:pPr>
+            <a:r>
+              <a:rPr lang="en-US" sz="1600" dirty="0" smtClean="0"/>
+              <a:t> In year 2020 Southern Metropolitan region is having the highest increase in the Crime </a:t>
+            </a:r>
+            <a:r>
+              <a:rPr lang="en-US" sz="1600" dirty="0" smtClean="0"/>
+              <a:t>I</a:t>
+            </a:r>
+            <a:r>
+              <a:rPr lang="en-US" sz="1600" dirty="0" smtClean="0"/>
+              <a:t>ncidents, Alleged Offender Incidents and Family Incidents compares to other Police Service regions.</a:t>
+            </a:r>
+            <a:endParaRPr lang="en-US" sz="1600" dirty="0"/>
+          </a:p>
+        </p:txBody>
+      </p:sp>
     </p:spTree>
     <p:extLst>
       <p:ext uri="{BB962C8B-B14F-4D97-AF65-F5344CB8AC3E}">
-        <p14:creationId xmlns="" xmlns:p14="http://schemas.microsoft.com/office/powerpoint/2010/main" val="4047589959"/>
+        <p14:creationId xmlns:p14="http://schemas.microsoft.com/office/powerpoint/2010/main" xmlns="" val="4047589959"/>
       </p:ext>
     </p:extLst>
   </p:cSld>
@@ -10927,7 +10965,7 @@
   <a:extraClrSchemeLst/>
   <a:extLst>
     <a:ext uri="{05A4C25C-085E-4340-85A3-A5531E510DB2}">
-      <thm15:themeFamily xmlns="" xmlns:thm15="http://schemas.microsoft.com/office/thememl/2012/main" name="BohemianVTI" id="{B5E50611-F7C7-47BC-81A6-BE9493DF8677}" vid="{7A26D0DD-A1A5-444B-B0FB-E7DB9E2D047F}"/>
+      <thm15:themeFamily xmlns:thm15="http://schemas.microsoft.com/office/thememl/2012/main" xmlns="" name="BohemianVTI" id="{B5E50611-F7C7-47BC-81A6-BE9493DF8677}" vid="{7A26D0DD-A1A5-444B-B0FB-E7DB9E2D047F}"/>
     </a:ext>
   </a:extLst>
 </a:theme>
@@ -11222,7 +11260,7 @@
   <a:extraClrSchemeLst/>
   <a:extLst>
     <a:ext uri="{05A4C25C-085E-4340-85A3-A5531E510DB2}">
-      <thm15:themeFamily xmlns="" xmlns:thm15="http://schemas.microsoft.com/office/thememl/2012/main" name="Office Theme" id="{62F939B6-93AF-4DB8-9C6B-D6C7DFDC589F}" vid="{4A3C46E8-61CC-4603-A589-7422A47A8E4A}"/>
+      <thm15:themeFamily xmlns:thm15="http://schemas.microsoft.com/office/thememl/2012/main" xmlns="" name="Office Theme" id="{62F939B6-93AF-4DB8-9C6B-D6C7DFDC589F}" vid="{4A3C46E8-61CC-4603-A589-7422A47A8E4A}"/>
     </a:ext>
   </a:extLst>
 </a:theme>

--- a/Crime_Victoria_PowerPoint_Presentation_temporary_Anh.pptx
+++ b/Crime_Victoria_PowerPoint_Presentation_temporary_Anh.pptx
@@ -5,16 +5,17 @@
     <p:sldMasterId id="2147483660" r:id="rId1"/>
   </p:sldMasterIdLst>
   <p:notesMasterIdLst>
-    <p:notesMasterId r:id="rId9"/>
+    <p:notesMasterId r:id="rId10"/>
   </p:notesMasterIdLst>
   <p:sldIdLst>
-    <p:sldId id="271" r:id="rId2"/>
-    <p:sldId id="281" r:id="rId3"/>
-    <p:sldId id="274" r:id="rId4"/>
-    <p:sldId id="283" r:id="rId5"/>
-    <p:sldId id="284" r:id="rId6"/>
-    <p:sldId id="286" r:id="rId7"/>
-    <p:sldId id="288" r:id="rId8"/>
+    <p:sldId id="281" r:id="rId2"/>
+    <p:sldId id="271" r:id="rId3"/>
+    <p:sldId id="293" r:id="rId4"/>
+    <p:sldId id="284" r:id="rId5"/>
+    <p:sldId id="300" r:id="rId6"/>
+    <p:sldId id="299" r:id="rId7"/>
+    <p:sldId id="298" r:id="rId8"/>
+    <p:sldId id="283" r:id="rId9"/>
   </p:sldIdLst>
   <p:sldSz cx="12192000" cy="6858000"/>
   <p:notesSz cx="6858000" cy="9144000"/>
@@ -115,7 +116,7 @@
   </p:defaultTextStyle>
   <p:extLst>
     <p:ext uri="{EFAFB233-063F-42B5-8137-9DF3F51BA10A}">
-      <p15:sldGuideLst xmlns:p15="http://schemas.microsoft.com/office/powerpoint/2012/main" xmlns=""/>
+      <p15:sldGuideLst xmlns="" xmlns:p15="http://schemas.microsoft.com/office/powerpoint/2012/main"/>
     </p:ext>
   </p:extLst>
 </p:presentation>
@@ -204,7 +205,7 @@
             <a:fld id="{014CC861-B526-4F4C-BB4A-044EE9A33D98}" type="datetimeFigureOut">
               <a:rPr lang="en-AU" smtClean="0"/>
               <a:pPr/>
-              <a:t>3/01/2022</a:t>
+              <a:t>4/01/2022</a:t>
             </a:fld>
             <a:endParaRPr lang="en-AU"/>
           </a:p>
@@ -373,7 +374,7 @@
     </p:spTree>
     <p:extLst>
       <p:ext uri="{BB962C8B-B14F-4D97-AF65-F5344CB8AC3E}">
-        <p14:creationId xmlns:p14="http://schemas.microsoft.com/office/powerpoint/2010/main" xmlns="" val="1356543397"/>
+        <p14:creationId xmlns="" xmlns:p14="http://schemas.microsoft.com/office/powerpoint/2010/main" val="1356543397"/>
       </p:ext>
     </p:extLst>
   </p:cSld>
@@ -473,6 +474,88 @@
 </p:notesMaster>
 </file>
 
+<file path=ppt/notesSlides/notesSlide1.xml><?xml version="1.0" encoding="utf-8"?>
+<p:notes xmlns:a="http://schemas.openxmlformats.org/drawingml/2006/main" xmlns:r="http://schemas.openxmlformats.org/officeDocument/2006/relationships" xmlns:p="http://schemas.openxmlformats.org/presentationml/2006/main">
+  <p:cSld>
+    <p:spTree>
+      <p:nvGrpSpPr>
+        <p:cNvPr id="1" name=""/>
+        <p:cNvGrpSpPr/>
+        <p:nvPr/>
+      </p:nvGrpSpPr>
+      <p:grpSpPr>
+        <a:xfrm>
+          <a:off x="0" y="0"/>
+          <a:ext cx="0" cy="0"/>
+          <a:chOff x="0" y="0"/>
+          <a:chExt cx="0" cy="0"/>
+        </a:xfrm>
+      </p:grpSpPr>
+      <p:sp>
+        <p:nvSpPr>
+          <p:cNvPr id="2" name="Slide Image Placeholder 1"/>
+          <p:cNvSpPr>
+            <a:spLocks noGrp="1" noRot="1" noChangeAspect="1"/>
+          </p:cNvSpPr>
+          <p:nvPr>
+            <p:ph type="sldImg"/>
+          </p:nvPr>
+        </p:nvSpPr>
+        <p:spPr/>
+      </p:sp>
+      <p:sp>
+        <p:nvSpPr>
+          <p:cNvPr id="3" name="Notes Placeholder 2"/>
+          <p:cNvSpPr>
+            <a:spLocks noGrp="1"/>
+          </p:cNvSpPr>
+          <p:nvPr>
+            <p:ph type="body" idx="1"/>
+          </p:nvPr>
+        </p:nvSpPr>
+        <p:spPr/>
+        <p:txBody>
+          <a:bodyPr>
+            <a:normAutofit/>
+          </a:bodyPr>
+          <a:lstStyle/>
+          <a:p>
+            <a:endParaRPr lang="en-US"/>
+          </a:p>
+        </p:txBody>
+      </p:sp>
+      <p:sp>
+        <p:nvSpPr>
+          <p:cNvPr id="4" name="Slide Number Placeholder 3"/>
+          <p:cNvSpPr>
+            <a:spLocks noGrp="1"/>
+          </p:cNvSpPr>
+          <p:nvPr>
+            <p:ph type="sldNum" sz="quarter" idx="10"/>
+          </p:nvPr>
+        </p:nvSpPr>
+        <p:spPr/>
+        <p:txBody>
+          <a:bodyPr/>
+          <a:lstStyle/>
+          <a:p>
+            <a:fld id="{58239BD6-EB29-4011-A62C-2CB7FEE68F3C}" type="slidenum">
+              <a:rPr lang="en-AU" smtClean="0"/>
+              <a:pPr/>
+              <a:t>5</a:t>
+            </a:fld>
+            <a:endParaRPr lang="en-AU"/>
+          </a:p>
+        </p:txBody>
+      </p:sp>
+    </p:spTree>
+  </p:cSld>
+  <p:clrMapOvr>
+    <a:masterClrMapping/>
+  </p:clrMapOvr>
+</p:notes>
+</file>
+
 <file path=ppt/slideLayouts/slideLayout1.xml><?xml version="1.0" encoding="utf-8"?>
 <p:sldLayout xmlns:a="http://schemas.openxmlformats.org/drawingml/2006/main" xmlns:r="http://schemas.openxmlformats.org/officeDocument/2006/relationships" xmlns:p="http://schemas.openxmlformats.org/presentationml/2006/main" type="title" preserve="1">
   <p:cSld name="Title Slide">
@@ -495,7 +578,7 @@
           <p:cNvPr id="2" name="Title 1">
             <a:extLst>
               <a:ext uri="{FF2B5EF4-FFF2-40B4-BE49-F238E27FC236}">
-                <a16:creationId xmlns:a16="http://schemas.microsoft.com/office/drawing/2014/main" xmlns="" id="{0D395C89-2E28-4777-95B0-BA7EECAE3BA4}"/>
+                <a16:creationId xmlns="" xmlns:a16="http://schemas.microsoft.com/office/drawing/2014/main" id="{0D395C89-2E28-4777-95B0-BA7EECAE3BA4}"/>
               </a:ext>
             </a:extLst>
           </p:cNvPr>
@@ -534,7 +617,7 @@
           <p:cNvPr id="3" name="Subtitle 2">
             <a:extLst>
               <a:ext uri="{FF2B5EF4-FFF2-40B4-BE49-F238E27FC236}">
-                <a16:creationId xmlns:a16="http://schemas.microsoft.com/office/drawing/2014/main" xmlns="" id="{59052321-4D71-4DA8-BD2C-DC22FC1525CB}"/>
+                <a16:creationId xmlns="" xmlns:a16="http://schemas.microsoft.com/office/drawing/2014/main" id="{59052321-4D71-4DA8-BD2C-DC22FC1525CB}"/>
               </a:ext>
             </a:extLst>
           </p:cNvPr>
@@ -606,7 +689,7 @@
           <p:cNvPr id="4" name="Date Placeholder 3">
             <a:extLst>
               <a:ext uri="{FF2B5EF4-FFF2-40B4-BE49-F238E27FC236}">
-                <a16:creationId xmlns:a16="http://schemas.microsoft.com/office/drawing/2014/main" xmlns="" id="{B1D37183-71EA-4A92-8609-41ECB53F447E}"/>
+                <a16:creationId xmlns="" xmlns:a16="http://schemas.microsoft.com/office/drawing/2014/main" id="{B1D37183-71EA-4A92-8609-41ECB53F447E}"/>
               </a:ext>
             </a:extLst>
           </p:cNvPr>
@@ -622,10 +705,10 @@
           <a:bodyPr/>
           <a:lstStyle/>
           <a:p>
-            <a:fld id="{B5898F52-2787-4BA2-BBBC-9395E9F86D50}" type="datetimeFigureOut">
+            <a:fld id="{DA588F4A-BA7B-4D33-BDDC-C8F26D74E624}" type="datetime1">
               <a:rPr lang="en-US" smtClean="0"/>
               <a:pPr/>
-              <a:t>1/3/2022</a:t>
+              <a:t>1/4/2022</a:t>
             </a:fld>
             <a:endParaRPr lang="en-US"/>
           </a:p>
@@ -636,7 +719,7 @@
           <p:cNvPr id="5" name="Footer Placeholder 4">
             <a:extLst>
               <a:ext uri="{FF2B5EF4-FFF2-40B4-BE49-F238E27FC236}">
-                <a16:creationId xmlns:a16="http://schemas.microsoft.com/office/drawing/2014/main" xmlns="" id="{CA09F2E6-1ECC-4081-8EBF-C80C6C94A105}"/>
+                <a16:creationId xmlns="" xmlns:a16="http://schemas.microsoft.com/office/drawing/2014/main" id="{CA09F2E6-1ECC-4081-8EBF-C80C6C94A105}"/>
               </a:ext>
             </a:extLst>
           </p:cNvPr>
@@ -661,7 +744,7 @@
           <p:cNvPr id="6" name="Slide Number Placeholder 5">
             <a:extLst>
               <a:ext uri="{FF2B5EF4-FFF2-40B4-BE49-F238E27FC236}">
-                <a16:creationId xmlns:a16="http://schemas.microsoft.com/office/drawing/2014/main" xmlns="" id="{31C3FA67-CD72-4503-BA25-FEC880107BC4}"/>
+                <a16:creationId xmlns="" xmlns:a16="http://schemas.microsoft.com/office/drawing/2014/main" id="{31C3FA67-CD72-4503-BA25-FEC880107BC4}"/>
               </a:ext>
             </a:extLst>
           </p:cNvPr>
@@ -689,7 +772,7 @@
     </p:spTree>
     <p:extLst>
       <p:ext uri="{BB962C8B-B14F-4D97-AF65-F5344CB8AC3E}">
-        <p14:creationId xmlns:p14="http://schemas.microsoft.com/office/powerpoint/2010/main" xmlns="" val="3194522138"/>
+        <p14:creationId xmlns="" xmlns:p14="http://schemas.microsoft.com/office/powerpoint/2010/main" val="3194522138"/>
       </p:ext>
     </p:extLst>
   </p:cSld>
@@ -721,7 +804,7 @@
           <p:cNvPr id="2" name="Title 1">
             <a:extLst>
               <a:ext uri="{FF2B5EF4-FFF2-40B4-BE49-F238E27FC236}">
-                <a16:creationId xmlns:a16="http://schemas.microsoft.com/office/drawing/2014/main" xmlns="" id="{0C683CBE-1EA9-4E8B-A281-C50B792E55F5}"/>
+                <a16:creationId xmlns="" xmlns:a16="http://schemas.microsoft.com/office/drawing/2014/main" id="{0C683CBE-1EA9-4E8B-A281-C50B792E55F5}"/>
               </a:ext>
             </a:extLst>
           </p:cNvPr>
@@ -749,7 +832,7 @@
           <p:cNvPr id="3" name="Vertical Text Placeholder 2">
             <a:extLst>
               <a:ext uri="{FF2B5EF4-FFF2-40B4-BE49-F238E27FC236}">
-                <a16:creationId xmlns:a16="http://schemas.microsoft.com/office/drawing/2014/main" xmlns="" id="{8B2EB1A0-A59D-4CB9-BABB-C6BF1D2E9928}"/>
+                <a16:creationId xmlns="" xmlns:a16="http://schemas.microsoft.com/office/drawing/2014/main" id="{8B2EB1A0-A59D-4CB9-BABB-C6BF1D2E9928}"/>
               </a:ext>
             </a:extLst>
           </p:cNvPr>
@@ -806,7 +889,7 @@
           <p:cNvPr id="4" name="Date Placeholder 3">
             <a:extLst>
               <a:ext uri="{FF2B5EF4-FFF2-40B4-BE49-F238E27FC236}">
-                <a16:creationId xmlns:a16="http://schemas.microsoft.com/office/drawing/2014/main" xmlns="" id="{B2E6265B-940D-433C-AD76-2D6A42449307}"/>
+                <a16:creationId xmlns="" xmlns:a16="http://schemas.microsoft.com/office/drawing/2014/main" id="{B2E6265B-940D-433C-AD76-2D6A42449307}"/>
               </a:ext>
             </a:extLst>
           </p:cNvPr>
@@ -822,10 +905,10 @@
           <a:bodyPr/>
           <a:lstStyle/>
           <a:p>
-            <a:fld id="{B5898F52-2787-4BA2-BBBC-9395E9F86D50}" type="datetimeFigureOut">
+            <a:fld id="{CCF9A3A7-E5DC-4E94-98CC-A8FCE236EEFF}" type="datetime1">
               <a:rPr lang="en-US" smtClean="0"/>
               <a:pPr/>
-              <a:t>1/3/2022</a:t>
+              <a:t>1/4/2022</a:t>
             </a:fld>
             <a:endParaRPr lang="en-US"/>
           </a:p>
@@ -836,7 +919,7 @@
           <p:cNvPr id="5" name="Footer Placeholder 4">
             <a:extLst>
               <a:ext uri="{FF2B5EF4-FFF2-40B4-BE49-F238E27FC236}">
-                <a16:creationId xmlns:a16="http://schemas.microsoft.com/office/drawing/2014/main" xmlns="" id="{EDCAB98E-314F-45C4-9A64-AD3FAE0516DC}"/>
+                <a16:creationId xmlns="" xmlns:a16="http://schemas.microsoft.com/office/drawing/2014/main" id="{EDCAB98E-314F-45C4-9A64-AD3FAE0516DC}"/>
               </a:ext>
             </a:extLst>
           </p:cNvPr>
@@ -861,7 +944,7 @@
           <p:cNvPr id="6" name="Slide Number Placeholder 5">
             <a:extLst>
               <a:ext uri="{FF2B5EF4-FFF2-40B4-BE49-F238E27FC236}">
-                <a16:creationId xmlns:a16="http://schemas.microsoft.com/office/drawing/2014/main" xmlns="" id="{58E49F32-B214-4A0C-8669-7FE4BA445965}"/>
+                <a16:creationId xmlns="" xmlns:a16="http://schemas.microsoft.com/office/drawing/2014/main" id="{58E49F32-B214-4A0C-8669-7FE4BA445965}"/>
               </a:ext>
             </a:extLst>
           </p:cNvPr>
@@ -889,7 +972,7 @@
     </p:spTree>
     <p:extLst>
       <p:ext uri="{BB962C8B-B14F-4D97-AF65-F5344CB8AC3E}">
-        <p14:creationId xmlns:p14="http://schemas.microsoft.com/office/powerpoint/2010/main" xmlns="" val="4203691493"/>
+        <p14:creationId xmlns="" xmlns:p14="http://schemas.microsoft.com/office/powerpoint/2010/main" val="4203691493"/>
       </p:ext>
     </p:extLst>
   </p:cSld>
@@ -921,7 +1004,7 @@
           <p:cNvPr id="2" name="Vertical Title 1">
             <a:extLst>
               <a:ext uri="{FF2B5EF4-FFF2-40B4-BE49-F238E27FC236}">
-                <a16:creationId xmlns:a16="http://schemas.microsoft.com/office/drawing/2014/main" xmlns="" id="{18DE4A6D-DAA1-4551-A093-3C36C1C8CF36}"/>
+                <a16:creationId xmlns="" xmlns:a16="http://schemas.microsoft.com/office/drawing/2014/main" id="{18DE4A6D-DAA1-4551-A093-3C36C1C8CF36}"/>
               </a:ext>
             </a:extLst>
           </p:cNvPr>
@@ -954,7 +1037,7 @@
           <p:cNvPr id="3" name="Vertical Text Placeholder 2">
             <a:extLst>
               <a:ext uri="{FF2B5EF4-FFF2-40B4-BE49-F238E27FC236}">
-                <a16:creationId xmlns:a16="http://schemas.microsoft.com/office/drawing/2014/main" xmlns="" id="{3125FDA9-71CD-4B86-B291-BEBA43D8ED7F}"/>
+                <a16:creationId xmlns="" xmlns:a16="http://schemas.microsoft.com/office/drawing/2014/main" id="{3125FDA9-71CD-4B86-B291-BEBA43D8ED7F}"/>
               </a:ext>
             </a:extLst>
           </p:cNvPr>
@@ -1016,7 +1099,7 @@
           <p:cNvPr id="4" name="Date Placeholder 3">
             <a:extLst>
               <a:ext uri="{FF2B5EF4-FFF2-40B4-BE49-F238E27FC236}">
-                <a16:creationId xmlns:a16="http://schemas.microsoft.com/office/drawing/2014/main" xmlns="" id="{86D9F5B1-B635-4479-A426-B1D4066502DB}"/>
+                <a16:creationId xmlns="" xmlns:a16="http://schemas.microsoft.com/office/drawing/2014/main" id="{86D9F5B1-B635-4479-A426-B1D4066502DB}"/>
               </a:ext>
             </a:extLst>
           </p:cNvPr>
@@ -1032,10 +1115,10 @@
           <a:bodyPr/>
           <a:lstStyle/>
           <a:p>
-            <a:fld id="{B5898F52-2787-4BA2-BBBC-9395E9F86D50}" type="datetimeFigureOut">
+            <a:fld id="{9D1B2076-AEE2-4BF2-98A9-0A57AEC14E57}" type="datetime1">
               <a:rPr lang="en-US" smtClean="0"/>
               <a:pPr/>
-              <a:t>1/3/2022</a:t>
+              <a:t>1/4/2022</a:t>
             </a:fld>
             <a:endParaRPr lang="en-US"/>
           </a:p>
@@ -1046,7 +1129,7 @@
           <p:cNvPr id="5" name="Footer Placeholder 4">
             <a:extLst>
               <a:ext uri="{FF2B5EF4-FFF2-40B4-BE49-F238E27FC236}">
-                <a16:creationId xmlns:a16="http://schemas.microsoft.com/office/drawing/2014/main" xmlns="" id="{6B833098-8769-47C3-80B2-C2942F984D68}"/>
+                <a16:creationId xmlns="" xmlns:a16="http://schemas.microsoft.com/office/drawing/2014/main" id="{6B833098-8769-47C3-80B2-C2942F984D68}"/>
               </a:ext>
             </a:extLst>
           </p:cNvPr>
@@ -1071,7 +1154,7 @@
           <p:cNvPr id="6" name="Slide Number Placeholder 5">
             <a:extLst>
               <a:ext uri="{FF2B5EF4-FFF2-40B4-BE49-F238E27FC236}">
-                <a16:creationId xmlns:a16="http://schemas.microsoft.com/office/drawing/2014/main" xmlns="" id="{E5EA9297-65D4-45BE-BE6C-5531FC6A5E1E}"/>
+                <a16:creationId xmlns="" xmlns:a16="http://schemas.microsoft.com/office/drawing/2014/main" id="{E5EA9297-65D4-45BE-BE6C-5531FC6A5E1E}"/>
               </a:ext>
             </a:extLst>
           </p:cNvPr>
@@ -1099,7 +1182,7 @@
     </p:spTree>
     <p:extLst>
       <p:ext uri="{BB962C8B-B14F-4D97-AF65-F5344CB8AC3E}">
-        <p14:creationId xmlns:p14="http://schemas.microsoft.com/office/powerpoint/2010/main" xmlns="" val="3777652632"/>
+        <p14:creationId xmlns="" xmlns:p14="http://schemas.microsoft.com/office/powerpoint/2010/main" val="3777652632"/>
       </p:ext>
     </p:extLst>
   </p:cSld>
@@ -1131,7 +1214,7 @@
           <p:cNvPr id="2" name="Title 1">
             <a:extLst>
               <a:ext uri="{FF2B5EF4-FFF2-40B4-BE49-F238E27FC236}">
-                <a16:creationId xmlns:a16="http://schemas.microsoft.com/office/drawing/2014/main" xmlns="" id="{DC9BA523-EF01-4656-9D54-347E984FD329}"/>
+                <a16:creationId xmlns="" xmlns:a16="http://schemas.microsoft.com/office/drawing/2014/main" id="{DC9BA523-EF01-4656-9D54-347E984FD329}"/>
               </a:ext>
             </a:extLst>
           </p:cNvPr>
@@ -1159,7 +1242,7 @@
           <p:cNvPr id="3" name="Content Placeholder 2">
             <a:extLst>
               <a:ext uri="{FF2B5EF4-FFF2-40B4-BE49-F238E27FC236}">
-                <a16:creationId xmlns:a16="http://schemas.microsoft.com/office/drawing/2014/main" xmlns="" id="{2AD52871-79D5-420E-8207-BEF7BE44A9B6}"/>
+                <a16:creationId xmlns="" xmlns:a16="http://schemas.microsoft.com/office/drawing/2014/main" id="{2AD52871-79D5-420E-8207-BEF7BE44A9B6}"/>
               </a:ext>
             </a:extLst>
           </p:cNvPr>
@@ -1216,7 +1299,7 @@
           <p:cNvPr id="4" name="Date Placeholder 3">
             <a:extLst>
               <a:ext uri="{FF2B5EF4-FFF2-40B4-BE49-F238E27FC236}">
-                <a16:creationId xmlns:a16="http://schemas.microsoft.com/office/drawing/2014/main" xmlns="" id="{896D32D3-8223-4851-BB8E-CB489B975FD6}"/>
+                <a16:creationId xmlns="" xmlns:a16="http://schemas.microsoft.com/office/drawing/2014/main" id="{896D32D3-8223-4851-BB8E-CB489B975FD6}"/>
               </a:ext>
             </a:extLst>
           </p:cNvPr>
@@ -1232,10 +1315,10 @@
           <a:bodyPr/>
           <a:lstStyle/>
           <a:p>
-            <a:fld id="{B5898F52-2787-4BA2-BBBC-9395E9F86D50}" type="datetimeFigureOut">
+            <a:fld id="{56EEF4E8-06EB-4AF6-8260-F5270FABEEBC}" type="datetime1">
               <a:rPr lang="en-US" smtClean="0"/>
               <a:pPr/>
-              <a:t>1/3/2022</a:t>
+              <a:t>1/4/2022</a:t>
             </a:fld>
             <a:endParaRPr lang="en-US"/>
           </a:p>
@@ -1246,7 +1329,7 @@
           <p:cNvPr id="5" name="Footer Placeholder 4">
             <a:extLst>
               <a:ext uri="{FF2B5EF4-FFF2-40B4-BE49-F238E27FC236}">
-                <a16:creationId xmlns:a16="http://schemas.microsoft.com/office/drawing/2014/main" xmlns="" id="{9E94444B-9FC3-414D-8EA0-15AB806D5E32}"/>
+                <a16:creationId xmlns="" xmlns:a16="http://schemas.microsoft.com/office/drawing/2014/main" id="{9E94444B-9FC3-414D-8EA0-15AB806D5E32}"/>
               </a:ext>
             </a:extLst>
           </p:cNvPr>
@@ -1271,7 +1354,7 @@
           <p:cNvPr id="6" name="Slide Number Placeholder 5">
             <a:extLst>
               <a:ext uri="{FF2B5EF4-FFF2-40B4-BE49-F238E27FC236}">
-                <a16:creationId xmlns:a16="http://schemas.microsoft.com/office/drawing/2014/main" xmlns="" id="{DBBC448B-FCF6-40C5-8BB6-15B70E8897CB}"/>
+                <a16:creationId xmlns="" xmlns:a16="http://schemas.microsoft.com/office/drawing/2014/main" id="{DBBC448B-FCF6-40C5-8BB6-15B70E8897CB}"/>
               </a:ext>
             </a:extLst>
           </p:cNvPr>
@@ -1299,7 +1382,7 @@
     </p:spTree>
     <p:extLst>
       <p:ext uri="{BB962C8B-B14F-4D97-AF65-F5344CB8AC3E}">
-        <p14:creationId xmlns:p14="http://schemas.microsoft.com/office/powerpoint/2010/main" xmlns="" val="1938834610"/>
+        <p14:creationId xmlns="" xmlns:p14="http://schemas.microsoft.com/office/powerpoint/2010/main" val="1938834610"/>
       </p:ext>
     </p:extLst>
   </p:cSld>
@@ -1331,7 +1414,7 @@
           <p:cNvPr id="2" name="Title 1">
             <a:extLst>
               <a:ext uri="{FF2B5EF4-FFF2-40B4-BE49-F238E27FC236}">
-                <a16:creationId xmlns:a16="http://schemas.microsoft.com/office/drawing/2014/main" xmlns="" id="{D14F79BA-620F-4443-807B-BE44F36F98F1}"/>
+                <a16:creationId xmlns="" xmlns:a16="http://schemas.microsoft.com/office/drawing/2014/main" id="{D14F79BA-620F-4443-807B-BE44F36F98F1}"/>
               </a:ext>
             </a:extLst>
           </p:cNvPr>
@@ -1370,7 +1453,7 @@
           <p:cNvPr id="3" name="Text Placeholder 2">
             <a:extLst>
               <a:ext uri="{FF2B5EF4-FFF2-40B4-BE49-F238E27FC236}">
-                <a16:creationId xmlns:a16="http://schemas.microsoft.com/office/drawing/2014/main" xmlns="" id="{30C9A625-6442-4047-B545-433C4451210A}"/>
+                <a16:creationId xmlns="" xmlns:a16="http://schemas.microsoft.com/office/drawing/2014/main" id="{30C9A625-6442-4047-B545-433C4451210A}"/>
               </a:ext>
             </a:extLst>
           </p:cNvPr>
@@ -1495,7 +1578,7 @@
           <p:cNvPr id="4" name="Date Placeholder 3">
             <a:extLst>
               <a:ext uri="{FF2B5EF4-FFF2-40B4-BE49-F238E27FC236}">
-                <a16:creationId xmlns:a16="http://schemas.microsoft.com/office/drawing/2014/main" xmlns="" id="{5F8EAA30-3B1A-4BEA-9835-33D2072451F9}"/>
+                <a16:creationId xmlns="" xmlns:a16="http://schemas.microsoft.com/office/drawing/2014/main" id="{5F8EAA30-3B1A-4BEA-9835-33D2072451F9}"/>
               </a:ext>
             </a:extLst>
           </p:cNvPr>
@@ -1511,10 +1594,10 @@
           <a:bodyPr/>
           <a:lstStyle/>
           <a:p>
-            <a:fld id="{B5898F52-2787-4BA2-BBBC-9395E9F86D50}" type="datetimeFigureOut">
+            <a:fld id="{F486D33B-D53F-4071-A2A5-4565BCADA189}" type="datetime1">
               <a:rPr lang="en-US" smtClean="0"/>
               <a:pPr/>
-              <a:t>1/3/2022</a:t>
+              <a:t>1/4/2022</a:t>
             </a:fld>
             <a:endParaRPr lang="en-US"/>
           </a:p>
@@ -1525,7 +1608,7 @@
           <p:cNvPr id="5" name="Footer Placeholder 4">
             <a:extLst>
               <a:ext uri="{FF2B5EF4-FFF2-40B4-BE49-F238E27FC236}">
-                <a16:creationId xmlns:a16="http://schemas.microsoft.com/office/drawing/2014/main" xmlns="" id="{BB256440-3149-446F-8105-485333B183A0}"/>
+                <a16:creationId xmlns="" xmlns:a16="http://schemas.microsoft.com/office/drawing/2014/main" id="{BB256440-3149-446F-8105-485333B183A0}"/>
               </a:ext>
             </a:extLst>
           </p:cNvPr>
@@ -1550,7 +1633,7 @@
           <p:cNvPr id="6" name="Slide Number Placeholder 5">
             <a:extLst>
               <a:ext uri="{FF2B5EF4-FFF2-40B4-BE49-F238E27FC236}">
-                <a16:creationId xmlns:a16="http://schemas.microsoft.com/office/drawing/2014/main" xmlns="" id="{4E0FEDB1-D604-4E10-B334-5DB303498B12}"/>
+                <a16:creationId xmlns="" xmlns:a16="http://schemas.microsoft.com/office/drawing/2014/main" id="{4E0FEDB1-D604-4E10-B334-5DB303498B12}"/>
               </a:ext>
             </a:extLst>
           </p:cNvPr>
@@ -1578,7 +1661,7 @@
     </p:spTree>
     <p:extLst>
       <p:ext uri="{BB962C8B-B14F-4D97-AF65-F5344CB8AC3E}">
-        <p14:creationId xmlns:p14="http://schemas.microsoft.com/office/powerpoint/2010/main" xmlns="" val="1320324372"/>
+        <p14:creationId xmlns="" xmlns:p14="http://schemas.microsoft.com/office/powerpoint/2010/main" val="1320324372"/>
       </p:ext>
     </p:extLst>
   </p:cSld>
@@ -1610,7 +1693,7 @@
           <p:cNvPr id="2" name="Title 1">
             <a:extLst>
               <a:ext uri="{FF2B5EF4-FFF2-40B4-BE49-F238E27FC236}">
-                <a16:creationId xmlns:a16="http://schemas.microsoft.com/office/drawing/2014/main" xmlns="" id="{56F6E563-D552-439E-8DF5-45062D87549B}"/>
+                <a16:creationId xmlns="" xmlns:a16="http://schemas.microsoft.com/office/drawing/2014/main" id="{56F6E563-D552-439E-8DF5-45062D87549B}"/>
               </a:ext>
             </a:extLst>
           </p:cNvPr>
@@ -1638,7 +1721,7 @@
           <p:cNvPr id="3" name="Content Placeholder 2">
             <a:extLst>
               <a:ext uri="{FF2B5EF4-FFF2-40B4-BE49-F238E27FC236}">
-                <a16:creationId xmlns:a16="http://schemas.microsoft.com/office/drawing/2014/main" xmlns="" id="{C0136873-2DD5-456E-A3A9-FE408419E30D}"/>
+                <a16:creationId xmlns="" xmlns:a16="http://schemas.microsoft.com/office/drawing/2014/main" id="{C0136873-2DD5-456E-A3A9-FE408419E30D}"/>
               </a:ext>
             </a:extLst>
           </p:cNvPr>
@@ -1700,7 +1783,7 @@
           <p:cNvPr id="4" name="Content Placeholder 3">
             <a:extLst>
               <a:ext uri="{FF2B5EF4-FFF2-40B4-BE49-F238E27FC236}">
-                <a16:creationId xmlns:a16="http://schemas.microsoft.com/office/drawing/2014/main" xmlns="" id="{00C6B04C-FB9E-4A9E-8892-4B5B702898B4}"/>
+                <a16:creationId xmlns="" xmlns:a16="http://schemas.microsoft.com/office/drawing/2014/main" id="{00C6B04C-FB9E-4A9E-8892-4B5B702898B4}"/>
               </a:ext>
             </a:extLst>
           </p:cNvPr>
@@ -1762,7 +1845,7 @@
           <p:cNvPr id="5" name="Date Placeholder 4">
             <a:extLst>
               <a:ext uri="{FF2B5EF4-FFF2-40B4-BE49-F238E27FC236}">
-                <a16:creationId xmlns:a16="http://schemas.microsoft.com/office/drawing/2014/main" xmlns="" id="{42E2F0B4-0E86-473E-BC42-78D856A00C2E}"/>
+                <a16:creationId xmlns="" xmlns:a16="http://schemas.microsoft.com/office/drawing/2014/main" id="{42E2F0B4-0E86-473E-BC42-78D856A00C2E}"/>
               </a:ext>
             </a:extLst>
           </p:cNvPr>
@@ -1778,10 +1861,10 @@
           <a:bodyPr/>
           <a:lstStyle/>
           <a:p>
-            <a:fld id="{B5898F52-2787-4BA2-BBBC-9395E9F86D50}" type="datetimeFigureOut">
+            <a:fld id="{87A1C726-4718-479D-A9A2-4AF69FC78BD6}" type="datetime1">
               <a:rPr lang="en-US" smtClean="0"/>
               <a:pPr/>
-              <a:t>1/3/2022</a:t>
+              <a:t>1/4/2022</a:t>
             </a:fld>
             <a:endParaRPr lang="en-US"/>
           </a:p>
@@ -1792,7 +1875,7 @@
           <p:cNvPr id="6" name="Footer Placeholder 5">
             <a:extLst>
               <a:ext uri="{FF2B5EF4-FFF2-40B4-BE49-F238E27FC236}">
-                <a16:creationId xmlns:a16="http://schemas.microsoft.com/office/drawing/2014/main" xmlns="" id="{782B9537-F43C-4042-B165-A00358F9E24F}"/>
+                <a16:creationId xmlns="" xmlns:a16="http://schemas.microsoft.com/office/drawing/2014/main" id="{782B9537-F43C-4042-B165-A00358F9E24F}"/>
               </a:ext>
             </a:extLst>
           </p:cNvPr>
@@ -1817,7 +1900,7 @@
           <p:cNvPr id="7" name="Slide Number Placeholder 6">
             <a:extLst>
               <a:ext uri="{FF2B5EF4-FFF2-40B4-BE49-F238E27FC236}">
-                <a16:creationId xmlns:a16="http://schemas.microsoft.com/office/drawing/2014/main" xmlns="" id="{FEF9F52F-61F2-4FEE-8989-2FB400190C4C}"/>
+                <a16:creationId xmlns="" xmlns:a16="http://schemas.microsoft.com/office/drawing/2014/main" id="{FEF9F52F-61F2-4FEE-8989-2FB400190C4C}"/>
               </a:ext>
             </a:extLst>
           </p:cNvPr>
@@ -1845,7 +1928,7 @@
     </p:spTree>
     <p:extLst>
       <p:ext uri="{BB962C8B-B14F-4D97-AF65-F5344CB8AC3E}">
-        <p14:creationId xmlns:p14="http://schemas.microsoft.com/office/powerpoint/2010/main" xmlns="" val="3361999117"/>
+        <p14:creationId xmlns="" xmlns:p14="http://schemas.microsoft.com/office/powerpoint/2010/main" val="3361999117"/>
       </p:ext>
     </p:extLst>
   </p:cSld>
@@ -1877,7 +1960,7 @@
           <p:cNvPr id="2" name="Title 1">
             <a:extLst>
               <a:ext uri="{FF2B5EF4-FFF2-40B4-BE49-F238E27FC236}">
-                <a16:creationId xmlns:a16="http://schemas.microsoft.com/office/drawing/2014/main" xmlns="" id="{66832E5C-0B2D-4DB5-95F6-3C2C825DFE54}"/>
+                <a16:creationId xmlns="" xmlns:a16="http://schemas.microsoft.com/office/drawing/2014/main" id="{66832E5C-0B2D-4DB5-95F6-3C2C825DFE54}"/>
               </a:ext>
             </a:extLst>
           </p:cNvPr>
@@ -1910,7 +1993,7 @@
           <p:cNvPr id="3" name="Text Placeholder 2">
             <a:extLst>
               <a:ext uri="{FF2B5EF4-FFF2-40B4-BE49-F238E27FC236}">
-                <a16:creationId xmlns:a16="http://schemas.microsoft.com/office/drawing/2014/main" xmlns="" id="{818F1C53-3F27-42E6-BE80-1DF57985741C}"/>
+                <a16:creationId xmlns="" xmlns:a16="http://schemas.microsoft.com/office/drawing/2014/main" id="{818F1C53-3F27-42E6-BE80-1DF57985741C}"/>
               </a:ext>
             </a:extLst>
           </p:cNvPr>
@@ -1983,7 +2066,7 @@
           <p:cNvPr id="4" name="Content Placeholder 3">
             <a:extLst>
               <a:ext uri="{FF2B5EF4-FFF2-40B4-BE49-F238E27FC236}">
-                <a16:creationId xmlns:a16="http://schemas.microsoft.com/office/drawing/2014/main" xmlns="" id="{938CC6CB-F028-4322-B54F-571203106F23}"/>
+                <a16:creationId xmlns="" xmlns:a16="http://schemas.microsoft.com/office/drawing/2014/main" id="{938CC6CB-F028-4322-B54F-571203106F23}"/>
               </a:ext>
             </a:extLst>
           </p:cNvPr>
@@ -2052,7 +2135,7 @@
           <p:cNvPr id="5" name="Text Placeholder 4">
             <a:extLst>
               <a:ext uri="{FF2B5EF4-FFF2-40B4-BE49-F238E27FC236}">
-                <a16:creationId xmlns:a16="http://schemas.microsoft.com/office/drawing/2014/main" xmlns="" id="{82AD2CD7-554E-4EAA-BAF6-86ABB7E81D25}"/>
+                <a16:creationId xmlns="" xmlns:a16="http://schemas.microsoft.com/office/drawing/2014/main" id="{82AD2CD7-554E-4EAA-BAF6-86ABB7E81D25}"/>
               </a:ext>
             </a:extLst>
           </p:cNvPr>
@@ -2125,7 +2208,7 @@
           <p:cNvPr id="6" name="Content Placeholder 5">
             <a:extLst>
               <a:ext uri="{FF2B5EF4-FFF2-40B4-BE49-F238E27FC236}">
-                <a16:creationId xmlns:a16="http://schemas.microsoft.com/office/drawing/2014/main" xmlns="" id="{1982A2D6-379C-4D26-90AC-9F2F46DCE7F3}"/>
+                <a16:creationId xmlns="" xmlns:a16="http://schemas.microsoft.com/office/drawing/2014/main" id="{1982A2D6-379C-4D26-90AC-9F2F46DCE7F3}"/>
               </a:ext>
             </a:extLst>
           </p:cNvPr>
@@ -2194,7 +2277,7 @@
           <p:cNvPr id="7" name="Date Placeholder 6">
             <a:extLst>
               <a:ext uri="{FF2B5EF4-FFF2-40B4-BE49-F238E27FC236}">
-                <a16:creationId xmlns:a16="http://schemas.microsoft.com/office/drawing/2014/main" xmlns="" id="{DEA0E4F3-8A65-4788-AE96-1FB2060F48D2}"/>
+                <a16:creationId xmlns="" xmlns:a16="http://schemas.microsoft.com/office/drawing/2014/main" id="{DEA0E4F3-8A65-4788-AE96-1FB2060F48D2}"/>
               </a:ext>
             </a:extLst>
           </p:cNvPr>
@@ -2210,10 +2293,10 @@
           <a:bodyPr/>
           <a:lstStyle/>
           <a:p>
-            <a:fld id="{B5898F52-2787-4BA2-BBBC-9395E9F86D50}" type="datetimeFigureOut">
+            <a:fld id="{382B3C94-2ECC-4741-ABFA-107F850D1159}" type="datetime1">
               <a:rPr lang="en-US" smtClean="0"/>
               <a:pPr/>
-              <a:t>1/3/2022</a:t>
+              <a:t>1/4/2022</a:t>
             </a:fld>
             <a:endParaRPr lang="en-US"/>
           </a:p>
@@ -2224,7 +2307,7 @@
           <p:cNvPr id="8" name="Footer Placeholder 7">
             <a:extLst>
               <a:ext uri="{FF2B5EF4-FFF2-40B4-BE49-F238E27FC236}">
-                <a16:creationId xmlns:a16="http://schemas.microsoft.com/office/drawing/2014/main" xmlns="" id="{97522DA4-5EE1-440C-ADDE-D7B4F77B4E18}"/>
+                <a16:creationId xmlns="" xmlns:a16="http://schemas.microsoft.com/office/drawing/2014/main" id="{97522DA4-5EE1-440C-ADDE-D7B4F77B4E18}"/>
               </a:ext>
             </a:extLst>
           </p:cNvPr>
@@ -2249,7 +2332,7 @@
           <p:cNvPr id="9" name="Slide Number Placeholder 8">
             <a:extLst>
               <a:ext uri="{FF2B5EF4-FFF2-40B4-BE49-F238E27FC236}">
-                <a16:creationId xmlns:a16="http://schemas.microsoft.com/office/drawing/2014/main" xmlns="" id="{D6BC291E-B8EF-4ED7-A04A-23426C220CF0}"/>
+                <a16:creationId xmlns="" xmlns:a16="http://schemas.microsoft.com/office/drawing/2014/main" id="{D6BC291E-B8EF-4ED7-A04A-23426C220CF0}"/>
               </a:ext>
             </a:extLst>
           </p:cNvPr>
@@ -2277,7 +2360,7 @@
     </p:spTree>
     <p:extLst>
       <p:ext uri="{BB962C8B-B14F-4D97-AF65-F5344CB8AC3E}">
-        <p14:creationId xmlns:p14="http://schemas.microsoft.com/office/powerpoint/2010/main" xmlns="" val="266521033"/>
+        <p14:creationId xmlns="" xmlns:p14="http://schemas.microsoft.com/office/powerpoint/2010/main" val="266521033"/>
       </p:ext>
     </p:extLst>
   </p:cSld>
@@ -2309,7 +2392,7 @@
           <p:cNvPr id="2" name="Title 1">
             <a:extLst>
               <a:ext uri="{FF2B5EF4-FFF2-40B4-BE49-F238E27FC236}">
-                <a16:creationId xmlns:a16="http://schemas.microsoft.com/office/drawing/2014/main" xmlns="" id="{A01CB818-E8D0-497B-9A7E-4F281D0DBCCD}"/>
+                <a16:creationId xmlns="" xmlns:a16="http://schemas.microsoft.com/office/drawing/2014/main" id="{A01CB818-E8D0-497B-9A7E-4F281D0DBCCD}"/>
               </a:ext>
             </a:extLst>
           </p:cNvPr>
@@ -2337,7 +2420,7 @@
           <p:cNvPr id="3" name="Date Placeholder 2">
             <a:extLst>
               <a:ext uri="{FF2B5EF4-FFF2-40B4-BE49-F238E27FC236}">
-                <a16:creationId xmlns:a16="http://schemas.microsoft.com/office/drawing/2014/main" xmlns="" id="{CFE82B9D-CD58-4C05-8A78-CB6E0E9D49DC}"/>
+                <a16:creationId xmlns="" xmlns:a16="http://schemas.microsoft.com/office/drawing/2014/main" id="{CFE82B9D-CD58-4C05-8A78-CB6E0E9D49DC}"/>
               </a:ext>
             </a:extLst>
           </p:cNvPr>
@@ -2353,10 +2436,10 @@
           <a:bodyPr/>
           <a:lstStyle/>
           <a:p>
-            <a:fld id="{B5898F52-2787-4BA2-BBBC-9395E9F86D50}" type="datetimeFigureOut">
+            <a:fld id="{D67A7EE7-1CF2-410A-9AF8-ABD58AC9BF44}" type="datetime1">
               <a:rPr lang="en-US" smtClean="0"/>
               <a:pPr/>
-              <a:t>1/3/2022</a:t>
+              <a:t>1/4/2022</a:t>
             </a:fld>
             <a:endParaRPr lang="en-US"/>
           </a:p>
@@ -2367,7 +2450,7 @@
           <p:cNvPr id="4" name="Footer Placeholder 3">
             <a:extLst>
               <a:ext uri="{FF2B5EF4-FFF2-40B4-BE49-F238E27FC236}">
-                <a16:creationId xmlns:a16="http://schemas.microsoft.com/office/drawing/2014/main" xmlns="" id="{BADE60CD-D6F3-40A7-BB8B-FEC8E3156AFB}"/>
+                <a16:creationId xmlns="" xmlns:a16="http://schemas.microsoft.com/office/drawing/2014/main" id="{BADE60CD-D6F3-40A7-BB8B-FEC8E3156AFB}"/>
               </a:ext>
             </a:extLst>
           </p:cNvPr>
@@ -2392,7 +2475,7 @@
           <p:cNvPr id="5" name="Slide Number Placeholder 4">
             <a:extLst>
               <a:ext uri="{FF2B5EF4-FFF2-40B4-BE49-F238E27FC236}">
-                <a16:creationId xmlns:a16="http://schemas.microsoft.com/office/drawing/2014/main" xmlns="" id="{7C02B832-C4FE-4F88-85EA-DDC16A82B9A9}"/>
+                <a16:creationId xmlns="" xmlns:a16="http://schemas.microsoft.com/office/drawing/2014/main" id="{7C02B832-C4FE-4F88-85EA-DDC16A82B9A9}"/>
               </a:ext>
             </a:extLst>
           </p:cNvPr>
@@ -2420,7 +2503,7 @@
     </p:spTree>
     <p:extLst>
       <p:ext uri="{BB962C8B-B14F-4D97-AF65-F5344CB8AC3E}">
-        <p14:creationId xmlns:p14="http://schemas.microsoft.com/office/powerpoint/2010/main" xmlns="" val="2655213164"/>
+        <p14:creationId xmlns="" xmlns:p14="http://schemas.microsoft.com/office/powerpoint/2010/main" val="2655213164"/>
       </p:ext>
     </p:extLst>
   </p:cSld>
@@ -2452,7 +2535,7 @@
           <p:cNvPr id="2" name="Date Placeholder 1">
             <a:extLst>
               <a:ext uri="{FF2B5EF4-FFF2-40B4-BE49-F238E27FC236}">
-                <a16:creationId xmlns:a16="http://schemas.microsoft.com/office/drawing/2014/main" xmlns="" id="{3C75B2FC-801A-44A4-96BF-26A9E8B2A1C6}"/>
+                <a16:creationId xmlns="" xmlns:a16="http://schemas.microsoft.com/office/drawing/2014/main" id="{3C75B2FC-801A-44A4-96BF-26A9E8B2A1C6}"/>
               </a:ext>
             </a:extLst>
           </p:cNvPr>
@@ -2468,10 +2551,10 @@
           <a:bodyPr/>
           <a:lstStyle/>
           <a:p>
-            <a:fld id="{B5898F52-2787-4BA2-BBBC-9395E9F86D50}" type="datetimeFigureOut">
+            <a:fld id="{C5566F48-A6B1-4CE2-AA8F-1C789AD2DD45}" type="datetime1">
               <a:rPr lang="en-US" smtClean="0"/>
               <a:pPr/>
-              <a:t>1/3/2022</a:t>
+              <a:t>1/4/2022</a:t>
             </a:fld>
             <a:endParaRPr lang="en-US"/>
           </a:p>
@@ -2482,7 +2565,7 @@
           <p:cNvPr id="3" name="Footer Placeholder 2">
             <a:extLst>
               <a:ext uri="{FF2B5EF4-FFF2-40B4-BE49-F238E27FC236}">
-                <a16:creationId xmlns:a16="http://schemas.microsoft.com/office/drawing/2014/main" xmlns="" id="{A8127F04-7E7E-485C-8B30-6B89E5A69F0A}"/>
+                <a16:creationId xmlns="" xmlns:a16="http://schemas.microsoft.com/office/drawing/2014/main" id="{A8127F04-7E7E-485C-8B30-6B89E5A69F0A}"/>
               </a:ext>
             </a:extLst>
           </p:cNvPr>
@@ -2507,7 +2590,7 @@
           <p:cNvPr id="4" name="Slide Number Placeholder 3">
             <a:extLst>
               <a:ext uri="{FF2B5EF4-FFF2-40B4-BE49-F238E27FC236}">
-                <a16:creationId xmlns:a16="http://schemas.microsoft.com/office/drawing/2014/main" xmlns="" id="{90933C81-AA74-4BCE-AA9E-56E5791D078C}"/>
+                <a16:creationId xmlns="" xmlns:a16="http://schemas.microsoft.com/office/drawing/2014/main" id="{90933C81-AA74-4BCE-AA9E-56E5791D078C}"/>
               </a:ext>
             </a:extLst>
           </p:cNvPr>
@@ -2535,7 +2618,7 @@
     </p:spTree>
     <p:extLst>
       <p:ext uri="{BB962C8B-B14F-4D97-AF65-F5344CB8AC3E}">
-        <p14:creationId xmlns:p14="http://schemas.microsoft.com/office/powerpoint/2010/main" xmlns="" val="576407341"/>
+        <p14:creationId xmlns="" xmlns:p14="http://schemas.microsoft.com/office/powerpoint/2010/main" val="576407341"/>
       </p:ext>
     </p:extLst>
   </p:cSld>
@@ -2567,7 +2650,7 @@
           <p:cNvPr id="2" name="Title 1">
             <a:extLst>
               <a:ext uri="{FF2B5EF4-FFF2-40B4-BE49-F238E27FC236}">
-                <a16:creationId xmlns:a16="http://schemas.microsoft.com/office/drawing/2014/main" xmlns="" id="{98DFD3CB-0541-46AD-B35E-0E0A1375E8A2}"/>
+                <a16:creationId xmlns="" xmlns:a16="http://schemas.microsoft.com/office/drawing/2014/main" id="{98DFD3CB-0541-46AD-B35E-0E0A1375E8A2}"/>
               </a:ext>
             </a:extLst>
           </p:cNvPr>
@@ -2604,7 +2687,7 @@
           <p:cNvPr id="3" name="Content Placeholder 2">
             <a:extLst>
               <a:ext uri="{FF2B5EF4-FFF2-40B4-BE49-F238E27FC236}">
-                <a16:creationId xmlns:a16="http://schemas.microsoft.com/office/drawing/2014/main" xmlns="" id="{EBF8EFDE-1D7D-46B8-AB55-A3C02EDD1888}"/>
+                <a16:creationId xmlns="" xmlns:a16="http://schemas.microsoft.com/office/drawing/2014/main" id="{EBF8EFDE-1D7D-46B8-AB55-A3C02EDD1888}"/>
               </a:ext>
             </a:extLst>
           </p:cNvPr>
@@ -2694,7 +2777,7 @@
           <p:cNvPr id="4" name="Text Placeholder 3">
             <a:extLst>
               <a:ext uri="{FF2B5EF4-FFF2-40B4-BE49-F238E27FC236}">
-                <a16:creationId xmlns:a16="http://schemas.microsoft.com/office/drawing/2014/main" xmlns="" id="{6411D2F5-DB36-4943-8A14-96AFC4883065}"/>
+                <a16:creationId xmlns="" xmlns:a16="http://schemas.microsoft.com/office/drawing/2014/main" id="{6411D2F5-DB36-4943-8A14-96AFC4883065}"/>
               </a:ext>
             </a:extLst>
           </p:cNvPr>
@@ -2765,7 +2848,7 @@
           <p:cNvPr id="5" name="Date Placeholder 4">
             <a:extLst>
               <a:ext uri="{FF2B5EF4-FFF2-40B4-BE49-F238E27FC236}">
-                <a16:creationId xmlns:a16="http://schemas.microsoft.com/office/drawing/2014/main" xmlns="" id="{106C07D4-6597-444C-9EFD-62021AE7618C}"/>
+                <a16:creationId xmlns="" xmlns:a16="http://schemas.microsoft.com/office/drawing/2014/main" id="{106C07D4-6597-444C-9EFD-62021AE7618C}"/>
               </a:ext>
             </a:extLst>
           </p:cNvPr>
@@ -2781,10 +2864,10 @@
           <a:bodyPr/>
           <a:lstStyle/>
           <a:p>
-            <a:fld id="{B5898F52-2787-4BA2-BBBC-9395E9F86D50}" type="datetimeFigureOut">
+            <a:fld id="{FCEC2F0C-E07D-4757-A4F6-5D1396D59C61}" type="datetime1">
               <a:rPr lang="en-US" smtClean="0"/>
               <a:pPr/>
-              <a:t>1/3/2022</a:t>
+              <a:t>1/4/2022</a:t>
             </a:fld>
             <a:endParaRPr lang="en-US"/>
           </a:p>
@@ -2795,7 +2878,7 @@
           <p:cNvPr id="6" name="Footer Placeholder 5">
             <a:extLst>
               <a:ext uri="{FF2B5EF4-FFF2-40B4-BE49-F238E27FC236}">
-                <a16:creationId xmlns:a16="http://schemas.microsoft.com/office/drawing/2014/main" xmlns="" id="{712D0D2C-70E8-4A24-9727-BEAF10B17D6C}"/>
+                <a16:creationId xmlns="" xmlns:a16="http://schemas.microsoft.com/office/drawing/2014/main" id="{712D0D2C-70E8-4A24-9727-BEAF10B17D6C}"/>
               </a:ext>
             </a:extLst>
           </p:cNvPr>
@@ -2820,7 +2903,7 @@
           <p:cNvPr id="7" name="Slide Number Placeholder 6">
             <a:extLst>
               <a:ext uri="{FF2B5EF4-FFF2-40B4-BE49-F238E27FC236}">
-                <a16:creationId xmlns:a16="http://schemas.microsoft.com/office/drawing/2014/main" xmlns="" id="{F0D9E0F6-7216-48A1-8BCA-770C6DE3875B}"/>
+                <a16:creationId xmlns="" xmlns:a16="http://schemas.microsoft.com/office/drawing/2014/main" id="{F0D9E0F6-7216-48A1-8BCA-770C6DE3875B}"/>
               </a:ext>
             </a:extLst>
           </p:cNvPr>
@@ -2848,7 +2931,7 @@
     </p:spTree>
     <p:extLst>
       <p:ext uri="{BB962C8B-B14F-4D97-AF65-F5344CB8AC3E}">
-        <p14:creationId xmlns:p14="http://schemas.microsoft.com/office/powerpoint/2010/main" xmlns="" val="780026818"/>
+        <p14:creationId xmlns="" xmlns:p14="http://schemas.microsoft.com/office/powerpoint/2010/main" val="780026818"/>
       </p:ext>
     </p:extLst>
   </p:cSld>
@@ -2880,7 +2963,7 @@
           <p:cNvPr id="2" name="Title 1">
             <a:extLst>
               <a:ext uri="{FF2B5EF4-FFF2-40B4-BE49-F238E27FC236}">
-                <a16:creationId xmlns:a16="http://schemas.microsoft.com/office/drawing/2014/main" xmlns="" id="{1E4CBEBD-5F1A-4111-A7F2-1CE82C9A69D8}"/>
+                <a16:creationId xmlns="" xmlns:a16="http://schemas.microsoft.com/office/drawing/2014/main" id="{1E4CBEBD-5F1A-4111-A7F2-1CE82C9A69D8}"/>
               </a:ext>
             </a:extLst>
           </p:cNvPr>
@@ -2917,7 +3000,7 @@
           <p:cNvPr id="3" name="Picture Placeholder 2">
             <a:extLst>
               <a:ext uri="{FF2B5EF4-FFF2-40B4-BE49-F238E27FC236}">
-                <a16:creationId xmlns:a16="http://schemas.microsoft.com/office/drawing/2014/main" xmlns="" id="{C00517FB-4008-4F68-B193-482971BA720D}"/>
+                <a16:creationId xmlns="" xmlns:a16="http://schemas.microsoft.com/office/drawing/2014/main" id="{C00517FB-4008-4F68-B193-482971BA720D}"/>
               </a:ext>
             </a:extLst>
           </p:cNvPr>
@@ -2984,7 +3067,7 @@
           <p:cNvPr id="4" name="Text Placeholder 3">
             <a:extLst>
               <a:ext uri="{FF2B5EF4-FFF2-40B4-BE49-F238E27FC236}">
-                <a16:creationId xmlns:a16="http://schemas.microsoft.com/office/drawing/2014/main" xmlns="" id="{92606C5F-0885-458F-9B21-47E60171BF0E}"/>
+                <a16:creationId xmlns="" xmlns:a16="http://schemas.microsoft.com/office/drawing/2014/main" id="{92606C5F-0885-458F-9B21-47E60171BF0E}"/>
               </a:ext>
             </a:extLst>
           </p:cNvPr>
@@ -3055,7 +3138,7 @@
           <p:cNvPr id="5" name="Date Placeholder 4">
             <a:extLst>
               <a:ext uri="{FF2B5EF4-FFF2-40B4-BE49-F238E27FC236}">
-                <a16:creationId xmlns:a16="http://schemas.microsoft.com/office/drawing/2014/main" xmlns="" id="{04886F2E-B752-4D78-8DC4-C96A1A00E670}"/>
+                <a16:creationId xmlns="" xmlns:a16="http://schemas.microsoft.com/office/drawing/2014/main" id="{04886F2E-B752-4D78-8DC4-C96A1A00E670}"/>
               </a:ext>
             </a:extLst>
           </p:cNvPr>
@@ -3071,10 +3154,10 @@
           <a:bodyPr/>
           <a:lstStyle/>
           <a:p>
-            <a:fld id="{B5898F52-2787-4BA2-BBBC-9395E9F86D50}" type="datetimeFigureOut">
+            <a:fld id="{6E76DE2F-E188-4894-8C0B-C3C067902CEB}" type="datetime1">
               <a:rPr lang="en-US" smtClean="0"/>
               <a:pPr/>
-              <a:t>1/3/2022</a:t>
+              <a:t>1/4/2022</a:t>
             </a:fld>
             <a:endParaRPr lang="en-US"/>
           </a:p>
@@ -3085,7 +3168,7 @@
           <p:cNvPr id="6" name="Footer Placeholder 5">
             <a:extLst>
               <a:ext uri="{FF2B5EF4-FFF2-40B4-BE49-F238E27FC236}">
-                <a16:creationId xmlns:a16="http://schemas.microsoft.com/office/drawing/2014/main" xmlns="" id="{4FC37751-8BB8-4224-870A-A2953E76073F}"/>
+                <a16:creationId xmlns="" xmlns:a16="http://schemas.microsoft.com/office/drawing/2014/main" id="{4FC37751-8BB8-4224-870A-A2953E76073F}"/>
               </a:ext>
             </a:extLst>
           </p:cNvPr>
@@ -3110,7 +3193,7 @@
           <p:cNvPr id="7" name="Slide Number Placeholder 6">
             <a:extLst>
               <a:ext uri="{FF2B5EF4-FFF2-40B4-BE49-F238E27FC236}">
-                <a16:creationId xmlns:a16="http://schemas.microsoft.com/office/drawing/2014/main" xmlns="" id="{6242CE94-BD7E-44B3-9B5E-67D4BD317E99}"/>
+                <a16:creationId xmlns="" xmlns:a16="http://schemas.microsoft.com/office/drawing/2014/main" id="{6242CE94-BD7E-44B3-9B5E-67D4BD317E99}"/>
               </a:ext>
             </a:extLst>
           </p:cNvPr>
@@ -3138,7 +3221,7 @@
     </p:spTree>
     <p:extLst>
       <p:ext uri="{BB962C8B-B14F-4D97-AF65-F5344CB8AC3E}">
-        <p14:creationId xmlns:p14="http://schemas.microsoft.com/office/powerpoint/2010/main" xmlns="" val="1894485911"/>
+        <p14:creationId xmlns="" xmlns:p14="http://schemas.microsoft.com/office/powerpoint/2010/main" val="1894485911"/>
       </p:ext>
     </p:extLst>
   </p:cSld>
@@ -3175,7 +3258,7 @@
           <p:cNvPr id="7" name="Group 6">
             <a:extLst>
               <a:ext uri="{FF2B5EF4-FFF2-40B4-BE49-F238E27FC236}">
-                <a16:creationId xmlns:a16="http://schemas.microsoft.com/office/drawing/2014/main" xmlns="" id="{71AFD227-869A-489C-A9B5-3F0498DF3C0C}"/>
+                <a16:creationId xmlns="" xmlns:a16="http://schemas.microsoft.com/office/drawing/2014/main" id="{71AFD227-869A-489C-A9B5-3F0498DF3C0C}"/>
               </a:ext>
             </a:extLst>
           </p:cNvPr>
@@ -3200,7 +3283,7 @@
             <p:cNvPr id="8" name="Freeform 8">
               <a:extLst>
                 <a:ext uri="{FF2B5EF4-FFF2-40B4-BE49-F238E27FC236}">
-                  <a16:creationId xmlns:a16="http://schemas.microsoft.com/office/drawing/2014/main" xmlns="" id="{62704B34-199B-4964-9C78-3AB9735915AA}"/>
+                  <a16:creationId xmlns="" xmlns:a16="http://schemas.microsoft.com/office/drawing/2014/main" id="{62704B34-199B-4964-9C78-3AB9735915AA}"/>
                 </a:ext>
               </a:extLst>
             </p:cNvPr>
@@ -3282,7 +3365,7 @@
             <p:cNvPr id="9" name="Freeform 10">
               <a:extLst>
                 <a:ext uri="{FF2B5EF4-FFF2-40B4-BE49-F238E27FC236}">
-                  <a16:creationId xmlns:a16="http://schemas.microsoft.com/office/drawing/2014/main" xmlns="" id="{8B1E8DB8-017D-454E-849F-EE5742849FD4}"/>
+                  <a16:creationId xmlns="" xmlns:a16="http://schemas.microsoft.com/office/drawing/2014/main" id="{8B1E8DB8-017D-454E-849F-EE5742849FD4}"/>
                 </a:ext>
               </a:extLst>
             </p:cNvPr>
@@ -3364,7 +3447,7 @@
             <p:cNvPr id="10" name="Freeform 15">
               <a:extLst>
                 <a:ext uri="{FF2B5EF4-FFF2-40B4-BE49-F238E27FC236}">
-                  <a16:creationId xmlns:a16="http://schemas.microsoft.com/office/drawing/2014/main" xmlns="" id="{16D80E5D-5099-41C4-A80A-1B1538C382FC}"/>
+                  <a16:creationId xmlns="" xmlns:a16="http://schemas.microsoft.com/office/drawing/2014/main" id="{16D80E5D-5099-41C4-A80A-1B1538C382FC}"/>
                 </a:ext>
               </a:extLst>
             </p:cNvPr>
@@ -3446,7 +3529,7 @@
             <p:cNvPr id="11" name="Freeform 18">
               <a:extLst>
                 <a:ext uri="{FF2B5EF4-FFF2-40B4-BE49-F238E27FC236}">
-                  <a16:creationId xmlns:a16="http://schemas.microsoft.com/office/drawing/2014/main" xmlns="" id="{947751E1-E2F4-467E-B547-3BD4BAB7F560}"/>
+                  <a16:creationId xmlns="" xmlns:a16="http://schemas.microsoft.com/office/drawing/2014/main" id="{947751E1-E2F4-467E-B547-3BD4BAB7F560}"/>
                 </a:ext>
               </a:extLst>
             </p:cNvPr>
@@ -3528,7 +3611,7 @@
             <p:cNvPr id="12" name="Freeform 19">
               <a:extLst>
                 <a:ext uri="{FF2B5EF4-FFF2-40B4-BE49-F238E27FC236}">
-                  <a16:creationId xmlns:a16="http://schemas.microsoft.com/office/drawing/2014/main" xmlns="" id="{55D8869B-B701-4268-9856-876345C8AE3F}"/>
+                  <a16:creationId xmlns="" xmlns:a16="http://schemas.microsoft.com/office/drawing/2014/main" id="{55D8869B-B701-4268-9856-876345C8AE3F}"/>
                 </a:ext>
               </a:extLst>
             </p:cNvPr>
@@ -3610,7 +3693,7 @@
             <p:cNvPr id="13" name="Freeform 20">
               <a:extLst>
                 <a:ext uri="{FF2B5EF4-FFF2-40B4-BE49-F238E27FC236}">
-                  <a16:creationId xmlns:a16="http://schemas.microsoft.com/office/drawing/2014/main" xmlns="" id="{A25CA59C-849F-4CE4-A9B0-293F98DE2C7C}"/>
+                  <a16:creationId xmlns="" xmlns:a16="http://schemas.microsoft.com/office/drawing/2014/main" id="{A25CA59C-849F-4CE4-A9B0-293F98DE2C7C}"/>
                 </a:ext>
               </a:extLst>
             </p:cNvPr>
@@ -3692,7 +3775,7 @@
             <p:cNvPr id="14" name="Freeform 22">
               <a:extLst>
                 <a:ext uri="{FF2B5EF4-FFF2-40B4-BE49-F238E27FC236}">
-                  <a16:creationId xmlns:a16="http://schemas.microsoft.com/office/drawing/2014/main" xmlns="" id="{FE000DB1-AAA1-4BFF-8F14-53624C2F9E0B}"/>
+                  <a16:creationId xmlns="" xmlns:a16="http://schemas.microsoft.com/office/drawing/2014/main" id="{FE000DB1-AAA1-4BFF-8F14-53624C2F9E0B}"/>
                 </a:ext>
               </a:extLst>
             </p:cNvPr>
@@ -3774,7 +3857,7 @@
             <p:cNvPr id="15" name="Freeform 23">
               <a:extLst>
                 <a:ext uri="{FF2B5EF4-FFF2-40B4-BE49-F238E27FC236}">
-                  <a16:creationId xmlns:a16="http://schemas.microsoft.com/office/drawing/2014/main" xmlns="" id="{5EEFBC14-7E5B-47B2-B5E3-E90991F89191}"/>
+                  <a16:creationId xmlns="" xmlns:a16="http://schemas.microsoft.com/office/drawing/2014/main" id="{5EEFBC14-7E5B-47B2-B5E3-E90991F89191}"/>
                 </a:ext>
               </a:extLst>
             </p:cNvPr>
@@ -3856,7 +3939,7 @@
             <p:cNvPr id="16" name="Freeform 26">
               <a:extLst>
                 <a:ext uri="{FF2B5EF4-FFF2-40B4-BE49-F238E27FC236}">
-                  <a16:creationId xmlns:a16="http://schemas.microsoft.com/office/drawing/2014/main" xmlns="" id="{00AFF6E4-A34A-4FD3-8C57-BB96114822D1}"/>
+                  <a16:creationId xmlns="" xmlns:a16="http://schemas.microsoft.com/office/drawing/2014/main" id="{00AFF6E4-A34A-4FD3-8C57-BB96114822D1}"/>
                 </a:ext>
               </a:extLst>
             </p:cNvPr>
@@ -3938,7 +4021,7 @@
             <p:cNvPr id="17" name="Freeform 27">
               <a:extLst>
                 <a:ext uri="{FF2B5EF4-FFF2-40B4-BE49-F238E27FC236}">
-                  <a16:creationId xmlns:a16="http://schemas.microsoft.com/office/drawing/2014/main" xmlns="" id="{C63A8474-C075-4441-A0B3-52286EA50093}"/>
+                  <a16:creationId xmlns="" xmlns:a16="http://schemas.microsoft.com/office/drawing/2014/main" id="{C63A8474-C075-4441-A0B3-52286EA50093}"/>
                 </a:ext>
               </a:extLst>
             </p:cNvPr>
@@ -4020,7 +4103,7 @@
             <p:cNvPr id="18" name="Freeform 28">
               <a:extLst>
                 <a:ext uri="{FF2B5EF4-FFF2-40B4-BE49-F238E27FC236}">
-                  <a16:creationId xmlns:a16="http://schemas.microsoft.com/office/drawing/2014/main" xmlns="" id="{35DA4698-A2ED-4512-8887-F12D3F14372A}"/>
+                  <a16:creationId xmlns="" xmlns:a16="http://schemas.microsoft.com/office/drawing/2014/main" id="{35DA4698-A2ED-4512-8887-F12D3F14372A}"/>
                 </a:ext>
               </a:extLst>
             </p:cNvPr>
@@ -4102,7 +4185,7 @@
             <p:cNvPr id="19" name="Freeform 30">
               <a:extLst>
                 <a:ext uri="{FF2B5EF4-FFF2-40B4-BE49-F238E27FC236}">
-                  <a16:creationId xmlns:a16="http://schemas.microsoft.com/office/drawing/2014/main" xmlns="" id="{3358E118-D590-4E50-B21C-6CDAA1CCAFCB}"/>
+                  <a16:creationId xmlns="" xmlns:a16="http://schemas.microsoft.com/office/drawing/2014/main" id="{3358E118-D590-4E50-B21C-6CDAA1CCAFCB}"/>
                 </a:ext>
               </a:extLst>
             </p:cNvPr>
@@ -4184,7 +4267,7 @@
             <p:cNvPr id="20" name="Freeform 43">
               <a:extLst>
                 <a:ext uri="{FF2B5EF4-FFF2-40B4-BE49-F238E27FC236}">
-                  <a16:creationId xmlns:a16="http://schemas.microsoft.com/office/drawing/2014/main" xmlns="" id="{F1EE889E-60FF-423F-ADCB-6CBEE853A040}"/>
+                  <a16:creationId xmlns="" xmlns:a16="http://schemas.microsoft.com/office/drawing/2014/main" id="{F1EE889E-60FF-423F-ADCB-6CBEE853A040}"/>
                 </a:ext>
               </a:extLst>
             </p:cNvPr>
@@ -4266,7 +4349,7 @@
             <p:cNvPr id="21" name="Freeform 51">
               <a:extLst>
                 <a:ext uri="{FF2B5EF4-FFF2-40B4-BE49-F238E27FC236}">
-                  <a16:creationId xmlns:a16="http://schemas.microsoft.com/office/drawing/2014/main" xmlns="" id="{A4AA0634-0A7C-4A35-8EB7-775200F129FD}"/>
+                  <a16:creationId xmlns="" xmlns:a16="http://schemas.microsoft.com/office/drawing/2014/main" id="{A4AA0634-0A7C-4A35-8EB7-775200F129FD}"/>
                 </a:ext>
               </a:extLst>
             </p:cNvPr>
@@ -4358,7 +4441,7 @@
             <p:cNvPr id="22" name="Freeform 52">
               <a:extLst>
                 <a:ext uri="{FF2B5EF4-FFF2-40B4-BE49-F238E27FC236}">
-                  <a16:creationId xmlns:a16="http://schemas.microsoft.com/office/drawing/2014/main" xmlns="" id="{EBA21558-CAC3-445C-8882-5D4A0C6D2A0E}"/>
+                  <a16:creationId xmlns="" xmlns:a16="http://schemas.microsoft.com/office/drawing/2014/main" id="{EBA21558-CAC3-445C-8882-5D4A0C6D2A0E}"/>
                 </a:ext>
               </a:extLst>
             </p:cNvPr>
@@ -4440,7 +4523,7 @@
             <p:cNvPr id="23" name="Freeform 53">
               <a:extLst>
                 <a:ext uri="{FF2B5EF4-FFF2-40B4-BE49-F238E27FC236}">
-                  <a16:creationId xmlns:a16="http://schemas.microsoft.com/office/drawing/2014/main" xmlns="" id="{2E9415F1-5D31-4C25-9E26-203EEF500877}"/>
+                  <a16:creationId xmlns="" xmlns:a16="http://schemas.microsoft.com/office/drawing/2014/main" id="{2E9415F1-5D31-4C25-9E26-203EEF500877}"/>
                 </a:ext>
               </a:extLst>
             </p:cNvPr>
@@ -4522,7 +4605,7 @@
             <p:cNvPr id="24" name="Freeform 54">
               <a:extLst>
                 <a:ext uri="{FF2B5EF4-FFF2-40B4-BE49-F238E27FC236}">
-                  <a16:creationId xmlns:a16="http://schemas.microsoft.com/office/drawing/2014/main" xmlns="" id="{622FC1F6-879A-45BA-8752-08020C39CE29}"/>
+                  <a16:creationId xmlns="" xmlns:a16="http://schemas.microsoft.com/office/drawing/2014/main" id="{622FC1F6-879A-45BA-8752-08020C39CE29}"/>
                 </a:ext>
               </a:extLst>
             </p:cNvPr>
@@ -4604,7 +4687,7 @@
             <p:cNvPr id="25" name="Freeform 55">
               <a:extLst>
                 <a:ext uri="{FF2B5EF4-FFF2-40B4-BE49-F238E27FC236}">
-                  <a16:creationId xmlns:a16="http://schemas.microsoft.com/office/drawing/2014/main" xmlns="" id="{BA09826C-58E2-48C5-9666-333326C2CA44}"/>
+                  <a16:creationId xmlns="" xmlns:a16="http://schemas.microsoft.com/office/drawing/2014/main" id="{BA09826C-58E2-48C5-9666-333326C2CA44}"/>
                 </a:ext>
               </a:extLst>
             </p:cNvPr>
@@ -4686,7 +4769,7 @@
             <p:cNvPr id="26" name="Freeform 56">
               <a:extLst>
                 <a:ext uri="{FF2B5EF4-FFF2-40B4-BE49-F238E27FC236}">
-                  <a16:creationId xmlns:a16="http://schemas.microsoft.com/office/drawing/2014/main" xmlns="" id="{A6D3555F-4EA1-4EA7-9D08-2D75CE51927B}"/>
+                  <a16:creationId xmlns="" xmlns:a16="http://schemas.microsoft.com/office/drawing/2014/main" id="{A6D3555F-4EA1-4EA7-9D08-2D75CE51927B}"/>
                 </a:ext>
               </a:extLst>
             </p:cNvPr>
@@ -4768,7 +4851,7 @@
             <p:cNvPr id="27" name="Freeform 57">
               <a:extLst>
                 <a:ext uri="{FF2B5EF4-FFF2-40B4-BE49-F238E27FC236}">
-                  <a16:creationId xmlns:a16="http://schemas.microsoft.com/office/drawing/2014/main" xmlns="" id="{60FA20E8-EDAA-4310-B870-97807901AC18}"/>
+                  <a16:creationId xmlns="" xmlns:a16="http://schemas.microsoft.com/office/drawing/2014/main" id="{60FA20E8-EDAA-4310-B870-97807901AC18}"/>
                 </a:ext>
               </a:extLst>
             </p:cNvPr>
@@ -4850,7 +4933,7 @@
             <p:cNvPr id="28" name="Freeform 59">
               <a:extLst>
                 <a:ext uri="{FF2B5EF4-FFF2-40B4-BE49-F238E27FC236}">
-                  <a16:creationId xmlns:a16="http://schemas.microsoft.com/office/drawing/2014/main" xmlns="" id="{F5552AA2-C2AB-4D59-B6EF-E8E5EE110E52}"/>
+                  <a16:creationId xmlns="" xmlns:a16="http://schemas.microsoft.com/office/drawing/2014/main" id="{F5552AA2-C2AB-4D59-B6EF-E8E5EE110E52}"/>
                 </a:ext>
               </a:extLst>
             </p:cNvPr>
@@ -4932,7 +5015,7 @@
             <p:cNvPr id="29" name="Freeform 60">
               <a:extLst>
                 <a:ext uri="{FF2B5EF4-FFF2-40B4-BE49-F238E27FC236}">
-                  <a16:creationId xmlns:a16="http://schemas.microsoft.com/office/drawing/2014/main" xmlns="" id="{0BA267D0-8F6B-4803-B948-70E29B4587EB}"/>
+                  <a16:creationId xmlns="" xmlns:a16="http://schemas.microsoft.com/office/drawing/2014/main" id="{0BA267D0-8F6B-4803-B948-70E29B4587EB}"/>
                 </a:ext>
               </a:extLst>
             </p:cNvPr>
@@ -5014,7 +5097,7 @@
             <p:cNvPr id="30" name="Freeform 61">
               <a:extLst>
                 <a:ext uri="{FF2B5EF4-FFF2-40B4-BE49-F238E27FC236}">
-                  <a16:creationId xmlns:a16="http://schemas.microsoft.com/office/drawing/2014/main" xmlns="" id="{86E372A3-B9F4-4FEE-8B96-D9AD879E214E}"/>
+                  <a16:creationId xmlns="" xmlns:a16="http://schemas.microsoft.com/office/drawing/2014/main" id="{86E372A3-B9F4-4FEE-8B96-D9AD879E214E}"/>
                 </a:ext>
               </a:extLst>
             </p:cNvPr>
@@ -5096,7 +5179,7 @@
             <p:cNvPr id="31" name="Freeform 5">
               <a:extLst>
                 <a:ext uri="{FF2B5EF4-FFF2-40B4-BE49-F238E27FC236}">
-                  <a16:creationId xmlns:a16="http://schemas.microsoft.com/office/drawing/2014/main" xmlns="" id="{FF0C4564-5DA6-4224-A8B7-85CE1323DE8F}"/>
+                  <a16:creationId xmlns="" xmlns:a16="http://schemas.microsoft.com/office/drawing/2014/main" id="{FF0C4564-5DA6-4224-A8B7-85CE1323DE8F}"/>
                 </a:ext>
               </a:extLst>
             </p:cNvPr>
@@ -5178,7 +5261,7 @@
             <p:cNvPr id="32" name="Freeform 6">
               <a:extLst>
                 <a:ext uri="{FF2B5EF4-FFF2-40B4-BE49-F238E27FC236}">
-                  <a16:creationId xmlns:a16="http://schemas.microsoft.com/office/drawing/2014/main" xmlns="" id="{19F31D0D-C43D-4BB0-A13C-9524B84117D4}"/>
+                  <a16:creationId xmlns="" xmlns:a16="http://schemas.microsoft.com/office/drawing/2014/main" id="{19F31D0D-C43D-4BB0-A13C-9524B84117D4}"/>
                 </a:ext>
               </a:extLst>
             </p:cNvPr>
@@ -5260,7 +5343,7 @@
             <p:cNvPr id="33" name="Freeform 7">
               <a:extLst>
                 <a:ext uri="{FF2B5EF4-FFF2-40B4-BE49-F238E27FC236}">
-                  <a16:creationId xmlns:a16="http://schemas.microsoft.com/office/drawing/2014/main" xmlns="" id="{6B32FB03-B0FE-4731-BE41-C59AFB49FBF5}"/>
+                  <a16:creationId xmlns="" xmlns:a16="http://schemas.microsoft.com/office/drawing/2014/main" id="{6B32FB03-B0FE-4731-BE41-C59AFB49FBF5}"/>
                 </a:ext>
               </a:extLst>
             </p:cNvPr>
@@ -5342,7 +5425,7 @@
             <p:cNvPr id="34" name="Freeform 8">
               <a:extLst>
                 <a:ext uri="{FF2B5EF4-FFF2-40B4-BE49-F238E27FC236}">
-                  <a16:creationId xmlns:a16="http://schemas.microsoft.com/office/drawing/2014/main" xmlns="" id="{BDD5B6F0-1E17-4DCD-AE5F-ED8C48892FEF}"/>
+                  <a16:creationId xmlns="" xmlns:a16="http://schemas.microsoft.com/office/drawing/2014/main" id="{BDD5B6F0-1E17-4DCD-AE5F-ED8C48892FEF}"/>
                 </a:ext>
               </a:extLst>
             </p:cNvPr>
@@ -5424,7 +5507,7 @@
             <p:cNvPr id="35" name="Freeform 9">
               <a:extLst>
                 <a:ext uri="{FF2B5EF4-FFF2-40B4-BE49-F238E27FC236}">
-                  <a16:creationId xmlns:a16="http://schemas.microsoft.com/office/drawing/2014/main" xmlns="" id="{0290BE17-E89B-4AF9-B3F6-AF4884D52467}"/>
+                  <a16:creationId xmlns="" xmlns:a16="http://schemas.microsoft.com/office/drawing/2014/main" id="{0290BE17-E89B-4AF9-B3F6-AF4884D52467}"/>
                 </a:ext>
               </a:extLst>
             </p:cNvPr>
@@ -5506,7 +5589,7 @@
             <p:cNvPr id="36" name="Freeform 11">
               <a:extLst>
                 <a:ext uri="{FF2B5EF4-FFF2-40B4-BE49-F238E27FC236}">
-                  <a16:creationId xmlns:a16="http://schemas.microsoft.com/office/drawing/2014/main" xmlns="" id="{85F63089-F77F-4F02-8417-AAC1847FBCA7}"/>
+                  <a16:creationId xmlns="" xmlns:a16="http://schemas.microsoft.com/office/drawing/2014/main" id="{85F63089-F77F-4F02-8417-AAC1847FBCA7}"/>
                 </a:ext>
               </a:extLst>
             </p:cNvPr>
@@ -5588,7 +5671,7 @@
             <p:cNvPr id="37" name="Freeform 12">
               <a:extLst>
                 <a:ext uri="{FF2B5EF4-FFF2-40B4-BE49-F238E27FC236}">
-                  <a16:creationId xmlns:a16="http://schemas.microsoft.com/office/drawing/2014/main" xmlns="" id="{7B01CD5E-570F-4CBF-9904-94F30D928C54}"/>
+                  <a16:creationId xmlns="" xmlns:a16="http://schemas.microsoft.com/office/drawing/2014/main" id="{7B01CD5E-570F-4CBF-9904-94F30D928C54}"/>
                 </a:ext>
               </a:extLst>
             </p:cNvPr>
@@ -5670,7 +5753,7 @@
             <p:cNvPr id="38" name="Freeform 13">
               <a:extLst>
                 <a:ext uri="{FF2B5EF4-FFF2-40B4-BE49-F238E27FC236}">
-                  <a16:creationId xmlns:a16="http://schemas.microsoft.com/office/drawing/2014/main" xmlns="" id="{7EE6A672-2915-4B03-99A9-9364D5F1521E}"/>
+                  <a16:creationId xmlns="" xmlns:a16="http://schemas.microsoft.com/office/drawing/2014/main" id="{7EE6A672-2915-4B03-99A9-9364D5F1521E}"/>
                 </a:ext>
               </a:extLst>
             </p:cNvPr>
@@ -5752,7 +5835,7 @@
             <p:cNvPr id="39" name="Freeform 14">
               <a:extLst>
                 <a:ext uri="{FF2B5EF4-FFF2-40B4-BE49-F238E27FC236}">
-                  <a16:creationId xmlns:a16="http://schemas.microsoft.com/office/drawing/2014/main" xmlns="" id="{2136B643-14E1-443A-BC1C-06ADAE65C30F}"/>
+                  <a16:creationId xmlns="" xmlns:a16="http://schemas.microsoft.com/office/drawing/2014/main" id="{2136B643-14E1-443A-BC1C-06ADAE65C30F}"/>
                 </a:ext>
               </a:extLst>
             </p:cNvPr>
@@ -5834,7 +5917,7 @@
             <p:cNvPr id="40" name="Freeform 16">
               <a:extLst>
                 <a:ext uri="{FF2B5EF4-FFF2-40B4-BE49-F238E27FC236}">
-                  <a16:creationId xmlns:a16="http://schemas.microsoft.com/office/drawing/2014/main" xmlns="" id="{867FA393-4F37-4E1A-870B-F96775FAB7E8}"/>
+                  <a16:creationId xmlns="" xmlns:a16="http://schemas.microsoft.com/office/drawing/2014/main" id="{867FA393-4F37-4E1A-870B-F96775FAB7E8}"/>
                 </a:ext>
               </a:extLst>
             </p:cNvPr>
@@ -5916,7 +5999,7 @@
             <p:cNvPr id="41" name="Freeform 17">
               <a:extLst>
                 <a:ext uri="{FF2B5EF4-FFF2-40B4-BE49-F238E27FC236}">
-                  <a16:creationId xmlns:a16="http://schemas.microsoft.com/office/drawing/2014/main" xmlns="" id="{E225A1BE-FAD2-4764-A7E4-A6DA07D0573B}"/>
+                  <a16:creationId xmlns="" xmlns:a16="http://schemas.microsoft.com/office/drawing/2014/main" id="{E225A1BE-FAD2-4764-A7E4-A6DA07D0573B}"/>
                 </a:ext>
               </a:extLst>
             </p:cNvPr>
@@ -5998,7 +6081,7 @@
             <p:cNvPr id="42" name="Freeform 21">
               <a:extLst>
                 <a:ext uri="{FF2B5EF4-FFF2-40B4-BE49-F238E27FC236}">
-                  <a16:creationId xmlns:a16="http://schemas.microsoft.com/office/drawing/2014/main" xmlns="" id="{25D65388-C7E0-4C07-822A-03C5009C6D1E}"/>
+                  <a16:creationId xmlns="" xmlns:a16="http://schemas.microsoft.com/office/drawing/2014/main" id="{25D65388-C7E0-4C07-822A-03C5009C6D1E}"/>
                 </a:ext>
               </a:extLst>
             </p:cNvPr>
@@ -6080,7 +6163,7 @@
             <p:cNvPr id="43" name="Freeform 25">
               <a:extLst>
                 <a:ext uri="{FF2B5EF4-FFF2-40B4-BE49-F238E27FC236}">
-                  <a16:creationId xmlns:a16="http://schemas.microsoft.com/office/drawing/2014/main" xmlns="" id="{E1D79822-C494-449C-B439-F437DAD4F218}"/>
+                  <a16:creationId xmlns="" xmlns:a16="http://schemas.microsoft.com/office/drawing/2014/main" id="{E1D79822-C494-449C-B439-F437DAD4F218}"/>
                 </a:ext>
               </a:extLst>
             </p:cNvPr>
@@ -6162,7 +6245,7 @@
             <p:cNvPr id="44" name="Freeform 29">
               <a:extLst>
                 <a:ext uri="{FF2B5EF4-FFF2-40B4-BE49-F238E27FC236}">
-                  <a16:creationId xmlns:a16="http://schemas.microsoft.com/office/drawing/2014/main" xmlns="" id="{CDB324E5-E8D9-40E3-BAB4-1F87E67E4F46}"/>
+                  <a16:creationId xmlns="" xmlns:a16="http://schemas.microsoft.com/office/drawing/2014/main" id="{CDB324E5-E8D9-40E3-BAB4-1F87E67E4F46}"/>
                 </a:ext>
               </a:extLst>
             </p:cNvPr>
@@ -6244,7 +6327,7 @@
             <p:cNvPr id="45" name="Freeform 31">
               <a:extLst>
                 <a:ext uri="{FF2B5EF4-FFF2-40B4-BE49-F238E27FC236}">
-                  <a16:creationId xmlns:a16="http://schemas.microsoft.com/office/drawing/2014/main" xmlns="" id="{15404AB3-12EB-462E-85A2-AF4A7E91D729}"/>
+                  <a16:creationId xmlns="" xmlns:a16="http://schemas.microsoft.com/office/drawing/2014/main" id="{15404AB3-12EB-462E-85A2-AF4A7E91D729}"/>
                 </a:ext>
               </a:extLst>
             </p:cNvPr>
@@ -6326,7 +6409,7 @@
             <p:cNvPr id="46" name="Freeform 32">
               <a:extLst>
                 <a:ext uri="{FF2B5EF4-FFF2-40B4-BE49-F238E27FC236}">
-                  <a16:creationId xmlns:a16="http://schemas.microsoft.com/office/drawing/2014/main" xmlns="" id="{228021CB-53B3-4BCC-A14C-0B6951FC971F}"/>
+                  <a16:creationId xmlns="" xmlns:a16="http://schemas.microsoft.com/office/drawing/2014/main" id="{228021CB-53B3-4BCC-A14C-0B6951FC971F}"/>
                 </a:ext>
               </a:extLst>
             </p:cNvPr>
@@ -6408,7 +6491,7 @@
             <p:cNvPr id="47" name="Freeform 33">
               <a:extLst>
                 <a:ext uri="{FF2B5EF4-FFF2-40B4-BE49-F238E27FC236}">
-                  <a16:creationId xmlns:a16="http://schemas.microsoft.com/office/drawing/2014/main" xmlns="" id="{B353D0BC-00A6-4EA4-9311-9FCB88CC2021}"/>
+                  <a16:creationId xmlns="" xmlns:a16="http://schemas.microsoft.com/office/drawing/2014/main" id="{B353D0BC-00A6-4EA4-9311-9FCB88CC2021}"/>
                 </a:ext>
               </a:extLst>
             </p:cNvPr>
@@ -6490,7 +6573,7 @@
             <p:cNvPr id="48" name="Freeform 34">
               <a:extLst>
                 <a:ext uri="{FF2B5EF4-FFF2-40B4-BE49-F238E27FC236}">
-                  <a16:creationId xmlns:a16="http://schemas.microsoft.com/office/drawing/2014/main" xmlns="" id="{0E001FD3-6EDD-47A3-9916-826E1595DAB3}"/>
+                  <a16:creationId xmlns="" xmlns:a16="http://schemas.microsoft.com/office/drawing/2014/main" id="{0E001FD3-6EDD-47A3-9916-826E1595DAB3}"/>
                 </a:ext>
               </a:extLst>
             </p:cNvPr>
@@ -6572,7 +6655,7 @@
             <p:cNvPr id="49" name="Freeform 35">
               <a:extLst>
                 <a:ext uri="{FF2B5EF4-FFF2-40B4-BE49-F238E27FC236}">
-                  <a16:creationId xmlns:a16="http://schemas.microsoft.com/office/drawing/2014/main" xmlns="" id="{FE214D5B-D151-4E09-A01E-BEAAF9C679ED}"/>
+                  <a16:creationId xmlns="" xmlns:a16="http://schemas.microsoft.com/office/drawing/2014/main" id="{FE214D5B-D151-4E09-A01E-BEAAF9C679ED}"/>
                 </a:ext>
               </a:extLst>
             </p:cNvPr>
@@ -6654,7 +6737,7 @@
             <p:cNvPr id="50" name="Freeform 36">
               <a:extLst>
                 <a:ext uri="{FF2B5EF4-FFF2-40B4-BE49-F238E27FC236}">
-                  <a16:creationId xmlns:a16="http://schemas.microsoft.com/office/drawing/2014/main" xmlns="" id="{3024EF13-0A45-49DD-B0F4-FA3A5169EFFE}"/>
+                  <a16:creationId xmlns="" xmlns:a16="http://schemas.microsoft.com/office/drawing/2014/main" id="{3024EF13-0A45-49DD-B0F4-FA3A5169EFFE}"/>
                 </a:ext>
               </a:extLst>
             </p:cNvPr>
@@ -6736,7 +6819,7 @@
             <p:cNvPr id="51" name="Freeform 37">
               <a:extLst>
                 <a:ext uri="{FF2B5EF4-FFF2-40B4-BE49-F238E27FC236}">
-                  <a16:creationId xmlns:a16="http://schemas.microsoft.com/office/drawing/2014/main" xmlns="" id="{95E0BDAE-48A7-4752-A150-74DA4BAE5E4B}"/>
+                  <a16:creationId xmlns="" xmlns:a16="http://schemas.microsoft.com/office/drawing/2014/main" id="{95E0BDAE-48A7-4752-A150-74DA4BAE5E4B}"/>
                 </a:ext>
               </a:extLst>
             </p:cNvPr>
@@ -6818,7 +6901,7 @@
             <p:cNvPr id="52" name="Freeform 38">
               <a:extLst>
                 <a:ext uri="{FF2B5EF4-FFF2-40B4-BE49-F238E27FC236}">
-                  <a16:creationId xmlns:a16="http://schemas.microsoft.com/office/drawing/2014/main" xmlns="" id="{DE128EDB-3179-4F47-8B37-BEDE3B82FFC7}"/>
+                  <a16:creationId xmlns="" xmlns:a16="http://schemas.microsoft.com/office/drawing/2014/main" id="{DE128EDB-3179-4F47-8B37-BEDE3B82FFC7}"/>
                 </a:ext>
               </a:extLst>
             </p:cNvPr>
@@ -6900,7 +6983,7 @@
             <p:cNvPr id="53" name="Freeform 39">
               <a:extLst>
                 <a:ext uri="{FF2B5EF4-FFF2-40B4-BE49-F238E27FC236}">
-                  <a16:creationId xmlns:a16="http://schemas.microsoft.com/office/drawing/2014/main" xmlns="" id="{E09CDD49-7B7B-42C0-A09E-6CFB3CDFF6A1}"/>
+                  <a16:creationId xmlns="" xmlns:a16="http://schemas.microsoft.com/office/drawing/2014/main" id="{E09CDD49-7B7B-42C0-A09E-6CFB3CDFF6A1}"/>
                 </a:ext>
               </a:extLst>
             </p:cNvPr>
@@ -6982,7 +7065,7 @@
             <p:cNvPr id="54" name="Freeform 40">
               <a:extLst>
                 <a:ext uri="{FF2B5EF4-FFF2-40B4-BE49-F238E27FC236}">
-                  <a16:creationId xmlns:a16="http://schemas.microsoft.com/office/drawing/2014/main" xmlns="" id="{93C5D839-4CD5-4165-9091-7D9B92CDC1D2}"/>
+                  <a16:creationId xmlns="" xmlns:a16="http://schemas.microsoft.com/office/drawing/2014/main" id="{93C5D839-4CD5-4165-9091-7D9B92CDC1D2}"/>
                 </a:ext>
               </a:extLst>
             </p:cNvPr>
@@ -7064,7 +7147,7 @@
             <p:cNvPr id="55" name="Freeform 41">
               <a:extLst>
                 <a:ext uri="{FF2B5EF4-FFF2-40B4-BE49-F238E27FC236}">
-                  <a16:creationId xmlns:a16="http://schemas.microsoft.com/office/drawing/2014/main" xmlns="" id="{3C7F638A-BB6D-4B24-A7F9-03BF8087459B}"/>
+                  <a16:creationId xmlns="" xmlns:a16="http://schemas.microsoft.com/office/drawing/2014/main" id="{3C7F638A-BB6D-4B24-A7F9-03BF8087459B}"/>
                 </a:ext>
               </a:extLst>
             </p:cNvPr>
@@ -7146,7 +7229,7 @@
             <p:cNvPr id="56" name="Freeform 42">
               <a:extLst>
                 <a:ext uri="{FF2B5EF4-FFF2-40B4-BE49-F238E27FC236}">
-                  <a16:creationId xmlns:a16="http://schemas.microsoft.com/office/drawing/2014/main" xmlns="" id="{5B59DB64-329B-45EA-8A67-4213A886B5B2}"/>
+                  <a16:creationId xmlns="" xmlns:a16="http://schemas.microsoft.com/office/drawing/2014/main" id="{5B59DB64-329B-45EA-8A67-4213A886B5B2}"/>
                 </a:ext>
               </a:extLst>
             </p:cNvPr>
@@ -7228,7 +7311,7 @@
             <p:cNvPr id="57" name="Freeform 44">
               <a:extLst>
                 <a:ext uri="{FF2B5EF4-FFF2-40B4-BE49-F238E27FC236}">
-                  <a16:creationId xmlns:a16="http://schemas.microsoft.com/office/drawing/2014/main" xmlns="" id="{D8DAB003-6484-4D1D-85AE-93FA09BC5EF5}"/>
+                  <a16:creationId xmlns="" xmlns:a16="http://schemas.microsoft.com/office/drawing/2014/main" id="{D8DAB003-6484-4D1D-85AE-93FA09BC5EF5}"/>
                 </a:ext>
               </a:extLst>
             </p:cNvPr>
@@ -7310,7 +7393,7 @@
             <p:cNvPr id="58" name="Freeform 45">
               <a:extLst>
                 <a:ext uri="{FF2B5EF4-FFF2-40B4-BE49-F238E27FC236}">
-                  <a16:creationId xmlns:a16="http://schemas.microsoft.com/office/drawing/2014/main" xmlns="" id="{D49280A1-ACA8-4CD6-9012-AF12660F07E4}"/>
+                  <a16:creationId xmlns="" xmlns:a16="http://schemas.microsoft.com/office/drawing/2014/main" id="{D49280A1-ACA8-4CD6-9012-AF12660F07E4}"/>
                 </a:ext>
               </a:extLst>
             </p:cNvPr>
@@ -7392,7 +7475,7 @@
             <p:cNvPr id="59" name="Freeform 46">
               <a:extLst>
                 <a:ext uri="{FF2B5EF4-FFF2-40B4-BE49-F238E27FC236}">
-                  <a16:creationId xmlns:a16="http://schemas.microsoft.com/office/drawing/2014/main" xmlns="" id="{C03EAE8C-6089-40E5-9361-2E266A1EEBA3}"/>
+                  <a16:creationId xmlns="" xmlns:a16="http://schemas.microsoft.com/office/drawing/2014/main" id="{C03EAE8C-6089-40E5-9361-2E266A1EEBA3}"/>
                 </a:ext>
               </a:extLst>
             </p:cNvPr>
@@ -7474,7 +7557,7 @@
             <p:cNvPr id="60" name="Freeform 47">
               <a:extLst>
                 <a:ext uri="{FF2B5EF4-FFF2-40B4-BE49-F238E27FC236}">
-                  <a16:creationId xmlns:a16="http://schemas.microsoft.com/office/drawing/2014/main" xmlns="" id="{02E3A077-F087-4E14-A13E-4E9D4369B1F6}"/>
+                  <a16:creationId xmlns="" xmlns:a16="http://schemas.microsoft.com/office/drawing/2014/main" id="{02E3A077-F087-4E14-A13E-4E9D4369B1F6}"/>
                 </a:ext>
               </a:extLst>
             </p:cNvPr>
@@ -7556,7 +7639,7 @@
             <p:cNvPr id="61" name="Freeform 48">
               <a:extLst>
                 <a:ext uri="{FF2B5EF4-FFF2-40B4-BE49-F238E27FC236}">
-                  <a16:creationId xmlns:a16="http://schemas.microsoft.com/office/drawing/2014/main" xmlns="" id="{7CE4FAAA-45E7-4C86-B59A-F284B79EFD23}"/>
+                  <a16:creationId xmlns="" xmlns:a16="http://schemas.microsoft.com/office/drawing/2014/main" id="{7CE4FAAA-45E7-4C86-B59A-F284B79EFD23}"/>
                 </a:ext>
               </a:extLst>
             </p:cNvPr>
@@ -7638,7 +7721,7 @@
             <p:cNvPr id="62" name="Freeform 49">
               <a:extLst>
                 <a:ext uri="{FF2B5EF4-FFF2-40B4-BE49-F238E27FC236}">
-                  <a16:creationId xmlns:a16="http://schemas.microsoft.com/office/drawing/2014/main" xmlns="" id="{E2689B62-CCA1-4EE5-B622-FBA516868916}"/>
+                  <a16:creationId xmlns="" xmlns:a16="http://schemas.microsoft.com/office/drawing/2014/main" id="{E2689B62-CCA1-4EE5-B622-FBA516868916}"/>
                 </a:ext>
               </a:extLst>
             </p:cNvPr>
@@ -7720,7 +7803,7 @@
             <p:cNvPr id="63" name="Freeform 8">
               <a:extLst>
                 <a:ext uri="{FF2B5EF4-FFF2-40B4-BE49-F238E27FC236}">
-                  <a16:creationId xmlns:a16="http://schemas.microsoft.com/office/drawing/2014/main" xmlns="" id="{113638EE-3BCF-4315-A329-3C6766A3890B}"/>
+                  <a16:creationId xmlns="" xmlns:a16="http://schemas.microsoft.com/office/drawing/2014/main" id="{113638EE-3BCF-4315-A329-3C6766A3890B}"/>
                 </a:ext>
               </a:extLst>
             </p:cNvPr>
@@ -7802,7 +7885,7 @@
             <p:cNvPr id="64" name="Freeform 106">
               <a:extLst>
                 <a:ext uri="{FF2B5EF4-FFF2-40B4-BE49-F238E27FC236}">
-                  <a16:creationId xmlns:a16="http://schemas.microsoft.com/office/drawing/2014/main" xmlns="" id="{4FB36B8F-335B-40F2-83BB-C2B2689DC2E9}"/>
+                  <a16:creationId xmlns="" xmlns:a16="http://schemas.microsoft.com/office/drawing/2014/main" id="{4FB36B8F-335B-40F2-83BB-C2B2689DC2E9}"/>
                 </a:ext>
               </a:extLst>
             </p:cNvPr>
@@ -7885,7 +7968,7 @@
           <p:cNvPr id="2" name="Title Placeholder 1">
             <a:extLst>
               <a:ext uri="{FF2B5EF4-FFF2-40B4-BE49-F238E27FC236}">
-                <a16:creationId xmlns:a16="http://schemas.microsoft.com/office/drawing/2014/main" xmlns="" id="{7A05E913-A9D9-4639-B104-1F07A4AF6A56}"/>
+                <a16:creationId xmlns="" xmlns:a16="http://schemas.microsoft.com/office/drawing/2014/main" id="{7A05E913-A9D9-4639-B104-1F07A4AF6A56}"/>
               </a:ext>
             </a:extLst>
           </p:cNvPr>
@@ -7923,7 +8006,7 @@
           <p:cNvPr id="3" name="Text Placeholder 2">
             <a:extLst>
               <a:ext uri="{FF2B5EF4-FFF2-40B4-BE49-F238E27FC236}">
-                <a16:creationId xmlns:a16="http://schemas.microsoft.com/office/drawing/2014/main" xmlns="" id="{09940CEB-B6D7-46E6-9843-51534214017A}"/>
+                <a16:creationId xmlns="" xmlns:a16="http://schemas.microsoft.com/office/drawing/2014/main" id="{09940CEB-B6D7-46E6-9843-51534214017A}"/>
               </a:ext>
             </a:extLst>
           </p:cNvPr>
@@ -7990,7 +8073,7 @@
           <p:cNvPr id="4" name="Date Placeholder 3">
             <a:extLst>
               <a:ext uri="{FF2B5EF4-FFF2-40B4-BE49-F238E27FC236}">
-                <a16:creationId xmlns:a16="http://schemas.microsoft.com/office/drawing/2014/main" xmlns="" id="{B5BAC8B5-8DFB-4920-8580-54824C831A94}"/>
+                <a16:creationId xmlns="" xmlns:a16="http://schemas.microsoft.com/office/drawing/2014/main" id="{B5BAC8B5-8DFB-4920-8580-54824C831A94}"/>
               </a:ext>
             </a:extLst>
           </p:cNvPr>
@@ -8022,10 +8105,10 @@
             </a:lvl1pPr>
           </a:lstStyle>
           <a:p>
-            <a:fld id="{B5898F52-2787-4BA2-BBBC-9395E9F86D50}" type="datetimeFigureOut">
+            <a:fld id="{B0B3A3D9-9130-48F4-AE73-A8836B6D9647}" type="datetime1">
               <a:rPr lang="en-US" smtClean="0"/>
               <a:pPr/>
-              <a:t>1/3/2022</a:t>
+              <a:t>1/4/2022</a:t>
             </a:fld>
             <a:endParaRPr lang="en-US" dirty="0"/>
           </a:p>
@@ -8036,7 +8119,7 @@
           <p:cNvPr id="5" name="Footer Placeholder 4">
             <a:extLst>
               <a:ext uri="{FF2B5EF4-FFF2-40B4-BE49-F238E27FC236}">
-                <a16:creationId xmlns:a16="http://schemas.microsoft.com/office/drawing/2014/main" xmlns="" id="{3A9E2D5D-B616-4048-9CB8-4D316BBDB1FB}"/>
+                <a16:creationId xmlns="" xmlns:a16="http://schemas.microsoft.com/office/drawing/2014/main" id="{3A9E2D5D-B616-4048-9CB8-4D316BBDB1FB}"/>
               </a:ext>
             </a:extLst>
           </p:cNvPr>
@@ -8077,7 +8160,7 @@
           <p:cNvPr id="6" name="Slide Number Placeholder 5">
             <a:extLst>
               <a:ext uri="{FF2B5EF4-FFF2-40B4-BE49-F238E27FC236}">
-                <a16:creationId xmlns:a16="http://schemas.microsoft.com/office/drawing/2014/main" xmlns="" id="{63F322F0-8F3D-4AC5-9873-24666D0E0D34}"/>
+                <a16:creationId xmlns="" xmlns:a16="http://schemas.microsoft.com/office/drawing/2014/main" id="{63F322F0-8F3D-4AC5-9873-24666D0E0D34}"/>
               </a:ext>
             </a:extLst>
           </p:cNvPr>
@@ -8121,7 +8204,7 @@
     </p:spTree>
     <p:extLst>
       <p:ext uri="{BB962C8B-B14F-4D97-AF65-F5344CB8AC3E}">
-        <p14:creationId xmlns:p14="http://schemas.microsoft.com/office/powerpoint/2010/main" xmlns="" val="3169733250"/>
+        <p14:creationId xmlns="" xmlns:p14="http://schemas.microsoft.com/office/powerpoint/2010/main" val="3169733250"/>
       </p:ext>
     </p:extLst>
   </p:cSld>
@@ -8139,6 +8222,7 @@
     <p:sldLayoutId id="2147483662" r:id="rId10"/>
     <p:sldLayoutId id="2147483661" r:id="rId11"/>
   </p:sldLayoutIdLst>
+  <p:hf hdr="0" ftr="0" dt="0"/>
   <p:txStyles>
     <p:titleStyle>
       <a:lvl1pPr algn="l" defTabSz="914400" rtl="0" eaLnBrk="1" latinLnBrk="0" hangingPunct="1">
@@ -8466,178 +8550,187 @@
       </p:grpSpPr>
       <p:sp>
         <p:nvSpPr>
-          <p:cNvPr id="2" name="Title 1">
-            <a:extLst>
-              <a:ext uri="{FF2B5EF4-FFF2-40B4-BE49-F238E27FC236}">
-                <a16:creationId xmlns:a16="http://schemas.microsoft.com/office/drawing/2014/main" xmlns="" id="{51E935BB-DDE4-429A-8AA8-6CA219F8E6F2}"/>
-              </a:ext>
-            </a:extLst>
-          </p:cNvPr>
+          <p:cNvPr id="2" name="Title 1"/>
           <p:cNvSpPr>
             <a:spLocks noGrp="1"/>
           </p:cNvSpPr>
           <p:nvPr>
-            <p:ph type="ctrTitle"/>
+            <p:ph type="title"/>
+          </p:nvPr>
+        </p:nvSpPr>
+        <p:spPr/>
+        <p:txBody>
+          <a:bodyPr/>
+          <a:lstStyle/>
+          <a:p>
+            <a:r>
+              <a:rPr lang="en-AU" dirty="0" smtClean="0"/>
+              <a:t>Table of Contents</a:t>
+            </a:r>
+            <a:endParaRPr lang="en-US" dirty="0"/>
+          </a:p>
+        </p:txBody>
+      </p:sp>
+      <p:sp>
+        <p:nvSpPr>
+          <p:cNvPr id="3" name="Content Placeholder 2"/>
+          <p:cNvSpPr>
+            <a:spLocks noGrp="1"/>
+          </p:cNvSpPr>
+          <p:nvPr>
+            <p:ph idx="1"/>
           </p:nvPr>
         </p:nvSpPr>
         <p:spPr>
           <a:xfrm>
-            <a:off x="3716421" y="1433094"/>
-            <a:ext cx="4720681" cy="2792239"/>
+            <a:off x="1069848" y="1874521"/>
+            <a:ext cx="9634011" cy="3019898"/>
           </a:xfrm>
         </p:spPr>
         <p:txBody>
-          <a:bodyPr anchor="b">
+          <a:bodyPr>
             <a:normAutofit/>
           </a:bodyPr>
           <a:lstStyle/>
           <a:p>
-            <a:r>
-              <a:rPr lang="en-AU" sz="4400" b="1" dirty="0" smtClean="0"/>
-              <a:t>Overview Victoria Crimes &amp; Family Incidents</a:t>
-            </a:r>
+            <a:pPr marL="457200" indent="-457200">
+              <a:buFont typeface="+mj-lt"/>
+              <a:buAutoNum type="arabicPeriod"/>
+            </a:pPr>
+            <a:r>
+              <a:rPr lang="en-AU" dirty="0" smtClean="0">
+                <a:solidFill>
+                  <a:schemeClr val="bg1">
+                    <a:lumMod val="65000"/>
+                  </a:schemeClr>
+                </a:solidFill>
+              </a:rPr>
+              <a:t>Introduction &amp; Objectives</a:t>
+            </a:r>
+          </a:p>
+          <a:p>
+            <a:pPr marL="457200" indent="-457200">
+              <a:buFont typeface="+mj-lt"/>
+              <a:buAutoNum type="arabicPeriod"/>
+            </a:pPr>
+            <a:r>
+              <a:rPr lang="en-AU" dirty="0" smtClean="0">
+                <a:solidFill>
+                  <a:schemeClr val="bg1">
+                    <a:lumMod val="65000"/>
+                  </a:schemeClr>
+                </a:solidFill>
+              </a:rPr>
+              <a:t>Criminal Incidents, Recorded Offences (Antoinette)</a:t>
+            </a:r>
+          </a:p>
+          <a:p>
+            <a:pPr marL="457200" indent="-457200">
+              <a:buFont typeface="+mj-lt"/>
+              <a:buAutoNum type="arabicPeriod"/>
+            </a:pPr>
+            <a:r>
+              <a:rPr lang="en-AU" dirty="0" smtClean="0">
+                <a:solidFill>
+                  <a:schemeClr val="bg1">
+                    <a:lumMod val="65000"/>
+                  </a:schemeClr>
+                </a:solidFill>
+              </a:rPr>
+              <a:t>Victim Reports &amp; Family Incidents (Jacqueline)</a:t>
+            </a:r>
+          </a:p>
+          <a:p>
+            <a:pPr marL="457200" indent="-457200">
+              <a:buFont typeface="+mj-lt"/>
+              <a:buAutoNum type="arabicPeriod"/>
+            </a:pPr>
+            <a:r>
+              <a:rPr lang="en-AU" dirty="0" smtClean="0">
+                <a:solidFill>
+                  <a:schemeClr val="bg1">
+                    <a:lumMod val="65000"/>
+                  </a:schemeClr>
+                </a:solidFill>
+              </a:rPr>
+              <a:t>Crime status &amp; Police Service Areas (Kelvin)</a:t>
+            </a:r>
+          </a:p>
+          <a:p>
+            <a:pPr marL="457200" indent="-457200">
+              <a:buFont typeface="+mj-lt"/>
+              <a:buAutoNum type="arabicPeriod"/>
+            </a:pPr>
+            <a:r>
+              <a:rPr lang="en-AU" dirty="0" smtClean="0"/>
+              <a:t>Victoria Crimes Trends from September 2012 to 2021 (Anh)</a:t>
+            </a:r>
+          </a:p>
+          <a:p>
+            <a:pPr marL="457200" indent="-457200">
+              <a:buFont typeface="+mj-lt"/>
+              <a:buAutoNum type="arabicPeriod"/>
+            </a:pPr>
+            <a:endParaRPr lang="en-AU" dirty="0" smtClean="0">
+              <a:solidFill>
+                <a:schemeClr val="bg1">
+                  <a:lumMod val="65000"/>
+                </a:schemeClr>
+              </a:solidFill>
+            </a:endParaRPr>
+          </a:p>
+          <a:p>
+            <a:pPr marL="457200" indent="-457200">
+              <a:buFont typeface="+mj-lt"/>
+              <a:buAutoNum type="arabicPeriod"/>
+            </a:pPr>
+            <a:endParaRPr lang="en-AU" dirty="0" smtClean="0"/>
+          </a:p>
+          <a:p>
+            <a:endParaRPr lang="en-US" dirty="0"/>
           </a:p>
         </p:txBody>
       </p:sp>
       <p:sp>
         <p:nvSpPr>
-          <p:cNvPr id="3" name="Subtitle 2">
-            <a:extLst>
-              <a:ext uri="{FF2B5EF4-FFF2-40B4-BE49-F238E27FC236}">
-                <a16:creationId xmlns:a16="http://schemas.microsoft.com/office/drawing/2014/main" xmlns="" id="{2FB96A9D-2972-44C3-A420-67F66A13B236}"/>
-              </a:ext>
-            </a:extLst>
-          </p:cNvPr>
+          <p:cNvPr id="4" name="Slide Number Placeholder 3"/>
           <p:cNvSpPr>
             <a:spLocks noGrp="1"/>
           </p:cNvSpPr>
           <p:nvPr>
-            <p:ph type="subTitle" idx="1"/>
+            <p:ph type="sldNum" sz="quarter" idx="12"/>
           </p:nvPr>
         </p:nvSpPr>
-        <p:spPr>
-          <a:xfrm>
-            <a:off x="3815046" y="4392215"/>
-            <a:ext cx="4638612" cy="849149"/>
-          </a:xfrm>
-        </p:spPr>
+        <p:spPr/>
         <p:txBody>
-          <a:bodyPr anchor="t">
-            <a:noAutofit/>
-          </a:bodyPr>
+          <a:bodyPr/>
           <a:lstStyle/>
           <a:p>
-            <a:endParaRPr lang="en-AU" sz="1200" b="1" dirty="0" smtClean="0"/>
-          </a:p>
-          <a:p>
-            <a:r>
-              <a:rPr lang="en-AU" sz="1200" dirty="0" smtClean="0"/>
-              <a:t>From September 2012 to 2021</a:t>
-            </a:r>
-            <a:endParaRPr lang="en-AU" sz="1200" dirty="0"/>
+            <a:fld id="{4C8B8A27-DF03-4546-BA93-21C967D57E5C}" type="slidenum">
+              <a:rPr lang="en-US" smtClean="0"/>
+              <a:pPr/>
+              <a:t>1</a:t>
+            </a:fld>
+            <a:r>
+              <a:rPr lang="en-US" dirty="0" smtClean="0"/>
+              <a:t> </a:t>
+            </a:r>
+            <a:endParaRPr lang="en-US" dirty="0"/>
           </a:p>
         </p:txBody>
       </p:sp>
-      <p:pic>
-        <p:nvPicPr>
-          <p:cNvPr id="7" name="Picture 2" descr="Image result for nightimepic of victoria australia">
-            <a:extLst>
-              <a:ext uri="{FF2B5EF4-FFF2-40B4-BE49-F238E27FC236}">
-                <a16:creationId xmlns:a16="http://schemas.microsoft.com/office/drawing/2014/main" xmlns="" id="{07E1A4A3-CD91-44FC-87E7-5565C6373211}"/>
-              </a:ext>
-            </a:extLst>
-          </p:cNvPr>
-          <p:cNvPicPr>
-            <a:picLocks noChangeAspect="1" noChangeArrowheads="1"/>
-          </p:cNvPicPr>
-          <p:nvPr/>
-        </p:nvPicPr>
-        <p:blipFill rotWithShape="1">
-          <a:blip r:embed="rId2" cstate="print">
-            <a:extLst>
-              <a:ext uri="{28A0092B-C50C-407E-A947-70E740481C1C}">
-                <a14:useLocalDpi xmlns:a14="http://schemas.microsoft.com/office/drawing/2010/main" xmlns="" val="0"/>
-              </a:ext>
-            </a:extLst>
-          </a:blip>
-          <a:srcRect l="21166" r="27916" b="2"/>
-          <a:stretch/>
-        </p:blipFill>
-        <p:spPr bwMode="auto">
-          <a:xfrm>
-            <a:off x="6694" y="1374028"/>
-            <a:ext cx="3223404" cy="4220264"/>
-          </a:xfrm>
-          <a:prstGeom prst="rect">
-            <a:avLst/>
-          </a:prstGeom>
-          <a:noFill/>
-          <a:extLst>
-            <a:ext uri="{909E8E84-426E-40DD-AFC4-6F175D3DCCD1}">
-              <a14:hiddenFill xmlns:a14="http://schemas.microsoft.com/office/drawing/2010/main" xmlns="">
-                <a:solidFill>
-                  <a:srgbClr val="FFFFFF"/>
-                </a:solidFill>
-              </a14:hiddenFill>
-            </a:ext>
-          </a:extLst>
-        </p:spPr>
-      </p:pic>
-      <p:pic>
-        <p:nvPicPr>
-          <p:cNvPr id="6" name="Picture 4" descr="See the source image">
-            <a:extLst>
-              <a:ext uri="{FF2B5EF4-FFF2-40B4-BE49-F238E27FC236}">
-                <a16:creationId xmlns:a16="http://schemas.microsoft.com/office/drawing/2014/main" xmlns="" id="{8978232E-0577-4FB1-9D9A-7A417CBDD9B3}"/>
-              </a:ext>
-            </a:extLst>
-          </p:cNvPr>
-          <p:cNvPicPr>
-            <a:picLocks noChangeAspect="1" noChangeArrowheads="1"/>
-          </p:cNvPicPr>
-          <p:nvPr/>
-        </p:nvPicPr>
-        <p:blipFill rotWithShape="1">
-          <a:blip r:embed="rId3" cstate="print">
-            <a:extLst>
-              <a:ext uri="{28A0092B-C50C-407E-A947-70E740481C1C}">
-                <a14:useLocalDpi xmlns:a14="http://schemas.microsoft.com/office/drawing/2010/main" xmlns="" val="0"/>
-              </a:ext>
-            </a:extLst>
-          </a:blip>
-          <a:srcRect l="26132" r="30905" b="1"/>
-          <a:stretch/>
-        </p:blipFill>
-        <p:spPr bwMode="auto">
-          <a:xfrm>
-            <a:off x="8968576" y="1428037"/>
-            <a:ext cx="3223424" cy="4220264"/>
-          </a:xfrm>
-          <a:prstGeom prst="rect">
-            <a:avLst/>
-          </a:prstGeom>
-          <a:noFill/>
-          <a:extLst>
-            <a:ext uri="{909E8E84-426E-40DD-AFC4-6F175D3DCCD1}">
-              <a14:hiddenFill xmlns:a14="http://schemas.microsoft.com/office/drawing/2010/main" xmlns="">
-                <a:solidFill>
-                  <a:srgbClr val="FFFFFF"/>
-                </a:solidFill>
-              </a14:hiddenFill>
-            </a:ext>
-          </a:extLst>
-        </p:spPr>
-      </p:pic>
     </p:spTree>
-    <p:extLst>
-      <p:ext uri="{BB962C8B-B14F-4D97-AF65-F5344CB8AC3E}">
-        <p14:creationId xmlns:p14="http://schemas.microsoft.com/office/powerpoint/2010/main" xmlns="" val="3272309628"/>
-      </p:ext>
-    </p:extLst>
   </p:cSld>
   <p:clrMapOvr>
     <a:masterClrMapping/>
   </p:clrMapOvr>
+  <p:timing>
+    <p:tnLst>
+      <p:par>
+        <p:cTn id="1" dur="indefinite" restart="never" nodeType="tmRoot"/>
+      </p:par>
+    </p:tnLst>
+  </p:timing>
 </p:sld>
 </file>
 
@@ -8660,12 +8753,176 @@
       </p:grpSpPr>
       <p:sp>
         <p:nvSpPr>
-          <p:cNvPr id="2" name="Title 1"/>
+          <p:cNvPr id="2" name="Title 1">
+            <a:extLst>
+              <a:ext uri="{FF2B5EF4-FFF2-40B4-BE49-F238E27FC236}">
+                <a16:creationId xmlns="" xmlns:a16="http://schemas.microsoft.com/office/drawing/2014/main" id="{51E935BB-DDE4-429A-8AA8-6CA219F8E6F2}"/>
+              </a:ext>
+            </a:extLst>
+          </p:cNvPr>
           <p:cNvSpPr>
             <a:spLocks noGrp="1"/>
           </p:cNvSpPr>
           <p:nvPr>
-            <p:ph type="title"/>
+            <p:ph type="ctrTitle"/>
+          </p:nvPr>
+        </p:nvSpPr>
+        <p:spPr>
+          <a:xfrm>
+            <a:off x="3716421" y="1433094"/>
+            <a:ext cx="4720681" cy="2792239"/>
+          </a:xfrm>
+        </p:spPr>
+        <p:txBody>
+          <a:bodyPr anchor="b">
+            <a:normAutofit/>
+          </a:bodyPr>
+          <a:lstStyle/>
+          <a:p>
+            <a:r>
+              <a:rPr lang="en-AU" sz="4400" b="1" dirty="0" smtClean="0"/>
+              <a:t>Overview Victoria Crimes &amp; Family Incidents</a:t>
+            </a:r>
+          </a:p>
+        </p:txBody>
+      </p:sp>
+      <p:sp>
+        <p:nvSpPr>
+          <p:cNvPr id="3" name="Subtitle 2">
+            <a:extLst>
+              <a:ext uri="{FF2B5EF4-FFF2-40B4-BE49-F238E27FC236}">
+                <a16:creationId xmlns="" xmlns:a16="http://schemas.microsoft.com/office/drawing/2014/main" id="{2FB96A9D-2972-44C3-A420-67F66A13B236}"/>
+              </a:ext>
+            </a:extLst>
+          </p:cNvPr>
+          <p:cNvSpPr>
+            <a:spLocks noGrp="1"/>
+          </p:cNvSpPr>
+          <p:nvPr>
+            <p:ph type="subTitle" idx="1"/>
+          </p:nvPr>
+        </p:nvSpPr>
+        <p:spPr>
+          <a:xfrm>
+            <a:off x="3815046" y="4392215"/>
+            <a:ext cx="4638612" cy="849149"/>
+          </a:xfrm>
+        </p:spPr>
+        <p:txBody>
+          <a:bodyPr anchor="t">
+            <a:noAutofit/>
+          </a:bodyPr>
+          <a:lstStyle/>
+          <a:p>
+            <a:endParaRPr lang="en-AU" sz="1200" b="1" dirty="0" smtClean="0"/>
+          </a:p>
+          <a:p>
+            <a:r>
+              <a:rPr lang="en-AU" sz="1200" dirty="0" smtClean="0"/>
+              <a:t>From September 2012 to September 2021</a:t>
+            </a:r>
+            <a:endParaRPr lang="en-AU" sz="1200" dirty="0"/>
+          </a:p>
+        </p:txBody>
+      </p:sp>
+      <p:pic>
+        <p:nvPicPr>
+          <p:cNvPr id="7" name="Picture 2" descr="Image result for nightimepic of victoria australia">
+            <a:extLst>
+              <a:ext uri="{FF2B5EF4-FFF2-40B4-BE49-F238E27FC236}">
+                <a16:creationId xmlns="" xmlns:a16="http://schemas.microsoft.com/office/drawing/2014/main" id="{07E1A4A3-CD91-44FC-87E7-5565C6373211}"/>
+              </a:ext>
+            </a:extLst>
+          </p:cNvPr>
+          <p:cNvPicPr>
+            <a:picLocks noChangeAspect="1" noChangeArrowheads="1"/>
+          </p:cNvPicPr>
+          <p:nvPr/>
+        </p:nvPicPr>
+        <p:blipFill rotWithShape="1">
+          <a:blip r:embed="rId2" cstate="print">
+            <a:extLst>
+              <a:ext uri="{28A0092B-C50C-407E-A947-70E740481C1C}">
+                <a14:useLocalDpi xmlns="" xmlns:a14="http://schemas.microsoft.com/office/drawing/2010/main" val="0"/>
+              </a:ext>
+            </a:extLst>
+          </a:blip>
+          <a:srcRect l="21166" r="27916" b="2"/>
+          <a:stretch/>
+        </p:blipFill>
+        <p:spPr bwMode="auto">
+          <a:xfrm>
+            <a:off x="6694" y="1374028"/>
+            <a:ext cx="3223404" cy="4220264"/>
+          </a:xfrm>
+          <a:prstGeom prst="rect">
+            <a:avLst/>
+          </a:prstGeom>
+          <a:noFill/>
+          <a:extLst>
+            <a:ext uri="{909E8E84-426E-40DD-AFC4-6F175D3DCCD1}">
+              <a14:hiddenFill xmlns="" xmlns:a14="http://schemas.microsoft.com/office/drawing/2010/main">
+                <a:solidFill>
+                  <a:srgbClr val="FFFFFF"/>
+                </a:solidFill>
+              </a14:hiddenFill>
+            </a:ext>
+          </a:extLst>
+        </p:spPr>
+      </p:pic>
+      <p:pic>
+        <p:nvPicPr>
+          <p:cNvPr id="6" name="Picture 4" descr="See the source image">
+            <a:extLst>
+              <a:ext uri="{FF2B5EF4-FFF2-40B4-BE49-F238E27FC236}">
+                <a16:creationId xmlns="" xmlns:a16="http://schemas.microsoft.com/office/drawing/2014/main" id="{8978232E-0577-4FB1-9D9A-7A417CBDD9B3}"/>
+              </a:ext>
+            </a:extLst>
+          </p:cNvPr>
+          <p:cNvPicPr>
+            <a:picLocks noChangeAspect="1" noChangeArrowheads="1"/>
+          </p:cNvPicPr>
+          <p:nvPr/>
+        </p:nvPicPr>
+        <p:blipFill rotWithShape="1">
+          <a:blip r:embed="rId3" cstate="print">
+            <a:extLst>
+              <a:ext uri="{28A0092B-C50C-407E-A947-70E740481C1C}">
+                <a14:useLocalDpi xmlns="" xmlns:a14="http://schemas.microsoft.com/office/drawing/2010/main" val="0"/>
+              </a:ext>
+            </a:extLst>
+          </a:blip>
+          <a:srcRect l="26132" r="30905" b="1"/>
+          <a:stretch/>
+        </p:blipFill>
+        <p:spPr bwMode="auto">
+          <a:xfrm>
+            <a:off x="8968576" y="1428037"/>
+            <a:ext cx="3223424" cy="4220264"/>
+          </a:xfrm>
+          <a:prstGeom prst="rect">
+            <a:avLst/>
+          </a:prstGeom>
+          <a:noFill/>
+          <a:extLst>
+            <a:ext uri="{909E8E84-426E-40DD-AFC4-6F175D3DCCD1}">
+              <a14:hiddenFill xmlns="" xmlns:a14="http://schemas.microsoft.com/office/drawing/2010/main">
+                <a:solidFill>
+                  <a:srgbClr val="FFFFFF"/>
+                </a:solidFill>
+              </a14:hiddenFill>
+            </a:ext>
+          </a:extLst>
+        </p:spPr>
+      </p:pic>
+      <p:sp>
+        <p:nvSpPr>
+          <p:cNvPr id="8" name="Slide Number Placeholder 7"/>
+          <p:cNvSpPr>
+            <a:spLocks noGrp="1"/>
+          </p:cNvSpPr>
+          <p:nvPr>
+            <p:ph type="sldNum" sz="quarter" idx="12"/>
           </p:nvPr>
         </p:nvSpPr>
         <p:spPr/>
@@ -8673,124 +8930,32 @@
           <a:bodyPr/>
           <a:lstStyle/>
           <a:p>
-            <a:r>
-              <a:rPr lang="en-AU" dirty="0" smtClean="0"/>
-              <a:t>Table of Contents</a:t>
-            </a:r>
-            <a:endParaRPr lang="en-US" dirty="0"/>
-          </a:p>
-        </p:txBody>
-      </p:sp>
-      <p:sp>
-        <p:nvSpPr>
-          <p:cNvPr id="3" name="Content Placeholder 2"/>
-          <p:cNvSpPr>
-            <a:spLocks noGrp="1"/>
-          </p:cNvSpPr>
-          <p:nvPr>
-            <p:ph idx="1"/>
-          </p:nvPr>
-        </p:nvSpPr>
-        <p:spPr>
-          <a:xfrm>
-            <a:off x="1069848" y="1874520"/>
-            <a:ext cx="9634011" cy="3873901"/>
-          </a:xfrm>
-        </p:spPr>
-        <p:txBody>
-          <a:bodyPr/>
-          <a:lstStyle/>
-          <a:p>
-            <a:pPr marL="457200" indent="-457200">
-              <a:buFont typeface="+mj-lt"/>
-              <a:buAutoNum type="arabicPeriod"/>
-            </a:pPr>
-            <a:r>
-              <a:rPr lang="en-AU" dirty="0" smtClean="0">
-                <a:solidFill>
-                  <a:schemeClr val="bg1">
-                    <a:lumMod val="65000"/>
-                  </a:schemeClr>
-                </a:solidFill>
-              </a:rPr>
-              <a:t>Introduction &amp; Objectives</a:t>
-            </a:r>
-          </a:p>
-          <a:p>
-            <a:pPr marL="457200" indent="-457200">
-              <a:buFont typeface="+mj-lt"/>
-              <a:buAutoNum type="arabicPeriod"/>
-            </a:pPr>
-            <a:r>
-              <a:rPr lang="en-AU" dirty="0" smtClean="0"/>
-              <a:t>Overview Victoria Crimes from September 2012 to 2021 (Anh)</a:t>
-            </a:r>
-          </a:p>
-          <a:p>
-            <a:pPr marL="457200" indent="-457200">
-              <a:buFont typeface="+mj-lt"/>
-              <a:buAutoNum type="arabicPeriod"/>
-            </a:pPr>
-            <a:r>
-              <a:rPr lang="en-AU" dirty="0" smtClean="0">
-                <a:solidFill>
-                  <a:schemeClr val="bg1">
-                    <a:lumMod val="65000"/>
-                  </a:schemeClr>
-                </a:solidFill>
-              </a:rPr>
-              <a:t>Criminal Incidents, Recorded Offences (Antoinette)</a:t>
-            </a:r>
-          </a:p>
-          <a:p>
-            <a:pPr marL="457200" indent="-457200">
-              <a:buFont typeface="+mj-lt"/>
-              <a:buAutoNum type="arabicPeriod"/>
-            </a:pPr>
-            <a:r>
-              <a:rPr lang="en-AU" dirty="0" smtClean="0">
-                <a:solidFill>
-                  <a:schemeClr val="bg1">
-                    <a:lumMod val="65000"/>
-                  </a:schemeClr>
-                </a:solidFill>
-              </a:rPr>
-              <a:t>Family Incidents (Jacqueline)</a:t>
-            </a:r>
-          </a:p>
-          <a:p>
-            <a:pPr marL="457200" indent="-457200">
-              <a:buFont typeface="+mj-lt"/>
-              <a:buAutoNum type="arabicPeriod"/>
-            </a:pPr>
-            <a:r>
-              <a:rPr lang="en-AU" dirty="0" smtClean="0">
-                <a:solidFill>
-                  <a:schemeClr val="bg1">
-                    <a:lumMod val="65000"/>
-                  </a:schemeClr>
-                </a:solidFill>
-              </a:rPr>
-              <a:t>Crime status &amp; Police Service Areas (Kelvin)</a:t>
-            </a:r>
-          </a:p>
-          <a:p>
-            <a:pPr marL="457200" indent="-457200">
-              <a:buFont typeface="+mj-lt"/>
-              <a:buAutoNum type="arabicPeriod"/>
-            </a:pPr>
-            <a:endParaRPr lang="en-AU" dirty="0" smtClean="0"/>
-          </a:p>
-          <a:p>
-            <a:endParaRPr lang="en-US" dirty="0"/>
+            <a:fld id="{4C8B8A27-DF03-4546-BA93-21C967D57E5C}" type="slidenum">
+              <a:rPr lang="en-US" smtClean="0"/>
+              <a:pPr/>
+              <a:t>2</a:t>
+            </a:fld>
+            <a:endParaRPr lang="en-US"/>
           </a:p>
         </p:txBody>
       </p:sp>
     </p:spTree>
+    <p:extLst>
+      <p:ext uri="{BB962C8B-B14F-4D97-AF65-F5344CB8AC3E}">
+        <p14:creationId xmlns="" xmlns:p14="http://schemas.microsoft.com/office/powerpoint/2010/main" val="3272309628"/>
+      </p:ext>
+    </p:extLst>
   </p:cSld>
   <p:clrMapOvr>
     <a:masterClrMapping/>
   </p:clrMapOvr>
+  <p:timing>
+    <p:tnLst>
+      <p:par>
+        <p:cTn id="1" dur="indefinite" restart="never" nodeType="tmRoot"/>
+      </p:par>
+    </p:tnLst>
+  </p:timing>
 </p:sld>
 </file>
 
@@ -8816,7 +8981,7 @@
           <p:cNvPr id="2" name="Title 1">
             <a:extLst>
               <a:ext uri="{FF2B5EF4-FFF2-40B4-BE49-F238E27FC236}">
-                <a16:creationId xmlns:a16="http://schemas.microsoft.com/office/drawing/2014/main" xmlns="" id="{A4F9A5E3-95C5-4F3E-80A5-1BD7B12920D3}"/>
+                <a16:creationId xmlns="" xmlns:a16="http://schemas.microsoft.com/office/drawing/2014/main" id="{A4F9A5E3-95C5-4F3E-80A5-1BD7B12920D3}"/>
               </a:ext>
             </a:extLst>
           </p:cNvPr>
@@ -8829,199 +8994,170 @@
         </p:nvSpPr>
         <p:spPr>
           <a:xfrm>
-            <a:off x="1112628" y="85558"/>
-            <a:ext cx="9634011" cy="1090596"/>
+            <a:off x="128003" y="0"/>
+            <a:ext cx="11908589" cy="1090596"/>
           </a:xfrm>
         </p:spPr>
         <p:txBody>
-          <a:bodyPr/>
+          <a:bodyPr>
+            <a:normAutofit/>
+          </a:bodyPr>
           <a:lstStyle/>
           <a:p>
-            <a:r>
-              <a:rPr lang="en-AU" dirty="0" smtClean="0"/>
-              <a:t>Terminology</a:t>
-            </a:r>
-            <a:endParaRPr lang="en-AU" dirty="0"/>
+            <a:pPr algn="ctr"/>
+            <a:r>
+              <a:rPr lang="en-AU" sz="3200" dirty="0" smtClean="0"/>
+              <a:t>Criminal Incidents, Recorded Offences and Alleged Offenders</a:t>
+            </a:r>
+            <a:endParaRPr lang="en-AU" sz="3200" dirty="0"/>
+          </a:p>
+        </p:txBody>
+      </p:sp>
+      <p:pic>
+        <p:nvPicPr>
+          <p:cNvPr id="3075" name="Picture 3"/>
+          <p:cNvPicPr>
+            <a:picLocks noChangeAspect="1" noChangeArrowheads="1"/>
+          </p:cNvPicPr>
+          <p:nvPr/>
+        </p:nvPicPr>
+        <p:blipFill>
+          <a:blip r:embed="rId2" cstate="print"/>
+          <a:srcRect/>
+          <a:stretch>
+            <a:fillRect/>
+          </a:stretch>
+        </p:blipFill>
+        <p:spPr bwMode="auto">
+          <a:xfrm>
+            <a:off x="4455515" y="2355850"/>
+            <a:ext cx="7620233" cy="4146551"/>
+          </a:xfrm>
+          <a:prstGeom prst="rect">
+            <a:avLst/>
+          </a:prstGeom>
+          <a:noFill/>
+          <a:ln w="9525">
+            <a:noFill/>
+            <a:miter lim="800000"/>
+            <a:headEnd/>
+            <a:tailEnd/>
+          </a:ln>
+        </p:spPr>
+      </p:pic>
+      <p:sp>
+        <p:nvSpPr>
+          <p:cNvPr id="15" name="TextBox 14"/>
+          <p:cNvSpPr txBox="1"/>
+          <p:nvPr/>
+        </p:nvSpPr>
+        <p:spPr>
+          <a:xfrm>
+            <a:off x="222250" y="965113"/>
+            <a:ext cx="5219700" cy="1554272"/>
+          </a:xfrm>
+          <a:prstGeom prst="rect">
+            <a:avLst/>
+          </a:prstGeom>
+          <a:noFill/>
+        </p:spPr>
+        <p:txBody>
+          <a:bodyPr wrap="square" rtlCol="0">
+            <a:spAutoFit/>
+          </a:bodyPr>
+          <a:lstStyle/>
+          <a:p>
+            <a:r>
+              <a:rPr lang="en-AU" sz="2400" b="1" dirty="0" smtClean="0"/>
+              <a:t>Kernel Density Estimation (KDE)</a:t>
+            </a:r>
+          </a:p>
+          <a:p>
+            <a:endParaRPr lang="en-AU" sz="1100" dirty="0" smtClean="0"/>
+          </a:p>
+          <a:p>
+            <a:r>
+              <a:rPr lang="en-US" sz="1200" dirty="0" smtClean="0"/>
+              <a:t>In statistics, Kernel Density Estimation (KDE) is a non-parametric way to estimate the Probability Density Function (PDF) of a random variable. </a:t>
+            </a:r>
+          </a:p>
+          <a:p>
+            <a:endParaRPr lang="en-AU" sz="1200" dirty="0" smtClean="0"/>
+          </a:p>
+          <a:p>
+            <a:r>
+              <a:rPr lang="en-US" sz="1200" dirty="0" smtClean="0"/>
+              <a:t>The graphs uses Gaussian kernels with automatic bandwidth determination based on “</a:t>
+            </a:r>
+            <a:r>
+              <a:rPr lang="en-US" sz="1200" dirty="0" err="1" smtClean="0"/>
+              <a:t>scotts_factor</a:t>
+            </a:r>
+            <a:r>
+              <a:rPr lang="en-US" sz="1200" dirty="0" smtClean="0"/>
+              <a:t>” formula: </a:t>
+            </a:r>
+            <a:r>
+              <a:rPr lang="en-US" sz="1200" i="1" dirty="0" smtClean="0"/>
+              <a:t>n</a:t>
+            </a:r>
+            <a:r>
+              <a:rPr lang="en-US" sz="1200" b="1" i="1" dirty="0" smtClean="0"/>
+              <a:t>**(-1./(</a:t>
+            </a:r>
+            <a:r>
+              <a:rPr lang="en-US" sz="1200" i="1" dirty="0" smtClean="0"/>
+              <a:t>d</a:t>
+            </a:r>
+            <a:r>
+              <a:rPr lang="en-US" sz="1200" b="1" i="1" dirty="0" smtClean="0"/>
+              <a:t>+4))</a:t>
+            </a:r>
+            <a:endParaRPr lang="en-US" sz="1200" i="1" dirty="0"/>
           </a:p>
         </p:txBody>
       </p:sp>
       <p:sp>
         <p:nvSpPr>
-          <p:cNvPr id="4" name="Rectangle 3"/>
-          <p:cNvSpPr/>
-          <p:nvPr/>
+          <p:cNvPr id="9" name="Slide Number Placeholder 8"/>
+          <p:cNvSpPr>
+            <a:spLocks noGrp="1"/>
+          </p:cNvSpPr>
+          <p:nvPr>
+            <p:ph type="sldNum" sz="quarter" idx="12"/>
+          </p:nvPr>
         </p:nvSpPr>
-        <p:spPr>
-          <a:xfrm>
-            <a:off x="1229895" y="2470294"/>
-            <a:ext cx="9988884" cy="1015663"/>
-          </a:xfrm>
-          <a:prstGeom prst="rect">
-            <a:avLst/>
-          </a:prstGeom>
-        </p:spPr>
+        <p:spPr/>
         <p:txBody>
-          <a:bodyPr wrap="square">
-            <a:spAutoFit/>
-          </a:bodyPr>
+          <a:bodyPr/>
           <a:lstStyle/>
           <a:p>
-            <a:r>
-              <a:rPr lang="en-US" b="1" dirty="0" smtClean="0"/>
-              <a:t>Alleged offender incident</a:t>
-            </a:r>
-          </a:p>
-          <a:p>
-            <a:endParaRPr lang="en-US" sz="1000" b="1" dirty="0" smtClean="0"/>
-          </a:p>
-          <a:p>
-            <a:r>
-              <a:rPr lang="en-US" sz="1600" dirty="0" smtClean="0"/>
-              <a:t>An alleged offender incident is an incident involving one or more offences to which an individual, business or </a:t>
-            </a:r>
-            <a:r>
-              <a:rPr lang="en-US" sz="1600" dirty="0" err="1" smtClean="0"/>
-              <a:t>organisation</a:t>
-            </a:r>
-            <a:r>
-              <a:rPr lang="en-US" sz="1600" dirty="0" smtClean="0"/>
-              <a:t> has been linked as an alleged offender.</a:t>
-            </a:r>
-            <a:endParaRPr lang="en-US" sz="1600" dirty="0"/>
-          </a:p>
-        </p:txBody>
-      </p:sp>
-      <p:sp>
-        <p:nvSpPr>
-          <p:cNvPr id="6" name="Rectangle 5"/>
-          <p:cNvSpPr/>
-          <p:nvPr/>
-        </p:nvSpPr>
-        <p:spPr>
-          <a:xfrm>
-            <a:off x="1235241" y="1283709"/>
-            <a:ext cx="9972843" cy="1015663"/>
-          </a:xfrm>
-          <a:prstGeom prst="rect">
-            <a:avLst/>
-          </a:prstGeom>
-        </p:spPr>
-        <p:txBody>
-          <a:bodyPr wrap="square">
-            <a:spAutoFit/>
-          </a:bodyPr>
-          <a:lstStyle/>
-          <a:p>
-            <a:r>
-              <a:rPr lang="en-US" b="1" dirty="0" smtClean="0"/>
-              <a:t>Criminal incident</a:t>
-            </a:r>
-          </a:p>
-          <a:p>
-            <a:endParaRPr lang="en-US" sz="1000" b="1" dirty="0" smtClean="0"/>
-          </a:p>
-          <a:p>
-            <a:r>
-              <a:rPr lang="en-US" sz="1600" dirty="0" smtClean="0"/>
-              <a:t>A criminal event that may include multiple offences, alleged offenders and/or victims, is recorded on a single date and as occurring at one location.</a:t>
-            </a:r>
-            <a:endParaRPr lang="en-US" sz="1600" dirty="0"/>
-          </a:p>
-        </p:txBody>
-      </p:sp>
-      <p:sp>
-        <p:nvSpPr>
-          <p:cNvPr id="8" name="Rectangle 7"/>
-          <p:cNvSpPr/>
-          <p:nvPr/>
-        </p:nvSpPr>
-        <p:spPr>
-          <a:xfrm>
-            <a:off x="1213853" y="4863229"/>
-            <a:ext cx="9994232" cy="1292662"/>
-          </a:xfrm>
-          <a:prstGeom prst="rect">
-            <a:avLst/>
-          </a:prstGeom>
-        </p:spPr>
-        <p:txBody>
-          <a:bodyPr wrap="square">
-            <a:spAutoFit/>
-          </a:bodyPr>
-          <a:lstStyle/>
-          <a:p>
-            <a:r>
-              <a:rPr lang="en-US" b="1" dirty="0" smtClean="0"/>
-              <a:t>Family incident</a:t>
-            </a:r>
-          </a:p>
-          <a:p>
-            <a:endParaRPr lang="en-US" sz="1000" b="1" dirty="0" smtClean="0"/>
-          </a:p>
-          <a:p>
-            <a:r>
-              <a:rPr lang="en-US" sz="1600" dirty="0" smtClean="0"/>
-              <a:t>An incident attended by Victoria Police where a Risk Assessment and Risk Management Report (also known as an L17 form) was completed. The report is completed when family violence incidents, interfamilial-related sexual offences, and child abuse are reported to police.</a:t>
-            </a:r>
-          </a:p>
-        </p:txBody>
-      </p:sp>
-      <p:sp>
-        <p:nvSpPr>
-          <p:cNvPr id="9" name="Rectangle 8"/>
-          <p:cNvSpPr/>
-          <p:nvPr/>
-        </p:nvSpPr>
-        <p:spPr>
-          <a:xfrm>
-            <a:off x="1208437" y="3673452"/>
-            <a:ext cx="10026386" cy="1015663"/>
-          </a:xfrm>
-          <a:prstGeom prst="rect">
-            <a:avLst/>
-          </a:prstGeom>
-        </p:spPr>
-        <p:txBody>
-          <a:bodyPr wrap="square">
-            <a:spAutoFit/>
-          </a:bodyPr>
-          <a:lstStyle/>
-          <a:p>
-            <a:r>
-              <a:rPr lang="en-US" b="1" dirty="0" smtClean="0"/>
-              <a:t>Victim report</a:t>
-            </a:r>
-          </a:p>
-          <a:p>
-            <a:endParaRPr lang="en-US" sz="1000" b="1" dirty="0" smtClean="0"/>
-          </a:p>
-          <a:p>
-            <a:r>
-              <a:rPr lang="en-US" sz="1600" dirty="0" smtClean="0"/>
-              <a:t>A victim report is counted when an individual, business or </a:t>
-            </a:r>
-            <a:r>
-              <a:rPr lang="en-US" sz="1600" dirty="0" err="1" smtClean="0"/>
-              <a:t>organisation</a:t>
-            </a:r>
-            <a:r>
-              <a:rPr lang="en-US" sz="1600" dirty="0" smtClean="0"/>
-              <a:t> reports to Victoria Police that they have been a victim of one or more criminal offences.</a:t>
-            </a:r>
-            <a:endParaRPr lang="en-US" sz="1600" dirty="0"/>
+            <a:fld id="{4C8B8A27-DF03-4546-BA93-21C967D57E5C}" type="slidenum">
+              <a:rPr lang="en-US" smtClean="0"/>
+              <a:pPr/>
+              <a:t>3</a:t>
+            </a:fld>
+            <a:endParaRPr lang="en-US" dirty="0"/>
           </a:p>
         </p:txBody>
       </p:sp>
     </p:spTree>
     <p:extLst>
       <p:ext uri="{BB962C8B-B14F-4D97-AF65-F5344CB8AC3E}">
-        <p14:creationId xmlns:p14="http://schemas.microsoft.com/office/powerpoint/2010/main" xmlns="" val="4047589959"/>
+        <p14:creationId xmlns="" xmlns:p14="http://schemas.microsoft.com/office/powerpoint/2010/main" val="4047589959"/>
       </p:ext>
     </p:extLst>
   </p:cSld>
   <p:clrMapOvr>
     <a:masterClrMapping/>
   </p:clrMapOvr>
+  <p:timing>
+    <p:tnLst>
+      <p:par>
+        <p:cTn id="1" dur="indefinite" restart="never" nodeType="tmRoot"/>
+      </p:par>
+    </p:tnLst>
+  </p:timing>
 </p:sld>
 </file>
 
@@ -9047,7 +9183,7 @@
           <p:cNvPr id="2" name="Title 1">
             <a:extLst>
               <a:ext uri="{FF2B5EF4-FFF2-40B4-BE49-F238E27FC236}">
-                <a16:creationId xmlns:a16="http://schemas.microsoft.com/office/drawing/2014/main" xmlns="" id="{A4F9A5E3-95C5-4F3E-80A5-1BD7B12920D3}"/>
+                <a16:creationId xmlns="" xmlns:a16="http://schemas.microsoft.com/office/drawing/2014/main" id="{A4F9A5E3-95C5-4F3E-80A5-1BD7B12920D3}"/>
               </a:ext>
             </a:extLst>
           </p:cNvPr>
@@ -9060,8 +9196,8 @@
         </p:nvSpPr>
         <p:spPr>
           <a:xfrm>
-            <a:off x="689811" y="192774"/>
-            <a:ext cx="10019396" cy="1090596"/>
+            <a:off x="96203" y="0"/>
+            <a:ext cx="11937048" cy="1090596"/>
           </a:xfrm>
         </p:spPr>
         <p:txBody>
@@ -9073,7 +9209,7 @@
             <a:pPr algn="ctr"/>
             <a:r>
               <a:rPr lang="en-AU" sz="3200" dirty="0" smtClean="0"/>
-              <a:t>Victoria Crime Data Maps</a:t>
+              <a:t>Criminal Incidents, Recorded Offences and Alleged Offenders</a:t>
             </a:r>
             <a:endParaRPr lang="en-AU" sz="3200" dirty="0"/>
           </a:p>
@@ -9081,7 +9217,7 @@
       </p:sp>
       <p:pic>
         <p:nvPicPr>
-          <p:cNvPr id="1032" name="Picture 8"/>
+          <p:cNvPr id="1026" name="Picture 2"/>
           <p:cNvPicPr>
             <a:picLocks noChangeAspect="1" noChangeArrowheads="1"/>
           </p:cNvPicPr>
@@ -9096,8 +9232,8 @@
         </p:blipFill>
         <p:spPr bwMode="auto">
           <a:xfrm>
-            <a:off x="6232967" y="2860841"/>
-            <a:ext cx="5271562" cy="3181685"/>
+            <a:off x="101600" y="1245937"/>
+            <a:ext cx="7738111" cy="4481763"/>
           </a:xfrm>
           <a:prstGeom prst="rect">
             <a:avLst/>
@@ -9111,134 +9247,966 @@
           </a:ln>
         </p:spPr>
       </p:pic>
+      <p:graphicFrame>
+        <p:nvGraphicFramePr>
+          <p:cNvPr id="10" name="Table 9"/>
+          <p:cNvGraphicFramePr>
+            <a:graphicFrameLocks noGrp="1"/>
+          </p:cNvGraphicFramePr>
+          <p:nvPr/>
+        </p:nvGraphicFramePr>
+        <p:xfrm>
+          <a:off x="7797800" y="1491432"/>
+          <a:ext cx="4216400" cy="4464866"/>
+        </p:xfrm>
+        <a:graphic>
+          <a:graphicData uri="http://schemas.openxmlformats.org/drawingml/2006/table">
+            <a:tbl>
+              <a:tblPr firstRow="1">
+                <a:tableStyleId>{5C22544A-7EE6-4342-B048-85BDC9FD1C3A}</a:tableStyleId>
+              </a:tblPr>
+              <a:tblGrid>
+                <a:gridCol w="774701"/>
+                <a:gridCol w="812800"/>
+                <a:gridCol w="850900"/>
+                <a:gridCol w="863600"/>
+                <a:gridCol w="914399"/>
+              </a:tblGrid>
+              <a:tr h="654590">
+                <a:tc>
+                  <a:txBody>
+                    <a:bodyPr/>
+                    <a:lstStyle/>
+                    <a:p>
+                      <a:pPr marL="0" marR="0" indent="0" algn="ctr" defTabSz="914400" rtl="0" eaLnBrk="1" fontAlgn="auto" latinLnBrk="0" hangingPunct="1">
+                        <a:lnSpc>
+                          <a:spcPct val="100000"/>
+                        </a:lnSpc>
+                        <a:spcBef>
+                          <a:spcPts val="0"/>
+                        </a:spcBef>
+                        <a:spcAft>
+                          <a:spcPts val="0"/>
+                        </a:spcAft>
+                        <a:buClrTx/>
+                        <a:buSzTx/>
+                        <a:buFontTx/>
+                        <a:buNone/>
+                        <a:tabLst/>
+                        <a:defRPr/>
+                      </a:pPr>
+                      <a:r>
+                        <a:rPr lang="en-US" sz="1100" dirty="0" smtClean="0"/>
+                        <a:t>Year</a:t>
+                      </a:r>
+                      <a:endParaRPr lang="en-US" sz="1100" b="1" dirty="0" smtClean="0"/>
+                    </a:p>
+                  </a:txBody>
+                  <a:tcPr anchor="ctr"/>
+                </a:tc>
+                <a:tc>
+                  <a:txBody>
+                    <a:bodyPr/>
+                    <a:lstStyle/>
+                    <a:p>
+                      <a:pPr algn="r" fontAlgn="ctr"/>
+                      <a:r>
+                        <a:rPr lang="en-US" sz="1100" dirty="0" smtClean="0"/>
+                        <a:t>Criminal </a:t>
+                      </a:r>
+                      <a:r>
+                        <a:rPr lang="en-US" sz="1100" dirty="0"/>
+                        <a:t>Incidents</a:t>
+                      </a:r>
+                      <a:endParaRPr lang="en-US" sz="1100" b="1" dirty="0"/>
+                    </a:p>
+                  </a:txBody>
+                  <a:tcPr anchor="ctr"/>
+                </a:tc>
+                <a:tc>
+                  <a:txBody>
+                    <a:bodyPr/>
+                    <a:lstStyle/>
+                    <a:p>
+                      <a:pPr algn="r" fontAlgn="ctr"/>
+                      <a:r>
+                        <a:rPr lang="en-US" sz="1100" dirty="0"/>
+                        <a:t>Recorded Offences</a:t>
+                      </a:r>
+                      <a:endParaRPr lang="en-US" sz="1100" b="1" dirty="0"/>
+                    </a:p>
+                  </a:txBody>
+                  <a:tcPr anchor="ctr"/>
+                </a:tc>
+                <a:tc>
+                  <a:txBody>
+                    <a:bodyPr/>
+                    <a:lstStyle/>
+                    <a:p>
+                      <a:pPr algn="r" fontAlgn="ctr"/>
+                      <a:r>
+                        <a:rPr lang="en-US" sz="1100" dirty="0"/>
+                        <a:t>Alleged Offenders</a:t>
+                      </a:r>
+                      <a:endParaRPr lang="en-US" sz="1100" b="1" dirty="0"/>
+                    </a:p>
+                  </a:txBody>
+                  <a:tcPr anchor="ctr"/>
+                </a:tc>
+                <a:tc>
+                  <a:txBody>
+                    <a:bodyPr/>
+                    <a:lstStyle/>
+                    <a:p>
+                      <a:pPr algn="r" fontAlgn="ctr"/>
+                      <a:r>
+                        <a:rPr lang="en-US" sz="1100" dirty="0"/>
+                        <a:t>Population</a:t>
+                      </a:r>
+                      <a:endParaRPr lang="en-US" sz="1100" b="1" dirty="0"/>
+                    </a:p>
+                  </a:txBody>
+                  <a:tcPr anchor="ctr"/>
+                </a:tc>
+              </a:tr>
+              <a:tr h="250940">
+                <a:tc>
+                  <a:txBody>
+                    <a:bodyPr/>
+                    <a:lstStyle/>
+                    <a:p>
+                      <a:pPr algn="ctr" fontAlgn="ctr"/>
+                      <a:r>
+                        <a:rPr lang="en-US" sz="1000" dirty="0"/>
+                        <a:t>2012</a:t>
+                      </a:r>
+                      <a:endParaRPr lang="en-US" sz="1000" b="1" dirty="0"/>
+                    </a:p>
+                  </a:txBody>
+                  <a:tcPr anchor="ctr"/>
+                </a:tc>
+                <a:tc>
+                  <a:txBody>
+                    <a:bodyPr/>
+                    <a:lstStyle/>
+                    <a:p>
+                      <a:pPr algn="r" fontAlgn="ctr"/>
+                      <a:r>
+                        <a:rPr lang="en-US" sz="1000" dirty="0" smtClean="0"/>
+                        <a:t>(Baseline)</a:t>
+                      </a:r>
+                      <a:endParaRPr lang="en-US" sz="1000" dirty="0"/>
+                    </a:p>
+                  </a:txBody>
+                  <a:tcPr anchor="ctr"/>
+                </a:tc>
+                <a:tc>
+                  <a:txBody>
+                    <a:bodyPr/>
+                    <a:lstStyle/>
+                    <a:p>
+                      <a:pPr algn="r" fontAlgn="ctr"/>
+                      <a:r>
+                        <a:rPr lang="en-US" sz="1000" dirty="0" smtClean="0"/>
+                        <a:t>(Baseline)</a:t>
+                      </a:r>
+                      <a:endParaRPr lang="en-US" sz="1000" dirty="0"/>
+                    </a:p>
+                  </a:txBody>
+                  <a:tcPr anchor="ctr"/>
+                </a:tc>
+                <a:tc>
+                  <a:txBody>
+                    <a:bodyPr/>
+                    <a:lstStyle/>
+                    <a:p>
+                      <a:pPr algn="r" fontAlgn="ctr"/>
+                      <a:r>
+                        <a:rPr lang="en-US" sz="1000" smtClean="0"/>
+                        <a:t>(Baseline)</a:t>
+                      </a:r>
+                      <a:endParaRPr lang="en-US" sz="1000" dirty="0"/>
+                    </a:p>
+                  </a:txBody>
+                  <a:tcPr anchor="ctr"/>
+                </a:tc>
+                <a:tc>
+                  <a:txBody>
+                    <a:bodyPr/>
+                    <a:lstStyle/>
+                    <a:p>
+                      <a:pPr algn="r" fontAlgn="ctr"/>
+                      <a:r>
+                        <a:rPr lang="en-US" sz="1000" dirty="0" smtClean="0"/>
+                        <a:t>(Baseline)</a:t>
+                      </a:r>
+                      <a:endParaRPr lang="en-US" sz="1000" dirty="0"/>
+                    </a:p>
+                  </a:txBody>
+                  <a:tcPr anchor="ctr"/>
+                </a:tc>
+              </a:tr>
+              <a:tr h="286384">
+                <a:tc>
+                  <a:txBody>
+                    <a:bodyPr/>
+                    <a:lstStyle/>
+                    <a:p>
+                      <a:pPr algn="ctr" fontAlgn="ctr"/>
+                      <a:r>
+                        <a:rPr lang="en-US" sz="1000" dirty="0"/>
+                        <a:t>2013</a:t>
+                      </a:r>
+                      <a:endParaRPr lang="en-US" sz="1000" b="1" dirty="0"/>
+                    </a:p>
+                  </a:txBody>
+                  <a:tcPr anchor="ctr"/>
+                </a:tc>
+                <a:tc>
+                  <a:txBody>
+                    <a:bodyPr/>
+                    <a:lstStyle/>
+                    <a:p>
+                      <a:pPr algn="r" fontAlgn="ctr"/>
+                      <a:r>
+                        <a:rPr lang="en-US" sz="1000" dirty="0"/>
+                        <a:t>0.012099</a:t>
+                      </a:r>
+                    </a:p>
+                  </a:txBody>
+                  <a:tcPr anchor="ctr"/>
+                </a:tc>
+                <a:tc>
+                  <a:txBody>
+                    <a:bodyPr/>
+                    <a:lstStyle/>
+                    <a:p>
+                      <a:pPr algn="r" fontAlgn="ctr"/>
+                      <a:r>
+                        <a:rPr lang="en-US" sz="1000"/>
+                        <a:t>0.054790</a:t>
+                      </a:r>
+                    </a:p>
+                  </a:txBody>
+                  <a:tcPr anchor="ctr"/>
+                </a:tc>
+                <a:tc>
+                  <a:txBody>
+                    <a:bodyPr/>
+                    <a:lstStyle/>
+                    <a:p>
+                      <a:pPr algn="r" fontAlgn="ctr"/>
+                      <a:r>
+                        <a:rPr lang="en-US" sz="1000" dirty="0"/>
+                        <a:t>0.090524</a:t>
+                      </a:r>
+                    </a:p>
+                  </a:txBody>
+                  <a:tcPr anchor="ctr"/>
+                </a:tc>
+                <a:tc>
+                  <a:txBody>
+                    <a:bodyPr/>
+                    <a:lstStyle/>
+                    <a:p>
+                      <a:pPr algn="r" fontAlgn="ctr"/>
+                      <a:r>
+                        <a:rPr lang="en-US" sz="1000" dirty="0"/>
+                        <a:t>0.017587</a:t>
+                      </a:r>
+                    </a:p>
+                  </a:txBody>
+                  <a:tcPr anchor="ctr"/>
+                </a:tc>
+              </a:tr>
+              <a:tr h="409119">
+                <a:tc>
+                  <a:txBody>
+                    <a:bodyPr/>
+                    <a:lstStyle/>
+                    <a:p>
+                      <a:pPr algn="ctr" fontAlgn="ctr"/>
+                      <a:r>
+                        <a:rPr lang="en-US" sz="1000" dirty="0"/>
+                        <a:t>2014</a:t>
+                      </a:r>
+                      <a:endParaRPr lang="en-US" sz="1000" b="1" dirty="0"/>
+                    </a:p>
+                  </a:txBody>
+                  <a:tcPr anchor="ctr"/>
+                </a:tc>
+                <a:tc>
+                  <a:txBody>
+                    <a:bodyPr/>
+                    <a:lstStyle/>
+                    <a:p>
+                      <a:pPr algn="r" fontAlgn="ctr"/>
+                      <a:r>
+                        <a:rPr lang="en-US" sz="1000" dirty="0"/>
+                        <a:t>0.029842</a:t>
+                      </a:r>
+                    </a:p>
+                  </a:txBody>
+                  <a:tcPr anchor="ctr"/>
+                </a:tc>
+                <a:tc>
+                  <a:txBody>
+                    <a:bodyPr/>
+                    <a:lstStyle/>
+                    <a:p>
+                      <a:pPr algn="r" fontAlgn="ctr"/>
+                      <a:r>
+                        <a:rPr lang="en-US" sz="1000" dirty="0"/>
+                        <a:t>0.052259</a:t>
+                      </a:r>
+                    </a:p>
+                  </a:txBody>
+                  <a:tcPr anchor="ctr"/>
+                </a:tc>
+                <a:tc>
+                  <a:txBody>
+                    <a:bodyPr/>
+                    <a:lstStyle/>
+                    <a:p>
+                      <a:pPr algn="r" fontAlgn="ctr"/>
+                      <a:r>
+                        <a:rPr lang="en-US" sz="1000"/>
+                        <a:t>0.040208</a:t>
+                      </a:r>
+                    </a:p>
+                  </a:txBody>
+                  <a:tcPr anchor="ctr"/>
+                </a:tc>
+                <a:tc>
+                  <a:txBody>
+                    <a:bodyPr/>
+                    <a:lstStyle/>
+                    <a:p>
+                      <a:pPr algn="r" fontAlgn="ctr"/>
+                      <a:r>
+                        <a:rPr lang="en-US" sz="1000"/>
+                        <a:t>0.024388</a:t>
+                      </a:r>
+                    </a:p>
+                  </a:txBody>
+                  <a:tcPr anchor="ctr"/>
+                </a:tc>
+              </a:tr>
+              <a:tr h="409119">
+                <a:tc>
+                  <a:txBody>
+                    <a:bodyPr/>
+                    <a:lstStyle/>
+                    <a:p>
+                      <a:pPr algn="ctr" fontAlgn="ctr"/>
+                      <a:r>
+                        <a:rPr lang="en-US" sz="1000" dirty="0"/>
+                        <a:t>2015</a:t>
+                      </a:r>
+                      <a:endParaRPr lang="en-US" sz="1000" b="1" dirty="0"/>
+                    </a:p>
+                  </a:txBody>
+                  <a:tcPr anchor="ctr"/>
+                </a:tc>
+                <a:tc>
+                  <a:txBody>
+                    <a:bodyPr/>
+                    <a:lstStyle/>
+                    <a:p>
+                      <a:pPr algn="r" fontAlgn="ctr"/>
+                      <a:r>
+                        <a:rPr lang="en-US" sz="1000"/>
+                        <a:t>0.039363</a:t>
+                      </a:r>
+                    </a:p>
+                  </a:txBody>
+                  <a:tcPr anchor="ctr"/>
+                </a:tc>
+                <a:tc>
+                  <a:txBody>
+                    <a:bodyPr/>
+                    <a:lstStyle/>
+                    <a:p>
+                      <a:pPr algn="r" fontAlgn="ctr"/>
+                      <a:r>
+                        <a:rPr lang="en-US" sz="1000" dirty="0"/>
+                        <a:t>0.068144</a:t>
+                      </a:r>
+                    </a:p>
+                  </a:txBody>
+                  <a:tcPr anchor="ctr"/>
+                </a:tc>
+                <a:tc>
+                  <a:txBody>
+                    <a:bodyPr/>
+                    <a:lstStyle/>
+                    <a:p>
+                      <a:pPr algn="r" fontAlgn="ctr"/>
+                      <a:r>
+                        <a:rPr lang="en-US" sz="1000" dirty="0"/>
+                        <a:t>0.028308</a:t>
+                      </a:r>
+                    </a:p>
+                  </a:txBody>
+                  <a:tcPr anchor="ctr"/>
+                </a:tc>
+                <a:tc>
+                  <a:txBody>
+                    <a:bodyPr/>
+                    <a:lstStyle/>
+                    <a:p>
+                      <a:pPr algn="r" fontAlgn="ctr"/>
+                      <a:r>
+                        <a:rPr lang="en-US" sz="1000"/>
+                        <a:t>0.018456</a:t>
+                      </a:r>
+                    </a:p>
+                  </a:txBody>
+                  <a:tcPr anchor="ctr"/>
+                </a:tc>
+              </a:tr>
+              <a:tr h="409119">
+                <a:tc>
+                  <a:txBody>
+                    <a:bodyPr/>
+                    <a:lstStyle/>
+                    <a:p>
+                      <a:pPr algn="ctr" fontAlgn="ctr"/>
+                      <a:r>
+                        <a:rPr lang="en-US" sz="1000" dirty="0">
+                          <a:solidFill>
+                            <a:srgbClr val="FF0000"/>
+                          </a:solidFill>
+                        </a:rPr>
+                        <a:t>2016</a:t>
+                      </a:r>
+                      <a:endParaRPr lang="en-US" sz="1000" b="1" dirty="0">
+                        <a:solidFill>
+                          <a:srgbClr val="FF0000"/>
+                        </a:solidFill>
+                      </a:endParaRPr>
+                    </a:p>
+                  </a:txBody>
+                  <a:tcPr anchor="ctr"/>
+                </a:tc>
+                <a:tc>
+                  <a:txBody>
+                    <a:bodyPr/>
+                    <a:lstStyle/>
+                    <a:p>
+                      <a:pPr algn="r" fontAlgn="ctr"/>
+                      <a:r>
+                        <a:rPr lang="en-US" sz="1000" dirty="0">
+                          <a:solidFill>
+                            <a:srgbClr val="FF0000"/>
+                          </a:solidFill>
+                        </a:rPr>
+                        <a:t>0.141908</a:t>
+                      </a:r>
+                    </a:p>
+                  </a:txBody>
+                  <a:tcPr anchor="ctr"/>
+                </a:tc>
+                <a:tc>
+                  <a:txBody>
+                    <a:bodyPr/>
+                    <a:lstStyle/>
+                    <a:p>
+                      <a:pPr algn="r" fontAlgn="ctr"/>
+                      <a:r>
+                        <a:rPr lang="en-US" sz="1000" dirty="0">
+                          <a:solidFill>
+                            <a:srgbClr val="FF0000"/>
+                          </a:solidFill>
+                        </a:rPr>
+                        <a:t>0.116527</a:t>
+                      </a:r>
+                    </a:p>
+                  </a:txBody>
+                  <a:tcPr anchor="ctr"/>
+                </a:tc>
+                <a:tc>
+                  <a:txBody>
+                    <a:bodyPr/>
+                    <a:lstStyle/>
+                    <a:p>
+                      <a:pPr algn="r" fontAlgn="ctr"/>
+                      <a:r>
+                        <a:rPr lang="en-US" sz="1000" dirty="0"/>
+                        <a:t>0.084495</a:t>
+                      </a:r>
+                    </a:p>
+                  </a:txBody>
+                  <a:tcPr anchor="ctr"/>
+                </a:tc>
+                <a:tc>
+                  <a:txBody>
+                    <a:bodyPr/>
+                    <a:lstStyle/>
+                    <a:p>
+                      <a:pPr algn="r" fontAlgn="ctr"/>
+                      <a:r>
+                        <a:rPr lang="en-US" sz="1000" dirty="0"/>
+                        <a:t>0.021263</a:t>
+                      </a:r>
+                    </a:p>
+                  </a:txBody>
+                  <a:tcPr anchor="ctr"/>
+                </a:tc>
+              </a:tr>
+              <a:tr h="409119">
+                <a:tc>
+                  <a:txBody>
+                    <a:bodyPr/>
+                    <a:lstStyle/>
+                    <a:p>
+                      <a:pPr algn="ctr" fontAlgn="ctr"/>
+                      <a:r>
+                        <a:rPr lang="en-US" sz="1000" dirty="0"/>
+                        <a:t>2017</a:t>
+                      </a:r>
+                      <a:endParaRPr lang="en-US" sz="1000" b="1" dirty="0"/>
+                    </a:p>
+                  </a:txBody>
+                  <a:tcPr anchor="ctr"/>
+                </a:tc>
+                <a:tc>
+                  <a:txBody>
+                    <a:bodyPr/>
+                    <a:lstStyle/>
+                    <a:p>
+                      <a:pPr algn="r" fontAlgn="ctr"/>
+                      <a:r>
+                        <a:rPr lang="en-US" sz="1000"/>
+                        <a:t>-0.051259</a:t>
+                      </a:r>
+                    </a:p>
+                  </a:txBody>
+                  <a:tcPr anchor="ctr"/>
+                </a:tc>
+                <a:tc>
+                  <a:txBody>
+                    <a:bodyPr/>
+                    <a:lstStyle/>
+                    <a:p>
+                      <a:pPr algn="r" fontAlgn="ctr"/>
+                      <a:r>
+                        <a:rPr lang="en-US" sz="1000" dirty="0"/>
+                        <a:t>-0.050605</a:t>
+                      </a:r>
+                    </a:p>
+                  </a:txBody>
+                  <a:tcPr anchor="ctr"/>
+                </a:tc>
+                <a:tc>
+                  <a:txBody>
+                    <a:bodyPr/>
+                    <a:lstStyle/>
+                    <a:p>
+                      <a:pPr algn="r" fontAlgn="ctr"/>
+                      <a:r>
+                        <a:rPr lang="en-US" sz="1000" dirty="0"/>
+                        <a:t>0.008406</a:t>
+                      </a:r>
+                    </a:p>
+                  </a:txBody>
+                  <a:tcPr anchor="ctr"/>
+                </a:tc>
+                <a:tc>
+                  <a:txBody>
+                    <a:bodyPr/>
+                    <a:lstStyle/>
+                    <a:p>
+                      <a:pPr algn="r" fontAlgn="ctr"/>
+                      <a:r>
+                        <a:rPr lang="en-US" sz="1000"/>
+                        <a:t>0.018048</a:t>
+                      </a:r>
+                    </a:p>
+                  </a:txBody>
+                  <a:tcPr anchor="ctr"/>
+                </a:tc>
+              </a:tr>
+              <a:tr h="409119">
+                <a:tc>
+                  <a:txBody>
+                    <a:bodyPr/>
+                    <a:lstStyle/>
+                    <a:p>
+                      <a:pPr algn="ctr" fontAlgn="ctr"/>
+                      <a:r>
+                        <a:rPr lang="en-US" sz="1000" dirty="0"/>
+                        <a:t>2018</a:t>
+                      </a:r>
+                      <a:endParaRPr lang="en-US" sz="1000" b="1" dirty="0"/>
+                    </a:p>
+                  </a:txBody>
+                  <a:tcPr anchor="ctr"/>
+                </a:tc>
+                <a:tc>
+                  <a:txBody>
+                    <a:bodyPr/>
+                    <a:lstStyle/>
+                    <a:p>
+                      <a:pPr algn="r" fontAlgn="ctr"/>
+                      <a:r>
+                        <a:rPr lang="en-US" sz="1000"/>
+                        <a:t>-0.018528</a:t>
+                      </a:r>
+                    </a:p>
+                  </a:txBody>
+                  <a:tcPr anchor="ctr"/>
+                </a:tc>
+                <a:tc>
+                  <a:txBody>
+                    <a:bodyPr/>
+                    <a:lstStyle/>
+                    <a:p>
+                      <a:pPr algn="r" fontAlgn="ctr"/>
+                      <a:r>
+                        <a:rPr lang="en-US" sz="1000"/>
+                        <a:t>-0.018061</a:t>
+                      </a:r>
+                    </a:p>
+                  </a:txBody>
+                  <a:tcPr anchor="ctr"/>
+                </a:tc>
+                <a:tc>
+                  <a:txBody>
+                    <a:bodyPr/>
+                    <a:lstStyle/>
+                    <a:p>
+                      <a:pPr algn="r" fontAlgn="ctr"/>
+                      <a:r>
+                        <a:rPr lang="en-US" sz="1000" dirty="0"/>
+                        <a:t>-0.020907</a:t>
+                      </a:r>
+                    </a:p>
+                  </a:txBody>
+                  <a:tcPr anchor="ctr"/>
+                </a:tc>
+                <a:tc>
+                  <a:txBody>
+                    <a:bodyPr/>
+                    <a:lstStyle/>
+                    <a:p>
+                      <a:pPr algn="r" fontAlgn="ctr"/>
+                      <a:r>
+                        <a:rPr lang="en-US" sz="1000"/>
+                        <a:t>0.029002</a:t>
+                      </a:r>
+                    </a:p>
+                  </a:txBody>
+                  <a:tcPr anchor="ctr"/>
+                </a:tc>
+              </a:tr>
+              <a:tr h="409119">
+                <a:tc>
+                  <a:txBody>
+                    <a:bodyPr/>
+                    <a:lstStyle/>
+                    <a:p>
+                      <a:pPr algn="ctr" fontAlgn="ctr"/>
+                      <a:r>
+                        <a:rPr lang="en-US" sz="1000" dirty="0"/>
+                        <a:t>2019</a:t>
+                      </a:r>
+                      <a:endParaRPr lang="en-US" sz="1000" b="1" dirty="0"/>
+                    </a:p>
+                  </a:txBody>
+                  <a:tcPr anchor="ctr"/>
+                </a:tc>
+                <a:tc>
+                  <a:txBody>
+                    <a:bodyPr/>
+                    <a:lstStyle/>
+                    <a:p>
+                      <a:pPr algn="r" fontAlgn="ctr"/>
+                      <a:r>
+                        <a:rPr lang="en-US" sz="1000"/>
+                        <a:t>0.035609</a:t>
+                      </a:r>
+                    </a:p>
+                  </a:txBody>
+                  <a:tcPr anchor="ctr"/>
+                </a:tc>
+                <a:tc>
+                  <a:txBody>
+                    <a:bodyPr/>
+                    <a:lstStyle/>
+                    <a:p>
+                      <a:pPr algn="r" fontAlgn="ctr"/>
+                      <a:r>
+                        <a:rPr lang="en-US" sz="1000"/>
+                        <a:t>0.040722</a:t>
+                      </a:r>
+                    </a:p>
+                  </a:txBody>
+                  <a:tcPr anchor="ctr"/>
+                </a:tc>
+                <a:tc>
+                  <a:txBody>
+                    <a:bodyPr/>
+                    <a:lstStyle/>
+                    <a:p>
+                      <a:pPr algn="r" fontAlgn="ctr"/>
+                      <a:r>
+                        <a:rPr lang="en-US" sz="1000" dirty="0"/>
+                        <a:t>0.043626</a:t>
+                      </a:r>
+                    </a:p>
+                  </a:txBody>
+                  <a:tcPr anchor="ctr"/>
+                </a:tc>
+                <a:tc>
+                  <a:txBody>
+                    <a:bodyPr/>
+                    <a:lstStyle/>
+                    <a:p>
+                      <a:pPr algn="r" fontAlgn="ctr"/>
+                      <a:r>
+                        <a:rPr lang="en-US" sz="1000" dirty="0"/>
+                        <a:t>0.015371</a:t>
+                      </a:r>
+                    </a:p>
+                  </a:txBody>
+                  <a:tcPr anchor="ctr"/>
+                </a:tc>
+              </a:tr>
+              <a:tr h="409119">
+                <a:tc>
+                  <a:txBody>
+                    <a:bodyPr/>
+                    <a:lstStyle/>
+                    <a:p>
+                      <a:pPr algn="ctr" fontAlgn="ctr"/>
+                      <a:r>
+                        <a:rPr lang="en-US" sz="1000" dirty="0">
+                          <a:solidFill>
+                            <a:srgbClr val="FF0000"/>
+                          </a:solidFill>
+                        </a:rPr>
+                        <a:t>2020</a:t>
+                      </a:r>
+                      <a:endParaRPr lang="en-US" sz="1000" b="1" dirty="0">
+                        <a:solidFill>
+                          <a:srgbClr val="FF0000"/>
+                        </a:solidFill>
+                      </a:endParaRPr>
+                    </a:p>
+                  </a:txBody>
+                  <a:tcPr anchor="ctr"/>
+                </a:tc>
+                <a:tc>
+                  <a:txBody>
+                    <a:bodyPr/>
+                    <a:lstStyle/>
+                    <a:p>
+                      <a:pPr algn="r" fontAlgn="ctr"/>
+                      <a:r>
+                        <a:rPr lang="en-US" sz="1000" dirty="0"/>
+                        <a:t>0.040523</a:t>
+                      </a:r>
+                    </a:p>
+                  </a:txBody>
+                  <a:tcPr anchor="ctr"/>
+                </a:tc>
+                <a:tc>
+                  <a:txBody>
+                    <a:bodyPr/>
+                    <a:lstStyle/>
+                    <a:p>
+                      <a:pPr algn="r" fontAlgn="ctr"/>
+                      <a:r>
+                        <a:rPr lang="en-US" sz="1000"/>
+                        <a:t>0.044216</a:t>
+                      </a:r>
+                    </a:p>
+                  </a:txBody>
+                  <a:tcPr anchor="ctr"/>
+                </a:tc>
+                <a:tc>
+                  <a:txBody>
+                    <a:bodyPr/>
+                    <a:lstStyle/>
+                    <a:p>
+                      <a:pPr algn="r" fontAlgn="ctr"/>
+                      <a:r>
+                        <a:rPr lang="en-US" sz="1000" dirty="0">
+                          <a:solidFill>
+                            <a:srgbClr val="FF0000"/>
+                          </a:solidFill>
+                        </a:rPr>
+                        <a:t>0.189915</a:t>
+                      </a:r>
+                    </a:p>
+                  </a:txBody>
+                  <a:tcPr anchor="ctr"/>
+                </a:tc>
+                <a:tc>
+                  <a:txBody>
+                    <a:bodyPr/>
+                    <a:lstStyle/>
+                    <a:p>
+                      <a:pPr algn="r" fontAlgn="ctr"/>
+                      <a:r>
+                        <a:rPr lang="en-US" sz="1000" dirty="0"/>
+                        <a:t>0.021673</a:t>
+                      </a:r>
+                    </a:p>
+                  </a:txBody>
+                  <a:tcPr anchor="ctr"/>
+                </a:tc>
+              </a:tr>
+              <a:tr h="409119">
+                <a:tc>
+                  <a:txBody>
+                    <a:bodyPr/>
+                    <a:lstStyle/>
+                    <a:p>
+                      <a:pPr algn="ctr" fontAlgn="ctr"/>
+                      <a:r>
+                        <a:rPr lang="en-US" sz="1000" dirty="0"/>
+                        <a:t>2021</a:t>
+                      </a:r>
+                      <a:endParaRPr lang="en-US" sz="1000" b="1" dirty="0"/>
+                    </a:p>
+                  </a:txBody>
+                  <a:tcPr anchor="ctr"/>
+                </a:tc>
+                <a:tc>
+                  <a:txBody>
+                    <a:bodyPr/>
+                    <a:lstStyle/>
+                    <a:p>
+                      <a:pPr algn="r" fontAlgn="ctr"/>
+                      <a:r>
+                        <a:rPr lang="en-US" sz="1000" dirty="0"/>
+                        <a:t>-0.131986</a:t>
+                      </a:r>
+                    </a:p>
+                  </a:txBody>
+                  <a:tcPr anchor="ctr"/>
+                </a:tc>
+                <a:tc>
+                  <a:txBody>
+                    <a:bodyPr/>
+                    <a:lstStyle/>
+                    <a:p>
+                      <a:pPr algn="r" fontAlgn="ctr"/>
+                      <a:r>
+                        <a:rPr lang="en-US" sz="1000" dirty="0"/>
+                        <a:t>-0.100593</a:t>
+                      </a:r>
+                    </a:p>
+                  </a:txBody>
+                  <a:tcPr anchor="ctr"/>
+                </a:tc>
+                <a:tc>
+                  <a:txBody>
+                    <a:bodyPr/>
+                    <a:lstStyle/>
+                    <a:p>
+                      <a:pPr algn="r" fontAlgn="ctr"/>
+                      <a:r>
+                        <a:rPr lang="en-US" sz="1000" dirty="0"/>
+                        <a:t>-0.105169</a:t>
+                      </a:r>
+                    </a:p>
+                  </a:txBody>
+                  <a:tcPr anchor="ctr"/>
+                </a:tc>
+                <a:tc>
+                  <a:txBody>
+                    <a:bodyPr/>
+                    <a:lstStyle/>
+                    <a:p>
+                      <a:pPr algn="r" fontAlgn="ctr"/>
+                      <a:r>
+                        <a:rPr lang="en-US" sz="1000" dirty="0"/>
+                        <a:t>-0.007842</a:t>
+                      </a:r>
+                    </a:p>
+                  </a:txBody>
+                  <a:tcPr anchor="ctr"/>
+                </a:tc>
+              </a:tr>
+            </a:tbl>
+          </a:graphicData>
+        </a:graphic>
+      </p:graphicFrame>
       <p:sp>
         <p:nvSpPr>
-          <p:cNvPr id="14" name="Rectangle 13"/>
-          <p:cNvSpPr/>
+          <p:cNvPr id="11" name="TextBox 10"/>
+          <p:cNvSpPr txBox="1"/>
           <p:nvPr/>
         </p:nvSpPr>
         <p:spPr>
           <a:xfrm>
-            <a:off x="465220" y="1278098"/>
-            <a:ext cx="11181347" cy="369332"/>
-          </a:xfrm>
-          <a:prstGeom prst="rect">
-            <a:avLst/>
-          </a:prstGeom>
-        </p:spPr>
-        <p:txBody>
-          <a:bodyPr wrap="square">
-            <a:spAutoFit/>
-          </a:bodyPr>
-          <a:lstStyle/>
-          <a:p>
-            <a:pPr algn="ctr"/>
-            <a:r>
-              <a:rPr lang="en-AU" dirty="0" smtClean="0"/>
-              <a:t>Average 10 years data of Criminal Incidents, Recorded Offence Count,  Alleged Incidents &amp; Victim Reports</a:t>
-            </a:r>
-            <a:endParaRPr lang="en-US" dirty="0"/>
-          </a:p>
-        </p:txBody>
-      </p:sp>
-      <p:sp>
-        <p:nvSpPr>
-          <p:cNvPr id="15" name="Rectangle 14"/>
-          <p:cNvSpPr/>
-          <p:nvPr/>
-        </p:nvSpPr>
-        <p:spPr>
-          <a:xfrm>
-            <a:off x="898360" y="2203725"/>
-            <a:ext cx="4026568" cy="369332"/>
-          </a:xfrm>
-          <a:prstGeom prst="rect">
-            <a:avLst/>
-          </a:prstGeom>
-        </p:spPr>
-        <p:txBody>
-          <a:bodyPr wrap="square">
-            <a:spAutoFit/>
-          </a:bodyPr>
-          <a:lstStyle/>
-          <a:p>
-            <a:r>
-              <a:rPr lang="en-US" b="1" dirty="0" smtClean="0"/>
-              <a:t>Display By Local Government Area</a:t>
-            </a:r>
-          </a:p>
-        </p:txBody>
-      </p:sp>
-      <p:sp>
-        <p:nvSpPr>
-          <p:cNvPr id="16" name="Rectangle 15"/>
-          <p:cNvSpPr/>
-          <p:nvPr/>
-        </p:nvSpPr>
-        <p:spPr>
-          <a:xfrm>
-            <a:off x="6472991" y="2163619"/>
-            <a:ext cx="4026568" cy="369332"/>
-          </a:xfrm>
-          <a:prstGeom prst="rect">
-            <a:avLst/>
-          </a:prstGeom>
-        </p:spPr>
-        <p:txBody>
-          <a:bodyPr wrap="square">
-            <a:spAutoFit/>
-          </a:bodyPr>
-          <a:lstStyle/>
-          <a:p>
-            <a:r>
-              <a:rPr lang="en-US" b="1" dirty="0" smtClean="0"/>
-              <a:t>Display By Police Service Region</a:t>
-            </a:r>
-          </a:p>
-        </p:txBody>
-      </p:sp>
-      <p:pic>
-        <p:nvPicPr>
-          <p:cNvPr id="1035" name="Picture 11"/>
-          <p:cNvPicPr>
-            <a:picLocks noChangeAspect="1" noChangeArrowheads="1"/>
-          </p:cNvPicPr>
-          <p:nvPr/>
-        </p:nvPicPr>
-        <p:blipFill>
-          <a:blip r:embed="rId3" cstate="print"/>
-          <a:srcRect/>
-          <a:stretch>
-            <a:fillRect/>
-          </a:stretch>
-        </p:blipFill>
-        <p:spPr bwMode="auto">
-          <a:xfrm>
-            <a:off x="327359" y="2876885"/>
-            <a:ext cx="5360742" cy="3209758"/>
+            <a:off x="8629651" y="1142913"/>
+            <a:ext cx="2882900" cy="276999"/>
           </a:xfrm>
           <a:prstGeom prst="rect">
             <a:avLst/>
           </a:prstGeom>
           <a:noFill/>
-          <a:ln w="9525">
-            <a:noFill/>
-            <a:miter lim="800000"/>
-            <a:headEnd/>
-            <a:tailEnd/>
-          </a:ln>
         </p:spPr>
-      </p:pic>
+        <p:txBody>
+          <a:bodyPr wrap="square" rtlCol="0">
+            <a:spAutoFit/>
+          </a:bodyPr>
+          <a:lstStyle/>
+          <a:p>
+            <a:pPr algn="ctr"/>
+            <a:r>
+              <a:rPr lang="en-AU" sz="1200" b="1" dirty="0" smtClean="0"/>
+              <a:t>Yearly Percentage Changes</a:t>
+            </a:r>
+            <a:endParaRPr lang="en-US" sz="1200" b="1" dirty="0"/>
+          </a:p>
+        </p:txBody>
+      </p:sp>
+      <p:sp>
+        <p:nvSpPr>
+          <p:cNvPr id="12" name="Slide Number Placeholder 11"/>
+          <p:cNvSpPr>
+            <a:spLocks noGrp="1"/>
+          </p:cNvSpPr>
+          <p:nvPr>
+            <p:ph type="sldNum" sz="quarter" idx="12"/>
+          </p:nvPr>
+        </p:nvSpPr>
+        <p:spPr/>
+        <p:txBody>
+          <a:bodyPr/>
+          <a:lstStyle/>
+          <a:p>
+            <a:fld id="{4C8B8A27-DF03-4546-BA93-21C967D57E5C}" type="slidenum">
+              <a:rPr lang="en-US" smtClean="0"/>
+              <a:pPr/>
+              <a:t>4</a:t>
+            </a:fld>
+            <a:endParaRPr lang="en-US" dirty="0"/>
+          </a:p>
+        </p:txBody>
+      </p:sp>
     </p:spTree>
     <p:extLst>
       <p:ext uri="{BB962C8B-B14F-4D97-AF65-F5344CB8AC3E}">
-        <p14:creationId xmlns:p14="http://schemas.microsoft.com/office/powerpoint/2010/main" xmlns="" val="4047589959"/>
+        <p14:creationId xmlns="" xmlns:p14="http://schemas.microsoft.com/office/powerpoint/2010/main" val="4047589959"/>
       </p:ext>
     </p:extLst>
   </p:cSld>
   <p:clrMapOvr>
     <a:masterClrMapping/>
   </p:clrMapOvr>
+  <p:timing>
+    <p:tnLst>
+      <p:par>
+        <p:cTn id="1" dur="indefinite" restart="never" nodeType="tmRoot"/>
+      </p:par>
+    </p:tnLst>
+  </p:timing>
 </p:sld>
 </file>
 
@@ -9264,7 +10232,7 @@
           <p:cNvPr id="2" name="Title 1">
             <a:extLst>
               <a:ext uri="{FF2B5EF4-FFF2-40B4-BE49-F238E27FC236}">
-                <a16:creationId xmlns:a16="http://schemas.microsoft.com/office/drawing/2014/main" xmlns="" id="{A4F9A5E3-95C5-4F3E-80A5-1BD7B12920D3}"/>
+                <a16:creationId xmlns="" xmlns:a16="http://schemas.microsoft.com/office/drawing/2014/main" id="{A4F9A5E3-95C5-4F3E-80A5-1BD7B12920D3}"/>
               </a:ext>
             </a:extLst>
           </p:cNvPr>
@@ -9277,8 +10245,8 @@
         </p:nvSpPr>
         <p:spPr>
           <a:xfrm>
-            <a:off x="96253" y="69784"/>
-            <a:ext cx="11908589" cy="1090596"/>
+            <a:off x="121603" y="0"/>
+            <a:ext cx="11937048" cy="1090596"/>
           </a:xfrm>
         </p:spPr>
         <p:txBody>
@@ -9296,102 +10264,6 @@
           </a:p>
         </p:txBody>
       </p:sp>
-      <p:pic>
-        <p:nvPicPr>
-          <p:cNvPr id="1026" name="Picture 2"/>
-          <p:cNvPicPr>
-            <a:picLocks noChangeAspect="1" noChangeArrowheads="1"/>
-          </p:cNvPicPr>
-          <p:nvPr/>
-        </p:nvPicPr>
-        <p:blipFill>
-          <a:blip r:embed="rId2" cstate="print"/>
-          <a:srcRect/>
-          <a:stretch>
-            <a:fillRect/>
-          </a:stretch>
-        </p:blipFill>
-        <p:spPr bwMode="auto">
-          <a:xfrm>
-            <a:off x="485361" y="941137"/>
-            <a:ext cx="4994861" cy="2892926"/>
-          </a:xfrm>
-          <a:prstGeom prst="rect">
-            <a:avLst/>
-          </a:prstGeom>
-          <a:noFill/>
-          <a:ln w="9525">
-            <a:noFill/>
-            <a:miter lim="800000"/>
-            <a:headEnd/>
-            <a:tailEnd/>
-          </a:ln>
-        </p:spPr>
-      </p:pic>
-      <p:pic>
-        <p:nvPicPr>
-          <p:cNvPr id="3075" name="Picture 3"/>
-          <p:cNvPicPr>
-            <a:picLocks noChangeAspect="1" noChangeArrowheads="1"/>
-          </p:cNvPicPr>
-          <p:nvPr/>
-        </p:nvPicPr>
-        <p:blipFill>
-          <a:blip r:embed="rId3" cstate="print"/>
-          <a:srcRect/>
-          <a:stretch>
-            <a:fillRect/>
-          </a:stretch>
-        </p:blipFill>
-        <p:spPr bwMode="auto">
-          <a:xfrm>
-            <a:off x="5965683" y="974139"/>
-            <a:ext cx="5049395" cy="2747629"/>
-          </a:xfrm>
-          <a:prstGeom prst="rect">
-            <a:avLst/>
-          </a:prstGeom>
-          <a:noFill/>
-          <a:ln w="9525">
-            <a:noFill/>
-            <a:miter lim="800000"/>
-            <a:headEnd/>
-            <a:tailEnd/>
-          </a:ln>
-        </p:spPr>
-      </p:pic>
-      <p:pic>
-        <p:nvPicPr>
-          <p:cNvPr id="3079" name="Picture 7"/>
-          <p:cNvPicPr>
-            <a:picLocks noChangeAspect="1" noChangeArrowheads="1"/>
-          </p:cNvPicPr>
-          <p:nvPr/>
-        </p:nvPicPr>
-        <p:blipFill>
-          <a:blip r:embed="rId4" cstate="print"/>
-          <a:srcRect/>
-          <a:stretch>
-            <a:fillRect/>
-          </a:stretch>
-        </p:blipFill>
-        <p:spPr bwMode="auto">
-          <a:xfrm>
-            <a:off x="148296" y="4400426"/>
-            <a:ext cx="5729990" cy="1771773"/>
-          </a:xfrm>
-          <a:prstGeom prst="rect">
-            <a:avLst/>
-          </a:prstGeom>
-          <a:noFill/>
-          <a:ln w="9525">
-            <a:noFill/>
-            <a:miter lim="800000"/>
-            <a:headEnd/>
-            <a:tailEnd/>
-          </a:ln>
-        </p:spPr>
-      </p:pic>
       <p:sp>
         <p:nvSpPr>
           <p:cNvPr id="14" name="TextBox 13"/>
@@ -9400,8 +10272,8 @@
         </p:nvSpPr>
         <p:spPr>
           <a:xfrm>
-            <a:off x="165768" y="3999832"/>
-            <a:ext cx="1593516" cy="338554"/>
+            <a:off x="3750728" y="941813"/>
+            <a:ext cx="4732872" cy="461665"/>
           </a:xfrm>
           <a:prstGeom prst="rect">
             <a:avLst/>
@@ -9414,24 +10286,1499 @@
           </a:bodyPr>
           <a:lstStyle/>
           <a:p>
-            <a:r>
-              <a:rPr lang="en-AU" sz="1600" dirty="0" smtClean="0"/>
-              <a:t>Overall Stats</a:t>
-            </a:r>
-            <a:endParaRPr lang="en-US" sz="1600" dirty="0"/>
+            <a:pPr algn="ctr"/>
+            <a:r>
+              <a:rPr lang="en-AU" sz="2400" b="1" dirty="0" smtClean="0"/>
+              <a:t>Ten Years </a:t>
+            </a:r>
+            <a:r>
+              <a:rPr lang="en-AU" sz="2400" b="1" dirty="0" smtClean="0"/>
+              <a:t>Overview Statistics</a:t>
+            </a:r>
+            <a:endParaRPr lang="en-US" sz="2400" b="1" dirty="0"/>
           </a:p>
         </p:txBody>
       </p:sp>
+      <p:graphicFrame>
+        <p:nvGraphicFramePr>
+          <p:cNvPr id="9" name="Table 8"/>
+          <p:cNvGraphicFramePr>
+            <a:graphicFrameLocks noGrp="1"/>
+          </p:cNvGraphicFramePr>
+          <p:nvPr/>
+        </p:nvGraphicFramePr>
+        <p:xfrm>
+          <a:off x="901700" y="1447800"/>
+          <a:ext cx="10306050" cy="4101792"/>
+        </p:xfrm>
+        <a:graphic>
+          <a:graphicData uri="http://schemas.openxmlformats.org/drawingml/2006/table">
+            <a:tbl>
+              <a:tblPr firstRow="1">
+                <a:tableStyleId>{5C22544A-7EE6-4342-B048-85BDC9FD1C3A}</a:tableStyleId>
+              </a:tblPr>
+              <a:tblGrid>
+                <a:gridCol w="1678362"/>
+                <a:gridCol w="1179573"/>
+                <a:gridCol w="1139130"/>
+                <a:gridCol w="1226755"/>
+                <a:gridCol w="1321121"/>
+                <a:gridCol w="1233495"/>
+                <a:gridCol w="1368304"/>
+                <a:gridCol w="1159310"/>
+              </a:tblGrid>
+              <a:tr h="552359">
+                <a:tc>
+                  <a:txBody>
+                    <a:bodyPr/>
+                    <a:lstStyle/>
+                    <a:p>
+                      <a:pPr algn="r" fontAlgn="ctr"/>
+                      <a:endParaRPr lang="en-US" sz="1400" b="1" dirty="0"/>
+                    </a:p>
+                  </a:txBody>
+                  <a:tcPr marL="82101" marR="82101" marT="41051" marB="41051" anchor="ctr"/>
+                </a:tc>
+                <a:tc>
+                  <a:txBody>
+                    <a:bodyPr/>
+                    <a:lstStyle/>
+                    <a:p>
+                      <a:pPr algn="r" fontAlgn="ctr"/>
+                      <a:r>
+                        <a:rPr lang="en-US" sz="1400" dirty="0"/>
+                        <a:t>Criminal Incidents</a:t>
+                      </a:r>
+                      <a:endParaRPr lang="en-US" sz="1400" b="1" dirty="0"/>
+                    </a:p>
+                  </a:txBody>
+                  <a:tcPr marL="82101" marR="82101" marT="41051" marB="41051" anchor="ctr"/>
+                </a:tc>
+                <a:tc>
+                  <a:txBody>
+                    <a:bodyPr/>
+                    <a:lstStyle/>
+                    <a:p>
+                      <a:pPr marL="0" marR="0" indent="0" algn="r" defTabSz="914400" rtl="0" eaLnBrk="1" fontAlgn="ctr" latinLnBrk="0" hangingPunct="1">
+                        <a:lnSpc>
+                          <a:spcPct val="100000"/>
+                        </a:lnSpc>
+                        <a:spcBef>
+                          <a:spcPts val="0"/>
+                        </a:spcBef>
+                        <a:spcAft>
+                          <a:spcPts val="0"/>
+                        </a:spcAft>
+                        <a:buClrTx/>
+                        <a:buSzTx/>
+                        <a:buFontTx/>
+                        <a:buNone/>
+                        <a:tabLst/>
+                        <a:defRPr/>
+                      </a:pPr>
+                      <a:r>
+                        <a:rPr lang="en-US" sz="1400" dirty="0" smtClean="0"/>
+                        <a:t>Criminal Incidents</a:t>
+                      </a:r>
+                      <a:endParaRPr lang="en-US" sz="1400" b="1" dirty="0" smtClean="0"/>
+                    </a:p>
+                    <a:p>
+                      <a:pPr algn="r" fontAlgn="ctr"/>
+                      <a:r>
+                        <a:rPr lang="en-US" sz="1400" dirty="0" smtClean="0"/>
+                        <a:t>Rate</a:t>
+                      </a:r>
+                      <a:endParaRPr lang="en-US" sz="1400" b="1" dirty="0"/>
+                    </a:p>
+                  </a:txBody>
+                  <a:tcPr marL="82101" marR="82101" marT="41051" marB="41051" anchor="ctr"/>
+                </a:tc>
+                <a:tc>
+                  <a:txBody>
+                    <a:bodyPr/>
+                    <a:lstStyle/>
+                    <a:p>
+                      <a:pPr algn="r" fontAlgn="ctr"/>
+                      <a:r>
+                        <a:rPr lang="en-US" sz="1400" dirty="0"/>
+                        <a:t>Recorded Offences</a:t>
+                      </a:r>
+                      <a:endParaRPr lang="en-US" sz="1400" b="1" dirty="0"/>
+                    </a:p>
+                  </a:txBody>
+                  <a:tcPr marL="82101" marR="82101" marT="41051" marB="41051" anchor="ctr"/>
+                </a:tc>
+                <a:tc>
+                  <a:txBody>
+                    <a:bodyPr/>
+                    <a:lstStyle/>
+                    <a:p>
+                      <a:pPr marL="0" marR="0" indent="0" algn="r" defTabSz="914400" rtl="0" eaLnBrk="1" fontAlgn="ctr" latinLnBrk="0" hangingPunct="1">
+                        <a:lnSpc>
+                          <a:spcPct val="100000"/>
+                        </a:lnSpc>
+                        <a:spcBef>
+                          <a:spcPts val="0"/>
+                        </a:spcBef>
+                        <a:spcAft>
+                          <a:spcPts val="0"/>
+                        </a:spcAft>
+                        <a:buClrTx/>
+                        <a:buSzTx/>
+                        <a:buFontTx/>
+                        <a:buNone/>
+                        <a:tabLst/>
+                        <a:defRPr/>
+                      </a:pPr>
+                      <a:r>
+                        <a:rPr lang="en-US" sz="1400" dirty="0" smtClean="0"/>
+                        <a:t>Recorded Offences</a:t>
+                      </a:r>
+                      <a:endParaRPr lang="en-US" sz="1400" b="1" dirty="0" smtClean="0"/>
+                    </a:p>
+                    <a:p>
+                      <a:pPr algn="r" fontAlgn="ctr"/>
+                      <a:r>
+                        <a:rPr lang="en-US" sz="1400" dirty="0" smtClean="0"/>
+                        <a:t>Rate</a:t>
+                      </a:r>
+                      <a:endParaRPr lang="en-US" sz="1400" b="1" dirty="0"/>
+                    </a:p>
+                  </a:txBody>
+                  <a:tcPr marL="82101" marR="82101" marT="41051" marB="41051" anchor="ctr"/>
+                </a:tc>
+                <a:tc>
+                  <a:txBody>
+                    <a:bodyPr/>
+                    <a:lstStyle/>
+                    <a:p>
+                      <a:pPr algn="r" fontAlgn="ctr"/>
+                      <a:r>
+                        <a:rPr lang="en-US" sz="1400" dirty="0"/>
+                        <a:t>Alleged Offenders</a:t>
+                      </a:r>
+                      <a:endParaRPr lang="en-US" sz="1400" b="1" dirty="0"/>
+                    </a:p>
+                  </a:txBody>
+                  <a:tcPr marL="82101" marR="82101" marT="41051" marB="41051" anchor="ctr"/>
+                </a:tc>
+                <a:tc>
+                  <a:txBody>
+                    <a:bodyPr/>
+                    <a:lstStyle/>
+                    <a:p>
+                      <a:pPr marL="0" marR="0" indent="0" algn="r" defTabSz="914400" rtl="0" eaLnBrk="1" fontAlgn="ctr" latinLnBrk="0" hangingPunct="1">
+                        <a:lnSpc>
+                          <a:spcPct val="100000"/>
+                        </a:lnSpc>
+                        <a:spcBef>
+                          <a:spcPts val="0"/>
+                        </a:spcBef>
+                        <a:spcAft>
+                          <a:spcPts val="0"/>
+                        </a:spcAft>
+                        <a:buClrTx/>
+                        <a:buSzTx/>
+                        <a:buFontTx/>
+                        <a:buNone/>
+                        <a:tabLst/>
+                        <a:defRPr/>
+                      </a:pPr>
+                      <a:r>
+                        <a:rPr lang="en-US" sz="1400" dirty="0" smtClean="0"/>
+                        <a:t>Alleged Offenders</a:t>
+                      </a:r>
+                      <a:endParaRPr lang="en-US" sz="1400" b="1" dirty="0" smtClean="0"/>
+                    </a:p>
+                    <a:p>
+                      <a:pPr algn="r" fontAlgn="ctr"/>
+                      <a:r>
+                        <a:rPr lang="en-US" sz="1400" dirty="0" smtClean="0"/>
+                        <a:t>Rate</a:t>
+                      </a:r>
+                      <a:endParaRPr lang="en-US" sz="1400" b="1" dirty="0"/>
+                    </a:p>
+                  </a:txBody>
+                  <a:tcPr marL="82101" marR="82101" marT="41051" marB="41051" anchor="ctr"/>
+                </a:tc>
+                <a:tc>
+                  <a:txBody>
+                    <a:bodyPr/>
+                    <a:lstStyle/>
+                    <a:p>
+                      <a:pPr algn="r" fontAlgn="ctr"/>
+                      <a:r>
+                        <a:rPr lang="en-US" sz="1400" dirty="0"/>
+                        <a:t>Total</a:t>
+                      </a:r>
+                      <a:endParaRPr lang="en-US" sz="1400" b="1" dirty="0"/>
+                    </a:p>
+                  </a:txBody>
+                  <a:tcPr marL="82101" marR="82101" marT="41051" marB="41051" anchor="ctr"/>
+                </a:tc>
+              </a:tr>
+              <a:tr h="236560">
+                <a:tc>
+                  <a:txBody>
+                    <a:bodyPr/>
+                    <a:lstStyle/>
+                    <a:p>
+                      <a:pPr algn="r" fontAlgn="ctr"/>
+                      <a:r>
+                        <a:rPr lang="en-US" sz="1200" b="1" dirty="0" smtClean="0"/>
+                        <a:t>count</a:t>
+                      </a:r>
+                    </a:p>
+                    <a:p>
+                      <a:pPr algn="r" fontAlgn="ctr"/>
+                      <a:r>
+                        <a:rPr lang="en-US" sz="1200" b="1" dirty="0" smtClean="0"/>
+                        <a:t>(number of years)</a:t>
+                      </a:r>
+                      <a:endParaRPr lang="en-US" sz="1200" b="1" dirty="0"/>
+                    </a:p>
+                  </a:txBody>
+                  <a:tcPr marL="82101" marR="82101" marT="41051" marB="41051" anchor="ctr"/>
+                </a:tc>
+                <a:tc>
+                  <a:txBody>
+                    <a:bodyPr/>
+                    <a:lstStyle/>
+                    <a:p>
+                      <a:pPr algn="r" fontAlgn="ctr"/>
+                      <a:r>
+                        <a:rPr lang="en-US" sz="1200" dirty="0"/>
+                        <a:t>10.0</a:t>
+                      </a:r>
+                    </a:p>
+                  </a:txBody>
+                  <a:tcPr marL="82101" marR="82101" marT="41051" marB="41051" anchor="ctr"/>
+                </a:tc>
+                <a:tc>
+                  <a:txBody>
+                    <a:bodyPr/>
+                    <a:lstStyle/>
+                    <a:p>
+                      <a:pPr algn="r" fontAlgn="ctr"/>
+                      <a:r>
+                        <a:rPr lang="en-US" sz="1200" dirty="0"/>
+                        <a:t>10.0</a:t>
+                      </a:r>
+                    </a:p>
+                  </a:txBody>
+                  <a:tcPr marL="82101" marR="82101" marT="41051" marB="41051" anchor="ctr"/>
+                </a:tc>
+                <a:tc>
+                  <a:txBody>
+                    <a:bodyPr/>
+                    <a:lstStyle/>
+                    <a:p>
+                      <a:pPr algn="r" fontAlgn="ctr"/>
+                      <a:r>
+                        <a:rPr lang="en-US" sz="1200" dirty="0"/>
+                        <a:t>10.0</a:t>
+                      </a:r>
+                    </a:p>
+                  </a:txBody>
+                  <a:tcPr marL="82101" marR="82101" marT="41051" marB="41051" anchor="ctr"/>
+                </a:tc>
+                <a:tc>
+                  <a:txBody>
+                    <a:bodyPr/>
+                    <a:lstStyle/>
+                    <a:p>
+                      <a:pPr algn="r" fontAlgn="ctr"/>
+                      <a:r>
+                        <a:rPr lang="en-US" sz="1200" dirty="0"/>
+                        <a:t>10.0</a:t>
+                      </a:r>
+                    </a:p>
+                  </a:txBody>
+                  <a:tcPr marL="82101" marR="82101" marT="41051" marB="41051" anchor="ctr"/>
+                </a:tc>
+                <a:tc>
+                  <a:txBody>
+                    <a:bodyPr/>
+                    <a:lstStyle/>
+                    <a:p>
+                      <a:pPr algn="r" fontAlgn="ctr"/>
+                      <a:r>
+                        <a:rPr lang="en-US" sz="1200"/>
+                        <a:t>10.0</a:t>
+                      </a:r>
+                    </a:p>
+                  </a:txBody>
+                  <a:tcPr marL="82101" marR="82101" marT="41051" marB="41051" anchor="ctr"/>
+                </a:tc>
+                <a:tc>
+                  <a:txBody>
+                    <a:bodyPr/>
+                    <a:lstStyle/>
+                    <a:p>
+                      <a:pPr algn="r" fontAlgn="ctr"/>
+                      <a:r>
+                        <a:rPr lang="en-US" sz="1200"/>
+                        <a:t>10.0</a:t>
+                      </a:r>
+                    </a:p>
+                  </a:txBody>
+                  <a:tcPr marL="82101" marR="82101" marT="41051" marB="41051" anchor="ctr"/>
+                </a:tc>
+                <a:tc>
+                  <a:txBody>
+                    <a:bodyPr/>
+                    <a:lstStyle/>
+                    <a:p>
+                      <a:pPr algn="r" fontAlgn="ctr"/>
+                      <a:r>
+                        <a:rPr lang="en-US" sz="1200" dirty="0"/>
+                        <a:t>10.0</a:t>
+                      </a:r>
+                    </a:p>
+                  </a:txBody>
+                  <a:tcPr marL="82101" marR="82101" marT="41051" marB="41051" anchor="ctr"/>
+                </a:tc>
+              </a:tr>
+              <a:tr h="413981">
+                <a:tc>
+                  <a:txBody>
+                    <a:bodyPr/>
+                    <a:lstStyle/>
+                    <a:p>
+                      <a:pPr marL="0" algn="r" defTabSz="914400" rtl="0" eaLnBrk="1" fontAlgn="ctr" latinLnBrk="0" hangingPunct="1"/>
+                      <a:r>
+                        <a:rPr lang="en-US" sz="1200" b="1" kern="1200" dirty="0" smtClean="0">
+                          <a:solidFill>
+                            <a:schemeClr val="dk1"/>
+                          </a:solidFill>
+                          <a:latin typeface="+mn-lt"/>
+                          <a:ea typeface="+mn-ea"/>
+                          <a:cs typeface="+mn-cs"/>
+                        </a:rPr>
+                        <a:t>mean</a:t>
+                      </a:r>
+                    </a:p>
+                  </a:txBody>
+                  <a:tcPr marL="82101" marR="82101" marT="41051" marB="41051" anchor="ctr"/>
+                </a:tc>
+                <a:tc>
+                  <a:txBody>
+                    <a:bodyPr/>
+                    <a:lstStyle/>
+                    <a:p>
+                      <a:pPr marL="0" algn="r" defTabSz="914400" rtl="0" eaLnBrk="1" fontAlgn="ctr" latinLnBrk="0" hangingPunct="1"/>
+                      <a:r>
+                        <a:rPr lang="en-US" sz="1200" kern="1200" dirty="0" smtClean="0">
+                          <a:solidFill>
+                            <a:schemeClr val="dk1"/>
+                          </a:solidFill>
+                          <a:latin typeface="+mn-lt"/>
+                          <a:ea typeface="+mn-ea"/>
+                          <a:cs typeface="+mn-cs"/>
+                        </a:rPr>
+                        <a:t>371,030.6</a:t>
+                      </a:r>
+                    </a:p>
+                  </a:txBody>
+                  <a:tcPr marL="82101" marR="82101" marT="41051" marB="41051" anchor="ctr"/>
+                </a:tc>
+                <a:tc>
+                  <a:txBody>
+                    <a:bodyPr/>
+                    <a:lstStyle/>
+                    <a:p>
+                      <a:pPr marL="0" algn="r" defTabSz="914400" rtl="0" eaLnBrk="1" fontAlgn="ctr" latinLnBrk="0" hangingPunct="1"/>
+                      <a:r>
+                        <a:rPr lang="en-US" sz="1200" kern="1200" dirty="0" smtClean="0">
+                          <a:solidFill>
+                            <a:schemeClr val="dk1"/>
+                          </a:solidFill>
+                          <a:latin typeface="+mn-lt"/>
+                          <a:ea typeface="+mn-ea"/>
+                          <a:cs typeface="+mn-cs"/>
+                        </a:rPr>
+                        <a:t>23,614.45</a:t>
+                      </a:r>
+                    </a:p>
+                  </a:txBody>
+                  <a:tcPr marL="82101" marR="82101" marT="41051" marB="41051" anchor="ctr"/>
+                </a:tc>
+                <a:tc>
+                  <a:txBody>
+                    <a:bodyPr/>
+                    <a:lstStyle/>
+                    <a:p>
+                      <a:pPr marL="0" algn="r" defTabSz="914400" rtl="0" eaLnBrk="1" fontAlgn="ctr" latinLnBrk="0" hangingPunct="1"/>
+                      <a:r>
+                        <a:rPr lang="en-US" sz="1200" kern="1200" dirty="0" smtClean="0">
+                          <a:solidFill>
+                            <a:schemeClr val="dk1"/>
+                          </a:solidFill>
+                          <a:latin typeface="+mn-lt"/>
+                          <a:ea typeface="+mn-ea"/>
+                          <a:cs typeface="+mn-cs"/>
+                        </a:rPr>
+                        <a:t>490,620.5</a:t>
+                      </a:r>
+                    </a:p>
+                  </a:txBody>
+                  <a:tcPr marL="82101" marR="82101" marT="41051" marB="41051" anchor="ctr"/>
+                </a:tc>
+                <a:tc>
+                  <a:txBody>
+                    <a:bodyPr/>
+                    <a:lstStyle/>
+                    <a:p>
+                      <a:pPr marL="0" algn="r" defTabSz="914400" rtl="0" eaLnBrk="1" fontAlgn="ctr" latinLnBrk="0" hangingPunct="1"/>
+                      <a:r>
+                        <a:rPr lang="en-US" sz="1200" kern="1200" dirty="0" smtClean="0">
+                          <a:solidFill>
+                            <a:schemeClr val="dk1"/>
+                          </a:solidFill>
+                          <a:latin typeface="+mn-lt"/>
+                          <a:ea typeface="+mn-ea"/>
+                          <a:cs typeface="+mn-cs"/>
+                        </a:rPr>
+                        <a:t>31,240.43</a:t>
+                      </a:r>
+                    </a:p>
+                  </a:txBody>
+                  <a:tcPr marL="82101" marR="82101" marT="41051" marB="41051" anchor="ctr"/>
+                </a:tc>
+                <a:tc>
+                  <a:txBody>
+                    <a:bodyPr/>
+                    <a:lstStyle/>
+                    <a:p>
+                      <a:pPr marL="0" algn="r" defTabSz="914400" rtl="0" eaLnBrk="1" fontAlgn="ctr" latinLnBrk="0" hangingPunct="1"/>
+                      <a:r>
+                        <a:rPr lang="en-US" sz="1200" kern="1200" dirty="0" smtClean="0">
+                          <a:solidFill>
+                            <a:schemeClr val="dk1"/>
+                          </a:solidFill>
+                          <a:latin typeface="+mn-lt"/>
+                          <a:ea typeface="+mn-ea"/>
+                          <a:cs typeface="+mn-cs"/>
+                        </a:rPr>
+                        <a:t>154,560.7</a:t>
+                      </a:r>
+                    </a:p>
+                  </a:txBody>
+                  <a:tcPr marL="82101" marR="82101" marT="41051" marB="41051" anchor="ctr"/>
+                </a:tc>
+                <a:tc>
+                  <a:txBody>
+                    <a:bodyPr/>
+                    <a:lstStyle/>
+                    <a:p>
+                      <a:pPr marL="0" algn="r" defTabSz="914400" rtl="0" eaLnBrk="1" fontAlgn="ctr" latinLnBrk="0" hangingPunct="1"/>
+                      <a:r>
+                        <a:rPr lang="en-US" sz="1200" kern="1200" dirty="0" smtClean="0">
+                          <a:solidFill>
+                            <a:schemeClr val="dk1"/>
+                          </a:solidFill>
+                          <a:latin typeface="+mn-lt"/>
+                          <a:ea typeface="+mn-ea"/>
+                          <a:cs typeface="+mn-cs"/>
+                        </a:rPr>
+                        <a:t>9,955.12</a:t>
+                      </a:r>
+                    </a:p>
+                  </a:txBody>
+                  <a:tcPr marL="82101" marR="82101" marT="41051" marB="41051" anchor="ctr"/>
+                </a:tc>
+                <a:tc>
+                  <a:txBody>
+                    <a:bodyPr/>
+                    <a:lstStyle/>
+                    <a:p>
+                      <a:pPr marL="0" algn="r" defTabSz="914400" rtl="0" eaLnBrk="1" fontAlgn="ctr" latinLnBrk="0" hangingPunct="1"/>
+                      <a:r>
+                        <a:rPr lang="en-US" sz="1200" kern="1200" dirty="0" smtClean="0">
+                          <a:solidFill>
+                            <a:schemeClr val="dk1"/>
+                          </a:solidFill>
+                          <a:latin typeface="+mn-lt"/>
+                          <a:ea typeface="+mn-ea"/>
+                          <a:cs typeface="+mn-cs"/>
+                        </a:rPr>
+                        <a:t>1,016,211.8</a:t>
+                      </a:r>
+                    </a:p>
+                  </a:txBody>
+                  <a:tcPr marL="82101" marR="82101" marT="41051" marB="41051" anchor="ctr"/>
+                </a:tc>
+              </a:tr>
+              <a:tr h="413981">
+                <a:tc>
+                  <a:txBody>
+                    <a:bodyPr/>
+                    <a:lstStyle/>
+                    <a:p>
+                      <a:pPr algn="r" fontAlgn="ctr"/>
+                      <a:r>
+                        <a:rPr lang="en-US" sz="1200" b="1" dirty="0" smtClean="0"/>
+                        <a:t>standard deviation</a:t>
+                      </a:r>
+                      <a:endParaRPr lang="en-US" sz="1200" b="1" dirty="0"/>
+                    </a:p>
+                  </a:txBody>
+                  <a:tcPr marL="82101" marR="82101" marT="41051" marB="41051" anchor="ctr"/>
+                </a:tc>
+                <a:tc>
+                  <a:txBody>
+                    <a:bodyPr/>
+                    <a:lstStyle/>
+                    <a:p>
+                      <a:pPr algn="r" fontAlgn="ctr"/>
+                      <a:r>
+                        <a:rPr lang="en-US" sz="1200" dirty="0"/>
+                        <a:t>29,772.09</a:t>
+                      </a:r>
+                    </a:p>
+                  </a:txBody>
+                  <a:tcPr marL="82101" marR="82101" marT="41051" marB="41051" anchor="ctr"/>
+                </a:tc>
+                <a:tc>
+                  <a:txBody>
+                    <a:bodyPr/>
+                    <a:lstStyle/>
+                    <a:p>
+                      <a:pPr algn="r" fontAlgn="ctr"/>
+                      <a:r>
+                        <a:rPr lang="en-US" sz="1200"/>
+                        <a:t>1,304.28</a:t>
+                      </a:r>
+                    </a:p>
+                  </a:txBody>
+                  <a:tcPr marL="82101" marR="82101" marT="41051" marB="41051" anchor="ctr"/>
+                </a:tc>
+                <a:tc>
+                  <a:txBody>
+                    <a:bodyPr/>
+                    <a:lstStyle/>
+                    <a:p>
+                      <a:pPr algn="r" fontAlgn="ctr"/>
+                      <a:r>
+                        <a:rPr lang="en-US" sz="1200" dirty="0"/>
+                        <a:t>46,454.24</a:t>
+                      </a:r>
+                    </a:p>
+                  </a:txBody>
+                  <a:tcPr marL="82101" marR="82101" marT="41051" marB="41051" anchor="ctr"/>
+                </a:tc>
+                <a:tc>
+                  <a:txBody>
+                    <a:bodyPr/>
+                    <a:lstStyle/>
+                    <a:p>
+                      <a:pPr algn="r" fontAlgn="ctr"/>
+                      <a:r>
+                        <a:rPr lang="en-US" sz="1200" dirty="0"/>
+                        <a:t>1,856.8</a:t>
+                      </a:r>
+                    </a:p>
+                  </a:txBody>
+                  <a:tcPr marL="82101" marR="82101" marT="41051" marB="41051" anchor="ctr"/>
+                </a:tc>
+                <a:tc>
+                  <a:txBody>
+                    <a:bodyPr/>
+                    <a:lstStyle/>
+                    <a:p>
+                      <a:pPr algn="r" fontAlgn="ctr"/>
+                      <a:r>
+                        <a:rPr lang="en-US" sz="1200" dirty="0"/>
+                        <a:t>19,499.59</a:t>
+                      </a:r>
+                    </a:p>
+                  </a:txBody>
+                  <a:tcPr marL="82101" marR="82101" marT="41051" marB="41051" anchor="ctr"/>
+                </a:tc>
+                <a:tc>
+                  <a:txBody>
+                    <a:bodyPr/>
+                    <a:lstStyle/>
+                    <a:p>
+                      <a:pPr algn="r" fontAlgn="ctr"/>
+                      <a:r>
+                        <a:rPr lang="en-US" sz="1200" dirty="0"/>
+                        <a:t>713.94</a:t>
+                      </a:r>
+                    </a:p>
+                  </a:txBody>
+                  <a:tcPr marL="82101" marR="82101" marT="41051" marB="41051" anchor="ctr"/>
+                </a:tc>
+                <a:tc>
+                  <a:txBody>
+                    <a:bodyPr/>
+                    <a:lstStyle/>
+                    <a:p>
+                      <a:pPr algn="r" fontAlgn="ctr"/>
+                      <a:r>
+                        <a:rPr lang="en-US" sz="1200" dirty="0"/>
+                        <a:t>92,297.04</a:t>
+                      </a:r>
+                    </a:p>
+                  </a:txBody>
+                  <a:tcPr marL="82101" marR="82101" marT="41051" marB="41051" anchor="ctr"/>
+                </a:tc>
+              </a:tr>
+              <a:tr h="413981">
+                <a:tc>
+                  <a:txBody>
+                    <a:bodyPr/>
+                    <a:lstStyle/>
+                    <a:p>
+                      <a:pPr algn="r" fontAlgn="ctr"/>
+                      <a:r>
+                        <a:rPr lang="en-US" sz="1200" b="1" dirty="0"/>
+                        <a:t>min</a:t>
+                      </a:r>
+                    </a:p>
+                  </a:txBody>
+                  <a:tcPr marL="82101" marR="82101" marT="41051" marB="41051" anchor="ctr"/>
+                </a:tc>
+                <a:tc>
+                  <a:txBody>
+                    <a:bodyPr/>
+                    <a:lstStyle/>
+                    <a:p>
+                      <a:pPr algn="r" fontAlgn="ctr"/>
+                      <a:r>
+                        <a:rPr lang="en-US" sz="1200" dirty="0"/>
+                        <a:t>330,923.0</a:t>
+                      </a:r>
+                    </a:p>
+                  </a:txBody>
+                  <a:tcPr marL="82101" marR="82101" marT="41051" marB="41051" anchor="ctr"/>
+                </a:tc>
+                <a:tc>
+                  <a:txBody>
+                    <a:bodyPr/>
+                    <a:lstStyle/>
+                    <a:p>
+                      <a:pPr algn="r" fontAlgn="ctr"/>
+                      <a:r>
+                        <a:rPr lang="en-US" sz="1200" dirty="0">
+                          <a:solidFill>
+                            <a:srgbClr val="00B050"/>
+                          </a:solidFill>
+                        </a:rPr>
+                        <a:t>21,248.43</a:t>
+                      </a:r>
+                    </a:p>
+                  </a:txBody>
+                  <a:tcPr marL="82101" marR="82101" marT="41051" marB="41051" anchor="ctr"/>
+                </a:tc>
+                <a:tc>
+                  <a:txBody>
+                    <a:bodyPr/>
+                    <a:lstStyle/>
+                    <a:p>
+                      <a:pPr algn="r" fontAlgn="ctr"/>
+                      <a:r>
+                        <a:rPr lang="en-US" sz="1200"/>
+                        <a:t>408,983.0</a:t>
+                      </a:r>
+                    </a:p>
+                  </a:txBody>
+                  <a:tcPr marL="82101" marR="82101" marT="41051" marB="41051" anchor="ctr"/>
+                </a:tc>
+                <a:tc>
+                  <a:txBody>
+                    <a:bodyPr/>
+                    <a:lstStyle/>
+                    <a:p>
+                      <a:pPr algn="r" fontAlgn="ctr"/>
+                      <a:r>
+                        <a:rPr lang="en-US" sz="1200" dirty="0"/>
+                        <a:t>28,472.58</a:t>
+                      </a:r>
+                    </a:p>
+                  </a:txBody>
+                  <a:tcPr marL="82101" marR="82101" marT="41051" marB="41051" anchor="ctr"/>
+                </a:tc>
+                <a:tc>
+                  <a:txBody>
+                    <a:bodyPr/>
+                    <a:lstStyle/>
+                    <a:p>
+                      <a:pPr algn="r" fontAlgn="ctr"/>
+                      <a:r>
+                        <a:rPr lang="en-US" sz="1200" dirty="0"/>
+                        <a:t>124,409.0</a:t>
+                      </a:r>
+                    </a:p>
+                  </a:txBody>
+                  <a:tcPr marL="82101" marR="82101" marT="41051" marB="41051" anchor="ctr"/>
+                </a:tc>
+                <a:tc>
+                  <a:txBody>
+                    <a:bodyPr/>
+                    <a:lstStyle/>
+                    <a:p>
+                      <a:pPr algn="r" fontAlgn="ctr"/>
+                      <a:r>
+                        <a:rPr lang="en-US" sz="1200" dirty="0"/>
+                        <a:t>8,828.47</a:t>
+                      </a:r>
+                    </a:p>
+                  </a:txBody>
+                  <a:tcPr marL="82101" marR="82101" marT="41051" marB="41051" anchor="ctr"/>
+                </a:tc>
+                <a:tc>
+                  <a:txBody>
+                    <a:bodyPr/>
+                    <a:lstStyle/>
+                    <a:p>
+                      <a:pPr algn="r" fontAlgn="ctr"/>
+                      <a:r>
+                        <a:rPr lang="en-US" sz="1200" dirty="0"/>
+                        <a:t>864,315.0</a:t>
+                      </a:r>
+                    </a:p>
+                  </a:txBody>
+                  <a:tcPr marL="82101" marR="82101" marT="41051" marB="41051" anchor="ctr"/>
+                </a:tc>
+              </a:tr>
+              <a:tr h="413981">
+                <a:tc>
+                  <a:txBody>
+                    <a:bodyPr/>
+                    <a:lstStyle/>
+                    <a:p>
+                      <a:pPr algn="r" fontAlgn="ctr"/>
+                      <a:r>
+                        <a:rPr lang="en-US" sz="1200" b="1" dirty="0" smtClean="0"/>
+                        <a:t>1st Quartile -</a:t>
+                      </a:r>
+                      <a:r>
+                        <a:rPr lang="en-US" sz="1200" b="1" baseline="0" dirty="0" smtClean="0"/>
+                        <a:t> </a:t>
+                      </a:r>
+                      <a:r>
+                        <a:rPr lang="en-US" sz="1200" b="1" dirty="0" smtClean="0"/>
+                        <a:t>25</a:t>
+                      </a:r>
+                      <a:r>
+                        <a:rPr lang="en-US" sz="1200" b="1" dirty="0"/>
+                        <a:t>%</a:t>
+                      </a:r>
+                    </a:p>
+                  </a:txBody>
+                  <a:tcPr marL="82101" marR="82101" marT="41051" marB="41051" anchor="ctr"/>
+                </a:tc>
+                <a:tc>
+                  <a:txBody>
+                    <a:bodyPr/>
+                    <a:lstStyle/>
+                    <a:p>
+                      <a:pPr algn="r" fontAlgn="ctr"/>
+                      <a:r>
+                        <a:rPr lang="en-US" sz="1200" dirty="0"/>
+                        <a:t>347,828.75</a:t>
+                      </a:r>
+                    </a:p>
+                  </a:txBody>
+                  <a:tcPr marL="82101" marR="82101" marT="41051" marB="41051" anchor="ctr"/>
+                </a:tc>
+                <a:tc>
+                  <a:txBody>
+                    <a:bodyPr/>
+                    <a:lstStyle/>
+                    <a:p>
+                      <a:pPr algn="r" fontAlgn="ctr"/>
+                      <a:r>
+                        <a:rPr lang="en-US" sz="1200" dirty="0"/>
+                        <a:t>23,052.66</a:t>
+                      </a:r>
+                    </a:p>
+                  </a:txBody>
+                  <a:tcPr marL="82101" marR="82101" marT="41051" marB="41051" anchor="ctr"/>
+                </a:tc>
+                <a:tc>
+                  <a:txBody>
+                    <a:bodyPr/>
+                    <a:lstStyle/>
+                    <a:p>
+                      <a:pPr algn="r" fontAlgn="ctr"/>
+                      <a:r>
+                        <a:rPr lang="en-US" sz="1200" dirty="0"/>
+                        <a:t>461,668.25</a:t>
+                      </a:r>
+                    </a:p>
+                  </a:txBody>
+                  <a:tcPr marL="82101" marR="82101" marT="41051" marB="41051" anchor="ctr"/>
+                </a:tc>
+                <a:tc>
+                  <a:txBody>
+                    <a:bodyPr/>
+                    <a:lstStyle/>
+                    <a:p>
+                      <a:pPr algn="r" fontAlgn="ctr"/>
+                      <a:r>
+                        <a:rPr lang="en-US" sz="1200" dirty="0"/>
+                        <a:t>29,749.42</a:t>
+                      </a:r>
+                    </a:p>
+                  </a:txBody>
+                  <a:tcPr marL="82101" marR="82101" marT="41051" marB="41051" anchor="ctr"/>
+                </a:tc>
+                <a:tc>
+                  <a:txBody>
+                    <a:bodyPr/>
+                    <a:lstStyle/>
+                    <a:p>
+                      <a:pPr algn="r" fontAlgn="ctr"/>
+                      <a:r>
+                        <a:rPr lang="en-US" sz="1200" dirty="0"/>
+                        <a:t>142,124.75</a:t>
+                      </a:r>
+                    </a:p>
+                  </a:txBody>
+                  <a:tcPr marL="82101" marR="82101" marT="41051" marB="41051" anchor="ctr"/>
+                </a:tc>
+                <a:tc>
+                  <a:txBody>
+                    <a:bodyPr/>
+                    <a:lstStyle/>
+                    <a:p>
+                      <a:pPr algn="r" fontAlgn="ctr"/>
+                      <a:r>
+                        <a:rPr lang="en-US" sz="1200" dirty="0"/>
+                        <a:t>9,619.61</a:t>
+                      </a:r>
+                    </a:p>
+                  </a:txBody>
+                  <a:tcPr marL="82101" marR="82101" marT="41051" marB="41051" anchor="ctr"/>
+                </a:tc>
+                <a:tc>
+                  <a:txBody>
+                    <a:bodyPr/>
+                    <a:lstStyle/>
+                    <a:p>
+                      <a:pPr algn="r" fontAlgn="ctr"/>
+                      <a:r>
+                        <a:rPr lang="en-US" sz="1200" dirty="0"/>
+                        <a:t>952,109.25</a:t>
+                      </a:r>
+                    </a:p>
+                  </a:txBody>
+                  <a:tcPr marL="82101" marR="82101" marT="41051" marB="41051" anchor="ctr"/>
+                </a:tc>
+              </a:tr>
+              <a:tr h="413981">
+                <a:tc>
+                  <a:txBody>
+                    <a:bodyPr/>
+                    <a:lstStyle/>
+                    <a:p>
+                      <a:pPr marL="0" marR="0" indent="0" algn="r" defTabSz="914400" rtl="0" eaLnBrk="1" fontAlgn="ctr" latinLnBrk="0" hangingPunct="1">
+                        <a:lnSpc>
+                          <a:spcPct val="100000"/>
+                        </a:lnSpc>
+                        <a:spcBef>
+                          <a:spcPts val="0"/>
+                        </a:spcBef>
+                        <a:spcAft>
+                          <a:spcPts val="0"/>
+                        </a:spcAft>
+                        <a:buClrTx/>
+                        <a:buSzTx/>
+                        <a:buFontTx/>
+                        <a:buNone/>
+                        <a:tabLst/>
+                        <a:defRPr/>
+                      </a:pPr>
+                      <a:r>
+                        <a:rPr lang="en-US" sz="1200" b="1" dirty="0" smtClean="0"/>
+                        <a:t>2</a:t>
+                      </a:r>
+                      <a:r>
+                        <a:rPr lang="en-US" sz="1200" b="1" baseline="30000" dirty="0" smtClean="0"/>
+                        <a:t>nd</a:t>
+                      </a:r>
+                      <a:r>
+                        <a:rPr lang="en-US" sz="1200" b="1" dirty="0" smtClean="0"/>
+                        <a:t> Quartile -</a:t>
+                      </a:r>
+                      <a:r>
+                        <a:rPr lang="en-US" sz="1200" b="1" baseline="0" dirty="0" smtClean="0"/>
+                        <a:t> 50</a:t>
+                      </a:r>
+                      <a:r>
+                        <a:rPr lang="en-US" sz="1200" b="1" dirty="0" smtClean="0"/>
+                        <a:t>%</a:t>
+                      </a:r>
+                    </a:p>
+                    <a:p>
+                      <a:pPr marL="0" marR="0" indent="0" algn="r" defTabSz="914400" rtl="0" eaLnBrk="1" fontAlgn="ctr" latinLnBrk="0" hangingPunct="1">
+                        <a:lnSpc>
+                          <a:spcPct val="100000"/>
+                        </a:lnSpc>
+                        <a:spcBef>
+                          <a:spcPts val="0"/>
+                        </a:spcBef>
+                        <a:spcAft>
+                          <a:spcPts val="0"/>
+                        </a:spcAft>
+                        <a:buClrTx/>
+                        <a:buSzTx/>
+                        <a:buFontTx/>
+                        <a:buNone/>
+                        <a:tabLst/>
+                        <a:defRPr/>
+                      </a:pPr>
+                      <a:r>
+                        <a:rPr lang="en-AU" sz="1200" b="1" dirty="0" smtClean="0"/>
+                        <a:t>(median)</a:t>
+                      </a:r>
+                      <a:endParaRPr lang="en-US" sz="1200" b="1" dirty="0" smtClean="0"/>
+                    </a:p>
+                  </a:txBody>
+                  <a:tcPr marL="82101" marR="82101" marT="41051" marB="41051" anchor="ctr"/>
+                </a:tc>
+                <a:tc>
+                  <a:txBody>
+                    <a:bodyPr/>
+                    <a:lstStyle/>
+                    <a:p>
+                      <a:pPr marL="0" marR="0" indent="0" algn="r" defTabSz="914400" rtl="0" eaLnBrk="1" fontAlgn="ctr" latinLnBrk="0" hangingPunct="1">
+                        <a:lnSpc>
+                          <a:spcPct val="100000"/>
+                        </a:lnSpc>
+                        <a:spcBef>
+                          <a:spcPts val="0"/>
+                        </a:spcBef>
+                        <a:spcAft>
+                          <a:spcPts val="0"/>
+                        </a:spcAft>
+                        <a:buClrTx/>
+                        <a:buSzTx/>
+                        <a:buFontTx/>
+                        <a:buNone/>
+                        <a:tabLst/>
+                        <a:defRPr/>
+                      </a:pPr>
+                      <a:r>
+                        <a:rPr lang="en-US" sz="1200" dirty="0" smtClean="0"/>
+                        <a:t>369,846.0</a:t>
+                      </a:r>
+                      <a:endParaRPr lang="en-US" sz="1200" dirty="0"/>
+                    </a:p>
+                  </a:txBody>
+                  <a:tcPr marL="82101" marR="82101" marT="41051" marB="41051" anchor="ctr"/>
+                </a:tc>
+                <a:tc>
+                  <a:txBody>
+                    <a:bodyPr/>
+                    <a:lstStyle/>
+                    <a:p>
+                      <a:pPr marL="0" marR="0" indent="0" algn="r" defTabSz="914400" rtl="0" eaLnBrk="1" fontAlgn="ctr" latinLnBrk="0" hangingPunct="1">
+                        <a:lnSpc>
+                          <a:spcPct val="100000"/>
+                        </a:lnSpc>
+                        <a:spcBef>
+                          <a:spcPts val="0"/>
+                        </a:spcBef>
+                        <a:spcAft>
+                          <a:spcPts val="0"/>
+                        </a:spcAft>
+                        <a:buClrTx/>
+                        <a:buSzTx/>
+                        <a:buFontTx/>
+                        <a:buNone/>
+                        <a:tabLst/>
+                        <a:defRPr/>
+                      </a:pPr>
+                      <a:r>
+                        <a:rPr lang="en-US" sz="1200" dirty="0" smtClean="0"/>
+                        <a:t>23,453.34</a:t>
+                      </a:r>
+                      <a:endParaRPr lang="en-US" sz="1200" dirty="0"/>
+                    </a:p>
+                  </a:txBody>
+                  <a:tcPr marL="82101" marR="82101" marT="41051" marB="41051" anchor="ctr"/>
+                </a:tc>
+                <a:tc>
+                  <a:txBody>
+                    <a:bodyPr/>
+                    <a:lstStyle/>
+                    <a:p>
+                      <a:pPr marL="0" marR="0" indent="0" algn="r" defTabSz="914400" rtl="0" eaLnBrk="1" fontAlgn="ctr" latinLnBrk="0" hangingPunct="1">
+                        <a:lnSpc>
+                          <a:spcPct val="100000"/>
+                        </a:lnSpc>
+                        <a:spcBef>
+                          <a:spcPts val="0"/>
+                        </a:spcBef>
+                        <a:spcAft>
+                          <a:spcPts val="0"/>
+                        </a:spcAft>
+                        <a:buClrTx/>
+                        <a:buSzTx/>
+                        <a:buFontTx/>
+                        <a:buNone/>
+                        <a:tabLst/>
+                        <a:defRPr/>
+                      </a:pPr>
+                      <a:r>
+                        <a:rPr lang="en-US" sz="1200" dirty="0" smtClean="0"/>
+                        <a:t>498,991.0</a:t>
+                      </a:r>
+                      <a:endParaRPr lang="en-US" sz="1200" dirty="0"/>
+                    </a:p>
+                  </a:txBody>
+                  <a:tcPr marL="82101" marR="82101" marT="41051" marB="41051" anchor="ctr"/>
+                </a:tc>
+                <a:tc>
+                  <a:txBody>
+                    <a:bodyPr/>
+                    <a:lstStyle/>
+                    <a:p>
+                      <a:pPr marL="0" marR="0" indent="0" algn="r" defTabSz="914400" rtl="0" eaLnBrk="1" fontAlgn="ctr" latinLnBrk="0" hangingPunct="1">
+                        <a:lnSpc>
+                          <a:spcPct val="100000"/>
+                        </a:lnSpc>
+                        <a:spcBef>
+                          <a:spcPts val="0"/>
+                        </a:spcBef>
+                        <a:spcAft>
+                          <a:spcPts val="0"/>
+                        </a:spcAft>
+                        <a:buClrTx/>
+                        <a:buSzTx/>
+                        <a:buFontTx/>
+                        <a:buNone/>
+                        <a:tabLst/>
+                        <a:defRPr/>
+                      </a:pPr>
+                      <a:r>
+                        <a:rPr lang="en-US" sz="1200" kern="1200" dirty="0" smtClean="0">
+                          <a:solidFill>
+                            <a:schemeClr val="dk1"/>
+                          </a:solidFill>
+                          <a:latin typeface="+mn-lt"/>
+                          <a:ea typeface="+mn-ea"/>
+                          <a:cs typeface="+mn-cs"/>
+                        </a:rPr>
+                        <a:t>31,448.79</a:t>
+                      </a:r>
+                    </a:p>
+                  </a:txBody>
+                  <a:tcPr anchor="ctr"/>
+                </a:tc>
+                <a:tc>
+                  <a:txBody>
+                    <a:bodyPr/>
+                    <a:lstStyle/>
+                    <a:p>
+                      <a:pPr marL="0" marR="0" indent="0" algn="r" defTabSz="914400" rtl="0" eaLnBrk="1" fontAlgn="ctr" latinLnBrk="0" hangingPunct="1">
+                        <a:lnSpc>
+                          <a:spcPct val="100000"/>
+                        </a:lnSpc>
+                        <a:spcBef>
+                          <a:spcPts val="0"/>
+                        </a:spcBef>
+                        <a:spcAft>
+                          <a:spcPts val="0"/>
+                        </a:spcAft>
+                        <a:buClrTx/>
+                        <a:buSzTx/>
+                        <a:buFontTx/>
+                        <a:buNone/>
+                        <a:tabLst/>
+                        <a:defRPr/>
+                      </a:pPr>
+                      <a:r>
+                        <a:rPr lang="en-US" sz="1200" dirty="0" smtClean="0"/>
+                        <a:t>156,385.5</a:t>
+                      </a:r>
+                      <a:endParaRPr lang="en-US" sz="1200" dirty="0"/>
+                    </a:p>
+                  </a:txBody>
+                  <a:tcPr marL="82101" marR="82101" marT="41051" marB="41051" anchor="ctr"/>
+                </a:tc>
+                <a:tc>
+                  <a:txBody>
+                    <a:bodyPr/>
+                    <a:lstStyle/>
+                    <a:p>
+                      <a:pPr marL="0" marR="0" indent="0" algn="r" defTabSz="914400" rtl="0" eaLnBrk="1" fontAlgn="ctr" latinLnBrk="0" hangingPunct="1">
+                        <a:lnSpc>
+                          <a:spcPct val="100000"/>
+                        </a:lnSpc>
+                        <a:spcBef>
+                          <a:spcPts val="0"/>
+                        </a:spcBef>
+                        <a:spcAft>
+                          <a:spcPts val="0"/>
+                        </a:spcAft>
+                        <a:buClrTx/>
+                        <a:buSzTx/>
+                        <a:buFontTx/>
+                        <a:buNone/>
+                        <a:tabLst/>
+                        <a:defRPr/>
+                      </a:pPr>
+                      <a:r>
+                        <a:rPr lang="en-US" sz="1200" dirty="0" smtClean="0"/>
+                        <a:t>9,827.37</a:t>
+                      </a:r>
+                      <a:endParaRPr lang="en-US" sz="1200" dirty="0"/>
+                    </a:p>
+                  </a:txBody>
+                  <a:tcPr marL="82101" marR="82101" marT="41051" marB="41051" anchor="ctr"/>
+                </a:tc>
+                <a:tc>
+                  <a:txBody>
+                    <a:bodyPr/>
+                    <a:lstStyle/>
+                    <a:p>
+                      <a:pPr marL="0" marR="0" indent="0" algn="r" defTabSz="914400" rtl="0" eaLnBrk="1" fontAlgn="ctr" latinLnBrk="0" hangingPunct="1">
+                        <a:lnSpc>
+                          <a:spcPct val="100000"/>
+                        </a:lnSpc>
+                        <a:spcBef>
+                          <a:spcPts val="0"/>
+                        </a:spcBef>
+                        <a:spcAft>
+                          <a:spcPts val="0"/>
+                        </a:spcAft>
+                        <a:buClrTx/>
+                        <a:buSzTx/>
+                        <a:buFontTx/>
+                        <a:buNone/>
+                        <a:tabLst/>
+                        <a:defRPr/>
+                      </a:pPr>
+                      <a:r>
+                        <a:rPr lang="en-US" sz="1200" kern="1200" dirty="0" smtClean="0">
+                          <a:solidFill>
+                            <a:schemeClr val="dk1"/>
+                          </a:solidFill>
+                          <a:latin typeface="+mn-lt"/>
+                          <a:ea typeface="+mn-ea"/>
+                          <a:cs typeface="+mn-cs"/>
+                        </a:rPr>
+                        <a:t>1,031,891.5</a:t>
+                      </a:r>
+                    </a:p>
+                  </a:txBody>
+                  <a:tcPr anchor="ctr"/>
+                </a:tc>
+              </a:tr>
+              <a:tr h="413981">
+                <a:tc>
+                  <a:txBody>
+                    <a:bodyPr/>
+                    <a:lstStyle/>
+                    <a:p>
+                      <a:pPr algn="r" fontAlgn="ctr"/>
+                      <a:r>
+                        <a:rPr lang="en-US" sz="1200" b="1" dirty="0" smtClean="0"/>
+                        <a:t>3</a:t>
+                      </a:r>
+                      <a:r>
+                        <a:rPr lang="en-US" sz="1200" b="1" baseline="30000" dirty="0" smtClean="0"/>
+                        <a:t>rd</a:t>
+                      </a:r>
+                      <a:r>
+                        <a:rPr lang="en-US" sz="1200" b="1" dirty="0" smtClean="0"/>
+                        <a:t> Quartile - 75</a:t>
+                      </a:r>
+                      <a:r>
+                        <a:rPr lang="en-US" sz="1200" b="1" dirty="0"/>
+                        <a:t>%</a:t>
+                      </a:r>
+                    </a:p>
+                  </a:txBody>
+                  <a:tcPr marL="82101" marR="82101" marT="41051" marB="41051" anchor="ctr"/>
+                </a:tc>
+                <a:tc>
+                  <a:txBody>
+                    <a:bodyPr/>
+                    <a:lstStyle/>
+                    <a:p>
+                      <a:pPr algn="r" fontAlgn="ctr"/>
+                      <a:r>
+                        <a:rPr lang="en-US" sz="1200" dirty="0"/>
+                        <a:t>393,172.5</a:t>
+                      </a:r>
+                    </a:p>
+                  </a:txBody>
+                  <a:tcPr marL="82101" marR="82101" marT="41051" marB="41051" anchor="ctr"/>
+                </a:tc>
+                <a:tc>
+                  <a:txBody>
+                    <a:bodyPr/>
+                    <a:lstStyle/>
+                    <a:p>
+                      <a:pPr algn="r" fontAlgn="ctr"/>
+                      <a:r>
+                        <a:rPr lang="en-US" sz="1200" dirty="0"/>
+                        <a:t>24,177.39</a:t>
+                      </a:r>
+                    </a:p>
+                  </a:txBody>
+                  <a:tcPr marL="82101" marR="82101" marT="41051" marB="41051" anchor="ctr"/>
+                </a:tc>
+                <a:tc>
+                  <a:txBody>
+                    <a:bodyPr/>
+                    <a:lstStyle/>
+                    <a:p>
+                      <a:pPr algn="r" fontAlgn="ctr"/>
+                      <a:r>
+                        <a:rPr lang="en-US" sz="1200" dirty="0"/>
+                        <a:t>522,423.75</a:t>
+                      </a:r>
+                    </a:p>
+                  </a:txBody>
+                  <a:tcPr marL="82101" marR="82101" marT="41051" marB="41051" anchor="ctr"/>
+                </a:tc>
+                <a:tc>
+                  <a:txBody>
+                    <a:bodyPr/>
+                    <a:lstStyle/>
+                    <a:p>
+                      <a:pPr algn="r" fontAlgn="ctr"/>
+                      <a:r>
+                        <a:rPr lang="en-US" sz="1200" dirty="0"/>
+                        <a:t>32,315.31</a:t>
+                      </a:r>
+                    </a:p>
+                  </a:txBody>
+                  <a:tcPr marL="82101" marR="82101" marT="41051" marB="41051" anchor="ctr"/>
+                </a:tc>
+                <a:tc>
+                  <a:txBody>
+                    <a:bodyPr/>
+                    <a:lstStyle/>
+                    <a:p>
+                      <a:pPr algn="r" fontAlgn="ctr"/>
+                      <a:r>
+                        <a:rPr lang="en-US" sz="1200" dirty="0"/>
+                        <a:t>161,301.75</a:t>
+                      </a:r>
+                    </a:p>
+                  </a:txBody>
+                  <a:tcPr marL="82101" marR="82101" marT="41051" marB="41051" anchor="ctr"/>
+                </a:tc>
+                <a:tc>
+                  <a:txBody>
+                    <a:bodyPr/>
+                    <a:lstStyle/>
+                    <a:p>
+                      <a:pPr algn="r" fontAlgn="ctr"/>
+                      <a:r>
+                        <a:rPr lang="en-US" sz="1200" dirty="0"/>
+                        <a:t>10,256.3</a:t>
+                      </a:r>
+                    </a:p>
+                  </a:txBody>
+                  <a:tcPr marL="82101" marR="82101" marT="41051" marB="41051" anchor="ctr"/>
+                </a:tc>
+                <a:tc>
+                  <a:txBody>
+                    <a:bodyPr/>
+                    <a:lstStyle/>
+                    <a:p>
+                      <a:pPr algn="r" fontAlgn="ctr"/>
+                      <a:r>
+                        <a:rPr lang="en-US" sz="1200" dirty="0"/>
+                        <a:t>1,076,898.0</a:t>
+                      </a:r>
+                    </a:p>
+                  </a:txBody>
+                  <a:tcPr marL="82101" marR="82101" marT="41051" marB="41051" anchor="ctr"/>
+                </a:tc>
+              </a:tr>
+              <a:tr h="413981">
+                <a:tc>
+                  <a:txBody>
+                    <a:bodyPr/>
+                    <a:lstStyle/>
+                    <a:p>
+                      <a:pPr algn="r" fontAlgn="ctr"/>
+                      <a:r>
+                        <a:rPr lang="en-US" sz="1200" b="1" kern="1200" dirty="0" smtClean="0">
+                          <a:solidFill>
+                            <a:schemeClr val="dk1"/>
+                          </a:solidFill>
+                          <a:latin typeface="+mn-lt"/>
+                          <a:ea typeface="+mn-ea"/>
+                          <a:cs typeface="+mn-cs"/>
+                        </a:rPr>
+                        <a:t>max</a:t>
+                      </a:r>
+                    </a:p>
+                  </a:txBody>
+                  <a:tcPr marL="82101" marR="82101" marT="41051" marB="41051" anchor="ctr"/>
+                </a:tc>
+                <a:tc>
+                  <a:txBody>
+                    <a:bodyPr/>
+                    <a:lstStyle/>
+                    <a:p>
+                      <a:pPr algn="r" fontAlgn="ctr"/>
+                      <a:r>
+                        <a:rPr lang="en-US" sz="1200" kern="1200" dirty="0" smtClean="0">
+                          <a:solidFill>
+                            <a:schemeClr val="dk1"/>
+                          </a:solidFill>
+                          <a:latin typeface="+mn-lt"/>
+                          <a:ea typeface="+mn-ea"/>
+                          <a:cs typeface="+mn-cs"/>
+                        </a:rPr>
+                        <a:t>410,764.0</a:t>
+                      </a:r>
+                    </a:p>
+                  </a:txBody>
+                  <a:tcPr marL="82101" marR="82101" marT="41051" marB="41051" anchor="ctr"/>
+                </a:tc>
+                <a:tc>
+                  <a:txBody>
+                    <a:bodyPr/>
+                    <a:lstStyle/>
+                    <a:p>
+                      <a:pPr algn="r" fontAlgn="ctr"/>
+                      <a:r>
+                        <a:rPr lang="en-US" sz="1200" kern="1200" dirty="0" smtClean="0">
+                          <a:solidFill>
+                            <a:srgbClr val="FF0000"/>
+                          </a:solidFill>
+                          <a:latin typeface="+mn-lt"/>
+                          <a:ea typeface="+mn-ea"/>
+                          <a:cs typeface="+mn-cs"/>
+                        </a:rPr>
+                        <a:t>26,304.42</a:t>
+                      </a:r>
+                    </a:p>
+                  </a:txBody>
+                  <a:tcPr marL="82101" marR="82101" marT="41051" marB="41051" anchor="ctr"/>
+                </a:tc>
+                <a:tc>
+                  <a:txBody>
+                    <a:bodyPr/>
+                    <a:lstStyle/>
+                    <a:p>
+                      <a:pPr algn="r" fontAlgn="ctr"/>
+                      <a:r>
+                        <a:rPr lang="en-US" sz="1200" kern="1200" dirty="0" smtClean="0">
+                          <a:solidFill>
+                            <a:schemeClr val="dk1"/>
+                          </a:solidFill>
+                          <a:latin typeface="+mn-lt"/>
+                          <a:ea typeface="+mn-ea"/>
+                          <a:cs typeface="+mn-cs"/>
+                        </a:rPr>
+                        <a:t>548,465.0</a:t>
+                      </a:r>
+                    </a:p>
+                  </a:txBody>
+                  <a:tcPr marL="82101" marR="82101" marT="41051" marB="41051" anchor="ctr"/>
+                </a:tc>
+                <a:tc>
+                  <a:txBody>
+                    <a:bodyPr/>
+                    <a:lstStyle/>
+                    <a:p>
+                      <a:pPr algn="r" fontAlgn="ctr"/>
+                      <a:r>
+                        <a:rPr lang="en-US" sz="1200" kern="1200" dirty="0" smtClean="0">
+                          <a:solidFill>
+                            <a:srgbClr val="FF0000"/>
+                          </a:solidFill>
+                          <a:latin typeface="+mn-lt"/>
+                          <a:ea typeface="+mn-ea"/>
+                          <a:cs typeface="+mn-cs"/>
+                        </a:rPr>
+                        <a:t>34,796.25</a:t>
+                      </a:r>
+                    </a:p>
+                  </a:txBody>
+                  <a:tcPr marL="82101" marR="82101" marT="41051" marB="41051" anchor="ctr"/>
+                </a:tc>
+                <a:tc>
+                  <a:txBody>
+                    <a:bodyPr/>
+                    <a:lstStyle/>
+                    <a:p>
+                      <a:pPr algn="r" fontAlgn="ctr"/>
+                      <a:r>
+                        <a:rPr lang="en-US" sz="1200" kern="1200" dirty="0" smtClean="0">
+                          <a:solidFill>
+                            <a:schemeClr val="dk1"/>
+                          </a:solidFill>
+                          <a:latin typeface="+mn-lt"/>
+                          <a:ea typeface="+mn-ea"/>
+                          <a:cs typeface="+mn-cs"/>
+                        </a:rPr>
+                        <a:t>192,965.0</a:t>
+                      </a:r>
+                    </a:p>
+                  </a:txBody>
+                  <a:tcPr marL="82101" marR="82101" marT="41051" marB="41051" anchor="ctr"/>
+                </a:tc>
+                <a:tc>
+                  <a:txBody>
+                    <a:bodyPr/>
+                    <a:lstStyle/>
+                    <a:p>
+                      <a:pPr algn="r" fontAlgn="ctr"/>
+                      <a:r>
+                        <a:rPr lang="en-US" sz="1200" kern="1200" dirty="0" smtClean="0">
+                          <a:solidFill>
+                            <a:schemeClr val="dk1"/>
+                          </a:solidFill>
+                          <a:latin typeface="+mn-lt"/>
+                          <a:ea typeface="+mn-ea"/>
+                          <a:cs typeface="+mn-cs"/>
+                        </a:rPr>
+                        <a:t>11,485.34</a:t>
+                      </a:r>
+                    </a:p>
+                  </a:txBody>
+                  <a:tcPr marL="82101" marR="82101" marT="41051" marB="41051" anchor="ctr"/>
+                </a:tc>
+                <a:tc>
+                  <a:txBody>
+                    <a:bodyPr/>
+                    <a:lstStyle/>
+                    <a:p>
+                      <a:pPr algn="r" fontAlgn="ctr"/>
+                      <a:r>
+                        <a:rPr lang="en-US" sz="1200" kern="1200" dirty="0" smtClean="0">
+                          <a:solidFill>
+                            <a:schemeClr val="dk1"/>
+                          </a:solidFill>
+                          <a:latin typeface="+mn-lt"/>
+                          <a:ea typeface="+mn-ea"/>
+                          <a:cs typeface="+mn-cs"/>
+                        </a:rPr>
+                        <a:t>1,152,194.0</a:t>
+                      </a:r>
+                    </a:p>
+                  </a:txBody>
+                  <a:tcPr marL="82101" marR="82101" marT="41051" marB="41051" anchor="ctr"/>
+                </a:tc>
+              </a:tr>
+            </a:tbl>
+          </a:graphicData>
+        </a:graphic>
+      </p:graphicFrame>
       <p:sp>
         <p:nvSpPr>
-          <p:cNvPr id="15" name="TextBox 14"/>
+          <p:cNvPr id="6" name="TextBox 5"/>
           <p:cNvSpPr txBox="1"/>
           <p:nvPr/>
         </p:nvSpPr>
         <p:spPr>
           <a:xfrm>
-            <a:off x="6029157" y="3884864"/>
-            <a:ext cx="5537202" cy="338554"/>
+            <a:off x="1098550" y="5676900"/>
+            <a:ext cx="9702800" cy="830997"/>
           </a:xfrm>
           <a:prstGeom prst="rect">
             <a:avLst/>
@@ -9445,55 +11792,129 @@
           <a:lstStyle/>
           <a:p>
             <a:r>
-              <a:rPr lang="en-AU" sz="1600" dirty="0" smtClean="0"/>
-              <a:t>Percentage Changes of Number of Incidents and Offences</a:t>
-            </a:r>
-            <a:endParaRPr lang="en-US" sz="1600" dirty="0"/>
+              <a:rPr lang="en-US" sz="1200" b="1" u="sng" dirty="0" smtClean="0"/>
+              <a:t>Observation:</a:t>
+            </a:r>
+          </a:p>
+          <a:p>
+            <a:endParaRPr lang="en-AU" sz="1200" dirty="0" smtClean="0"/>
+          </a:p>
+          <a:p>
+            <a:pPr>
+              <a:buFont typeface="Wingdings" pitchFamily="2" charset="2"/>
+              <a:buChar char="v"/>
+            </a:pPr>
+            <a:r>
+              <a:rPr lang="en-AU" sz="1200" dirty="0" smtClean="0"/>
+              <a:t> Year 2016 has the highest Crime Incidents (</a:t>
+            </a:r>
+            <a:r>
+              <a:rPr lang="en-US" sz="1200" dirty="0" smtClean="0">
+                <a:solidFill>
+                  <a:srgbClr val="FF0000"/>
+                </a:solidFill>
+              </a:rPr>
+              <a:t>26,304 incidents</a:t>
+            </a:r>
+            <a:r>
+              <a:rPr lang="en-US" sz="1200" dirty="0" smtClean="0"/>
+              <a:t>) </a:t>
+            </a:r>
+            <a:r>
+              <a:rPr lang="en-AU" sz="1200" dirty="0" smtClean="0"/>
+              <a:t>and Recorded Offences (</a:t>
+            </a:r>
+            <a:r>
+              <a:rPr lang="en-US" sz="1200" dirty="0" smtClean="0">
+                <a:solidFill>
+                  <a:srgbClr val="FF0000"/>
+                </a:solidFill>
+              </a:rPr>
+              <a:t>34,796 offences</a:t>
+            </a:r>
+            <a:r>
+              <a:rPr lang="en-US" sz="1200" dirty="0" smtClean="0"/>
+              <a:t>)</a:t>
+            </a:r>
+            <a:r>
+              <a:rPr lang="en-US" sz="1200" dirty="0" smtClean="0">
+                <a:solidFill>
+                  <a:srgbClr val="FF0000"/>
+                </a:solidFill>
+              </a:rPr>
+              <a:t> </a:t>
+            </a:r>
+            <a:r>
+              <a:rPr lang="en-AU" sz="1200" dirty="0" smtClean="0"/>
+              <a:t>rate per 100,000 population.</a:t>
+            </a:r>
+          </a:p>
+          <a:p>
+            <a:pPr>
+              <a:buFont typeface="Wingdings" pitchFamily="2" charset="2"/>
+              <a:buChar char="v"/>
+            </a:pPr>
+            <a:r>
+              <a:rPr lang="en-AU" sz="1200" dirty="0" smtClean="0"/>
+              <a:t> Year 2021 has lowest Crime Incidents (</a:t>
+            </a:r>
+            <a:r>
+              <a:rPr lang="en-US" sz="1200" dirty="0" smtClean="0">
+                <a:solidFill>
+                  <a:srgbClr val="00B050"/>
+                </a:solidFill>
+              </a:rPr>
+              <a:t>21,248.43</a:t>
+            </a:r>
+            <a:r>
+              <a:rPr lang="en-AU" sz="1200" dirty="0" smtClean="0"/>
+              <a:t>) rate per 100,000 population.</a:t>
+            </a:r>
+            <a:endParaRPr lang="en-US" sz="1200" dirty="0"/>
           </a:p>
         </p:txBody>
       </p:sp>
-      <p:pic>
-        <p:nvPicPr>
-          <p:cNvPr id="3082" name="Picture 10"/>
-          <p:cNvPicPr>
-            <a:picLocks noChangeAspect="1" noChangeArrowheads="1"/>
-          </p:cNvPicPr>
-          <p:nvPr/>
-        </p:nvPicPr>
-        <p:blipFill>
-          <a:blip r:embed="rId5" cstate="print"/>
-          <a:srcRect/>
-          <a:stretch>
-            <a:fillRect/>
-          </a:stretch>
-        </p:blipFill>
-        <p:spPr bwMode="auto">
-          <a:xfrm>
-            <a:off x="6241875" y="4208380"/>
-            <a:ext cx="5245192" cy="2214478"/>
-          </a:xfrm>
-          <a:prstGeom prst="rect">
-            <a:avLst/>
-          </a:prstGeom>
-          <a:noFill/>
-          <a:ln w="9525">
-            <a:noFill/>
-            <a:miter lim="800000"/>
-            <a:headEnd/>
-            <a:tailEnd/>
-          </a:ln>
-        </p:spPr>
-      </p:pic>
+      <p:sp>
+        <p:nvSpPr>
+          <p:cNvPr id="8" name="Slide Number Placeholder 7"/>
+          <p:cNvSpPr>
+            <a:spLocks noGrp="1"/>
+          </p:cNvSpPr>
+          <p:nvPr>
+            <p:ph type="sldNum" sz="quarter" idx="12"/>
+          </p:nvPr>
+        </p:nvSpPr>
+        <p:spPr/>
+        <p:txBody>
+          <a:bodyPr/>
+          <a:lstStyle/>
+          <a:p>
+            <a:fld id="{4C8B8A27-DF03-4546-BA93-21C967D57E5C}" type="slidenum">
+              <a:rPr lang="en-US" smtClean="0"/>
+              <a:pPr/>
+              <a:t>5</a:t>
+            </a:fld>
+            <a:endParaRPr lang="en-US" dirty="0"/>
+          </a:p>
+        </p:txBody>
+      </p:sp>
     </p:spTree>
     <p:extLst>
       <p:ext uri="{BB962C8B-B14F-4D97-AF65-F5344CB8AC3E}">
-        <p14:creationId xmlns:p14="http://schemas.microsoft.com/office/powerpoint/2010/main" xmlns="" val="4047589959"/>
+        <p14:creationId xmlns="" xmlns:p14="http://schemas.microsoft.com/office/powerpoint/2010/main" val="4047589959"/>
       </p:ext>
     </p:extLst>
   </p:cSld>
   <p:clrMapOvr>
     <a:masterClrMapping/>
   </p:clrMapOvr>
+  <p:timing>
+    <p:tnLst>
+      <p:par>
+        <p:cTn id="1" dur="indefinite" restart="never" nodeType="tmRoot"/>
+      </p:par>
+    </p:tnLst>
+  </p:timing>
 </p:sld>
 </file>
 
@@ -9531,7 +11952,7 @@
         </p:blipFill>
         <p:spPr bwMode="auto">
           <a:xfrm>
-            <a:off x="7652084" y="909306"/>
+            <a:off x="7664784" y="947406"/>
             <a:ext cx="4314444" cy="2111958"/>
           </a:xfrm>
           <a:prstGeom prst="rect">
@@ -9551,7 +11972,7 @@
           <p:cNvPr id="2" name="Title 1">
             <a:extLst>
               <a:ext uri="{FF2B5EF4-FFF2-40B4-BE49-F238E27FC236}">
-                <a16:creationId xmlns:a16="http://schemas.microsoft.com/office/drawing/2014/main" xmlns="" id="{A4F9A5E3-95C5-4F3E-80A5-1BD7B12920D3}"/>
+                <a16:creationId xmlns="" xmlns:a16="http://schemas.microsoft.com/office/drawing/2014/main" id="{A4F9A5E3-95C5-4F3E-80A5-1BD7B12920D3}"/>
               </a:ext>
             </a:extLst>
           </p:cNvPr>
@@ -9577,7 +11998,23 @@
             <a:pPr algn="ctr"/>
             <a:r>
               <a:rPr lang="en-AU" sz="3200" dirty="0" smtClean="0"/>
-              <a:t>Victoria Crime Trends By Police Service Region</a:t>
+              <a:t>Victoria </a:t>
+            </a:r>
+            <a:r>
+              <a:rPr lang="en-AU" sz="3200" dirty="0" smtClean="0"/>
+              <a:t>Crimes </a:t>
+            </a:r>
+            <a:r>
+              <a:rPr lang="en-AU" sz="3200" dirty="0" smtClean="0"/>
+              <a:t>Trends </a:t>
+            </a:r>
+            <a:r>
+              <a:rPr lang="en-AU" sz="3200" dirty="0" smtClean="0"/>
+              <a:t>by </a:t>
+            </a:r>
+            <a:r>
+              <a:rPr lang="en-AU" sz="3200" dirty="0" smtClean="0"/>
+              <a:t>Police Service Region</a:t>
             </a:r>
             <a:endParaRPr lang="en-AU" sz="3200" dirty="0"/>
           </a:p>
@@ -9632,7 +12069,7 @@
         </p:blipFill>
         <p:spPr bwMode="auto">
           <a:xfrm>
-            <a:off x="106364" y="826253"/>
+            <a:off x="106364" y="985003"/>
             <a:ext cx="4690225" cy="2068785"/>
           </a:xfrm>
           <a:prstGeom prst="rect">
@@ -9714,7 +12151,7 @@
     </p:spTree>
     <p:extLst>
       <p:ext uri="{BB962C8B-B14F-4D97-AF65-F5344CB8AC3E}">
-        <p14:creationId xmlns:p14="http://schemas.microsoft.com/office/powerpoint/2010/main" xmlns="" val="4047589959"/>
+        <p14:creationId xmlns="" xmlns:p14="http://schemas.microsoft.com/office/powerpoint/2010/main" val="4047589959"/>
       </p:ext>
     </p:extLst>
   </p:cSld>
@@ -9753,7 +12190,7 @@
           <p:cNvPr id="2" name="Title 1">
             <a:extLst>
               <a:ext uri="{FF2B5EF4-FFF2-40B4-BE49-F238E27FC236}">
-                <a16:creationId xmlns:a16="http://schemas.microsoft.com/office/drawing/2014/main" xmlns="" id="{A4F9A5E3-95C5-4F3E-80A5-1BD7B12920D3}"/>
+                <a16:creationId xmlns="" xmlns:a16="http://schemas.microsoft.com/office/drawing/2014/main" id="{A4F9A5E3-95C5-4F3E-80A5-1BD7B12920D3}"/>
               </a:ext>
             </a:extLst>
           </p:cNvPr>
@@ -9766,8 +12203,8 @@
         </p:nvSpPr>
         <p:spPr>
           <a:xfrm>
-            <a:off x="1112628" y="85558"/>
-            <a:ext cx="9634011" cy="1090596"/>
+            <a:off x="96253" y="0"/>
+            <a:ext cx="11908589" cy="1090596"/>
           </a:xfrm>
         </p:spPr>
         <p:txBody>
@@ -9778,39 +12215,32 @@
           <a:p>
             <a:pPr algn="ctr"/>
             <a:r>
-              <a:rPr lang="en-AU" dirty="0" smtClean="0"/>
-              <a:t>Crime Trends by Police Service </a:t>
-            </a:r>
-            <a:r>
-              <a:rPr lang="en-AU" dirty="0" smtClean="0"/>
-              <a:t>Regions</a:t>
-            </a:r>
-            <a:br>
-              <a:rPr lang="en-AU" dirty="0" smtClean="0"/>
-            </a:br>
-            <a:r>
-              <a:rPr lang="en-AU" sz="2200" dirty="0" smtClean="0"/>
-              <a:t>(</a:t>
-            </a:r>
-            <a:r>
-              <a:rPr lang="en-AU" sz="2200" dirty="0" smtClean="0"/>
-              <a:t>Year by Year Comparison)</a:t>
-            </a:r>
-            <a:endParaRPr lang="en-AU" sz="2200" dirty="0"/>
+              <a:rPr lang="en-AU" sz="3200" dirty="0" smtClean="0"/>
+              <a:t>Yearly </a:t>
+            </a:r>
+            <a:r>
+              <a:rPr lang="en-AU" sz="3200" dirty="0" smtClean="0"/>
+              <a:t>Crimes </a:t>
+            </a:r>
+            <a:r>
+              <a:rPr lang="en-AU" sz="3200" dirty="0" smtClean="0"/>
+              <a:t>Trends by Police Service Region</a:t>
+            </a:r>
+            <a:endParaRPr lang="en-AU" sz="3200" dirty="0"/>
           </a:p>
         </p:txBody>
       </p:sp>
       <p:graphicFrame>
         <p:nvGraphicFramePr>
-          <p:cNvPr id="10" name="Table 9"/>
+          <p:cNvPr id="5" name="Table 4"/>
           <p:cNvGraphicFramePr>
             <a:graphicFrameLocks noGrp="1"/>
           </p:cNvGraphicFramePr>
           <p:nvPr/>
         </p:nvGraphicFramePr>
         <p:xfrm>
-          <a:off x="294107" y="1361350"/>
-          <a:ext cx="10871198" cy="3489960"/>
+          <a:off x="1200150" y="1565820"/>
+          <a:ext cx="9448800" cy="3374480"/>
         </p:xfrm>
         <a:graphic>
           <a:graphicData uri="http://schemas.openxmlformats.org/drawingml/2006/table">
@@ -9819,12 +12249,12 @@
                 <a:tableStyleId>{5C22544A-7EE6-4342-B048-85BDC9FD1C3A}</a:tableStyleId>
               </a:tblPr>
               <a:tblGrid>
-                <a:gridCol w="2714996"/>
-                <a:gridCol w="2263402"/>
-                <a:gridCol w="2550695"/>
-                <a:gridCol w="3342105"/>
+                <a:gridCol w="2260600"/>
+                <a:gridCol w="2243156"/>
+                <a:gridCol w="2167513"/>
+                <a:gridCol w="2777531"/>
               </a:tblGrid>
-              <a:tr h="370840">
+              <a:tr h="592656">
                 <a:tc>
                   <a:txBody>
                     <a:bodyPr/>
@@ -9832,141 +12262,188 @@
                     <a:p>
                       <a:pPr algn="ctr"/>
                       <a:r>
-                        <a:rPr lang="en-AU" sz="2000" dirty="0" smtClean="0"/>
-                        <a:t>Types</a:t>
-                      </a:r>
-                      <a:endParaRPr lang="en-US" sz="2000" dirty="0"/>
-                    </a:p>
-                  </a:txBody>
-                  <a:tcPr/>
-                </a:tc>
-                <a:tc>
-                  <a:txBody>
-                    <a:bodyPr/>
-                    <a:lstStyle/>
-                    <a:p>
-                      <a:pPr algn="ctr"/>
-                      <a:r>
-                        <a:rPr lang="en-AU" sz="2000" dirty="0" smtClean="0"/>
-                        <a:t>Police</a:t>
-                      </a:r>
-                      <a:r>
-                        <a:rPr lang="en-AU" sz="2000" baseline="0" dirty="0" smtClean="0"/>
-                        <a:t> Service Region</a:t>
-                      </a:r>
-                      <a:endParaRPr lang="en-US" sz="2000" dirty="0"/>
-                    </a:p>
-                  </a:txBody>
-                  <a:tcPr/>
-                </a:tc>
-                <a:tc>
-                  <a:txBody>
-                    <a:bodyPr/>
-                    <a:lstStyle/>
-                    <a:p>
-                      <a:pPr algn="ctr"/>
-                      <a:r>
-                        <a:rPr lang="en-AU" sz="2000" dirty="0" smtClean="0"/>
-                        <a:t>Highest In </a:t>
-                      </a:r>
-                      <a:r>
-                        <a:rPr lang="en-AU" sz="2000" dirty="0" smtClean="0"/>
-                        <a:t>Year</a:t>
-                      </a:r>
-                    </a:p>
-                  </a:txBody>
-                  <a:tcPr/>
-                </a:tc>
-                <a:tc>
-                  <a:txBody>
-                    <a:bodyPr/>
-                    <a:lstStyle/>
-                    <a:p>
-                      <a:pPr algn="ctr"/>
-                      <a:r>
-                        <a:rPr lang="en-AU" sz="2000" dirty="0" smtClean="0"/>
-                        <a:t>Highest Yearly Percentage Change </a:t>
-                      </a:r>
-                      <a:endParaRPr lang="en-US" sz="2000" dirty="0"/>
-                    </a:p>
-                  </a:txBody>
-                  <a:tcPr/>
-                </a:tc>
-              </a:tr>
-              <a:tr h="370840">
-                <a:tc>
-                  <a:txBody>
-                    <a:bodyPr/>
-                    <a:lstStyle/>
-                    <a:p>
-                      <a:r>
-                        <a:rPr lang="en-AU" sz="1600" dirty="0" smtClean="0"/>
-                        <a:t>Criminal</a:t>
-                      </a:r>
-                      <a:r>
-                        <a:rPr lang="en-AU" sz="1600" baseline="0" dirty="0" smtClean="0"/>
-                        <a:t> Incidents</a:t>
-                      </a:r>
-                      <a:endParaRPr lang="en-US" sz="1600" dirty="0"/>
-                    </a:p>
-                  </a:txBody>
-                  <a:tcPr/>
-                </a:tc>
-                <a:tc>
-                  <a:txBody>
-                    <a:bodyPr/>
-                    <a:lstStyle/>
-                    <a:p>
-                      <a:pPr algn="ctr"/>
-                      <a:r>
-                        <a:rPr lang="en-AU" sz="1600" dirty="0" smtClean="0"/>
-                        <a:t>Southern Metro</a:t>
-                      </a:r>
-                    </a:p>
-                    <a:p>
-                      <a:pPr algn="ctr"/>
-                      <a:r>
-                        <a:rPr lang="en-AU" sz="1600" dirty="0" smtClean="0"/>
-                        <a:t>East</a:t>
-                      </a:r>
-                      <a:endParaRPr lang="en-US" sz="1600" dirty="0"/>
-                    </a:p>
-                  </a:txBody>
-                  <a:tcPr/>
-                </a:tc>
-                <a:tc>
-                  <a:txBody>
-                    <a:bodyPr/>
-                    <a:lstStyle/>
-                    <a:p>
-                      <a:pPr algn="ctr"/>
-                      <a:r>
-                        <a:rPr lang="en-AU" sz="1600" dirty="0" smtClean="0"/>
-                        <a:t>2013, 2015, 2020</a:t>
-                      </a:r>
-                    </a:p>
-                    <a:p>
-                      <a:pPr algn="ctr"/>
-                      <a:r>
-                        <a:rPr lang="en-AU" sz="1600" dirty="0" smtClean="0"/>
-                        <a:t>2014, </a:t>
-                      </a:r>
-                      <a:r>
-                        <a:rPr lang="en-AU" sz="1600" dirty="0" smtClean="0">
+                        <a:rPr lang="en-AU" sz="1400" dirty="0" smtClean="0">
                           <a:solidFill>
-                            <a:srgbClr val="00B050"/>
+                            <a:schemeClr val="bg1"/>
                           </a:solidFill>
                         </a:rPr>
-                        <a:t>2017</a:t>
-                      </a:r>
-                      <a:r>
-                        <a:rPr lang="en-AU" sz="1600" dirty="0" smtClean="0"/>
-                        <a:t>, 2019</a:t>
-                      </a:r>
-                      <a:endParaRPr lang="en-US" sz="1600" dirty="0"/>
-                    </a:p>
-                  </a:txBody>
-                  <a:tcPr/>
+                        <a:t>Types</a:t>
+                      </a:r>
+                      <a:endParaRPr lang="en-US" sz="1400" dirty="0">
+                        <a:solidFill>
+                          <a:schemeClr val="bg1"/>
+                        </a:solidFill>
+                      </a:endParaRPr>
+                    </a:p>
+                  </a:txBody>
+                  <a:tcPr>
+                    <a:solidFill>
+                      <a:schemeClr val="accent1"/>
+                    </a:solidFill>
+                  </a:tcPr>
+                </a:tc>
+                <a:tc>
+                  <a:txBody>
+                    <a:bodyPr/>
+                    <a:lstStyle/>
+                    <a:p>
+                      <a:pPr algn="ctr"/>
+                      <a:r>
+                        <a:rPr lang="en-AU" sz="1400" dirty="0" smtClean="0">
+                          <a:solidFill>
+                            <a:schemeClr val="bg1"/>
+                          </a:solidFill>
+                        </a:rPr>
+                        <a:t>Police</a:t>
+                      </a:r>
+                      <a:r>
+                        <a:rPr lang="en-AU" sz="1400" baseline="0" dirty="0" smtClean="0">
+                          <a:solidFill>
+                            <a:schemeClr val="bg1"/>
+                          </a:solidFill>
+                        </a:rPr>
+                        <a:t> Service Region</a:t>
+                      </a:r>
+                      <a:endParaRPr lang="en-US" sz="1400" dirty="0">
+                        <a:solidFill>
+                          <a:schemeClr val="bg1"/>
+                        </a:solidFill>
+                      </a:endParaRPr>
+                    </a:p>
+                  </a:txBody>
+                  <a:tcPr>
+                    <a:solidFill>
+                      <a:schemeClr val="accent1"/>
+                    </a:solidFill>
+                  </a:tcPr>
+                </a:tc>
+                <a:tc>
+                  <a:txBody>
+                    <a:bodyPr/>
+                    <a:lstStyle/>
+                    <a:p>
+                      <a:pPr algn="ctr"/>
+                      <a:r>
+                        <a:rPr lang="en-AU" sz="1400" dirty="0" smtClean="0">
+                          <a:solidFill>
+                            <a:schemeClr val="bg1"/>
+                          </a:solidFill>
+                        </a:rPr>
+                        <a:t>Highest In Year</a:t>
+                      </a:r>
+                    </a:p>
+                  </a:txBody>
+                  <a:tcPr>
+                    <a:solidFill>
+                      <a:schemeClr val="accent1"/>
+                    </a:solidFill>
+                  </a:tcPr>
+                </a:tc>
+                <a:tc>
+                  <a:txBody>
+                    <a:bodyPr/>
+                    <a:lstStyle/>
+                    <a:p>
+                      <a:pPr algn="ctr"/>
+                      <a:r>
+                        <a:rPr lang="en-AU" sz="1400" dirty="0" smtClean="0">
+                          <a:solidFill>
+                            <a:schemeClr val="bg1"/>
+                          </a:solidFill>
+                        </a:rPr>
+                        <a:t>Highest Yearly Percentage Change </a:t>
+                      </a:r>
+                      <a:endParaRPr lang="en-US" sz="1400" dirty="0">
+                        <a:solidFill>
+                          <a:schemeClr val="bg1"/>
+                        </a:solidFill>
+                      </a:endParaRPr>
+                    </a:p>
+                  </a:txBody>
+                  <a:tcPr>
+                    <a:solidFill>
+                      <a:schemeClr val="accent1"/>
+                    </a:solidFill>
+                  </a:tcPr>
+                </a:tc>
+              </a:tr>
+              <a:tr h="330516">
+                <a:tc rowSpan="2">
+                  <a:txBody>
+                    <a:bodyPr/>
+                    <a:lstStyle/>
+                    <a:p>
+                      <a:r>
+                        <a:rPr lang="en-AU" sz="1200" b="1" dirty="0" smtClean="0"/>
+                        <a:t>Criminal</a:t>
+                      </a:r>
+                      <a:r>
+                        <a:rPr lang="en-AU" sz="1200" b="1" baseline="0" dirty="0" smtClean="0"/>
+                        <a:t> Incidents</a:t>
+                      </a:r>
+                      <a:endParaRPr lang="en-US" sz="1200" b="1" dirty="0"/>
+                    </a:p>
+                  </a:txBody>
+                  <a:tcPr anchor="ctr">
+                    <a:solidFill>
+                      <a:srgbClr val="FCE5E4"/>
+                    </a:solidFill>
+                  </a:tcPr>
+                </a:tc>
+                <a:tc>
+                  <a:txBody>
+                    <a:bodyPr/>
+                    <a:lstStyle/>
+                    <a:p>
+                      <a:pPr algn="ctr">
+                        <a:buFont typeface="Wingdings" pitchFamily="2" charset="2"/>
+                        <a:buNone/>
+                      </a:pPr>
+                      <a:r>
+                        <a:rPr lang="en-AU" sz="1200" dirty="0" smtClean="0">
+                          <a:solidFill>
+                            <a:srgbClr val="0070C0"/>
+                          </a:solidFill>
+                        </a:rPr>
+                        <a:t>Southern Metro</a:t>
+                      </a:r>
+                    </a:p>
+                  </a:txBody>
+                  <a:tcPr anchor="ctr">
+                    <a:solidFill>
+                      <a:srgbClr val="FCE5E4"/>
+                    </a:solidFill>
+                  </a:tcPr>
+                </a:tc>
+                <a:tc>
+                  <a:txBody>
+                    <a:bodyPr/>
+                    <a:lstStyle/>
+                    <a:p>
+                      <a:pPr algn="ctr"/>
+                      <a:r>
+                        <a:rPr lang="en-AU" sz="1200" dirty="0" smtClean="0">
+                          <a:solidFill>
+                            <a:schemeClr val="tx1"/>
+                          </a:solidFill>
+                        </a:rPr>
+                        <a:t>2013, 2015, </a:t>
+                      </a:r>
+                      <a:r>
+                        <a:rPr lang="en-AU" sz="1200" dirty="0" smtClean="0">
+                          <a:solidFill>
+                            <a:srgbClr val="0070C0"/>
+                          </a:solidFill>
+                        </a:rPr>
+                        <a:t>2020</a:t>
+                      </a:r>
+                    </a:p>
+                  </a:txBody>
+                  <a:tcPr anchor="ctr">
+                    <a:solidFill>
+                      <a:srgbClr val="FCE5E4"/>
+                    </a:solidFill>
+                  </a:tcPr>
                 </a:tc>
                 <a:tc>
                   <a:txBody>
@@ -9991,7 +12468,7 @@
                         <a:defRPr/>
                       </a:pPr>
                       <a:r>
-                        <a:rPr lang="en-US" sz="1800" kern="1200" dirty="0" smtClean="0">
+                        <a:rPr lang="en-US" sz="1200" kern="1200" dirty="0" smtClean="0">
                           <a:solidFill>
                             <a:srgbClr val="FF0000"/>
                           </a:solidFill>
@@ -10002,11 +12479,11 @@
                         <a:t>Ÿ</a:t>
                       </a:r>
                       <a:r>
-                        <a:rPr lang="en-AU" sz="1600" dirty="0" smtClean="0"/>
+                        <a:rPr lang="en-AU" sz="1200" dirty="0" smtClean="0"/>
                         <a:t>0.05, </a:t>
                       </a:r>
                       <a:r>
-                        <a:rPr lang="en-US" sz="1600" kern="1200" dirty="0" smtClean="0">
+                        <a:rPr lang="en-US" sz="1200" kern="1200" dirty="0" smtClean="0">
                           <a:solidFill>
                             <a:srgbClr val="FF0000"/>
                           </a:solidFill>
@@ -10017,11 +12494,11 @@
                         <a:t>Ÿ</a:t>
                       </a:r>
                       <a:r>
-                        <a:rPr lang="en-AU" sz="1600" dirty="0" smtClean="0"/>
+                        <a:rPr lang="en-AU" sz="1200" dirty="0" smtClean="0"/>
                         <a:t>0.07, </a:t>
                       </a:r>
                       <a:r>
-                        <a:rPr lang="en-US" sz="1600" kern="1200" dirty="0" smtClean="0">
+                        <a:rPr lang="en-US" sz="1200" kern="1200" dirty="0" smtClean="0">
                           <a:solidFill>
                             <a:srgbClr val="FF0000"/>
                           </a:solidFill>
@@ -10032,127 +12509,75 @@
                         <a:t>Ÿ</a:t>
                       </a:r>
                       <a:r>
-                        <a:rPr lang="en-AU" sz="1600" dirty="0" smtClean="0"/>
+                        <a:rPr lang="en-AU" sz="1200" dirty="0" smtClean="0"/>
                         <a:t>0.06</a:t>
                       </a:r>
                     </a:p>
-                    <a:p>
-                      <a:pPr algn="ctr"/>
-                      <a:r>
-                        <a:rPr lang="en-US" sz="1600" kern="1200" dirty="0" smtClean="0">
+                  </a:txBody>
+                  <a:tcPr anchor="ctr">
+                    <a:solidFill>
+                      <a:srgbClr val="FCE5E4"/>
+                    </a:solidFill>
+                  </a:tcPr>
+                </a:tc>
+              </a:tr>
+              <a:tr h="330516">
+                <a:tc vMerge="1">
+                  <a:txBody>
+                    <a:bodyPr/>
+                    <a:lstStyle/>
+                    <a:p>
+                      <a:endParaRPr lang="en-US"/>
+                    </a:p>
+                  </a:txBody>
+                  <a:tcPr/>
+                </a:tc>
+                <a:tc>
+                  <a:txBody>
+                    <a:bodyPr/>
+                    <a:lstStyle/>
+                    <a:p>
+                      <a:pPr marL="0" marR="0" indent="0" algn="ctr" defTabSz="914400" rtl="0" eaLnBrk="1" fontAlgn="auto" latinLnBrk="0" hangingPunct="1">
+                        <a:lnSpc>
+                          <a:spcPct val="100000"/>
+                        </a:lnSpc>
+                        <a:spcBef>
+                          <a:spcPts val="0"/>
+                        </a:spcBef>
+                        <a:spcAft>
+                          <a:spcPts val="0"/>
+                        </a:spcAft>
+                        <a:buClrTx/>
+                        <a:buSzTx/>
+                        <a:buFont typeface="Wingdings" pitchFamily="2" charset="2"/>
+                        <a:buNone/>
+                        <a:tabLst/>
+                        <a:defRPr/>
+                      </a:pPr>
+                      <a:r>
+                        <a:rPr lang="en-AU" sz="1200" dirty="0" smtClean="0">
                           <a:solidFill>
-                            <a:srgbClr val="FF0000"/>
-                          </a:solidFill>
-                          <a:latin typeface="Wingdings 3" pitchFamily="18" charset="2"/>
-                          <a:ea typeface="+mn-ea"/>
-                          <a:cs typeface="+mn-cs"/>
-                        </a:rPr>
-                        <a:t>Ÿ</a:t>
-                      </a:r>
-                      <a:r>
-                        <a:rPr lang="en-AU" sz="1600" dirty="0" smtClean="0"/>
-                        <a:t>0.05, </a:t>
-                      </a:r>
-                      <a:r>
-                        <a:rPr lang="en-US" sz="1600" kern="1200" dirty="0" smtClean="0">
-                          <a:solidFill>
-                            <a:srgbClr val="00B050"/>
-                          </a:solidFill>
-                          <a:latin typeface="Wingdings 3" pitchFamily="18" charset="2"/>
-                          <a:ea typeface="+mn-ea"/>
-                          <a:cs typeface="+mn-cs"/>
-                        </a:rPr>
-                        <a:t>”</a:t>
-                      </a:r>
-                      <a:r>
-                        <a:rPr lang="en-AU" sz="1600" dirty="0" smtClean="0">
-                          <a:solidFill>
-                            <a:schemeClr val="tx1"/>
+                            <a:schemeClr val="accent5">
+                              <a:lumMod val="75000"/>
+                            </a:schemeClr>
                           </a:solidFill>
                         </a:rPr>
-                        <a:t>-0.01</a:t>
-                      </a:r>
-                      <a:r>
-                        <a:rPr lang="en-AU" sz="1600" dirty="0" smtClean="0"/>
-                        <a:t>, </a:t>
-                      </a:r>
-                      <a:r>
-                        <a:rPr lang="en-US" sz="1600" kern="1200" dirty="0" smtClean="0">
-                          <a:solidFill>
-                            <a:srgbClr val="FF0000"/>
-                          </a:solidFill>
-                          <a:latin typeface="Wingdings 3" pitchFamily="18" charset="2"/>
-                          <a:ea typeface="+mn-ea"/>
-                          <a:cs typeface="+mn-cs"/>
-                        </a:rPr>
-                        <a:t>Ÿ</a:t>
-                      </a:r>
-                      <a:r>
-                        <a:rPr lang="en-AU" sz="1600" dirty="0" smtClean="0"/>
-                        <a:t>0.08</a:t>
-                      </a:r>
-                      <a:endParaRPr lang="en-US" sz="1600" dirty="0"/>
-                    </a:p>
-                  </a:txBody>
-                  <a:tcPr/>
-                </a:tc>
-              </a:tr>
-              <a:tr h="370840">
-                <a:tc>
-                  <a:txBody>
-                    <a:bodyPr/>
-                    <a:lstStyle/>
-                    <a:p>
-                      <a:r>
-                        <a:rPr lang="en-AU" sz="1600" dirty="0" smtClean="0"/>
-                        <a:t>Recorded Offence</a:t>
-                      </a:r>
-                      <a:endParaRPr lang="en-US" sz="1600" dirty="0"/>
-                    </a:p>
-                  </a:txBody>
-                  <a:tcPr/>
-                </a:tc>
-                <a:tc>
-                  <a:txBody>
-                    <a:bodyPr/>
-                    <a:lstStyle/>
-                    <a:p>
-                      <a:pPr algn="ctr"/>
-                      <a:r>
-                        <a:rPr lang="en-AU" sz="1600" dirty="0" smtClean="0"/>
-                        <a:t>West</a:t>
-                      </a:r>
-                      <a:endParaRPr lang="en-US" sz="1600" dirty="0"/>
-                    </a:p>
-                  </a:txBody>
-                  <a:tcPr/>
-                </a:tc>
-                <a:tc>
-                  <a:txBody>
-                    <a:bodyPr/>
-                    <a:lstStyle/>
-                    <a:p>
-                      <a:pPr algn="ctr"/>
-                      <a:r>
-                        <a:rPr lang="en-AU" sz="1600" dirty="0" smtClean="0"/>
-                        <a:t>2013, 2016, </a:t>
-                      </a:r>
-                      <a:r>
-                        <a:rPr lang="en-AU" sz="1600" dirty="0" smtClean="0">
-                          <a:solidFill>
-                            <a:srgbClr val="00B050"/>
-                          </a:solidFill>
-                        </a:rPr>
-                        <a:t>2017, 2021</a:t>
-                      </a:r>
-                      <a:endParaRPr lang="en-US" sz="1600" dirty="0">
+                        <a:t>East</a:t>
+                      </a:r>
+                      <a:endParaRPr lang="en-US" sz="1200" dirty="0" smtClean="0">
                         <a:solidFill>
-                          <a:srgbClr val="00B050"/>
+                          <a:schemeClr val="accent5">
+                            <a:lumMod val="75000"/>
+                          </a:schemeClr>
                         </a:solidFill>
                       </a:endParaRPr>
                     </a:p>
                   </a:txBody>
-                  <a:tcPr/>
+                  <a:tcPr anchor="ctr">
+                    <a:solidFill>
+                      <a:srgbClr val="FCE5E4"/>
+                    </a:solidFill>
+                  </a:tcPr>
                 </a:tc>
                 <a:tc>
                   <a:txBody>
@@ -10177,7 +12602,62 @@
                         <a:defRPr/>
                       </a:pPr>
                       <a:r>
-                        <a:rPr lang="en-US" sz="1600" kern="1200" dirty="0" smtClean="0">
+                        <a:rPr lang="en-AU" sz="1200" dirty="0" smtClean="0">
+                          <a:solidFill>
+                            <a:schemeClr val="tx1"/>
+                          </a:solidFill>
+                        </a:rPr>
+                        <a:t>2014, 2017, </a:t>
+                      </a:r>
+                      <a:r>
+                        <a:rPr lang="en-AU" sz="1200" dirty="0" smtClean="0">
+                          <a:solidFill>
+                            <a:schemeClr val="accent5">
+                              <a:lumMod val="75000"/>
+                            </a:schemeClr>
+                          </a:solidFill>
+                        </a:rPr>
+                        <a:t>2019</a:t>
+                      </a:r>
+                      <a:endParaRPr lang="en-US" sz="1200" dirty="0" smtClean="0">
+                        <a:solidFill>
+                          <a:schemeClr val="accent5">
+                            <a:lumMod val="75000"/>
+                          </a:schemeClr>
+                        </a:solidFill>
+                      </a:endParaRPr>
+                    </a:p>
+                  </a:txBody>
+                  <a:tcPr anchor="ctr">
+                    <a:solidFill>
+                      <a:srgbClr val="FCE5E4"/>
+                    </a:solidFill>
+                  </a:tcPr>
+                </a:tc>
+                <a:tc>
+                  <a:txBody>
+                    <a:bodyPr/>
+                    <a:lstStyle/>
+                    <a:p>
+                      <a:pPr marL="0" marR="0" indent="0" algn="ctr" defTabSz="914400" rtl="0" eaLnBrk="1" fontAlgn="auto" latinLnBrk="0" hangingPunct="1">
+                        <a:lnSpc>
+                          <a:spcPct val="100000"/>
+                        </a:lnSpc>
+                        <a:spcBef>
+                          <a:spcPts val="0"/>
+                        </a:spcBef>
+                        <a:spcAft>
+                          <a:spcPts val="0"/>
+                        </a:spcAft>
+                        <a:buClrTx/>
+                        <a:buSzTx/>
+                        <a:buFontTx/>
+                        <a:buNone/>
+                        <a:tabLst/>
+                        <a:defRPr/>
+                      </a:pPr>
+                      <a:r>
+                        <a:rPr lang="en-US" sz="1200" kern="1200" dirty="0" smtClean="0">
                           <a:solidFill>
                             <a:srgbClr val="FF0000"/>
                           </a:solidFill>
@@ -10188,11 +12668,34 @@
                         <a:t>Ÿ</a:t>
                       </a:r>
                       <a:r>
-                        <a:rPr lang="en-AU" sz="1600" dirty="0" smtClean="0"/>
-                        <a:t>0.09, </a:t>
-                      </a:r>
-                      <a:r>
-                        <a:rPr lang="en-US" sz="1600" kern="1200" dirty="0" smtClean="0">
+                        <a:rPr lang="en-AU" sz="1200" dirty="0" smtClean="0"/>
+                        <a:t>0.05, </a:t>
+                      </a:r>
+                      <a:r>
+                        <a:rPr lang="en-US" sz="1200" kern="1200" dirty="0" smtClean="0">
+                          <a:solidFill>
+                            <a:srgbClr val="00B050"/>
+                          </a:solidFill>
+                          <a:latin typeface="Wingdings 3" pitchFamily="18" charset="2"/>
+                          <a:ea typeface="+mn-ea"/>
+                          <a:cs typeface="+mn-cs"/>
+                        </a:rPr>
+                        <a:t>”</a:t>
+                      </a:r>
+                      <a:r>
+                        <a:rPr lang="en-AU" sz="1200" dirty="0" smtClean="0">
+                          <a:solidFill>
+                            <a:schemeClr val="tx1"/>
+                          </a:solidFill>
+                        </a:rPr>
+                        <a:t>-0.01</a:t>
+                      </a:r>
+                      <a:r>
+                        <a:rPr lang="en-AU" sz="1200" dirty="0" smtClean="0"/>
+                        <a:t>, </a:t>
+                      </a:r>
+                      <a:r>
+                        <a:rPr lang="en-US" sz="1200" kern="1200" dirty="0" smtClean="0">
                           <a:solidFill>
                             <a:srgbClr val="FF0000"/>
                           </a:solidFill>
@@ -10203,15 +12706,142 @@
                         <a:t>Ÿ</a:t>
                       </a:r>
                       <a:r>
-                        <a:rPr lang="en-AU" sz="1600" dirty="0" smtClean="0"/>
+                        <a:rPr lang="en-AU" sz="1200" dirty="0" smtClean="0"/>
+                        <a:t>0.08</a:t>
+                      </a:r>
+                      <a:endParaRPr lang="en-US" sz="1200" dirty="0" smtClean="0"/>
+                    </a:p>
+                  </a:txBody>
+                  <a:tcPr anchor="ctr">
+                    <a:solidFill>
+                      <a:srgbClr val="FCE5E4"/>
+                    </a:solidFill>
+                  </a:tcPr>
+                </a:tc>
+              </a:tr>
+              <a:tr h="312312">
+                <a:tc>
+                  <a:txBody>
+                    <a:bodyPr/>
+                    <a:lstStyle/>
+                    <a:p>
+                      <a:r>
+                        <a:rPr lang="en-AU" sz="1200" b="1" dirty="0" smtClean="0"/>
+                        <a:t>Recorded Offence</a:t>
+                      </a:r>
+                      <a:endParaRPr lang="en-US" sz="1200" b="1" dirty="0"/>
+                    </a:p>
+                  </a:txBody>
+                  <a:tcPr anchor="ctr">
+                    <a:solidFill>
+                      <a:srgbClr val="FCE5E4"/>
+                    </a:solidFill>
+                  </a:tcPr>
+                </a:tc>
+                <a:tc>
+                  <a:txBody>
+                    <a:bodyPr/>
+                    <a:lstStyle/>
+                    <a:p>
+                      <a:pPr algn="ctr"/>
+                      <a:r>
+                        <a:rPr lang="en-AU" sz="1200" dirty="0" smtClean="0"/>
+                        <a:t>West</a:t>
+                      </a:r>
+                      <a:endParaRPr lang="en-US" sz="1200" dirty="0"/>
+                    </a:p>
+                  </a:txBody>
+                  <a:tcPr anchor="ctr">
+                    <a:solidFill>
+                      <a:srgbClr val="FCE5E4"/>
+                    </a:solidFill>
+                  </a:tcPr>
+                </a:tc>
+                <a:tc>
+                  <a:txBody>
+                    <a:bodyPr/>
+                    <a:lstStyle/>
+                    <a:p>
+                      <a:pPr algn="ctr"/>
+                      <a:r>
+                        <a:rPr lang="en-AU" sz="1200" dirty="0" smtClean="0">
+                          <a:solidFill>
+                            <a:schemeClr val="tx1"/>
+                          </a:solidFill>
+                        </a:rPr>
+                        <a:t>2013, 2016, 2017, 2021</a:t>
+                      </a:r>
+                      <a:endParaRPr lang="en-US" sz="1200" dirty="0">
+                        <a:solidFill>
+                          <a:schemeClr val="tx1"/>
+                        </a:solidFill>
+                      </a:endParaRPr>
+                    </a:p>
+                  </a:txBody>
+                  <a:tcPr anchor="ctr">
+                    <a:solidFill>
+                      <a:srgbClr val="FCE5E4"/>
+                    </a:solidFill>
+                  </a:tcPr>
+                </a:tc>
+                <a:tc>
+                  <a:txBody>
+                    <a:bodyPr/>
+                    <a:lstStyle/>
+                    <a:p>
+                      <a:pPr marL="0" marR="0" indent="0" algn="ctr" defTabSz="914400" rtl="0" eaLnBrk="1" fontAlgn="auto" latinLnBrk="0" hangingPunct="1">
+                        <a:lnSpc>
+                          <a:spcPct val="100000"/>
+                        </a:lnSpc>
+                        <a:spcBef>
+                          <a:spcPts val="0"/>
+                        </a:spcBef>
+                        <a:spcAft>
+                          <a:spcPts val="0"/>
+                        </a:spcAft>
+                        <a:buClrTx/>
+                        <a:buSzTx/>
+                        <a:buFontTx/>
+                        <a:buNone/>
+                        <a:tabLst/>
+                        <a:defRPr/>
+                      </a:pPr>
+                      <a:r>
+                        <a:rPr lang="en-US" sz="1200" kern="1200" dirty="0" smtClean="0">
+                          <a:solidFill>
+                            <a:srgbClr val="FF0000"/>
+                          </a:solidFill>
+                          <a:latin typeface="Wingdings 3" pitchFamily="18" charset="2"/>
+                          <a:ea typeface="+mn-ea"/>
+                          <a:cs typeface="+mn-cs"/>
+                        </a:rPr>
+                        <a:t>Ÿ</a:t>
+                      </a:r>
+                      <a:r>
+                        <a:rPr lang="en-AU" sz="1200" dirty="0" smtClean="0"/>
+                        <a:t>0.09, </a:t>
+                      </a:r>
+                      <a:r>
+                        <a:rPr lang="en-US" sz="1200" kern="1200" dirty="0" smtClean="0">
+                          <a:solidFill>
+                            <a:srgbClr val="FF0000"/>
+                          </a:solidFill>
+                          <a:latin typeface="Wingdings 3" pitchFamily="18" charset="2"/>
+                          <a:ea typeface="+mn-ea"/>
+                          <a:cs typeface="+mn-cs"/>
+                        </a:rPr>
+                        <a:t>Ÿ</a:t>
+                      </a:r>
+                      <a:r>
+                        <a:rPr lang="en-AU" sz="1200" dirty="0" smtClean="0"/>
                         <a:t>0.13,</a:t>
                       </a:r>
                       <a:r>
-                        <a:rPr lang="en-AU" sz="1600" baseline="0" dirty="0" smtClean="0"/>
+                        <a:rPr lang="en-AU" sz="1200" baseline="0" dirty="0" smtClean="0"/>
                         <a:t> </a:t>
                       </a:r>
                       <a:r>
-                        <a:rPr lang="en-US" sz="1800" kern="1200" dirty="0" smtClean="0">
+                        <a:rPr lang="en-US" sz="1200" kern="1200" dirty="0" smtClean="0">
                           <a:solidFill>
                             <a:srgbClr val="00B050"/>
                           </a:solidFill>
@@ -10222,11 +12852,11 @@
                         <a:t>”</a:t>
                       </a:r>
                       <a:r>
-                        <a:rPr lang="en-AU" sz="1600" baseline="0" dirty="0" smtClean="0"/>
+                        <a:rPr lang="en-AU" sz="1200" baseline="0" dirty="0" smtClean="0"/>
                         <a:t>-0.02, </a:t>
                       </a:r>
                       <a:r>
-                        <a:rPr lang="en-US" sz="1600" kern="1200" dirty="0" smtClean="0">
+                        <a:rPr lang="en-US" sz="1200" kern="1200" dirty="0" smtClean="0">
                           <a:solidFill>
                             <a:srgbClr val="00B050"/>
                           </a:solidFill>
@@ -10237,41 +12867,49 @@
                         <a:t>”</a:t>
                       </a:r>
                       <a:r>
-                        <a:rPr lang="en-AU" sz="1600" baseline="0" dirty="0" smtClean="0">
+                        <a:rPr lang="en-AU" sz="1200" baseline="0" dirty="0" smtClean="0">
                           <a:solidFill>
                             <a:schemeClr val="tx1"/>
                           </a:solidFill>
                         </a:rPr>
                         <a:t>-0.06</a:t>
                       </a:r>
-                      <a:endParaRPr lang="en-US" sz="1600" dirty="0">
+                      <a:endParaRPr lang="en-US" sz="1200" dirty="0">
                         <a:solidFill>
                           <a:schemeClr val="tx1"/>
                         </a:solidFill>
                       </a:endParaRPr>
                     </a:p>
                   </a:txBody>
-                  <a:tcPr/>
+                  <a:tcPr anchor="ctr">
+                    <a:solidFill>
+                      <a:srgbClr val="FCE5E4"/>
+                    </a:solidFill>
+                  </a:tcPr>
                 </a:tc>
               </a:tr>
-              <a:tr h="370840">
-                <a:tc>
-                  <a:txBody>
-                    <a:bodyPr/>
-                    <a:lstStyle/>
-                    <a:p>
-                      <a:r>
-                        <a:rPr lang="en-AU" sz="1600" dirty="0" smtClean="0"/>
+              <a:tr h="374650">
+                <a:tc>
+                  <a:txBody>
+                    <a:bodyPr/>
+                    <a:lstStyle/>
+                    <a:p>
+                      <a:r>
+                        <a:rPr lang="en-AU" sz="1200" b="1" dirty="0" smtClean="0"/>
                         <a:t>Alleged Offender</a:t>
                       </a:r>
                       <a:r>
-                        <a:rPr lang="en-AU" sz="1600" baseline="0" dirty="0" smtClean="0"/>
+                        <a:rPr lang="en-AU" sz="1200" b="1" baseline="0" dirty="0" smtClean="0"/>
                         <a:t> Incidents</a:t>
                       </a:r>
-                      <a:endParaRPr lang="en-US" sz="1600" dirty="0"/>
-                    </a:p>
-                  </a:txBody>
-                  <a:tcPr/>
+                      <a:endParaRPr lang="en-US" sz="1200" b="1" dirty="0"/>
+                    </a:p>
+                  </a:txBody>
+                  <a:tcPr anchor="ctr">
+                    <a:solidFill>
+                      <a:srgbClr val="FCE5E4"/>
+                    </a:solidFill>
+                  </a:tcPr>
                 </a:tc>
                 <a:tc>
                   <a:txBody>
@@ -10280,12 +12918,20 @@
                     <a:p>
                       <a:pPr algn="ctr"/>
                       <a:r>
-                        <a:rPr lang="en-AU" sz="1600" dirty="0" smtClean="0"/>
+                        <a:rPr lang="en-AU" sz="1200" dirty="0" smtClean="0">
+                          <a:solidFill>
+                            <a:srgbClr val="0070C0"/>
+                          </a:solidFill>
+                        </a:rPr>
                         <a:t>Southern Metro</a:t>
                       </a:r>
                     </a:p>
                   </a:txBody>
-                  <a:tcPr/>
+                  <a:tcPr anchor="ctr">
+                    <a:solidFill>
+                      <a:srgbClr val="FCE5E4"/>
+                    </a:solidFill>
+                  </a:tcPr>
                 </a:tc>
                 <a:tc>
                   <a:txBody>
@@ -10294,13 +12940,29 @@
                     <a:p>
                       <a:pPr algn="ctr"/>
                       <a:r>
-                        <a:rPr lang="en-AU" sz="1600" dirty="0" smtClean="0"/>
-                        <a:t>2013, 2015, 2020</a:t>
-                      </a:r>
-                      <a:endParaRPr lang="en-US" sz="1600" dirty="0"/>
-                    </a:p>
-                  </a:txBody>
-                  <a:tcPr/>
+                        <a:rPr lang="en-AU" sz="1200" dirty="0" smtClean="0"/>
+                        <a:t>2013, 2015, </a:t>
+                      </a:r>
+                      <a:r>
+                        <a:rPr lang="en-AU" sz="1200" dirty="0" smtClean="0">
+                          <a:solidFill>
+                            <a:srgbClr val="0070C0"/>
+                          </a:solidFill>
+                        </a:rPr>
+                        <a:t>2020</a:t>
+                      </a:r>
+                      <a:endParaRPr lang="en-US" sz="1200" dirty="0">
+                        <a:solidFill>
+                          <a:srgbClr val="0070C0"/>
+                        </a:solidFill>
+                      </a:endParaRPr>
+                    </a:p>
+                  </a:txBody>
+                  <a:tcPr anchor="ctr">
+                    <a:solidFill>
+                      <a:srgbClr val="FCE5E4"/>
+                    </a:solidFill>
+                  </a:tcPr>
                 </a:tc>
                 <a:tc>
                   <a:txBody>
@@ -10309,7 +12971,7 @@
                     <a:p>
                       <a:pPr algn="ctr"/>
                       <a:r>
-                        <a:rPr lang="en-US" sz="1600" kern="1200" dirty="0" smtClean="0">
+                        <a:rPr lang="en-US" sz="1200" kern="1200" dirty="0" smtClean="0">
                           <a:solidFill>
                             <a:srgbClr val="FF0000"/>
                           </a:solidFill>
@@ -10320,11 +12982,11 @@
                         <a:t>Ÿ</a:t>
                       </a:r>
                       <a:r>
-                        <a:rPr lang="en-AU" sz="1600" dirty="0" smtClean="0"/>
+                        <a:rPr lang="en-AU" sz="1200" dirty="0" smtClean="0"/>
                         <a:t>0.13, </a:t>
                       </a:r>
                       <a:r>
-                        <a:rPr lang="en-US" sz="1600" kern="1200" dirty="0" smtClean="0">
+                        <a:rPr lang="en-US" sz="1200" kern="1200" dirty="0" smtClean="0">
                           <a:solidFill>
                             <a:srgbClr val="FF0000"/>
                           </a:solidFill>
@@ -10335,11 +12997,11 @@
                         <a:t>Ÿ</a:t>
                       </a:r>
                       <a:r>
-                        <a:rPr lang="en-AU" sz="1600" dirty="0" smtClean="0"/>
+                        <a:rPr lang="en-AU" sz="1200" dirty="0" smtClean="0"/>
                         <a:t>0.42, </a:t>
                       </a:r>
                       <a:r>
-                        <a:rPr lang="en-US" sz="1600" kern="1200" dirty="0" smtClean="0">
+                        <a:rPr lang="en-US" sz="1200" kern="1200" dirty="0" smtClean="0">
                           <a:solidFill>
                             <a:srgbClr val="FF0000"/>
                           </a:solidFill>
@@ -10350,33 +13012,41 @@
                         <a:t>Ÿ</a:t>
                       </a:r>
                       <a:r>
-                        <a:rPr lang="en-AU" sz="1600" dirty="0" smtClean="0"/>
+                        <a:rPr lang="en-AU" sz="1200" dirty="0" smtClean="0"/>
                         <a:t>0.26</a:t>
                       </a:r>
-                      <a:endParaRPr lang="en-US" sz="1600" dirty="0"/>
-                    </a:p>
-                  </a:txBody>
-                  <a:tcPr/>
+                      <a:endParaRPr lang="en-US" sz="1200" dirty="0"/>
+                    </a:p>
+                  </a:txBody>
+                  <a:tcPr anchor="ctr">
+                    <a:solidFill>
+                      <a:srgbClr val="FCE5E4"/>
+                    </a:solidFill>
+                  </a:tcPr>
                 </a:tc>
               </a:tr>
-              <a:tr h="370840">
-                <a:tc>
-                  <a:txBody>
-                    <a:bodyPr/>
-                    <a:lstStyle/>
-                    <a:p>
-                      <a:r>
-                        <a:rPr lang="en-AU" sz="1600" dirty="0" smtClean="0"/>
+              <a:tr h="336550">
+                <a:tc>
+                  <a:txBody>
+                    <a:bodyPr/>
+                    <a:lstStyle/>
+                    <a:p>
+                      <a:r>
+                        <a:rPr lang="en-AU" sz="1200" b="1" dirty="0" smtClean="0"/>
                         <a:t>Victim</a:t>
                       </a:r>
                       <a:r>
-                        <a:rPr lang="en-AU" sz="1600" baseline="0" dirty="0" smtClean="0"/>
+                        <a:rPr lang="en-AU" sz="1200" b="1" baseline="0" dirty="0" smtClean="0"/>
                         <a:t> Reports</a:t>
                       </a:r>
-                      <a:endParaRPr lang="en-US" sz="1600" dirty="0"/>
-                    </a:p>
-                  </a:txBody>
-                  <a:tcPr/>
+                      <a:endParaRPr lang="en-US" sz="1200" b="1" dirty="0"/>
+                    </a:p>
+                  </a:txBody>
+                  <a:tcPr anchor="ctr">
+                    <a:solidFill>
+                      <a:srgbClr val="FCE5E4"/>
+                    </a:solidFill>
+                  </a:tcPr>
                 </a:tc>
                 <a:tc>
                   <a:txBody>
@@ -10385,40 +13055,29 @@
                     <a:p>
                       <a:pPr algn="ctr"/>
                       <a:r>
-                        <a:rPr lang="en-AU" sz="1600" dirty="0" smtClean="0"/>
-                        <a:t>East</a:t>
-                      </a:r>
-                      <a:endParaRPr lang="en-US" sz="1600" dirty="0"/>
-                    </a:p>
-                  </a:txBody>
-                  <a:tcPr/>
-                </a:tc>
-                <a:tc>
-                  <a:txBody>
-                    <a:bodyPr/>
-                    <a:lstStyle/>
-                    <a:p>
-                      <a:pPr algn="ctr"/>
-                      <a:r>
-                        <a:rPr lang="en-AU" sz="1600" dirty="0" smtClean="0"/>
-                        <a:t>2013, 2014, </a:t>
-                      </a:r>
-                      <a:r>
-                        <a:rPr lang="en-AU" sz="1600" dirty="0" smtClean="0">
+                        <a:rPr lang="en-AU" sz="1200" dirty="0" smtClean="0">
                           <a:solidFill>
-                            <a:srgbClr val="00B050"/>
+                            <a:schemeClr val="accent5">
+                              <a:lumMod val="75000"/>
+                            </a:schemeClr>
                           </a:solidFill>
                         </a:rPr>
-                        <a:t>2017</a:t>
-                      </a:r>
-                      <a:r>
-                        <a:rPr lang="en-AU" sz="1600" dirty="0" smtClean="0"/>
-                        <a:t>, 2019</a:t>
-                      </a:r>
-                      <a:endParaRPr lang="en-US" sz="1600" dirty="0"/>
-                    </a:p>
-                  </a:txBody>
-                  <a:tcPr/>
+                        <a:t>East</a:t>
+                      </a:r>
+                      <a:endParaRPr lang="en-US" sz="1200" dirty="0">
+                        <a:solidFill>
+                          <a:schemeClr val="accent5">
+                            <a:lumMod val="75000"/>
+                          </a:schemeClr>
+                        </a:solidFill>
+                      </a:endParaRPr>
+                    </a:p>
+                  </a:txBody>
+                  <a:tcPr anchor="ctr">
+                    <a:solidFill>
+                      <a:srgbClr val="FCE5E4"/>
+                    </a:solidFill>
+                  </a:tcPr>
                 </a:tc>
                 <a:tc>
                   <a:txBody>
@@ -10427,7 +13086,54 @@
                     <a:p>
                       <a:pPr algn="ctr"/>
                       <a:r>
-                        <a:rPr lang="en-US" sz="1600" kern="1200" dirty="0" smtClean="0">
+                        <a:rPr lang="en-AU" sz="1200" dirty="0" smtClean="0"/>
+                        <a:t>2013, 2014</a:t>
+                      </a:r>
+                      <a:r>
+                        <a:rPr lang="en-AU" sz="1200" dirty="0" smtClean="0">
+                          <a:solidFill>
+                            <a:schemeClr val="tx1"/>
+                          </a:solidFill>
+                        </a:rPr>
+                        <a:t>, 2017</a:t>
+                      </a:r>
+                      <a:r>
+                        <a:rPr lang="en-AU" sz="1200" dirty="0" smtClean="0"/>
+                        <a:t>, </a:t>
+                      </a:r>
+                      <a:r>
+                        <a:rPr lang="en-AU" sz="1200" dirty="0" smtClean="0">
+                          <a:solidFill>
+                            <a:schemeClr val="accent5">
+                              <a:lumMod val="75000"/>
+                            </a:schemeClr>
+                          </a:solidFill>
+                        </a:rPr>
+                        <a:t>2019</a:t>
+                      </a:r>
+                      <a:endParaRPr lang="en-US" sz="1200" dirty="0">
+                        <a:solidFill>
+                          <a:schemeClr val="accent5">
+                            <a:lumMod val="75000"/>
+                          </a:schemeClr>
+                        </a:solidFill>
+                      </a:endParaRPr>
+                    </a:p>
+                  </a:txBody>
+                  <a:tcPr anchor="ctr">
+                    <a:solidFill>
+                      <a:srgbClr val="FCE5E4"/>
+                    </a:solidFill>
+                  </a:tcPr>
+                </a:tc>
+                <a:tc>
+                  <a:txBody>
+                    <a:bodyPr/>
+                    <a:lstStyle/>
+                    <a:p>
+                      <a:pPr algn="ctr"/>
+                      <a:r>
+                        <a:rPr lang="en-US" sz="1200" kern="1200" dirty="0" smtClean="0">
                           <a:solidFill>
                             <a:srgbClr val="FF0000"/>
                           </a:solidFill>
@@ -10438,11 +13144,11 @@
                         <a:t>Ÿ</a:t>
                       </a:r>
                       <a:r>
-                        <a:rPr lang="en-AU" sz="1600" dirty="0" smtClean="0"/>
+                        <a:rPr lang="en-AU" sz="1200" dirty="0" smtClean="0"/>
                         <a:t>0.02, </a:t>
                       </a:r>
                       <a:r>
-                        <a:rPr lang="en-US" sz="1600" kern="1200" dirty="0" smtClean="0">
+                        <a:rPr lang="en-US" sz="1200" kern="1200" dirty="0" smtClean="0">
                           <a:solidFill>
                             <a:srgbClr val="FF0000"/>
                           </a:solidFill>
@@ -10453,11 +13159,11 @@
                         <a:t>Ÿ</a:t>
                       </a:r>
                       <a:r>
-                        <a:rPr lang="en-AU" sz="1600" dirty="0" smtClean="0"/>
+                        <a:rPr lang="en-AU" sz="1200" dirty="0" smtClean="0"/>
                         <a:t>0.05, </a:t>
                       </a:r>
                       <a:r>
-                        <a:rPr lang="en-US" sz="1600" kern="1200" dirty="0" smtClean="0">
+                        <a:rPr lang="en-US" sz="1200" kern="1200" dirty="0" smtClean="0">
                           <a:solidFill>
                             <a:srgbClr val="00B050"/>
                           </a:solidFill>
@@ -10468,11 +13174,11 @@
                         <a:t>”</a:t>
                       </a:r>
                       <a:r>
-                        <a:rPr lang="en-AU" sz="1600" dirty="0" smtClean="0"/>
+                        <a:rPr lang="en-AU" sz="1200" dirty="0" smtClean="0"/>
                         <a:t>-0.04, </a:t>
                       </a:r>
                       <a:r>
-                        <a:rPr lang="en-US" sz="1600" kern="1200" dirty="0" smtClean="0">
+                        <a:rPr lang="en-US" sz="1200" kern="1200" dirty="0" smtClean="0">
                           <a:solidFill>
                             <a:srgbClr val="FF0000"/>
                           </a:solidFill>
@@ -10483,29 +13189,62 @@
                         <a:t>Ÿ</a:t>
                       </a:r>
                       <a:r>
-                        <a:rPr lang="en-AU" sz="1600" dirty="0" smtClean="0"/>
+                        <a:rPr lang="en-AU" sz="1200" dirty="0" smtClean="0"/>
                         <a:t>0.08</a:t>
                       </a:r>
-                      <a:endParaRPr lang="en-US" sz="1600" dirty="0"/>
-                    </a:p>
-                  </a:txBody>
-                  <a:tcPr/>
+                      <a:endParaRPr lang="en-US" sz="1200" dirty="0"/>
+                    </a:p>
+                  </a:txBody>
+                  <a:tcPr anchor="ctr">
+                    <a:solidFill>
+                      <a:srgbClr val="FCE5E4"/>
+                    </a:solidFill>
+                  </a:tcPr>
                 </a:tc>
               </a:tr>
-              <a:tr h="370840">
-                <a:tc>
-                  <a:txBody>
-                    <a:bodyPr/>
-                    <a:lstStyle/>
-                    <a:p>
-                      <a:r>
-                        <a:rPr lang="en-AU" sz="1600" dirty="0" smtClean="0"/>
+              <a:tr h="266700">
+                <a:tc rowSpan="4">
+                  <a:txBody>
+                    <a:bodyPr/>
+                    <a:lstStyle/>
+                    <a:p>
+                      <a:r>
+                        <a:rPr lang="en-AU" sz="1200" b="1" dirty="0" smtClean="0"/>
                         <a:t>Family Incidents</a:t>
                       </a:r>
-                      <a:endParaRPr lang="en-US" sz="1600" dirty="0"/>
-                    </a:p>
-                  </a:txBody>
-                  <a:tcPr/>
+                      <a:endParaRPr lang="en-US" sz="1200" b="1" dirty="0"/>
+                    </a:p>
+                  </a:txBody>
+                  <a:tcPr anchor="ctr">
+                    <a:solidFill>
+                      <a:srgbClr val="FCE5E4"/>
+                    </a:solidFill>
+                  </a:tcPr>
+                </a:tc>
+                <a:tc>
+                  <a:txBody>
+                    <a:bodyPr/>
+                    <a:lstStyle/>
+                    <a:p>
+                      <a:pPr algn="ctr">
+                        <a:buFont typeface="Wingdings" pitchFamily="2" charset="2"/>
+                        <a:buNone/>
+                      </a:pPr>
+                      <a:r>
+                        <a:rPr lang="en-AU" sz="1200" dirty="0" smtClean="0"/>
+                        <a:t>North</a:t>
+                      </a:r>
+                      <a:r>
+                        <a:rPr lang="en-AU" sz="1200" baseline="0" dirty="0" smtClean="0"/>
+                        <a:t> West Metro</a:t>
+                      </a:r>
+                    </a:p>
+                  </a:txBody>
+                  <a:tcPr anchor="ctr">
+                    <a:solidFill>
+                      <a:srgbClr val="FCE5E4"/>
+                    </a:solidFill>
+                  </a:tcPr>
                 </a:tc>
                 <a:tc>
                   <a:txBody>
@@ -10514,83 +13253,25 @@
                     <a:p>
                       <a:pPr algn="ctr"/>
                       <a:r>
-                        <a:rPr lang="en-AU" sz="1600" dirty="0" smtClean="0"/>
-                        <a:t>North</a:t>
-                      </a:r>
-                      <a:r>
-                        <a:rPr lang="en-AU" sz="1600" baseline="0" dirty="0" smtClean="0"/>
-                        <a:t> West Metro</a:t>
-                      </a:r>
-                    </a:p>
+                        <a:rPr lang="en-AU" sz="1200" dirty="0" smtClean="0"/>
+                        <a:t>2018</a:t>
+                      </a:r>
+                    </a:p>
+                  </a:txBody>
+                  <a:tcPr anchor="ctr">
+                    <a:solidFill>
+                      <a:srgbClr val="FCE5E4"/>
+                    </a:solidFill>
+                  </a:tcPr>
+                </a:tc>
+                <a:tc>
+                  <a:txBody>
+                    <a:bodyPr/>
+                    <a:lstStyle/>
                     <a:p>
                       <a:pPr algn="ctr"/>
                       <a:r>
-                        <a:rPr lang="en-AU" sz="1600" baseline="0" dirty="0" smtClean="0"/>
-                        <a:t>East</a:t>
-                      </a:r>
-                    </a:p>
-                    <a:p>
-                      <a:pPr algn="ctr"/>
-                      <a:r>
-                        <a:rPr lang="en-AU" sz="1600" baseline="0" dirty="0" smtClean="0"/>
-                        <a:t>Southern Metro</a:t>
-                      </a:r>
-                    </a:p>
-                    <a:p>
-                      <a:pPr algn="ctr"/>
-                      <a:r>
-                        <a:rPr lang="en-AU" sz="1600" baseline="0" dirty="0" smtClean="0"/>
-                        <a:t>West</a:t>
-                      </a:r>
-                      <a:endParaRPr lang="en-US" sz="1600" dirty="0"/>
-                    </a:p>
-                  </a:txBody>
-                  <a:tcPr/>
-                </a:tc>
-                <a:tc>
-                  <a:txBody>
-                    <a:bodyPr/>
-                    <a:lstStyle/>
-                    <a:p>
-                      <a:pPr algn="ctr"/>
-                      <a:r>
-                        <a:rPr lang="en-AU" sz="1600" dirty="0" smtClean="0"/>
-                        <a:t>2018</a:t>
-                      </a:r>
-                    </a:p>
-                    <a:p>
-                      <a:pPr algn="ctr"/>
-                      <a:r>
-                        <a:rPr lang="en-AU" sz="1600" dirty="0" smtClean="0"/>
-                        <a:t>2019</a:t>
-                      </a:r>
-                    </a:p>
-                    <a:p>
-                      <a:pPr algn="ctr"/>
-                      <a:r>
-                        <a:rPr lang="en-AU" sz="1600" dirty="0" smtClean="0"/>
-                        <a:t>2020</a:t>
-                      </a:r>
-                    </a:p>
-                    <a:p>
-                      <a:pPr algn="ctr"/>
-                      <a:r>
-                        <a:rPr lang="en-AU" sz="1600" dirty="0" smtClean="0"/>
-                        <a:t>2021</a:t>
-                      </a:r>
-                      <a:endParaRPr lang="en-US" sz="1600" dirty="0"/>
-                    </a:p>
-                  </a:txBody>
-                  <a:tcPr/>
-                </a:tc>
-                <a:tc>
-                  <a:txBody>
-                    <a:bodyPr/>
-                    <a:lstStyle/>
-                    <a:p>
-                      <a:pPr algn="ctr"/>
-                      <a:r>
-                        <a:rPr lang="en-US" sz="1600" kern="1200" dirty="0" smtClean="0">
+                        <a:rPr lang="en-US" sz="1200" kern="1200" dirty="0" smtClean="0">
                           <a:solidFill>
                             <a:srgbClr val="FF0000"/>
                           </a:solidFill>
@@ -10601,14 +13282,133 @@
                         <a:t>Ÿ</a:t>
                       </a:r>
                       <a:r>
-                        <a:rPr lang="en-AU" sz="1600" dirty="0" smtClean="0"/>
+                        <a:rPr lang="en-AU" sz="1200" dirty="0" smtClean="0"/>
                         <a:t>0.08</a:t>
                       </a:r>
                     </a:p>
-                    <a:p>
-                      <a:pPr algn="ctr"/>
-                      <a:r>
-                        <a:rPr lang="en-US" sz="1600" kern="1200" dirty="0" smtClean="0">
+                  </a:txBody>
+                  <a:tcPr anchor="ctr">
+                    <a:solidFill>
+                      <a:srgbClr val="FCE5E4"/>
+                    </a:solidFill>
+                  </a:tcPr>
+                </a:tc>
+              </a:tr>
+              <a:tr h="169329">
+                <a:tc vMerge="1">
+                  <a:txBody>
+                    <a:bodyPr/>
+                    <a:lstStyle/>
+                    <a:p>
+                      <a:endParaRPr lang="en-US"/>
+                    </a:p>
+                  </a:txBody>
+                  <a:tcPr/>
+                </a:tc>
+                <a:tc>
+                  <a:txBody>
+                    <a:bodyPr/>
+                    <a:lstStyle/>
+                    <a:p>
+                      <a:pPr marL="0" marR="0" indent="0" algn="ctr" defTabSz="914400" rtl="0" eaLnBrk="1" fontAlgn="auto" latinLnBrk="0" hangingPunct="1">
+                        <a:lnSpc>
+                          <a:spcPct val="100000"/>
+                        </a:lnSpc>
+                        <a:spcBef>
+                          <a:spcPts val="0"/>
+                        </a:spcBef>
+                        <a:spcAft>
+                          <a:spcPts val="0"/>
+                        </a:spcAft>
+                        <a:buClrTx/>
+                        <a:buSzTx/>
+                        <a:buFont typeface="Wingdings" pitchFamily="2" charset="2"/>
+                        <a:buNone/>
+                        <a:tabLst/>
+                        <a:defRPr/>
+                      </a:pPr>
+                      <a:r>
+                        <a:rPr lang="en-AU" sz="1200" baseline="0" dirty="0" smtClean="0">
+                          <a:solidFill>
+                            <a:schemeClr val="accent5">
+                              <a:lumMod val="75000"/>
+                            </a:schemeClr>
+                          </a:solidFill>
+                        </a:rPr>
+                        <a:t>East</a:t>
+                      </a:r>
+                    </a:p>
+                  </a:txBody>
+                  <a:tcPr anchor="ctr">
+                    <a:solidFill>
+                      <a:srgbClr val="FCE5E4"/>
+                    </a:solidFill>
+                  </a:tcPr>
+                </a:tc>
+                <a:tc>
+                  <a:txBody>
+                    <a:bodyPr/>
+                    <a:lstStyle/>
+                    <a:p>
+                      <a:pPr marL="0" marR="0" indent="0" algn="ctr" defTabSz="914400" rtl="0" eaLnBrk="1" fontAlgn="auto" latinLnBrk="0" hangingPunct="1">
+                        <a:lnSpc>
+                          <a:spcPct val="100000"/>
+                        </a:lnSpc>
+                        <a:spcBef>
+                          <a:spcPts val="0"/>
+                        </a:spcBef>
+                        <a:spcAft>
+                          <a:spcPts val="0"/>
+                        </a:spcAft>
+                        <a:buClrTx/>
+                        <a:buSzTx/>
+                        <a:buFontTx/>
+                        <a:buNone/>
+                        <a:tabLst/>
+                        <a:defRPr/>
+                      </a:pPr>
+                      <a:r>
+                        <a:rPr lang="en-AU" sz="1200" dirty="0" smtClean="0">
+                          <a:solidFill>
+                            <a:schemeClr val="accent5">
+                              <a:lumMod val="75000"/>
+                            </a:schemeClr>
+                          </a:solidFill>
+                        </a:rPr>
+                        <a:t>2019</a:t>
+                      </a:r>
+                    </a:p>
+                  </a:txBody>
+                  <a:tcPr anchor="ctr">
+                    <a:solidFill>
+                      <a:srgbClr val="FCE5E4"/>
+                    </a:solidFill>
+                  </a:tcPr>
+                </a:tc>
+                <a:tc>
+                  <a:txBody>
+                    <a:bodyPr/>
+                    <a:lstStyle/>
+                    <a:p>
+                      <a:pPr marL="0" marR="0" indent="0" algn="ctr" defTabSz="914400" rtl="0" eaLnBrk="1" fontAlgn="auto" latinLnBrk="0" hangingPunct="1">
+                        <a:lnSpc>
+                          <a:spcPct val="100000"/>
+                        </a:lnSpc>
+                        <a:spcBef>
+                          <a:spcPts val="0"/>
+                        </a:spcBef>
+                        <a:spcAft>
+                          <a:spcPts val="0"/>
+                        </a:spcAft>
+                        <a:buClrTx/>
+                        <a:buSzTx/>
+                        <a:buFontTx/>
+                        <a:buNone/>
+                        <a:tabLst/>
+                        <a:defRPr/>
+                      </a:pPr>
+                      <a:r>
+                        <a:rPr lang="en-US" sz="1200" kern="1200" dirty="0" smtClean="0">
                           <a:solidFill>
                             <a:srgbClr val="FF0000"/>
                           </a:solidFill>
@@ -10619,14 +13419,110 @@
                         <a:t>Ÿ</a:t>
                       </a:r>
                       <a:r>
-                        <a:rPr lang="en-AU" sz="1600" dirty="0" smtClean="0"/>
+                        <a:rPr lang="en-AU" sz="1200" dirty="0" smtClean="0"/>
                         <a:t>0.09</a:t>
                       </a:r>
                     </a:p>
+                  </a:txBody>
+                  <a:tcPr anchor="ctr">
+                    <a:solidFill>
+                      <a:srgbClr val="FCE5E4"/>
+                    </a:solidFill>
+                  </a:tcPr>
+                </a:tc>
+              </a:tr>
+              <a:tr h="251879">
+                <a:tc vMerge="1">
+                  <a:txBody>
+                    <a:bodyPr/>
+                    <a:lstStyle/>
+                    <a:p>
+                      <a:endParaRPr lang="en-US"/>
+                    </a:p>
+                  </a:txBody>
+                  <a:tcPr/>
+                </a:tc>
+                <a:tc>
+                  <a:txBody>
+                    <a:bodyPr/>
+                    <a:lstStyle/>
+                    <a:p>
+                      <a:pPr algn="ctr">
+                        <a:buFont typeface="Wingdings" pitchFamily="2" charset="2"/>
+                        <a:buNone/>
+                      </a:pPr>
+                      <a:r>
+                        <a:rPr lang="en-AU" sz="1200" baseline="0" dirty="0" smtClean="0">
+                          <a:solidFill>
+                            <a:srgbClr val="0070C0"/>
+                          </a:solidFill>
+                        </a:rPr>
+                        <a:t>Southern Metro</a:t>
+                      </a:r>
+                      <a:endParaRPr lang="en-US" sz="1200" dirty="0">
+                        <a:solidFill>
+                          <a:srgbClr val="0070C0"/>
+                        </a:solidFill>
+                      </a:endParaRPr>
+                    </a:p>
+                  </a:txBody>
+                  <a:tcPr anchor="ctr">
+                    <a:solidFill>
+                      <a:srgbClr val="FCE5E4"/>
+                    </a:solidFill>
+                  </a:tcPr>
+                </a:tc>
+                <a:tc>
+                  <a:txBody>
+                    <a:bodyPr/>
+                    <a:lstStyle/>
                     <a:p>
                       <a:pPr algn="ctr"/>
                       <a:r>
-                        <a:rPr lang="en-US" sz="1600" kern="1200" dirty="0" smtClean="0">
+                        <a:rPr lang="en-AU" sz="1200" dirty="0" smtClean="0">
+                          <a:solidFill>
+                            <a:srgbClr val="0070C0"/>
+                          </a:solidFill>
+                        </a:rPr>
+                        <a:t>2020</a:t>
+                      </a:r>
+                      <a:endParaRPr lang="en-US" sz="1200" dirty="0">
+                        <a:solidFill>
+                          <a:srgbClr val="0070C0"/>
+                        </a:solidFill>
+                      </a:endParaRPr>
+                    </a:p>
+                  </a:txBody>
+                  <a:tcPr anchor="ctr">
+                    <a:solidFill>
+                      <a:srgbClr val="FCE5E4"/>
+                    </a:solidFill>
+                  </a:tcPr>
+                </a:tc>
+                <a:tc>
+                  <a:txBody>
+                    <a:bodyPr/>
+                    <a:lstStyle/>
+                    <a:p>
+                      <a:pPr marL="0" marR="0" indent="0" algn="ctr" defTabSz="914400" rtl="0" eaLnBrk="1" fontAlgn="auto" latinLnBrk="0" hangingPunct="1">
+                        <a:lnSpc>
+                          <a:spcPct val="100000"/>
+                        </a:lnSpc>
+                        <a:spcBef>
+                          <a:spcPts val="0"/>
+                        </a:spcBef>
+                        <a:spcAft>
+                          <a:spcPts val="0"/>
+                        </a:spcAft>
+                        <a:buClrTx/>
+                        <a:buSzTx/>
+                        <a:buFontTx/>
+                        <a:buNone/>
+                        <a:tabLst/>
+                        <a:defRPr/>
+                      </a:pPr>
+                      <a:r>
+                        <a:rPr lang="en-US" sz="1200" kern="1200" dirty="0" smtClean="0">
                           <a:solidFill>
                             <a:srgbClr val="FF0000"/>
                           </a:solidFill>
@@ -10637,14 +13533,123 @@
                         <a:t>Ÿ</a:t>
                       </a:r>
                       <a:r>
-                        <a:rPr lang="en-AU" sz="1600" dirty="0" smtClean="0"/>
+                        <a:rPr lang="en-AU" sz="1200" dirty="0" smtClean="0"/>
                         <a:t>0.13</a:t>
                       </a:r>
                     </a:p>
-                    <a:p>
-                      <a:pPr algn="ctr"/>
-                      <a:r>
-                        <a:rPr lang="en-US" sz="1600" kern="1200" dirty="0" smtClean="0">
+                  </a:txBody>
+                  <a:tcPr anchor="ctr">
+                    <a:solidFill>
+                      <a:srgbClr val="FCE5E4"/>
+                    </a:solidFill>
+                  </a:tcPr>
+                </a:tc>
+              </a:tr>
+              <a:tr h="205740">
+                <a:tc vMerge="1">
+                  <a:txBody>
+                    <a:bodyPr/>
+                    <a:lstStyle/>
+                    <a:p>
+                      <a:endParaRPr lang="en-US"/>
+                    </a:p>
+                  </a:txBody>
+                  <a:tcPr/>
+                </a:tc>
+                <a:tc>
+                  <a:txBody>
+                    <a:bodyPr/>
+                    <a:lstStyle/>
+                    <a:p>
+                      <a:pPr marL="0" marR="0" indent="0" algn="ctr" defTabSz="914400" rtl="0" eaLnBrk="1" fontAlgn="auto" latinLnBrk="0" hangingPunct="1">
+                        <a:lnSpc>
+                          <a:spcPct val="100000"/>
+                        </a:lnSpc>
+                        <a:spcBef>
+                          <a:spcPts val="0"/>
+                        </a:spcBef>
+                        <a:spcAft>
+                          <a:spcPts val="0"/>
+                        </a:spcAft>
+                        <a:buClrTx/>
+                        <a:buSzTx/>
+                        <a:buFont typeface="Wingdings" pitchFamily="2" charset="2"/>
+                        <a:buNone/>
+                        <a:tabLst/>
+                        <a:defRPr/>
+                      </a:pPr>
+                      <a:r>
+                        <a:rPr lang="en-AU" sz="1200" baseline="0" dirty="0" smtClean="0"/>
+                        <a:t>West</a:t>
+                      </a:r>
+                      <a:endParaRPr lang="en-US" sz="1200" dirty="0" smtClean="0"/>
+                    </a:p>
+                  </a:txBody>
+                  <a:tcPr anchor="ctr">
+                    <a:solidFill>
+                      <a:srgbClr val="FCE5E4"/>
+                    </a:solidFill>
+                  </a:tcPr>
+                </a:tc>
+                <a:tc>
+                  <a:txBody>
+                    <a:bodyPr/>
+                    <a:lstStyle/>
+                    <a:p>
+                      <a:pPr marL="0" marR="0" indent="0" algn="ctr" defTabSz="914400" rtl="0" eaLnBrk="1" fontAlgn="auto" latinLnBrk="0" hangingPunct="1">
+                        <a:lnSpc>
+                          <a:spcPct val="100000"/>
+                        </a:lnSpc>
+                        <a:spcBef>
+                          <a:spcPts val="0"/>
+                        </a:spcBef>
+                        <a:spcAft>
+                          <a:spcPts val="0"/>
+                        </a:spcAft>
+                        <a:buClrTx/>
+                        <a:buSzTx/>
+                        <a:buFontTx/>
+                        <a:buNone/>
+                        <a:tabLst/>
+                        <a:defRPr/>
+                      </a:pPr>
+                      <a:r>
+                        <a:rPr lang="en-AU" sz="1200" dirty="0" smtClean="0"/>
+                        <a:t>2021</a:t>
+                      </a:r>
+                      <a:endParaRPr lang="en-US" sz="1200" dirty="0" smtClean="0"/>
+                    </a:p>
+                  </a:txBody>
+                  <a:tcPr anchor="ctr">
+                    <a:solidFill>
+                      <a:srgbClr val="FCE5E4"/>
+                    </a:solidFill>
+                  </a:tcPr>
+                </a:tc>
+                <a:tc>
+                  <a:txBody>
+                    <a:bodyPr/>
+                    <a:lstStyle/>
+                    <a:p>
+                      <a:pPr marL="0" marR="0" indent="0" algn="ctr" defTabSz="914400" rtl="0" eaLnBrk="1" fontAlgn="auto" latinLnBrk="0" hangingPunct="1">
+                        <a:lnSpc>
+                          <a:spcPct val="100000"/>
+                        </a:lnSpc>
+                        <a:spcBef>
+                          <a:spcPts val="0"/>
+                        </a:spcBef>
+                        <a:spcAft>
+                          <a:spcPts val="0"/>
+                        </a:spcAft>
+                        <a:buClrTx/>
+                        <a:buSzTx/>
+                        <a:buFontTx/>
+                        <a:buNone/>
+                        <a:tabLst/>
+                        <a:defRPr/>
+                      </a:pPr>
+                      <a:r>
+                        <a:rPr lang="en-US" sz="1200" kern="1200" dirty="0" smtClean="0">
                           <a:solidFill>
                             <a:srgbClr val="FF0000"/>
                           </a:solidFill>
@@ -10655,13 +13660,17 @@
                         <a:t>Ÿ</a:t>
                       </a:r>
                       <a:r>
-                        <a:rPr lang="en-AU" sz="1600" dirty="0" smtClean="0"/>
+                        <a:rPr lang="en-AU" sz="1200" dirty="0" smtClean="0"/>
                         <a:t>0.07</a:t>
                       </a:r>
-                      <a:endParaRPr lang="en-US" sz="1600" dirty="0"/>
-                    </a:p>
-                  </a:txBody>
-                  <a:tcPr/>
+                      <a:endParaRPr lang="en-US" sz="1200" dirty="0" smtClean="0"/>
+                    </a:p>
+                  </a:txBody>
+                  <a:tcPr anchor="ctr">
+                    <a:solidFill>
+                      <a:srgbClr val="FCE5E4"/>
+                    </a:solidFill>
+                  </a:tcPr>
                 </a:tc>
               </a:tr>
             </a:tbl>
@@ -10670,14 +13679,44 @@
       </p:graphicFrame>
       <p:sp>
         <p:nvSpPr>
-          <p:cNvPr id="4" name="Rectangle 3"/>
+          <p:cNvPr id="7" name="TextBox 6"/>
+          <p:cNvSpPr txBox="1"/>
+          <p:nvPr/>
+        </p:nvSpPr>
+        <p:spPr>
+          <a:xfrm>
+            <a:off x="2628900" y="1085763"/>
+            <a:ext cx="6661150" cy="307777"/>
+          </a:xfrm>
+          <a:prstGeom prst="rect">
+            <a:avLst/>
+          </a:prstGeom>
+          <a:noFill/>
+        </p:spPr>
+        <p:txBody>
+          <a:bodyPr wrap="square" rtlCol="0">
+            <a:spAutoFit/>
+          </a:bodyPr>
+          <a:lstStyle/>
+          <a:p>
+            <a:r>
+              <a:rPr lang="en-AU" sz="1400" b="1" dirty="0" smtClean="0"/>
+              <a:t>Percentage Changes of Number of Incidents and Offences by Police Region</a:t>
+            </a:r>
+            <a:endParaRPr lang="en-US" sz="1400" b="1" dirty="0"/>
+          </a:p>
+        </p:txBody>
+      </p:sp>
+      <p:sp>
+        <p:nvSpPr>
+          <p:cNvPr id="9" name="Rectangle 8"/>
           <p:cNvSpPr/>
           <p:nvPr/>
         </p:nvSpPr>
         <p:spPr>
           <a:xfrm>
-            <a:off x="326121" y="4994252"/>
-            <a:ext cx="10791058" cy="1508105"/>
+            <a:off x="1104900" y="5184752"/>
+            <a:ext cx="9664700" cy="1384995"/>
           </a:xfrm>
           <a:prstGeom prst="rect">
             <a:avLst/>
@@ -10690,13 +13729,12 @@
           <a:lstStyle/>
           <a:p>
             <a:r>
-              <a:rPr lang="en-US" b="1" dirty="0" smtClean="0"/>
+              <a:rPr lang="en-US" sz="1200" b="1" u="sng" dirty="0" smtClean="0"/>
               <a:t>Observation:</a:t>
             </a:r>
-            <a:endParaRPr lang="en-US" b="1" dirty="0" smtClean="0"/>
-          </a:p>
-          <a:p>
-            <a:endParaRPr lang="en-US" sz="1000" b="1" dirty="0" smtClean="0"/>
+          </a:p>
+          <a:p>
+            <a:endParaRPr lang="en-US" sz="1200" b="1" dirty="0" smtClean="0"/>
           </a:p>
           <a:p>
             <a:pPr>
@@ -10704,56 +13742,466 @@
               <a:buChar char="v"/>
             </a:pPr>
             <a:r>
-              <a:rPr lang="en-AU" sz="1600" dirty="0" smtClean="0"/>
-              <a:t> In year 2019 East region is taking the lead in increasing in </a:t>
-            </a:r>
-            <a:r>
-              <a:rPr lang="en-US" sz="1600" dirty="0" smtClean="0"/>
-              <a:t>Crime </a:t>
-            </a:r>
-            <a:r>
-              <a:rPr lang="en-US" sz="1600" dirty="0" smtClean="0"/>
-              <a:t>Incidents, Victim Reports and </a:t>
-            </a:r>
-            <a:r>
-              <a:rPr lang="en-US" sz="1600" dirty="0" smtClean="0"/>
-              <a:t>Family Incidents </a:t>
-            </a:r>
-            <a:r>
-              <a:rPr lang="en-US" sz="1600" dirty="0" smtClean="0"/>
-              <a:t>compares </a:t>
-            </a:r>
-            <a:r>
-              <a:rPr lang="en-US" sz="1600" dirty="0" smtClean="0"/>
-              <a:t>to other Police Service regions.</a:t>
-            </a:r>
-            <a:endParaRPr lang="en-US" sz="1600" dirty="0" smtClean="0"/>
+              <a:rPr lang="en-AU" sz="1200" dirty="0" smtClean="0"/>
+              <a:t> Year </a:t>
+            </a:r>
+            <a:r>
+              <a:rPr lang="en-AU" sz="1200" dirty="0" smtClean="0">
+                <a:solidFill>
+                  <a:schemeClr val="accent5">
+                    <a:lumMod val="75000"/>
+                  </a:schemeClr>
+                </a:solidFill>
+              </a:rPr>
+              <a:t>2019</a:t>
+            </a:r>
+            <a:r>
+              <a:rPr lang="en-AU" sz="1200" dirty="0" smtClean="0"/>
+              <a:t>, </a:t>
+            </a:r>
+            <a:r>
+              <a:rPr lang="en-AU" sz="1200" i="1" u="sng" dirty="0" smtClean="0"/>
+              <a:t>East </a:t>
+            </a:r>
+            <a:r>
+              <a:rPr lang="en-AU" sz="1200" dirty="0" smtClean="0"/>
+              <a:t>region is taking the lead in increasing in </a:t>
+            </a:r>
+            <a:r>
+              <a:rPr lang="en-US" sz="1200" dirty="0" smtClean="0"/>
+              <a:t>Crime Incidents (</a:t>
+            </a:r>
+            <a:r>
+              <a:rPr lang="en-US" sz="1200" dirty="0" smtClean="0">
+                <a:solidFill>
+                  <a:srgbClr val="FF0000"/>
+                </a:solidFill>
+                <a:latin typeface="Wingdings 3" pitchFamily="18" charset="2"/>
+              </a:rPr>
+              <a:t>Ÿ</a:t>
+            </a:r>
+            <a:r>
+              <a:rPr lang="en-AU" sz="1200" dirty="0" smtClean="0"/>
+              <a:t>0.06)</a:t>
+            </a:r>
+            <a:r>
+              <a:rPr lang="en-US" sz="1200" dirty="0" smtClean="0"/>
+              <a:t>, Victim Reports (</a:t>
+            </a:r>
+            <a:r>
+              <a:rPr lang="en-US" sz="1200" dirty="0" smtClean="0">
+                <a:solidFill>
+                  <a:srgbClr val="FF0000"/>
+                </a:solidFill>
+                <a:latin typeface="Wingdings 3" pitchFamily="18" charset="2"/>
+              </a:rPr>
+              <a:t>Ÿ</a:t>
+            </a:r>
+            <a:r>
+              <a:rPr lang="en-AU" sz="1200" dirty="0" smtClean="0"/>
+              <a:t>0.08) </a:t>
+            </a:r>
+            <a:r>
+              <a:rPr lang="en-US" sz="1200" dirty="0" smtClean="0"/>
+              <a:t>and Family Incidents (</a:t>
+            </a:r>
+            <a:r>
+              <a:rPr lang="en-US" sz="1200" dirty="0" smtClean="0">
+                <a:solidFill>
+                  <a:srgbClr val="FF0000"/>
+                </a:solidFill>
+                <a:latin typeface="Wingdings 3" pitchFamily="18" charset="2"/>
+              </a:rPr>
+              <a:t>Ÿ</a:t>
+            </a:r>
+            <a:r>
+              <a:rPr lang="en-AU" sz="1200" dirty="0" smtClean="0"/>
+              <a:t>0.09</a:t>
+            </a:r>
+            <a:r>
+              <a:rPr lang="en-US" sz="1200" dirty="0" smtClean="0"/>
+              <a:t>) compares to other Police Service regions.</a:t>
+            </a:r>
           </a:p>
           <a:p>
             <a:pPr>
               <a:buFont typeface="Wingdings" pitchFamily="2" charset="2"/>
               <a:buChar char="v"/>
             </a:pPr>
-            <a:r>
-              <a:rPr lang="en-US" sz="1600" dirty="0" smtClean="0"/>
-              <a:t> In year 2020 Southern Metropolitan region is having the highest increase in the Crime </a:t>
-            </a:r>
-            <a:r>
-              <a:rPr lang="en-US" sz="1600" dirty="0" smtClean="0"/>
-              <a:t>I</a:t>
-            </a:r>
-            <a:r>
-              <a:rPr lang="en-US" sz="1600" dirty="0" smtClean="0"/>
-              <a:t>ncidents, Alleged Offender Incidents and Family Incidents compares to other Police Service regions.</a:t>
-            </a:r>
-            <a:endParaRPr lang="en-US" sz="1600" dirty="0"/>
+            <a:endParaRPr lang="en-US" sz="1200" dirty="0" smtClean="0"/>
+          </a:p>
+          <a:p>
+            <a:pPr>
+              <a:buFont typeface="Wingdings" pitchFamily="2" charset="2"/>
+              <a:buChar char="v"/>
+            </a:pPr>
+            <a:r>
+              <a:rPr lang="en-US" sz="1200" dirty="0" smtClean="0"/>
+              <a:t> Year </a:t>
+            </a:r>
+            <a:r>
+              <a:rPr lang="en-US" sz="1200" dirty="0" smtClean="0">
+                <a:solidFill>
+                  <a:srgbClr val="0070C0"/>
+                </a:solidFill>
+              </a:rPr>
+              <a:t>2020</a:t>
+            </a:r>
+            <a:r>
+              <a:rPr lang="en-US" sz="1200" dirty="0" smtClean="0"/>
+              <a:t>, </a:t>
+            </a:r>
+            <a:r>
+              <a:rPr lang="en-US" sz="1200" i="1" u="sng" dirty="0" smtClean="0"/>
+              <a:t>Southern Metropolitan</a:t>
+            </a:r>
+            <a:r>
+              <a:rPr lang="en-US" sz="1200" i="1" dirty="0" smtClean="0"/>
+              <a:t> </a:t>
+            </a:r>
+            <a:r>
+              <a:rPr lang="en-US" sz="1200" dirty="0" smtClean="0"/>
+              <a:t>region is having the highest increase in the Crime Incidents (</a:t>
+            </a:r>
+            <a:r>
+              <a:rPr lang="en-US" sz="1200" dirty="0" smtClean="0">
+                <a:solidFill>
+                  <a:srgbClr val="FF0000"/>
+                </a:solidFill>
+                <a:latin typeface="Wingdings 3" pitchFamily="18" charset="2"/>
+              </a:rPr>
+              <a:t>Ÿ</a:t>
+            </a:r>
+            <a:r>
+              <a:rPr lang="en-AU" sz="1200" dirty="0" smtClean="0"/>
+              <a:t>0.06</a:t>
+            </a:r>
+            <a:r>
+              <a:rPr lang="en-US" sz="1200" dirty="0" smtClean="0"/>
+              <a:t>), Alleged Offender Incidents (</a:t>
+            </a:r>
+            <a:r>
+              <a:rPr lang="en-US" sz="1200" dirty="0" smtClean="0">
+                <a:solidFill>
+                  <a:srgbClr val="FF0000"/>
+                </a:solidFill>
+                <a:latin typeface="Wingdings 3" pitchFamily="18" charset="2"/>
+              </a:rPr>
+              <a:t>Ÿ</a:t>
+            </a:r>
+            <a:r>
+              <a:rPr lang="en-AU" sz="1200" dirty="0" smtClean="0"/>
+              <a:t>0.26</a:t>
+            </a:r>
+            <a:r>
+              <a:rPr lang="en-US" sz="1200" dirty="0" smtClean="0"/>
+              <a:t>) and Family Incidents (</a:t>
+            </a:r>
+            <a:r>
+              <a:rPr lang="en-US" sz="1200" dirty="0" smtClean="0">
+                <a:solidFill>
+                  <a:srgbClr val="FF0000"/>
+                </a:solidFill>
+                <a:latin typeface="Wingdings 3" pitchFamily="18" charset="2"/>
+              </a:rPr>
+              <a:t>Ÿ</a:t>
+            </a:r>
+            <a:r>
+              <a:rPr lang="en-AU" sz="1200" dirty="0" smtClean="0"/>
+              <a:t>0.13)</a:t>
+            </a:r>
+            <a:r>
+              <a:rPr lang="en-US" sz="1200" dirty="0" smtClean="0"/>
+              <a:t> compares to other Police Service regions.</a:t>
+            </a:r>
+            <a:endParaRPr lang="en-US" sz="1200" dirty="0"/>
+          </a:p>
+        </p:txBody>
+      </p:sp>
+      <p:sp>
+        <p:nvSpPr>
+          <p:cNvPr id="8" name="Slide Number Placeholder 7"/>
+          <p:cNvSpPr>
+            <a:spLocks noGrp="1"/>
+          </p:cNvSpPr>
+          <p:nvPr>
+            <p:ph type="sldNum" sz="quarter" idx="12"/>
+          </p:nvPr>
+        </p:nvSpPr>
+        <p:spPr/>
+        <p:txBody>
+          <a:bodyPr/>
+          <a:lstStyle/>
+          <a:p>
+            <a:fld id="{4C8B8A27-DF03-4546-BA93-21C967D57E5C}" type="slidenum">
+              <a:rPr lang="en-US" smtClean="0"/>
+              <a:pPr/>
+              <a:t>7</a:t>
+            </a:fld>
+            <a:endParaRPr lang="en-US" dirty="0"/>
           </a:p>
         </p:txBody>
       </p:sp>
     </p:spTree>
     <p:extLst>
       <p:ext uri="{BB962C8B-B14F-4D97-AF65-F5344CB8AC3E}">
-        <p14:creationId xmlns:p14="http://schemas.microsoft.com/office/powerpoint/2010/main" xmlns="" val="4047589959"/>
+        <p14:creationId xmlns="" xmlns:p14="http://schemas.microsoft.com/office/powerpoint/2010/main" val="4047589959"/>
+      </p:ext>
+    </p:extLst>
+  </p:cSld>
+  <p:clrMapOvr>
+    <a:masterClrMapping/>
+  </p:clrMapOvr>
+  <p:timing>
+    <p:tnLst>
+      <p:par>
+        <p:cTn id="1" dur="indefinite" restart="never" nodeType="tmRoot"/>
+      </p:par>
+    </p:tnLst>
+  </p:timing>
+</p:sld>
+</file>
+
+<file path=ppt/slides/slide8.xml><?xml version="1.0" encoding="utf-8"?>
+<p:sld xmlns:a="http://schemas.openxmlformats.org/drawingml/2006/main" xmlns:r="http://schemas.openxmlformats.org/officeDocument/2006/relationships" xmlns:p="http://schemas.openxmlformats.org/presentationml/2006/main">
+  <p:cSld>
+    <p:spTree>
+      <p:nvGrpSpPr>
+        <p:cNvPr id="1" name=""/>
+        <p:cNvGrpSpPr/>
+        <p:nvPr/>
+      </p:nvGrpSpPr>
+      <p:grpSpPr>
+        <a:xfrm>
+          <a:off x="0" y="0"/>
+          <a:ext cx="0" cy="0"/>
+          <a:chOff x="0" y="0"/>
+          <a:chExt cx="0" cy="0"/>
+        </a:xfrm>
+      </p:grpSpPr>
+      <p:sp>
+        <p:nvSpPr>
+          <p:cNvPr id="2" name="Title 1">
+            <a:extLst>
+              <a:ext uri="{FF2B5EF4-FFF2-40B4-BE49-F238E27FC236}">
+                <a16:creationId xmlns="" xmlns:a16="http://schemas.microsoft.com/office/drawing/2014/main" id="{A4F9A5E3-95C5-4F3E-80A5-1BD7B12920D3}"/>
+              </a:ext>
+            </a:extLst>
+          </p:cNvPr>
+          <p:cNvSpPr>
+            <a:spLocks noGrp="1"/>
+          </p:cNvSpPr>
+          <p:nvPr>
+            <p:ph type="title"/>
+          </p:nvPr>
+        </p:nvSpPr>
+        <p:spPr>
+          <a:xfrm>
+            <a:off x="708861" y="0"/>
+            <a:ext cx="10019396" cy="1090596"/>
+          </a:xfrm>
+        </p:spPr>
+        <p:txBody>
+          <a:bodyPr>
+            <a:normAutofit/>
+          </a:bodyPr>
+          <a:lstStyle/>
+          <a:p>
+            <a:pPr algn="ctr"/>
+            <a:r>
+              <a:rPr lang="en-AU" sz="3200" dirty="0" smtClean="0"/>
+              <a:t>Victoria </a:t>
+            </a:r>
+            <a:r>
+              <a:rPr lang="en-AU" sz="3200" dirty="0" smtClean="0"/>
+              <a:t>Crimes </a:t>
+            </a:r>
+            <a:r>
+              <a:rPr lang="en-AU" sz="3200" dirty="0" smtClean="0"/>
+              <a:t>Data Maps</a:t>
+            </a:r>
+            <a:endParaRPr lang="en-AU" sz="3200" dirty="0"/>
+          </a:p>
+        </p:txBody>
+      </p:sp>
+      <p:pic>
+        <p:nvPicPr>
+          <p:cNvPr id="1032" name="Picture 8"/>
+          <p:cNvPicPr>
+            <a:picLocks noChangeAspect="1" noChangeArrowheads="1"/>
+          </p:cNvPicPr>
+          <p:nvPr/>
+        </p:nvPicPr>
+        <p:blipFill>
+          <a:blip r:embed="rId2" cstate="print"/>
+          <a:srcRect/>
+          <a:stretch>
+            <a:fillRect/>
+          </a:stretch>
+        </p:blipFill>
+        <p:spPr bwMode="auto">
+          <a:xfrm>
+            <a:off x="6183284" y="2473491"/>
+            <a:ext cx="5854646" cy="3533609"/>
+          </a:xfrm>
+          <a:prstGeom prst="rect">
+            <a:avLst/>
+          </a:prstGeom>
+          <a:noFill/>
+          <a:ln w="9525">
+            <a:noFill/>
+            <a:miter lim="800000"/>
+            <a:headEnd/>
+            <a:tailEnd/>
+          </a:ln>
+        </p:spPr>
+      </p:pic>
+      <p:sp>
+        <p:nvSpPr>
+          <p:cNvPr id="14" name="Rectangle 13"/>
+          <p:cNvSpPr/>
+          <p:nvPr/>
+        </p:nvSpPr>
+        <p:spPr>
+          <a:xfrm>
+            <a:off x="471570" y="1151098"/>
+            <a:ext cx="11181347" cy="369332"/>
+          </a:xfrm>
+          <a:prstGeom prst="rect">
+            <a:avLst/>
+          </a:prstGeom>
+        </p:spPr>
+        <p:txBody>
+          <a:bodyPr wrap="square">
+            <a:spAutoFit/>
+          </a:bodyPr>
+          <a:lstStyle/>
+          <a:p>
+            <a:pPr algn="ctr"/>
+            <a:r>
+              <a:rPr lang="en-AU" dirty="0" smtClean="0"/>
+              <a:t>Average 10 years data of Criminal Incidents, Recorded Offence Count,  Alleged Incidents &amp; Victim Reports</a:t>
+            </a:r>
+            <a:endParaRPr lang="en-US" dirty="0"/>
+          </a:p>
+        </p:txBody>
+      </p:sp>
+      <p:sp>
+        <p:nvSpPr>
+          <p:cNvPr id="15" name="Rectangle 14"/>
+          <p:cNvSpPr/>
+          <p:nvPr/>
+        </p:nvSpPr>
+        <p:spPr>
+          <a:xfrm>
+            <a:off x="942810" y="1911625"/>
+            <a:ext cx="4026568" cy="369332"/>
+          </a:xfrm>
+          <a:prstGeom prst="rect">
+            <a:avLst/>
+          </a:prstGeom>
+        </p:spPr>
+        <p:txBody>
+          <a:bodyPr wrap="square">
+            <a:spAutoFit/>
+          </a:bodyPr>
+          <a:lstStyle/>
+          <a:p>
+            <a:r>
+              <a:rPr lang="en-US" b="1" dirty="0" smtClean="0"/>
+              <a:t>Display By Local Government Area</a:t>
+            </a:r>
+          </a:p>
+        </p:txBody>
+      </p:sp>
+      <p:sp>
+        <p:nvSpPr>
+          <p:cNvPr id="16" name="Rectangle 15"/>
+          <p:cNvSpPr/>
+          <p:nvPr/>
+        </p:nvSpPr>
+        <p:spPr>
+          <a:xfrm>
+            <a:off x="7222291" y="1935019"/>
+            <a:ext cx="4026568" cy="369332"/>
+          </a:xfrm>
+          <a:prstGeom prst="rect">
+            <a:avLst/>
+          </a:prstGeom>
+        </p:spPr>
+        <p:txBody>
+          <a:bodyPr wrap="square">
+            <a:spAutoFit/>
+          </a:bodyPr>
+          <a:lstStyle/>
+          <a:p>
+            <a:r>
+              <a:rPr lang="en-US" b="1" dirty="0" smtClean="0"/>
+              <a:t>Display By Police Service Region</a:t>
+            </a:r>
+          </a:p>
+        </p:txBody>
+      </p:sp>
+      <p:pic>
+        <p:nvPicPr>
+          <p:cNvPr id="1035" name="Picture 11"/>
+          <p:cNvPicPr>
+            <a:picLocks noChangeAspect="1" noChangeArrowheads="1"/>
+          </p:cNvPicPr>
+          <p:nvPr/>
+        </p:nvPicPr>
+        <p:blipFill>
+          <a:blip r:embed="rId3" cstate="print"/>
+          <a:srcRect/>
+          <a:stretch>
+            <a:fillRect/>
+          </a:stretch>
+        </p:blipFill>
+        <p:spPr bwMode="auto">
+          <a:xfrm>
+            <a:off x="121227" y="2483184"/>
+            <a:ext cx="5970273" cy="3574716"/>
+          </a:xfrm>
+          <a:prstGeom prst="rect">
+            <a:avLst/>
+          </a:prstGeom>
+          <a:noFill/>
+          <a:ln w="9525">
+            <a:noFill/>
+            <a:miter lim="800000"/>
+            <a:headEnd/>
+            <a:tailEnd/>
+          </a:ln>
+        </p:spPr>
+      </p:pic>
+      <p:sp>
+        <p:nvSpPr>
+          <p:cNvPr id="8" name="Slide Number Placeholder 7"/>
+          <p:cNvSpPr>
+            <a:spLocks noGrp="1"/>
+          </p:cNvSpPr>
+          <p:nvPr>
+            <p:ph type="sldNum" sz="quarter" idx="12"/>
+          </p:nvPr>
+        </p:nvSpPr>
+        <p:spPr/>
+        <p:txBody>
+          <a:bodyPr/>
+          <a:lstStyle/>
+          <a:p>
+            <a:fld id="{4C8B8A27-DF03-4546-BA93-21C967D57E5C}" type="slidenum">
+              <a:rPr lang="en-US" smtClean="0"/>
+              <a:pPr/>
+              <a:t>8</a:t>
+            </a:fld>
+            <a:endParaRPr lang="en-US" dirty="0"/>
+          </a:p>
+        </p:txBody>
+      </p:sp>
+    </p:spTree>
+    <p:extLst>
+      <p:ext uri="{BB962C8B-B14F-4D97-AF65-F5344CB8AC3E}">
+        <p14:creationId xmlns="" xmlns:p14="http://schemas.microsoft.com/office/powerpoint/2010/main" val="4047589959"/>
       </p:ext>
     </p:extLst>
   </p:cSld>
@@ -10965,7 +14413,7 @@
   <a:extraClrSchemeLst/>
   <a:extLst>
     <a:ext uri="{05A4C25C-085E-4340-85A3-A5531E510DB2}">
-      <thm15:themeFamily xmlns:thm15="http://schemas.microsoft.com/office/thememl/2012/main" xmlns="" name="BohemianVTI" id="{B5E50611-F7C7-47BC-81A6-BE9493DF8677}" vid="{7A26D0DD-A1A5-444B-B0FB-E7DB9E2D047F}"/>
+      <thm15:themeFamily xmlns="" xmlns:thm15="http://schemas.microsoft.com/office/thememl/2012/main" name="BohemianVTI" id="{B5E50611-F7C7-47BC-81A6-BE9493DF8677}" vid="{7A26D0DD-A1A5-444B-B0FB-E7DB9E2D047F}"/>
     </a:ext>
   </a:extLst>
 </a:theme>
@@ -11260,7 +14708,7 @@
   <a:extraClrSchemeLst/>
   <a:extLst>
     <a:ext uri="{05A4C25C-085E-4340-85A3-A5531E510DB2}">
-      <thm15:themeFamily xmlns:thm15="http://schemas.microsoft.com/office/thememl/2012/main" xmlns="" name="Office Theme" id="{62F939B6-93AF-4DB8-9C6B-D6C7DFDC589F}" vid="{4A3C46E8-61CC-4603-A589-7422A47A8E4A}"/>
+      <thm15:themeFamily xmlns="" xmlns:thm15="http://schemas.microsoft.com/office/thememl/2012/main" name="Office Theme" id="{62F939B6-93AF-4DB8-9C6B-D6C7DFDC589F}" vid="{4A3C46E8-61CC-4603-A589-7422A47A8E4A}"/>
     </a:ext>
   </a:extLst>
 </a:theme>

--- a/Crime_Victoria_PowerPoint_Presentation_temporary_Anh.pptx
+++ b/Crime_Victoria_PowerPoint_Presentation_temporary_Anh.pptx
@@ -5,7 +5,7 @@
     <p:sldMasterId id="2147483660" r:id="rId1"/>
   </p:sldMasterIdLst>
   <p:notesMasterIdLst>
-    <p:notesMasterId r:id="rId10"/>
+    <p:notesMasterId r:id="rId11"/>
   </p:notesMasterIdLst>
   <p:sldIdLst>
     <p:sldId id="281" r:id="rId2"/>
@@ -16,6 +16,7 @@
     <p:sldId id="299" r:id="rId7"/>
     <p:sldId id="298" r:id="rId8"/>
     <p:sldId id="283" r:id="rId9"/>
+    <p:sldId id="286" r:id="rId10"/>
   </p:sldIdLst>
   <p:sldSz cx="12192000" cy="6858000"/>
   <p:notesSz cx="6858000" cy="9144000"/>
@@ -116,7 +117,18 @@
   </p:defaultTextStyle>
   <p:extLst>
     <p:ext uri="{EFAFB233-063F-42B5-8137-9DF3F51BA10A}">
-      <p15:sldGuideLst xmlns="" xmlns:p15="http://schemas.microsoft.com/office/powerpoint/2012/main"/>
+      <p15:sldGuideLst xmlns:p15="http://schemas.microsoft.com/office/powerpoint/2012/main">
+        <p15:guide id="1" orient="horz" pos="2160">
+          <p15:clr>
+            <a:srgbClr val="A4A3A4"/>
+          </p15:clr>
+        </p15:guide>
+        <p15:guide id="2" pos="3840">
+          <p15:clr>
+            <a:srgbClr val="A4A3A4"/>
+          </p15:clr>
+        </p15:guide>
+      </p15:sldGuideLst>
     </p:ext>
   </p:extLst>
 </p:presentation>
@@ -374,7 +386,7 @@
     </p:spTree>
     <p:extLst>
       <p:ext uri="{BB962C8B-B14F-4D97-AF65-F5344CB8AC3E}">
-        <p14:creationId xmlns="" xmlns:p14="http://schemas.microsoft.com/office/powerpoint/2010/main" val="1356543397"/>
+        <p14:creationId xmlns:p14="http://schemas.microsoft.com/office/powerpoint/2010/main" val="1356543397"/>
       </p:ext>
     </p:extLst>
   </p:cSld>
@@ -578,7 +590,7 @@
           <p:cNvPr id="2" name="Title 1">
             <a:extLst>
               <a:ext uri="{FF2B5EF4-FFF2-40B4-BE49-F238E27FC236}">
-                <a16:creationId xmlns="" xmlns:a16="http://schemas.microsoft.com/office/drawing/2014/main" id="{0D395C89-2E28-4777-95B0-BA7EECAE3BA4}"/>
+                <a16:creationId xmlns:a16="http://schemas.microsoft.com/office/drawing/2014/main" id="{0D395C89-2E28-4777-95B0-BA7EECAE3BA4}"/>
               </a:ext>
             </a:extLst>
           </p:cNvPr>
@@ -617,7 +629,7 @@
           <p:cNvPr id="3" name="Subtitle 2">
             <a:extLst>
               <a:ext uri="{FF2B5EF4-FFF2-40B4-BE49-F238E27FC236}">
-                <a16:creationId xmlns="" xmlns:a16="http://schemas.microsoft.com/office/drawing/2014/main" id="{59052321-4D71-4DA8-BD2C-DC22FC1525CB}"/>
+                <a16:creationId xmlns:a16="http://schemas.microsoft.com/office/drawing/2014/main" id="{59052321-4D71-4DA8-BD2C-DC22FC1525CB}"/>
               </a:ext>
             </a:extLst>
           </p:cNvPr>
@@ -689,7 +701,7 @@
           <p:cNvPr id="4" name="Date Placeholder 3">
             <a:extLst>
               <a:ext uri="{FF2B5EF4-FFF2-40B4-BE49-F238E27FC236}">
-                <a16:creationId xmlns="" xmlns:a16="http://schemas.microsoft.com/office/drawing/2014/main" id="{B1D37183-71EA-4A92-8609-41ECB53F447E}"/>
+                <a16:creationId xmlns:a16="http://schemas.microsoft.com/office/drawing/2014/main" id="{B1D37183-71EA-4A92-8609-41ECB53F447E}"/>
               </a:ext>
             </a:extLst>
           </p:cNvPr>
@@ -719,7 +731,7 @@
           <p:cNvPr id="5" name="Footer Placeholder 4">
             <a:extLst>
               <a:ext uri="{FF2B5EF4-FFF2-40B4-BE49-F238E27FC236}">
-                <a16:creationId xmlns="" xmlns:a16="http://schemas.microsoft.com/office/drawing/2014/main" id="{CA09F2E6-1ECC-4081-8EBF-C80C6C94A105}"/>
+                <a16:creationId xmlns:a16="http://schemas.microsoft.com/office/drawing/2014/main" id="{CA09F2E6-1ECC-4081-8EBF-C80C6C94A105}"/>
               </a:ext>
             </a:extLst>
           </p:cNvPr>
@@ -744,7 +756,7 @@
           <p:cNvPr id="6" name="Slide Number Placeholder 5">
             <a:extLst>
               <a:ext uri="{FF2B5EF4-FFF2-40B4-BE49-F238E27FC236}">
-                <a16:creationId xmlns="" xmlns:a16="http://schemas.microsoft.com/office/drawing/2014/main" id="{31C3FA67-CD72-4503-BA25-FEC880107BC4}"/>
+                <a16:creationId xmlns:a16="http://schemas.microsoft.com/office/drawing/2014/main" id="{31C3FA67-CD72-4503-BA25-FEC880107BC4}"/>
               </a:ext>
             </a:extLst>
           </p:cNvPr>
@@ -772,7 +784,7 @@
     </p:spTree>
     <p:extLst>
       <p:ext uri="{BB962C8B-B14F-4D97-AF65-F5344CB8AC3E}">
-        <p14:creationId xmlns="" xmlns:p14="http://schemas.microsoft.com/office/powerpoint/2010/main" val="3194522138"/>
+        <p14:creationId xmlns:p14="http://schemas.microsoft.com/office/powerpoint/2010/main" val="3194522138"/>
       </p:ext>
     </p:extLst>
   </p:cSld>
@@ -804,7 +816,7 @@
           <p:cNvPr id="2" name="Title 1">
             <a:extLst>
               <a:ext uri="{FF2B5EF4-FFF2-40B4-BE49-F238E27FC236}">
-                <a16:creationId xmlns="" xmlns:a16="http://schemas.microsoft.com/office/drawing/2014/main" id="{0C683CBE-1EA9-4E8B-A281-C50B792E55F5}"/>
+                <a16:creationId xmlns:a16="http://schemas.microsoft.com/office/drawing/2014/main" id="{0C683CBE-1EA9-4E8B-A281-C50B792E55F5}"/>
               </a:ext>
             </a:extLst>
           </p:cNvPr>
@@ -832,7 +844,7 @@
           <p:cNvPr id="3" name="Vertical Text Placeholder 2">
             <a:extLst>
               <a:ext uri="{FF2B5EF4-FFF2-40B4-BE49-F238E27FC236}">
-                <a16:creationId xmlns="" xmlns:a16="http://schemas.microsoft.com/office/drawing/2014/main" id="{8B2EB1A0-A59D-4CB9-BABB-C6BF1D2E9928}"/>
+                <a16:creationId xmlns:a16="http://schemas.microsoft.com/office/drawing/2014/main" id="{8B2EB1A0-A59D-4CB9-BABB-C6BF1D2E9928}"/>
               </a:ext>
             </a:extLst>
           </p:cNvPr>
@@ -889,7 +901,7 @@
           <p:cNvPr id="4" name="Date Placeholder 3">
             <a:extLst>
               <a:ext uri="{FF2B5EF4-FFF2-40B4-BE49-F238E27FC236}">
-                <a16:creationId xmlns="" xmlns:a16="http://schemas.microsoft.com/office/drawing/2014/main" id="{B2E6265B-940D-433C-AD76-2D6A42449307}"/>
+                <a16:creationId xmlns:a16="http://schemas.microsoft.com/office/drawing/2014/main" id="{B2E6265B-940D-433C-AD76-2D6A42449307}"/>
               </a:ext>
             </a:extLst>
           </p:cNvPr>
@@ -919,7 +931,7 @@
           <p:cNvPr id="5" name="Footer Placeholder 4">
             <a:extLst>
               <a:ext uri="{FF2B5EF4-FFF2-40B4-BE49-F238E27FC236}">
-                <a16:creationId xmlns="" xmlns:a16="http://schemas.microsoft.com/office/drawing/2014/main" id="{EDCAB98E-314F-45C4-9A64-AD3FAE0516DC}"/>
+                <a16:creationId xmlns:a16="http://schemas.microsoft.com/office/drawing/2014/main" id="{EDCAB98E-314F-45C4-9A64-AD3FAE0516DC}"/>
               </a:ext>
             </a:extLst>
           </p:cNvPr>
@@ -944,7 +956,7 @@
           <p:cNvPr id="6" name="Slide Number Placeholder 5">
             <a:extLst>
               <a:ext uri="{FF2B5EF4-FFF2-40B4-BE49-F238E27FC236}">
-                <a16:creationId xmlns="" xmlns:a16="http://schemas.microsoft.com/office/drawing/2014/main" id="{58E49F32-B214-4A0C-8669-7FE4BA445965}"/>
+                <a16:creationId xmlns:a16="http://schemas.microsoft.com/office/drawing/2014/main" id="{58E49F32-B214-4A0C-8669-7FE4BA445965}"/>
               </a:ext>
             </a:extLst>
           </p:cNvPr>
@@ -972,7 +984,7 @@
     </p:spTree>
     <p:extLst>
       <p:ext uri="{BB962C8B-B14F-4D97-AF65-F5344CB8AC3E}">
-        <p14:creationId xmlns="" xmlns:p14="http://schemas.microsoft.com/office/powerpoint/2010/main" val="4203691493"/>
+        <p14:creationId xmlns:p14="http://schemas.microsoft.com/office/powerpoint/2010/main" val="4203691493"/>
       </p:ext>
     </p:extLst>
   </p:cSld>
@@ -1004,7 +1016,7 @@
           <p:cNvPr id="2" name="Vertical Title 1">
             <a:extLst>
               <a:ext uri="{FF2B5EF4-FFF2-40B4-BE49-F238E27FC236}">
-                <a16:creationId xmlns="" xmlns:a16="http://schemas.microsoft.com/office/drawing/2014/main" id="{18DE4A6D-DAA1-4551-A093-3C36C1C8CF36}"/>
+                <a16:creationId xmlns:a16="http://schemas.microsoft.com/office/drawing/2014/main" id="{18DE4A6D-DAA1-4551-A093-3C36C1C8CF36}"/>
               </a:ext>
             </a:extLst>
           </p:cNvPr>
@@ -1037,7 +1049,7 @@
           <p:cNvPr id="3" name="Vertical Text Placeholder 2">
             <a:extLst>
               <a:ext uri="{FF2B5EF4-FFF2-40B4-BE49-F238E27FC236}">
-                <a16:creationId xmlns="" xmlns:a16="http://schemas.microsoft.com/office/drawing/2014/main" id="{3125FDA9-71CD-4B86-B291-BEBA43D8ED7F}"/>
+                <a16:creationId xmlns:a16="http://schemas.microsoft.com/office/drawing/2014/main" id="{3125FDA9-71CD-4B86-B291-BEBA43D8ED7F}"/>
               </a:ext>
             </a:extLst>
           </p:cNvPr>
@@ -1099,7 +1111,7 @@
           <p:cNvPr id="4" name="Date Placeholder 3">
             <a:extLst>
               <a:ext uri="{FF2B5EF4-FFF2-40B4-BE49-F238E27FC236}">
-                <a16:creationId xmlns="" xmlns:a16="http://schemas.microsoft.com/office/drawing/2014/main" id="{86D9F5B1-B635-4479-A426-B1D4066502DB}"/>
+                <a16:creationId xmlns:a16="http://schemas.microsoft.com/office/drawing/2014/main" id="{86D9F5B1-B635-4479-A426-B1D4066502DB}"/>
               </a:ext>
             </a:extLst>
           </p:cNvPr>
@@ -1129,7 +1141,7 @@
           <p:cNvPr id="5" name="Footer Placeholder 4">
             <a:extLst>
               <a:ext uri="{FF2B5EF4-FFF2-40B4-BE49-F238E27FC236}">
-                <a16:creationId xmlns="" xmlns:a16="http://schemas.microsoft.com/office/drawing/2014/main" id="{6B833098-8769-47C3-80B2-C2942F984D68}"/>
+                <a16:creationId xmlns:a16="http://schemas.microsoft.com/office/drawing/2014/main" id="{6B833098-8769-47C3-80B2-C2942F984D68}"/>
               </a:ext>
             </a:extLst>
           </p:cNvPr>
@@ -1154,7 +1166,7 @@
           <p:cNvPr id="6" name="Slide Number Placeholder 5">
             <a:extLst>
               <a:ext uri="{FF2B5EF4-FFF2-40B4-BE49-F238E27FC236}">
-                <a16:creationId xmlns="" xmlns:a16="http://schemas.microsoft.com/office/drawing/2014/main" id="{E5EA9297-65D4-45BE-BE6C-5531FC6A5E1E}"/>
+                <a16:creationId xmlns:a16="http://schemas.microsoft.com/office/drawing/2014/main" id="{E5EA9297-65D4-45BE-BE6C-5531FC6A5E1E}"/>
               </a:ext>
             </a:extLst>
           </p:cNvPr>
@@ -1182,7 +1194,7 @@
     </p:spTree>
     <p:extLst>
       <p:ext uri="{BB962C8B-B14F-4D97-AF65-F5344CB8AC3E}">
-        <p14:creationId xmlns="" xmlns:p14="http://schemas.microsoft.com/office/powerpoint/2010/main" val="3777652632"/>
+        <p14:creationId xmlns:p14="http://schemas.microsoft.com/office/powerpoint/2010/main" val="3777652632"/>
       </p:ext>
     </p:extLst>
   </p:cSld>
@@ -1214,7 +1226,7 @@
           <p:cNvPr id="2" name="Title 1">
             <a:extLst>
               <a:ext uri="{FF2B5EF4-FFF2-40B4-BE49-F238E27FC236}">
-                <a16:creationId xmlns="" xmlns:a16="http://schemas.microsoft.com/office/drawing/2014/main" id="{DC9BA523-EF01-4656-9D54-347E984FD329}"/>
+                <a16:creationId xmlns:a16="http://schemas.microsoft.com/office/drawing/2014/main" id="{DC9BA523-EF01-4656-9D54-347E984FD329}"/>
               </a:ext>
             </a:extLst>
           </p:cNvPr>
@@ -1242,7 +1254,7 @@
           <p:cNvPr id="3" name="Content Placeholder 2">
             <a:extLst>
               <a:ext uri="{FF2B5EF4-FFF2-40B4-BE49-F238E27FC236}">
-                <a16:creationId xmlns="" xmlns:a16="http://schemas.microsoft.com/office/drawing/2014/main" id="{2AD52871-79D5-420E-8207-BEF7BE44A9B6}"/>
+                <a16:creationId xmlns:a16="http://schemas.microsoft.com/office/drawing/2014/main" id="{2AD52871-79D5-420E-8207-BEF7BE44A9B6}"/>
               </a:ext>
             </a:extLst>
           </p:cNvPr>
@@ -1299,7 +1311,7 @@
           <p:cNvPr id="4" name="Date Placeholder 3">
             <a:extLst>
               <a:ext uri="{FF2B5EF4-FFF2-40B4-BE49-F238E27FC236}">
-                <a16:creationId xmlns="" xmlns:a16="http://schemas.microsoft.com/office/drawing/2014/main" id="{896D32D3-8223-4851-BB8E-CB489B975FD6}"/>
+                <a16:creationId xmlns:a16="http://schemas.microsoft.com/office/drawing/2014/main" id="{896D32D3-8223-4851-BB8E-CB489B975FD6}"/>
               </a:ext>
             </a:extLst>
           </p:cNvPr>
@@ -1329,7 +1341,7 @@
           <p:cNvPr id="5" name="Footer Placeholder 4">
             <a:extLst>
               <a:ext uri="{FF2B5EF4-FFF2-40B4-BE49-F238E27FC236}">
-                <a16:creationId xmlns="" xmlns:a16="http://schemas.microsoft.com/office/drawing/2014/main" id="{9E94444B-9FC3-414D-8EA0-15AB806D5E32}"/>
+                <a16:creationId xmlns:a16="http://schemas.microsoft.com/office/drawing/2014/main" id="{9E94444B-9FC3-414D-8EA0-15AB806D5E32}"/>
               </a:ext>
             </a:extLst>
           </p:cNvPr>
@@ -1354,7 +1366,7 @@
           <p:cNvPr id="6" name="Slide Number Placeholder 5">
             <a:extLst>
               <a:ext uri="{FF2B5EF4-FFF2-40B4-BE49-F238E27FC236}">
-                <a16:creationId xmlns="" xmlns:a16="http://schemas.microsoft.com/office/drawing/2014/main" id="{DBBC448B-FCF6-40C5-8BB6-15B70E8897CB}"/>
+                <a16:creationId xmlns:a16="http://schemas.microsoft.com/office/drawing/2014/main" id="{DBBC448B-FCF6-40C5-8BB6-15B70E8897CB}"/>
               </a:ext>
             </a:extLst>
           </p:cNvPr>
@@ -1382,7 +1394,7 @@
     </p:spTree>
     <p:extLst>
       <p:ext uri="{BB962C8B-B14F-4D97-AF65-F5344CB8AC3E}">
-        <p14:creationId xmlns="" xmlns:p14="http://schemas.microsoft.com/office/powerpoint/2010/main" val="1938834610"/>
+        <p14:creationId xmlns:p14="http://schemas.microsoft.com/office/powerpoint/2010/main" val="1938834610"/>
       </p:ext>
     </p:extLst>
   </p:cSld>
@@ -1414,7 +1426,7 @@
           <p:cNvPr id="2" name="Title 1">
             <a:extLst>
               <a:ext uri="{FF2B5EF4-FFF2-40B4-BE49-F238E27FC236}">
-                <a16:creationId xmlns="" xmlns:a16="http://schemas.microsoft.com/office/drawing/2014/main" id="{D14F79BA-620F-4443-807B-BE44F36F98F1}"/>
+                <a16:creationId xmlns:a16="http://schemas.microsoft.com/office/drawing/2014/main" id="{D14F79BA-620F-4443-807B-BE44F36F98F1}"/>
               </a:ext>
             </a:extLst>
           </p:cNvPr>
@@ -1453,7 +1465,7 @@
           <p:cNvPr id="3" name="Text Placeholder 2">
             <a:extLst>
               <a:ext uri="{FF2B5EF4-FFF2-40B4-BE49-F238E27FC236}">
-                <a16:creationId xmlns="" xmlns:a16="http://schemas.microsoft.com/office/drawing/2014/main" id="{30C9A625-6442-4047-B545-433C4451210A}"/>
+                <a16:creationId xmlns:a16="http://schemas.microsoft.com/office/drawing/2014/main" id="{30C9A625-6442-4047-B545-433C4451210A}"/>
               </a:ext>
             </a:extLst>
           </p:cNvPr>
@@ -1578,7 +1590,7 @@
           <p:cNvPr id="4" name="Date Placeholder 3">
             <a:extLst>
               <a:ext uri="{FF2B5EF4-FFF2-40B4-BE49-F238E27FC236}">
-                <a16:creationId xmlns="" xmlns:a16="http://schemas.microsoft.com/office/drawing/2014/main" id="{5F8EAA30-3B1A-4BEA-9835-33D2072451F9}"/>
+                <a16:creationId xmlns:a16="http://schemas.microsoft.com/office/drawing/2014/main" id="{5F8EAA30-3B1A-4BEA-9835-33D2072451F9}"/>
               </a:ext>
             </a:extLst>
           </p:cNvPr>
@@ -1608,7 +1620,7 @@
           <p:cNvPr id="5" name="Footer Placeholder 4">
             <a:extLst>
               <a:ext uri="{FF2B5EF4-FFF2-40B4-BE49-F238E27FC236}">
-                <a16:creationId xmlns="" xmlns:a16="http://schemas.microsoft.com/office/drawing/2014/main" id="{BB256440-3149-446F-8105-485333B183A0}"/>
+                <a16:creationId xmlns:a16="http://schemas.microsoft.com/office/drawing/2014/main" id="{BB256440-3149-446F-8105-485333B183A0}"/>
               </a:ext>
             </a:extLst>
           </p:cNvPr>
@@ -1633,7 +1645,7 @@
           <p:cNvPr id="6" name="Slide Number Placeholder 5">
             <a:extLst>
               <a:ext uri="{FF2B5EF4-FFF2-40B4-BE49-F238E27FC236}">
-                <a16:creationId xmlns="" xmlns:a16="http://schemas.microsoft.com/office/drawing/2014/main" id="{4E0FEDB1-D604-4E10-B334-5DB303498B12}"/>
+                <a16:creationId xmlns:a16="http://schemas.microsoft.com/office/drawing/2014/main" id="{4E0FEDB1-D604-4E10-B334-5DB303498B12}"/>
               </a:ext>
             </a:extLst>
           </p:cNvPr>
@@ -1661,7 +1673,7 @@
     </p:spTree>
     <p:extLst>
       <p:ext uri="{BB962C8B-B14F-4D97-AF65-F5344CB8AC3E}">
-        <p14:creationId xmlns="" xmlns:p14="http://schemas.microsoft.com/office/powerpoint/2010/main" val="1320324372"/>
+        <p14:creationId xmlns:p14="http://schemas.microsoft.com/office/powerpoint/2010/main" val="1320324372"/>
       </p:ext>
     </p:extLst>
   </p:cSld>
@@ -1693,7 +1705,7 @@
           <p:cNvPr id="2" name="Title 1">
             <a:extLst>
               <a:ext uri="{FF2B5EF4-FFF2-40B4-BE49-F238E27FC236}">
-                <a16:creationId xmlns="" xmlns:a16="http://schemas.microsoft.com/office/drawing/2014/main" id="{56F6E563-D552-439E-8DF5-45062D87549B}"/>
+                <a16:creationId xmlns:a16="http://schemas.microsoft.com/office/drawing/2014/main" id="{56F6E563-D552-439E-8DF5-45062D87549B}"/>
               </a:ext>
             </a:extLst>
           </p:cNvPr>
@@ -1721,7 +1733,7 @@
           <p:cNvPr id="3" name="Content Placeholder 2">
             <a:extLst>
               <a:ext uri="{FF2B5EF4-FFF2-40B4-BE49-F238E27FC236}">
-                <a16:creationId xmlns="" xmlns:a16="http://schemas.microsoft.com/office/drawing/2014/main" id="{C0136873-2DD5-456E-A3A9-FE408419E30D}"/>
+                <a16:creationId xmlns:a16="http://schemas.microsoft.com/office/drawing/2014/main" id="{C0136873-2DD5-456E-A3A9-FE408419E30D}"/>
               </a:ext>
             </a:extLst>
           </p:cNvPr>
@@ -1783,7 +1795,7 @@
           <p:cNvPr id="4" name="Content Placeholder 3">
             <a:extLst>
               <a:ext uri="{FF2B5EF4-FFF2-40B4-BE49-F238E27FC236}">
-                <a16:creationId xmlns="" xmlns:a16="http://schemas.microsoft.com/office/drawing/2014/main" id="{00C6B04C-FB9E-4A9E-8892-4B5B702898B4}"/>
+                <a16:creationId xmlns:a16="http://schemas.microsoft.com/office/drawing/2014/main" id="{00C6B04C-FB9E-4A9E-8892-4B5B702898B4}"/>
               </a:ext>
             </a:extLst>
           </p:cNvPr>
@@ -1845,7 +1857,7 @@
           <p:cNvPr id="5" name="Date Placeholder 4">
             <a:extLst>
               <a:ext uri="{FF2B5EF4-FFF2-40B4-BE49-F238E27FC236}">
-                <a16:creationId xmlns="" xmlns:a16="http://schemas.microsoft.com/office/drawing/2014/main" id="{42E2F0B4-0E86-473E-BC42-78D856A00C2E}"/>
+                <a16:creationId xmlns:a16="http://schemas.microsoft.com/office/drawing/2014/main" id="{42E2F0B4-0E86-473E-BC42-78D856A00C2E}"/>
               </a:ext>
             </a:extLst>
           </p:cNvPr>
@@ -1875,7 +1887,7 @@
           <p:cNvPr id="6" name="Footer Placeholder 5">
             <a:extLst>
               <a:ext uri="{FF2B5EF4-FFF2-40B4-BE49-F238E27FC236}">
-                <a16:creationId xmlns="" xmlns:a16="http://schemas.microsoft.com/office/drawing/2014/main" id="{782B9537-F43C-4042-B165-A00358F9E24F}"/>
+                <a16:creationId xmlns:a16="http://schemas.microsoft.com/office/drawing/2014/main" id="{782B9537-F43C-4042-B165-A00358F9E24F}"/>
               </a:ext>
             </a:extLst>
           </p:cNvPr>
@@ -1900,7 +1912,7 @@
           <p:cNvPr id="7" name="Slide Number Placeholder 6">
             <a:extLst>
               <a:ext uri="{FF2B5EF4-FFF2-40B4-BE49-F238E27FC236}">
-                <a16:creationId xmlns="" xmlns:a16="http://schemas.microsoft.com/office/drawing/2014/main" id="{FEF9F52F-61F2-4FEE-8989-2FB400190C4C}"/>
+                <a16:creationId xmlns:a16="http://schemas.microsoft.com/office/drawing/2014/main" id="{FEF9F52F-61F2-4FEE-8989-2FB400190C4C}"/>
               </a:ext>
             </a:extLst>
           </p:cNvPr>
@@ -1928,7 +1940,7 @@
     </p:spTree>
     <p:extLst>
       <p:ext uri="{BB962C8B-B14F-4D97-AF65-F5344CB8AC3E}">
-        <p14:creationId xmlns="" xmlns:p14="http://schemas.microsoft.com/office/powerpoint/2010/main" val="3361999117"/>
+        <p14:creationId xmlns:p14="http://schemas.microsoft.com/office/powerpoint/2010/main" val="3361999117"/>
       </p:ext>
     </p:extLst>
   </p:cSld>
@@ -1960,7 +1972,7 @@
           <p:cNvPr id="2" name="Title 1">
             <a:extLst>
               <a:ext uri="{FF2B5EF4-FFF2-40B4-BE49-F238E27FC236}">
-                <a16:creationId xmlns="" xmlns:a16="http://schemas.microsoft.com/office/drawing/2014/main" id="{66832E5C-0B2D-4DB5-95F6-3C2C825DFE54}"/>
+                <a16:creationId xmlns:a16="http://schemas.microsoft.com/office/drawing/2014/main" id="{66832E5C-0B2D-4DB5-95F6-3C2C825DFE54}"/>
               </a:ext>
             </a:extLst>
           </p:cNvPr>
@@ -1993,7 +2005,7 @@
           <p:cNvPr id="3" name="Text Placeholder 2">
             <a:extLst>
               <a:ext uri="{FF2B5EF4-FFF2-40B4-BE49-F238E27FC236}">
-                <a16:creationId xmlns="" xmlns:a16="http://schemas.microsoft.com/office/drawing/2014/main" id="{818F1C53-3F27-42E6-BE80-1DF57985741C}"/>
+                <a16:creationId xmlns:a16="http://schemas.microsoft.com/office/drawing/2014/main" id="{818F1C53-3F27-42E6-BE80-1DF57985741C}"/>
               </a:ext>
             </a:extLst>
           </p:cNvPr>
@@ -2066,7 +2078,7 @@
           <p:cNvPr id="4" name="Content Placeholder 3">
             <a:extLst>
               <a:ext uri="{FF2B5EF4-FFF2-40B4-BE49-F238E27FC236}">
-                <a16:creationId xmlns="" xmlns:a16="http://schemas.microsoft.com/office/drawing/2014/main" id="{938CC6CB-F028-4322-B54F-571203106F23}"/>
+                <a16:creationId xmlns:a16="http://schemas.microsoft.com/office/drawing/2014/main" id="{938CC6CB-F028-4322-B54F-571203106F23}"/>
               </a:ext>
             </a:extLst>
           </p:cNvPr>
@@ -2135,7 +2147,7 @@
           <p:cNvPr id="5" name="Text Placeholder 4">
             <a:extLst>
               <a:ext uri="{FF2B5EF4-FFF2-40B4-BE49-F238E27FC236}">
-                <a16:creationId xmlns="" xmlns:a16="http://schemas.microsoft.com/office/drawing/2014/main" id="{82AD2CD7-554E-4EAA-BAF6-86ABB7E81D25}"/>
+                <a16:creationId xmlns:a16="http://schemas.microsoft.com/office/drawing/2014/main" id="{82AD2CD7-554E-4EAA-BAF6-86ABB7E81D25}"/>
               </a:ext>
             </a:extLst>
           </p:cNvPr>
@@ -2208,7 +2220,7 @@
           <p:cNvPr id="6" name="Content Placeholder 5">
             <a:extLst>
               <a:ext uri="{FF2B5EF4-FFF2-40B4-BE49-F238E27FC236}">
-                <a16:creationId xmlns="" xmlns:a16="http://schemas.microsoft.com/office/drawing/2014/main" id="{1982A2D6-379C-4D26-90AC-9F2F46DCE7F3}"/>
+                <a16:creationId xmlns:a16="http://schemas.microsoft.com/office/drawing/2014/main" id="{1982A2D6-379C-4D26-90AC-9F2F46DCE7F3}"/>
               </a:ext>
             </a:extLst>
           </p:cNvPr>
@@ -2277,7 +2289,7 @@
           <p:cNvPr id="7" name="Date Placeholder 6">
             <a:extLst>
               <a:ext uri="{FF2B5EF4-FFF2-40B4-BE49-F238E27FC236}">
-                <a16:creationId xmlns="" xmlns:a16="http://schemas.microsoft.com/office/drawing/2014/main" id="{DEA0E4F3-8A65-4788-AE96-1FB2060F48D2}"/>
+                <a16:creationId xmlns:a16="http://schemas.microsoft.com/office/drawing/2014/main" id="{DEA0E4F3-8A65-4788-AE96-1FB2060F48D2}"/>
               </a:ext>
             </a:extLst>
           </p:cNvPr>
@@ -2307,7 +2319,7 @@
           <p:cNvPr id="8" name="Footer Placeholder 7">
             <a:extLst>
               <a:ext uri="{FF2B5EF4-FFF2-40B4-BE49-F238E27FC236}">
-                <a16:creationId xmlns="" xmlns:a16="http://schemas.microsoft.com/office/drawing/2014/main" id="{97522DA4-5EE1-440C-ADDE-D7B4F77B4E18}"/>
+                <a16:creationId xmlns:a16="http://schemas.microsoft.com/office/drawing/2014/main" id="{97522DA4-5EE1-440C-ADDE-D7B4F77B4E18}"/>
               </a:ext>
             </a:extLst>
           </p:cNvPr>
@@ -2332,7 +2344,7 @@
           <p:cNvPr id="9" name="Slide Number Placeholder 8">
             <a:extLst>
               <a:ext uri="{FF2B5EF4-FFF2-40B4-BE49-F238E27FC236}">
-                <a16:creationId xmlns="" xmlns:a16="http://schemas.microsoft.com/office/drawing/2014/main" id="{D6BC291E-B8EF-4ED7-A04A-23426C220CF0}"/>
+                <a16:creationId xmlns:a16="http://schemas.microsoft.com/office/drawing/2014/main" id="{D6BC291E-B8EF-4ED7-A04A-23426C220CF0}"/>
               </a:ext>
             </a:extLst>
           </p:cNvPr>
@@ -2360,7 +2372,7 @@
     </p:spTree>
     <p:extLst>
       <p:ext uri="{BB962C8B-B14F-4D97-AF65-F5344CB8AC3E}">
-        <p14:creationId xmlns="" xmlns:p14="http://schemas.microsoft.com/office/powerpoint/2010/main" val="266521033"/>
+        <p14:creationId xmlns:p14="http://schemas.microsoft.com/office/powerpoint/2010/main" val="266521033"/>
       </p:ext>
     </p:extLst>
   </p:cSld>
@@ -2392,7 +2404,7 @@
           <p:cNvPr id="2" name="Title 1">
             <a:extLst>
               <a:ext uri="{FF2B5EF4-FFF2-40B4-BE49-F238E27FC236}">
-                <a16:creationId xmlns="" xmlns:a16="http://schemas.microsoft.com/office/drawing/2014/main" id="{A01CB818-E8D0-497B-9A7E-4F281D0DBCCD}"/>
+                <a16:creationId xmlns:a16="http://schemas.microsoft.com/office/drawing/2014/main" id="{A01CB818-E8D0-497B-9A7E-4F281D0DBCCD}"/>
               </a:ext>
             </a:extLst>
           </p:cNvPr>
@@ -2420,7 +2432,7 @@
           <p:cNvPr id="3" name="Date Placeholder 2">
             <a:extLst>
               <a:ext uri="{FF2B5EF4-FFF2-40B4-BE49-F238E27FC236}">
-                <a16:creationId xmlns="" xmlns:a16="http://schemas.microsoft.com/office/drawing/2014/main" id="{CFE82B9D-CD58-4C05-8A78-CB6E0E9D49DC}"/>
+                <a16:creationId xmlns:a16="http://schemas.microsoft.com/office/drawing/2014/main" id="{CFE82B9D-CD58-4C05-8A78-CB6E0E9D49DC}"/>
               </a:ext>
             </a:extLst>
           </p:cNvPr>
@@ -2450,7 +2462,7 @@
           <p:cNvPr id="4" name="Footer Placeholder 3">
             <a:extLst>
               <a:ext uri="{FF2B5EF4-FFF2-40B4-BE49-F238E27FC236}">
-                <a16:creationId xmlns="" xmlns:a16="http://schemas.microsoft.com/office/drawing/2014/main" id="{BADE60CD-D6F3-40A7-BB8B-FEC8E3156AFB}"/>
+                <a16:creationId xmlns:a16="http://schemas.microsoft.com/office/drawing/2014/main" id="{BADE60CD-D6F3-40A7-BB8B-FEC8E3156AFB}"/>
               </a:ext>
             </a:extLst>
           </p:cNvPr>
@@ -2475,7 +2487,7 @@
           <p:cNvPr id="5" name="Slide Number Placeholder 4">
             <a:extLst>
               <a:ext uri="{FF2B5EF4-FFF2-40B4-BE49-F238E27FC236}">
-                <a16:creationId xmlns="" xmlns:a16="http://schemas.microsoft.com/office/drawing/2014/main" id="{7C02B832-C4FE-4F88-85EA-DDC16A82B9A9}"/>
+                <a16:creationId xmlns:a16="http://schemas.microsoft.com/office/drawing/2014/main" id="{7C02B832-C4FE-4F88-85EA-DDC16A82B9A9}"/>
               </a:ext>
             </a:extLst>
           </p:cNvPr>
@@ -2503,7 +2515,7 @@
     </p:spTree>
     <p:extLst>
       <p:ext uri="{BB962C8B-B14F-4D97-AF65-F5344CB8AC3E}">
-        <p14:creationId xmlns="" xmlns:p14="http://schemas.microsoft.com/office/powerpoint/2010/main" val="2655213164"/>
+        <p14:creationId xmlns:p14="http://schemas.microsoft.com/office/powerpoint/2010/main" val="2655213164"/>
       </p:ext>
     </p:extLst>
   </p:cSld>
@@ -2535,7 +2547,7 @@
           <p:cNvPr id="2" name="Date Placeholder 1">
             <a:extLst>
               <a:ext uri="{FF2B5EF4-FFF2-40B4-BE49-F238E27FC236}">
-                <a16:creationId xmlns="" xmlns:a16="http://schemas.microsoft.com/office/drawing/2014/main" id="{3C75B2FC-801A-44A4-96BF-26A9E8B2A1C6}"/>
+                <a16:creationId xmlns:a16="http://schemas.microsoft.com/office/drawing/2014/main" id="{3C75B2FC-801A-44A4-96BF-26A9E8B2A1C6}"/>
               </a:ext>
             </a:extLst>
           </p:cNvPr>
@@ -2565,7 +2577,7 @@
           <p:cNvPr id="3" name="Footer Placeholder 2">
             <a:extLst>
               <a:ext uri="{FF2B5EF4-FFF2-40B4-BE49-F238E27FC236}">
-                <a16:creationId xmlns="" xmlns:a16="http://schemas.microsoft.com/office/drawing/2014/main" id="{A8127F04-7E7E-485C-8B30-6B89E5A69F0A}"/>
+                <a16:creationId xmlns:a16="http://schemas.microsoft.com/office/drawing/2014/main" id="{A8127F04-7E7E-485C-8B30-6B89E5A69F0A}"/>
               </a:ext>
             </a:extLst>
           </p:cNvPr>
@@ -2590,7 +2602,7 @@
           <p:cNvPr id="4" name="Slide Number Placeholder 3">
             <a:extLst>
               <a:ext uri="{FF2B5EF4-FFF2-40B4-BE49-F238E27FC236}">
-                <a16:creationId xmlns="" xmlns:a16="http://schemas.microsoft.com/office/drawing/2014/main" id="{90933C81-AA74-4BCE-AA9E-56E5791D078C}"/>
+                <a16:creationId xmlns:a16="http://schemas.microsoft.com/office/drawing/2014/main" id="{90933C81-AA74-4BCE-AA9E-56E5791D078C}"/>
               </a:ext>
             </a:extLst>
           </p:cNvPr>
@@ -2618,7 +2630,7 @@
     </p:spTree>
     <p:extLst>
       <p:ext uri="{BB962C8B-B14F-4D97-AF65-F5344CB8AC3E}">
-        <p14:creationId xmlns="" xmlns:p14="http://schemas.microsoft.com/office/powerpoint/2010/main" val="576407341"/>
+        <p14:creationId xmlns:p14="http://schemas.microsoft.com/office/powerpoint/2010/main" val="576407341"/>
       </p:ext>
     </p:extLst>
   </p:cSld>
@@ -2650,7 +2662,7 @@
           <p:cNvPr id="2" name="Title 1">
             <a:extLst>
               <a:ext uri="{FF2B5EF4-FFF2-40B4-BE49-F238E27FC236}">
-                <a16:creationId xmlns="" xmlns:a16="http://schemas.microsoft.com/office/drawing/2014/main" id="{98DFD3CB-0541-46AD-B35E-0E0A1375E8A2}"/>
+                <a16:creationId xmlns:a16="http://schemas.microsoft.com/office/drawing/2014/main" id="{98DFD3CB-0541-46AD-B35E-0E0A1375E8A2}"/>
               </a:ext>
             </a:extLst>
           </p:cNvPr>
@@ -2687,7 +2699,7 @@
           <p:cNvPr id="3" name="Content Placeholder 2">
             <a:extLst>
               <a:ext uri="{FF2B5EF4-FFF2-40B4-BE49-F238E27FC236}">
-                <a16:creationId xmlns="" xmlns:a16="http://schemas.microsoft.com/office/drawing/2014/main" id="{EBF8EFDE-1D7D-46B8-AB55-A3C02EDD1888}"/>
+                <a16:creationId xmlns:a16="http://schemas.microsoft.com/office/drawing/2014/main" id="{EBF8EFDE-1D7D-46B8-AB55-A3C02EDD1888}"/>
               </a:ext>
             </a:extLst>
           </p:cNvPr>
@@ -2777,7 +2789,7 @@
           <p:cNvPr id="4" name="Text Placeholder 3">
             <a:extLst>
               <a:ext uri="{FF2B5EF4-FFF2-40B4-BE49-F238E27FC236}">
-                <a16:creationId xmlns="" xmlns:a16="http://schemas.microsoft.com/office/drawing/2014/main" id="{6411D2F5-DB36-4943-8A14-96AFC4883065}"/>
+                <a16:creationId xmlns:a16="http://schemas.microsoft.com/office/drawing/2014/main" id="{6411D2F5-DB36-4943-8A14-96AFC4883065}"/>
               </a:ext>
             </a:extLst>
           </p:cNvPr>
@@ -2848,7 +2860,7 @@
           <p:cNvPr id="5" name="Date Placeholder 4">
             <a:extLst>
               <a:ext uri="{FF2B5EF4-FFF2-40B4-BE49-F238E27FC236}">
-                <a16:creationId xmlns="" xmlns:a16="http://schemas.microsoft.com/office/drawing/2014/main" id="{106C07D4-6597-444C-9EFD-62021AE7618C}"/>
+                <a16:creationId xmlns:a16="http://schemas.microsoft.com/office/drawing/2014/main" id="{106C07D4-6597-444C-9EFD-62021AE7618C}"/>
               </a:ext>
             </a:extLst>
           </p:cNvPr>
@@ -2878,7 +2890,7 @@
           <p:cNvPr id="6" name="Footer Placeholder 5">
             <a:extLst>
               <a:ext uri="{FF2B5EF4-FFF2-40B4-BE49-F238E27FC236}">
-                <a16:creationId xmlns="" xmlns:a16="http://schemas.microsoft.com/office/drawing/2014/main" id="{712D0D2C-70E8-4A24-9727-BEAF10B17D6C}"/>
+                <a16:creationId xmlns:a16="http://schemas.microsoft.com/office/drawing/2014/main" id="{712D0D2C-70E8-4A24-9727-BEAF10B17D6C}"/>
               </a:ext>
             </a:extLst>
           </p:cNvPr>
@@ -2903,7 +2915,7 @@
           <p:cNvPr id="7" name="Slide Number Placeholder 6">
             <a:extLst>
               <a:ext uri="{FF2B5EF4-FFF2-40B4-BE49-F238E27FC236}">
-                <a16:creationId xmlns="" xmlns:a16="http://schemas.microsoft.com/office/drawing/2014/main" id="{F0D9E0F6-7216-48A1-8BCA-770C6DE3875B}"/>
+                <a16:creationId xmlns:a16="http://schemas.microsoft.com/office/drawing/2014/main" id="{F0D9E0F6-7216-48A1-8BCA-770C6DE3875B}"/>
               </a:ext>
             </a:extLst>
           </p:cNvPr>
@@ -2931,7 +2943,7 @@
     </p:spTree>
     <p:extLst>
       <p:ext uri="{BB962C8B-B14F-4D97-AF65-F5344CB8AC3E}">
-        <p14:creationId xmlns="" xmlns:p14="http://schemas.microsoft.com/office/powerpoint/2010/main" val="780026818"/>
+        <p14:creationId xmlns:p14="http://schemas.microsoft.com/office/powerpoint/2010/main" val="780026818"/>
       </p:ext>
     </p:extLst>
   </p:cSld>
@@ -2963,7 +2975,7 @@
           <p:cNvPr id="2" name="Title 1">
             <a:extLst>
               <a:ext uri="{FF2B5EF4-FFF2-40B4-BE49-F238E27FC236}">
-                <a16:creationId xmlns="" xmlns:a16="http://schemas.microsoft.com/office/drawing/2014/main" id="{1E4CBEBD-5F1A-4111-A7F2-1CE82C9A69D8}"/>
+                <a16:creationId xmlns:a16="http://schemas.microsoft.com/office/drawing/2014/main" id="{1E4CBEBD-5F1A-4111-A7F2-1CE82C9A69D8}"/>
               </a:ext>
             </a:extLst>
           </p:cNvPr>
@@ -3000,7 +3012,7 @@
           <p:cNvPr id="3" name="Picture Placeholder 2">
             <a:extLst>
               <a:ext uri="{FF2B5EF4-FFF2-40B4-BE49-F238E27FC236}">
-                <a16:creationId xmlns="" xmlns:a16="http://schemas.microsoft.com/office/drawing/2014/main" id="{C00517FB-4008-4F68-B193-482971BA720D}"/>
+                <a16:creationId xmlns:a16="http://schemas.microsoft.com/office/drawing/2014/main" id="{C00517FB-4008-4F68-B193-482971BA720D}"/>
               </a:ext>
             </a:extLst>
           </p:cNvPr>
@@ -3067,7 +3079,7 @@
           <p:cNvPr id="4" name="Text Placeholder 3">
             <a:extLst>
               <a:ext uri="{FF2B5EF4-FFF2-40B4-BE49-F238E27FC236}">
-                <a16:creationId xmlns="" xmlns:a16="http://schemas.microsoft.com/office/drawing/2014/main" id="{92606C5F-0885-458F-9B21-47E60171BF0E}"/>
+                <a16:creationId xmlns:a16="http://schemas.microsoft.com/office/drawing/2014/main" id="{92606C5F-0885-458F-9B21-47E60171BF0E}"/>
               </a:ext>
             </a:extLst>
           </p:cNvPr>
@@ -3138,7 +3150,7 @@
           <p:cNvPr id="5" name="Date Placeholder 4">
             <a:extLst>
               <a:ext uri="{FF2B5EF4-FFF2-40B4-BE49-F238E27FC236}">
-                <a16:creationId xmlns="" xmlns:a16="http://schemas.microsoft.com/office/drawing/2014/main" id="{04886F2E-B752-4D78-8DC4-C96A1A00E670}"/>
+                <a16:creationId xmlns:a16="http://schemas.microsoft.com/office/drawing/2014/main" id="{04886F2E-B752-4D78-8DC4-C96A1A00E670}"/>
               </a:ext>
             </a:extLst>
           </p:cNvPr>
@@ -3168,7 +3180,7 @@
           <p:cNvPr id="6" name="Footer Placeholder 5">
             <a:extLst>
               <a:ext uri="{FF2B5EF4-FFF2-40B4-BE49-F238E27FC236}">
-                <a16:creationId xmlns="" xmlns:a16="http://schemas.microsoft.com/office/drawing/2014/main" id="{4FC37751-8BB8-4224-870A-A2953E76073F}"/>
+                <a16:creationId xmlns:a16="http://schemas.microsoft.com/office/drawing/2014/main" id="{4FC37751-8BB8-4224-870A-A2953E76073F}"/>
               </a:ext>
             </a:extLst>
           </p:cNvPr>
@@ -3193,7 +3205,7 @@
           <p:cNvPr id="7" name="Slide Number Placeholder 6">
             <a:extLst>
               <a:ext uri="{FF2B5EF4-FFF2-40B4-BE49-F238E27FC236}">
-                <a16:creationId xmlns="" xmlns:a16="http://schemas.microsoft.com/office/drawing/2014/main" id="{6242CE94-BD7E-44B3-9B5E-67D4BD317E99}"/>
+                <a16:creationId xmlns:a16="http://schemas.microsoft.com/office/drawing/2014/main" id="{6242CE94-BD7E-44B3-9B5E-67D4BD317E99}"/>
               </a:ext>
             </a:extLst>
           </p:cNvPr>
@@ -3221,7 +3233,7 @@
     </p:spTree>
     <p:extLst>
       <p:ext uri="{BB962C8B-B14F-4D97-AF65-F5344CB8AC3E}">
-        <p14:creationId xmlns="" xmlns:p14="http://schemas.microsoft.com/office/powerpoint/2010/main" val="1894485911"/>
+        <p14:creationId xmlns:p14="http://schemas.microsoft.com/office/powerpoint/2010/main" val="1894485911"/>
       </p:ext>
     </p:extLst>
   </p:cSld>
@@ -3258,7 +3270,7 @@
           <p:cNvPr id="7" name="Group 6">
             <a:extLst>
               <a:ext uri="{FF2B5EF4-FFF2-40B4-BE49-F238E27FC236}">
-                <a16:creationId xmlns="" xmlns:a16="http://schemas.microsoft.com/office/drawing/2014/main" id="{71AFD227-869A-489C-A9B5-3F0498DF3C0C}"/>
+                <a16:creationId xmlns:a16="http://schemas.microsoft.com/office/drawing/2014/main" id="{71AFD227-869A-489C-A9B5-3F0498DF3C0C}"/>
               </a:ext>
             </a:extLst>
           </p:cNvPr>
@@ -3283,7 +3295,7 @@
             <p:cNvPr id="8" name="Freeform 8">
               <a:extLst>
                 <a:ext uri="{FF2B5EF4-FFF2-40B4-BE49-F238E27FC236}">
-                  <a16:creationId xmlns="" xmlns:a16="http://schemas.microsoft.com/office/drawing/2014/main" id="{62704B34-199B-4964-9C78-3AB9735915AA}"/>
+                  <a16:creationId xmlns:a16="http://schemas.microsoft.com/office/drawing/2014/main" id="{62704B34-199B-4964-9C78-3AB9735915AA}"/>
                 </a:ext>
               </a:extLst>
             </p:cNvPr>
@@ -3365,7 +3377,7 @@
             <p:cNvPr id="9" name="Freeform 10">
               <a:extLst>
                 <a:ext uri="{FF2B5EF4-FFF2-40B4-BE49-F238E27FC236}">
-                  <a16:creationId xmlns="" xmlns:a16="http://schemas.microsoft.com/office/drawing/2014/main" id="{8B1E8DB8-017D-454E-849F-EE5742849FD4}"/>
+                  <a16:creationId xmlns:a16="http://schemas.microsoft.com/office/drawing/2014/main" id="{8B1E8DB8-017D-454E-849F-EE5742849FD4}"/>
                 </a:ext>
               </a:extLst>
             </p:cNvPr>
@@ -3447,7 +3459,7 @@
             <p:cNvPr id="10" name="Freeform 15">
               <a:extLst>
                 <a:ext uri="{FF2B5EF4-FFF2-40B4-BE49-F238E27FC236}">
-                  <a16:creationId xmlns="" xmlns:a16="http://schemas.microsoft.com/office/drawing/2014/main" id="{16D80E5D-5099-41C4-A80A-1B1538C382FC}"/>
+                  <a16:creationId xmlns:a16="http://schemas.microsoft.com/office/drawing/2014/main" id="{16D80E5D-5099-41C4-A80A-1B1538C382FC}"/>
                 </a:ext>
               </a:extLst>
             </p:cNvPr>
@@ -3529,7 +3541,7 @@
             <p:cNvPr id="11" name="Freeform 18">
               <a:extLst>
                 <a:ext uri="{FF2B5EF4-FFF2-40B4-BE49-F238E27FC236}">
-                  <a16:creationId xmlns="" xmlns:a16="http://schemas.microsoft.com/office/drawing/2014/main" id="{947751E1-E2F4-467E-B547-3BD4BAB7F560}"/>
+                  <a16:creationId xmlns:a16="http://schemas.microsoft.com/office/drawing/2014/main" id="{947751E1-E2F4-467E-B547-3BD4BAB7F560}"/>
                 </a:ext>
               </a:extLst>
             </p:cNvPr>
@@ -3611,7 +3623,7 @@
             <p:cNvPr id="12" name="Freeform 19">
               <a:extLst>
                 <a:ext uri="{FF2B5EF4-FFF2-40B4-BE49-F238E27FC236}">
-                  <a16:creationId xmlns="" xmlns:a16="http://schemas.microsoft.com/office/drawing/2014/main" id="{55D8869B-B701-4268-9856-876345C8AE3F}"/>
+                  <a16:creationId xmlns:a16="http://schemas.microsoft.com/office/drawing/2014/main" id="{55D8869B-B701-4268-9856-876345C8AE3F}"/>
                 </a:ext>
               </a:extLst>
             </p:cNvPr>
@@ -3693,7 +3705,7 @@
             <p:cNvPr id="13" name="Freeform 20">
               <a:extLst>
                 <a:ext uri="{FF2B5EF4-FFF2-40B4-BE49-F238E27FC236}">
-                  <a16:creationId xmlns="" xmlns:a16="http://schemas.microsoft.com/office/drawing/2014/main" id="{A25CA59C-849F-4CE4-A9B0-293F98DE2C7C}"/>
+                  <a16:creationId xmlns:a16="http://schemas.microsoft.com/office/drawing/2014/main" id="{A25CA59C-849F-4CE4-A9B0-293F98DE2C7C}"/>
                 </a:ext>
               </a:extLst>
             </p:cNvPr>
@@ -3775,7 +3787,7 @@
             <p:cNvPr id="14" name="Freeform 22">
               <a:extLst>
                 <a:ext uri="{FF2B5EF4-FFF2-40B4-BE49-F238E27FC236}">
-                  <a16:creationId xmlns="" xmlns:a16="http://schemas.microsoft.com/office/drawing/2014/main" id="{FE000DB1-AAA1-4BFF-8F14-53624C2F9E0B}"/>
+                  <a16:creationId xmlns:a16="http://schemas.microsoft.com/office/drawing/2014/main" id="{FE000DB1-AAA1-4BFF-8F14-53624C2F9E0B}"/>
                 </a:ext>
               </a:extLst>
             </p:cNvPr>
@@ -3857,7 +3869,7 @@
             <p:cNvPr id="15" name="Freeform 23">
               <a:extLst>
                 <a:ext uri="{FF2B5EF4-FFF2-40B4-BE49-F238E27FC236}">
-                  <a16:creationId xmlns="" xmlns:a16="http://schemas.microsoft.com/office/drawing/2014/main" id="{5EEFBC14-7E5B-47B2-B5E3-E90991F89191}"/>
+                  <a16:creationId xmlns:a16="http://schemas.microsoft.com/office/drawing/2014/main" id="{5EEFBC14-7E5B-47B2-B5E3-E90991F89191}"/>
                 </a:ext>
               </a:extLst>
             </p:cNvPr>
@@ -3939,7 +3951,7 @@
             <p:cNvPr id="16" name="Freeform 26">
               <a:extLst>
                 <a:ext uri="{FF2B5EF4-FFF2-40B4-BE49-F238E27FC236}">
-                  <a16:creationId xmlns="" xmlns:a16="http://schemas.microsoft.com/office/drawing/2014/main" id="{00AFF6E4-A34A-4FD3-8C57-BB96114822D1}"/>
+                  <a16:creationId xmlns:a16="http://schemas.microsoft.com/office/drawing/2014/main" id="{00AFF6E4-A34A-4FD3-8C57-BB96114822D1}"/>
                 </a:ext>
               </a:extLst>
             </p:cNvPr>
@@ -4021,7 +4033,7 @@
             <p:cNvPr id="17" name="Freeform 27">
               <a:extLst>
                 <a:ext uri="{FF2B5EF4-FFF2-40B4-BE49-F238E27FC236}">
-                  <a16:creationId xmlns="" xmlns:a16="http://schemas.microsoft.com/office/drawing/2014/main" id="{C63A8474-C075-4441-A0B3-52286EA50093}"/>
+                  <a16:creationId xmlns:a16="http://schemas.microsoft.com/office/drawing/2014/main" id="{C63A8474-C075-4441-A0B3-52286EA50093}"/>
                 </a:ext>
               </a:extLst>
             </p:cNvPr>
@@ -4103,7 +4115,7 @@
             <p:cNvPr id="18" name="Freeform 28">
               <a:extLst>
                 <a:ext uri="{FF2B5EF4-FFF2-40B4-BE49-F238E27FC236}">
-                  <a16:creationId xmlns="" xmlns:a16="http://schemas.microsoft.com/office/drawing/2014/main" id="{35DA4698-A2ED-4512-8887-F12D3F14372A}"/>
+                  <a16:creationId xmlns:a16="http://schemas.microsoft.com/office/drawing/2014/main" id="{35DA4698-A2ED-4512-8887-F12D3F14372A}"/>
                 </a:ext>
               </a:extLst>
             </p:cNvPr>
@@ -4185,7 +4197,7 @@
             <p:cNvPr id="19" name="Freeform 30">
               <a:extLst>
                 <a:ext uri="{FF2B5EF4-FFF2-40B4-BE49-F238E27FC236}">
-                  <a16:creationId xmlns="" xmlns:a16="http://schemas.microsoft.com/office/drawing/2014/main" id="{3358E118-D590-4E50-B21C-6CDAA1CCAFCB}"/>
+                  <a16:creationId xmlns:a16="http://schemas.microsoft.com/office/drawing/2014/main" id="{3358E118-D590-4E50-B21C-6CDAA1CCAFCB}"/>
                 </a:ext>
               </a:extLst>
             </p:cNvPr>
@@ -4267,7 +4279,7 @@
             <p:cNvPr id="20" name="Freeform 43">
               <a:extLst>
                 <a:ext uri="{FF2B5EF4-FFF2-40B4-BE49-F238E27FC236}">
-                  <a16:creationId xmlns="" xmlns:a16="http://schemas.microsoft.com/office/drawing/2014/main" id="{F1EE889E-60FF-423F-ADCB-6CBEE853A040}"/>
+                  <a16:creationId xmlns:a16="http://schemas.microsoft.com/office/drawing/2014/main" id="{F1EE889E-60FF-423F-ADCB-6CBEE853A040}"/>
                 </a:ext>
               </a:extLst>
             </p:cNvPr>
@@ -4349,7 +4361,7 @@
             <p:cNvPr id="21" name="Freeform 51">
               <a:extLst>
                 <a:ext uri="{FF2B5EF4-FFF2-40B4-BE49-F238E27FC236}">
-                  <a16:creationId xmlns="" xmlns:a16="http://schemas.microsoft.com/office/drawing/2014/main" id="{A4AA0634-0A7C-4A35-8EB7-775200F129FD}"/>
+                  <a16:creationId xmlns:a16="http://schemas.microsoft.com/office/drawing/2014/main" id="{A4AA0634-0A7C-4A35-8EB7-775200F129FD}"/>
                 </a:ext>
               </a:extLst>
             </p:cNvPr>
@@ -4441,7 +4453,7 @@
             <p:cNvPr id="22" name="Freeform 52">
               <a:extLst>
                 <a:ext uri="{FF2B5EF4-FFF2-40B4-BE49-F238E27FC236}">
-                  <a16:creationId xmlns="" xmlns:a16="http://schemas.microsoft.com/office/drawing/2014/main" id="{EBA21558-CAC3-445C-8882-5D4A0C6D2A0E}"/>
+                  <a16:creationId xmlns:a16="http://schemas.microsoft.com/office/drawing/2014/main" id="{EBA21558-CAC3-445C-8882-5D4A0C6D2A0E}"/>
                 </a:ext>
               </a:extLst>
             </p:cNvPr>
@@ -4523,7 +4535,7 @@
             <p:cNvPr id="23" name="Freeform 53">
               <a:extLst>
                 <a:ext uri="{FF2B5EF4-FFF2-40B4-BE49-F238E27FC236}">
-                  <a16:creationId xmlns="" xmlns:a16="http://schemas.microsoft.com/office/drawing/2014/main" id="{2E9415F1-5D31-4C25-9E26-203EEF500877}"/>
+                  <a16:creationId xmlns:a16="http://schemas.microsoft.com/office/drawing/2014/main" id="{2E9415F1-5D31-4C25-9E26-203EEF500877}"/>
                 </a:ext>
               </a:extLst>
             </p:cNvPr>
@@ -4605,7 +4617,7 @@
             <p:cNvPr id="24" name="Freeform 54">
               <a:extLst>
                 <a:ext uri="{FF2B5EF4-FFF2-40B4-BE49-F238E27FC236}">
-                  <a16:creationId xmlns="" xmlns:a16="http://schemas.microsoft.com/office/drawing/2014/main" id="{622FC1F6-879A-45BA-8752-08020C39CE29}"/>
+                  <a16:creationId xmlns:a16="http://schemas.microsoft.com/office/drawing/2014/main" id="{622FC1F6-879A-45BA-8752-08020C39CE29}"/>
                 </a:ext>
               </a:extLst>
             </p:cNvPr>
@@ -4687,7 +4699,7 @@
             <p:cNvPr id="25" name="Freeform 55">
               <a:extLst>
                 <a:ext uri="{FF2B5EF4-FFF2-40B4-BE49-F238E27FC236}">
-                  <a16:creationId xmlns="" xmlns:a16="http://schemas.microsoft.com/office/drawing/2014/main" id="{BA09826C-58E2-48C5-9666-333326C2CA44}"/>
+                  <a16:creationId xmlns:a16="http://schemas.microsoft.com/office/drawing/2014/main" id="{BA09826C-58E2-48C5-9666-333326C2CA44}"/>
                 </a:ext>
               </a:extLst>
             </p:cNvPr>
@@ -4769,7 +4781,7 @@
             <p:cNvPr id="26" name="Freeform 56">
               <a:extLst>
                 <a:ext uri="{FF2B5EF4-FFF2-40B4-BE49-F238E27FC236}">
-                  <a16:creationId xmlns="" xmlns:a16="http://schemas.microsoft.com/office/drawing/2014/main" id="{A6D3555F-4EA1-4EA7-9D08-2D75CE51927B}"/>
+                  <a16:creationId xmlns:a16="http://schemas.microsoft.com/office/drawing/2014/main" id="{A6D3555F-4EA1-4EA7-9D08-2D75CE51927B}"/>
                 </a:ext>
               </a:extLst>
             </p:cNvPr>
@@ -4851,7 +4863,7 @@
             <p:cNvPr id="27" name="Freeform 57">
               <a:extLst>
                 <a:ext uri="{FF2B5EF4-FFF2-40B4-BE49-F238E27FC236}">
-                  <a16:creationId xmlns="" xmlns:a16="http://schemas.microsoft.com/office/drawing/2014/main" id="{60FA20E8-EDAA-4310-B870-97807901AC18}"/>
+                  <a16:creationId xmlns:a16="http://schemas.microsoft.com/office/drawing/2014/main" id="{60FA20E8-EDAA-4310-B870-97807901AC18}"/>
                 </a:ext>
               </a:extLst>
             </p:cNvPr>
@@ -4933,7 +4945,7 @@
             <p:cNvPr id="28" name="Freeform 59">
               <a:extLst>
                 <a:ext uri="{FF2B5EF4-FFF2-40B4-BE49-F238E27FC236}">
-                  <a16:creationId xmlns="" xmlns:a16="http://schemas.microsoft.com/office/drawing/2014/main" id="{F5552AA2-C2AB-4D59-B6EF-E8E5EE110E52}"/>
+                  <a16:creationId xmlns:a16="http://schemas.microsoft.com/office/drawing/2014/main" id="{F5552AA2-C2AB-4D59-B6EF-E8E5EE110E52}"/>
                 </a:ext>
               </a:extLst>
             </p:cNvPr>
@@ -5015,7 +5027,7 @@
             <p:cNvPr id="29" name="Freeform 60">
               <a:extLst>
                 <a:ext uri="{FF2B5EF4-FFF2-40B4-BE49-F238E27FC236}">
-                  <a16:creationId xmlns="" xmlns:a16="http://schemas.microsoft.com/office/drawing/2014/main" id="{0BA267D0-8F6B-4803-B948-70E29B4587EB}"/>
+                  <a16:creationId xmlns:a16="http://schemas.microsoft.com/office/drawing/2014/main" id="{0BA267D0-8F6B-4803-B948-70E29B4587EB}"/>
                 </a:ext>
               </a:extLst>
             </p:cNvPr>
@@ -5097,7 +5109,7 @@
             <p:cNvPr id="30" name="Freeform 61">
               <a:extLst>
                 <a:ext uri="{FF2B5EF4-FFF2-40B4-BE49-F238E27FC236}">
-                  <a16:creationId xmlns="" xmlns:a16="http://schemas.microsoft.com/office/drawing/2014/main" id="{86E372A3-B9F4-4FEE-8B96-D9AD879E214E}"/>
+                  <a16:creationId xmlns:a16="http://schemas.microsoft.com/office/drawing/2014/main" id="{86E372A3-B9F4-4FEE-8B96-D9AD879E214E}"/>
                 </a:ext>
               </a:extLst>
             </p:cNvPr>
@@ -5179,7 +5191,7 @@
             <p:cNvPr id="31" name="Freeform 5">
               <a:extLst>
                 <a:ext uri="{FF2B5EF4-FFF2-40B4-BE49-F238E27FC236}">
-                  <a16:creationId xmlns="" xmlns:a16="http://schemas.microsoft.com/office/drawing/2014/main" id="{FF0C4564-5DA6-4224-A8B7-85CE1323DE8F}"/>
+                  <a16:creationId xmlns:a16="http://schemas.microsoft.com/office/drawing/2014/main" id="{FF0C4564-5DA6-4224-A8B7-85CE1323DE8F}"/>
                 </a:ext>
               </a:extLst>
             </p:cNvPr>
@@ -5261,7 +5273,7 @@
             <p:cNvPr id="32" name="Freeform 6">
               <a:extLst>
                 <a:ext uri="{FF2B5EF4-FFF2-40B4-BE49-F238E27FC236}">
-                  <a16:creationId xmlns="" xmlns:a16="http://schemas.microsoft.com/office/drawing/2014/main" id="{19F31D0D-C43D-4BB0-A13C-9524B84117D4}"/>
+                  <a16:creationId xmlns:a16="http://schemas.microsoft.com/office/drawing/2014/main" id="{19F31D0D-C43D-4BB0-A13C-9524B84117D4}"/>
                 </a:ext>
               </a:extLst>
             </p:cNvPr>
@@ -5343,7 +5355,7 @@
             <p:cNvPr id="33" name="Freeform 7">
               <a:extLst>
                 <a:ext uri="{FF2B5EF4-FFF2-40B4-BE49-F238E27FC236}">
-                  <a16:creationId xmlns="" xmlns:a16="http://schemas.microsoft.com/office/drawing/2014/main" id="{6B32FB03-B0FE-4731-BE41-C59AFB49FBF5}"/>
+                  <a16:creationId xmlns:a16="http://schemas.microsoft.com/office/drawing/2014/main" id="{6B32FB03-B0FE-4731-BE41-C59AFB49FBF5}"/>
                 </a:ext>
               </a:extLst>
             </p:cNvPr>
@@ -5425,7 +5437,7 @@
             <p:cNvPr id="34" name="Freeform 8">
               <a:extLst>
                 <a:ext uri="{FF2B5EF4-FFF2-40B4-BE49-F238E27FC236}">
-                  <a16:creationId xmlns="" xmlns:a16="http://schemas.microsoft.com/office/drawing/2014/main" id="{BDD5B6F0-1E17-4DCD-AE5F-ED8C48892FEF}"/>
+                  <a16:creationId xmlns:a16="http://schemas.microsoft.com/office/drawing/2014/main" id="{BDD5B6F0-1E17-4DCD-AE5F-ED8C48892FEF}"/>
                 </a:ext>
               </a:extLst>
             </p:cNvPr>
@@ -5507,7 +5519,7 @@
             <p:cNvPr id="35" name="Freeform 9">
               <a:extLst>
                 <a:ext uri="{FF2B5EF4-FFF2-40B4-BE49-F238E27FC236}">
-                  <a16:creationId xmlns="" xmlns:a16="http://schemas.microsoft.com/office/drawing/2014/main" id="{0290BE17-E89B-4AF9-B3F6-AF4884D52467}"/>
+                  <a16:creationId xmlns:a16="http://schemas.microsoft.com/office/drawing/2014/main" id="{0290BE17-E89B-4AF9-B3F6-AF4884D52467}"/>
                 </a:ext>
               </a:extLst>
             </p:cNvPr>
@@ -5589,7 +5601,7 @@
             <p:cNvPr id="36" name="Freeform 11">
               <a:extLst>
                 <a:ext uri="{FF2B5EF4-FFF2-40B4-BE49-F238E27FC236}">
-                  <a16:creationId xmlns="" xmlns:a16="http://schemas.microsoft.com/office/drawing/2014/main" id="{85F63089-F77F-4F02-8417-AAC1847FBCA7}"/>
+                  <a16:creationId xmlns:a16="http://schemas.microsoft.com/office/drawing/2014/main" id="{85F63089-F77F-4F02-8417-AAC1847FBCA7}"/>
                 </a:ext>
               </a:extLst>
             </p:cNvPr>
@@ -5671,7 +5683,7 @@
             <p:cNvPr id="37" name="Freeform 12">
               <a:extLst>
                 <a:ext uri="{FF2B5EF4-FFF2-40B4-BE49-F238E27FC236}">
-                  <a16:creationId xmlns="" xmlns:a16="http://schemas.microsoft.com/office/drawing/2014/main" id="{7B01CD5E-570F-4CBF-9904-94F30D928C54}"/>
+                  <a16:creationId xmlns:a16="http://schemas.microsoft.com/office/drawing/2014/main" id="{7B01CD5E-570F-4CBF-9904-94F30D928C54}"/>
                 </a:ext>
               </a:extLst>
             </p:cNvPr>
@@ -5753,7 +5765,7 @@
             <p:cNvPr id="38" name="Freeform 13">
               <a:extLst>
                 <a:ext uri="{FF2B5EF4-FFF2-40B4-BE49-F238E27FC236}">
-                  <a16:creationId xmlns="" xmlns:a16="http://schemas.microsoft.com/office/drawing/2014/main" id="{7EE6A672-2915-4B03-99A9-9364D5F1521E}"/>
+                  <a16:creationId xmlns:a16="http://schemas.microsoft.com/office/drawing/2014/main" id="{7EE6A672-2915-4B03-99A9-9364D5F1521E}"/>
                 </a:ext>
               </a:extLst>
             </p:cNvPr>
@@ -5835,7 +5847,7 @@
             <p:cNvPr id="39" name="Freeform 14">
               <a:extLst>
                 <a:ext uri="{FF2B5EF4-FFF2-40B4-BE49-F238E27FC236}">
-                  <a16:creationId xmlns="" xmlns:a16="http://schemas.microsoft.com/office/drawing/2014/main" id="{2136B643-14E1-443A-BC1C-06ADAE65C30F}"/>
+                  <a16:creationId xmlns:a16="http://schemas.microsoft.com/office/drawing/2014/main" id="{2136B643-14E1-443A-BC1C-06ADAE65C30F}"/>
                 </a:ext>
               </a:extLst>
             </p:cNvPr>
@@ -5917,7 +5929,7 @@
             <p:cNvPr id="40" name="Freeform 16">
               <a:extLst>
                 <a:ext uri="{FF2B5EF4-FFF2-40B4-BE49-F238E27FC236}">
-                  <a16:creationId xmlns="" xmlns:a16="http://schemas.microsoft.com/office/drawing/2014/main" id="{867FA393-4F37-4E1A-870B-F96775FAB7E8}"/>
+                  <a16:creationId xmlns:a16="http://schemas.microsoft.com/office/drawing/2014/main" id="{867FA393-4F37-4E1A-870B-F96775FAB7E8}"/>
                 </a:ext>
               </a:extLst>
             </p:cNvPr>
@@ -5999,7 +6011,7 @@
             <p:cNvPr id="41" name="Freeform 17">
               <a:extLst>
                 <a:ext uri="{FF2B5EF4-FFF2-40B4-BE49-F238E27FC236}">
-                  <a16:creationId xmlns="" xmlns:a16="http://schemas.microsoft.com/office/drawing/2014/main" id="{E225A1BE-FAD2-4764-A7E4-A6DA07D0573B}"/>
+                  <a16:creationId xmlns:a16="http://schemas.microsoft.com/office/drawing/2014/main" id="{E225A1BE-FAD2-4764-A7E4-A6DA07D0573B}"/>
                 </a:ext>
               </a:extLst>
             </p:cNvPr>
@@ -6081,7 +6093,7 @@
             <p:cNvPr id="42" name="Freeform 21">
               <a:extLst>
                 <a:ext uri="{FF2B5EF4-FFF2-40B4-BE49-F238E27FC236}">
-                  <a16:creationId xmlns="" xmlns:a16="http://schemas.microsoft.com/office/drawing/2014/main" id="{25D65388-C7E0-4C07-822A-03C5009C6D1E}"/>
+                  <a16:creationId xmlns:a16="http://schemas.microsoft.com/office/drawing/2014/main" id="{25D65388-C7E0-4C07-822A-03C5009C6D1E}"/>
                 </a:ext>
               </a:extLst>
             </p:cNvPr>
@@ -6163,7 +6175,7 @@
             <p:cNvPr id="43" name="Freeform 25">
               <a:extLst>
                 <a:ext uri="{FF2B5EF4-FFF2-40B4-BE49-F238E27FC236}">
-                  <a16:creationId xmlns="" xmlns:a16="http://schemas.microsoft.com/office/drawing/2014/main" id="{E1D79822-C494-449C-B439-F437DAD4F218}"/>
+                  <a16:creationId xmlns:a16="http://schemas.microsoft.com/office/drawing/2014/main" id="{E1D79822-C494-449C-B439-F437DAD4F218}"/>
                 </a:ext>
               </a:extLst>
             </p:cNvPr>
@@ -6245,7 +6257,7 @@
             <p:cNvPr id="44" name="Freeform 29">
               <a:extLst>
                 <a:ext uri="{FF2B5EF4-FFF2-40B4-BE49-F238E27FC236}">
-                  <a16:creationId xmlns="" xmlns:a16="http://schemas.microsoft.com/office/drawing/2014/main" id="{CDB324E5-E8D9-40E3-BAB4-1F87E67E4F46}"/>
+                  <a16:creationId xmlns:a16="http://schemas.microsoft.com/office/drawing/2014/main" id="{CDB324E5-E8D9-40E3-BAB4-1F87E67E4F46}"/>
                 </a:ext>
               </a:extLst>
             </p:cNvPr>
@@ -6327,7 +6339,7 @@
             <p:cNvPr id="45" name="Freeform 31">
               <a:extLst>
                 <a:ext uri="{FF2B5EF4-FFF2-40B4-BE49-F238E27FC236}">
-                  <a16:creationId xmlns="" xmlns:a16="http://schemas.microsoft.com/office/drawing/2014/main" id="{15404AB3-12EB-462E-85A2-AF4A7E91D729}"/>
+                  <a16:creationId xmlns:a16="http://schemas.microsoft.com/office/drawing/2014/main" id="{15404AB3-12EB-462E-85A2-AF4A7E91D729}"/>
                 </a:ext>
               </a:extLst>
             </p:cNvPr>
@@ -6409,7 +6421,7 @@
             <p:cNvPr id="46" name="Freeform 32">
               <a:extLst>
                 <a:ext uri="{FF2B5EF4-FFF2-40B4-BE49-F238E27FC236}">
-                  <a16:creationId xmlns="" xmlns:a16="http://schemas.microsoft.com/office/drawing/2014/main" id="{228021CB-53B3-4BCC-A14C-0B6951FC971F}"/>
+                  <a16:creationId xmlns:a16="http://schemas.microsoft.com/office/drawing/2014/main" id="{228021CB-53B3-4BCC-A14C-0B6951FC971F}"/>
                 </a:ext>
               </a:extLst>
             </p:cNvPr>
@@ -6491,7 +6503,7 @@
             <p:cNvPr id="47" name="Freeform 33">
               <a:extLst>
                 <a:ext uri="{FF2B5EF4-FFF2-40B4-BE49-F238E27FC236}">
-                  <a16:creationId xmlns="" xmlns:a16="http://schemas.microsoft.com/office/drawing/2014/main" id="{B353D0BC-00A6-4EA4-9311-9FCB88CC2021}"/>
+                  <a16:creationId xmlns:a16="http://schemas.microsoft.com/office/drawing/2014/main" id="{B353D0BC-00A6-4EA4-9311-9FCB88CC2021}"/>
                 </a:ext>
               </a:extLst>
             </p:cNvPr>
@@ -6573,7 +6585,7 @@
             <p:cNvPr id="48" name="Freeform 34">
               <a:extLst>
                 <a:ext uri="{FF2B5EF4-FFF2-40B4-BE49-F238E27FC236}">
-                  <a16:creationId xmlns="" xmlns:a16="http://schemas.microsoft.com/office/drawing/2014/main" id="{0E001FD3-6EDD-47A3-9916-826E1595DAB3}"/>
+                  <a16:creationId xmlns:a16="http://schemas.microsoft.com/office/drawing/2014/main" id="{0E001FD3-6EDD-47A3-9916-826E1595DAB3}"/>
                 </a:ext>
               </a:extLst>
             </p:cNvPr>
@@ -6655,7 +6667,7 @@
             <p:cNvPr id="49" name="Freeform 35">
               <a:extLst>
                 <a:ext uri="{FF2B5EF4-FFF2-40B4-BE49-F238E27FC236}">
-                  <a16:creationId xmlns="" xmlns:a16="http://schemas.microsoft.com/office/drawing/2014/main" id="{FE214D5B-D151-4E09-A01E-BEAAF9C679ED}"/>
+                  <a16:creationId xmlns:a16="http://schemas.microsoft.com/office/drawing/2014/main" id="{FE214D5B-D151-4E09-A01E-BEAAF9C679ED}"/>
                 </a:ext>
               </a:extLst>
             </p:cNvPr>
@@ -6737,7 +6749,7 @@
             <p:cNvPr id="50" name="Freeform 36">
               <a:extLst>
                 <a:ext uri="{FF2B5EF4-FFF2-40B4-BE49-F238E27FC236}">
-                  <a16:creationId xmlns="" xmlns:a16="http://schemas.microsoft.com/office/drawing/2014/main" id="{3024EF13-0A45-49DD-B0F4-FA3A5169EFFE}"/>
+                  <a16:creationId xmlns:a16="http://schemas.microsoft.com/office/drawing/2014/main" id="{3024EF13-0A45-49DD-B0F4-FA3A5169EFFE}"/>
                 </a:ext>
               </a:extLst>
             </p:cNvPr>
@@ -6819,7 +6831,7 @@
             <p:cNvPr id="51" name="Freeform 37">
               <a:extLst>
                 <a:ext uri="{FF2B5EF4-FFF2-40B4-BE49-F238E27FC236}">
-                  <a16:creationId xmlns="" xmlns:a16="http://schemas.microsoft.com/office/drawing/2014/main" id="{95E0BDAE-48A7-4752-A150-74DA4BAE5E4B}"/>
+                  <a16:creationId xmlns:a16="http://schemas.microsoft.com/office/drawing/2014/main" id="{95E0BDAE-48A7-4752-A150-74DA4BAE5E4B}"/>
                 </a:ext>
               </a:extLst>
             </p:cNvPr>
@@ -6901,7 +6913,7 @@
             <p:cNvPr id="52" name="Freeform 38">
               <a:extLst>
                 <a:ext uri="{FF2B5EF4-FFF2-40B4-BE49-F238E27FC236}">
-                  <a16:creationId xmlns="" xmlns:a16="http://schemas.microsoft.com/office/drawing/2014/main" id="{DE128EDB-3179-4F47-8B37-BEDE3B82FFC7}"/>
+                  <a16:creationId xmlns:a16="http://schemas.microsoft.com/office/drawing/2014/main" id="{DE128EDB-3179-4F47-8B37-BEDE3B82FFC7}"/>
                 </a:ext>
               </a:extLst>
             </p:cNvPr>
@@ -6983,7 +6995,7 @@
             <p:cNvPr id="53" name="Freeform 39">
               <a:extLst>
                 <a:ext uri="{FF2B5EF4-FFF2-40B4-BE49-F238E27FC236}">
-                  <a16:creationId xmlns="" xmlns:a16="http://schemas.microsoft.com/office/drawing/2014/main" id="{E09CDD49-7B7B-42C0-A09E-6CFB3CDFF6A1}"/>
+                  <a16:creationId xmlns:a16="http://schemas.microsoft.com/office/drawing/2014/main" id="{E09CDD49-7B7B-42C0-A09E-6CFB3CDFF6A1}"/>
                 </a:ext>
               </a:extLst>
             </p:cNvPr>
@@ -7065,7 +7077,7 @@
             <p:cNvPr id="54" name="Freeform 40">
               <a:extLst>
                 <a:ext uri="{FF2B5EF4-FFF2-40B4-BE49-F238E27FC236}">
-                  <a16:creationId xmlns="" xmlns:a16="http://schemas.microsoft.com/office/drawing/2014/main" id="{93C5D839-4CD5-4165-9091-7D9B92CDC1D2}"/>
+                  <a16:creationId xmlns:a16="http://schemas.microsoft.com/office/drawing/2014/main" id="{93C5D839-4CD5-4165-9091-7D9B92CDC1D2}"/>
                 </a:ext>
               </a:extLst>
             </p:cNvPr>
@@ -7147,7 +7159,7 @@
             <p:cNvPr id="55" name="Freeform 41">
               <a:extLst>
                 <a:ext uri="{FF2B5EF4-FFF2-40B4-BE49-F238E27FC236}">
-                  <a16:creationId xmlns="" xmlns:a16="http://schemas.microsoft.com/office/drawing/2014/main" id="{3C7F638A-BB6D-4B24-A7F9-03BF8087459B}"/>
+                  <a16:creationId xmlns:a16="http://schemas.microsoft.com/office/drawing/2014/main" id="{3C7F638A-BB6D-4B24-A7F9-03BF8087459B}"/>
                 </a:ext>
               </a:extLst>
             </p:cNvPr>
@@ -7229,7 +7241,7 @@
             <p:cNvPr id="56" name="Freeform 42">
               <a:extLst>
                 <a:ext uri="{FF2B5EF4-FFF2-40B4-BE49-F238E27FC236}">
-                  <a16:creationId xmlns="" xmlns:a16="http://schemas.microsoft.com/office/drawing/2014/main" id="{5B59DB64-329B-45EA-8A67-4213A886B5B2}"/>
+                  <a16:creationId xmlns:a16="http://schemas.microsoft.com/office/drawing/2014/main" id="{5B59DB64-329B-45EA-8A67-4213A886B5B2}"/>
                 </a:ext>
               </a:extLst>
             </p:cNvPr>
@@ -7311,7 +7323,7 @@
             <p:cNvPr id="57" name="Freeform 44">
               <a:extLst>
                 <a:ext uri="{FF2B5EF4-FFF2-40B4-BE49-F238E27FC236}">
-                  <a16:creationId xmlns="" xmlns:a16="http://schemas.microsoft.com/office/drawing/2014/main" id="{D8DAB003-6484-4D1D-85AE-93FA09BC5EF5}"/>
+                  <a16:creationId xmlns:a16="http://schemas.microsoft.com/office/drawing/2014/main" id="{D8DAB003-6484-4D1D-85AE-93FA09BC5EF5}"/>
                 </a:ext>
               </a:extLst>
             </p:cNvPr>
@@ -7393,7 +7405,7 @@
             <p:cNvPr id="58" name="Freeform 45">
               <a:extLst>
                 <a:ext uri="{FF2B5EF4-FFF2-40B4-BE49-F238E27FC236}">
-                  <a16:creationId xmlns="" xmlns:a16="http://schemas.microsoft.com/office/drawing/2014/main" id="{D49280A1-ACA8-4CD6-9012-AF12660F07E4}"/>
+                  <a16:creationId xmlns:a16="http://schemas.microsoft.com/office/drawing/2014/main" id="{D49280A1-ACA8-4CD6-9012-AF12660F07E4}"/>
                 </a:ext>
               </a:extLst>
             </p:cNvPr>
@@ -7475,7 +7487,7 @@
             <p:cNvPr id="59" name="Freeform 46">
               <a:extLst>
                 <a:ext uri="{FF2B5EF4-FFF2-40B4-BE49-F238E27FC236}">
-                  <a16:creationId xmlns="" xmlns:a16="http://schemas.microsoft.com/office/drawing/2014/main" id="{C03EAE8C-6089-40E5-9361-2E266A1EEBA3}"/>
+                  <a16:creationId xmlns:a16="http://schemas.microsoft.com/office/drawing/2014/main" id="{C03EAE8C-6089-40E5-9361-2E266A1EEBA3}"/>
                 </a:ext>
               </a:extLst>
             </p:cNvPr>
@@ -7557,7 +7569,7 @@
             <p:cNvPr id="60" name="Freeform 47">
               <a:extLst>
                 <a:ext uri="{FF2B5EF4-FFF2-40B4-BE49-F238E27FC236}">
-                  <a16:creationId xmlns="" xmlns:a16="http://schemas.microsoft.com/office/drawing/2014/main" id="{02E3A077-F087-4E14-A13E-4E9D4369B1F6}"/>
+                  <a16:creationId xmlns:a16="http://schemas.microsoft.com/office/drawing/2014/main" id="{02E3A077-F087-4E14-A13E-4E9D4369B1F6}"/>
                 </a:ext>
               </a:extLst>
             </p:cNvPr>
@@ -7639,7 +7651,7 @@
             <p:cNvPr id="61" name="Freeform 48">
               <a:extLst>
                 <a:ext uri="{FF2B5EF4-FFF2-40B4-BE49-F238E27FC236}">
-                  <a16:creationId xmlns="" xmlns:a16="http://schemas.microsoft.com/office/drawing/2014/main" id="{7CE4FAAA-45E7-4C86-B59A-F284B79EFD23}"/>
+                  <a16:creationId xmlns:a16="http://schemas.microsoft.com/office/drawing/2014/main" id="{7CE4FAAA-45E7-4C86-B59A-F284B79EFD23}"/>
                 </a:ext>
               </a:extLst>
             </p:cNvPr>
@@ -7721,7 +7733,7 @@
             <p:cNvPr id="62" name="Freeform 49">
               <a:extLst>
                 <a:ext uri="{FF2B5EF4-FFF2-40B4-BE49-F238E27FC236}">
-                  <a16:creationId xmlns="" xmlns:a16="http://schemas.microsoft.com/office/drawing/2014/main" id="{E2689B62-CCA1-4EE5-B622-FBA516868916}"/>
+                  <a16:creationId xmlns:a16="http://schemas.microsoft.com/office/drawing/2014/main" id="{E2689B62-CCA1-4EE5-B622-FBA516868916}"/>
                 </a:ext>
               </a:extLst>
             </p:cNvPr>
@@ -7803,7 +7815,7 @@
             <p:cNvPr id="63" name="Freeform 8">
               <a:extLst>
                 <a:ext uri="{FF2B5EF4-FFF2-40B4-BE49-F238E27FC236}">
-                  <a16:creationId xmlns="" xmlns:a16="http://schemas.microsoft.com/office/drawing/2014/main" id="{113638EE-3BCF-4315-A329-3C6766A3890B}"/>
+                  <a16:creationId xmlns:a16="http://schemas.microsoft.com/office/drawing/2014/main" id="{113638EE-3BCF-4315-A329-3C6766A3890B}"/>
                 </a:ext>
               </a:extLst>
             </p:cNvPr>
@@ -7885,7 +7897,7 @@
             <p:cNvPr id="64" name="Freeform 106">
               <a:extLst>
                 <a:ext uri="{FF2B5EF4-FFF2-40B4-BE49-F238E27FC236}">
-                  <a16:creationId xmlns="" xmlns:a16="http://schemas.microsoft.com/office/drawing/2014/main" id="{4FB36B8F-335B-40F2-83BB-C2B2689DC2E9}"/>
+                  <a16:creationId xmlns:a16="http://schemas.microsoft.com/office/drawing/2014/main" id="{4FB36B8F-335B-40F2-83BB-C2B2689DC2E9}"/>
                 </a:ext>
               </a:extLst>
             </p:cNvPr>
@@ -7968,7 +7980,7 @@
           <p:cNvPr id="2" name="Title Placeholder 1">
             <a:extLst>
               <a:ext uri="{FF2B5EF4-FFF2-40B4-BE49-F238E27FC236}">
-                <a16:creationId xmlns="" xmlns:a16="http://schemas.microsoft.com/office/drawing/2014/main" id="{7A05E913-A9D9-4639-B104-1F07A4AF6A56}"/>
+                <a16:creationId xmlns:a16="http://schemas.microsoft.com/office/drawing/2014/main" id="{7A05E913-A9D9-4639-B104-1F07A4AF6A56}"/>
               </a:ext>
             </a:extLst>
           </p:cNvPr>
@@ -8006,7 +8018,7 @@
           <p:cNvPr id="3" name="Text Placeholder 2">
             <a:extLst>
               <a:ext uri="{FF2B5EF4-FFF2-40B4-BE49-F238E27FC236}">
-                <a16:creationId xmlns="" xmlns:a16="http://schemas.microsoft.com/office/drawing/2014/main" id="{09940CEB-B6D7-46E6-9843-51534214017A}"/>
+                <a16:creationId xmlns:a16="http://schemas.microsoft.com/office/drawing/2014/main" id="{09940CEB-B6D7-46E6-9843-51534214017A}"/>
               </a:ext>
             </a:extLst>
           </p:cNvPr>
@@ -8073,7 +8085,7 @@
           <p:cNvPr id="4" name="Date Placeholder 3">
             <a:extLst>
               <a:ext uri="{FF2B5EF4-FFF2-40B4-BE49-F238E27FC236}">
-                <a16:creationId xmlns="" xmlns:a16="http://schemas.microsoft.com/office/drawing/2014/main" id="{B5BAC8B5-8DFB-4920-8580-54824C831A94}"/>
+                <a16:creationId xmlns:a16="http://schemas.microsoft.com/office/drawing/2014/main" id="{B5BAC8B5-8DFB-4920-8580-54824C831A94}"/>
               </a:ext>
             </a:extLst>
           </p:cNvPr>
@@ -8119,7 +8131,7 @@
           <p:cNvPr id="5" name="Footer Placeholder 4">
             <a:extLst>
               <a:ext uri="{FF2B5EF4-FFF2-40B4-BE49-F238E27FC236}">
-                <a16:creationId xmlns="" xmlns:a16="http://schemas.microsoft.com/office/drawing/2014/main" id="{3A9E2D5D-B616-4048-9CB8-4D316BBDB1FB}"/>
+                <a16:creationId xmlns:a16="http://schemas.microsoft.com/office/drawing/2014/main" id="{3A9E2D5D-B616-4048-9CB8-4D316BBDB1FB}"/>
               </a:ext>
             </a:extLst>
           </p:cNvPr>
@@ -8160,7 +8172,7 @@
           <p:cNvPr id="6" name="Slide Number Placeholder 5">
             <a:extLst>
               <a:ext uri="{FF2B5EF4-FFF2-40B4-BE49-F238E27FC236}">
-                <a16:creationId xmlns="" xmlns:a16="http://schemas.microsoft.com/office/drawing/2014/main" id="{63F322F0-8F3D-4AC5-9873-24666D0E0D34}"/>
+                <a16:creationId xmlns:a16="http://schemas.microsoft.com/office/drawing/2014/main" id="{63F322F0-8F3D-4AC5-9873-24666D0E0D34}"/>
               </a:ext>
             </a:extLst>
           </p:cNvPr>
@@ -8204,7 +8216,7 @@
     </p:spTree>
     <p:extLst>
       <p:ext uri="{BB962C8B-B14F-4D97-AF65-F5344CB8AC3E}">
-        <p14:creationId xmlns="" xmlns:p14="http://schemas.microsoft.com/office/powerpoint/2010/main" val="3169733250"/>
+        <p14:creationId xmlns:p14="http://schemas.microsoft.com/office/powerpoint/2010/main" val="3169733250"/>
       </p:ext>
     </p:extLst>
   </p:cSld>
@@ -8564,8 +8576,8 @@
           <a:lstStyle/>
           <a:p>
             <a:r>
-              <a:rPr lang="en-AU" dirty="0" smtClean="0"/>
-              <a:t>Table of Contents</a:t>
+              <a:rPr lang="en-AU" dirty="0"/>
+              <a:t>Agenda</a:t>
             </a:r>
             <a:endParaRPr lang="en-US" dirty="0"/>
           </a:p>
@@ -8598,12 +8610,11 @@
               <a:buAutoNum type="arabicPeriod"/>
             </a:pPr>
             <a:r>
-              <a:rPr lang="en-AU" dirty="0" smtClean="0">
+              <a:rPr lang="en-AU" sz="1800" dirty="0">
                 <a:solidFill>
-                  <a:schemeClr val="bg1">
-                    <a:lumMod val="65000"/>
-                  </a:schemeClr>
+                  <a:schemeClr val="tx1"/>
                 </a:solidFill>
+                <a:latin typeface="Consolas" panose="020B0609020204030204" pitchFamily="49" charset="0"/>
               </a:rPr>
               <a:t>Introduction &amp; Objectives</a:t>
             </a:r>
@@ -8614,12 +8625,11 @@
               <a:buAutoNum type="arabicPeriod"/>
             </a:pPr>
             <a:r>
-              <a:rPr lang="en-AU" dirty="0" smtClean="0">
+              <a:rPr lang="en-AU" sz="1800" dirty="0">
                 <a:solidFill>
-                  <a:schemeClr val="bg1">
-                    <a:lumMod val="65000"/>
-                  </a:schemeClr>
+                  <a:schemeClr val="tx1"/>
                 </a:solidFill>
+                <a:latin typeface="Consolas" panose="020B0609020204030204" pitchFamily="49" charset="0"/>
               </a:rPr>
               <a:t>Criminal Incidents, Recorded Offences (Antoinette)</a:t>
             </a:r>
@@ -8630,12 +8640,11 @@
               <a:buAutoNum type="arabicPeriod"/>
             </a:pPr>
             <a:r>
-              <a:rPr lang="en-AU" dirty="0" smtClean="0">
+              <a:rPr lang="en-AU" sz="1800" dirty="0">
                 <a:solidFill>
-                  <a:schemeClr val="bg1">
-                    <a:lumMod val="65000"/>
-                  </a:schemeClr>
+                  <a:schemeClr val="tx1"/>
                 </a:solidFill>
+                <a:latin typeface="Consolas" panose="020B0609020204030204" pitchFamily="49" charset="0"/>
               </a:rPr>
               <a:t>Victim Reports &amp; Family Incidents (Jacqueline)</a:t>
             </a:r>
@@ -8646,12 +8655,11 @@
               <a:buAutoNum type="arabicPeriod"/>
             </a:pPr>
             <a:r>
-              <a:rPr lang="en-AU" dirty="0" smtClean="0">
+              <a:rPr lang="en-AU" sz="1800" dirty="0">
                 <a:solidFill>
-                  <a:schemeClr val="bg1">
-                    <a:lumMod val="65000"/>
-                  </a:schemeClr>
+                  <a:schemeClr val="tx1"/>
                 </a:solidFill>
+                <a:latin typeface="Consolas" panose="020B0609020204030204" pitchFamily="49" charset="0"/>
               </a:rPr>
               <a:t>Crime status &amp; Police Service Areas (Kelvin)</a:t>
             </a:r>
@@ -8662,7 +8670,12 @@
               <a:buAutoNum type="arabicPeriod"/>
             </a:pPr>
             <a:r>
-              <a:rPr lang="en-AU" dirty="0" smtClean="0"/>
+              <a:rPr lang="en-AU" sz="1800" b="1" dirty="0">
+                <a:solidFill>
+                  <a:schemeClr val="tx1"/>
+                </a:solidFill>
+                <a:latin typeface="Consolas" panose="020B0609020204030204" pitchFamily="49" charset="0"/>
+              </a:rPr>
               <a:t>Victoria Crimes Trends from September 2012 to 2021 (Anh)</a:t>
             </a:r>
           </a:p>
@@ -8671,12 +8684,11 @@
               <a:buFont typeface="+mj-lt"/>
               <a:buAutoNum type="arabicPeriod"/>
             </a:pPr>
-            <a:endParaRPr lang="en-AU" dirty="0" smtClean="0">
+            <a:endParaRPr lang="en-AU" sz="1800" dirty="0">
               <a:solidFill>
-                <a:schemeClr val="bg1">
-                  <a:lumMod val="65000"/>
-                </a:schemeClr>
+                <a:schemeClr val="tx1"/>
               </a:solidFill>
+              <a:latin typeface="Consolas" panose="020B0609020204030204" pitchFamily="49" charset="0"/>
             </a:endParaRPr>
           </a:p>
           <a:p>
@@ -8684,7 +8696,12 @@
               <a:buFont typeface="+mj-lt"/>
               <a:buAutoNum type="arabicPeriod"/>
             </a:pPr>
-            <a:endParaRPr lang="en-AU" dirty="0" smtClean="0"/>
+            <a:endParaRPr lang="en-AU" sz="1800" dirty="0">
+              <a:solidFill>
+                <a:schemeClr val="tx1"/>
+              </a:solidFill>
+              <a:latin typeface="Consolas" panose="020B0609020204030204" pitchFamily="49" charset="0"/>
+            </a:endParaRPr>
           </a:p>
           <a:p>
             <a:endParaRPr lang="en-US" dirty="0"/>
@@ -8712,10 +8729,9 @@
               <a:t>1</a:t>
             </a:fld>
             <a:r>
-              <a:rPr lang="en-US" dirty="0" smtClean="0"/>
+              <a:rPr lang="en-US" dirty="0"/>
               <a:t> </a:t>
             </a:r>
-            <a:endParaRPr lang="en-US" dirty="0"/>
           </a:p>
         </p:txBody>
       </p:sp>
@@ -8724,13 +8740,6 @@
   <p:clrMapOvr>
     <a:masterClrMapping/>
   </p:clrMapOvr>
-  <p:timing>
-    <p:tnLst>
-      <p:par>
-        <p:cTn id="1" dur="indefinite" restart="never" nodeType="tmRoot"/>
-      </p:par>
-    </p:tnLst>
-  </p:timing>
 </p:sld>
 </file>
 
@@ -8756,7 +8765,7 @@
           <p:cNvPr id="2" name="Title 1">
             <a:extLst>
               <a:ext uri="{FF2B5EF4-FFF2-40B4-BE49-F238E27FC236}">
-                <a16:creationId xmlns="" xmlns:a16="http://schemas.microsoft.com/office/drawing/2014/main" id="{51E935BB-DDE4-429A-8AA8-6CA219F8E6F2}"/>
+                <a16:creationId xmlns:a16="http://schemas.microsoft.com/office/drawing/2014/main" id="{51E935BB-DDE4-429A-8AA8-6CA219F8E6F2}"/>
               </a:ext>
             </a:extLst>
           </p:cNvPr>
@@ -8780,7 +8789,7 @@
           <a:lstStyle/>
           <a:p>
             <a:r>
-              <a:rPr lang="en-AU" sz="4400" b="1" dirty="0" smtClean="0"/>
+              <a:rPr lang="en-AU" sz="4400" b="1" dirty="0"/>
               <a:t>Overview Victoria Crimes &amp; Family Incidents</a:t>
             </a:r>
           </a:p>
@@ -8791,7 +8800,7 @@
           <p:cNvPr id="3" name="Subtitle 2">
             <a:extLst>
               <a:ext uri="{FF2B5EF4-FFF2-40B4-BE49-F238E27FC236}">
-                <a16:creationId xmlns="" xmlns:a16="http://schemas.microsoft.com/office/drawing/2014/main" id="{2FB96A9D-2972-44C3-A420-67F66A13B236}"/>
+                <a16:creationId xmlns:a16="http://schemas.microsoft.com/office/drawing/2014/main" id="{2FB96A9D-2972-44C3-A420-67F66A13B236}"/>
               </a:ext>
             </a:extLst>
           </p:cNvPr>
@@ -8814,14 +8823,13 @@
           </a:bodyPr>
           <a:lstStyle/>
           <a:p>
-            <a:endParaRPr lang="en-AU" sz="1200" b="1" dirty="0" smtClean="0"/>
+            <a:endParaRPr lang="en-AU" sz="1200" b="1" dirty="0"/>
           </a:p>
           <a:p>
             <a:r>
-              <a:rPr lang="en-AU" sz="1200" dirty="0" smtClean="0"/>
+              <a:rPr lang="en-AU" sz="1200" dirty="0"/>
               <a:t>From September 2012 to September 2021</a:t>
             </a:r>
-            <a:endParaRPr lang="en-AU" sz="1200" dirty="0"/>
           </a:p>
         </p:txBody>
       </p:sp>
@@ -8830,7 +8838,7 @@
           <p:cNvPr id="7" name="Picture 2" descr="Image result for nightimepic of victoria australia">
             <a:extLst>
               <a:ext uri="{FF2B5EF4-FFF2-40B4-BE49-F238E27FC236}">
-                <a16:creationId xmlns="" xmlns:a16="http://schemas.microsoft.com/office/drawing/2014/main" id="{07E1A4A3-CD91-44FC-87E7-5565C6373211}"/>
+                <a16:creationId xmlns:a16="http://schemas.microsoft.com/office/drawing/2014/main" id="{07E1A4A3-CD91-44FC-87E7-5565C6373211}"/>
               </a:ext>
             </a:extLst>
           </p:cNvPr>
@@ -8843,7 +8851,7 @@
           <a:blip r:embed="rId2" cstate="print">
             <a:extLst>
               <a:ext uri="{28A0092B-C50C-407E-A947-70E740481C1C}">
-                <a14:useLocalDpi xmlns="" xmlns:a14="http://schemas.microsoft.com/office/drawing/2010/main" val="0"/>
+                <a14:useLocalDpi xmlns:a14="http://schemas.microsoft.com/office/drawing/2010/main" val="0"/>
               </a:ext>
             </a:extLst>
           </a:blip>
@@ -8861,7 +8869,7 @@
           <a:noFill/>
           <a:extLst>
             <a:ext uri="{909E8E84-426E-40DD-AFC4-6F175D3DCCD1}">
-              <a14:hiddenFill xmlns="" xmlns:a14="http://schemas.microsoft.com/office/drawing/2010/main">
+              <a14:hiddenFill xmlns:a14="http://schemas.microsoft.com/office/drawing/2010/main">
                 <a:solidFill>
                   <a:srgbClr val="FFFFFF"/>
                 </a:solidFill>
@@ -8875,7 +8883,7 @@
           <p:cNvPr id="6" name="Picture 4" descr="See the source image">
             <a:extLst>
               <a:ext uri="{FF2B5EF4-FFF2-40B4-BE49-F238E27FC236}">
-                <a16:creationId xmlns="" xmlns:a16="http://schemas.microsoft.com/office/drawing/2014/main" id="{8978232E-0577-4FB1-9D9A-7A417CBDD9B3}"/>
+                <a16:creationId xmlns:a16="http://schemas.microsoft.com/office/drawing/2014/main" id="{8978232E-0577-4FB1-9D9A-7A417CBDD9B3}"/>
               </a:ext>
             </a:extLst>
           </p:cNvPr>
@@ -8888,7 +8896,7 @@
           <a:blip r:embed="rId3" cstate="print">
             <a:extLst>
               <a:ext uri="{28A0092B-C50C-407E-A947-70E740481C1C}">
-                <a14:useLocalDpi xmlns="" xmlns:a14="http://schemas.microsoft.com/office/drawing/2010/main" val="0"/>
+                <a14:useLocalDpi xmlns:a14="http://schemas.microsoft.com/office/drawing/2010/main" val="0"/>
               </a:ext>
             </a:extLst>
           </a:blip>
@@ -8906,7 +8914,7 @@
           <a:noFill/>
           <a:extLst>
             <a:ext uri="{909E8E84-426E-40DD-AFC4-6F175D3DCCD1}">
-              <a14:hiddenFill xmlns="" xmlns:a14="http://schemas.microsoft.com/office/drawing/2010/main">
+              <a14:hiddenFill xmlns:a14="http://schemas.microsoft.com/office/drawing/2010/main">
                 <a:solidFill>
                   <a:srgbClr val="FFFFFF"/>
                 </a:solidFill>
@@ -8942,20 +8950,13 @@
     </p:spTree>
     <p:extLst>
       <p:ext uri="{BB962C8B-B14F-4D97-AF65-F5344CB8AC3E}">
-        <p14:creationId xmlns="" xmlns:p14="http://schemas.microsoft.com/office/powerpoint/2010/main" val="3272309628"/>
+        <p14:creationId xmlns:p14="http://schemas.microsoft.com/office/powerpoint/2010/main" val="3272309628"/>
       </p:ext>
     </p:extLst>
   </p:cSld>
   <p:clrMapOvr>
     <a:masterClrMapping/>
   </p:clrMapOvr>
-  <p:timing>
-    <p:tnLst>
-      <p:par>
-        <p:cTn id="1" dur="indefinite" restart="never" nodeType="tmRoot"/>
-      </p:par>
-    </p:tnLst>
-  </p:timing>
 </p:sld>
 </file>
 
@@ -8981,7 +8982,7 @@
           <p:cNvPr id="2" name="Title 1">
             <a:extLst>
               <a:ext uri="{FF2B5EF4-FFF2-40B4-BE49-F238E27FC236}">
-                <a16:creationId xmlns="" xmlns:a16="http://schemas.microsoft.com/office/drawing/2014/main" id="{A4F9A5E3-95C5-4F3E-80A5-1BD7B12920D3}"/>
+                <a16:creationId xmlns:a16="http://schemas.microsoft.com/office/drawing/2014/main" id="{A4F9A5E3-95C5-4F3E-80A5-1BD7B12920D3}"/>
               </a:ext>
             </a:extLst>
           </p:cNvPr>
@@ -9006,10 +9007,9 @@
           <a:p>
             <a:pPr algn="ctr"/>
             <a:r>
-              <a:rPr lang="en-AU" sz="3200" dirty="0" smtClean="0"/>
+              <a:rPr lang="en-AU" sz="3200" dirty="0"/>
               <a:t>Criminal Incidents, Recorded Offences and Alleged Offenders</a:t>
             </a:r>
-            <a:endParaRPr lang="en-AU" sz="3200" dirty="0"/>
           </a:p>
         </p:txBody>
       </p:sp>
@@ -9030,7 +9030,7 @@
         </p:blipFill>
         <p:spPr bwMode="auto">
           <a:xfrm>
-            <a:off x="4455515" y="2355850"/>
+            <a:off x="1807205" y="2601086"/>
             <a:ext cx="7620233" cy="4146551"/>
           </a:xfrm>
           <a:prstGeom prst="rect">
@@ -9068,49 +9068,49 @@
           <a:lstStyle/>
           <a:p>
             <a:r>
-              <a:rPr lang="en-AU" sz="2400" b="1" dirty="0" smtClean="0"/>
+              <a:rPr lang="en-AU" sz="2400" b="1" dirty="0"/>
               <a:t>Kernel Density Estimation (KDE)</a:t>
             </a:r>
           </a:p>
           <a:p>
-            <a:endParaRPr lang="en-AU" sz="1100" dirty="0" smtClean="0"/>
+            <a:endParaRPr lang="en-AU" sz="1100" dirty="0"/>
           </a:p>
           <a:p>
             <a:r>
-              <a:rPr lang="en-US" sz="1200" dirty="0" smtClean="0"/>
+              <a:rPr lang="en-US" sz="1200" dirty="0"/>
               <a:t>In statistics, Kernel Density Estimation (KDE) is a non-parametric way to estimate the Probability Density Function (PDF) of a random variable. </a:t>
             </a:r>
           </a:p>
           <a:p>
-            <a:endParaRPr lang="en-AU" sz="1200" dirty="0" smtClean="0"/>
+            <a:endParaRPr lang="en-AU" sz="1200" dirty="0"/>
           </a:p>
           <a:p>
             <a:r>
-              <a:rPr lang="en-US" sz="1200" dirty="0" smtClean="0"/>
+              <a:rPr lang="en-US" sz="1200" dirty="0"/>
               <a:t>The graphs uses Gaussian kernels with automatic bandwidth determination based on “</a:t>
             </a:r>
             <a:r>
-              <a:rPr lang="en-US" sz="1200" dirty="0" err="1" smtClean="0"/>
+              <a:rPr lang="en-US" sz="1200" dirty="0" err="1"/>
               <a:t>scotts_factor</a:t>
             </a:r>
             <a:r>
-              <a:rPr lang="en-US" sz="1200" dirty="0" smtClean="0"/>
+              <a:rPr lang="en-US" sz="1200" dirty="0"/>
               <a:t>” formula: </a:t>
             </a:r>
             <a:r>
-              <a:rPr lang="en-US" sz="1200" i="1" dirty="0" smtClean="0"/>
+              <a:rPr lang="en-US" sz="1200" i="1" dirty="0"/>
               <a:t>n</a:t>
             </a:r>
             <a:r>
-              <a:rPr lang="en-US" sz="1200" b="1" i="1" dirty="0" smtClean="0"/>
+              <a:rPr lang="en-US" sz="1200" b="1" i="1" dirty="0"/>
               <a:t>**(-1./(</a:t>
             </a:r>
             <a:r>
-              <a:rPr lang="en-US" sz="1200" i="1" dirty="0" smtClean="0"/>
+              <a:rPr lang="en-US" sz="1200" i="1" dirty="0"/>
               <a:t>d</a:t>
             </a:r>
             <a:r>
-              <a:rPr lang="en-US" sz="1200" b="1" i="1" dirty="0" smtClean="0"/>
+              <a:rPr lang="en-US" sz="1200" b="1" i="1" dirty="0"/>
               <a:t>+4))</a:t>
             </a:r>
             <a:endParaRPr lang="en-US" sz="1200" i="1" dirty="0"/>
@@ -9144,20 +9144,13 @@
     </p:spTree>
     <p:extLst>
       <p:ext uri="{BB962C8B-B14F-4D97-AF65-F5344CB8AC3E}">
-        <p14:creationId xmlns="" xmlns:p14="http://schemas.microsoft.com/office/powerpoint/2010/main" val="4047589959"/>
+        <p14:creationId xmlns:p14="http://schemas.microsoft.com/office/powerpoint/2010/main" val="4047589959"/>
       </p:ext>
     </p:extLst>
   </p:cSld>
   <p:clrMapOvr>
     <a:masterClrMapping/>
   </p:clrMapOvr>
-  <p:timing>
-    <p:tnLst>
-      <p:par>
-        <p:cTn id="1" dur="indefinite" restart="never" nodeType="tmRoot"/>
-      </p:par>
-    </p:tnLst>
-  </p:timing>
 </p:sld>
 </file>
 
@@ -9183,7 +9176,7 @@
           <p:cNvPr id="2" name="Title 1">
             <a:extLst>
               <a:ext uri="{FF2B5EF4-FFF2-40B4-BE49-F238E27FC236}">
-                <a16:creationId xmlns="" xmlns:a16="http://schemas.microsoft.com/office/drawing/2014/main" id="{A4F9A5E3-95C5-4F3E-80A5-1BD7B12920D3}"/>
+                <a16:creationId xmlns:a16="http://schemas.microsoft.com/office/drawing/2014/main" id="{A4F9A5E3-95C5-4F3E-80A5-1BD7B12920D3}"/>
               </a:ext>
             </a:extLst>
           </p:cNvPr>
@@ -9208,10 +9201,9 @@
           <a:p>
             <a:pPr algn="ctr"/>
             <a:r>
-              <a:rPr lang="en-AU" sz="3200" dirty="0" smtClean="0"/>
+              <a:rPr lang="en-AU" sz="3200" dirty="0"/>
               <a:t>Criminal Incidents, Recorded Offences and Alleged Offenders</a:t>
             </a:r>
-            <a:endParaRPr lang="en-AU" sz="3200" dirty="0"/>
           </a:p>
         </p:txBody>
       </p:sp>
@@ -9266,11 +9258,41 @@
                 <a:tableStyleId>{5C22544A-7EE6-4342-B048-85BDC9FD1C3A}</a:tableStyleId>
               </a:tblPr>
               <a:tblGrid>
-                <a:gridCol w="774701"/>
-                <a:gridCol w="812800"/>
-                <a:gridCol w="850900"/>
-                <a:gridCol w="863600"/>
-                <a:gridCol w="914399"/>
+                <a:gridCol w="774701">
+                  <a:extLst>
+                    <a:ext uri="{9D8B030D-6E8A-4147-A177-3AD203B41FA5}">
+                      <a16:colId xmlns:a16="http://schemas.microsoft.com/office/drawing/2014/main" val="20000"/>
+                    </a:ext>
+                  </a:extLst>
+                </a:gridCol>
+                <a:gridCol w="812800">
+                  <a:extLst>
+                    <a:ext uri="{9D8B030D-6E8A-4147-A177-3AD203B41FA5}">
+                      <a16:colId xmlns:a16="http://schemas.microsoft.com/office/drawing/2014/main" val="20001"/>
+                    </a:ext>
+                  </a:extLst>
+                </a:gridCol>
+                <a:gridCol w="850900">
+                  <a:extLst>
+                    <a:ext uri="{9D8B030D-6E8A-4147-A177-3AD203B41FA5}">
+                      <a16:colId xmlns:a16="http://schemas.microsoft.com/office/drawing/2014/main" val="20002"/>
+                    </a:ext>
+                  </a:extLst>
+                </a:gridCol>
+                <a:gridCol w="863600">
+                  <a:extLst>
+                    <a:ext uri="{9D8B030D-6E8A-4147-A177-3AD203B41FA5}">
+                      <a16:colId xmlns:a16="http://schemas.microsoft.com/office/drawing/2014/main" val="20003"/>
+                    </a:ext>
+                  </a:extLst>
+                </a:gridCol>
+                <a:gridCol w="914399">
+                  <a:extLst>
+                    <a:ext uri="{9D8B030D-6E8A-4147-A177-3AD203B41FA5}">
+                      <a16:colId xmlns:a16="http://schemas.microsoft.com/office/drawing/2014/main" val="20004"/>
+                    </a:ext>
+                  </a:extLst>
+                </a:gridCol>
               </a:tblGrid>
               <a:tr h="654590">
                 <a:tc>
@@ -9296,10 +9318,10 @@
                         <a:defRPr/>
                       </a:pPr>
                       <a:r>
-                        <a:rPr lang="en-US" sz="1100" dirty="0" smtClean="0"/>
+                        <a:rPr lang="en-US" sz="1100" dirty="0"/>
                         <a:t>Year</a:t>
                       </a:r>
-                      <a:endParaRPr lang="en-US" sz="1100" b="1" dirty="0" smtClean="0"/>
+                      <a:endParaRPr lang="en-US" sz="1100" b="1" dirty="0"/>
                     </a:p>
                   </a:txBody>
                   <a:tcPr anchor="ctr"/>
@@ -9311,12 +9333,8 @@
                     <a:p>
                       <a:pPr algn="r" fontAlgn="ctr"/>
                       <a:r>
-                        <a:rPr lang="en-US" sz="1100" dirty="0" smtClean="0"/>
-                        <a:t>Criminal </a:t>
-                      </a:r>
-                      <a:r>
                         <a:rPr lang="en-US" sz="1100" dirty="0"/>
-                        <a:t>Incidents</a:t>
+                        <a:t>Criminal Incidents</a:t>
                       </a:r>
                       <a:endParaRPr lang="en-US" sz="1100" b="1" dirty="0"/>
                     </a:p>
@@ -9368,6 +9386,11 @@
                   </a:txBody>
                   <a:tcPr anchor="ctr"/>
                 </a:tc>
+                <a:extLst>
+                  <a:ext uri="{0D108BD9-81ED-4DB2-BD59-A6C34878D82A}">
+                    <a16:rowId xmlns:a16="http://schemas.microsoft.com/office/drawing/2014/main" val="10000"/>
+                  </a:ext>
+                </a:extLst>
               </a:tr>
               <a:tr h="250940">
                 <a:tc>
@@ -9392,9 +9415,37 @@
                     <a:p>
                       <a:pPr algn="r" fontAlgn="ctr"/>
                       <a:r>
-                        <a:rPr lang="en-US" sz="1000" dirty="0" smtClean="0"/>
+                        <a:rPr lang="en-US" sz="1000" dirty="0"/>
                         <a:t>(Baseline)</a:t>
                       </a:r>
+                    </a:p>
+                  </a:txBody>
+                  <a:tcPr anchor="ctr"/>
+                </a:tc>
+                <a:tc>
+                  <a:txBody>
+                    <a:bodyPr/>
+                    <a:lstStyle/>
+                    <a:p>
+                      <a:pPr algn="r" fontAlgn="ctr"/>
+                      <a:r>
+                        <a:rPr lang="en-US" sz="1000" dirty="0"/>
+                        <a:t>(Baseline)</a:t>
+                      </a:r>
+                    </a:p>
+                  </a:txBody>
+                  <a:tcPr anchor="ctr"/>
+                </a:tc>
+                <a:tc>
+                  <a:txBody>
+                    <a:bodyPr/>
+                    <a:lstStyle/>
+                    <a:p>
+                      <a:pPr algn="r" fontAlgn="ctr"/>
+                      <a:r>
+                        <a:rPr lang="en-US" sz="1000"/>
+                        <a:t>(Baseline)</a:t>
+                      </a:r>
                       <a:endParaRPr lang="en-US" sz="1000" dirty="0"/>
                     </a:p>
                   </a:txBody>
@@ -9407,44 +9458,18 @@
                     <a:p>
                       <a:pPr algn="r" fontAlgn="ctr"/>
                       <a:r>
-                        <a:rPr lang="en-US" sz="1000" dirty="0" smtClean="0"/>
+                        <a:rPr lang="en-US" sz="1000" dirty="0"/>
                         <a:t>(Baseline)</a:t>
                       </a:r>
-                      <a:endParaRPr lang="en-US" sz="1000" dirty="0"/>
                     </a:p>
                   </a:txBody>
                   <a:tcPr anchor="ctr"/>
                 </a:tc>
-                <a:tc>
-                  <a:txBody>
-                    <a:bodyPr/>
-                    <a:lstStyle/>
-                    <a:p>
-                      <a:pPr algn="r" fontAlgn="ctr"/>
-                      <a:r>
-                        <a:rPr lang="en-US" sz="1000" smtClean="0"/>
-                        <a:t>(Baseline)</a:t>
-                      </a:r>
-                      <a:endParaRPr lang="en-US" sz="1000" dirty="0"/>
-                    </a:p>
-                  </a:txBody>
-                  <a:tcPr anchor="ctr"/>
-                </a:tc>
-                <a:tc>
-                  <a:txBody>
-                    <a:bodyPr/>
-                    <a:lstStyle/>
-                    <a:p>
-                      <a:pPr algn="r" fontAlgn="ctr"/>
-                      <a:r>
-                        <a:rPr lang="en-US" sz="1000" dirty="0" smtClean="0"/>
-                        <a:t>(Baseline)</a:t>
-                      </a:r>
-                      <a:endParaRPr lang="en-US" sz="1000" dirty="0"/>
-                    </a:p>
-                  </a:txBody>
-                  <a:tcPr anchor="ctr"/>
-                </a:tc>
+                <a:extLst>
+                  <a:ext uri="{0D108BD9-81ED-4DB2-BD59-A6C34878D82A}">
+                    <a16:rowId xmlns:a16="http://schemas.microsoft.com/office/drawing/2014/main" val="10001"/>
+                  </a:ext>
+                </a:extLst>
               </a:tr>
               <a:tr h="286384">
                 <a:tc>
@@ -9518,6 +9543,11 @@
                   </a:txBody>
                   <a:tcPr anchor="ctr"/>
                 </a:tc>
+                <a:extLst>
+                  <a:ext uri="{0D108BD9-81ED-4DB2-BD59-A6C34878D82A}">
+                    <a16:rowId xmlns:a16="http://schemas.microsoft.com/office/drawing/2014/main" val="10002"/>
+                  </a:ext>
+                </a:extLst>
               </a:tr>
               <a:tr h="409119">
                 <a:tc>
@@ -9591,6 +9621,11 @@
                   </a:txBody>
                   <a:tcPr anchor="ctr"/>
                 </a:tc>
+                <a:extLst>
+                  <a:ext uri="{0D108BD9-81ED-4DB2-BD59-A6C34878D82A}">
+                    <a16:rowId xmlns:a16="http://schemas.microsoft.com/office/drawing/2014/main" val="10003"/>
+                  </a:ext>
+                </a:extLst>
               </a:tr>
               <a:tr h="409119">
                 <a:tc>
@@ -9664,6 +9699,11 @@
                   </a:txBody>
                   <a:tcPr anchor="ctr"/>
                 </a:tc>
+                <a:extLst>
+                  <a:ext uri="{0D108BD9-81ED-4DB2-BD59-A6C34878D82A}">
+                    <a16:rowId xmlns:a16="http://schemas.microsoft.com/office/drawing/2014/main" val="10004"/>
+                  </a:ext>
+                </a:extLst>
               </a:tr>
               <a:tr h="409119">
                 <a:tc>
@@ -9753,6 +9793,11 @@
                   </a:txBody>
                   <a:tcPr anchor="ctr"/>
                 </a:tc>
+                <a:extLst>
+                  <a:ext uri="{0D108BD9-81ED-4DB2-BD59-A6C34878D82A}">
+                    <a16:rowId xmlns:a16="http://schemas.microsoft.com/office/drawing/2014/main" val="10005"/>
+                  </a:ext>
+                </a:extLst>
               </a:tr>
               <a:tr h="409119">
                 <a:tc>
@@ -9826,6 +9871,11 @@
                   </a:txBody>
                   <a:tcPr anchor="ctr"/>
                 </a:tc>
+                <a:extLst>
+                  <a:ext uri="{0D108BD9-81ED-4DB2-BD59-A6C34878D82A}">
+                    <a16:rowId xmlns:a16="http://schemas.microsoft.com/office/drawing/2014/main" val="10006"/>
+                  </a:ext>
+                </a:extLst>
               </a:tr>
               <a:tr h="409119">
                 <a:tc>
@@ -9899,6 +9949,11 @@
                   </a:txBody>
                   <a:tcPr anchor="ctr"/>
                 </a:tc>
+                <a:extLst>
+                  <a:ext uri="{0D108BD9-81ED-4DB2-BD59-A6C34878D82A}">
+                    <a16:rowId xmlns:a16="http://schemas.microsoft.com/office/drawing/2014/main" val="10007"/>
+                  </a:ext>
+                </a:extLst>
               </a:tr>
               <a:tr h="409119">
                 <a:tc>
@@ -9972,6 +10027,11 @@
                   </a:txBody>
                   <a:tcPr anchor="ctr"/>
                 </a:tc>
+                <a:extLst>
+                  <a:ext uri="{0D108BD9-81ED-4DB2-BD59-A6C34878D82A}">
+                    <a16:rowId xmlns:a16="http://schemas.microsoft.com/office/drawing/2014/main" val="10008"/>
+                  </a:ext>
+                </a:extLst>
               </a:tr>
               <a:tr h="409119">
                 <a:tc>
@@ -10057,6 +10117,11 @@
                   </a:txBody>
                   <a:tcPr anchor="ctr"/>
                 </a:tc>
+                <a:extLst>
+                  <a:ext uri="{0D108BD9-81ED-4DB2-BD59-A6C34878D82A}">
+                    <a16:rowId xmlns:a16="http://schemas.microsoft.com/office/drawing/2014/main" val="10009"/>
+                  </a:ext>
+                </a:extLst>
               </a:tr>
               <a:tr h="409119">
                 <a:tc>
@@ -10130,6 +10195,11 @@
                   </a:txBody>
                   <a:tcPr anchor="ctr"/>
                 </a:tc>
+                <a:extLst>
+                  <a:ext uri="{0D108BD9-81ED-4DB2-BD59-A6C34878D82A}">
+                    <a16:rowId xmlns:a16="http://schemas.microsoft.com/office/drawing/2014/main" val="10010"/>
+                  </a:ext>
+                </a:extLst>
               </a:tr>
             </a:tbl>
           </a:graphicData>
@@ -10159,7 +10229,7 @@
           <a:p>
             <a:pPr algn="ctr"/>
             <a:r>
-              <a:rPr lang="en-AU" sz="1200" b="1" dirty="0" smtClean="0"/>
+              <a:rPr lang="en-AU" sz="1200" b="1" dirty="0"/>
               <a:t>Yearly Percentage Changes</a:t>
             </a:r>
             <a:endParaRPr lang="en-US" sz="1200" b="1" dirty="0"/>
@@ -10193,20 +10263,13 @@
     </p:spTree>
     <p:extLst>
       <p:ext uri="{BB962C8B-B14F-4D97-AF65-F5344CB8AC3E}">
-        <p14:creationId xmlns="" xmlns:p14="http://schemas.microsoft.com/office/powerpoint/2010/main" val="4047589959"/>
+        <p14:creationId xmlns:p14="http://schemas.microsoft.com/office/powerpoint/2010/main" val="4047589959"/>
       </p:ext>
     </p:extLst>
   </p:cSld>
   <p:clrMapOvr>
     <a:masterClrMapping/>
   </p:clrMapOvr>
-  <p:timing>
-    <p:tnLst>
-      <p:par>
-        <p:cTn id="1" dur="indefinite" restart="never" nodeType="tmRoot"/>
-      </p:par>
-    </p:tnLst>
-  </p:timing>
 </p:sld>
 </file>
 
@@ -10232,7 +10295,7 @@
           <p:cNvPr id="2" name="Title 1">
             <a:extLst>
               <a:ext uri="{FF2B5EF4-FFF2-40B4-BE49-F238E27FC236}">
-                <a16:creationId xmlns="" xmlns:a16="http://schemas.microsoft.com/office/drawing/2014/main" id="{A4F9A5E3-95C5-4F3E-80A5-1BD7B12920D3}"/>
+                <a16:creationId xmlns:a16="http://schemas.microsoft.com/office/drawing/2014/main" id="{A4F9A5E3-95C5-4F3E-80A5-1BD7B12920D3}"/>
               </a:ext>
             </a:extLst>
           </p:cNvPr>
@@ -10257,10 +10320,9 @@
           <a:p>
             <a:pPr algn="ctr"/>
             <a:r>
-              <a:rPr lang="en-AU" sz="3200" dirty="0" smtClean="0"/>
+              <a:rPr lang="en-AU" sz="3200" dirty="0"/>
               <a:t>Criminal Incidents, Recorded Offences and Alleged Offenders</a:t>
             </a:r>
-            <a:endParaRPr lang="en-AU" sz="3200" dirty="0"/>
           </a:p>
         </p:txBody>
       </p:sp>
@@ -10288,12 +10350,8 @@
           <a:p>
             <a:pPr algn="ctr"/>
             <a:r>
-              <a:rPr lang="en-AU" sz="2400" b="1" dirty="0" smtClean="0"/>
-              <a:t>Ten Years </a:t>
-            </a:r>
-            <a:r>
-              <a:rPr lang="en-AU" sz="2400" b="1" dirty="0" smtClean="0"/>
-              <a:t>Overview Statistics</a:t>
+              <a:rPr lang="en-AU" sz="2400" b="1" dirty="0"/>
+              <a:t>Ten Years Overview Statistics</a:t>
             </a:r>
             <a:endParaRPr lang="en-US" sz="2400" b="1" dirty="0"/>
           </a:p>
@@ -10318,14 +10376,62 @@
                 <a:tableStyleId>{5C22544A-7EE6-4342-B048-85BDC9FD1C3A}</a:tableStyleId>
               </a:tblPr>
               <a:tblGrid>
-                <a:gridCol w="1678362"/>
-                <a:gridCol w="1179573"/>
-                <a:gridCol w="1139130"/>
-                <a:gridCol w="1226755"/>
-                <a:gridCol w="1321121"/>
-                <a:gridCol w="1233495"/>
-                <a:gridCol w="1368304"/>
-                <a:gridCol w="1159310"/>
+                <a:gridCol w="1678362">
+                  <a:extLst>
+                    <a:ext uri="{9D8B030D-6E8A-4147-A177-3AD203B41FA5}">
+                      <a16:colId xmlns:a16="http://schemas.microsoft.com/office/drawing/2014/main" val="20000"/>
+                    </a:ext>
+                  </a:extLst>
+                </a:gridCol>
+                <a:gridCol w="1179573">
+                  <a:extLst>
+                    <a:ext uri="{9D8B030D-6E8A-4147-A177-3AD203B41FA5}">
+                      <a16:colId xmlns:a16="http://schemas.microsoft.com/office/drawing/2014/main" val="20001"/>
+                    </a:ext>
+                  </a:extLst>
+                </a:gridCol>
+                <a:gridCol w="1139130">
+                  <a:extLst>
+                    <a:ext uri="{9D8B030D-6E8A-4147-A177-3AD203B41FA5}">
+                      <a16:colId xmlns:a16="http://schemas.microsoft.com/office/drawing/2014/main" val="20002"/>
+                    </a:ext>
+                  </a:extLst>
+                </a:gridCol>
+                <a:gridCol w="1226755">
+                  <a:extLst>
+                    <a:ext uri="{9D8B030D-6E8A-4147-A177-3AD203B41FA5}">
+                      <a16:colId xmlns:a16="http://schemas.microsoft.com/office/drawing/2014/main" val="20003"/>
+                    </a:ext>
+                  </a:extLst>
+                </a:gridCol>
+                <a:gridCol w="1321121">
+                  <a:extLst>
+                    <a:ext uri="{9D8B030D-6E8A-4147-A177-3AD203B41FA5}">
+                      <a16:colId xmlns:a16="http://schemas.microsoft.com/office/drawing/2014/main" val="20004"/>
+                    </a:ext>
+                  </a:extLst>
+                </a:gridCol>
+                <a:gridCol w="1233495">
+                  <a:extLst>
+                    <a:ext uri="{9D8B030D-6E8A-4147-A177-3AD203B41FA5}">
+                      <a16:colId xmlns:a16="http://schemas.microsoft.com/office/drawing/2014/main" val="20005"/>
+                    </a:ext>
+                  </a:extLst>
+                </a:gridCol>
+                <a:gridCol w="1368304">
+                  <a:extLst>
+                    <a:ext uri="{9D8B030D-6E8A-4147-A177-3AD203B41FA5}">
+                      <a16:colId xmlns:a16="http://schemas.microsoft.com/office/drawing/2014/main" val="20006"/>
+                    </a:ext>
+                  </a:extLst>
+                </a:gridCol>
+                <a:gridCol w="1159310">
+                  <a:extLst>
+                    <a:ext uri="{9D8B030D-6E8A-4147-A177-3AD203B41FA5}">
+                      <a16:colId xmlns:a16="http://schemas.microsoft.com/office/drawing/2014/main" val="20007"/>
+                    </a:ext>
+                  </a:extLst>
+                </a:gridCol>
               </a:tblGrid>
               <a:tr h="552359">
                 <a:tc>
@@ -10377,15 +10483,15 @@
                         <a:defRPr/>
                       </a:pPr>
                       <a:r>
-                        <a:rPr lang="en-US" sz="1400" dirty="0" smtClean="0"/>
+                        <a:rPr lang="en-US" sz="1400" dirty="0"/>
                         <a:t>Criminal Incidents</a:t>
                       </a:r>
-                      <a:endParaRPr lang="en-US" sz="1400" b="1" dirty="0" smtClean="0"/>
+                      <a:endParaRPr lang="en-US" sz="1400" b="1" dirty="0"/>
                     </a:p>
                     <a:p>
                       <a:pPr algn="r" fontAlgn="ctr"/>
                       <a:r>
-                        <a:rPr lang="en-US" sz="1400" dirty="0" smtClean="0"/>
+                        <a:rPr lang="en-US" sz="1400" dirty="0"/>
                         <a:t>Rate</a:t>
                       </a:r>
                       <a:endParaRPr lang="en-US" sz="1400" b="1" dirty="0"/>
@@ -10431,15 +10537,15 @@
                         <a:defRPr/>
                       </a:pPr>
                       <a:r>
-                        <a:rPr lang="en-US" sz="1400" dirty="0" smtClean="0"/>
+                        <a:rPr lang="en-US" sz="1400" dirty="0"/>
                         <a:t>Recorded Offences</a:t>
                       </a:r>
-                      <a:endParaRPr lang="en-US" sz="1400" b="1" dirty="0" smtClean="0"/>
+                      <a:endParaRPr lang="en-US" sz="1400" b="1" dirty="0"/>
                     </a:p>
                     <a:p>
                       <a:pPr algn="r" fontAlgn="ctr"/>
                       <a:r>
-                        <a:rPr lang="en-US" sz="1400" dirty="0" smtClean="0"/>
+                        <a:rPr lang="en-US" sz="1400" dirty="0"/>
                         <a:t>Rate</a:t>
                       </a:r>
                       <a:endParaRPr lang="en-US" sz="1400" b="1" dirty="0"/>
@@ -10485,15 +10591,15 @@
                         <a:defRPr/>
                       </a:pPr>
                       <a:r>
-                        <a:rPr lang="en-US" sz="1400" dirty="0" smtClean="0"/>
+                        <a:rPr lang="en-US" sz="1400" dirty="0"/>
                         <a:t>Alleged Offenders</a:t>
                       </a:r>
-                      <a:endParaRPr lang="en-US" sz="1400" b="1" dirty="0" smtClean="0"/>
+                      <a:endParaRPr lang="en-US" sz="1400" b="1" dirty="0"/>
                     </a:p>
                     <a:p>
                       <a:pPr algn="r" fontAlgn="ctr"/>
                       <a:r>
-                        <a:rPr lang="en-US" sz="1400" dirty="0" smtClean="0"/>
+                        <a:rPr lang="en-US" sz="1400" dirty="0"/>
                         <a:t>Rate</a:t>
                       </a:r>
                       <a:endParaRPr lang="en-US" sz="1400" b="1" dirty="0"/>
@@ -10516,6 +10622,11 @@
                   </a:txBody>
                   <a:tcPr marL="82101" marR="82101" marT="41051" marB="41051" anchor="ctr"/>
                 </a:tc>
+                <a:extLst>
+                  <a:ext uri="{0D108BD9-81ED-4DB2-BD59-A6C34878D82A}">
+                    <a16:rowId xmlns:a16="http://schemas.microsoft.com/office/drawing/2014/main" val="10000"/>
+                  </a:ext>
+                </a:extLst>
               </a:tr>
               <a:tr h="236560">
                 <a:tc>
@@ -10525,17 +10636,16 @@
                     <a:p>
                       <a:pPr algn="r" fontAlgn="ctr"/>
                       <a:r>
-                        <a:rPr lang="en-US" sz="1200" b="1" dirty="0" smtClean="0"/>
+                        <a:rPr lang="en-US" sz="1200" b="1" dirty="0"/>
                         <a:t>count</a:t>
                       </a:r>
                     </a:p>
                     <a:p>
                       <a:pPr algn="r" fontAlgn="ctr"/>
                       <a:r>
-                        <a:rPr lang="en-US" sz="1200" b="1" dirty="0" smtClean="0"/>
+                        <a:rPr lang="en-US" sz="1200" b="1" dirty="0"/>
                         <a:t>(number of years)</a:t>
                       </a:r>
-                      <a:endParaRPr lang="en-US" sz="1200" b="1" dirty="0"/>
                     </a:p>
                   </a:txBody>
                   <a:tcPr marL="82101" marR="82101" marT="41051" marB="41051" anchor="ctr"/>
@@ -10638,6 +10748,11 @@
                   </a:txBody>
                   <a:tcPr marL="82101" marR="82101" marT="41051" marB="41051" anchor="ctr"/>
                 </a:tc>
+                <a:extLst>
+                  <a:ext uri="{0D108BD9-81ED-4DB2-BD59-A6C34878D82A}">
+                    <a16:rowId xmlns:a16="http://schemas.microsoft.com/office/drawing/2014/main" val="10001"/>
+                  </a:ext>
+                </a:extLst>
               </a:tr>
               <a:tr h="413981">
                 <a:tc>
@@ -10647,7 +10762,7 @@
                     <a:p>
                       <a:pPr marL="0" algn="r" defTabSz="914400" rtl="0" eaLnBrk="1" fontAlgn="ctr" latinLnBrk="0" hangingPunct="1"/>
                       <a:r>
-                        <a:rPr lang="en-US" sz="1200" b="1" kern="1200" dirty="0" smtClean="0">
+                        <a:rPr lang="en-US" sz="1200" b="1" kern="1200" dirty="0">
                           <a:solidFill>
                             <a:schemeClr val="dk1"/>
                           </a:solidFill>
@@ -10668,7 +10783,7 @@
                     <a:p>
                       <a:pPr marL="0" algn="r" defTabSz="914400" rtl="0" eaLnBrk="1" fontAlgn="ctr" latinLnBrk="0" hangingPunct="1"/>
                       <a:r>
-                        <a:rPr lang="en-US" sz="1200" kern="1200" dirty="0" smtClean="0">
+                        <a:rPr lang="en-US" sz="1200" kern="1200" dirty="0">
                           <a:solidFill>
                             <a:schemeClr val="dk1"/>
                           </a:solidFill>
@@ -10689,7 +10804,7 @@
                     <a:p>
                       <a:pPr marL="0" algn="r" defTabSz="914400" rtl="0" eaLnBrk="1" fontAlgn="ctr" latinLnBrk="0" hangingPunct="1"/>
                       <a:r>
-                        <a:rPr lang="en-US" sz="1200" kern="1200" dirty="0" smtClean="0">
+                        <a:rPr lang="en-US" sz="1200" kern="1200" dirty="0">
                           <a:solidFill>
                             <a:schemeClr val="dk1"/>
                           </a:solidFill>
@@ -10710,7 +10825,7 @@
                     <a:p>
                       <a:pPr marL="0" algn="r" defTabSz="914400" rtl="0" eaLnBrk="1" fontAlgn="ctr" latinLnBrk="0" hangingPunct="1"/>
                       <a:r>
-                        <a:rPr lang="en-US" sz="1200" kern="1200" dirty="0" smtClean="0">
+                        <a:rPr lang="en-US" sz="1200" kern="1200" dirty="0">
                           <a:solidFill>
                             <a:schemeClr val="dk1"/>
                           </a:solidFill>
@@ -10731,7 +10846,7 @@
                     <a:p>
                       <a:pPr marL="0" algn="r" defTabSz="914400" rtl="0" eaLnBrk="1" fontAlgn="ctr" latinLnBrk="0" hangingPunct="1"/>
                       <a:r>
-                        <a:rPr lang="en-US" sz="1200" kern="1200" dirty="0" smtClean="0">
+                        <a:rPr lang="en-US" sz="1200" kern="1200" dirty="0">
                           <a:solidFill>
                             <a:schemeClr val="dk1"/>
                           </a:solidFill>
@@ -10752,7 +10867,7 @@
                     <a:p>
                       <a:pPr marL="0" algn="r" defTabSz="914400" rtl="0" eaLnBrk="1" fontAlgn="ctr" latinLnBrk="0" hangingPunct="1"/>
                       <a:r>
-                        <a:rPr lang="en-US" sz="1200" kern="1200" dirty="0" smtClean="0">
+                        <a:rPr lang="en-US" sz="1200" kern="1200" dirty="0">
                           <a:solidFill>
                             <a:schemeClr val="dk1"/>
                           </a:solidFill>
@@ -10773,7 +10888,7 @@
                     <a:p>
                       <a:pPr marL="0" algn="r" defTabSz="914400" rtl="0" eaLnBrk="1" fontAlgn="ctr" latinLnBrk="0" hangingPunct="1"/>
                       <a:r>
-                        <a:rPr lang="en-US" sz="1200" kern="1200" dirty="0" smtClean="0">
+                        <a:rPr lang="en-US" sz="1200" kern="1200" dirty="0">
                           <a:solidFill>
                             <a:schemeClr val="dk1"/>
                           </a:solidFill>
@@ -10794,7 +10909,7 @@
                     <a:p>
                       <a:pPr marL="0" algn="r" defTabSz="914400" rtl="0" eaLnBrk="1" fontAlgn="ctr" latinLnBrk="0" hangingPunct="1"/>
                       <a:r>
-                        <a:rPr lang="en-US" sz="1200" kern="1200" dirty="0" smtClean="0">
+                        <a:rPr lang="en-US" sz="1200" kern="1200" dirty="0">
                           <a:solidFill>
                             <a:schemeClr val="dk1"/>
                           </a:solidFill>
@@ -10808,6 +10923,11 @@
                   </a:txBody>
                   <a:tcPr marL="82101" marR="82101" marT="41051" marB="41051" anchor="ctr"/>
                 </a:tc>
+                <a:extLst>
+                  <a:ext uri="{0D108BD9-81ED-4DB2-BD59-A6C34878D82A}">
+                    <a16:rowId xmlns:a16="http://schemas.microsoft.com/office/drawing/2014/main" val="10002"/>
+                  </a:ext>
+                </a:extLst>
               </a:tr>
               <a:tr h="413981">
                 <a:tc>
@@ -10817,10 +10937,9 @@
                     <a:p>
                       <a:pPr algn="r" fontAlgn="ctr"/>
                       <a:r>
-                        <a:rPr lang="en-US" sz="1200" b="1" dirty="0" smtClean="0"/>
+                        <a:rPr lang="en-US" sz="1200" b="1" dirty="0"/>
                         <a:t>standard deviation</a:t>
                       </a:r>
-                      <a:endParaRPr lang="en-US" sz="1200" b="1" dirty="0"/>
                     </a:p>
                   </a:txBody>
                   <a:tcPr marL="82101" marR="82101" marT="41051" marB="41051" anchor="ctr"/>
@@ -10923,6 +11042,11 @@
                   </a:txBody>
                   <a:tcPr marL="82101" marR="82101" marT="41051" marB="41051" anchor="ctr"/>
                 </a:tc>
+                <a:extLst>
+                  <a:ext uri="{0D108BD9-81ED-4DB2-BD59-A6C34878D82A}">
+                    <a16:rowId xmlns:a16="http://schemas.microsoft.com/office/drawing/2014/main" val="10003"/>
+                  </a:ext>
+                </a:extLst>
               </a:tr>
               <a:tr h="413981">
                 <a:tc>
@@ -11041,6 +11165,11 @@
                   </a:txBody>
                   <a:tcPr marL="82101" marR="82101" marT="41051" marB="41051" anchor="ctr"/>
                 </a:tc>
+                <a:extLst>
+                  <a:ext uri="{0D108BD9-81ED-4DB2-BD59-A6C34878D82A}">
+                    <a16:rowId xmlns:a16="http://schemas.microsoft.com/office/drawing/2014/main" val="10004"/>
+                  </a:ext>
+                </a:extLst>
               </a:tr>
               <a:tr h="413981">
                 <a:tc>
@@ -11050,20 +11179,16 @@
                     <a:p>
                       <a:pPr algn="r" fontAlgn="ctr"/>
                       <a:r>
-                        <a:rPr lang="en-US" sz="1200" b="1" dirty="0" smtClean="0"/>
+                        <a:rPr lang="en-US" sz="1200" b="1" dirty="0"/>
                         <a:t>1st Quartile -</a:t>
                       </a:r>
                       <a:r>
-                        <a:rPr lang="en-US" sz="1200" b="1" baseline="0" dirty="0" smtClean="0"/>
+                        <a:rPr lang="en-US" sz="1200" b="1" baseline="0" dirty="0"/>
                         <a:t> </a:t>
                       </a:r>
                       <a:r>
-                        <a:rPr lang="en-US" sz="1200" b="1" dirty="0" smtClean="0"/>
-                        <a:t>25</a:t>
-                      </a:r>
-                      <a:r>
                         <a:rPr lang="en-US" sz="1200" b="1" dirty="0"/>
-                        <a:t>%</a:t>
+                        <a:t>25%</a:t>
                       </a:r>
                     </a:p>
                   </a:txBody>
@@ -11167,6 +11292,11 @@
                   </a:txBody>
                   <a:tcPr marL="82101" marR="82101" marT="41051" marB="41051" anchor="ctr"/>
                 </a:tc>
+                <a:extLst>
+                  <a:ext uri="{0D108BD9-81ED-4DB2-BD59-A6C34878D82A}">
+                    <a16:rowId xmlns:a16="http://schemas.microsoft.com/office/drawing/2014/main" val="10005"/>
+                  </a:ext>
+                </a:extLst>
               </a:tr>
               <a:tr h="413981">
                 <a:tc>
@@ -11192,23 +11322,23 @@
                         <a:defRPr/>
                       </a:pPr>
                       <a:r>
-                        <a:rPr lang="en-US" sz="1200" b="1" dirty="0" smtClean="0"/>
+                        <a:rPr lang="en-US" sz="1200" b="1" dirty="0"/>
                         <a:t>2</a:t>
                       </a:r>
                       <a:r>
-                        <a:rPr lang="en-US" sz="1200" b="1" baseline="30000" dirty="0" smtClean="0"/>
+                        <a:rPr lang="en-US" sz="1200" b="1" baseline="30000" dirty="0"/>
                         <a:t>nd</a:t>
                       </a:r>
                       <a:r>
-                        <a:rPr lang="en-US" sz="1200" b="1" dirty="0" smtClean="0"/>
+                        <a:rPr lang="en-US" sz="1200" b="1" dirty="0"/>
                         <a:t> Quartile -</a:t>
                       </a:r>
                       <a:r>
-                        <a:rPr lang="en-US" sz="1200" b="1" baseline="0" dirty="0" smtClean="0"/>
+                        <a:rPr lang="en-US" sz="1200" b="1" baseline="0" dirty="0"/>
                         <a:t> 50</a:t>
                       </a:r>
                       <a:r>
-                        <a:rPr lang="en-US" sz="1200" b="1" dirty="0" smtClean="0"/>
+                        <a:rPr lang="en-US" sz="1200" b="1" dirty="0"/>
                         <a:t>%</a:t>
                       </a:r>
                     </a:p>
@@ -11231,10 +11361,10 @@
                         <a:defRPr/>
                       </a:pPr>
                       <a:r>
-                        <a:rPr lang="en-AU" sz="1200" b="1" dirty="0" smtClean="0"/>
+                        <a:rPr lang="en-AU" sz="1200" b="1" dirty="0"/>
                         <a:t>(median)</a:t>
                       </a:r>
-                      <a:endParaRPr lang="en-US" sz="1200" b="1" dirty="0" smtClean="0"/>
+                      <a:endParaRPr lang="en-US" sz="1200" b="1" dirty="0"/>
                     </a:p>
                   </a:txBody>
                   <a:tcPr marL="82101" marR="82101" marT="41051" marB="41051" anchor="ctr"/>
@@ -11262,10 +11392,9 @@
                         <a:defRPr/>
                       </a:pPr>
                       <a:r>
-                        <a:rPr lang="en-US" sz="1200" dirty="0" smtClean="0"/>
+                        <a:rPr lang="en-US" sz="1200" dirty="0"/>
                         <a:t>369,846.0</a:t>
                       </a:r>
-                      <a:endParaRPr lang="en-US" sz="1200" dirty="0"/>
                     </a:p>
                   </a:txBody>
                   <a:tcPr marL="82101" marR="82101" marT="41051" marB="41051" anchor="ctr"/>
@@ -11293,10 +11422,9 @@
                         <a:defRPr/>
                       </a:pPr>
                       <a:r>
-                        <a:rPr lang="en-US" sz="1200" dirty="0" smtClean="0"/>
+                        <a:rPr lang="en-US" sz="1200" dirty="0"/>
                         <a:t>23,453.34</a:t>
                       </a:r>
-                      <a:endParaRPr lang="en-US" sz="1200" dirty="0"/>
                     </a:p>
                   </a:txBody>
                   <a:tcPr marL="82101" marR="82101" marT="41051" marB="41051" anchor="ctr"/>
@@ -11324,10 +11452,9 @@
                         <a:defRPr/>
                       </a:pPr>
                       <a:r>
-                        <a:rPr lang="en-US" sz="1200" dirty="0" smtClean="0"/>
+                        <a:rPr lang="en-US" sz="1200" dirty="0"/>
                         <a:t>498,991.0</a:t>
                       </a:r>
-                      <a:endParaRPr lang="en-US" sz="1200" dirty="0"/>
                     </a:p>
                   </a:txBody>
                   <a:tcPr marL="82101" marR="82101" marT="41051" marB="41051" anchor="ctr"/>
@@ -11355,7 +11482,7 @@
                         <a:defRPr/>
                       </a:pPr>
                       <a:r>
-                        <a:rPr lang="en-US" sz="1200" kern="1200" dirty="0" smtClean="0">
+                        <a:rPr lang="en-US" sz="1200" kern="1200" dirty="0">
                           <a:solidFill>
                             <a:schemeClr val="dk1"/>
                           </a:solidFill>
@@ -11392,10 +11519,9 @@
                         <a:defRPr/>
                       </a:pPr>
                       <a:r>
-                        <a:rPr lang="en-US" sz="1200" dirty="0" smtClean="0"/>
+                        <a:rPr lang="en-US" sz="1200" dirty="0"/>
                         <a:t>156,385.5</a:t>
                       </a:r>
-                      <a:endParaRPr lang="en-US" sz="1200" dirty="0"/>
                     </a:p>
                   </a:txBody>
                   <a:tcPr marL="82101" marR="82101" marT="41051" marB="41051" anchor="ctr"/>
@@ -11423,10 +11549,9 @@
                         <a:defRPr/>
                       </a:pPr>
                       <a:r>
-                        <a:rPr lang="en-US" sz="1200" dirty="0" smtClean="0"/>
+                        <a:rPr lang="en-US" sz="1200" dirty="0"/>
                         <a:t>9,827.37</a:t>
                       </a:r>
-                      <a:endParaRPr lang="en-US" sz="1200" dirty="0"/>
                     </a:p>
                   </a:txBody>
                   <a:tcPr marL="82101" marR="82101" marT="41051" marB="41051" anchor="ctr"/>
@@ -11454,7 +11579,7 @@
                         <a:defRPr/>
                       </a:pPr>
                       <a:r>
-                        <a:rPr lang="en-US" sz="1200" kern="1200" dirty="0" smtClean="0">
+                        <a:rPr lang="en-US" sz="1200" kern="1200" dirty="0">
                           <a:solidFill>
                             <a:schemeClr val="dk1"/>
                           </a:solidFill>
@@ -11468,6 +11593,11 @@
                   </a:txBody>
                   <a:tcPr anchor="ctr"/>
                 </a:tc>
+                <a:extLst>
+                  <a:ext uri="{0D108BD9-81ED-4DB2-BD59-A6C34878D82A}">
+                    <a16:rowId xmlns:a16="http://schemas.microsoft.com/office/drawing/2014/main" val="10006"/>
+                  </a:ext>
+                </a:extLst>
               </a:tr>
               <a:tr h="413981">
                 <a:tc>
@@ -11477,20 +11607,16 @@
                     <a:p>
                       <a:pPr algn="r" fontAlgn="ctr"/>
                       <a:r>
-                        <a:rPr lang="en-US" sz="1200" b="1" dirty="0" smtClean="0"/>
+                        <a:rPr lang="en-US" sz="1200" b="1" dirty="0"/>
                         <a:t>3</a:t>
                       </a:r>
                       <a:r>
-                        <a:rPr lang="en-US" sz="1200" b="1" baseline="30000" dirty="0" smtClean="0"/>
+                        <a:rPr lang="en-US" sz="1200" b="1" baseline="30000" dirty="0"/>
                         <a:t>rd</a:t>
                       </a:r>
                       <a:r>
-                        <a:rPr lang="en-US" sz="1200" b="1" dirty="0" smtClean="0"/>
-                        <a:t> Quartile - 75</a:t>
-                      </a:r>
-                      <a:r>
                         <a:rPr lang="en-US" sz="1200" b="1" dirty="0"/>
-                        <a:t>%</a:t>
+                        <a:t> Quartile - 75%</a:t>
                       </a:r>
                     </a:p>
                   </a:txBody>
@@ -11594,6 +11720,11 @@
                   </a:txBody>
                   <a:tcPr marL="82101" marR="82101" marT="41051" marB="41051" anchor="ctr"/>
                 </a:tc>
+                <a:extLst>
+                  <a:ext uri="{0D108BD9-81ED-4DB2-BD59-A6C34878D82A}">
+                    <a16:rowId xmlns:a16="http://schemas.microsoft.com/office/drawing/2014/main" val="10007"/>
+                  </a:ext>
+                </a:extLst>
               </a:tr>
               <a:tr h="413981">
                 <a:tc>
@@ -11603,7 +11734,7 @@
                     <a:p>
                       <a:pPr algn="r" fontAlgn="ctr"/>
                       <a:r>
-                        <a:rPr lang="en-US" sz="1200" b="1" kern="1200" dirty="0" smtClean="0">
+                        <a:rPr lang="en-US" sz="1200" b="1" kern="1200" dirty="0">
                           <a:solidFill>
                             <a:schemeClr val="dk1"/>
                           </a:solidFill>
@@ -11624,7 +11755,7 @@
                     <a:p>
                       <a:pPr algn="r" fontAlgn="ctr"/>
                       <a:r>
-                        <a:rPr lang="en-US" sz="1200" kern="1200" dirty="0" smtClean="0">
+                        <a:rPr lang="en-US" sz="1200" kern="1200" dirty="0">
                           <a:solidFill>
                             <a:schemeClr val="dk1"/>
                           </a:solidFill>
@@ -11645,7 +11776,7 @@
                     <a:p>
                       <a:pPr algn="r" fontAlgn="ctr"/>
                       <a:r>
-                        <a:rPr lang="en-US" sz="1200" kern="1200" dirty="0" smtClean="0">
+                        <a:rPr lang="en-US" sz="1200" kern="1200" dirty="0">
                           <a:solidFill>
                             <a:srgbClr val="FF0000"/>
                           </a:solidFill>
@@ -11666,7 +11797,7 @@
                     <a:p>
                       <a:pPr algn="r" fontAlgn="ctr"/>
                       <a:r>
-                        <a:rPr lang="en-US" sz="1200" kern="1200" dirty="0" smtClean="0">
+                        <a:rPr lang="en-US" sz="1200" kern="1200" dirty="0">
                           <a:solidFill>
                             <a:schemeClr val="dk1"/>
                           </a:solidFill>
@@ -11687,7 +11818,7 @@
                     <a:p>
                       <a:pPr algn="r" fontAlgn="ctr"/>
                       <a:r>
-                        <a:rPr lang="en-US" sz="1200" kern="1200" dirty="0" smtClean="0">
+                        <a:rPr lang="en-US" sz="1200" kern="1200" dirty="0">
                           <a:solidFill>
                             <a:srgbClr val="FF0000"/>
                           </a:solidFill>
@@ -11708,7 +11839,7 @@
                     <a:p>
                       <a:pPr algn="r" fontAlgn="ctr"/>
                       <a:r>
-                        <a:rPr lang="en-US" sz="1200" kern="1200" dirty="0" smtClean="0">
+                        <a:rPr lang="en-US" sz="1200" kern="1200" dirty="0">
                           <a:solidFill>
                             <a:schemeClr val="dk1"/>
                           </a:solidFill>
@@ -11729,7 +11860,7 @@
                     <a:p>
                       <a:pPr algn="r" fontAlgn="ctr"/>
                       <a:r>
-                        <a:rPr lang="en-US" sz="1200" kern="1200" dirty="0" smtClean="0">
+                        <a:rPr lang="en-US" sz="1200" kern="1200" dirty="0">
                           <a:solidFill>
                             <a:schemeClr val="dk1"/>
                           </a:solidFill>
@@ -11750,7 +11881,7 @@
                     <a:p>
                       <a:pPr algn="r" fontAlgn="ctr"/>
                       <a:r>
-                        <a:rPr lang="en-US" sz="1200" kern="1200" dirty="0" smtClean="0">
+                        <a:rPr lang="en-US" sz="1200" kern="1200" dirty="0">
                           <a:solidFill>
                             <a:schemeClr val="dk1"/>
                           </a:solidFill>
@@ -11764,6 +11895,11 @@
                   </a:txBody>
                   <a:tcPr marL="82101" marR="82101" marT="41051" marB="41051" anchor="ctr"/>
                 </a:tc>
+                <a:extLst>
+                  <a:ext uri="{0D108BD9-81ED-4DB2-BD59-A6C34878D82A}">
+                    <a16:rowId xmlns:a16="http://schemas.microsoft.com/office/drawing/2014/main" val="10008"/>
+                  </a:ext>
+                </a:extLst>
               </a:tr>
             </a:tbl>
           </a:graphicData>
@@ -11792,12 +11928,12 @@
           <a:lstStyle/>
           <a:p>
             <a:r>
-              <a:rPr lang="en-US" sz="1200" b="1" u="sng" dirty="0" smtClean="0"/>
+              <a:rPr lang="en-US" sz="1200" b="1" u="sng" dirty="0"/>
               <a:t>Observation:</a:t>
             </a:r>
           </a:p>
           <a:p>
-            <a:endParaRPr lang="en-AU" sz="1200" dirty="0" smtClean="0"/>
+            <a:endParaRPr lang="en-AU" sz="1200" dirty="0"/>
           </a:p>
           <a:p>
             <a:pPr>
@@ -11805,11 +11941,11 @@
               <a:buChar char="v"/>
             </a:pPr>
             <a:r>
-              <a:rPr lang="en-AU" sz="1200" dirty="0" smtClean="0"/>
+              <a:rPr lang="en-AU" sz="1200" dirty="0"/>
               <a:t> Year 2016 has the highest Crime Incidents (</a:t>
             </a:r>
             <a:r>
-              <a:rPr lang="en-US" sz="1200" dirty="0" smtClean="0">
+              <a:rPr lang="en-US" sz="1200" dirty="0">
                 <a:solidFill>
                   <a:srgbClr val="FF0000"/>
                 </a:solidFill>
@@ -11817,15 +11953,15 @@
               <a:t>26,304 incidents</a:t>
             </a:r>
             <a:r>
-              <a:rPr lang="en-US" sz="1200" dirty="0" smtClean="0"/>
+              <a:rPr lang="en-US" sz="1200" dirty="0"/>
               <a:t>) </a:t>
             </a:r>
             <a:r>
-              <a:rPr lang="en-AU" sz="1200" dirty="0" smtClean="0"/>
+              <a:rPr lang="en-AU" sz="1200" dirty="0"/>
               <a:t>and Recorded Offences (</a:t>
             </a:r>
             <a:r>
-              <a:rPr lang="en-US" sz="1200" dirty="0" smtClean="0">
+              <a:rPr lang="en-US" sz="1200" dirty="0">
                 <a:solidFill>
                   <a:srgbClr val="FF0000"/>
                 </a:solidFill>
@@ -11833,11 +11969,11 @@
               <a:t>34,796 offences</a:t>
             </a:r>
             <a:r>
-              <a:rPr lang="en-US" sz="1200" dirty="0" smtClean="0"/>
+              <a:rPr lang="en-US" sz="1200" dirty="0"/>
               <a:t>)</a:t>
             </a:r>
             <a:r>
-              <a:rPr lang="en-US" sz="1200" dirty="0" smtClean="0">
+              <a:rPr lang="en-US" sz="1200" dirty="0">
                 <a:solidFill>
                   <a:srgbClr val="FF0000"/>
                 </a:solidFill>
@@ -11845,7 +11981,7 @@
               <a:t> </a:t>
             </a:r>
             <a:r>
-              <a:rPr lang="en-AU" sz="1200" dirty="0" smtClean="0"/>
+              <a:rPr lang="en-AU" sz="1200" dirty="0"/>
               <a:t>rate per 100,000 population.</a:t>
             </a:r>
           </a:p>
@@ -11855,11 +11991,11 @@
               <a:buChar char="v"/>
             </a:pPr>
             <a:r>
-              <a:rPr lang="en-AU" sz="1200" dirty="0" smtClean="0"/>
+              <a:rPr lang="en-AU" sz="1200" dirty="0"/>
               <a:t> Year 2021 has lowest Crime Incidents (</a:t>
             </a:r>
             <a:r>
-              <a:rPr lang="en-US" sz="1200" dirty="0" smtClean="0">
+              <a:rPr lang="en-US" sz="1200" dirty="0">
                 <a:solidFill>
                   <a:srgbClr val="00B050"/>
                 </a:solidFill>
@@ -11867,7 +12003,7 @@
               <a:t>21,248.43</a:t>
             </a:r>
             <a:r>
-              <a:rPr lang="en-AU" sz="1200" dirty="0" smtClean="0"/>
+              <a:rPr lang="en-AU" sz="1200" dirty="0"/>
               <a:t>) rate per 100,000 population.</a:t>
             </a:r>
             <a:endParaRPr lang="en-US" sz="1200" dirty="0"/>
@@ -11901,20 +12037,13 @@
     </p:spTree>
     <p:extLst>
       <p:ext uri="{BB962C8B-B14F-4D97-AF65-F5344CB8AC3E}">
-        <p14:creationId xmlns="" xmlns:p14="http://schemas.microsoft.com/office/powerpoint/2010/main" val="4047589959"/>
+        <p14:creationId xmlns:p14="http://schemas.microsoft.com/office/powerpoint/2010/main" val="4047589959"/>
       </p:ext>
     </p:extLst>
   </p:cSld>
   <p:clrMapOvr>
     <a:masterClrMapping/>
   </p:clrMapOvr>
-  <p:timing>
-    <p:tnLst>
-      <p:par>
-        <p:cTn id="1" dur="indefinite" restart="never" nodeType="tmRoot"/>
-      </p:par>
-    </p:tnLst>
-  </p:timing>
 </p:sld>
 </file>
 
@@ -11972,7 +12101,7 @@
           <p:cNvPr id="2" name="Title 1">
             <a:extLst>
               <a:ext uri="{FF2B5EF4-FFF2-40B4-BE49-F238E27FC236}">
-                <a16:creationId xmlns="" xmlns:a16="http://schemas.microsoft.com/office/drawing/2014/main" id="{A4F9A5E3-95C5-4F3E-80A5-1BD7B12920D3}"/>
+                <a16:creationId xmlns:a16="http://schemas.microsoft.com/office/drawing/2014/main" id="{A4F9A5E3-95C5-4F3E-80A5-1BD7B12920D3}"/>
               </a:ext>
             </a:extLst>
           </p:cNvPr>
@@ -11997,26 +12126,9 @@
           <a:p>
             <a:pPr algn="ctr"/>
             <a:r>
-              <a:rPr lang="en-AU" sz="3200" dirty="0" smtClean="0"/>
-              <a:t>Victoria </a:t>
+              <a:rPr lang="en-AU" sz="3200" dirty="0"/>
+              <a:t>Victoria Crimes Trends by Police Service Region</a:t>
             </a:r>
-            <a:r>
-              <a:rPr lang="en-AU" sz="3200" dirty="0" smtClean="0"/>
-              <a:t>Crimes </a:t>
-            </a:r>
-            <a:r>
-              <a:rPr lang="en-AU" sz="3200" dirty="0" smtClean="0"/>
-              <a:t>Trends </a:t>
-            </a:r>
-            <a:r>
-              <a:rPr lang="en-AU" sz="3200" dirty="0" smtClean="0"/>
-              <a:t>by </a:t>
-            </a:r>
-            <a:r>
-              <a:rPr lang="en-AU" sz="3200" dirty="0" smtClean="0"/>
-              <a:t>Police Service Region</a:t>
-            </a:r>
-            <a:endParaRPr lang="en-AU" sz="3200" dirty="0"/>
           </a:p>
         </p:txBody>
       </p:sp>
@@ -12151,20 +12263,13 @@
     </p:spTree>
     <p:extLst>
       <p:ext uri="{BB962C8B-B14F-4D97-AF65-F5344CB8AC3E}">
-        <p14:creationId xmlns="" xmlns:p14="http://schemas.microsoft.com/office/powerpoint/2010/main" val="4047589959"/>
+        <p14:creationId xmlns:p14="http://schemas.microsoft.com/office/powerpoint/2010/main" val="4047589959"/>
       </p:ext>
     </p:extLst>
   </p:cSld>
   <p:clrMapOvr>
     <a:masterClrMapping/>
   </p:clrMapOvr>
-  <p:timing>
-    <p:tnLst>
-      <p:par>
-        <p:cTn id="1" dur="indefinite" restart="never" nodeType="tmRoot"/>
-      </p:par>
-    </p:tnLst>
-  </p:timing>
 </p:sld>
 </file>
 
@@ -12190,7 +12295,7 @@
           <p:cNvPr id="2" name="Title 1">
             <a:extLst>
               <a:ext uri="{FF2B5EF4-FFF2-40B4-BE49-F238E27FC236}">
-                <a16:creationId xmlns="" xmlns:a16="http://schemas.microsoft.com/office/drawing/2014/main" id="{A4F9A5E3-95C5-4F3E-80A5-1BD7B12920D3}"/>
+                <a16:creationId xmlns:a16="http://schemas.microsoft.com/office/drawing/2014/main" id="{A4F9A5E3-95C5-4F3E-80A5-1BD7B12920D3}"/>
               </a:ext>
             </a:extLst>
           </p:cNvPr>
@@ -12215,18 +12320,9 @@
           <a:p>
             <a:pPr algn="ctr"/>
             <a:r>
-              <a:rPr lang="en-AU" sz="3200" dirty="0" smtClean="0"/>
-              <a:t>Yearly </a:t>
+              <a:rPr lang="en-AU" sz="3200" dirty="0"/>
+              <a:t>Yearly Crimes Trends by Police Service Region</a:t>
             </a:r>
-            <a:r>
-              <a:rPr lang="en-AU" sz="3200" dirty="0" smtClean="0"/>
-              <a:t>Crimes </a:t>
-            </a:r>
-            <a:r>
-              <a:rPr lang="en-AU" sz="3200" dirty="0" smtClean="0"/>
-              <a:t>Trends by Police Service Region</a:t>
-            </a:r>
-            <a:endParaRPr lang="en-AU" sz="3200" dirty="0"/>
           </a:p>
         </p:txBody>
       </p:sp>
@@ -12249,10 +12345,34 @@
                 <a:tableStyleId>{5C22544A-7EE6-4342-B048-85BDC9FD1C3A}</a:tableStyleId>
               </a:tblPr>
               <a:tblGrid>
-                <a:gridCol w="2260600"/>
-                <a:gridCol w="2243156"/>
-                <a:gridCol w="2167513"/>
-                <a:gridCol w="2777531"/>
+                <a:gridCol w="2260600">
+                  <a:extLst>
+                    <a:ext uri="{9D8B030D-6E8A-4147-A177-3AD203B41FA5}">
+                      <a16:colId xmlns:a16="http://schemas.microsoft.com/office/drawing/2014/main" val="20000"/>
+                    </a:ext>
+                  </a:extLst>
+                </a:gridCol>
+                <a:gridCol w="2243156">
+                  <a:extLst>
+                    <a:ext uri="{9D8B030D-6E8A-4147-A177-3AD203B41FA5}">
+                      <a16:colId xmlns:a16="http://schemas.microsoft.com/office/drawing/2014/main" val="20001"/>
+                    </a:ext>
+                  </a:extLst>
+                </a:gridCol>
+                <a:gridCol w="2167513">
+                  <a:extLst>
+                    <a:ext uri="{9D8B030D-6E8A-4147-A177-3AD203B41FA5}">
+                      <a16:colId xmlns:a16="http://schemas.microsoft.com/office/drawing/2014/main" val="20002"/>
+                    </a:ext>
+                  </a:extLst>
+                </a:gridCol>
+                <a:gridCol w="2777531">
+                  <a:extLst>
+                    <a:ext uri="{9D8B030D-6E8A-4147-A177-3AD203B41FA5}">
+                      <a16:colId xmlns:a16="http://schemas.microsoft.com/office/drawing/2014/main" val="20003"/>
+                    </a:ext>
+                  </a:extLst>
+                </a:gridCol>
               </a:tblGrid>
               <a:tr h="592656">
                 <a:tc>
@@ -12262,7 +12382,7 @@
                     <a:p>
                       <a:pPr algn="ctr"/>
                       <a:r>
-                        <a:rPr lang="en-AU" sz="1400" dirty="0" smtClean="0">
+                        <a:rPr lang="en-AU" sz="1400" dirty="0">
                           <a:solidFill>
                             <a:schemeClr val="bg1"/>
                           </a:solidFill>
@@ -12289,7 +12409,7 @@
                     <a:p>
                       <a:pPr algn="ctr"/>
                       <a:r>
-                        <a:rPr lang="en-AU" sz="1400" dirty="0" smtClean="0">
+                        <a:rPr lang="en-AU" sz="1400" dirty="0">
                           <a:solidFill>
                             <a:schemeClr val="bg1"/>
                           </a:solidFill>
@@ -12297,7 +12417,7 @@
                         <a:t>Police</a:t>
                       </a:r>
                       <a:r>
-                        <a:rPr lang="en-AU" sz="1400" baseline="0" dirty="0" smtClean="0">
+                        <a:rPr lang="en-AU" sz="1400" baseline="0" dirty="0">
                           <a:solidFill>
                             <a:schemeClr val="bg1"/>
                           </a:solidFill>
@@ -12324,7 +12444,7 @@
                     <a:p>
                       <a:pPr algn="ctr"/>
                       <a:r>
-                        <a:rPr lang="en-AU" sz="1400" dirty="0" smtClean="0">
+                        <a:rPr lang="en-AU" sz="1400" dirty="0">
                           <a:solidFill>
                             <a:schemeClr val="bg1"/>
                           </a:solidFill>
@@ -12346,7 +12466,7 @@
                     <a:p>
                       <a:pPr algn="ctr"/>
                       <a:r>
-                        <a:rPr lang="en-AU" sz="1400" dirty="0" smtClean="0">
+                        <a:rPr lang="en-AU" sz="1400" dirty="0">
                           <a:solidFill>
                             <a:schemeClr val="bg1"/>
                           </a:solidFill>
@@ -12366,6 +12486,11 @@
                     </a:solidFill>
                   </a:tcPr>
                 </a:tc>
+                <a:extLst>
+                  <a:ext uri="{0D108BD9-81ED-4DB2-BD59-A6C34878D82A}">
+                    <a16:rowId xmlns:a16="http://schemas.microsoft.com/office/drawing/2014/main" val="10000"/>
+                  </a:ext>
+                </a:extLst>
               </a:tr>
               <a:tr h="330516">
                 <a:tc rowSpan="2">
@@ -12374,11 +12499,11 @@
                     <a:lstStyle/>
                     <a:p>
                       <a:r>
-                        <a:rPr lang="en-AU" sz="1200" b="1" dirty="0" smtClean="0"/>
+                        <a:rPr lang="en-AU" sz="1200" b="1" dirty="0"/>
                         <a:t>Criminal</a:t>
                       </a:r>
                       <a:r>
-                        <a:rPr lang="en-AU" sz="1200" b="1" baseline="0" dirty="0" smtClean="0"/>
+                        <a:rPr lang="en-AU" sz="1200" b="1" baseline="0" dirty="0"/>
                         <a:t> Incidents</a:t>
                       </a:r>
                       <a:endParaRPr lang="en-US" sz="1200" b="1" dirty="0"/>
@@ -12400,7 +12525,7 @@
                         <a:buNone/>
                       </a:pPr>
                       <a:r>
-                        <a:rPr lang="en-AU" sz="1200" dirty="0" smtClean="0">
+                        <a:rPr lang="en-AU" sz="1200" dirty="0">
                           <a:solidFill>
                             <a:srgbClr val="0070C0"/>
                           </a:solidFill>
@@ -12422,7 +12547,7 @@
                     <a:p>
                       <a:pPr algn="ctr"/>
                       <a:r>
-                        <a:rPr lang="en-AU" sz="1200" dirty="0" smtClean="0">
+                        <a:rPr lang="en-AU" sz="1200" dirty="0">
                           <a:solidFill>
                             <a:schemeClr val="tx1"/>
                           </a:solidFill>
@@ -12430,7 +12555,7 @@
                         <a:t>2013, 2015, </a:t>
                       </a:r>
                       <a:r>
-                        <a:rPr lang="en-AU" sz="1200" dirty="0" smtClean="0">
+                        <a:rPr lang="en-AU" sz="1200" dirty="0">
                           <a:solidFill>
                             <a:srgbClr val="0070C0"/>
                           </a:solidFill>
@@ -12468,7 +12593,7 @@
                         <a:defRPr/>
                       </a:pPr>
                       <a:r>
-                        <a:rPr lang="en-US" sz="1200" kern="1200" dirty="0" smtClean="0">
+                        <a:rPr lang="en-US" sz="1200" kern="1200" dirty="0">
                           <a:solidFill>
                             <a:srgbClr val="FF0000"/>
                           </a:solidFill>
@@ -12479,11 +12604,11 @@
                         <a:t>Ÿ</a:t>
                       </a:r>
                       <a:r>
-                        <a:rPr lang="en-AU" sz="1200" dirty="0" smtClean="0"/>
+                        <a:rPr lang="en-AU" sz="1200" dirty="0"/>
                         <a:t>0.05, </a:t>
                       </a:r>
                       <a:r>
-                        <a:rPr lang="en-US" sz="1200" kern="1200" dirty="0" smtClean="0">
+                        <a:rPr lang="en-US" sz="1200" kern="1200" dirty="0">
                           <a:solidFill>
                             <a:srgbClr val="FF0000"/>
                           </a:solidFill>
@@ -12494,11 +12619,11 @@
                         <a:t>Ÿ</a:t>
                       </a:r>
                       <a:r>
-                        <a:rPr lang="en-AU" sz="1200" dirty="0" smtClean="0"/>
+                        <a:rPr lang="en-AU" sz="1200" dirty="0"/>
                         <a:t>0.07, </a:t>
                       </a:r>
                       <a:r>
-                        <a:rPr lang="en-US" sz="1200" kern="1200" dirty="0" smtClean="0">
+                        <a:rPr lang="en-US" sz="1200" kern="1200" dirty="0">
                           <a:solidFill>
                             <a:srgbClr val="FF0000"/>
                           </a:solidFill>
@@ -12509,7 +12634,7 @@
                         <a:t>Ÿ</a:t>
                       </a:r>
                       <a:r>
-                        <a:rPr lang="en-AU" sz="1200" dirty="0" smtClean="0"/>
+                        <a:rPr lang="en-AU" sz="1200" dirty="0"/>
                         <a:t>0.06</a:t>
                       </a:r>
                     </a:p>
@@ -12520,6 +12645,11 @@
                     </a:solidFill>
                   </a:tcPr>
                 </a:tc>
+                <a:extLst>
+                  <a:ext uri="{0D108BD9-81ED-4DB2-BD59-A6C34878D82A}">
+                    <a16:rowId xmlns:a16="http://schemas.microsoft.com/office/drawing/2014/main" val="10001"/>
+                  </a:ext>
+                </a:extLst>
               </a:tr>
               <a:tr h="330516">
                 <a:tc vMerge="1">
@@ -12555,7 +12685,7 @@
                         <a:defRPr/>
                       </a:pPr>
                       <a:r>
-                        <a:rPr lang="en-AU" sz="1200" dirty="0" smtClean="0">
+                        <a:rPr lang="en-AU" sz="1200" dirty="0">
                           <a:solidFill>
                             <a:schemeClr val="accent5">
                               <a:lumMod val="75000"/>
@@ -12564,7 +12694,7 @@
                         </a:rPr>
                         <a:t>East</a:t>
                       </a:r>
-                      <a:endParaRPr lang="en-US" sz="1200" dirty="0" smtClean="0">
+                      <a:endParaRPr lang="en-US" sz="1200" dirty="0">
                         <a:solidFill>
                           <a:schemeClr val="accent5">
                             <a:lumMod val="75000"/>
@@ -12602,7 +12732,7 @@
                         <a:defRPr/>
                       </a:pPr>
                       <a:r>
-                        <a:rPr lang="en-AU" sz="1200" dirty="0" smtClean="0">
+                        <a:rPr lang="en-AU" sz="1200" dirty="0">
                           <a:solidFill>
                             <a:schemeClr val="tx1"/>
                           </a:solidFill>
@@ -12610,7 +12740,7 @@
                         <a:t>2014, 2017, </a:t>
                       </a:r>
                       <a:r>
-                        <a:rPr lang="en-AU" sz="1200" dirty="0" smtClean="0">
+                        <a:rPr lang="en-AU" sz="1200" dirty="0">
                           <a:solidFill>
                             <a:schemeClr val="accent5">
                               <a:lumMod val="75000"/>
@@ -12619,7 +12749,7 @@
                         </a:rPr>
                         <a:t>2019</a:t>
                       </a:r>
-                      <a:endParaRPr lang="en-US" sz="1200" dirty="0" smtClean="0">
+                      <a:endParaRPr lang="en-US" sz="1200" dirty="0">
                         <a:solidFill>
                           <a:schemeClr val="accent5">
                             <a:lumMod val="75000"/>
@@ -12657,7 +12787,7 @@
                         <a:defRPr/>
                       </a:pPr>
                       <a:r>
-                        <a:rPr lang="en-US" sz="1200" kern="1200" dirty="0" smtClean="0">
+                        <a:rPr lang="en-US" sz="1200" kern="1200" dirty="0">
                           <a:solidFill>
                             <a:srgbClr val="FF0000"/>
                           </a:solidFill>
@@ -12668,11 +12798,11 @@
                         <a:t>Ÿ</a:t>
                       </a:r>
                       <a:r>
-                        <a:rPr lang="en-AU" sz="1200" dirty="0" smtClean="0"/>
+                        <a:rPr lang="en-AU" sz="1200" dirty="0"/>
                         <a:t>0.05, </a:t>
                       </a:r>
                       <a:r>
-                        <a:rPr lang="en-US" sz="1200" kern="1200" dirty="0" smtClean="0">
+                        <a:rPr lang="en-US" sz="1200" kern="1200" dirty="0">
                           <a:solidFill>
                             <a:srgbClr val="00B050"/>
                           </a:solidFill>
@@ -12683,7 +12813,7 @@
                         <a:t>”</a:t>
                       </a:r>
                       <a:r>
-                        <a:rPr lang="en-AU" sz="1200" dirty="0" smtClean="0">
+                        <a:rPr lang="en-AU" sz="1200" dirty="0">
                           <a:solidFill>
                             <a:schemeClr val="tx1"/>
                           </a:solidFill>
@@ -12691,11 +12821,11 @@
                         <a:t>-0.01</a:t>
                       </a:r>
                       <a:r>
-                        <a:rPr lang="en-AU" sz="1200" dirty="0" smtClean="0"/>
+                        <a:rPr lang="en-AU" sz="1200" dirty="0"/>
                         <a:t>, </a:t>
                       </a:r>
                       <a:r>
-                        <a:rPr lang="en-US" sz="1200" kern="1200" dirty="0" smtClean="0">
+                        <a:rPr lang="en-US" sz="1200" kern="1200" dirty="0">
                           <a:solidFill>
                             <a:srgbClr val="FF0000"/>
                           </a:solidFill>
@@ -12706,10 +12836,10 @@
                         <a:t>Ÿ</a:t>
                       </a:r>
                       <a:r>
-                        <a:rPr lang="en-AU" sz="1200" dirty="0" smtClean="0"/>
+                        <a:rPr lang="en-AU" sz="1200" dirty="0"/>
                         <a:t>0.08</a:t>
                       </a:r>
-                      <a:endParaRPr lang="en-US" sz="1200" dirty="0" smtClean="0"/>
+                      <a:endParaRPr lang="en-US" sz="1200" dirty="0"/>
                     </a:p>
                   </a:txBody>
                   <a:tcPr anchor="ctr">
@@ -12718,6 +12848,11 @@
                     </a:solidFill>
                   </a:tcPr>
                 </a:tc>
+                <a:extLst>
+                  <a:ext uri="{0D108BD9-81ED-4DB2-BD59-A6C34878D82A}">
+                    <a16:rowId xmlns:a16="http://schemas.microsoft.com/office/drawing/2014/main" val="10002"/>
+                  </a:ext>
+                </a:extLst>
               </a:tr>
               <a:tr h="312312">
                 <a:tc>
@@ -12726,7 +12861,7 @@
                     <a:lstStyle/>
                     <a:p>
                       <a:r>
-                        <a:rPr lang="en-AU" sz="1200" b="1" dirty="0" smtClean="0"/>
+                        <a:rPr lang="en-AU" sz="1200" b="1" dirty="0"/>
                         <a:t>Recorded Offence</a:t>
                       </a:r>
                       <a:endParaRPr lang="en-US" sz="1200" b="1" dirty="0"/>
@@ -12745,7 +12880,7 @@
                     <a:p>
                       <a:pPr algn="ctr"/>
                       <a:r>
-                        <a:rPr lang="en-AU" sz="1200" dirty="0" smtClean="0"/>
+                        <a:rPr lang="en-AU" sz="1200" dirty="0"/>
                         <a:t>West</a:t>
                       </a:r>
                       <a:endParaRPr lang="en-US" sz="1200" dirty="0"/>
@@ -12764,7 +12899,7 @@
                     <a:p>
                       <a:pPr algn="ctr"/>
                       <a:r>
-                        <a:rPr lang="en-AU" sz="1200" dirty="0" smtClean="0">
+                        <a:rPr lang="en-AU" sz="1200" dirty="0">
                           <a:solidFill>
                             <a:schemeClr val="tx1"/>
                           </a:solidFill>
@@ -12807,7 +12942,7 @@
                         <a:defRPr/>
                       </a:pPr>
                       <a:r>
-                        <a:rPr lang="en-US" sz="1200" kern="1200" dirty="0" smtClean="0">
+                        <a:rPr lang="en-US" sz="1200" kern="1200" dirty="0">
                           <a:solidFill>
                             <a:srgbClr val="FF0000"/>
                           </a:solidFill>
@@ -12818,11 +12953,11 @@
                         <a:t>Ÿ</a:t>
                       </a:r>
                       <a:r>
-                        <a:rPr lang="en-AU" sz="1200" dirty="0" smtClean="0"/>
+                        <a:rPr lang="en-AU" sz="1200" dirty="0"/>
                         <a:t>0.09, </a:t>
                       </a:r>
                       <a:r>
-                        <a:rPr lang="en-US" sz="1200" kern="1200" dirty="0" smtClean="0">
+                        <a:rPr lang="en-US" sz="1200" kern="1200" dirty="0">
                           <a:solidFill>
                             <a:srgbClr val="FF0000"/>
                           </a:solidFill>
@@ -12833,15 +12968,15 @@
                         <a:t>Ÿ</a:t>
                       </a:r>
                       <a:r>
-                        <a:rPr lang="en-AU" sz="1200" dirty="0" smtClean="0"/>
+                        <a:rPr lang="en-AU" sz="1200" dirty="0"/>
                         <a:t>0.13,</a:t>
                       </a:r>
                       <a:r>
-                        <a:rPr lang="en-AU" sz="1200" baseline="0" dirty="0" smtClean="0"/>
+                        <a:rPr lang="en-AU" sz="1200" baseline="0" dirty="0"/>
                         <a:t> </a:t>
                       </a:r>
                       <a:r>
-                        <a:rPr lang="en-US" sz="1200" kern="1200" dirty="0" smtClean="0">
+                        <a:rPr lang="en-US" sz="1200" kern="1200" dirty="0">
                           <a:solidFill>
                             <a:srgbClr val="00B050"/>
                           </a:solidFill>
@@ -12852,11 +12987,11 @@
                         <a:t>”</a:t>
                       </a:r>
                       <a:r>
-                        <a:rPr lang="en-AU" sz="1200" baseline="0" dirty="0" smtClean="0"/>
+                        <a:rPr lang="en-AU" sz="1200" baseline="0" dirty="0"/>
                         <a:t>-0.02, </a:t>
                       </a:r>
                       <a:r>
-                        <a:rPr lang="en-US" sz="1200" kern="1200" dirty="0" smtClean="0">
+                        <a:rPr lang="en-US" sz="1200" kern="1200" dirty="0">
                           <a:solidFill>
                             <a:srgbClr val="00B050"/>
                           </a:solidFill>
@@ -12867,7 +13002,7 @@
                         <a:t>”</a:t>
                       </a:r>
                       <a:r>
-                        <a:rPr lang="en-AU" sz="1200" baseline="0" dirty="0" smtClean="0">
+                        <a:rPr lang="en-AU" sz="1200" baseline="0" dirty="0">
                           <a:solidFill>
                             <a:schemeClr val="tx1"/>
                           </a:solidFill>
@@ -12887,6 +13022,11 @@
                     </a:solidFill>
                   </a:tcPr>
                 </a:tc>
+                <a:extLst>
+                  <a:ext uri="{0D108BD9-81ED-4DB2-BD59-A6C34878D82A}">
+                    <a16:rowId xmlns:a16="http://schemas.microsoft.com/office/drawing/2014/main" val="10003"/>
+                  </a:ext>
+                </a:extLst>
               </a:tr>
               <a:tr h="374650">
                 <a:tc>
@@ -12895,11 +13035,11 @@
                     <a:lstStyle/>
                     <a:p>
                       <a:r>
-                        <a:rPr lang="en-AU" sz="1200" b="1" dirty="0" smtClean="0"/>
+                        <a:rPr lang="en-AU" sz="1200" b="1" dirty="0"/>
                         <a:t>Alleged Offender</a:t>
                       </a:r>
                       <a:r>
-                        <a:rPr lang="en-AU" sz="1200" b="1" baseline="0" dirty="0" smtClean="0"/>
+                        <a:rPr lang="en-AU" sz="1200" b="1" baseline="0" dirty="0"/>
                         <a:t> Incidents</a:t>
                       </a:r>
                       <a:endParaRPr lang="en-US" sz="1200" b="1" dirty="0"/>
@@ -12918,7 +13058,7 @@
                     <a:p>
                       <a:pPr algn="ctr"/>
                       <a:r>
-                        <a:rPr lang="en-AU" sz="1200" dirty="0" smtClean="0">
+                        <a:rPr lang="en-AU" sz="1200" dirty="0">
                           <a:solidFill>
                             <a:srgbClr val="0070C0"/>
                           </a:solidFill>
@@ -12940,11 +13080,11 @@
                     <a:p>
                       <a:pPr algn="ctr"/>
                       <a:r>
-                        <a:rPr lang="en-AU" sz="1200" dirty="0" smtClean="0"/>
+                        <a:rPr lang="en-AU" sz="1200" dirty="0"/>
                         <a:t>2013, 2015, </a:t>
                       </a:r>
                       <a:r>
-                        <a:rPr lang="en-AU" sz="1200" dirty="0" smtClean="0">
+                        <a:rPr lang="en-AU" sz="1200" dirty="0">
                           <a:solidFill>
                             <a:srgbClr val="0070C0"/>
                           </a:solidFill>
@@ -12971,7 +13111,7 @@
                     <a:p>
                       <a:pPr algn="ctr"/>
                       <a:r>
-                        <a:rPr lang="en-US" sz="1200" kern="1200" dirty="0" smtClean="0">
+                        <a:rPr lang="en-US" sz="1200" kern="1200" dirty="0">
                           <a:solidFill>
                             <a:srgbClr val="FF0000"/>
                           </a:solidFill>
@@ -12982,11 +13122,11 @@
                         <a:t>Ÿ</a:t>
                       </a:r>
                       <a:r>
-                        <a:rPr lang="en-AU" sz="1200" dirty="0" smtClean="0"/>
+                        <a:rPr lang="en-AU" sz="1200" dirty="0"/>
                         <a:t>0.13, </a:t>
                       </a:r>
                       <a:r>
-                        <a:rPr lang="en-US" sz="1200" kern="1200" dirty="0" smtClean="0">
+                        <a:rPr lang="en-US" sz="1200" kern="1200" dirty="0">
                           <a:solidFill>
                             <a:srgbClr val="FF0000"/>
                           </a:solidFill>
@@ -12997,11 +13137,11 @@
                         <a:t>Ÿ</a:t>
                       </a:r>
                       <a:r>
-                        <a:rPr lang="en-AU" sz="1200" dirty="0" smtClean="0"/>
+                        <a:rPr lang="en-AU" sz="1200" dirty="0"/>
                         <a:t>0.42, </a:t>
                       </a:r>
                       <a:r>
-                        <a:rPr lang="en-US" sz="1200" kern="1200" dirty="0" smtClean="0">
+                        <a:rPr lang="en-US" sz="1200" kern="1200" dirty="0">
                           <a:solidFill>
                             <a:srgbClr val="FF0000"/>
                           </a:solidFill>
@@ -13012,7 +13152,7 @@
                         <a:t>Ÿ</a:t>
                       </a:r>
                       <a:r>
-                        <a:rPr lang="en-AU" sz="1200" dirty="0" smtClean="0"/>
+                        <a:rPr lang="en-AU" sz="1200" dirty="0"/>
                         <a:t>0.26</a:t>
                       </a:r>
                       <a:endParaRPr lang="en-US" sz="1200" dirty="0"/>
@@ -13024,6 +13164,11 @@
                     </a:solidFill>
                   </a:tcPr>
                 </a:tc>
+                <a:extLst>
+                  <a:ext uri="{0D108BD9-81ED-4DB2-BD59-A6C34878D82A}">
+                    <a16:rowId xmlns:a16="http://schemas.microsoft.com/office/drawing/2014/main" val="10004"/>
+                  </a:ext>
+                </a:extLst>
               </a:tr>
               <a:tr h="336550">
                 <a:tc>
@@ -13032,11 +13177,11 @@
                     <a:lstStyle/>
                     <a:p>
                       <a:r>
-                        <a:rPr lang="en-AU" sz="1200" b="1" dirty="0" smtClean="0"/>
+                        <a:rPr lang="en-AU" sz="1200" b="1" dirty="0"/>
                         <a:t>Victim</a:t>
                       </a:r>
                       <a:r>
-                        <a:rPr lang="en-AU" sz="1200" b="1" baseline="0" dirty="0" smtClean="0"/>
+                        <a:rPr lang="en-AU" sz="1200" b="1" baseline="0" dirty="0"/>
                         <a:t> Reports</a:t>
                       </a:r>
                       <a:endParaRPr lang="en-US" sz="1200" b="1" dirty="0"/>
@@ -13055,7 +13200,7 @@
                     <a:p>
                       <a:pPr algn="ctr"/>
                       <a:r>
-                        <a:rPr lang="en-AU" sz="1200" dirty="0" smtClean="0">
+                        <a:rPr lang="en-AU" sz="1200" dirty="0">
                           <a:solidFill>
                             <a:schemeClr val="accent5">
                               <a:lumMod val="75000"/>
@@ -13086,11 +13231,11 @@
                     <a:p>
                       <a:pPr algn="ctr"/>
                       <a:r>
-                        <a:rPr lang="en-AU" sz="1200" dirty="0" smtClean="0"/>
+                        <a:rPr lang="en-AU" sz="1200" dirty="0"/>
                         <a:t>2013, 2014</a:t>
                       </a:r>
                       <a:r>
-                        <a:rPr lang="en-AU" sz="1200" dirty="0" smtClean="0">
+                        <a:rPr lang="en-AU" sz="1200" dirty="0">
                           <a:solidFill>
                             <a:schemeClr val="tx1"/>
                           </a:solidFill>
@@ -13098,11 +13243,11 @@
                         <a:t>, 2017</a:t>
                       </a:r>
                       <a:r>
-                        <a:rPr lang="en-AU" sz="1200" dirty="0" smtClean="0"/>
+                        <a:rPr lang="en-AU" sz="1200" dirty="0"/>
                         <a:t>, </a:t>
                       </a:r>
                       <a:r>
-                        <a:rPr lang="en-AU" sz="1200" dirty="0" smtClean="0">
+                        <a:rPr lang="en-AU" sz="1200" dirty="0">
                           <a:solidFill>
                             <a:schemeClr val="accent5">
                               <a:lumMod val="75000"/>
@@ -13133,7 +13278,7 @@
                     <a:p>
                       <a:pPr algn="ctr"/>
                       <a:r>
-                        <a:rPr lang="en-US" sz="1200" kern="1200" dirty="0" smtClean="0">
+                        <a:rPr lang="en-US" sz="1200" kern="1200" dirty="0">
                           <a:solidFill>
                             <a:srgbClr val="FF0000"/>
                           </a:solidFill>
@@ -13144,11 +13289,11 @@
                         <a:t>Ÿ</a:t>
                       </a:r>
                       <a:r>
-                        <a:rPr lang="en-AU" sz="1200" dirty="0" smtClean="0"/>
+                        <a:rPr lang="en-AU" sz="1200" dirty="0"/>
                         <a:t>0.02, </a:t>
                       </a:r>
                       <a:r>
-                        <a:rPr lang="en-US" sz="1200" kern="1200" dirty="0" smtClean="0">
+                        <a:rPr lang="en-US" sz="1200" kern="1200" dirty="0">
                           <a:solidFill>
                             <a:srgbClr val="FF0000"/>
                           </a:solidFill>
@@ -13159,11 +13304,11 @@
                         <a:t>Ÿ</a:t>
                       </a:r>
                       <a:r>
-                        <a:rPr lang="en-AU" sz="1200" dirty="0" smtClean="0"/>
+                        <a:rPr lang="en-AU" sz="1200" dirty="0"/>
                         <a:t>0.05, </a:t>
                       </a:r>
                       <a:r>
-                        <a:rPr lang="en-US" sz="1200" kern="1200" dirty="0" smtClean="0">
+                        <a:rPr lang="en-US" sz="1200" kern="1200" dirty="0">
                           <a:solidFill>
                             <a:srgbClr val="00B050"/>
                           </a:solidFill>
@@ -13174,11 +13319,11 @@
                         <a:t>”</a:t>
                       </a:r>
                       <a:r>
-                        <a:rPr lang="en-AU" sz="1200" dirty="0" smtClean="0"/>
+                        <a:rPr lang="en-AU" sz="1200" dirty="0"/>
                         <a:t>-0.04, </a:t>
                       </a:r>
                       <a:r>
-                        <a:rPr lang="en-US" sz="1200" kern="1200" dirty="0" smtClean="0">
+                        <a:rPr lang="en-US" sz="1200" kern="1200" dirty="0">
                           <a:solidFill>
                             <a:srgbClr val="FF0000"/>
                           </a:solidFill>
@@ -13189,7 +13334,7 @@
                         <a:t>Ÿ</a:t>
                       </a:r>
                       <a:r>
-                        <a:rPr lang="en-AU" sz="1200" dirty="0" smtClean="0"/>
+                        <a:rPr lang="en-AU" sz="1200" dirty="0"/>
                         <a:t>0.08</a:t>
                       </a:r>
                       <a:endParaRPr lang="en-US" sz="1200" dirty="0"/>
@@ -13201,6 +13346,11 @@
                     </a:solidFill>
                   </a:tcPr>
                 </a:tc>
+                <a:extLst>
+                  <a:ext uri="{0D108BD9-81ED-4DB2-BD59-A6C34878D82A}">
+                    <a16:rowId xmlns:a16="http://schemas.microsoft.com/office/drawing/2014/main" val="10005"/>
+                  </a:ext>
+                </a:extLst>
               </a:tr>
               <a:tr h="266700">
                 <a:tc rowSpan="4">
@@ -13209,7 +13359,7 @@
                     <a:lstStyle/>
                     <a:p>
                       <a:r>
-                        <a:rPr lang="en-AU" sz="1200" b="1" dirty="0" smtClean="0"/>
+                        <a:rPr lang="en-AU" sz="1200" b="1" dirty="0"/>
                         <a:t>Family Incidents</a:t>
                       </a:r>
                       <a:endParaRPr lang="en-US" sz="1200" b="1" dirty="0"/>
@@ -13231,11 +13381,11 @@
                         <a:buNone/>
                       </a:pPr>
                       <a:r>
-                        <a:rPr lang="en-AU" sz="1200" dirty="0" smtClean="0"/>
+                        <a:rPr lang="en-AU" sz="1200" dirty="0"/>
                         <a:t>North</a:t>
                       </a:r>
                       <a:r>
-                        <a:rPr lang="en-AU" sz="1200" baseline="0" dirty="0" smtClean="0"/>
+                        <a:rPr lang="en-AU" sz="1200" baseline="0" dirty="0"/>
                         <a:t> West Metro</a:t>
                       </a:r>
                     </a:p>
@@ -13253,7 +13403,7 @@
                     <a:p>
                       <a:pPr algn="ctr"/>
                       <a:r>
-                        <a:rPr lang="en-AU" sz="1200" dirty="0" smtClean="0"/>
+                        <a:rPr lang="en-AU" sz="1200" dirty="0"/>
                         <a:t>2018</a:t>
                       </a:r>
                     </a:p>
@@ -13271,7 +13421,7 @@
                     <a:p>
                       <a:pPr algn="ctr"/>
                       <a:r>
-                        <a:rPr lang="en-US" sz="1200" kern="1200" dirty="0" smtClean="0">
+                        <a:rPr lang="en-US" sz="1200" kern="1200" dirty="0">
                           <a:solidFill>
                             <a:srgbClr val="FF0000"/>
                           </a:solidFill>
@@ -13282,7 +13432,7 @@
                         <a:t>Ÿ</a:t>
                       </a:r>
                       <a:r>
-                        <a:rPr lang="en-AU" sz="1200" dirty="0" smtClean="0"/>
+                        <a:rPr lang="en-AU" sz="1200" dirty="0"/>
                         <a:t>0.08</a:t>
                       </a:r>
                     </a:p>
@@ -13293,6 +13443,11 @@
                     </a:solidFill>
                   </a:tcPr>
                 </a:tc>
+                <a:extLst>
+                  <a:ext uri="{0D108BD9-81ED-4DB2-BD59-A6C34878D82A}">
+                    <a16:rowId xmlns:a16="http://schemas.microsoft.com/office/drawing/2014/main" val="10006"/>
+                  </a:ext>
+                </a:extLst>
               </a:tr>
               <a:tr h="169329">
                 <a:tc vMerge="1">
@@ -13328,7 +13483,7 @@
                         <a:defRPr/>
                       </a:pPr>
                       <a:r>
-                        <a:rPr lang="en-AU" sz="1200" baseline="0" dirty="0" smtClean="0">
+                        <a:rPr lang="en-AU" sz="1200" baseline="0" dirty="0">
                           <a:solidFill>
                             <a:schemeClr val="accent5">
                               <a:lumMod val="75000"/>
@@ -13368,7 +13523,7 @@
                         <a:defRPr/>
                       </a:pPr>
                       <a:r>
-                        <a:rPr lang="en-AU" sz="1200" dirty="0" smtClean="0">
+                        <a:rPr lang="en-AU" sz="1200" dirty="0">
                           <a:solidFill>
                             <a:schemeClr val="accent5">
                               <a:lumMod val="75000"/>
@@ -13408,7 +13563,7 @@
                         <a:defRPr/>
                       </a:pPr>
                       <a:r>
-                        <a:rPr lang="en-US" sz="1200" kern="1200" dirty="0" smtClean="0">
+                        <a:rPr lang="en-US" sz="1200" kern="1200" dirty="0">
                           <a:solidFill>
                             <a:srgbClr val="FF0000"/>
                           </a:solidFill>
@@ -13419,7 +13574,7 @@
                         <a:t>Ÿ</a:t>
                       </a:r>
                       <a:r>
-                        <a:rPr lang="en-AU" sz="1200" dirty="0" smtClean="0"/>
+                        <a:rPr lang="en-AU" sz="1200" dirty="0"/>
                         <a:t>0.09</a:t>
                       </a:r>
                     </a:p>
@@ -13430,6 +13585,11 @@
                     </a:solidFill>
                   </a:tcPr>
                 </a:tc>
+                <a:extLst>
+                  <a:ext uri="{0D108BD9-81ED-4DB2-BD59-A6C34878D82A}">
+                    <a16:rowId xmlns:a16="http://schemas.microsoft.com/office/drawing/2014/main" val="10007"/>
+                  </a:ext>
+                </a:extLst>
               </a:tr>
               <a:tr h="251879">
                 <a:tc vMerge="1">
@@ -13452,7 +13612,7 @@
                         <a:buNone/>
                       </a:pPr>
                       <a:r>
-                        <a:rPr lang="en-AU" sz="1200" baseline="0" dirty="0" smtClean="0">
+                        <a:rPr lang="en-AU" sz="1200" baseline="0" dirty="0">
                           <a:solidFill>
                             <a:srgbClr val="0070C0"/>
                           </a:solidFill>
@@ -13479,7 +13639,7 @@
                     <a:p>
                       <a:pPr algn="ctr"/>
                       <a:r>
-                        <a:rPr lang="en-AU" sz="1200" dirty="0" smtClean="0">
+                        <a:rPr lang="en-AU" sz="1200" dirty="0">
                           <a:solidFill>
                             <a:srgbClr val="0070C0"/>
                           </a:solidFill>
@@ -13522,7 +13682,7 @@
                         <a:defRPr/>
                       </a:pPr>
                       <a:r>
-                        <a:rPr lang="en-US" sz="1200" kern="1200" dirty="0" smtClean="0">
+                        <a:rPr lang="en-US" sz="1200" kern="1200" dirty="0">
                           <a:solidFill>
                             <a:srgbClr val="FF0000"/>
                           </a:solidFill>
@@ -13533,7 +13693,7 @@
                         <a:t>Ÿ</a:t>
                       </a:r>
                       <a:r>
-                        <a:rPr lang="en-AU" sz="1200" dirty="0" smtClean="0"/>
+                        <a:rPr lang="en-AU" sz="1200" dirty="0"/>
                         <a:t>0.13</a:t>
                       </a:r>
                     </a:p>
@@ -13544,6 +13704,11 @@
                     </a:solidFill>
                   </a:tcPr>
                 </a:tc>
+                <a:extLst>
+                  <a:ext uri="{0D108BD9-81ED-4DB2-BD59-A6C34878D82A}">
+                    <a16:rowId xmlns:a16="http://schemas.microsoft.com/office/drawing/2014/main" val="10008"/>
+                  </a:ext>
+                </a:extLst>
               </a:tr>
               <a:tr h="205740">
                 <a:tc vMerge="1">
@@ -13579,10 +13744,10 @@
                         <a:defRPr/>
                       </a:pPr>
                       <a:r>
-                        <a:rPr lang="en-AU" sz="1200" baseline="0" dirty="0" smtClean="0"/>
+                        <a:rPr lang="en-AU" sz="1200" baseline="0" dirty="0"/>
                         <a:t>West</a:t>
                       </a:r>
-                      <a:endParaRPr lang="en-US" sz="1200" dirty="0" smtClean="0"/>
+                      <a:endParaRPr lang="en-US" sz="1200" dirty="0"/>
                     </a:p>
                   </a:txBody>
                   <a:tcPr anchor="ctr">
@@ -13614,10 +13779,10 @@
                         <a:defRPr/>
                       </a:pPr>
                       <a:r>
-                        <a:rPr lang="en-AU" sz="1200" dirty="0" smtClean="0"/>
+                        <a:rPr lang="en-AU" sz="1200" dirty="0"/>
                         <a:t>2021</a:t>
                       </a:r>
-                      <a:endParaRPr lang="en-US" sz="1200" dirty="0" smtClean="0"/>
+                      <a:endParaRPr lang="en-US" sz="1200" dirty="0"/>
                     </a:p>
                   </a:txBody>
                   <a:tcPr anchor="ctr">
@@ -13649,7 +13814,7 @@
                         <a:defRPr/>
                       </a:pPr>
                       <a:r>
-                        <a:rPr lang="en-US" sz="1200" kern="1200" dirty="0" smtClean="0">
+                        <a:rPr lang="en-US" sz="1200" kern="1200" dirty="0">
                           <a:solidFill>
                             <a:srgbClr val="FF0000"/>
                           </a:solidFill>
@@ -13660,10 +13825,10 @@
                         <a:t>Ÿ</a:t>
                       </a:r>
                       <a:r>
-                        <a:rPr lang="en-AU" sz="1200" dirty="0" smtClean="0"/>
+                        <a:rPr lang="en-AU" sz="1200" dirty="0"/>
                         <a:t>0.07</a:t>
                       </a:r>
-                      <a:endParaRPr lang="en-US" sz="1200" dirty="0" smtClean="0"/>
+                      <a:endParaRPr lang="en-US" sz="1200" dirty="0"/>
                     </a:p>
                   </a:txBody>
                   <a:tcPr anchor="ctr">
@@ -13672,6 +13837,11 @@
                     </a:solidFill>
                   </a:tcPr>
                 </a:tc>
+                <a:extLst>
+                  <a:ext uri="{0D108BD9-81ED-4DB2-BD59-A6C34878D82A}">
+                    <a16:rowId xmlns:a16="http://schemas.microsoft.com/office/drawing/2014/main" val="10009"/>
+                  </a:ext>
+                </a:extLst>
               </a:tr>
             </a:tbl>
           </a:graphicData>
@@ -13700,7 +13870,7 @@
           <a:lstStyle/>
           <a:p>
             <a:r>
-              <a:rPr lang="en-AU" sz="1400" b="1" dirty="0" smtClean="0"/>
+              <a:rPr lang="en-AU" sz="1400" b="1" dirty="0"/>
               <a:t>Percentage Changes of Number of Incidents and Offences by Police Region</a:t>
             </a:r>
             <a:endParaRPr lang="en-US" sz="1400" b="1" dirty="0"/>
@@ -13729,12 +13899,12 @@
           <a:lstStyle/>
           <a:p>
             <a:r>
-              <a:rPr lang="en-US" sz="1200" b="1" u="sng" dirty="0" smtClean="0"/>
+              <a:rPr lang="en-US" sz="1200" b="1" u="sng" dirty="0"/>
               <a:t>Observation:</a:t>
             </a:r>
           </a:p>
           <a:p>
-            <a:endParaRPr lang="en-US" sz="1200" b="1" dirty="0" smtClean="0"/>
+            <a:endParaRPr lang="en-US" sz="1200" b="1" dirty="0"/>
           </a:p>
           <a:p>
             <a:pPr>
@@ -13742,11 +13912,11 @@
               <a:buChar char="v"/>
             </a:pPr>
             <a:r>
-              <a:rPr lang="en-AU" sz="1200" dirty="0" smtClean="0"/>
+              <a:rPr lang="en-AU" sz="1200" dirty="0"/>
               <a:t> Year </a:t>
             </a:r>
             <a:r>
-              <a:rPr lang="en-AU" sz="1200" dirty="0" smtClean="0">
+              <a:rPr lang="en-AU" sz="1200" dirty="0">
                 <a:solidFill>
                   <a:schemeClr val="accent5">
                     <a:lumMod val="75000"/>
@@ -13756,23 +13926,23 @@
               <a:t>2019</a:t>
             </a:r>
             <a:r>
-              <a:rPr lang="en-AU" sz="1200" dirty="0" smtClean="0"/>
+              <a:rPr lang="en-AU" sz="1200" dirty="0"/>
               <a:t>, </a:t>
             </a:r>
             <a:r>
-              <a:rPr lang="en-AU" sz="1200" i="1" u="sng" dirty="0" smtClean="0"/>
+              <a:rPr lang="en-AU" sz="1200" i="1" u="sng" dirty="0"/>
               <a:t>East </a:t>
             </a:r>
             <a:r>
-              <a:rPr lang="en-AU" sz="1200" dirty="0" smtClean="0"/>
+              <a:rPr lang="en-AU" sz="1200" dirty="0"/>
               <a:t>region is taking the lead in increasing in </a:t>
             </a:r>
             <a:r>
-              <a:rPr lang="en-US" sz="1200" dirty="0" smtClean="0"/>
+              <a:rPr lang="en-US" sz="1200" dirty="0"/>
               <a:t>Crime Incidents (</a:t>
             </a:r>
             <a:r>
-              <a:rPr lang="en-US" sz="1200" dirty="0" smtClean="0">
+              <a:rPr lang="en-US" sz="1200" dirty="0">
                 <a:solidFill>
                   <a:srgbClr val="FF0000"/>
                 </a:solidFill>
@@ -13781,15 +13951,15 @@
               <a:t>Ÿ</a:t>
             </a:r>
             <a:r>
-              <a:rPr lang="en-AU" sz="1200" dirty="0" smtClean="0"/>
+              <a:rPr lang="en-AU" sz="1200" dirty="0"/>
               <a:t>0.06)</a:t>
             </a:r>
             <a:r>
-              <a:rPr lang="en-US" sz="1200" dirty="0" smtClean="0"/>
+              <a:rPr lang="en-US" sz="1200" dirty="0"/>
               <a:t>, Victim Reports (</a:t>
             </a:r>
             <a:r>
-              <a:rPr lang="en-US" sz="1200" dirty="0" smtClean="0">
+              <a:rPr lang="en-US" sz="1200" dirty="0">
                 <a:solidFill>
                   <a:srgbClr val="FF0000"/>
                 </a:solidFill>
@@ -13798,15 +13968,15 @@
               <a:t>Ÿ</a:t>
             </a:r>
             <a:r>
-              <a:rPr lang="en-AU" sz="1200" dirty="0" smtClean="0"/>
+              <a:rPr lang="en-AU" sz="1200" dirty="0"/>
               <a:t>0.08) </a:t>
             </a:r>
             <a:r>
-              <a:rPr lang="en-US" sz="1200" dirty="0" smtClean="0"/>
+              <a:rPr lang="en-US" sz="1200" dirty="0"/>
               <a:t>and Family Incidents (</a:t>
             </a:r>
             <a:r>
-              <a:rPr lang="en-US" sz="1200" dirty="0" smtClean="0">
+              <a:rPr lang="en-US" sz="1200" dirty="0">
                 <a:solidFill>
                   <a:srgbClr val="FF0000"/>
                 </a:solidFill>
@@ -13815,11 +13985,11 @@
               <a:t>Ÿ</a:t>
             </a:r>
             <a:r>
-              <a:rPr lang="en-AU" sz="1200" dirty="0" smtClean="0"/>
+              <a:rPr lang="en-AU" sz="1200" dirty="0"/>
               <a:t>0.09</a:t>
             </a:r>
             <a:r>
-              <a:rPr lang="en-US" sz="1200" dirty="0" smtClean="0"/>
+              <a:rPr lang="en-US" sz="1200" dirty="0"/>
               <a:t>) compares to other Police Service regions.</a:t>
             </a:r>
           </a:p>
@@ -13828,7 +13998,7 @@
               <a:buFont typeface="Wingdings" pitchFamily="2" charset="2"/>
               <a:buChar char="v"/>
             </a:pPr>
-            <a:endParaRPr lang="en-US" sz="1200" dirty="0" smtClean="0"/>
+            <a:endParaRPr lang="en-US" sz="1200" dirty="0"/>
           </a:p>
           <a:p>
             <a:pPr>
@@ -13836,11 +14006,11 @@
               <a:buChar char="v"/>
             </a:pPr>
             <a:r>
-              <a:rPr lang="en-US" sz="1200" dirty="0" smtClean="0"/>
+              <a:rPr lang="en-US" sz="1200" dirty="0"/>
               <a:t> Year </a:t>
             </a:r>
             <a:r>
-              <a:rPr lang="en-US" sz="1200" dirty="0" smtClean="0">
+              <a:rPr lang="en-US" sz="1200" dirty="0">
                 <a:solidFill>
                   <a:srgbClr val="0070C0"/>
                 </a:solidFill>
@@ -13848,23 +14018,23 @@
               <a:t>2020</a:t>
             </a:r>
             <a:r>
-              <a:rPr lang="en-US" sz="1200" dirty="0" smtClean="0"/>
+              <a:rPr lang="en-US" sz="1200" dirty="0"/>
               <a:t>, </a:t>
             </a:r>
             <a:r>
-              <a:rPr lang="en-US" sz="1200" i="1" u="sng" dirty="0" smtClean="0"/>
+              <a:rPr lang="en-US" sz="1200" i="1" u="sng" dirty="0"/>
               <a:t>Southern Metropolitan</a:t>
             </a:r>
             <a:r>
-              <a:rPr lang="en-US" sz="1200" i="1" dirty="0" smtClean="0"/>
+              <a:rPr lang="en-US" sz="1200" i="1" dirty="0"/>
               <a:t> </a:t>
             </a:r>
             <a:r>
-              <a:rPr lang="en-US" sz="1200" dirty="0" smtClean="0"/>
+              <a:rPr lang="en-US" sz="1200" dirty="0"/>
               <a:t>region is having the highest increase in the Crime Incidents (</a:t>
             </a:r>
             <a:r>
-              <a:rPr lang="en-US" sz="1200" dirty="0" smtClean="0">
+              <a:rPr lang="en-US" sz="1200" dirty="0">
                 <a:solidFill>
                   <a:srgbClr val="FF0000"/>
                 </a:solidFill>
@@ -13873,15 +14043,15 @@
               <a:t>Ÿ</a:t>
             </a:r>
             <a:r>
-              <a:rPr lang="en-AU" sz="1200" dirty="0" smtClean="0"/>
+              <a:rPr lang="en-AU" sz="1200" dirty="0"/>
               <a:t>0.06</a:t>
             </a:r>
             <a:r>
-              <a:rPr lang="en-US" sz="1200" dirty="0" smtClean="0"/>
+              <a:rPr lang="en-US" sz="1200" dirty="0"/>
               <a:t>), Alleged Offender Incidents (</a:t>
             </a:r>
             <a:r>
-              <a:rPr lang="en-US" sz="1200" dirty="0" smtClean="0">
+              <a:rPr lang="en-US" sz="1200" dirty="0">
                 <a:solidFill>
                   <a:srgbClr val="FF0000"/>
                 </a:solidFill>
@@ -13890,15 +14060,15 @@
               <a:t>Ÿ</a:t>
             </a:r>
             <a:r>
-              <a:rPr lang="en-AU" sz="1200" dirty="0" smtClean="0"/>
+              <a:rPr lang="en-AU" sz="1200" dirty="0"/>
               <a:t>0.26</a:t>
             </a:r>
             <a:r>
-              <a:rPr lang="en-US" sz="1200" dirty="0" smtClean="0"/>
+              <a:rPr lang="en-US" sz="1200" dirty="0"/>
               <a:t>) and Family Incidents (</a:t>
             </a:r>
             <a:r>
-              <a:rPr lang="en-US" sz="1200" dirty="0" smtClean="0">
+              <a:rPr lang="en-US" sz="1200" dirty="0">
                 <a:solidFill>
                   <a:srgbClr val="FF0000"/>
                 </a:solidFill>
@@ -13907,14 +14077,13 @@
               <a:t>Ÿ</a:t>
             </a:r>
             <a:r>
-              <a:rPr lang="en-AU" sz="1200" dirty="0" smtClean="0"/>
+              <a:rPr lang="en-AU" sz="1200" dirty="0"/>
               <a:t>0.13)</a:t>
             </a:r>
             <a:r>
-              <a:rPr lang="en-US" sz="1200" dirty="0" smtClean="0"/>
+              <a:rPr lang="en-US" sz="1200" dirty="0"/>
               <a:t> compares to other Police Service regions.</a:t>
             </a:r>
-            <a:endParaRPr lang="en-US" sz="1200" dirty="0"/>
           </a:p>
         </p:txBody>
       </p:sp>
@@ -13945,20 +14114,13 @@
     </p:spTree>
     <p:extLst>
       <p:ext uri="{BB962C8B-B14F-4D97-AF65-F5344CB8AC3E}">
-        <p14:creationId xmlns="" xmlns:p14="http://schemas.microsoft.com/office/powerpoint/2010/main" val="4047589959"/>
+        <p14:creationId xmlns:p14="http://schemas.microsoft.com/office/powerpoint/2010/main" val="4047589959"/>
       </p:ext>
     </p:extLst>
   </p:cSld>
   <p:clrMapOvr>
     <a:masterClrMapping/>
   </p:clrMapOvr>
-  <p:timing>
-    <p:tnLst>
-      <p:par>
-        <p:cTn id="1" dur="indefinite" restart="never" nodeType="tmRoot"/>
-      </p:par>
-    </p:tnLst>
-  </p:timing>
 </p:sld>
 </file>
 
@@ -13984,7 +14146,7 @@
           <p:cNvPr id="2" name="Title 1">
             <a:extLst>
               <a:ext uri="{FF2B5EF4-FFF2-40B4-BE49-F238E27FC236}">
-                <a16:creationId xmlns="" xmlns:a16="http://schemas.microsoft.com/office/drawing/2014/main" id="{A4F9A5E3-95C5-4F3E-80A5-1BD7B12920D3}"/>
+                <a16:creationId xmlns:a16="http://schemas.microsoft.com/office/drawing/2014/main" id="{A4F9A5E3-95C5-4F3E-80A5-1BD7B12920D3}"/>
               </a:ext>
             </a:extLst>
           </p:cNvPr>
@@ -14009,18 +14171,9 @@
           <a:p>
             <a:pPr algn="ctr"/>
             <a:r>
-              <a:rPr lang="en-AU" sz="3200" dirty="0" smtClean="0"/>
-              <a:t>Victoria </a:t>
+              <a:rPr lang="en-AU" sz="3200" dirty="0"/>
+              <a:t>Victoria Crimes Data Maps</a:t>
             </a:r>
-            <a:r>
-              <a:rPr lang="en-AU" sz="3200" dirty="0" smtClean="0"/>
-              <a:t>Crimes </a:t>
-            </a:r>
-            <a:r>
-              <a:rPr lang="en-AU" sz="3200" dirty="0" smtClean="0"/>
-              <a:t>Data Maps</a:t>
-            </a:r>
-            <a:endParaRPr lang="en-AU" sz="3200" dirty="0"/>
           </a:p>
         </p:txBody>
       </p:sp>
@@ -14079,7 +14232,7 @@
           <a:p>
             <a:pPr algn="ctr"/>
             <a:r>
-              <a:rPr lang="en-AU" dirty="0" smtClean="0"/>
+              <a:rPr lang="en-AU" dirty="0"/>
               <a:t>Average 10 years data of Criminal Incidents, Recorded Offence Count,  Alleged Incidents &amp; Victim Reports</a:t>
             </a:r>
             <a:endParaRPr lang="en-US" dirty="0"/>
@@ -14108,7 +14261,7 @@
           <a:lstStyle/>
           <a:p>
             <a:r>
-              <a:rPr lang="en-US" b="1" dirty="0" smtClean="0"/>
+              <a:rPr lang="en-US" b="1" dirty="0"/>
               <a:t>Display By Local Government Area</a:t>
             </a:r>
           </a:p>
@@ -14136,7 +14289,7 @@
           <a:lstStyle/>
           <a:p>
             <a:r>
-              <a:rPr lang="en-US" b="1" dirty="0" smtClean="0"/>
+              <a:rPr lang="en-US" b="1" dirty="0"/>
               <a:t>Display By Police Service Region</a:t>
             </a:r>
           </a:p>
@@ -14201,20 +14354,120 @@
     </p:spTree>
     <p:extLst>
       <p:ext uri="{BB962C8B-B14F-4D97-AF65-F5344CB8AC3E}">
-        <p14:creationId xmlns="" xmlns:p14="http://schemas.microsoft.com/office/powerpoint/2010/main" val="4047589959"/>
+        <p14:creationId xmlns:p14="http://schemas.microsoft.com/office/powerpoint/2010/main" val="4047589959"/>
       </p:ext>
     </p:extLst>
   </p:cSld>
   <p:clrMapOvr>
     <a:masterClrMapping/>
   </p:clrMapOvr>
-  <p:timing>
-    <p:tnLst>
-      <p:par>
-        <p:cTn id="1" dur="indefinite" restart="never" nodeType="tmRoot"/>
-      </p:par>
-    </p:tnLst>
-  </p:timing>
+</p:sld>
+</file>
+
+<file path=ppt/slides/slide9.xml><?xml version="1.0" encoding="utf-8"?>
+<p:sld xmlns:a="http://schemas.openxmlformats.org/drawingml/2006/main" xmlns:r="http://schemas.openxmlformats.org/officeDocument/2006/relationships" xmlns:p="http://schemas.openxmlformats.org/presentationml/2006/main">
+  <p:cSld>
+    <p:spTree>
+      <p:nvGrpSpPr>
+        <p:cNvPr id="1" name=""/>
+        <p:cNvGrpSpPr/>
+        <p:nvPr/>
+      </p:nvGrpSpPr>
+      <p:grpSpPr>
+        <a:xfrm>
+          <a:off x="0" y="0"/>
+          <a:ext cx="0" cy="0"/>
+          <a:chOff x="0" y="0"/>
+          <a:chExt cx="0" cy="0"/>
+        </a:xfrm>
+      </p:grpSpPr>
+      <p:pic>
+        <p:nvPicPr>
+          <p:cNvPr id="5" name="Content Placeholder 4" descr="Close-up of raised hands at office training with speaker out of focus in background">
+            <a:extLst>
+              <a:ext uri="{FF2B5EF4-FFF2-40B4-BE49-F238E27FC236}">
+                <a16:creationId xmlns:a16="http://schemas.microsoft.com/office/drawing/2014/main" id="{D9C30825-31DF-446B-B6C5-1BE4ECC5E83E}"/>
+              </a:ext>
+            </a:extLst>
+          </p:cNvPr>
+          <p:cNvPicPr>
+            <a:picLocks noGrp="1" noChangeAspect="1"/>
+          </p:cNvPicPr>
+          <p:nvPr>
+            <p:ph idx="1"/>
+          </p:nvPr>
+        </p:nvPicPr>
+        <p:blipFill rotWithShape="1">
+          <a:blip r:embed="rId2">
+            <a:extLst>
+              <a:ext uri="{28A0092B-C50C-407E-A947-70E740481C1C}">
+                <a14:useLocalDpi xmlns:a14="http://schemas.microsoft.com/office/drawing/2010/main" val="0"/>
+              </a:ext>
+            </a:extLst>
+          </a:blip>
+          <a:srcRect t="15730"/>
+          <a:stretch/>
+        </p:blipFill>
+        <p:spPr>
+          <a:xfrm>
+            <a:off x="20" y="10"/>
+            <a:ext cx="12191980" cy="6857990"/>
+          </a:xfrm>
+          <a:prstGeom prst="rect">
+            <a:avLst/>
+          </a:prstGeom>
+        </p:spPr>
+      </p:pic>
+      <p:sp>
+        <p:nvSpPr>
+          <p:cNvPr id="2" name="Title 1">
+            <a:extLst>
+              <a:ext uri="{FF2B5EF4-FFF2-40B4-BE49-F238E27FC236}">
+                <a16:creationId xmlns:a16="http://schemas.microsoft.com/office/drawing/2014/main" id="{CE670E4C-AD66-467C-A339-62A02B51FAB1}"/>
+              </a:ext>
+            </a:extLst>
+          </p:cNvPr>
+          <p:cNvSpPr>
+            <a:spLocks noGrp="1"/>
+          </p:cNvSpPr>
+          <p:nvPr>
+            <p:ph type="title"/>
+          </p:nvPr>
+        </p:nvSpPr>
+        <p:spPr>
+          <a:xfrm>
+            <a:off x="2506639" y="215153"/>
+            <a:ext cx="7178723" cy="1757082"/>
+          </a:xfrm>
+        </p:spPr>
+        <p:txBody>
+          <a:bodyPr vert="horz" lIns="91440" tIns="45720" rIns="91440" bIns="45720" rtlCol="0" anchor="b">
+            <a:normAutofit/>
+          </a:bodyPr>
+          <a:lstStyle/>
+          <a:p>
+            <a:pPr algn="ctr"/>
+            <a:r>
+              <a:rPr lang="en-US" sz="5400">
+                <a:solidFill>
+                  <a:srgbClr val="FFFFFF"/>
+                </a:solidFill>
+              </a:rPr>
+              <a:t>Q&amp;A</a:t>
+            </a:r>
+          </a:p>
+        </p:txBody>
+      </p:sp>
+    </p:spTree>
+    <p:extLst>
+      <p:ext uri="{BB962C8B-B14F-4D97-AF65-F5344CB8AC3E}">
+        <p14:creationId xmlns:p14="http://schemas.microsoft.com/office/powerpoint/2010/main" val="3348356996"/>
+      </p:ext>
+    </p:extLst>
+  </p:cSld>
+  <p:clrMapOvr>
+    <a:masterClrMapping/>
+  </p:clrMapOvr>
 </p:sld>
 </file>
 
@@ -14413,7 +14666,7 @@
   <a:extraClrSchemeLst/>
   <a:extLst>
     <a:ext uri="{05A4C25C-085E-4340-85A3-A5531E510DB2}">
-      <thm15:themeFamily xmlns="" xmlns:thm15="http://schemas.microsoft.com/office/thememl/2012/main" name="BohemianVTI" id="{B5E50611-F7C7-47BC-81A6-BE9493DF8677}" vid="{7A26D0DD-A1A5-444B-B0FB-E7DB9E2D047F}"/>
+      <thm15:themeFamily xmlns:thm15="http://schemas.microsoft.com/office/thememl/2012/main" name="BohemianVTI" id="{B5E50611-F7C7-47BC-81A6-BE9493DF8677}" vid="{7A26D0DD-A1A5-444B-B0FB-E7DB9E2D047F}"/>
     </a:ext>
   </a:extLst>
 </a:theme>
@@ -14708,7 +14961,7 @@
   <a:extraClrSchemeLst/>
   <a:extLst>
     <a:ext uri="{05A4C25C-085E-4340-85A3-A5531E510DB2}">
-      <thm15:themeFamily xmlns="" xmlns:thm15="http://schemas.microsoft.com/office/thememl/2012/main" name="Office Theme" id="{62F939B6-93AF-4DB8-9C6B-D6C7DFDC589F}" vid="{4A3C46E8-61CC-4603-A589-7422A47A8E4A}"/>
+      <thm15:themeFamily xmlns:thm15="http://schemas.microsoft.com/office/thememl/2012/main" name="Office Theme" id="{62F939B6-93AF-4DB8-9C6B-D6C7DFDC589F}" vid="{4A3C46E8-61CC-4603-A589-7422A47A8E4A}"/>
     </a:ext>
   </a:extLst>
 </a:theme>
